--- a/xlgs-analytics-2_0-slides.pptx
+++ b/xlgs-analytics-2_0-slides.pptx
@@ -5,7 +5,7 @@
     <p:sldMasterId id="2147483648" r:id="rId1"/>
   </p:sldMasterIdLst>
   <p:notesMasterIdLst>
-    <p:notesMasterId r:id="rId16"/>
+    <p:notesMasterId r:id="rId33"/>
   </p:notesMasterIdLst>
   <p:sldIdLst>
     <p:sldId id="257" r:id="rId2"/>
@@ -15,37 +15,54 @@
     <p:sldId id="362" r:id="rId6"/>
     <p:sldId id="394" r:id="rId7"/>
     <p:sldId id="364" r:id="rId8"/>
-    <p:sldId id="372" r:id="rId9"/>
-    <p:sldId id="378" r:id="rId10"/>
-    <p:sldId id="379" r:id="rId11"/>
-    <p:sldId id="380" r:id="rId12"/>
-    <p:sldId id="387" r:id="rId13"/>
-    <p:sldId id="365" r:id="rId14"/>
-    <p:sldId id="311" r:id="rId15"/>
+    <p:sldId id="378" r:id="rId9"/>
+    <p:sldId id="395" r:id="rId10"/>
+    <p:sldId id="372" r:id="rId11"/>
+    <p:sldId id="396" r:id="rId12"/>
+    <p:sldId id="397" r:id="rId13"/>
+    <p:sldId id="398" r:id="rId14"/>
+    <p:sldId id="387" r:id="rId15"/>
+    <p:sldId id="365" r:id="rId16"/>
+    <p:sldId id="399" r:id="rId17"/>
+    <p:sldId id="400" r:id="rId18"/>
+    <p:sldId id="401" r:id="rId19"/>
+    <p:sldId id="402" r:id="rId20"/>
+    <p:sldId id="403" r:id="rId21"/>
+    <p:sldId id="404" r:id="rId22"/>
+    <p:sldId id="407" r:id="rId23"/>
+    <p:sldId id="408" r:id="rId24"/>
+    <p:sldId id="405" r:id="rId25"/>
+    <p:sldId id="412" r:id="rId26"/>
+    <p:sldId id="413" r:id="rId27"/>
+    <p:sldId id="406" r:id="rId28"/>
+    <p:sldId id="409" r:id="rId29"/>
+    <p:sldId id="410" r:id="rId30"/>
+    <p:sldId id="411" r:id="rId31"/>
+    <p:sldId id="311" r:id="rId32"/>
   </p:sldIdLst>
   <p:sldSz cx="18288000" cy="10287000"/>
   <p:notesSz cx="6858000" cy="9144000"/>
   <p:embeddedFontLst>
     <p:embeddedFont>
       <p:font typeface="Consolas" panose="020B0609020204030204" pitchFamily="49" charset="0"/>
-      <p:regular r:id="rId17"/>
-      <p:bold r:id="rId18"/>
-      <p:italic r:id="rId19"/>
-      <p:boldItalic r:id="rId20"/>
+      <p:regular r:id="rId34"/>
+      <p:bold r:id="rId35"/>
+      <p:italic r:id="rId36"/>
+      <p:boldItalic r:id="rId37"/>
     </p:embeddedFont>
     <p:embeddedFont>
       <p:font typeface="Plus Jakarta Sans" panose="020B0604020202020204" charset="0"/>
-      <p:regular r:id="rId21"/>
-      <p:bold r:id="rId22"/>
-      <p:italic r:id="rId23"/>
-      <p:boldItalic r:id="rId24"/>
+      <p:regular r:id="rId38"/>
+      <p:bold r:id="rId39"/>
+      <p:italic r:id="rId40"/>
+      <p:boldItalic r:id="rId41"/>
     </p:embeddedFont>
     <p:embeddedFont>
       <p:font typeface="Roboto" panose="02000000000000000000" pitchFamily="2" charset="0"/>
-      <p:regular r:id="rId25"/>
-      <p:bold r:id="rId26"/>
-      <p:italic r:id="rId27"/>
-      <p:boldItalic r:id="rId28"/>
+      <p:regular r:id="rId42"/>
+      <p:bold r:id="rId43"/>
+      <p:italic r:id="rId44"/>
+      <p:boldItalic r:id="rId45"/>
     </p:embeddedFont>
   </p:embeddedFontLst>
   <p:defaultTextStyle>
@@ -262,7 +279,7 @@
           <a:p>
             <a:fld id="{17A98A70-FA8C-4354-959C-C70678AC9BCF}" type="datetimeFigureOut">
               <a:rPr lang="en-US" smtClean="0"/>
-              <a:t>11/30/2023</a:t>
+              <a:t>12/2/2023</a:t>
             </a:fld>
             <a:endParaRPr lang="en-US"/>
           </a:p>
@@ -633,6 +650,866 @@
 </p:notes>
 </file>
 
+<file path=ppt/notesSlides/notesSlide10.xml><?xml version="1.0" encoding="utf-8"?>
+<p:notes xmlns:a="http://schemas.openxmlformats.org/drawingml/2006/main" xmlns:r="http://schemas.openxmlformats.org/officeDocument/2006/relationships" xmlns:p="http://schemas.openxmlformats.org/presentationml/2006/main">
+  <p:cSld>
+    <p:spTree>
+      <p:nvGrpSpPr>
+        <p:cNvPr id="1" name=""/>
+        <p:cNvGrpSpPr/>
+        <p:nvPr/>
+      </p:nvGrpSpPr>
+      <p:grpSpPr>
+        <a:xfrm>
+          <a:off x="0" y="0"/>
+          <a:ext cx="0" cy="0"/>
+          <a:chOff x="0" y="0"/>
+          <a:chExt cx="0" cy="0"/>
+        </a:xfrm>
+      </p:grpSpPr>
+      <p:sp>
+        <p:nvSpPr>
+          <p:cNvPr id="2" name="Slide Image Placeholder 1"/>
+          <p:cNvSpPr>
+            <a:spLocks noGrp="1" noRot="1" noChangeAspect="1"/>
+          </p:cNvSpPr>
+          <p:nvPr>
+            <p:ph type="sldImg"/>
+          </p:nvPr>
+        </p:nvSpPr>
+        <p:spPr/>
+      </p:sp>
+      <p:sp>
+        <p:nvSpPr>
+          <p:cNvPr id="3" name="Notes Placeholder 2"/>
+          <p:cNvSpPr>
+            <a:spLocks noGrp="1"/>
+          </p:cNvSpPr>
+          <p:nvPr>
+            <p:ph type="body" idx="1"/>
+          </p:nvPr>
+        </p:nvSpPr>
+        <p:spPr/>
+        <p:txBody>
+          <a:bodyPr/>
+          <a:lstStyle/>
+          <a:p>
+            <a:pPr marL="228600" indent="-228600">
+              <a:buAutoNum type="arabicPeriod"/>
+            </a:pPr>
+            <a:r>
+              <a:rPr lang="en-US" dirty="0"/>
+              <a:t>False!</a:t>
+            </a:r>
+          </a:p>
+          <a:p>
+            <a:pPr marL="228600" indent="-228600">
+              <a:buAutoNum type="arabicPeriod"/>
+            </a:pPr>
+            <a:r>
+              <a:rPr lang="en-US" dirty="0"/>
+              <a:t>Function, Formula, Function</a:t>
+            </a:r>
+          </a:p>
+          <a:p>
+            <a:pPr marL="228600" indent="-228600">
+              <a:buAutoNum type="arabicPeriod"/>
+            </a:pPr>
+            <a:r>
+              <a:rPr lang="en-US" dirty="0"/>
+              <a:t>Argument</a:t>
+            </a:r>
+          </a:p>
+        </p:txBody>
+      </p:sp>
+      <p:sp>
+        <p:nvSpPr>
+          <p:cNvPr id="4" name="Slide Number Placeholder 3"/>
+          <p:cNvSpPr>
+            <a:spLocks noGrp="1"/>
+          </p:cNvSpPr>
+          <p:nvPr>
+            <p:ph type="sldNum" sz="quarter" idx="5"/>
+          </p:nvPr>
+        </p:nvSpPr>
+        <p:spPr/>
+        <p:txBody>
+          <a:bodyPr/>
+          <a:lstStyle/>
+          <a:p>
+            <a:fld id="{1300335D-9F13-4B80-ADC5-B0EA3E10FF6B}" type="slidenum">
+              <a:rPr lang="en-US" smtClean="0"/>
+              <a:t>22</a:t>
+            </a:fld>
+            <a:endParaRPr lang="en-US"/>
+          </a:p>
+        </p:txBody>
+      </p:sp>
+    </p:spTree>
+    <p:extLst>
+      <p:ext uri="{BB962C8B-B14F-4D97-AF65-F5344CB8AC3E}">
+        <p14:creationId xmlns:p14="http://schemas.microsoft.com/office/powerpoint/2010/main" val="624549242"/>
+      </p:ext>
+    </p:extLst>
+  </p:cSld>
+  <p:clrMapOvr>
+    <a:masterClrMapping/>
+  </p:clrMapOvr>
+</p:notes>
+</file>
+
+<file path=ppt/notesSlides/notesSlide11.xml><?xml version="1.0" encoding="utf-8"?>
+<p:notes xmlns:a="http://schemas.openxmlformats.org/drawingml/2006/main" xmlns:r="http://schemas.openxmlformats.org/officeDocument/2006/relationships" xmlns:p="http://schemas.openxmlformats.org/presentationml/2006/main">
+  <p:cSld>
+    <p:spTree>
+      <p:nvGrpSpPr>
+        <p:cNvPr id="1" name=""/>
+        <p:cNvGrpSpPr/>
+        <p:nvPr/>
+      </p:nvGrpSpPr>
+      <p:grpSpPr>
+        <a:xfrm>
+          <a:off x="0" y="0"/>
+          <a:ext cx="0" cy="0"/>
+          <a:chOff x="0" y="0"/>
+          <a:chExt cx="0" cy="0"/>
+        </a:xfrm>
+      </p:grpSpPr>
+      <p:sp>
+        <p:nvSpPr>
+          <p:cNvPr id="2" name="Slide Image Placeholder 1"/>
+          <p:cNvSpPr>
+            <a:spLocks noGrp="1" noRot="1" noChangeAspect="1"/>
+          </p:cNvSpPr>
+          <p:nvPr>
+            <p:ph type="sldImg"/>
+          </p:nvPr>
+        </p:nvSpPr>
+        <p:spPr/>
+      </p:sp>
+      <p:sp>
+        <p:nvSpPr>
+          <p:cNvPr id="3" name="Notes Placeholder 2"/>
+          <p:cNvSpPr>
+            <a:spLocks noGrp="1"/>
+          </p:cNvSpPr>
+          <p:nvPr>
+            <p:ph type="body" idx="1"/>
+          </p:nvPr>
+        </p:nvSpPr>
+        <p:spPr/>
+        <p:txBody>
+          <a:bodyPr/>
+          <a:lstStyle/>
+          <a:p>
+            <a:pPr marL="228600" indent="-228600">
+              <a:buAutoNum type="arabicPeriod"/>
+            </a:pPr>
+            <a:r>
+              <a:rPr lang="en-US" dirty="0"/>
+              <a:t>False!</a:t>
+            </a:r>
+          </a:p>
+          <a:p>
+            <a:pPr marL="228600" indent="-228600">
+              <a:buAutoNum type="arabicPeriod"/>
+            </a:pPr>
+            <a:r>
+              <a:rPr lang="en-US" dirty="0"/>
+              <a:t>Function, Formula, Function</a:t>
+            </a:r>
+          </a:p>
+          <a:p>
+            <a:pPr marL="228600" indent="-228600">
+              <a:buAutoNum type="arabicPeriod"/>
+            </a:pPr>
+            <a:r>
+              <a:rPr lang="en-US" dirty="0"/>
+              <a:t>Argument</a:t>
+            </a:r>
+          </a:p>
+        </p:txBody>
+      </p:sp>
+      <p:sp>
+        <p:nvSpPr>
+          <p:cNvPr id="4" name="Slide Number Placeholder 3"/>
+          <p:cNvSpPr>
+            <a:spLocks noGrp="1"/>
+          </p:cNvSpPr>
+          <p:nvPr>
+            <p:ph type="sldNum" sz="quarter" idx="5"/>
+          </p:nvPr>
+        </p:nvSpPr>
+        <p:spPr/>
+        <p:txBody>
+          <a:bodyPr/>
+          <a:lstStyle/>
+          <a:p>
+            <a:fld id="{1300335D-9F13-4B80-ADC5-B0EA3E10FF6B}" type="slidenum">
+              <a:rPr lang="en-US" smtClean="0"/>
+              <a:t>23</a:t>
+            </a:fld>
+            <a:endParaRPr lang="en-US"/>
+          </a:p>
+        </p:txBody>
+      </p:sp>
+    </p:spTree>
+    <p:extLst>
+      <p:ext uri="{BB962C8B-B14F-4D97-AF65-F5344CB8AC3E}">
+        <p14:creationId xmlns:p14="http://schemas.microsoft.com/office/powerpoint/2010/main" val="1078338250"/>
+      </p:ext>
+    </p:extLst>
+  </p:cSld>
+  <p:clrMapOvr>
+    <a:masterClrMapping/>
+  </p:clrMapOvr>
+</p:notes>
+</file>
+
+<file path=ppt/notesSlides/notesSlide12.xml><?xml version="1.0" encoding="utf-8"?>
+<p:notes xmlns:a="http://schemas.openxmlformats.org/drawingml/2006/main" xmlns:r="http://schemas.openxmlformats.org/officeDocument/2006/relationships" xmlns:p="http://schemas.openxmlformats.org/presentationml/2006/main">
+  <p:cSld>
+    <p:spTree>
+      <p:nvGrpSpPr>
+        <p:cNvPr id="1" name=""/>
+        <p:cNvGrpSpPr/>
+        <p:nvPr/>
+      </p:nvGrpSpPr>
+      <p:grpSpPr>
+        <a:xfrm>
+          <a:off x="0" y="0"/>
+          <a:ext cx="0" cy="0"/>
+          <a:chOff x="0" y="0"/>
+          <a:chExt cx="0" cy="0"/>
+        </a:xfrm>
+      </p:grpSpPr>
+      <p:sp>
+        <p:nvSpPr>
+          <p:cNvPr id="2" name="Slide Image Placeholder 1"/>
+          <p:cNvSpPr>
+            <a:spLocks noGrp="1" noRot="1" noChangeAspect="1"/>
+          </p:cNvSpPr>
+          <p:nvPr>
+            <p:ph type="sldImg"/>
+          </p:nvPr>
+        </p:nvSpPr>
+        <p:spPr/>
+      </p:sp>
+      <p:sp>
+        <p:nvSpPr>
+          <p:cNvPr id="3" name="Notes Placeholder 2"/>
+          <p:cNvSpPr>
+            <a:spLocks noGrp="1"/>
+          </p:cNvSpPr>
+          <p:nvPr>
+            <p:ph type="body" idx="1"/>
+          </p:nvPr>
+        </p:nvSpPr>
+        <p:spPr/>
+        <p:txBody>
+          <a:bodyPr/>
+          <a:lstStyle/>
+          <a:p>
+            <a:pPr marL="228600" indent="-228600">
+              <a:buAutoNum type="arabicPeriod"/>
+            </a:pPr>
+            <a:r>
+              <a:rPr lang="en-US" dirty="0"/>
+              <a:t>False!</a:t>
+            </a:r>
+          </a:p>
+          <a:p>
+            <a:pPr marL="228600" indent="-228600">
+              <a:buAutoNum type="arabicPeriod"/>
+            </a:pPr>
+            <a:r>
+              <a:rPr lang="en-US" dirty="0"/>
+              <a:t>Function, Formula, Function</a:t>
+            </a:r>
+          </a:p>
+          <a:p>
+            <a:pPr marL="228600" indent="-228600">
+              <a:buAutoNum type="arabicPeriod"/>
+            </a:pPr>
+            <a:r>
+              <a:rPr lang="en-US" dirty="0"/>
+              <a:t>Argument</a:t>
+            </a:r>
+          </a:p>
+        </p:txBody>
+      </p:sp>
+      <p:sp>
+        <p:nvSpPr>
+          <p:cNvPr id="4" name="Slide Number Placeholder 3"/>
+          <p:cNvSpPr>
+            <a:spLocks noGrp="1"/>
+          </p:cNvSpPr>
+          <p:nvPr>
+            <p:ph type="sldNum" sz="quarter" idx="5"/>
+          </p:nvPr>
+        </p:nvSpPr>
+        <p:spPr/>
+        <p:txBody>
+          <a:bodyPr/>
+          <a:lstStyle/>
+          <a:p>
+            <a:fld id="{1300335D-9F13-4B80-ADC5-B0EA3E10FF6B}" type="slidenum">
+              <a:rPr lang="en-US" smtClean="0"/>
+              <a:t>25</a:t>
+            </a:fld>
+            <a:endParaRPr lang="en-US"/>
+          </a:p>
+        </p:txBody>
+      </p:sp>
+    </p:spTree>
+    <p:extLst>
+      <p:ext uri="{BB962C8B-B14F-4D97-AF65-F5344CB8AC3E}">
+        <p14:creationId xmlns:p14="http://schemas.microsoft.com/office/powerpoint/2010/main" val="1500510141"/>
+      </p:ext>
+    </p:extLst>
+  </p:cSld>
+  <p:clrMapOvr>
+    <a:masterClrMapping/>
+  </p:clrMapOvr>
+</p:notes>
+</file>
+
+<file path=ppt/notesSlides/notesSlide13.xml><?xml version="1.0" encoding="utf-8"?>
+<p:notes xmlns:a="http://schemas.openxmlformats.org/drawingml/2006/main" xmlns:r="http://schemas.openxmlformats.org/officeDocument/2006/relationships" xmlns:p="http://schemas.openxmlformats.org/presentationml/2006/main">
+  <p:cSld>
+    <p:spTree>
+      <p:nvGrpSpPr>
+        <p:cNvPr id="1" name=""/>
+        <p:cNvGrpSpPr/>
+        <p:nvPr/>
+      </p:nvGrpSpPr>
+      <p:grpSpPr>
+        <a:xfrm>
+          <a:off x="0" y="0"/>
+          <a:ext cx="0" cy="0"/>
+          <a:chOff x="0" y="0"/>
+          <a:chExt cx="0" cy="0"/>
+        </a:xfrm>
+      </p:grpSpPr>
+      <p:sp>
+        <p:nvSpPr>
+          <p:cNvPr id="2" name="Slide Image Placeholder 1"/>
+          <p:cNvSpPr>
+            <a:spLocks noGrp="1" noRot="1" noChangeAspect="1"/>
+          </p:cNvSpPr>
+          <p:nvPr>
+            <p:ph type="sldImg"/>
+          </p:nvPr>
+        </p:nvSpPr>
+        <p:spPr/>
+      </p:sp>
+      <p:sp>
+        <p:nvSpPr>
+          <p:cNvPr id="3" name="Notes Placeholder 2"/>
+          <p:cNvSpPr>
+            <a:spLocks noGrp="1"/>
+          </p:cNvSpPr>
+          <p:nvPr>
+            <p:ph type="body" idx="1"/>
+          </p:nvPr>
+        </p:nvSpPr>
+        <p:spPr/>
+        <p:txBody>
+          <a:bodyPr/>
+          <a:lstStyle/>
+          <a:p>
+            <a:pPr marL="228600" indent="-228600">
+              <a:buAutoNum type="arabicPeriod"/>
+            </a:pPr>
+            <a:r>
+              <a:rPr lang="en-US" dirty="0"/>
+              <a:t>False!</a:t>
+            </a:r>
+          </a:p>
+          <a:p>
+            <a:pPr marL="228600" indent="-228600">
+              <a:buAutoNum type="arabicPeriod"/>
+            </a:pPr>
+            <a:r>
+              <a:rPr lang="en-US" dirty="0"/>
+              <a:t>Function, Formula, Function</a:t>
+            </a:r>
+          </a:p>
+          <a:p>
+            <a:pPr marL="228600" indent="-228600">
+              <a:buAutoNum type="arabicPeriod"/>
+            </a:pPr>
+            <a:r>
+              <a:rPr lang="en-US" dirty="0"/>
+              <a:t>Argument</a:t>
+            </a:r>
+          </a:p>
+        </p:txBody>
+      </p:sp>
+      <p:sp>
+        <p:nvSpPr>
+          <p:cNvPr id="4" name="Slide Number Placeholder 3"/>
+          <p:cNvSpPr>
+            <a:spLocks noGrp="1"/>
+          </p:cNvSpPr>
+          <p:nvPr>
+            <p:ph type="sldNum" sz="quarter" idx="5"/>
+          </p:nvPr>
+        </p:nvSpPr>
+        <p:spPr/>
+        <p:txBody>
+          <a:bodyPr/>
+          <a:lstStyle/>
+          <a:p>
+            <a:fld id="{1300335D-9F13-4B80-ADC5-B0EA3E10FF6B}" type="slidenum">
+              <a:rPr lang="en-US" smtClean="0"/>
+              <a:t>26</a:t>
+            </a:fld>
+            <a:endParaRPr lang="en-US"/>
+          </a:p>
+        </p:txBody>
+      </p:sp>
+    </p:spTree>
+    <p:extLst>
+      <p:ext uri="{BB962C8B-B14F-4D97-AF65-F5344CB8AC3E}">
+        <p14:creationId xmlns:p14="http://schemas.microsoft.com/office/powerpoint/2010/main" val="377014208"/>
+      </p:ext>
+    </p:extLst>
+  </p:cSld>
+  <p:clrMapOvr>
+    <a:masterClrMapping/>
+  </p:clrMapOvr>
+</p:notes>
+</file>
+
+<file path=ppt/notesSlides/notesSlide14.xml><?xml version="1.0" encoding="utf-8"?>
+<p:notes xmlns:a="http://schemas.openxmlformats.org/drawingml/2006/main" xmlns:r="http://schemas.openxmlformats.org/officeDocument/2006/relationships" xmlns:p="http://schemas.openxmlformats.org/presentationml/2006/main">
+  <p:cSld>
+    <p:spTree>
+      <p:nvGrpSpPr>
+        <p:cNvPr id="1" name=""/>
+        <p:cNvGrpSpPr/>
+        <p:nvPr/>
+      </p:nvGrpSpPr>
+      <p:grpSpPr>
+        <a:xfrm>
+          <a:off x="0" y="0"/>
+          <a:ext cx="0" cy="0"/>
+          <a:chOff x="0" y="0"/>
+          <a:chExt cx="0" cy="0"/>
+        </a:xfrm>
+      </p:grpSpPr>
+      <p:sp>
+        <p:nvSpPr>
+          <p:cNvPr id="2" name="Slide Image Placeholder 1"/>
+          <p:cNvSpPr>
+            <a:spLocks noGrp="1" noRot="1" noChangeAspect="1"/>
+          </p:cNvSpPr>
+          <p:nvPr>
+            <p:ph type="sldImg"/>
+          </p:nvPr>
+        </p:nvSpPr>
+        <p:spPr/>
+      </p:sp>
+      <p:sp>
+        <p:nvSpPr>
+          <p:cNvPr id="3" name="Notes Placeholder 2"/>
+          <p:cNvSpPr>
+            <a:spLocks noGrp="1"/>
+          </p:cNvSpPr>
+          <p:nvPr>
+            <p:ph type="body" idx="1"/>
+          </p:nvPr>
+        </p:nvSpPr>
+        <p:spPr/>
+        <p:txBody>
+          <a:bodyPr/>
+          <a:lstStyle/>
+          <a:p>
+            <a:pPr marL="228600" indent="-228600">
+              <a:buAutoNum type="arabicPeriod"/>
+            </a:pPr>
+            <a:r>
+              <a:rPr lang="en-US" dirty="0"/>
+              <a:t>False!</a:t>
+            </a:r>
+          </a:p>
+          <a:p>
+            <a:pPr marL="228600" indent="-228600">
+              <a:buAutoNum type="arabicPeriod"/>
+            </a:pPr>
+            <a:r>
+              <a:rPr lang="en-US" dirty="0"/>
+              <a:t>Function, Formula, Function</a:t>
+            </a:r>
+          </a:p>
+          <a:p>
+            <a:pPr marL="228600" indent="-228600">
+              <a:buAutoNum type="arabicPeriod"/>
+            </a:pPr>
+            <a:r>
+              <a:rPr lang="en-US" dirty="0"/>
+              <a:t>Argument</a:t>
+            </a:r>
+          </a:p>
+        </p:txBody>
+      </p:sp>
+      <p:sp>
+        <p:nvSpPr>
+          <p:cNvPr id="4" name="Slide Number Placeholder 3"/>
+          <p:cNvSpPr>
+            <a:spLocks noGrp="1"/>
+          </p:cNvSpPr>
+          <p:nvPr>
+            <p:ph type="sldNum" sz="quarter" idx="5"/>
+          </p:nvPr>
+        </p:nvSpPr>
+        <p:spPr/>
+        <p:txBody>
+          <a:bodyPr/>
+          <a:lstStyle/>
+          <a:p>
+            <a:fld id="{1300335D-9F13-4B80-ADC5-B0EA3E10FF6B}" type="slidenum">
+              <a:rPr lang="en-US" smtClean="0"/>
+              <a:t>28</a:t>
+            </a:fld>
+            <a:endParaRPr lang="en-US"/>
+          </a:p>
+        </p:txBody>
+      </p:sp>
+    </p:spTree>
+    <p:extLst>
+      <p:ext uri="{BB962C8B-B14F-4D97-AF65-F5344CB8AC3E}">
+        <p14:creationId xmlns:p14="http://schemas.microsoft.com/office/powerpoint/2010/main" val="2338108748"/>
+      </p:ext>
+    </p:extLst>
+  </p:cSld>
+  <p:clrMapOvr>
+    <a:masterClrMapping/>
+  </p:clrMapOvr>
+</p:notes>
+</file>
+
+<file path=ppt/notesSlides/notesSlide15.xml><?xml version="1.0" encoding="utf-8"?>
+<p:notes xmlns:a="http://schemas.openxmlformats.org/drawingml/2006/main" xmlns:r="http://schemas.openxmlformats.org/officeDocument/2006/relationships" xmlns:p="http://schemas.openxmlformats.org/presentationml/2006/main">
+  <p:cSld>
+    <p:spTree>
+      <p:nvGrpSpPr>
+        <p:cNvPr id="1" name=""/>
+        <p:cNvGrpSpPr/>
+        <p:nvPr/>
+      </p:nvGrpSpPr>
+      <p:grpSpPr>
+        <a:xfrm>
+          <a:off x="0" y="0"/>
+          <a:ext cx="0" cy="0"/>
+          <a:chOff x="0" y="0"/>
+          <a:chExt cx="0" cy="0"/>
+        </a:xfrm>
+      </p:grpSpPr>
+      <p:sp>
+        <p:nvSpPr>
+          <p:cNvPr id="2" name="Slide Image Placeholder 1"/>
+          <p:cNvSpPr>
+            <a:spLocks noGrp="1" noRot="1" noChangeAspect="1"/>
+          </p:cNvSpPr>
+          <p:nvPr>
+            <p:ph type="sldImg"/>
+          </p:nvPr>
+        </p:nvSpPr>
+        <p:spPr/>
+      </p:sp>
+      <p:sp>
+        <p:nvSpPr>
+          <p:cNvPr id="3" name="Notes Placeholder 2"/>
+          <p:cNvSpPr>
+            <a:spLocks noGrp="1"/>
+          </p:cNvSpPr>
+          <p:nvPr>
+            <p:ph type="body" idx="1"/>
+          </p:nvPr>
+        </p:nvSpPr>
+        <p:spPr/>
+        <p:txBody>
+          <a:bodyPr/>
+          <a:lstStyle/>
+          <a:p>
+            <a:pPr marL="228600" indent="-228600">
+              <a:buAutoNum type="arabicPeriod"/>
+            </a:pPr>
+            <a:r>
+              <a:rPr lang="en-US" dirty="0"/>
+              <a:t>False!</a:t>
+            </a:r>
+          </a:p>
+          <a:p>
+            <a:pPr marL="228600" indent="-228600">
+              <a:buAutoNum type="arabicPeriod"/>
+            </a:pPr>
+            <a:r>
+              <a:rPr lang="en-US" dirty="0"/>
+              <a:t>Function, Formula, Function</a:t>
+            </a:r>
+          </a:p>
+          <a:p>
+            <a:pPr marL="228600" indent="-228600">
+              <a:buAutoNum type="arabicPeriod"/>
+            </a:pPr>
+            <a:r>
+              <a:rPr lang="en-US" dirty="0"/>
+              <a:t>Argument</a:t>
+            </a:r>
+          </a:p>
+        </p:txBody>
+      </p:sp>
+      <p:sp>
+        <p:nvSpPr>
+          <p:cNvPr id="4" name="Slide Number Placeholder 3"/>
+          <p:cNvSpPr>
+            <a:spLocks noGrp="1"/>
+          </p:cNvSpPr>
+          <p:nvPr>
+            <p:ph type="sldNum" sz="quarter" idx="5"/>
+          </p:nvPr>
+        </p:nvSpPr>
+        <p:spPr/>
+        <p:txBody>
+          <a:bodyPr/>
+          <a:lstStyle/>
+          <a:p>
+            <a:fld id="{1300335D-9F13-4B80-ADC5-B0EA3E10FF6B}" type="slidenum">
+              <a:rPr lang="en-US" smtClean="0"/>
+              <a:t>29</a:t>
+            </a:fld>
+            <a:endParaRPr lang="en-US"/>
+          </a:p>
+        </p:txBody>
+      </p:sp>
+    </p:spTree>
+    <p:extLst>
+      <p:ext uri="{BB962C8B-B14F-4D97-AF65-F5344CB8AC3E}">
+        <p14:creationId xmlns:p14="http://schemas.microsoft.com/office/powerpoint/2010/main" val="3885482516"/>
+      </p:ext>
+    </p:extLst>
+  </p:cSld>
+  <p:clrMapOvr>
+    <a:masterClrMapping/>
+  </p:clrMapOvr>
+</p:notes>
+</file>
+
+<file path=ppt/notesSlides/notesSlide16.xml><?xml version="1.0" encoding="utf-8"?>
+<p:notes xmlns:a="http://schemas.openxmlformats.org/drawingml/2006/main" xmlns:r="http://schemas.openxmlformats.org/officeDocument/2006/relationships" xmlns:p="http://schemas.openxmlformats.org/presentationml/2006/main">
+  <p:cSld>
+    <p:spTree>
+      <p:nvGrpSpPr>
+        <p:cNvPr id="1" name=""/>
+        <p:cNvGrpSpPr/>
+        <p:nvPr/>
+      </p:nvGrpSpPr>
+      <p:grpSpPr>
+        <a:xfrm>
+          <a:off x="0" y="0"/>
+          <a:ext cx="0" cy="0"/>
+          <a:chOff x="0" y="0"/>
+          <a:chExt cx="0" cy="0"/>
+        </a:xfrm>
+      </p:grpSpPr>
+      <p:sp>
+        <p:nvSpPr>
+          <p:cNvPr id="2" name="Slide Image Placeholder 1"/>
+          <p:cNvSpPr>
+            <a:spLocks noGrp="1" noRot="1" noChangeAspect="1"/>
+          </p:cNvSpPr>
+          <p:nvPr>
+            <p:ph type="sldImg"/>
+          </p:nvPr>
+        </p:nvSpPr>
+        <p:spPr/>
+      </p:sp>
+      <p:sp>
+        <p:nvSpPr>
+          <p:cNvPr id="3" name="Notes Placeholder 2"/>
+          <p:cNvSpPr>
+            <a:spLocks noGrp="1"/>
+          </p:cNvSpPr>
+          <p:nvPr>
+            <p:ph type="body" idx="1"/>
+          </p:nvPr>
+        </p:nvSpPr>
+        <p:spPr/>
+        <p:txBody>
+          <a:bodyPr/>
+          <a:lstStyle/>
+          <a:p>
+            <a:pPr marL="228600" indent="-228600">
+              <a:buAutoNum type="arabicPeriod"/>
+            </a:pPr>
+            <a:r>
+              <a:rPr lang="en-US" dirty="0"/>
+              <a:t>False!</a:t>
+            </a:r>
+          </a:p>
+          <a:p>
+            <a:pPr marL="228600" indent="-228600">
+              <a:buAutoNum type="arabicPeriod"/>
+            </a:pPr>
+            <a:r>
+              <a:rPr lang="en-US" dirty="0"/>
+              <a:t>Function, Formula, Function</a:t>
+            </a:r>
+          </a:p>
+          <a:p>
+            <a:pPr marL="228600" indent="-228600">
+              <a:buAutoNum type="arabicPeriod"/>
+            </a:pPr>
+            <a:r>
+              <a:rPr lang="en-US" dirty="0"/>
+              <a:t>Argument</a:t>
+            </a:r>
+          </a:p>
+        </p:txBody>
+      </p:sp>
+      <p:sp>
+        <p:nvSpPr>
+          <p:cNvPr id="4" name="Slide Number Placeholder 3"/>
+          <p:cNvSpPr>
+            <a:spLocks noGrp="1"/>
+          </p:cNvSpPr>
+          <p:nvPr>
+            <p:ph type="sldNum" sz="quarter" idx="5"/>
+          </p:nvPr>
+        </p:nvSpPr>
+        <p:spPr/>
+        <p:txBody>
+          <a:bodyPr/>
+          <a:lstStyle/>
+          <a:p>
+            <a:fld id="{1300335D-9F13-4B80-ADC5-B0EA3E10FF6B}" type="slidenum">
+              <a:rPr lang="en-US" smtClean="0"/>
+              <a:t>30</a:t>
+            </a:fld>
+            <a:endParaRPr lang="en-US"/>
+          </a:p>
+        </p:txBody>
+      </p:sp>
+    </p:spTree>
+    <p:extLst>
+      <p:ext uri="{BB962C8B-B14F-4D97-AF65-F5344CB8AC3E}">
+        <p14:creationId xmlns:p14="http://schemas.microsoft.com/office/powerpoint/2010/main" val="1842224038"/>
+      </p:ext>
+    </p:extLst>
+  </p:cSld>
+  <p:clrMapOvr>
+    <a:masterClrMapping/>
+  </p:clrMapOvr>
+</p:notes>
+</file>
+
+<file path=ppt/notesSlides/notesSlide17.xml><?xml version="1.0" encoding="utf-8"?>
+<p:notes xmlns:a="http://schemas.openxmlformats.org/drawingml/2006/main" xmlns:r="http://schemas.openxmlformats.org/officeDocument/2006/relationships" xmlns:p="http://schemas.openxmlformats.org/presentationml/2006/main" showMasterSp="0" showMasterPhAnim="0">
+  <p:cSld>
+    <p:spTree>
+      <p:nvGrpSpPr>
+        <p:cNvPr id="1" name="Shape 626"/>
+        <p:cNvGrpSpPr/>
+        <p:nvPr/>
+      </p:nvGrpSpPr>
+      <p:grpSpPr>
+        <a:xfrm>
+          <a:off x="0" y="0"/>
+          <a:ext cx="0" cy="0"/>
+          <a:chOff x="0" y="0"/>
+          <a:chExt cx="0" cy="0"/>
+        </a:xfrm>
+      </p:grpSpPr>
+      <p:sp>
+        <p:nvSpPr>
+          <p:cNvPr id="627" name="Google Shape;627;p56:notes"/>
+          <p:cNvSpPr txBox="1">
+            <a:spLocks noGrp="1"/>
+          </p:cNvSpPr>
+          <p:nvPr>
+            <p:ph type="body" idx="1"/>
+          </p:nvPr>
+        </p:nvSpPr>
+        <p:spPr>
+          <a:xfrm>
+            <a:off x="914400" y="4343400"/>
+            <a:ext cx="5029200" cy="4114800"/>
+          </a:xfrm>
+          <a:prstGeom prst="rect">
+            <a:avLst/>
+          </a:prstGeom>
+        </p:spPr>
+        <p:txBody>
+          <a:bodyPr spcFirstLastPara="1" wrap="square" lIns="91425" tIns="45700" rIns="91425" bIns="45700" anchor="t" anchorCtr="0">
+            <a:noAutofit/>
+          </a:bodyPr>
+          <a:lstStyle/>
+          <a:p>
+            <a:pPr marL="0" lvl="0" indent="0" algn="l" rtl="0">
+              <a:spcBef>
+                <a:spcPts val="0"/>
+              </a:spcBef>
+              <a:spcAft>
+                <a:spcPts val="0"/>
+              </a:spcAft>
+              <a:buNone/>
+            </a:pPr>
+            <a:endParaRPr dirty="0"/>
+          </a:p>
+        </p:txBody>
+      </p:sp>
+      <p:sp>
+        <p:nvSpPr>
+          <p:cNvPr id="628" name="Google Shape;628;p56:notes"/>
+          <p:cNvSpPr>
+            <a:spLocks noGrp="1" noRot="1" noChangeAspect="1"/>
+          </p:cNvSpPr>
+          <p:nvPr>
+            <p:ph type="sldImg" idx="2"/>
+          </p:nvPr>
+        </p:nvSpPr>
+        <p:spPr>
+          <a:xfrm>
+            <a:off x="381000" y="685800"/>
+            <a:ext cx="6096000" cy="3429000"/>
+          </a:xfrm>
+          <a:custGeom>
+            <a:avLst/>
+            <a:gdLst/>
+            <a:ahLst/>
+            <a:cxnLst/>
+            <a:rect l="l" t="t" r="r" b="b"/>
+            <a:pathLst>
+              <a:path w="120000" h="120000" extrusionOk="0">
+                <a:moveTo>
+                  <a:pt x="0" y="0"/>
+                </a:moveTo>
+                <a:lnTo>
+                  <a:pt x="120000" y="0"/>
+                </a:lnTo>
+                <a:lnTo>
+                  <a:pt x="120000" y="120000"/>
+                </a:lnTo>
+                <a:lnTo>
+                  <a:pt x="0" y="120000"/>
+                </a:lnTo>
+                <a:close/>
+              </a:path>
+            </a:pathLst>
+          </a:custGeom>
+        </p:spPr>
+      </p:sp>
+    </p:spTree>
+  </p:cSld>
+  <p:clrMapOvr>
+    <a:masterClrMapping/>
+  </p:clrMapOvr>
+</p:notes>
+</file>
+
 <file path=ppt/notesSlides/notesSlide2.xml><?xml version="1.0" encoding="utf-8"?>
 <p:notes xmlns:a="http://schemas.openxmlformats.org/drawingml/2006/main" xmlns:r="http://schemas.openxmlformats.org/officeDocument/2006/relationships" xmlns:p="http://schemas.openxmlformats.org/presentationml/2006/main">
   <p:cSld>
@@ -806,7 +1683,7 @@
           <a:p>
             <a:fld id="{1300335D-9F13-4B80-ADC5-B0EA3E10FF6B}" type="slidenum">
               <a:rPr lang="en-US" smtClean="0"/>
-              <a:t>9</a:t>
+              <a:t>8</a:t>
             </a:fld>
             <a:endParaRPr lang="en-US"/>
           </a:p>
@@ -826,11 +1703,11 @@
 </file>
 
 <file path=ppt/notesSlides/notesSlide4.xml><?xml version="1.0" encoding="utf-8"?>
-<p:notes xmlns:a="http://schemas.openxmlformats.org/drawingml/2006/main" xmlns:r="http://schemas.openxmlformats.org/officeDocument/2006/relationships" xmlns:p="http://schemas.openxmlformats.org/presentationml/2006/main" showMasterSp="0" showMasterPhAnim="0">
+<p:notes xmlns:a="http://schemas.openxmlformats.org/drawingml/2006/main" xmlns:r="http://schemas.openxmlformats.org/officeDocument/2006/relationships" xmlns:p="http://schemas.openxmlformats.org/presentationml/2006/main">
   <p:cSld>
     <p:spTree>
       <p:nvGrpSpPr>
-        <p:cNvPr id="1" name="Shape 626"/>
+        <p:cNvPr id="1" name=""/>
         <p:cNvGrpSpPr/>
         <p:nvPr/>
       </p:nvGrpSpPr>
@@ -844,84 +1721,628 @@
       </p:grpSpPr>
       <p:sp>
         <p:nvSpPr>
-          <p:cNvPr id="627" name="Google Shape;627;p56:notes"/>
-          <p:cNvSpPr txBox="1">
+          <p:cNvPr id="2" name="Slide Image Placeholder 1"/>
+          <p:cNvSpPr>
+            <a:spLocks noGrp="1" noRot="1" noChangeAspect="1"/>
+          </p:cNvSpPr>
+          <p:nvPr>
+            <p:ph type="sldImg"/>
+          </p:nvPr>
+        </p:nvSpPr>
+        <p:spPr/>
+      </p:sp>
+      <p:sp>
+        <p:nvSpPr>
+          <p:cNvPr id="3" name="Notes Placeholder 2"/>
+          <p:cNvSpPr>
             <a:spLocks noGrp="1"/>
           </p:cNvSpPr>
           <p:nvPr>
             <p:ph type="body" idx="1"/>
           </p:nvPr>
         </p:nvSpPr>
-        <p:spPr>
-          <a:xfrm>
-            <a:off x="914400" y="4343400"/>
-            <a:ext cx="5029200" cy="4114800"/>
-          </a:xfrm>
-          <a:prstGeom prst="rect">
-            <a:avLst/>
-          </a:prstGeom>
-        </p:spPr>
-        <p:txBody>
-          <a:bodyPr spcFirstLastPara="1" wrap="square" lIns="91425" tIns="45700" rIns="91425" bIns="45700" anchor="t" anchorCtr="0">
-            <a:noAutofit/>
-          </a:bodyPr>
+        <p:spPr/>
+        <p:txBody>
+          <a:bodyPr/>
           <a:lstStyle/>
           <a:p>
-            <a:pPr marL="0" lvl="0" indent="0" algn="l" rtl="0">
-              <a:spcBef>
-                <a:spcPts val="0"/>
-              </a:spcBef>
-              <a:spcAft>
-                <a:spcPts val="0"/>
-              </a:spcAft>
-              <a:buNone/>
+            <a:pPr marL="228600" indent="-228600">
+              <a:buAutoNum type="arabicPeriod"/>
             </a:pPr>
-            <a:endParaRPr dirty="0"/>
-          </a:p>
-        </p:txBody>
-      </p:sp>
-      <p:sp>
-        <p:nvSpPr>
-          <p:cNvPr id="628" name="Google Shape;628;p56:notes"/>
+            <a:r>
+              <a:rPr lang="en-US" dirty="0"/>
+              <a:t>False!</a:t>
+            </a:r>
+          </a:p>
+          <a:p>
+            <a:pPr marL="228600" indent="-228600">
+              <a:buAutoNum type="arabicPeriod"/>
+            </a:pPr>
+            <a:r>
+              <a:rPr lang="en-US" dirty="0"/>
+              <a:t>Function, Formula, Function</a:t>
+            </a:r>
+          </a:p>
+          <a:p>
+            <a:pPr marL="228600" indent="-228600">
+              <a:buAutoNum type="arabicPeriod"/>
+            </a:pPr>
+            <a:r>
+              <a:rPr lang="en-US" dirty="0"/>
+              <a:t>Argument</a:t>
+            </a:r>
+          </a:p>
+        </p:txBody>
+      </p:sp>
+      <p:sp>
+        <p:nvSpPr>
+          <p:cNvPr id="4" name="Slide Number Placeholder 3"/>
+          <p:cNvSpPr>
+            <a:spLocks noGrp="1"/>
+          </p:cNvSpPr>
+          <p:nvPr>
+            <p:ph type="sldNum" sz="quarter" idx="5"/>
+          </p:nvPr>
+        </p:nvSpPr>
+        <p:spPr/>
+        <p:txBody>
+          <a:bodyPr/>
+          <a:lstStyle/>
+          <a:p>
+            <a:fld id="{1300335D-9F13-4B80-ADC5-B0EA3E10FF6B}" type="slidenum">
+              <a:rPr lang="en-US" smtClean="0"/>
+              <a:t>9</a:t>
+            </a:fld>
+            <a:endParaRPr lang="en-US"/>
+          </a:p>
+        </p:txBody>
+      </p:sp>
+    </p:spTree>
+    <p:extLst>
+      <p:ext uri="{BB962C8B-B14F-4D97-AF65-F5344CB8AC3E}">
+        <p14:creationId xmlns:p14="http://schemas.microsoft.com/office/powerpoint/2010/main" val="395630260"/>
+      </p:ext>
+    </p:extLst>
+  </p:cSld>
+  <p:clrMapOvr>
+    <a:masterClrMapping/>
+  </p:clrMapOvr>
+</p:notes>
+</file>
+
+<file path=ppt/notesSlides/notesSlide5.xml><?xml version="1.0" encoding="utf-8"?>
+<p:notes xmlns:a="http://schemas.openxmlformats.org/drawingml/2006/main" xmlns:r="http://schemas.openxmlformats.org/officeDocument/2006/relationships" xmlns:p="http://schemas.openxmlformats.org/presentationml/2006/main">
+  <p:cSld>
+    <p:spTree>
+      <p:nvGrpSpPr>
+        <p:cNvPr id="1" name=""/>
+        <p:cNvGrpSpPr/>
+        <p:nvPr/>
+      </p:nvGrpSpPr>
+      <p:grpSpPr>
+        <a:xfrm>
+          <a:off x="0" y="0"/>
+          <a:ext cx="0" cy="0"/>
+          <a:chOff x="0" y="0"/>
+          <a:chExt cx="0" cy="0"/>
+        </a:xfrm>
+      </p:grpSpPr>
+      <p:sp>
+        <p:nvSpPr>
+          <p:cNvPr id="2" name="Slide Image Placeholder 1"/>
           <p:cNvSpPr>
             <a:spLocks noGrp="1" noRot="1" noChangeAspect="1"/>
           </p:cNvSpPr>
           <p:nvPr>
-            <p:ph type="sldImg" idx="2"/>
+            <p:ph type="sldImg"/>
           </p:nvPr>
         </p:nvSpPr>
-        <p:spPr>
-          <a:xfrm>
-            <a:off x="381000" y="685800"/>
-            <a:ext cx="6096000" cy="3429000"/>
-          </a:xfrm>
-          <a:custGeom>
-            <a:avLst/>
-            <a:gdLst/>
-            <a:ahLst/>
-            <a:cxnLst/>
-            <a:rect l="l" t="t" r="r" b="b"/>
-            <a:pathLst>
-              <a:path w="120000" h="120000" extrusionOk="0">
-                <a:moveTo>
-                  <a:pt x="0" y="0"/>
-                </a:moveTo>
-                <a:lnTo>
-                  <a:pt x="120000" y="0"/>
-                </a:lnTo>
-                <a:lnTo>
-                  <a:pt x="120000" y="120000"/>
-                </a:lnTo>
-                <a:lnTo>
-                  <a:pt x="0" y="120000"/>
-                </a:lnTo>
-                <a:close/>
-              </a:path>
-            </a:pathLst>
-          </a:custGeom>
-        </p:spPr>
+        <p:spPr/>
+      </p:sp>
+      <p:sp>
+        <p:nvSpPr>
+          <p:cNvPr id="3" name="Notes Placeholder 2"/>
+          <p:cNvSpPr>
+            <a:spLocks noGrp="1"/>
+          </p:cNvSpPr>
+          <p:nvPr>
+            <p:ph type="body" idx="1"/>
+          </p:nvPr>
+        </p:nvSpPr>
+        <p:spPr/>
+        <p:txBody>
+          <a:bodyPr/>
+          <a:lstStyle/>
+          <a:p>
+            <a:pPr marL="228600" indent="-228600">
+              <a:buAutoNum type="arabicPeriod"/>
+            </a:pPr>
+            <a:r>
+              <a:rPr lang="en-US" dirty="0"/>
+              <a:t>False!</a:t>
+            </a:r>
+          </a:p>
+          <a:p>
+            <a:pPr marL="228600" indent="-228600">
+              <a:buAutoNum type="arabicPeriod"/>
+            </a:pPr>
+            <a:r>
+              <a:rPr lang="en-US" dirty="0"/>
+              <a:t>Function, Formula, Function</a:t>
+            </a:r>
+          </a:p>
+          <a:p>
+            <a:pPr marL="228600" indent="-228600">
+              <a:buAutoNum type="arabicPeriod"/>
+            </a:pPr>
+            <a:r>
+              <a:rPr lang="en-US" dirty="0"/>
+              <a:t>Argument</a:t>
+            </a:r>
+          </a:p>
+        </p:txBody>
+      </p:sp>
+      <p:sp>
+        <p:nvSpPr>
+          <p:cNvPr id="4" name="Slide Number Placeholder 3"/>
+          <p:cNvSpPr>
+            <a:spLocks noGrp="1"/>
+          </p:cNvSpPr>
+          <p:nvPr>
+            <p:ph type="sldNum" sz="quarter" idx="5"/>
+          </p:nvPr>
+        </p:nvSpPr>
+        <p:spPr/>
+        <p:txBody>
+          <a:bodyPr/>
+          <a:lstStyle/>
+          <a:p>
+            <a:fld id="{1300335D-9F13-4B80-ADC5-B0EA3E10FF6B}" type="slidenum">
+              <a:rPr lang="en-US" smtClean="0"/>
+              <a:t>12</a:t>
+            </a:fld>
+            <a:endParaRPr lang="en-US"/>
+          </a:p>
+        </p:txBody>
       </p:sp>
     </p:spTree>
+    <p:extLst>
+      <p:ext uri="{BB962C8B-B14F-4D97-AF65-F5344CB8AC3E}">
+        <p14:creationId xmlns:p14="http://schemas.microsoft.com/office/powerpoint/2010/main" val="2913293102"/>
+      </p:ext>
+    </p:extLst>
+  </p:cSld>
+  <p:clrMapOvr>
+    <a:masterClrMapping/>
+  </p:clrMapOvr>
+</p:notes>
+</file>
+
+<file path=ppt/notesSlides/notesSlide6.xml><?xml version="1.0" encoding="utf-8"?>
+<p:notes xmlns:a="http://schemas.openxmlformats.org/drawingml/2006/main" xmlns:r="http://schemas.openxmlformats.org/officeDocument/2006/relationships" xmlns:p="http://schemas.openxmlformats.org/presentationml/2006/main">
+  <p:cSld>
+    <p:spTree>
+      <p:nvGrpSpPr>
+        <p:cNvPr id="1" name=""/>
+        <p:cNvGrpSpPr/>
+        <p:nvPr/>
+      </p:nvGrpSpPr>
+      <p:grpSpPr>
+        <a:xfrm>
+          <a:off x="0" y="0"/>
+          <a:ext cx="0" cy="0"/>
+          <a:chOff x="0" y="0"/>
+          <a:chExt cx="0" cy="0"/>
+        </a:xfrm>
+      </p:grpSpPr>
+      <p:sp>
+        <p:nvSpPr>
+          <p:cNvPr id="2" name="Slide Image Placeholder 1"/>
+          <p:cNvSpPr>
+            <a:spLocks noGrp="1" noRot="1" noChangeAspect="1"/>
+          </p:cNvSpPr>
+          <p:nvPr>
+            <p:ph type="sldImg"/>
+          </p:nvPr>
+        </p:nvSpPr>
+        <p:spPr/>
+      </p:sp>
+      <p:sp>
+        <p:nvSpPr>
+          <p:cNvPr id="3" name="Notes Placeholder 2"/>
+          <p:cNvSpPr>
+            <a:spLocks noGrp="1"/>
+          </p:cNvSpPr>
+          <p:nvPr>
+            <p:ph type="body" idx="1"/>
+          </p:nvPr>
+        </p:nvSpPr>
+        <p:spPr/>
+        <p:txBody>
+          <a:bodyPr/>
+          <a:lstStyle/>
+          <a:p>
+            <a:pPr marL="228600" indent="-228600">
+              <a:buAutoNum type="arabicPeriod"/>
+            </a:pPr>
+            <a:r>
+              <a:rPr lang="en-US" dirty="0"/>
+              <a:t>False!</a:t>
+            </a:r>
+          </a:p>
+          <a:p>
+            <a:pPr marL="228600" indent="-228600">
+              <a:buAutoNum type="arabicPeriod"/>
+            </a:pPr>
+            <a:r>
+              <a:rPr lang="en-US" dirty="0"/>
+              <a:t>Function, Formula, Function</a:t>
+            </a:r>
+          </a:p>
+          <a:p>
+            <a:pPr marL="228600" indent="-228600">
+              <a:buAutoNum type="arabicPeriod"/>
+            </a:pPr>
+            <a:r>
+              <a:rPr lang="en-US" dirty="0"/>
+              <a:t>Argument</a:t>
+            </a:r>
+          </a:p>
+        </p:txBody>
+      </p:sp>
+      <p:sp>
+        <p:nvSpPr>
+          <p:cNvPr id="4" name="Slide Number Placeholder 3"/>
+          <p:cNvSpPr>
+            <a:spLocks noGrp="1"/>
+          </p:cNvSpPr>
+          <p:nvPr>
+            <p:ph type="sldNum" sz="quarter" idx="5"/>
+          </p:nvPr>
+        </p:nvSpPr>
+        <p:spPr/>
+        <p:txBody>
+          <a:bodyPr/>
+          <a:lstStyle/>
+          <a:p>
+            <a:fld id="{1300335D-9F13-4B80-ADC5-B0EA3E10FF6B}" type="slidenum">
+              <a:rPr lang="en-US" smtClean="0"/>
+              <a:t>13</a:t>
+            </a:fld>
+            <a:endParaRPr lang="en-US"/>
+          </a:p>
+        </p:txBody>
+      </p:sp>
+    </p:spTree>
+    <p:extLst>
+      <p:ext uri="{BB962C8B-B14F-4D97-AF65-F5344CB8AC3E}">
+        <p14:creationId xmlns:p14="http://schemas.microsoft.com/office/powerpoint/2010/main" val="55314337"/>
+      </p:ext>
+    </p:extLst>
+  </p:cSld>
+  <p:clrMapOvr>
+    <a:masterClrMapping/>
+  </p:clrMapOvr>
+</p:notes>
+</file>
+
+<file path=ppt/notesSlides/notesSlide7.xml><?xml version="1.0" encoding="utf-8"?>
+<p:notes xmlns:a="http://schemas.openxmlformats.org/drawingml/2006/main" xmlns:r="http://schemas.openxmlformats.org/officeDocument/2006/relationships" xmlns:p="http://schemas.openxmlformats.org/presentationml/2006/main">
+  <p:cSld>
+    <p:spTree>
+      <p:nvGrpSpPr>
+        <p:cNvPr id="1" name=""/>
+        <p:cNvGrpSpPr/>
+        <p:nvPr/>
+      </p:nvGrpSpPr>
+      <p:grpSpPr>
+        <a:xfrm>
+          <a:off x="0" y="0"/>
+          <a:ext cx="0" cy="0"/>
+          <a:chOff x="0" y="0"/>
+          <a:chExt cx="0" cy="0"/>
+        </a:xfrm>
+      </p:grpSpPr>
+      <p:sp>
+        <p:nvSpPr>
+          <p:cNvPr id="2" name="Slide Image Placeholder 1"/>
+          <p:cNvSpPr>
+            <a:spLocks noGrp="1" noRot="1" noChangeAspect="1"/>
+          </p:cNvSpPr>
+          <p:nvPr>
+            <p:ph type="sldImg"/>
+          </p:nvPr>
+        </p:nvSpPr>
+        <p:spPr/>
+      </p:sp>
+      <p:sp>
+        <p:nvSpPr>
+          <p:cNvPr id="3" name="Notes Placeholder 2"/>
+          <p:cNvSpPr>
+            <a:spLocks noGrp="1"/>
+          </p:cNvSpPr>
+          <p:nvPr>
+            <p:ph type="body" idx="1"/>
+          </p:nvPr>
+        </p:nvSpPr>
+        <p:spPr/>
+        <p:txBody>
+          <a:bodyPr/>
+          <a:lstStyle/>
+          <a:p>
+            <a:pPr marL="228600" indent="-228600">
+              <a:buAutoNum type="arabicPeriod"/>
+            </a:pPr>
+            <a:r>
+              <a:rPr lang="en-US" dirty="0"/>
+              <a:t>False!</a:t>
+            </a:r>
+          </a:p>
+          <a:p>
+            <a:pPr marL="228600" indent="-228600">
+              <a:buAutoNum type="arabicPeriod"/>
+            </a:pPr>
+            <a:r>
+              <a:rPr lang="en-US" dirty="0"/>
+              <a:t>Function, Formula, Function</a:t>
+            </a:r>
+          </a:p>
+          <a:p>
+            <a:pPr marL="228600" indent="-228600">
+              <a:buAutoNum type="arabicPeriod"/>
+            </a:pPr>
+            <a:r>
+              <a:rPr lang="en-US" dirty="0"/>
+              <a:t>Argument</a:t>
+            </a:r>
+          </a:p>
+        </p:txBody>
+      </p:sp>
+      <p:sp>
+        <p:nvSpPr>
+          <p:cNvPr id="4" name="Slide Number Placeholder 3"/>
+          <p:cNvSpPr>
+            <a:spLocks noGrp="1"/>
+          </p:cNvSpPr>
+          <p:nvPr>
+            <p:ph type="sldNum" sz="quarter" idx="5"/>
+          </p:nvPr>
+        </p:nvSpPr>
+        <p:spPr/>
+        <p:txBody>
+          <a:bodyPr/>
+          <a:lstStyle/>
+          <a:p>
+            <a:fld id="{1300335D-9F13-4B80-ADC5-B0EA3E10FF6B}" type="slidenum">
+              <a:rPr lang="en-US" smtClean="0"/>
+              <a:t>16</a:t>
+            </a:fld>
+            <a:endParaRPr lang="en-US"/>
+          </a:p>
+        </p:txBody>
+      </p:sp>
+    </p:spTree>
+    <p:extLst>
+      <p:ext uri="{BB962C8B-B14F-4D97-AF65-F5344CB8AC3E}">
+        <p14:creationId xmlns:p14="http://schemas.microsoft.com/office/powerpoint/2010/main" val="678009514"/>
+      </p:ext>
+    </p:extLst>
+  </p:cSld>
+  <p:clrMapOvr>
+    <a:masterClrMapping/>
+  </p:clrMapOvr>
+</p:notes>
+</file>
+
+<file path=ppt/notesSlides/notesSlide8.xml><?xml version="1.0" encoding="utf-8"?>
+<p:notes xmlns:a="http://schemas.openxmlformats.org/drawingml/2006/main" xmlns:r="http://schemas.openxmlformats.org/officeDocument/2006/relationships" xmlns:p="http://schemas.openxmlformats.org/presentationml/2006/main">
+  <p:cSld>
+    <p:spTree>
+      <p:nvGrpSpPr>
+        <p:cNvPr id="1" name=""/>
+        <p:cNvGrpSpPr/>
+        <p:nvPr/>
+      </p:nvGrpSpPr>
+      <p:grpSpPr>
+        <a:xfrm>
+          <a:off x="0" y="0"/>
+          <a:ext cx="0" cy="0"/>
+          <a:chOff x="0" y="0"/>
+          <a:chExt cx="0" cy="0"/>
+        </a:xfrm>
+      </p:grpSpPr>
+      <p:sp>
+        <p:nvSpPr>
+          <p:cNvPr id="2" name="Slide Image Placeholder 1"/>
+          <p:cNvSpPr>
+            <a:spLocks noGrp="1" noRot="1" noChangeAspect="1"/>
+          </p:cNvSpPr>
+          <p:nvPr>
+            <p:ph type="sldImg"/>
+          </p:nvPr>
+        </p:nvSpPr>
+        <p:spPr/>
+      </p:sp>
+      <p:sp>
+        <p:nvSpPr>
+          <p:cNvPr id="3" name="Notes Placeholder 2"/>
+          <p:cNvSpPr>
+            <a:spLocks noGrp="1"/>
+          </p:cNvSpPr>
+          <p:nvPr>
+            <p:ph type="body" idx="1"/>
+          </p:nvPr>
+        </p:nvSpPr>
+        <p:spPr/>
+        <p:txBody>
+          <a:bodyPr/>
+          <a:lstStyle/>
+          <a:p>
+            <a:pPr marL="228600" indent="-228600">
+              <a:buAutoNum type="arabicPeriod"/>
+            </a:pPr>
+            <a:r>
+              <a:rPr lang="en-US" dirty="0"/>
+              <a:t>False!</a:t>
+            </a:r>
+          </a:p>
+          <a:p>
+            <a:pPr marL="228600" indent="-228600">
+              <a:buAutoNum type="arabicPeriod"/>
+            </a:pPr>
+            <a:r>
+              <a:rPr lang="en-US" dirty="0"/>
+              <a:t>Function, Formula, Function</a:t>
+            </a:r>
+          </a:p>
+          <a:p>
+            <a:pPr marL="228600" indent="-228600">
+              <a:buAutoNum type="arabicPeriod"/>
+            </a:pPr>
+            <a:r>
+              <a:rPr lang="en-US" dirty="0"/>
+              <a:t>Argument</a:t>
+            </a:r>
+          </a:p>
+        </p:txBody>
+      </p:sp>
+      <p:sp>
+        <p:nvSpPr>
+          <p:cNvPr id="4" name="Slide Number Placeholder 3"/>
+          <p:cNvSpPr>
+            <a:spLocks noGrp="1"/>
+          </p:cNvSpPr>
+          <p:nvPr>
+            <p:ph type="sldNum" sz="quarter" idx="5"/>
+          </p:nvPr>
+        </p:nvSpPr>
+        <p:spPr/>
+        <p:txBody>
+          <a:bodyPr/>
+          <a:lstStyle/>
+          <a:p>
+            <a:fld id="{1300335D-9F13-4B80-ADC5-B0EA3E10FF6B}" type="slidenum">
+              <a:rPr lang="en-US" smtClean="0"/>
+              <a:t>17</a:t>
+            </a:fld>
+            <a:endParaRPr lang="en-US"/>
+          </a:p>
+        </p:txBody>
+      </p:sp>
+    </p:spTree>
+    <p:extLst>
+      <p:ext uri="{BB962C8B-B14F-4D97-AF65-F5344CB8AC3E}">
+        <p14:creationId xmlns:p14="http://schemas.microsoft.com/office/powerpoint/2010/main" val="358552492"/>
+      </p:ext>
+    </p:extLst>
+  </p:cSld>
+  <p:clrMapOvr>
+    <a:masterClrMapping/>
+  </p:clrMapOvr>
+</p:notes>
+</file>
+
+<file path=ppt/notesSlides/notesSlide9.xml><?xml version="1.0" encoding="utf-8"?>
+<p:notes xmlns:a="http://schemas.openxmlformats.org/drawingml/2006/main" xmlns:r="http://schemas.openxmlformats.org/officeDocument/2006/relationships" xmlns:p="http://schemas.openxmlformats.org/presentationml/2006/main">
+  <p:cSld>
+    <p:spTree>
+      <p:nvGrpSpPr>
+        <p:cNvPr id="1" name=""/>
+        <p:cNvGrpSpPr/>
+        <p:nvPr/>
+      </p:nvGrpSpPr>
+      <p:grpSpPr>
+        <a:xfrm>
+          <a:off x="0" y="0"/>
+          <a:ext cx="0" cy="0"/>
+          <a:chOff x="0" y="0"/>
+          <a:chExt cx="0" cy="0"/>
+        </a:xfrm>
+      </p:grpSpPr>
+      <p:sp>
+        <p:nvSpPr>
+          <p:cNvPr id="2" name="Slide Image Placeholder 1"/>
+          <p:cNvSpPr>
+            <a:spLocks noGrp="1" noRot="1" noChangeAspect="1"/>
+          </p:cNvSpPr>
+          <p:nvPr>
+            <p:ph type="sldImg"/>
+          </p:nvPr>
+        </p:nvSpPr>
+        <p:spPr/>
+      </p:sp>
+      <p:sp>
+        <p:nvSpPr>
+          <p:cNvPr id="3" name="Notes Placeholder 2"/>
+          <p:cNvSpPr>
+            <a:spLocks noGrp="1"/>
+          </p:cNvSpPr>
+          <p:nvPr>
+            <p:ph type="body" idx="1"/>
+          </p:nvPr>
+        </p:nvSpPr>
+        <p:spPr/>
+        <p:txBody>
+          <a:bodyPr/>
+          <a:lstStyle/>
+          <a:p>
+            <a:pPr marL="228600" indent="-228600">
+              <a:buAutoNum type="arabicPeriod"/>
+            </a:pPr>
+            <a:r>
+              <a:rPr lang="en-US" dirty="0"/>
+              <a:t>False!</a:t>
+            </a:r>
+          </a:p>
+          <a:p>
+            <a:pPr marL="228600" indent="-228600">
+              <a:buAutoNum type="arabicPeriod"/>
+            </a:pPr>
+            <a:r>
+              <a:rPr lang="en-US" dirty="0"/>
+              <a:t>Function, Formula, Function</a:t>
+            </a:r>
+          </a:p>
+          <a:p>
+            <a:pPr marL="228600" indent="-228600">
+              <a:buAutoNum type="arabicPeriod"/>
+            </a:pPr>
+            <a:r>
+              <a:rPr lang="en-US" dirty="0"/>
+              <a:t>Argument</a:t>
+            </a:r>
+          </a:p>
+        </p:txBody>
+      </p:sp>
+      <p:sp>
+        <p:nvSpPr>
+          <p:cNvPr id="4" name="Slide Number Placeholder 3"/>
+          <p:cNvSpPr>
+            <a:spLocks noGrp="1"/>
+          </p:cNvSpPr>
+          <p:nvPr>
+            <p:ph type="sldNum" sz="quarter" idx="5"/>
+          </p:nvPr>
+        </p:nvSpPr>
+        <p:spPr/>
+        <p:txBody>
+          <a:bodyPr/>
+          <a:lstStyle/>
+          <a:p>
+            <a:fld id="{1300335D-9F13-4B80-ADC5-B0EA3E10FF6B}" type="slidenum">
+              <a:rPr lang="en-US" smtClean="0"/>
+              <a:t>19</a:t>
+            </a:fld>
+            <a:endParaRPr lang="en-US"/>
+          </a:p>
+        </p:txBody>
+      </p:sp>
+    </p:spTree>
+    <p:extLst>
+      <p:ext uri="{BB962C8B-B14F-4D97-AF65-F5344CB8AC3E}">
+        <p14:creationId xmlns:p14="http://schemas.microsoft.com/office/powerpoint/2010/main" val="1308301185"/>
+      </p:ext>
+    </p:extLst>
   </p:cSld>
   <p:clrMapOvr>
     <a:masterClrMapping/>
@@ -1109,7 +2530,7 @@
             <a:fld id="{1D8BD707-D9CF-40AE-B4C6-C98DA3205C09}" type="datetimeFigureOut">
               <a:rPr lang="en-US" smtClean="0"/>
               <a:pPr/>
-              <a:t>11/30/2023</a:t>
+              <a:t>12/2/2023</a:t>
             </a:fld>
             <a:endParaRPr lang="en-US"/>
           </a:p>
@@ -1274,7 +2695,7 @@
             <a:fld id="{1D8BD707-D9CF-40AE-B4C6-C98DA3205C09}" type="datetimeFigureOut">
               <a:rPr lang="en-US" smtClean="0"/>
               <a:pPr/>
-              <a:t>11/30/2023</a:t>
+              <a:t>12/2/2023</a:t>
             </a:fld>
             <a:endParaRPr lang="en-US"/>
           </a:p>
@@ -1449,7 +2870,7 @@
             <a:fld id="{1D8BD707-D9CF-40AE-B4C6-C98DA3205C09}" type="datetimeFigureOut">
               <a:rPr lang="en-US" smtClean="0"/>
               <a:pPr/>
-              <a:t>11/30/2023</a:t>
+              <a:t>12/2/2023</a:t>
             </a:fld>
             <a:endParaRPr lang="en-US"/>
           </a:p>
@@ -3826,7 +5247,7 @@
             <a:fld id="{1D8BD707-D9CF-40AE-B4C6-C98DA3205C09}" type="datetimeFigureOut">
               <a:rPr lang="en-US" smtClean="0"/>
               <a:pPr/>
-              <a:t>11/30/2023</a:t>
+              <a:t>12/2/2023</a:t>
             </a:fld>
             <a:endParaRPr lang="en-US"/>
           </a:p>
@@ -4068,7 +5489,7 @@
             <a:fld id="{1D8BD707-D9CF-40AE-B4C6-C98DA3205C09}" type="datetimeFigureOut">
               <a:rPr lang="en-US" smtClean="0"/>
               <a:pPr/>
-              <a:t>11/30/2023</a:t>
+              <a:t>12/2/2023</a:t>
             </a:fld>
             <a:endParaRPr lang="en-US"/>
           </a:p>
@@ -4350,7 +5771,7 @@
             <a:fld id="{1D8BD707-D9CF-40AE-B4C6-C98DA3205C09}" type="datetimeFigureOut">
               <a:rPr lang="en-US" smtClean="0"/>
               <a:pPr/>
-              <a:t>11/30/2023</a:t>
+              <a:t>12/2/2023</a:t>
             </a:fld>
             <a:endParaRPr lang="en-US"/>
           </a:p>
@@ -4766,7 +6187,7 @@
             <a:fld id="{1D8BD707-D9CF-40AE-B4C6-C98DA3205C09}" type="datetimeFigureOut">
               <a:rPr lang="en-US" smtClean="0"/>
               <a:pPr/>
-              <a:t>11/30/2023</a:t>
+              <a:t>12/2/2023</a:t>
             </a:fld>
             <a:endParaRPr lang="en-US"/>
           </a:p>
@@ -4880,7 +6301,7 @@
             <a:fld id="{1D8BD707-D9CF-40AE-B4C6-C98DA3205C09}" type="datetimeFigureOut">
               <a:rPr lang="en-US" smtClean="0"/>
               <a:pPr/>
-              <a:t>11/30/2023</a:t>
+              <a:t>12/2/2023</a:t>
             </a:fld>
             <a:endParaRPr lang="en-US"/>
           </a:p>
@@ -4972,7 +6393,7 @@
             <a:fld id="{1D8BD707-D9CF-40AE-B4C6-C98DA3205C09}" type="datetimeFigureOut">
               <a:rPr lang="en-US" smtClean="0"/>
               <a:pPr/>
-              <a:t>11/30/2023</a:t>
+              <a:t>12/2/2023</a:t>
             </a:fld>
             <a:endParaRPr lang="en-US"/>
           </a:p>
@@ -5244,7 +6665,7 @@
             <a:fld id="{1D8BD707-D9CF-40AE-B4C6-C98DA3205C09}" type="datetimeFigureOut">
               <a:rPr lang="en-US" smtClean="0"/>
               <a:pPr/>
-              <a:t>11/30/2023</a:t>
+              <a:t>12/2/2023</a:t>
             </a:fld>
             <a:endParaRPr lang="en-US"/>
           </a:p>
@@ -5493,7 +6914,7 @@
             <a:fld id="{1D8BD707-D9CF-40AE-B4C6-C98DA3205C09}" type="datetimeFigureOut">
               <a:rPr lang="en-US" smtClean="0"/>
               <a:pPr/>
-              <a:t>11/30/2023</a:t>
+              <a:t>12/2/2023</a:t>
             </a:fld>
             <a:endParaRPr lang="en-US"/>
           </a:p>
@@ -5706,7 +7127,7 @@
             <a:fld id="{1D8BD707-D9CF-40AE-B4C6-C98DA3205C09}" type="datetimeFigureOut">
               <a:rPr lang="en-US" smtClean="0"/>
               <a:pPr/>
-              <a:t>11/30/2023</a:t>
+              <a:t>12/2/2023</a:t>
             </a:fld>
             <a:endParaRPr lang="en-US"/>
           </a:p>
@@ -6278,6 +7699,274 @@
           <a:chExt cx="0" cy="0"/>
         </a:xfrm>
       </p:grpSpPr>
+      <p:pic>
+        <p:nvPicPr>
+          <p:cNvPr id="10" name="Picture 9"/>
+          <p:cNvPicPr>
+            <a:picLocks noChangeAspect="1"/>
+          </p:cNvPicPr>
+          <p:nvPr/>
+        </p:nvPicPr>
+        <p:blipFill rotWithShape="1">
+          <a:blip r:embed="rId2">
+            <a:extLst>
+              <a:ext uri="{28A0092B-C50C-407E-A947-70E740481C1C}">
+                <a14:useLocalDpi xmlns:a14="http://schemas.microsoft.com/office/drawing/2010/main" val="0"/>
+              </a:ext>
+            </a:extLst>
+          </a:blip>
+          <a:srcRect l="50728" t="56371"/>
+          <a:stretch/>
+        </p:blipFill>
+        <p:spPr>
+          <a:xfrm>
+            <a:off x="12204691" y="3316148"/>
+            <a:ext cx="6083309" cy="6970854"/>
+          </a:xfrm>
+          <a:prstGeom prst="rect">
+            <a:avLst/>
+          </a:prstGeom>
+        </p:spPr>
+      </p:pic>
+      <p:pic>
+        <p:nvPicPr>
+          <p:cNvPr id="4" name="Picture 3"/>
+          <p:cNvPicPr>
+            <a:picLocks noChangeAspect="1"/>
+          </p:cNvPicPr>
+          <p:nvPr/>
+        </p:nvPicPr>
+        <p:blipFill>
+          <a:blip r:embed="rId3">
+            <a:extLst>
+              <a:ext uri="{28A0092B-C50C-407E-A947-70E740481C1C}">
+                <a14:useLocalDpi xmlns:a14="http://schemas.microsoft.com/office/drawing/2010/main" val="0"/>
+              </a:ext>
+            </a:extLst>
+          </a:blip>
+          <a:stretch>
+            <a:fillRect/>
+          </a:stretch>
+        </p:blipFill>
+        <p:spPr>
+          <a:xfrm>
+            <a:off x="-807744" y="-3724155"/>
+            <a:ext cx="15257208" cy="11189825"/>
+          </a:xfrm>
+          <a:prstGeom prst="rect">
+            <a:avLst/>
+          </a:prstGeom>
+        </p:spPr>
+      </p:pic>
+      <p:sp>
+        <p:nvSpPr>
+          <p:cNvPr id="11" name="TextBox 10"/>
+          <p:cNvSpPr txBox="1"/>
+          <p:nvPr/>
+        </p:nvSpPr>
+        <p:spPr>
+          <a:xfrm>
+            <a:off x="486137" y="2531318"/>
+            <a:ext cx="11979797" cy="923330"/>
+          </a:xfrm>
+          <a:prstGeom prst="rect">
+            <a:avLst/>
+          </a:prstGeom>
+          <a:noFill/>
+        </p:spPr>
+        <p:txBody>
+          <a:bodyPr wrap="square" rtlCol="0">
+            <a:spAutoFit/>
+          </a:bodyPr>
+          <a:lstStyle/>
+          <a:p>
+            <a:r>
+              <a:rPr lang="en-US" sz="5400" b="1" dirty="0">
+                <a:solidFill>
+                  <a:srgbClr val="CF3338"/>
+                </a:solidFill>
+                <a:latin typeface="Pragmatica" panose="020B0403040502020204" pitchFamily="34" charset="0"/>
+              </a:rPr>
+              <a:t>Questions?</a:t>
+            </a:r>
+          </a:p>
+        </p:txBody>
+      </p:sp>
+      <p:pic>
+        <p:nvPicPr>
+          <p:cNvPr id="5" name="Picture 4">
+            <a:extLst>
+              <a:ext uri="{FF2B5EF4-FFF2-40B4-BE49-F238E27FC236}">
+                <a16:creationId xmlns:a16="http://schemas.microsoft.com/office/drawing/2014/main" id="{54A06221-5316-4BCF-9FDA-BDB95FF4A778}"/>
+              </a:ext>
+            </a:extLst>
+          </p:cNvPr>
+          <p:cNvPicPr>
+            <a:picLocks noChangeAspect="1"/>
+          </p:cNvPicPr>
+          <p:nvPr/>
+        </p:nvPicPr>
+        <p:blipFill>
+          <a:blip r:embed="rId4">
+            <a:extLst>
+              <a:ext uri="{28A0092B-C50C-407E-A947-70E740481C1C}">
+                <a14:useLocalDpi xmlns:a14="http://schemas.microsoft.com/office/drawing/2010/main" val="0"/>
+              </a:ext>
+            </a:extLst>
+          </a:blip>
+          <a:srcRect/>
+          <a:stretch/>
+        </p:blipFill>
+        <p:spPr>
+          <a:xfrm>
+            <a:off x="12204691" y="3317239"/>
+            <a:ext cx="6083309" cy="6968672"/>
+          </a:xfrm>
+          <a:prstGeom prst="rect">
+            <a:avLst/>
+          </a:prstGeom>
+        </p:spPr>
+      </p:pic>
+    </p:spTree>
+    <p:extLst>
+      <p:ext uri="{BB962C8B-B14F-4D97-AF65-F5344CB8AC3E}">
+        <p14:creationId xmlns:p14="http://schemas.microsoft.com/office/powerpoint/2010/main" val="2683774385"/>
+      </p:ext>
+    </p:extLst>
+  </p:cSld>
+  <p:clrMapOvr>
+    <a:masterClrMapping/>
+  </p:clrMapOvr>
+</p:sld>
+</file>
+
+<file path=ppt/slides/slide11.xml><?xml version="1.0" encoding="utf-8"?>
+<p:sld xmlns:a="http://schemas.openxmlformats.org/drawingml/2006/main" xmlns:r="http://schemas.openxmlformats.org/officeDocument/2006/relationships" xmlns:p="http://schemas.openxmlformats.org/presentationml/2006/main">
+  <p:cSld>
+    <p:spTree>
+      <p:nvGrpSpPr>
+        <p:cNvPr id="1" name=""/>
+        <p:cNvGrpSpPr/>
+        <p:nvPr/>
+      </p:nvGrpSpPr>
+      <p:grpSpPr>
+        <a:xfrm>
+          <a:off x="0" y="0"/>
+          <a:ext cx="0" cy="0"/>
+          <a:chOff x="0" y="0"/>
+          <a:chExt cx="0" cy="0"/>
+        </a:xfrm>
+      </p:grpSpPr>
+      <p:sp>
+        <p:nvSpPr>
+          <p:cNvPr id="4" name="Rectangle 3"/>
+          <p:cNvSpPr/>
+          <p:nvPr/>
+        </p:nvSpPr>
+        <p:spPr>
+          <a:xfrm>
+            <a:off x="0" y="0"/>
+            <a:ext cx="18288000" cy="10287000"/>
+          </a:xfrm>
+          <a:prstGeom prst="rect">
+            <a:avLst/>
+          </a:prstGeom>
+          <a:solidFill>
+            <a:srgbClr val="CF3338"/>
+          </a:solidFill>
+          <a:ln>
+            <a:noFill/>
+          </a:ln>
+        </p:spPr>
+        <p:style>
+          <a:lnRef idx="2">
+            <a:schemeClr val="accent1">
+              <a:shade val="50000"/>
+            </a:schemeClr>
+          </a:lnRef>
+          <a:fillRef idx="1">
+            <a:schemeClr val="accent1"/>
+          </a:fillRef>
+          <a:effectRef idx="0">
+            <a:schemeClr val="accent1"/>
+          </a:effectRef>
+          <a:fontRef idx="minor">
+            <a:schemeClr val="lt1"/>
+          </a:fontRef>
+        </p:style>
+        <p:txBody>
+          <a:bodyPr rtlCol="0" anchor="ctr"/>
+          <a:lstStyle/>
+          <a:p>
+            <a:pPr algn="ctr"/>
+            <a:endParaRPr lang="en-US" sz="2700"/>
+          </a:p>
+        </p:txBody>
+      </p:sp>
+      <p:sp>
+        <p:nvSpPr>
+          <p:cNvPr id="5" name="TextBox 4"/>
+          <p:cNvSpPr txBox="1"/>
+          <p:nvPr/>
+        </p:nvSpPr>
+        <p:spPr>
+          <a:xfrm>
+            <a:off x="781292" y="590309"/>
+            <a:ext cx="15486926" cy="3139321"/>
+          </a:xfrm>
+          <a:prstGeom prst="rect">
+            <a:avLst/>
+          </a:prstGeom>
+          <a:noFill/>
+        </p:spPr>
+        <p:txBody>
+          <a:bodyPr wrap="square" rtlCol="0">
+            <a:spAutoFit/>
+          </a:bodyPr>
+          <a:lstStyle/>
+          <a:p>
+            <a:r>
+              <a:rPr lang="en-US" sz="9900" b="1" dirty="0">
+                <a:solidFill>
+                  <a:schemeClr val="bg1"/>
+                </a:solidFill>
+                <a:latin typeface="Normafixed Tryout" panose="00000409000000000000" pitchFamily="49" charset="0"/>
+              </a:rPr>
+              <a:t>2. AI-Powered Data Entry and Forecasting</a:t>
+            </a:r>
+          </a:p>
+        </p:txBody>
+      </p:sp>
+    </p:spTree>
+    <p:extLst>
+      <p:ext uri="{BB962C8B-B14F-4D97-AF65-F5344CB8AC3E}">
+        <p14:creationId xmlns:p14="http://schemas.microsoft.com/office/powerpoint/2010/main" val="3261205573"/>
+      </p:ext>
+    </p:extLst>
+  </p:cSld>
+  <p:clrMapOvr>
+    <a:masterClrMapping/>
+  </p:clrMapOvr>
+</p:sld>
+</file>
+
+<file path=ppt/slides/slide12.xml><?xml version="1.0" encoding="utf-8"?>
+<p:sld xmlns:a="http://schemas.openxmlformats.org/drawingml/2006/main" xmlns:r="http://schemas.openxmlformats.org/officeDocument/2006/relationships" xmlns:p="http://schemas.openxmlformats.org/presentationml/2006/main">
+  <p:cSld>
+    <p:spTree>
+      <p:nvGrpSpPr>
+        <p:cNvPr id="1" name=""/>
+        <p:cNvGrpSpPr/>
+        <p:nvPr/>
+      </p:nvGrpSpPr>
+      <p:grpSpPr>
+        <a:xfrm>
+          <a:off x="0" y="0"/>
+          <a:ext cx="0" cy="0"/>
+          <a:chOff x="0" y="0"/>
+          <a:chExt cx="0" cy="0"/>
+        </a:xfrm>
+      </p:grpSpPr>
       <p:sp>
         <p:nvSpPr>
           <p:cNvPr id="4" name="Rectangle 3"/>
@@ -6333,7 +8022,7 @@
           <p:nvPr/>
         </p:nvPicPr>
         <p:blipFill rotWithShape="1">
-          <a:blip r:embed="rId2">
+          <a:blip r:embed="rId3">
             <a:extLst>
               <a:ext uri="{28A0092B-C50C-407E-A947-70E740481C1C}">
                 <a14:useLocalDpi xmlns:a14="http://schemas.microsoft.com/office/drawing/2010/main" val="0"/>
@@ -6362,7 +8051,7 @@
         <p:spPr>
           <a:xfrm>
             <a:off x="260431" y="329879"/>
-            <a:ext cx="8906720" cy="5833905"/>
+            <a:ext cx="8906720" cy="8036559"/>
           </a:xfrm>
           <a:prstGeom prst="rect">
             <a:avLst/>
@@ -6382,11 +8071,19 @@
                 </a:solidFill>
                 <a:latin typeface="Pragmatica" panose="020B0403040502020204" pitchFamily="34" charset="0"/>
               </a:rPr>
-              <a:t>Demo</a:t>
-            </a:r>
-          </a:p>
-          <a:p>
-            <a:pPr marL="142875">
+              <a:t>AI-driven data entry and forecasting </a:t>
+            </a:r>
+          </a:p>
+          <a:p>
+            <a:endParaRPr lang="en-US" sz="4200" dirty="0">
+              <a:solidFill>
+                <a:srgbClr val="CF3338"/>
+              </a:solidFill>
+              <a:latin typeface="Pragmatica" panose="020B0403040502020204" pitchFamily="34" charset="0"/>
+            </a:endParaRPr>
+          </a:p>
+          <a:p>
+            <a:pPr marL="685800" indent="-542925">
               <a:lnSpc>
                 <a:spcPct val="115000"/>
               </a:lnSpc>
@@ -6397,6 +8094,8 @@
                 <a:srgbClr val="C00000"/>
               </a:buClr>
               <a:buSzPts val="2100"/>
+              <a:buFont typeface="Arial"/>
+              <a:buAutoNum type="arabicPeriod"/>
             </a:pPr>
             <a:r>
               <a:rPr lang="en-US" sz="3600" dirty="0">
@@ -6404,11 +8103,108 @@
                   <a:srgbClr val="C00000"/>
                 </a:solidFill>
                 <a:latin typeface="Pragmatica" panose="020B0403040502020204"/>
-                <a:ea typeface="Consolas"/>
-                <a:cs typeface="Consolas"/>
                 <a:sym typeface="Consolas"/>
               </a:rPr>
-              <a:t>Worksheet: </a:t>
+              <a:t>Importing data from picture</a:t>
+            </a:r>
+          </a:p>
+          <a:p>
+            <a:pPr marL="685800" indent="-542925">
+              <a:lnSpc>
+                <a:spcPct val="115000"/>
+              </a:lnSpc>
+              <a:spcBef>
+                <a:spcPts val="1125"/>
+              </a:spcBef>
+              <a:buClr>
+                <a:srgbClr val="C00000"/>
+              </a:buClr>
+              <a:buSzPts val="2100"/>
+              <a:buFont typeface="Arial"/>
+              <a:buAutoNum type="arabicPeriod"/>
+            </a:pPr>
+            <a:r>
+              <a:rPr lang="en-US" sz="3600" dirty="0">
+                <a:solidFill>
+                  <a:srgbClr val="C00000"/>
+                </a:solidFill>
+                <a:latin typeface="Pragmatica" panose="020B0403040502020204"/>
+                <a:sym typeface="Consolas"/>
+              </a:rPr>
+              <a:t>Creating forecasts with Forecast Sheet</a:t>
+            </a:r>
+          </a:p>
+          <a:p>
+            <a:pPr marL="685800" indent="-542925">
+              <a:lnSpc>
+                <a:spcPct val="115000"/>
+              </a:lnSpc>
+              <a:spcBef>
+                <a:spcPts val="1125"/>
+              </a:spcBef>
+              <a:buClr>
+                <a:srgbClr val="C00000"/>
+              </a:buClr>
+              <a:buSzPts val="2100"/>
+              <a:buFont typeface="Arial"/>
+              <a:buAutoNum type="arabicPeriod"/>
+            </a:pPr>
+            <a:r>
+              <a:rPr lang="en-US" sz="3600" dirty="0">
+                <a:solidFill>
+                  <a:srgbClr val="C00000"/>
+                </a:solidFill>
+                <a:latin typeface="Pragmatica" panose="020B0403040502020204"/>
+                <a:sym typeface="Consolas"/>
+              </a:rPr>
+              <a:t>Enhancing insights with linked data types</a:t>
+            </a:r>
+          </a:p>
+          <a:p>
+            <a:pPr marL="685800" indent="-542925">
+              <a:lnSpc>
+                <a:spcPct val="115000"/>
+              </a:lnSpc>
+              <a:spcBef>
+                <a:spcPts val="1125"/>
+              </a:spcBef>
+              <a:buClr>
+                <a:srgbClr val="C00000"/>
+              </a:buClr>
+              <a:buSzPts val="2100"/>
+              <a:buFont typeface="Arial"/>
+              <a:buAutoNum type="arabicPeriod"/>
+            </a:pPr>
+            <a:endParaRPr lang="en-US" sz="3600" dirty="0">
+              <a:solidFill>
+                <a:srgbClr val="C00000"/>
+              </a:solidFill>
+              <a:latin typeface="Pragmatica" panose="020B0403040502020204"/>
+              <a:sym typeface="Consolas"/>
+            </a:endParaRPr>
+          </a:p>
+          <a:p>
+            <a:pPr marL="142875">
+              <a:lnSpc>
+                <a:spcPct val="115000"/>
+              </a:lnSpc>
+              <a:spcBef>
+                <a:spcPts val="1125"/>
+              </a:spcBef>
+              <a:buClr>
+                <a:srgbClr val="C00000"/>
+              </a:buClr>
+              <a:buSzPts val="2100"/>
+            </a:pPr>
+            <a:r>
+              <a:rPr lang="en-US" sz="3600" dirty="0">
+                <a:solidFill>
+                  <a:srgbClr val="C00000"/>
+                </a:solidFill>
+                <a:latin typeface="Pragmatica" panose="020B0403040502020204"/>
+                <a:sym typeface="Consolas"/>
+              </a:rPr>
+              <a:t>File: </a:t>
             </a:r>
             <a:r>
               <a:rPr lang="en-US" sz="3600" dirty="0">
@@ -6416,147 +8212,16 @@
                   <a:srgbClr val="C00000"/>
                 </a:solidFill>
                 <a:latin typeface="Consolas" panose="020B0609020204030204" pitchFamily="49" charset="0"/>
-                <a:ea typeface="Consolas"/>
-                <a:cs typeface="Consolas"/>
                 <a:sym typeface="Consolas"/>
               </a:rPr>
-              <a:t>count-v-</a:t>
-            </a:r>
-            <a:r>
-              <a:rPr lang="en-US" sz="3600" dirty="0" err="1">
-                <a:solidFill>
-                  <a:srgbClr val="C00000"/>
-                </a:solidFill>
-                <a:latin typeface="Consolas" panose="020B0609020204030204" pitchFamily="49" charset="0"/>
-                <a:ea typeface="Consolas"/>
-                <a:cs typeface="Consolas"/>
-                <a:sym typeface="Consolas"/>
-              </a:rPr>
-              <a:t>counta</a:t>
-            </a:r>
-            <a:endParaRPr lang="en-US" sz="3600" dirty="0">
+              <a:t>ai-driven-data-entry-forecasting.xlsx</a:t>
+            </a:r>
+            <a:endParaRPr lang="en-US" sz="6000" dirty="0">
               <a:solidFill>
-                <a:srgbClr val="C00000"/>
+                <a:srgbClr val="CF3338"/>
               </a:solidFill>
               <a:latin typeface="Consolas" panose="020B0609020204030204" pitchFamily="49" charset="0"/>
-              <a:ea typeface="Consolas"/>
-              <a:cs typeface="Consolas"/>
-              <a:sym typeface="Consolas"/>
             </a:endParaRPr>
-          </a:p>
-          <a:p>
-            <a:pPr marL="142875">
-              <a:lnSpc>
-                <a:spcPct val="115000"/>
-              </a:lnSpc>
-              <a:spcBef>
-                <a:spcPts val="1125"/>
-              </a:spcBef>
-              <a:buClr>
-                <a:srgbClr val="C00000"/>
-              </a:buClr>
-              <a:buSzPts val="2100"/>
-            </a:pPr>
-            <a:r>
-              <a:rPr lang="en-US" sz="3600" dirty="0">
-                <a:solidFill>
-                  <a:srgbClr val="C00000"/>
-                </a:solidFill>
-                <a:latin typeface="Pragmatica" panose="020B0403040502020204"/>
-                <a:ea typeface="Consolas"/>
-                <a:cs typeface="Consolas"/>
-                <a:sym typeface="Consolas"/>
-              </a:rPr>
-              <a:t>Using the Insert Function menu:</a:t>
-            </a:r>
-          </a:p>
-          <a:p>
-            <a:pPr marL="657225" indent="-514350">
-              <a:lnSpc>
-                <a:spcPct val="115000"/>
-              </a:lnSpc>
-              <a:spcBef>
-                <a:spcPts val="1125"/>
-              </a:spcBef>
-              <a:buClr>
-                <a:srgbClr val="C00000"/>
-              </a:buClr>
-              <a:buSzPts val="2100"/>
-              <a:buFont typeface="Arial" panose="020B0604020202020204" pitchFamily="34" charset="0"/>
-              <a:buChar char="•"/>
-            </a:pPr>
-            <a:r>
-              <a:rPr lang="en-US" sz="3600" dirty="0">
-                <a:solidFill>
-                  <a:srgbClr val="C00000"/>
-                </a:solidFill>
-                <a:latin typeface="Pragmatica" panose="020B0403040502020204"/>
-                <a:ea typeface="Consolas"/>
-                <a:cs typeface="Consolas"/>
-                <a:sym typeface="Consolas"/>
-              </a:rPr>
-              <a:t>Find the results of </a:t>
-            </a:r>
-            <a:r>
-              <a:rPr lang="en-US" sz="3600" dirty="0">
-                <a:solidFill>
-                  <a:srgbClr val="C00000"/>
-                </a:solidFill>
-                <a:latin typeface="Consolas" panose="020B0609020204030204" pitchFamily="49" charset="0"/>
-                <a:ea typeface="Consolas"/>
-                <a:cs typeface="Consolas"/>
-                <a:sym typeface="Consolas"/>
-              </a:rPr>
-              <a:t>COUNT()</a:t>
-            </a:r>
-            <a:r>
-              <a:rPr lang="en-US" sz="3600" dirty="0">
-                <a:solidFill>
-                  <a:srgbClr val="C00000"/>
-                </a:solidFill>
-                <a:latin typeface="Pragmatica" panose="020B0403040502020204"/>
-                <a:ea typeface="Consolas"/>
-                <a:cs typeface="Consolas"/>
-                <a:sym typeface="Consolas"/>
-              </a:rPr>
-              <a:t> vs </a:t>
-            </a:r>
-            <a:r>
-              <a:rPr lang="en-US" sz="3600" dirty="0">
-                <a:solidFill>
-                  <a:srgbClr val="C00000"/>
-                </a:solidFill>
-                <a:latin typeface="Consolas" panose="020B0609020204030204" pitchFamily="49" charset="0"/>
-                <a:ea typeface="Consolas"/>
-                <a:cs typeface="Consolas"/>
-                <a:sym typeface="Consolas"/>
-              </a:rPr>
-              <a:t>COUNTA()</a:t>
-            </a:r>
-            <a:r>
-              <a:rPr lang="en-US" sz="3600" dirty="0">
-                <a:solidFill>
-                  <a:srgbClr val="C00000"/>
-                </a:solidFill>
-                <a:latin typeface="Pragmatica" panose="020B0403040502020204"/>
-                <a:ea typeface="Consolas"/>
-                <a:cs typeface="Consolas"/>
-                <a:sym typeface="Consolas"/>
-              </a:rPr>
-              <a:t> for cells </a:t>
-            </a:r>
-            <a:r>
-              <a:rPr lang="en-US" sz="3600" dirty="0">
-                <a:solidFill>
-                  <a:srgbClr val="C00000"/>
-                </a:solidFill>
-                <a:latin typeface="Consolas" panose="020B0609020204030204" pitchFamily="49" charset="0"/>
-                <a:ea typeface="Consolas"/>
-                <a:cs typeface="Consolas"/>
-                <a:sym typeface="Consolas"/>
-              </a:rPr>
-              <a:t>A1-A6</a:t>
-            </a:r>
           </a:p>
           <a:p>
             <a:endParaRPr lang="en-US" sz="6000" dirty="0">
@@ -6566,50 +8231,12 @@
               <a:latin typeface="Pragmatica" panose="020B0403040502020204" pitchFamily="34" charset="0"/>
             </a:endParaRPr>
           </a:p>
-          <a:p>
-            <a:endParaRPr lang="en-US" sz="6000" dirty="0">
-              <a:solidFill>
-                <a:srgbClr val="CF3338"/>
-              </a:solidFill>
-              <a:latin typeface="Pragmatica" panose="020B0403040502020204" pitchFamily="34" charset="0"/>
-            </a:endParaRPr>
-          </a:p>
-        </p:txBody>
-      </p:sp>
-      <p:pic>
-        <p:nvPicPr>
-          <p:cNvPr id="9" name="Picture 8">
-            <a:extLst>
-              <a:ext uri="{FF2B5EF4-FFF2-40B4-BE49-F238E27FC236}">
-                <a16:creationId xmlns:a16="http://schemas.microsoft.com/office/drawing/2014/main" id="{DF64B2D0-FB12-6F50-C0C3-CEA7E42BEFA8}"/>
-              </a:ext>
-            </a:extLst>
-          </p:cNvPr>
-          <p:cNvPicPr>
-            <a:picLocks noChangeAspect="1"/>
-          </p:cNvPicPr>
-          <p:nvPr/>
-        </p:nvPicPr>
-        <p:blipFill>
-          <a:blip r:embed="rId3"/>
-          <a:stretch>
-            <a:fillRect/>
-          </a:stretch>
-        </p:blipFill>
-        <p:spPr>
-          <a:xfrm>
-            <a:off x="10485278" y="1030186"/>
-            <a:ext cx="6336552" cy="3329012"/>
-          </a:xfrm>
-          <a:prstGeom prst="rect">
-            <a:avLst/>
-          </a:prstGeom>
-        </p:spPr>
-      </p:pic>
+        </p:txBody>
+      </p:sp>
     </p:spTree>
     <p:extLst>
       <p:ext uri="{BB962C8B-B14F-4D97-AF65-F5344CB8AC3E}">
-        <p14:creationId xmlns:p14="http://schemas.microsoft.com/office/powerpoint/2010/main" val="2326436545"/>
+        <p14:creationId xmlns:p14="http://schemas.microsoft.com/office/powerpoint/2010/main" val="3338017956"/>
       </p:ext>
     </p:extLst>
   </p:cSld>
@@ -6619,7 +8246,7 @@
 </p:sld>
 </file>
 
-<file path=ppt/slides/slide11.xml><?xml version="1.0" encoding="utf-8"?>
+<file path=ppt/slides/slide13.xml><?xml version="1.0" encoding="utf-8"?>
 <p:sld xmlns:a="http://schemas.openxmlformats.org/drawingml/2006/main" xmlns:r="http://schemas.openxmlformats.org/officeDocument/2006/relationships" xmlns:p="http://schemas.openxmlformats.org/presentationml/2006/main">
   <p:cSld>
     <p:spTree>
@@ -6691,7 +8318,7 @@
           <p:nvPr/>
         </p:nvPicPr>
         <p:blipFill rotWithShape="1">
-          <a:blip r:embed="rId2">
+          <a:blip r:embed="rId3">
             <a:extLst>
               <a:ext uri="{28A0092B-C50C-407E-A947-70E740481C1C}">
                 <a14:useLocalDpi xmlns:a14="http://schemas.microsoft.com/office/drawing/2010/main" val="0"/>
@@ -6720,7 +8347,7 @@
         <p:spPr>
           <a:xfrm>
             <a:off x="260431" y="329879"/>
-            <a:ext cx="8906720" cy="7390228"/>
+            <a:ext cx="8906720" cy="8027326"/>
           </a:xfrm>
           <a:prstGeom prst="rect">
             <a:avLst/>
@@ -6740,7 +8367,7 @@
                 </a:solidFill>
                 <a:latin typeface="Pragmatica" panose="020B0403040502020204" pitchFamily="34" charset="0"/>
               </a:rPr>
-              <a:t>Exercise</a:t>
+              <a:t>AI-driven data entry and forecasting EXERCISE</a:t>
             </a:r>
           </a:p>
           <a:p>
@@ -6755,103 +8382,17 @@
                 <a:srgbClr val="C00000"/>
               </a:buClr>
               <a:buSzPts val="2100"/>
-            </a:pPr>
-            <a:r>
-              <a:rPr lang="en-US" sz="3600" dirty="0">
-                <a:solidFill>
-                  <a:srgbClr val="C00000"/>
-                </a:solidFill>
-                <a:latin typeface="Pragmatica" panose="020B0403040502020204"/>
-                <a:ea typeface="Consolas"/>
-                <a:cs typeface="Consolas"/>
-                <a:sym typeface="Consolas"/>
-              </a:rPr>
-              <a:t>Learn &amp; teach a new function!</a:t>
-            </a:r>
-          </a:p>
-          <a:p>
-            <a:pPr marL="657225" indent="-514350">
-              <a:lnSpc>
-                <a:spcPct val="115000"/>
-              </a:lnSpc>
-              <a:spcBef>
-                <a:spcPts val="1125"/>
-              </a:spcBef>
-              <a:buClr>
-                <a:srgbClr val="C00000"/>
-              </a:buClr>
-              <a:buSzPts val="2100"/>
-              <a:buFont typeface="Arial" panose="020B0604020202020204" pitchFamily="34" charset="0"/>
-              <a:buChar char="•"/>
-            </a:pPr>
-            <a:r>
-              <a:rPr lang="en-US" sz="3600" dirty="0">
-                <a:solidFill>
-                  <a:srgbClr val="C00000"/>
-                </a:solidFill>
-                <a:latin typeface="Pragmatica" panose="020B0403040502020204"/>
-                <a:ea typeface="Consolas"/>
-                <a:cs typeface="Consolas"/>
-                <a:sym typeface="Consolas"/>
-              </a:rPr>
-              <a:t>Peruse the Insert Function menu to find an unfamiliar function</a:t>
-            </a:r>
-          </a:p>
-          <a:p>
-            <a:pPr marL="657225" indent="-514350">
-              <a:lnSpc>
-                <a:spcPct val="115000"/>
-              </a:lnSpc>
-              <a:spcBef>
-                <a:spcPts val="1125"/>
-              </a:spcBef>
-              <a:buClr>
-                <a:srgbClr val="C00000"/>
-              </a:buClr>
-              <a:buSzPts val="2100"/>
-              <a:buFont typeface="Arial" panose="020B0604020202020204" pitchFamily="34" charset="0"/>
-              <a:buChar char="•"/>
-            </a:pPr>
-            <a:r>
-              <a:rPr lang="en-US" sz="3600" dirty="0">
-                <a:solidFill>
-                  <a:srgbClr val="C00000"/>
-                </a:solidFill>
-                <a:latin typeface="Pragmatica" panose="020B0403040502020204"/>
-                <a:ea typeface="Consolas"/>
-                <a:cs typeface="Consolas"/>
-                <a:sym typeface="Consolas"/>
-              </a:rPr>
-              <a:t>Test, evaluate &amp; demonstrate it to class</a:t>
-            </a:r>
-          </a:p>
-          <a:p>
-            <a:pPr marL="657225" indent="-514350">
-              <a:lnSpc>
-                <a:spcPct val="115000"/>
-              </a:lnSpc>
-              <a:spcBef>
-                <a:spcPts val="1125"/>
-              </a:spcBef>
-              <a:buClr>
-                <a:srgbClr val="C00000"/>
-              </a:buClr>
-              <a:buSzPts val="2100"/>
-              <a:buFont typeface="Arial" panose="020B0604020202020204" pitchFamily="34" charset="0"/>
-              <a:buChar char="•"/>
             </a:pPr>
             <a:endParaRPr lang="en-US" sz="3600" dirty="0">
               <a:solidFill>
                 <a:srgbClr val="C00000"/>
               </a:solidFill>
               <a:latin typeface="Pragmatica" panose="020B0403040502020204"/>
-              <a:ea typeface="Consolas"/>
-              <a:cs typeface="Consolas"/>
               <a:sym typeface="Consolas"/>
             </a:endParaRPr>
           </a:p>
           <a:p>
-            <a:pPr marL="142875">
+            <a:pPr marL="714375" indent="-571500">
               <a:lnSpc>
                 <a:spcPct val="115000"/>
               </a:lnSpc>
@@ -6862,27 +8403,107 @@
                 <a:srgbClr val="C00000"/>
               </a:buClr>
               <a:buSzPts val="2100"/>
+              <a:buFont typeface="Arial" panose="020B0604020202020204" pitchFamily="34" charset="0"/>
+              <a:buChar char="•"/>
             </a:pPr>
             <a:r>
-              <a:rPr lang="en-US" sz="3600" i="1" dirty="0">
+              <a:rPr lang="en-US" sz="3600" dirty="0">
                 <a:solidFill>
                   <a:srgbClr val="C00000"/>
                 </a:solidFill>
                 <a:latin typeface="Pragmatica" panose="020B0403040502020204"/>
-                <a:ea typeface="Consolas"/>
-                <a:cs typeface="Consolas"/>
                 <a:sym typeface="Consolas"/>
               </a:rPr>
-              <a:t>There are over 450 functions in Excel</a:t>
-            </a:r>
-            <a:endParaRPr lang="en-US" sz="3600" i="1" dirty="0">
+              <a:t>Create a population forecast for the selected European countries</a:t>
+            </a:r>
+          </a:p>
+          <a:p>
+            <a:pPr marL="714375" indent="-571500">
+              <a:lnSpc>
+                <a:spcPct val="115000"/>
+              </a:lnSpc>
+              <a:spcBef>
+                <a:spcPts val="1125"/>
+              </a:spcBef>
+              <a:buClr>
+                <a:srgbClr val="C00000"/>
+              </a:buClr>
+              <a:buSzPts val="2100"/>
+              <a:buFont typeface="Arial" panose="020B0604020202020204" pitchFamily="34" charset="0"/>
+              <a:buChar char="•"/>
+            </a:pPr>
+            <a:r>
+              <a:rPr lang="en-US" sz="3600" dirty="0">
+                <a:solidFill>
+                  <a:srgbClr val="C00000"/>
+                </a:solidFill>
+                <a:latin typeface="Pragmatica" panose="020B0403040502020204"/>
+                <a:sym typeface="Consolas"/>
+              </a:rPr>
+              <a:t>Enhance your data with linked data types</a:t>
+            </a:r>
+          </a:p>
+          <a:p>
+            <a:pPr marL="685800" indent="-542925">
+              <a:lnSpc>
+                <a:spcPct val="115000"/>
+              </a:lnSpc>
+              <a:spcBef>
+                <a:spcPts val="1125"/>
+              </a:spcBef>
+              <a:buClr>
+                <a:srgbClr val="C00000"/>
+              </a:buClr>
+              <a:buSzPts val="2100"/>
+              <a:buFont typeface="Arial"/>
+              <a:buAutoNum type="arabicPeriod"/>
+            </a:pPr>
+            <a:endParaRPr lang="en-US" sz="3600" dirty="0">
               <a:solidFill>
                 <a:srgbClr val="C00000"/>
               </a:solidFill>
+              <a:latin typeface="Pragmatica" panose="020B0403040502020204"/>
+              <a:sym typeface="Consolas"/>
+            </a:endParaRPr>
+          </a:p>
+          <a:p>
+            <a:pPr marL="142875">
+              <a:lnSpc>
+                <a:spcPct val="115000"/>
+              </a:lnSpc>
+              <a:spcBef>
+                <a:spcPts val="1125"/>
+              </a:spcBef>
+              <a:buClr>
+                <a:srgbClr val="C00000"/>
+              </a:buClr>
+              <a:buSzPts val="2100"/>
+            </a:pPr>
+            <a:r>
+              <a:rPr lang="en-US" sz="3600" dirty="0">
+                <a:solidFill>
+                  <a:srgbClr val="C00000"/>
+                </a:solidFill>
+                <a:latin typeface="Pragmatica" panose="020B0403040502020204"/>
+                <a:sym typeface="Consolas"/>
+              </a:rPr>
+              <a:t>File: </a:t>
+            </a:r>
+            <a:r>
+              <a:rPr lang="en-US" sz="3600" dirty="0">
+                <a:solidFill>
+                  <a:srgbClr val="C00000"/>
+                </a:solidFill>
+                <a:latin typeface="Consolas" panose="020B0609020204030204" pitchFamily="49" charset="0"/>
+                <a:sym typeface="Consolas"/>
+              </a:rPr>
+              <a:t>ai-driven-data-manipulation-exercise.xlsx</a:t>
+            </a:r>
+            <a:endParaRPr lang="en-US" sz="6000" dirty="0">
+              <a:solidFill>
+                <a:srgbClr val="CF3338"/>
+              </a:solidFill>
               <a:latin typeface="Consolas" panose="020B0609020204030204" pitchFamily="49" charset="0"/>
-              <a:ea typeface="Consolas"/>
-              <a:cs typeface="Consolas"/>
-              <a:sym typeface="Consolas"/>
             </a:endParaRPr>
           </a:p>
           <a:p>
@@ -6893,20 +8514,12 @@
               <a:latin typeface="Pragmatica" panose="020B0403040502020204" pitchFamily="34" charset="0"/>
             </a:endParaRPr>
           </a:p>
-          <a:p>
-            <a:endParaRPr lang="en-US" sz="6000" dirty="0">
-              <a:solidFill>
-                <a:srgbClr val="CF3338"/>
-              </a:solidFill>
-              <a:latin typeface="Pragmatica" panose="020B0403040502020204" pitchFamily="34" charset="0"/>
-            </a:endParaRPr>
-          </a:p>
         </p:txBody>
       </p:sp>
     </p:spTree>
     <p:extLst>
       <p:ext uri="{BB962C8B-B14F-4D97-AF65-F5344CB8AC3E}">
-        <p14:creationId xmlns:p14="http://schemas.microsoft.com/office/powerpoint/2010/main" val="2021726256"/>
+        <p14:creationId xmlns:p14="http://schemas.microsoft.com/office/powerpoint/2010/main" val="1347479794"/>
       </p:ext>
     </p:extLst>
   </p:cSld>
@@ -6916,7 +8529,7 @@
 </p:sld>
 </file>
 
-<file path=ppt/slides/slide12.xml><?xml version="1.0" encoding="utf-8"?>
+<file path=ppt/slides/slide14.xml><?xml version="1.0" encoding="utf-8"?>
 <p:sld xmlns:a="http://schemas.openxmlformats.org/drawingml/2006/main" xmlns:r="http://schemas.openxmlformats.org/officeDocument/2006/relationships" xmlns:p="http://schemas.openxmlformats.org/presentationml/2006/main">
   <p:cSld>
     <p:spTree>
@@ -7074,7 +8687,7 @@
 </p:sld>
 </file>
 
-<file path=ppt/slides/slide13.xml><?xml version="1.0" encoding="utf-8"?>
+<file path=ppt/slides/slide15.xml><?xml version="1.0" encoding="utf-8"?>
 <p:sld xmlns:a="http://schemas.openxmlformats.org/drawingml/2006/main" xmlns:r="http://schemas.openxmlformats.org/officeDocument/2006/relationships" xmlns:p="http://schemas.openxmlformats.org/presentationml/2006/main">
   <p:cSld>
     <p:spTree>
@@ -7146,7 +8759,7 @@
         <p:spPr>
           <a:xfrm>
             <a:off x="781292" y="590309"/>
-            <a:ext cx="15486926" cy="1615827"/>
+            <a:ext cx="15486926" cy="3139321"/>
           </a:xfrm>
           <a:prstGeom prst="rect">
             <a:avLst/>
@@ -7166,47 +8779,11 @@
                 </a:solidFill>
                 <a:latin typeface="Normafixed Tryout" panose="00000409000000000000" pitchFamily="49" charset="0"/>
               </a:rPr>
-              <a:t>2. Named ranges and tables</a:t>
-            </a:r>
-          </a:p>
-        </p:txBody>
-      </p:sp>
-      <p:pic>
-        <p:nvPicPr>
-          <p:cNvPr id="2" name="Picture 1" descr="A black text on a white background&#10;&#10;Description automatically generated">
-            <a:extLst>
-              <a:ext uri="{FF2B5EF4-FFF2-40B4-BE49-F238E27FC236}">
-                <a16:creationId xmlns:a16="http://schemas.microsoft.com/office/drawing/2014/main" id="{F1D6D227-D249-A504-31A1-627D48C0F086}"/>
-              </a:ext>
-            </a:extLst>
-          </p:cNvPr>
-          <p:cNvPicPr>
-            <a:picLocks noChangeAspect="1"/>
-          </p:cNvPicPr>
-          <p:nvPr/>
-        </p:nvPicPr>
-        <p:blipFill>
-          <a:blip r:embed="rId2">
-            <a:extLst>
-              <a:ext uri="{28A0092B-C50C-407E-A947-70E740481C1C}">
-                <a14:useLocalDpi xmlns:a14="http://schemas.microsoft.com/office/drawing/2010/main" val="0"/>
-              </a:ext>
-            </a:extLst>
-          </a:blip>
-          <a:stretch>
-            <a:fillRect/>
-          </a:stretch>
-        </p:blipFill>
-        <p:spPr>
-          <a:xfrm>
-            <a:off x="-1" y="8776889"/>
-            <a:ext cx="8939861" cy="1510112"/>
-          </a:xfrm>
-          <a:prstGeom prst="rect">
-            <a:avLst/>
-          </a:prstGeom>
-        </p:spPr>
-      </p:pic>
+              <a:t>3. AI-Powered Data Analysis and Visualization</a:t>
+            </a:r>
+          </a:p>
+        </p:txBody>
+      </p:sp>
     </p:spTree>
     <p:extLst>
       <p:ext uri="{BB962C8B-B14F-4D97-AF65-F5344CB8AC3E}">
@@ -7220,12 +8797,12 @@
 </p:sld>
 </file>
 
-<file path=ppt/slides/slide14.xml><?xml version="1.0" encoding="utf-8"?>
+<file path=ppt/slides/slide16.xml><?xml version="1.0" encoding="utf-8"?>
 <p:sld xmlns:a="http://schemas.openxmlformats.org/drawingml/2006/main" xmlns:r="http://schemas.openxmlformats.org/officeDocument/2006/relationships" xmlns:p="http://schemas.openxmlformats.org/presentationml/2006/main">
   <p:cSld>
     <p:spTree>
       <p:nvGrpSpPr>
-        <p:cNvPr id="1" name="Shape 629"/>
+        <p:cNvPr id="1" name=""/>
         <p:cNvGrpSpPr/>
         <p:nvPr/>
       </p:nvGrpSpPr>
@@ -7239,47 +8816,929 @@
       </p:grpSpPr>
       <p:sp>
         <p:nvSpPr>
-          <p:cNvPr id="633" name="Google Shape;633;p56"/>
-          <p:cNvSpPr txBox="1">
-            <a:spLocks noGrp="1"/>
-          </p:cNvSpPr>
-          <p:nvPr>
-            <p:ph type="body" idx="4"/>
-          </p:nvPr>
+          <p:cNvPr id="4" name="Rectangle 3"/>
+          <p:cNvSpPr/>
+          <p:nvPr/>
         </p:nvSpPr>
         <p:spPr>
           <a:xfrm>
-            <a:off x="597453" y="3717053"/>
-            <a:ext cx="9218061" cy="1234896"/>
+            <a:off x="9861630" y="0"/>
+            <a:ext cx="8426370" cy="10287000"/>
+          </a:xfrm>
+          <a:prstGeom prst="rect">
+            <a:avLst/>
+          </a:prstGeom>
+          <a:solidFill>
+            <a:srgbClr val="CF3338"/>
+          </a:solidFill>
+          <a:ln>
+            <a:noFill/>
+          </a:ln>
+        </p:spPr>
+        <p:style>
+          <a:lnRef idx="2">
+            <a:schemeClr val="accent1">
+              <a:shade val="50000"/>
+            </a:schemeClr>
+          </a:lnRef>
+          <a:fillRef idx="1">
+            <a:schemeClr val="accent1"/>
+          </a:fillRef>
+          <a:effectRef idx="0">
+            <a:schemeClr val="accent1"/>
+          </a:effectRef>
+          <a:fontRef idx="minor">
+            <a:schemeClr val="lt1"/>
+          </a:fontRef>
+        </p:style>
+        <p:txBody>
+          <a:bodyPr rtlCol="0" anchor="ctr"/>
+          <a:lstStyle/>
+          <a:p>
+            <a:pPr algn="ctr"/>
+            <a:endParaRPr lang="en-US" sz="2700"/>
+          </a:p>
+        </p:txBody>
+      </p:sp>
+      <p:pic>
+        <p:nvPicPr>
+          <p:cNvPr id="2" name="Picture 1"/>
+          <p:cNvPicPr>
+            <a:picLocks noChangeAspect="1"/>
+          </p:cNvPicPr>
+          <p:nvPr/>
+        </p:nvPicPr>
+        <p:blipFill rotWithShape="1">
+          <a:blip r:embed="rId3">
+            <a:extLst>
+              <a:ext uri="{28A0092B-C50C-407E-A947-70E740481C1C}">
+                <a14:useLocalDpi xmlns:a14="http://schemas.microsoft.com/office/drawing/2010/main" val="0"/>
+              </a:ext>
+            </a:extLst>
+          </a:blip>
+          <a:srcRect l="69227" t="33418" r="20112" b="50548"/>
+          <a:stretch/>
+        </p:blipFill>
+        <p:spPr>
+          <a:xfrm>
+            <a:off x="15579524" y="7544693"/>
+            <a:ext cx="2708477" cy="2987579"/>
+          </a:xfrm>
+          <a:prstGeom prst="rect">
+            <a:avLst/>
+          </a:prstGeom>
+        </p:spPr>
+      </p:pic>
+      <p:sp>
+        <p:nvSpPr>
+          <p:cNvPr id="3" name="TextBox 2"/>
+          <p:cNvSpPr txBox="1"/>
+          <p:nvPr/>
+        </p:nvSpPr>
+        <p:spPr>
+          <a:xfrm>
+            <a:off x="260431" y="329879"/>
+            <a:ext cx="8906720" cy="8673656"/>
           </a:xfrm>
           <a:prstGeom prst="rect">
             <a:avLst/>
           </a:prstGeom>
           <a:noFill/>
+        </p:spPr>
+        <p:txBody>
+          <a:bodyPr wrap="square" rtlCol="0">
+            <a:spAutoFit/>
+          </a:bodyPr>
+          <a:lstStyle/>
+          <a:p>
+            <a:r>
+              <a:rPr lang="en-US" sz="6000" b="1" dirty="0">
+                <a:solidFill>
+                  <a:srgbClr val="CF3338"/>
+                </a:solidFill>
+                <a:latin typeface="Pragmatica" panose="020B0403040502020204" pitchFamily="34" charset="0"/>
+              </a:rPr>
+              <a:t>AI-driven data analysis and visualization</a:t>
+            </a:r>
+          </a:p>
+          <a:p>
+            <a:endParaRPr lang="en-US" sz="4200" dirty="0">
+              <a:solidFill>
+                <a:srgbClr val="CF3338"/>
+              </a:solidFill>
+              <a:latin typeface="Pragmatica" panose="020B0403040502020204" pitchFamily="34" charset="0"/>
+            </a:endParaRPr>
+          </a:p>
+          <a:p>
+            <a:pPr marL="685800" indent="-542925">
+              <a:lnSpc>
+                <a:spcPct val="115000"/>
+              </a:lnSpc>
+              <a:spcBef>
+                <a:spcPts val="1125"/>
+              </a:spcBef>
+              <a:buClr>
+                <a:srgbClr val="C00000"/>
+              </a:buClr>
+              <a:buSzPts val="2100"/>
+              <a:buFont typeface="Arial"/>
+              <a:buAutoNum type="arabicPeriod"/>
+            </a:pPr>
+            <a:r>
+              <a:rPr lang="en-US" sz="3600" dirty="0">
+                <a:solidFill>
+                  <a:srgbClr val="C00000"/>
+                </a:solidFill>
+                <a:latin typeface="Pragmatica" panose="020B0403040502020204"/>
+                <a:sym typeface="Consolas"/>
+              </a:rPr>
+              <a:t>Preparing data for Analyze Data</a:t>
+            </a:r>
+          </a:p>
+          <a:p>
+            <a:pPr marL="685800" indent="-542925">
+              <a:lnSpc>
+                <a:spcPct val="115000"/>
+              </a:lnSpc>
+              <a:spcBef>
+                <a:spcPts val="1125"/>
+              </a:spcBef>
+              <a:buClr>
+                <a:srgbClr val="C00000"/>
+              </a:buClr>
+              <a:buSzPts val="2100"/>
+              <a:buFont typeface="Arial"/>
+              <a:buAutoNum type="arabicPeriod"/>
+            </a:pPr>
+            <a:r>
+              <a:rPr lang="en-US" sz="3600" dirty="0">
+                <a:solidFill>
+                  <a:srgbClr val="C00000"/>
+                </a:solidFill>
+                <a:latin typeface="Pragmatica" panose="020B0403040502020204"/>
+                <a:sym typeface="Consolas"/>
+              </a:rPr>
+              <a:t>Basics of natural language querying &amp; prompt engineering</a:t>
+            </a:r>
+          </a:p>
+          <a:p>
+            <a:pPr marL="685800" indent="-542925">
+              <a:lnSpc>
+                <a:spcPct val="115000"/>
+              </a:lnSpc>
+              <a:spcBef>
+                <a:spcPts val="1125"/>
+              </a:spcBef>
+              <a:buClr>
+                <a:srgbClr val="C00000"/>
+              </a:buClr>
+              <a:buSzPts val="2100"/>
+              <a:buFont typeface="Arial"/>
+              <a:buAutoNum type="arabicPeriod"/>
+            </a:pPr>
+            <a:r>
+              <a:rPr lang="en-US" sz="3600" dirty="0">
+                <a:solidFill>
+                  <a:srgbClr val="C00000"/>
+                </a:solidFill>
+                <a:latin typeface="Pragmatica" panose="020B0403040502020204"/>
+                <a:sym typeface="Consolas"/>
+              </a:rPr>
+              <a:t>From Analyze Data to Copilot </a:t>
+            </a:r>
+          </a:p>
+          <a:p>
+            <a:pPr marL="685800" indent="-542925">
+              <a:lnSpc>
+                <a:spcPct val="115000"/>
+              </a:lnSpc>
+              <a:spcBef>
+                <a:spcPts val="1125"/>
+              </a:spcBef>
+              <a:buClr>
+                <a:srgbClr val="C00000"/>
+              </a:buClr>
+              <a:buSzPts val="2100"/>
+              <a:buFont typeface="Arial"/>
+              <a:buAutoNum type="arabicPeriod"/>
+            </a:pPr>
+            <a:endParaRPr lang="en-US" sz="3600" dirty="0">
+              <a:solidFill>
+                <a:srgbClr val="C00000"/>
+              </a:solidFill>
+              <a:latin typeface="Pragmatica" panose="020B0403040502020204"/>
+              <a:sym typeface="Consolas"/>
+            </a:endParaRPr>
+          </a:p>
+          <a:p>
+            <a:pPr marL="142875">
+              <a:lnSpc>
+                <a:spcPct val="115000"/>
+              </a:lnSpc>
+              <a:spcBef>
+                <a:spcPts val="1125"/>
+              </a:spcBef>
+              <a:buClr>
+                <a:srgbClr val="C00000"/>
+              </a:buClr>
+              <a:buSzPts val="2100"/>
+            </a:pPr>
+            <a:r>
+              <a:rPr lang="en-US" sz="3600" dirty="0">
+                <a:solidFill>
+                  <a:srgbClr val="C00000"/>
+                </a:solidFill>
+                <a:latin typeface="Pragmatica" panose="020B0403040502020204"/>
+                <a:sym typeface="Consolas"/>
+              </a:rPr>
+              <a:t>File: </a:t>
+            </a:r>
+            <a:r>
+              <a:rPr lang="en-US" sz="3600" dirty="0">
+                <a:solidFill>
+                  <a:srgbClr val="C00000"/>
+                </a:solidFill>
+                <a:latin typeface="Consolas" panose="020B0609020204030204" pitchFamily="49" charset="0"/>
+                <a:sym typeface="Consolas"/>
+              </a:rPr>
+              <a:t>ai-driven-data-analysis-visualization.xlsx</a:t>
+            </a:r>
+            <a:endParaRPr lang="en-US" sz="6000" dirty="0">
+              <a:solidFill>
+                <a:srgbClr val="CF3338"/>
+              </a:solidFill>
+              <a:latin typeface="Consolas" panose="020B0609020204030204" pitchFamily="49" charset="0"/>
+            </a:endParaRPr>
+          </a:p>
+          <a:p>
+            <a:endParaRPr lang="en-US" sz="6000" dirty="0">
+              <a:solidFill>
+                <a:srgbClr val="CF3338"/>
+              </a:solidFill>
+              <a:latin typeface="Pragmatica" panose="020B0403040502020204" pitchFamily="34" charset="0"/>
+            </a:endParaRPr>
+          </a:p>
+        </p:txBody>
+      </p:sp>
+    </p:spTree>
+    <p:extLst>
+      <p:ext uri="{BB962C8B-B14F-4D97-AF65-F5344CB8AC3E}">
+        <p14:creationId xmlns:p14="http://schemas.microsoft.com/office/powerpoint/2010/main" val="3717021490"/>
+      </p:ext>
+    </p:extLst>
+  </p:cSld>
+  <p:clrMapOvr>
+    <a:masterClrMapping/>
+  </p:clrMapOvr>
+</p:sld>
+</file>
+
+<file path=ppt/slides/slide17.xml><?xml version="1.0" encoding="utf-8"?>
+<p:sld xmlns:a="http://schemas.openxmlformats.org/drawingml/2006/main" xmlns:r="http://schemas.openxmlformats.org/officeDocument/2006/relationships" xmlns:p="http://schemas.openxmlformats.org/presentationml/2006/main">
+  <p:cSld>
+    <p:spTree>
+      <p:nvGrpSpPr>
+        <p:cNvPr id="1" name=""/>
+        <p:cNvGrpSpPr/>
+        <p:nvPr/>
+      </p:nvGrpSpPr>
+      <p:grpSpPr>
+        <a:xfrm>
+          <a:off x="0" y="0"/>
+          <a:ext cx="0" cy="0"/>
+          <a:chOff x="0" y="0"/>
+          <a:chExt cx="0" cy="0"/>
+        </a:xfrm>
+      </p:grpSpPr>
+      <p:sp>
+        <p:nvSpPr>
+          <p:cNvPr id="4" name="Rectangle 3"/>
+          <p:cNvSpPr/>
+          <p:nvPr/>
+        </p:nvSpPr>
+        <p:spPr>
+          <a:xfrm>
+            <a:off x="9861630" y="0"/>
+            <a:ext cx="8426370" cy="10287000"/>
+          </a:xfrm>
+          <a:prstGeom prst="rect">
+            <a:avLst/>
+          </a:prstGeom>
+          <a:solidFill>
+            <a:srgbClr val="CF3338"/>
+          </a:solidFill>
           <a:ln>
             <a:noFill/>
           </a:ln>
         </p:spPr>
-        <p:txBody>
-          <a:bodyPr spcFirstLastPara="1" vert="horz" wrap="square" lIns="0" tIns="0" rIns="0" bIns="0" rtlCol="0" anchor="t" anchorCtr="0">
-            <a:noAutofit/>
+        <p:style>
+          <a:lnRef idx="2">
+            <a:schemeClr val="accent1">
+              <a:shade val="50000"/>
+            </a:schemeClr>
+          </a:lnRef>
+          <a:fillRef idx="1">
+            <a:schemeClr val="accent1"/>
+          </a:fillRef>
+          <a:effectRef idx="0">
+            <a:schemeClr val="accent1"/>
+          </a:effectRef>
+          <a:fontRef idx="minor">
+            <a:schemeClr val="lt1"/>
+          </a:fontRef>
+        </p:style>
+        <p:txBody>
+          <a:bodyPr rtlCol="0" anchor="ctr"/>
+          <a:lstStyle/>
+          <a:p>
+            <a:pPr algn="ctr"/>
+            <a:endParaRPr lang="en-US" sz="2700"/>
+          </a:p>
+        </p:txBody>
+      </p:sp>
+      <p:pic>
+        <p:nvPicPr>
+          <p:cNvPr id="2" name="Picture 1"/>
+          <p:cNvPicPr>
+            <a:picLocks noChangeAspect="1"/>
+          </p:cNvPicPr>
+          <p:nvPr/>
+        </p:nvPicPr>
+        <p:blipFill rotWithShape="1">
+          <a:blip r:embed="rId3">
+            <a:extLst>
+              <a:ext uri="{28A0092B-C50C-407E-A947-70E740481C1C}">
+                <a14:useLocalDpi xmlns:a14="http://schemas.microsoft.com/office/drawing/2010/main" val="0"/>
+              </a:ext>
+            </a:extLst>
+          </a:blip>
+          <a:srcRect l="69227" t="33418" r="20112" b="50548"/>
+          <a:stretch/>
+        </p:blipFill>
+        <p:spPr>
+          <a:xfrm>
+            <a:off x="15579524" y="7544693"/>
+            <a:ext cx="2708477" cy="2987579"/>
+          </a:xfrm>
+          <a:prstGeom prst="rect">
+            <a:avLst/>
+          </a:prstGeom>
+        </p:spPr>
+      </p:pic>
+      <p:sp>
+        <p:nvSpPr>
+          <p:cNvPr id="3" name="TextBox 2"/>
+          <p:cNvSpPr txBox="1"/>
+          <p:nvPr/>
+        </p:nvSpPr>
+        <p:spPr>
+          <a:xfrm>
+            <a:off x="260431" y="329879"/>
+            <a:ext cx="8906720" cy="7390228"/>
+          </a:xfrm>
+          <a:prstGeom prst="rect">
+            <a:avLst/>
+          </a:prstGeom>
+          <a:noFill/>
+        </p:spPr>
+        <p:txBody>
+          <a:bodyPr wrap="square" rtlCol="0">
+            <a:spAutoFit/>
           </a:bodyPr>
           <a:lstStyle/>
           <a:p>
-            <a:pPr marL="0" indent="0">
-              <a:spcBef>
-                <a:spcPts val="0"/>
-              </a:spcBef>
+            <a:r>
+              <a:rPr lang="en-US" sz="6000" b="1" dirty="0">
+                <a:solidFill>
+                  <a:srgbClr val="CF3338"/>
+                </a:solidFill>
+                <a:latin typeface="Pragmatica" panose="020B0403040502020204" pitchFamily="34" charset="0"/>
+              </a:rPr>
+              <a:t>AI-driven data analysis and visualization EXERCISE</a:t>
+            </a:r>
+          </a:p>
+          <a:p>
+            <a:pPr marL="142875">
+              <a:lnSpc>
+                <a:spcPct val="115000"/>
+              </a:lnSpc>
+              <a:spcBef>
+                <a:spcPts val="1125"/>
+              </a:spcBef>
+              <a:buClr>
+                <a:srgbClr val="C00000"/>
+              </a:buClr>
+              <a:buSzPts val="2100"/>
             </a:pPr>
-            <a:r>
-              <a:rPr lang="en-US" dirty="0"/>
-              <a:t>THANK YOU </a:t>
-            </a:r>
-            <a:endParaRPr dirty="0"/>
+            <a:endParaRPr lang="en-US" sz="3600" dirty="0">
+              <a:solidFill>
+                <a:srgbClr val="C00000"/>
+              </a:solidFill>
+              <a:latin typeface="Pragmatica" panose="020B0403040502020204"/>
+              <a:sym typeface="Consolas"/>
+            </a:endParaRPr>
+          </a:p>
+          <a:p>
+            <a:pPr marL="714375" indent="-571500">
+              <a:lnSpc>
+                <a:spcPct val="115000"/>
+              </a:lnSpc>
+              <a:spcBef>
+                <a:spcPts val="1125"/>
+              </a:spcBef>
+              <a:buClr>
+                <a:srgbClr val="C00000"/>
+              </a:buClr>
+              <a:buSzPts val="2100"/>
+              <a:buFont typeface="Arial" panose="020B0604020202020204" pitchFamily="34" charset="0"/>
+              <a:buChar char="•"/>
+            </a:pPr>
+            <a:r>
+              <a:rPr lang="en-US" sz="3600" dirty="0">
+                <a:solidFill>
+                  <a:srgbClr val="C00000"/>
+                </a:solidFill>
+                <a:latin typeface="Pragmatica" panose="020B0403040502020204"/>
+                <a:sym typeface="Consolas"/>
+              </a:rPr>
+              <a:t>Prepare data for optimal Analyze Data use</a:t>
+            </a:r>
+          </a:p>
+          <a:p>
+            <a:pPr marL="714375" indent="-571500">
+              <a:lnSpc>
+                <a:spcPct val="115000"/>
+              </a:lnSpc>
+              <a:spcBef>
+                <a:spcPts val="1125"/>
+              </a:spcBef>
+              <a:buClr>
+                <a:srgbClr val="C00000"/>
+              </a:buClr>
+              <a:buSzPts val="2100"/>
+              <a:buFont typeface="Arial" panose="020B0604020202020204" pitchFamily="34" charset="0"/>
+              <a:buChar char="•"/>
+            </a:pPr>
+            <a:r>
+              <a:rPr lang="en-US" sz="3600" dirty="0">
+                <a:solidFill>
+                  <a:srgbClr val="C00000"/>
+                </a:solidFill>
+                <a:latin typeface="Pragmatica" panose="020B0403040502020204"/>
+                <a:sym typeface="Consolas"/>
+              </a:rPr>
+              <a:t>Visualize total state population over time</a:t>
+            </a:r>
+          </a:p>
+          <a:p>
+            <a:pPr marL="685800" indent="-542925">
+              <a:lnSpc>
+                <a:spcPct val="115000"/>
+              </a:lnSpc>
+              <a:spcBef>
+                <a:spcPts val="1125"/>
+              </a:spcBef>
+              <a:buClr>
+                <a:srgbClr val="C00000"/>
+              </a:buClr>
+              <a:buSzPts val="2100"/>
+              <a:buFont typeface="Arial"/>
+              <a:buAutoNum type="arabicPeriod"/>
+            </a:pPr>
+            <a:endParaRPr lang="en-US" sz="3600" dirty="0">
+              <a:solidFill>
+                <a:srgbClr val="C00000"/>
+              </a:solidFill>
+              <a:latin typeface="Pragmatica" panose="020B0403040502020204"/>
+              <a:sym typeface="Consolas"/>
+            </a:endParaRPr>
+          </a:p>
+          <a:p>
+            <a:pPr marL="142875">
+              <a:lnSpc>
+                <a:spcPct val="115000"/>
+              </a:lnSpc>
+              <a:spcBef>
+                <a:spcPts val="1125"/>
+              </a:spcBef>
+              <a:buClr>
+                <a:srgbClr val="C00000"/>
+              </a:buClr>
+              <a:buSzPts val="2100"/>
+            </a:pPr>
+            <a:r>
+              <a:rPr lang="en-US" sz="3600" dirty="0">
+                <a:solidFill>
+                  <a:srgbClr val="C00000"/>
+                </a:solidFill>
+                <a:latin typeface="Pragmatica" panose="020B0403040502020204"/>
+                <a:sym typeface="Consolas"/>
+              </a:rPr>
+              <a:t>File: </a:t>
+            </a:r>
+            <a:r>
+              <a:rPr lang="en-US" sz="3600" dirty="0">
+                <a:solidFill>
+                  <a:srgbClr val="C00000"/>
+                </a:solidFill>
+                <a:latin typeface="Consolas" panose="020B0609020204030204" pitchFamily="49" charset="0"/>
+                <a:sym typeface="Consolas"/>
+              </a:rPr>
+              <a:t>ai-driven-data-analysis-visualization-exercise.xlsx</a:t>
+            </a:r>
+            <a:endParaRPr lang="en-US" sz="6000" dirty="0">
+              <a:solidFill>
+                <a:srgbClr val="CF3338"/>
+              </a:solidFill>
+              <a:latin typeface="Consolas" panose="020B0609020204030204" pitchFamily="49" charset="0"/>
+            </a:endParaRPr>
+          </a:p>
+          <a:p>
+            <a:endParaRPr lang="en-US" sz="6000" dirty="0">
+              <a:solidFill>
+                <a:srgbClr val="CF3338"/>
+              </a:solidFill>
+              <a:latin typeface="Pragmatica" panose="020B0403040502020204" pitchFamily="34" charset="0"/>
+            </a:endParaRPr>
           </a:p>
         </p:txBody>
       </p:sp>
     </p:spTree>
+    <p:extLst>
+      <p:ext uri="{BB962C8B-B14F-4D97-AF65-F5344CB8AC3E}">
+        <p14:creationId xmlns:p14="http://schemas.microsoft.com/office/powerpoint/2010/main" val="3601430795"/>
+      </p:ext>
+    </p:extLst>
+  </p:cSld>
+  <p:clrMapOvr>
+    <a:masterClrMapping/>
+  </p:clrMapOvr>
+</p:sld>
+</file>
+
+<file path=ppt/slides/slide18.xml><?xml version="1.0" encoding="utf-8"?>
+<p:sld xmlns:a="http://schemas.openxmlformats.org/drawingml/2006/main" xmlns:r="http://schemas.openxmlformats.org/officeDocument/2006/relationships" xmlns:p="http://schemas.openxmlformats.org/presentationml/2006/main">
+  <p:cSld>
+    <p:spTree>
+      <p:nvGrpSpPr>
+        <p:cNvPr id="1" name=""/>
+        <p:cNvGrpSpPr/>
+        <p:nvPr/>
+      </p:nvGrpSpPr>
+      <p:grpSpPr>
+        <a:xfrm>
+          <a:off x="0" y="0"/>
+          <a:ext cx="0" cy="0"/>
+          <a:chOff x="0" y="0"/>
+          <a:chExt cx="0" cy="0"/>
+        </a:xfrm>
+      </p:grpSpPr>
+      <p:pic>
+        <p:nvPicPr>
+          <p:cNvPr id="10" name="Picture 9"/>
+          <p:cNvPicPr>
+            <a:picLocks noChangeAspect="1"/>
+          </p:cNvPicPr>
+          <p:nvPr/>
+        </p:nvPicPr>
+        <p:blipFill rotWithShape="1">
+          <a:blip r:embed="rId2">
+            <a:extLst>
+              <a:ext uri="{28A0092B-C50C-407E-A947-70E740481C1C}">
+                <a14:useLocalDpi xmlns:a14="http://schemas.microsoft.com/office/drawing/2010/main" val="0"/>
+              </a:ext>
+            </a:extLst>
+          </a:blip>
+          <a:srcRect l="50728" t="56371"/>
+          <a:stretch/>
+        </p:blipFill>
+        <p:spPr>
+          <a:xfrm>
+            <a:off x="12204691" y="3316148"/>
+            <a:ext cx="6083309" cy="6970854"/>
+          </a:xfrm>
+          <a:prstGeom prst="rect">
+            <a:avLst/>
+          </a:prstGeom>
+        </p:spPr>
+      </p:pic>
+      <p:pic>
+        <p:nvPicPr>
+          <p:cNvPr id="4" name="Picture 3"/>
+          <p:cNvPicPr>
+            <a:picLocks noChangeAspect="1"/>
+          </p:cNvPicPr>
+          <p:nvPr/>
+        </p:nvPicPr>
+        <p:blipFill>
+          <a:blip r:embed="rId3">
+            <a:extLst>
+              <a:ext uri="{28A0092B-C50C-407E-A947-70E740481C1C}">
+                <a14:useLocalDpi xmlns:a14="http://schemas.microsoft.com/office/drawing/2010/main" val="0"/>
+              </a:ext>
+            </a:extLst>
+          </a:blip>
+          <a:stretch>
+            <a:fillRect/>
+          </a:stretch>
+        </p:blipFill>
+        <p:spPr>
+          <a:xfrm>
+            <a:off x="-807744" y="-3724155"/>
+            <a:ext cx="15257208" cy="11189825"/>
+          </a:xfrm>
+          <a:prstGeom prst="rect">
+            <a:avLst/>
+          </a:prstGeom>
+        </p:spPr>
+      </p:pic>
+      <p:sp>
+        <p:nvSpPr>
+          <p:cNvPr id="11" name="TextBox 10"/>
+          <p:cNvSpPr txBox="1"/>
+          <p:nvPr/>
+        </p:nvSpPr>
+        <p:spPr>
+          <a:xfrm>
+            <a:off x="486137" y="2531318"/>
+            <a:ext cx="11979797" cy="923330"/>
+          </a:xfrm>
+          <a:prstGeom prst="rect">
+            <a:avLst/>
+          </a:prstGeom>
+          <a:noFill/>
+        </p:spPr>
+        <p:txBody>
+          <a:bodyPr wrap="square" rtlCol="0">
+            <a:spAutoFit/>
+          </a:bodyPr>
+          <a:lstStyle/>
+          <a:p>
+            <a:r>
+              <a:rPr lang="en-US" sz="5400" b="1" dirty="0">
+                <a:solidFill>
+                  <a:srgbClr val="CF3338"/>
+                </a:solidFill>
+                <a:latin typeface="Pragmatica" panose="020B0403040502020204" pitchFamily="34" charset="0"/>
+              </a:rPr>
+              <a:t>Questions?</a:t>
+            </a:r>
+          </a:p>
+        </p:txBody>
+      </p:sp>
+      <p:pic>
+        <p:nvPicPr>
+          <p:cNvPr id="5" name="Picture 4">
+            <a:extLst>
+              <a:ext uri="{FF2B5EF4-FFF2-40B4-BE49-F238E27FC236}">
+                <a16:creationId xmlns:a16="http://schemas.microsoft.com/office/drawing/2014/main" id="{54A06221-5316-4BCF-9FDA-BDB95FF4A778}"/>
+              </a:ext>
+            </a:extLst>
+          </p:cNvPr>
+          <p:cNvPicPr>
+            <a:picLocks noChangeAspect="1"/>
+          </p:cNvPicPr>
+          <p:nvPr/>
+        </p:nvPicPr>
+        <p:blipFill>
+          <a:blip r:embed="rId4">
+            <a:extLst>
+              <a:ext uri="{28A0092B-C50C-407E-A947-70E740481C1C}">
+                <a14:useLocalDpi xmlns:a14="http://schemas.microsoft.com/office/drawing/2010/main" val="0"/>
+              </a:ext>
+            </a:extLst>
+          </a:blip>
+          <a:srcRect/>
+          <a:stretch/>
+        </p:blipFill>
+        <p:spPr>
+          <a:xfrm>
+            <a:off x="12204691" y="3317239"/>
+            <a:ext cx="6083309" cy="6968672"/>
+          </a:xfrm>
+          <a:prstGeom prst="rect">
+            <a:avLst/>
+          </a:prstGeom>
+        </p:spPr>
+      </p:pic>
+    </p:spTree>
+    <p:extLst>
+      <p:ext uri="{BB962C8B-B14F-4D97-AF65-F5344CB8AC3E}">
+        <p14:creationId xmlns:p14="http://schemas.microsoft.com/office/powerpoint/2010/main" val="3166451398"/>
+      </p:ext>
+    </p:extLst>
+  </p:cSld>
+  <p:clrMapOvr>
+    <a:masterClrMapping/>
+  </p:clrMapOvr>
+</p:sld>
+</file>
+
+<file path=ppt/slides/slide19.xml><?xml version="1.0" encoding="utf-8"?>
+<p:sld xmlns:a="http://schemas.openxmlformats.org/drawingml/2006/main" xmlns:r="http://schemas.openxmlformats.org/officeDocument/2006/relationships" xmlns:p="http://schemas.openxmlformats.org/presentationml/2006/main">
+  <p:cSld>
+    <p:spTree>
+      <p:nvGrpSpPr>
+        <p:cNvPr id="1" name=""/>
+        <p:cNvGrpSpPr/>
+        <p:nvPr/>
+      </p:nvGrpSpPr>
+      <p:grpSpPr>
+        <a:xfrm>
+          <a:off x="0" y="0"/>
+          <a:ext cx="0" cy="0"/>
+          <a:chOff x="0" y="0"/>
+          <a:chExt cx="0" cy="0"/>
+        </a:xfrm>
+      </p:grpSpPr>
+      <p:sp>
+        <p:nvSpPr>
+          <p:cNvPr id="4" name="Rectangle 3"/>
+          <p:cNvSpPr/>
+          <p:nvPr/>
+        </p:nvSpPr>
+        <p:spPr>
+          <a:xfrm>
+            <a:off x="9861630" y="0"/>
+            <a:ext cx="8426370" cy="10287000"/>
+          </a:xfrm>
+          <a:prstGeom prst="rect">
+            <a:avLst/>
+          </a:prstGeom>
+          <a:solidFill>
+            <a:schemeClr val="bg1">
+              <a:lumMod val="50000"/>
+            </a:schemeClr>
+          </a:solidFill>
+          <a:ln>
+            <a:noFill/>
+          </a:ln>
+        </p:spPr>
+        <p:style>
+          <a:lnRef idx="2">
+            <a:schemeClr val="accent1">
+              <a:shade val="50000"/>
+            </a:schemeClr>
+          </a:lnRef>
+          <a:fillRef idx="1">
+            <a:schemeClr val="accent1"/>
+          </a:fillRef>
+          <a:effectRef idx="0">
+            <a:schemeClr val="accent1"/>
+          </a:effectRef>
+          <a:fontRef idx="minor">
+            <a:schemeClr val="lt1"/>
+          </a:fontRef>
+        </p:style>
+        <p:txBody>
+          <a:bodyPr rtlCol="0" anchor="ctr"/>
+          <a:lstStyle/>
+          <a:p>
+            <a:pPr algn="ctr"/>
+            <a:endParaRPr lang="en-US" sz="2700" dirty="0"/>
+          </a:p>
+        </p:txBody>
+      </p:sp>
+      <p:pic>
+        <p:nvPicPr>
+          <p:cNvPr id="2" name="Picture 1"/>
+          <p:cNvPicPr>
+            <a:picLocks noChangeAspect="1"/>
+          </p:cNvPicPr>
+          <p:nvPr/>
+        </p:nvPicPr>
+        <p:blipFill rotWithShape="1">
+          <a:blip r:embed="rId3">
+            <a:extLst>
+              <a:ext uri="{28A0092B-C50C-407E-A947-70E740481C1C}">
+                <a14:useLocalDpi xmlns:a14="http://schemas.microsoft.com/office/drawing/2010/main" val="0"/>
+              </a:ext>
+            </a:extLst>
+          </a:blip>
+          <a:srcRect l="69227" t="33418" r="20112" b="50548"/>
+          <a:stretch/>
+        </p:blipFill>
+        <p:spPr>
+          <a:xfrm>
+            <a:off x="15579524" y="7544693"/>
+            <a:ext cx="2708477" cy="2987579"/>
+          </a:xfrm>
+          <a:prstGeom prst="rect">
+            <a:avLst/>
+          </a:prstGeom>
+        </p:spPr>
+      </p:pic>
+      <p:sp>
+        <p:nvSpPr>
+          <p:cNvPr id="3" name="TextBox 2"/>
+          <p:cNvSpPr txBox="1"/>
+          <p:nvPr/>
+        </p:nvSpPr>
+        <p:spPr>
+          <a:xfrm>
+            <a:off x="260431" y="329879"/>
+            <a:ext cx="8906720" cy="5870390"/>
+          </a:xfrm>
+          <a:prstGeom prst="rect">
+            <a:avLst/>
+          </a:prstGeom>
+          <a:noFill/>
+        </p:spPr>
+        <p:txBody>
+          <a:bodyPr wrap="square" rtlCol="0">
+            <a:spAutoFit/>
+          </a:bodyPr>
+          <a:lstStyle/>
+          <a:p>
+            <a:r>
+              <a:rPr lang="en-US" sz="6000" b="1" dirty="0">
+                <a:latin typeface="Pragmatica" panose="020B0403040502020204" pitchFamily="34" charset="0"/>
+              </a:rPr>
+              <a:t>AI-Powered Excel RECAP</a:t>
+            </a:r>
+          </a:p>
+          <a:p>
+            <a:endParaRPr lang="en-US" sz="4200" dirty="0">
+              <a:latin typeface="Pragmatica" panose="020B0403040502020204" pitchFamily="34" charset="0"/>
+            </a:endParaRPr>
+          </a:p>
+          <a:p>
+            <a:pPr marL="685800" indent="-542925">
+              <a:lnSpc>
+                <a:spcPct val="115000"/>
+              </a:lnSpc>
+              <a:spcBef>
+                <a:spcPts val="1125"/>
+              </a:spcBef>
+              <a:buClr>
+                <a:srgbClr val="C00000"/>
+              </a:buClr>
+              <a:buSzPts val="2100"/>
+              <a:buFont typeface="Arial"/>
+              <a:buAutoNum type="arabicPeriod"/>
+            </a:pPr>
+            <a:r>
+              <a:rPr lang="en-US" sz="3600" dirty="0">
+                <a:latin typeface="Pragmatica" panose="020B0403040502020204"/>
+                <a:sym typeface="Consolas"/>
+              </a:rPr>
+              <a:t>AI in Excel learns over time – try adding more data</a:t>
+            </a:r>
+          </a:p>
+          <a:p>
+            <a:pPr marL="685800" indent="-542925">
+              <a:lnSpc>
+                <a:spcPct val="115000"/>
+              </a:lnSpc>
+              <a:spcBef>
+                <a:spcPts val="1125"/>
+              </a:spcBef>
+              <a:buClr>
+                <a:srgbClr val="C00000"/>
+              </a:buClr>
+              <a:buSzPts val="2100"/>
+              <a:buFont typeface="Arial"/>
+              <a:buAutoNum type="arabicPeriod"/>
+            </a:pPr>
+            <a:r>
+              <a:rPr lang="en-US" sz="3600" dirty="0">
+                <a:latin typeface="Pragmatica" panose="020B0403040502020204"/>
+                <a:sym typeface="Consolas"/>
+              </a:rPr>
+              <a:t>When one algorithm doesn’t work, try another</a:t>
+            </a:r>
+          </a:p>
+          <a:p>
+            <a:pPr marL="685800" indent="-542925">
+              <a:lnSpc>
+                <a:spcPct val="115000"/>
+              </a:lnSpc>
+              <a:spcBef>
+                <a:spcPts val="1125"/>
+              </a:spcBef>
+              <a:buClr>
+                <a:srgbClr val="C00000"/>
+              </a:buClr>
+              <a:buSzPts val="2100"/>
+              <a:buFont typeface="Arial"/>
+              <a:buAutoNum type="arabicPeriod"/>
+            </a:pPr>
+            <a:r>
+              <a:rPr lang="en-US" sz="3600" dirty="0">
+                <a:latin typeface="Pragmatica" panose="020B0403040502020204"/>
+                <a:sym typeface="Consolas"/>
+              </a:rPr>
+              <a:t>AI isn’t worth much without normalized, “tidy” datasets</a:t>
+            </a:r>
+          </a:p>
+        </p:txBody>
+      </p:sp>
+    </p:spTree>
+    <p:extLst>
+      <p:ext uri="{BB962C8B-B14F-4D97-AF65-F5344CB8AC3E}">
+        <p14:creationId xmlns:p14="http://schemas.microsoft.com/office/powerpoint/2010/main" val="1393172042"/>
+      </p:ext>
+    </p:extLst>
   </p:cSld>
   <p:clrMapOvr>
     <a:masterClrMapping/>
@@ -7574,6 +10033,2313 @@
 </p:sld>
 </file>
 
+<file path=ppt/slides/slide20.xml><?xml version="1.0" encoding="utf-8"?>
+<p:sld xmlns:a="http://schemas.openxmlformats.org/drawingml/2006/main" xmlns:r="http://schemas.openxmlformats.org/officeDocument/2006/relationships" xmlns:p="http://schemas.openxmlformats.org/presentationml/2006/main">
+  <p:cSld>
+    <p:spTree>
+      <p:nvGrpSpPr>
+        <p:cNvPr id="1" name=""/>
+        <p:cNvGrpSpPr/>
+        <p:nvPr/>
+      </p:nvGrpSpPr>
+      <p:grpSpPr>
+        <a:xfrm>
+          <a:off x="0" y="0"/>
+          <a:ext cx="0" cy="0"/>
+          <a:chOff x="0" y="0"/>
+          <a:chExt cx="0" cy="0"/>
+        </a:xfrm>
+      </p:grpSpPr>
+      <p:sp>
+        <p:nvSpPr>
+          <p:cNvPr id="4" name="Rectangle 3"/>
+          <p:cNvSpPr/>
+          <p:nvPr/>
+        </p:nvSpPr>
+        <p:spPr>
+          <a:xfrm>
+            <a:off x="0" y="0"/>
+            <a:ext cx="18288000" cy="10287000"/>
+          </a:xfrm>
+          <a:prstGeom prst="rect">
+            <a:avLst/>
+          </a:prstGeom>
+          <a:solidFill>
+            <a:schemeClr val="bg1">
+              <a:lumMod val="50000"/>
+            </a:schemeClr>
+          </a:solidFill>
+          <a:ln>
+            <a:noFill/>
+          </a:ln>
+        </p:spPr>
+        <p:style>
+          <a:lnRef idx="2">
+            <a:schemeClr val="accent1">
+              <a:shade val="50000"/>
+            </a:schemeClr>
+          </a:lnRef>
+          <a:fillRef idx="1">
+            <a:schemeClr val="accent1"/>
+          </a:fillRef>
+          <a:effectRef idx="0">
+            <a:schemeClr val="accent1"/>
+          </a:effectRef>
+          <a:fontRef idx="minor">
+            <a:schemeClr val="lt1"/>
+          </a:fontRef>
+        </p:style>
+        <p:txBody>
+          <a:bodyPr rtlCol="0" anchor="ctr"/>
+          <a:lstStyle/>
+          <a:p>
+            <a:pPr algn="ctr"/>
+            <a:endParaRPr lang="en-US" sz="2700"/>
+          </a:p>
+        </p:txBody>
+      </p:sp>
+      <p:sp>
+        <p:nvSpPr>
+          <p:cNvPr id="5" name="TextBox 4"/>
+          <p:cNvSpPr txBox="1"/>
+          <p:nvPr/>
+        </p:nvSpPr>
+        <p:spPr>
+          <a:xfrm>
+            <a:off x="781292" y="590309"/>
+            <a:ext cx="15486926" cy="1615827"/>
+          </a:xfrm>
+          <a:prstGeom prst="rect">
+            <a:avLst/>
+          </a:prstGeom>
+          <a:noFill/>
+        </p:spPr>
+        <p:txBody>
+          <a:bodyPr wrap="square" rtlCol="0">
+            <a:spAutoFit/>
+          </a:bodyPr>
+          <a:lstStyle/>
+          <a:p>
+            <a:r>
+              <a:rPr lang="en-US" sz="9900" b="1" dirty="0">
+                <a:solidFill>
+                  <a:schemeClr val="bg1"/>
+                </a:solidFill>
+                <a:latin typeface="Normafixed Tryout" panose="00000409000000000000"/>
+              </a:rPr>
+              <a:t>Python in Excel</a:t>
+            </a:r>
+          </a:p>
+        </p:txBody>
+      </p:sp>
+    </p:spTree>
+    <p:extLst>
+      <p:ext uri="{BB962C8B-B14F-4D97-AF65-F5344CB8AC3E}">
+        <p14:creationId xmlns:p14="http://schemas.microsoft.com/office/powerpoint/2010/main" val="1246066452"/>
+      </p:ext>
+    </p:extLst>
+  </p:cSld>
+  <p:clrMapOvr>
+    <a:masterClrMapping/>
+  </p:clrMapOvr>
+</p:sld>
+</file>
+
+<file path=ppt/slides/slide21.xml><?xml version="1.0" encoding="utf-8"?>
+<p:sld xmlns:a="http://schemas.openxmlformats.org/drawingml/2006/main" xmlns:r="http://schemas.openxmlformats.org/officeDocument/2006/relationships" xmlns:p="http://schemas.openxmlformats.org/presentationml/2006/main">
+  <p:cSld>
+    <p:spTree>
+      <p:nvGrpSpPr>
+        <p:cNvPr id="1" name=""/>
+        <p:cNvGrpSpPr/>
+        <p:nvPr/>
+      </p:nvGrpSpPr>
+      <p:grpSpPr>
+        <a:xfrm>
+          <a:off x="0" y="0"/>
+          <a:ext cx="0" cy="0"/>
+          <a:chOff x="0" y="0"/>
+          <a:chExt cx="0" cy="0"/>
+        </a:xfrm>
+      </p:grpSpPr>
+      <p:sp>
+        <p:nvSpPr>
+          <p:cNvPr id="4" name="Rectangle 3"/>
+          <p:cNvSpPr/>
+          <p:nvPr/>
+        </p:nvSpPr>
+        <p:spPr>
+          <a:xfrm>
+            <a:off x="0" y="0"/>
+            <a:ext cx="18288000" cy="10287000"/>
+          </a:xfrm>
+          <a:prstGeom prst="rect">
+            <a:avLst/>
+          </a:prstGeom>
+          <a:solidFill>
+            <a:srgbClr val="CF3338"/>
+          </a:solidFill>
+          <a:ln>
+            <a:noFill/>
+          </a:ln>
+        </p:spPr>
+        <p:style>
+          <a:lnRef idx="2">
+            <a:schemeClr val="accent1">
+              <a:shade val="50000"/>
+            </a:schemeClr>
+          </a:lnRef>
+          <a:fillRef idx="1">
+            <a:schemeClr val="accent1"/>
+          </a:fillRef>
+          <a:effectRef idx="0">
+            <a:schemeClr val="accent1"/>
+          </a:effectRef>
+          <a:fontRef idx="minor">
+            <a:schemeClr val="lt1"/>
+          </a:fontRef>
+        </p:style>
+        <p:txBody>
+          <a:bodyPr rtlCol="0" anchor="ctr"/>
+          <a:lstStyle/>
+          <a:p>
+            <a:pPr algn="ctr"/>
+            <a:endParaRPr lang="en-US" sz="2700"/>
+          </a:p>
+        </p:txBody>
+      </p:sp>
+      <p:sp>
+        <p:nvSpPr>
+          <p:cNvPr id="5" name="TextBox 4"/>
+          <p:cNvSpPr txBox="1"/>
+          <p:nvPr/>
+        </p:nvSpPr>
+        <p:spPr>
+          <a:xfrm>
+            <a:off x="781292" y="590309"/>
+            <a:ext cx="15486926" cy="1615827"/>
+          </a:xfrm>
+          <a:prstGeom prst="rect">
+            <a:avLst/>
+          </a:prstGeom>
+          <a:noFill/>
+        </p:spPr>
+        <p:txBody>
+          <a:bodyPr wrap="square" rtlCol="0">
+            <a:spAutoFit/>
+          </a:bodyPr>
+          <a:lstStyle/>
+          <a:p>
+            <a:r>
+              <a:rPr lang="en-US" sz="9900" b="1" dirty="0">
+                <a:solidFill>
+                  <a:schemeClr val="bg1"/>
+                </a:solidFill>
+                <a:latin typeface="Normafixed Tryout" panose="00000409000000000000" pitchFamily="49" charset="0"/>
+              </a:rPr>
+              <a:t>1. Python in Excel: First Steps</a:t>
+            </a:r>
+          </a:p>
+        </p:txBody>
+      </p:sp>
+    </p:spTree>
+    <p:extLst>
+      <p:ext uri="{BB962C8B-B14F-4D97-AF65-F5344CB8AC3E}">
+        <p14:creationId xmlns:p14="http://schemas.microsoft.com/office/powerpoint/2010/main" val="3953945792"/>
+      </p:ext>
+    </p:extLst>
+  </p:cSld>
+  <p:clrMapOvr>
+    <a:masterClrMapping/>
+  </p:clrMapOvr>
+</p:sld>
+</file>
+
+<file path=ppt/slides/slide22.xml><?xml version="1.0" encoding="utf-8"?>
+<p:sld xmlns:a="http://schemas.openxmlformats.org/drawingml/2006/main" xmlns:r="http://schemas.openxmlformats.org/officeDocument/2006/relationships" xmlns:p="http://schemas.openxmlformats.org/presentationml/2006/main">
+  <p:cSld>
+    <p:spTree>
+      <p:nvGrpSpPr>
+        <p:cNvPr id="1" name=""/>
+        <p:cNvGrpSpPr/>
+        <p:nvPr/>
+      </p:nvGrpSpPr>
+      <p:grpSpPr>
+        <a:xfrm>
+          <a:off x="0" y="0"/>
+          <a:ext cx="0" cy="0"/>
+          <a:chOff x="0" y="0"/>
+          <a:chExt cx="0" cy="0"/>
+        </a:xfrm>
+      </p:grpSpPr>
+      <p:sp>
+        <p:nvSpPr>
+          <p:cNvPr id="4" name="Rectangle 3"/>
+          <p:cNvSpPr/>
+          <p:nvPr/>
+        </p:nvSpPr>
+        <p:spPr>
+          <a:xfrm>
+            <a:off x="9861630" y="0"/>
+            <a:ext cx="8426370" cy="10287000"/>
+          </a:xfrm>
+          <a:prstGeom prst="rect">
+            <a:avLst/>
+          </a:prstGeom>
+          <a:solidFill>
+            <a:srgbClr val="CF3338"/>
+          </a:solidFill>
+          <a:ln>
+            <a:noFill/>
+          </a:ln>
+        </p:spPr>
+        <p:style>
+          <a:lnRef idx="2">
+            <a:schemeClr val="accent1">
+              <a:shade val="50000"/>
+            </a:schemeClr>
+          </a:lnRef>
+          <a:fillRef idx="1">
+            <a:schemeClr val="accent1"/>
+          </a:fillRef>
+          <a:effectRef idx="0">
+            <a:schemeClr val="accent1"/>
+          </a:effectRef>
+          <a:fontRef idx="minor">
+            <a:schemeClr val="lt1"/>
+          </a:fontRef>
+        </p:style>
+        <p:txBody>
+          <a:bodyPr rtlCol="0" anchor="ctr"/>
+          <a:lstStyle/>
+          <a:p>
+            <a:pPr algn="ctr"/>
+            <a:endParaRPr lang="en-US" sz="2700"/>
+          </a:p>
+        </p:txBody>
+      </p:sp>
+      <p:pic>
+        <p:nvPicPr>
+          <p:cNvPr id="2" name="Picture 1"/>
+          <p:cNvPicPr>
+            <a:picLocks noChangeAspect="1"/>
+          </p:cNvPicPr>
+          <p:nvPr/>
+        </p:nvPicPr>
+        <p:blipFill rotWithShape="1">
+          <a:blip r:embed="rId3">
+            <a:extLst>
+              <a:ext uri="{28A0092B-C50C-407E-A947-70E740481C1C}">
+                <a14:useLocalDpi xmlns:a14="http://schemas.microsoft.com/office/drawing/2010/main" val="0"/>
+              </a:ext>
+            </a:extLst>
+          </a:blip>
+          <a:srcRect l="69227" t="33418" r="20112" b="50548"/>
+          <a:stretch/>
+        </p:blipFill>
+        <p:spPr>
+          <a:xfrm>
+            <a:off x="15579524" y="7544693"/>
+            <a:ext cx="2708477" cy="2987579"/>
+          </a:xfrm>
+          <a:prstGeom prst="rect">
+            <a:avLst/>
+          </a:prstGeom>
+        </p:spPr>
+      </p:pic>
+      <p:sp>
+        <p:nvSpPr>
+          <p:cNvPr id="3" name="TextBox 2"/>
+          <p:cNvSpPr txBox="1"/>
+          <p:nvPr/>
+        </p:nvSpPr>
+        <p:spPr>
+          <a:xfrm>
+            <a:off x="260431" y="329879"/>
+            <a:ext cx="8906720" cy="8673656"/>
+          </a:xfrm>
+          <a:prstGeom prst="rect">
+            <a:avLst/>
+          </a:prstGeom>
+          <a:noFill/>
+        </p:spPr>
+        <p:txBody>
+          <a:bodyPr wrap="square" rtlCol="0">
+            <a:spAutoFit/>
+          </a:bodyPr>
+          <a:lstStyle/>
+          <a:p>
+            <a:r>
+              <a:rPr lang="en-US" sz="6000" b="1" dirty="0">
+                <a:solidFill>
+                  <a:srgbClr val="CF3338"/>
+                </a:solidFill>
+                <a:latin typeface="Pragmatica" panose="020B0403040502020204" pitchFamily="34" charset="0"/>
+              </a:rPr>
+              <a:t>AI-driven data analysis and visualization</a:t>
+            </a:r>
+          </a:p>
+          <a:p>
+            <a:endParaRPr lang="en-US" sz="4200" dirty="0">
+              <a:solidFill>
+                <a:srgbClr val="CF3338"/>
+              </a:solidFill>
+              <a:latin typeface="Pragmatica" panose="020B0403040502020204" pitchFamily="34" charset="0"/>
+            </a:endParaRPr>
+          </a:p>
+          <a:p>
+            <a:pPr marL="685800" indent="-542925">
+              <a:lnSpc>
+                <a:spcPct val="115000"/>
+              </a:lnSpc>
+              <a:spcBef>
+                <a:spcPts val="1125"/>
+              </a:spcBef>
+              <a:buClr>
+                <a:srgbClr val="C00000"/>
+              </a:buClr>
+              <a:buSzPts val="2100"/>
+              <a:buFont typeface="Arial"/>
+              <a:buAutoNum type="arabicPeriod"/>
+            </a:pPr>
+            <a:r>
+              <a:rPr lang="en-US" sz="3600" dirty="0">
+                <a:solidFill>
+                  <a:srgbClr val="C00000"/>
+                </a:solidFill>
+                <a:latin typeface="Pragmatica" panose="020B0403040502020204"/>
+                <a:sym typeface="Consolas"/>
+              </a:rPr>
+              <a:t>Preparing data for Analyze Data</a:t>
+            </a:r>
+          </a:p>
+          <a:p>
+            <a:pPr marL="685800" indent="-542925">
+              <a:lnSpc>
+                <a:spcPct val="115000"/>
+              </a:lnSpc>
+              <a:spcBef>
+                <a:spcPts val="1125"/>
+              </a:spcBef>
+              <a:buClr>
+                <a:srgbClr val="C00000"/>
+              </a:buClr>
+              <a:buSzPts val="2100"/>
+              <a:buFont typeface="Arial"/>
+              <a:buAutoNum type="arabicPeriod"/>
+            </a:pPr>
+            <a:r>
+              <a:rPr lang="en-US" sz="3600" dirty="0">
+                <a:solidFill>
+                  <a:srgbClr val="C00000"/>
+                </a:solidFill>
+                <a:latin typeface="Pragmatica" panose="020B0403040502020204"/>
+                <a:sym typeface="Consolas"/>
+              </a:rPr>
+              <a:t>Basics of natural language querying &amp; prompt engineering</a:t>
+            </a:r>
+          </a:p>
+          <a:p>
+            <a:pPr marL="685800" indent="-542925">
+              <a:lnSpc>
+                <a:spcPct val="115000"/>
+              </a:lnSpc>
+              <a:spcBef>
+                <a:spcPts val="1125"/>
+              </a:spcBef>
+              <a:buClr>
+                <a:srgbClr val="C00000"/>
+              </a:buClr>
+              <a:buSzPts val="2100"/>
+              <a:buFont typeface="Arial"/>
+              <a:buAutoNum type="arabicPeriod"/>
+            </a:pPr>
+            <a:r>
+              <a:rPr lang="en-US" sz="3600" dirty="0">
+                <a:solidFill>
+                  <a:srgbClr val="C00000"/>
+                </a:solidFill>
+                <a:latin typeface="Pragmatica" panose="020B0403040502020204"/>
+                <a:sym typeface="Consolas"/>
+              </a:rPr>
+              <a:t>From Analyze Data to Copilot </a:t>
+            </a:r>
+          </a:p>
+          <a:p>
+            <a:pPr marL="685800" indent="-542925">
+              <a:lnSpc>
+                <a:spcPct val="115000"/>
+              </a:lnSpc>
+              <a:spcBef>
+                <a:spcPts val="1125"/>
+              </a:spcBef>
+              <a:buClr>
+                <a:srgbClr val="C00000"/>
+              </a:buClr>
+              <a:buSzPts val="2100"/>
+              <a:buFont typeface="Arial"/>
+              <a:buAutoNum type="arabicPeriod"/>
+            </a:pPr>
+            <a:endParaRPr lang="en-US" sz="3600" dirty="0">
+              <a:solidFill>
+                <a:srgbClr val="C00000"/>
+              </a:solidFill>
+              <a:latin typeface="Pragmatica" panose="020B0403040502020204"/>
+              <a:sym typeface="Consolas"/>
+            </a:endParaRPr>
+          </a:p>
+          <a:p>
+            <a:pPr marL="142875">
+              <a:lnSpc>
+                <a:spcPct val="115000"/>
+              </a:lnSpc>
+              <a:spcBef>
+                <a:spcPts val="1125"/>
+              </a:spcBef>
+              <a:buClr>
+                <a:srgbClr val="C00000"/>
+              </a:buClr>
+              <a:buSzPts val="2100"/>
+            </a:pPr>
+            <a:r>
+              <a:rPr lang="en-US" sz="3600" dirty="0">
+                <a:solidFill>
+                  <a:srgbClr val="C00000"/>
+                </a:solidFill>
+                <a:latin typeface="Pragmatica" panose="020B0403040502020204"/>
+                <a:sym typeface="Consolas"/>
+              </a:rPr>
+              <a:t>File: </a:t>
+            </a:r>
+            <a:r>
+              <a:rPr lang="en-US" sz="3600" dirty="0">
+                <a:solidFill>
+                  <a:srgbClr val="C00000"/>
+                </a:solidFill>
+                <a:latin typeface="Consolas" panose="020B0609020204030204" pitchFamily="49" charset="0"/>
+                <a:sym typeface="Consolas"/>
+              </a:rPr>
+              <a:t>ai-driven-data-analysis-visualization.xlsx</a:t>
+            </a:r>
+            <a:endParaRPr lang="en-US" sz="6000" dirty="0">
+              <a:solidFill>
+                <a:srgbClr val="CF3338"/>
+              </a:solidFill>
+              <a:latin typeface="Consolas" panose="020B0609020204030204" pitchFamily="49" charset="0"/>
+            </a:endParaRPr>
+          </a:p>
+          <a:p>
+            <a:endParaRPr lang="en-US" sz="6000" dirty="0">
+              <a:solidFill>
+                <a:srgbClr val="CF3338"/>
+              </a:solidFill>
+              <a:latin typeface="Pragmatica" panose="020B0403040502020204" pitchFamily="34" charset="0"/>
+            </a:endParaRPr>
+          </a:p>
+        </p:txBody>
+      </p:sp>
+    </p:spTree>
+    <p:extLst>
+      <p:ext uri="{BB962C8B-B14F-4D97-AF65-F5344CB8AC3E}">
+        <p14:creationId xmlns:p14="http://schemas.microsoft.com/office/powerpoint/2010/main" val="3871531779"/>
+      </p:ext>
+    </p:extLst>
+  </p:cSld>
+  <p:clrMapOvr>
+    <a:masterClrMapping/>
+  </p:clrMapOvr>
+</p:sld>
+</file>
+
+<file path=ppt/slides/slide23.xml><?xml version="1.0" encoding="utf-8"?>
+<p:sld xmlns:a="http://schemas.openxmlformats.org/drawingml/2006/main" xmlns:r="http://schemas.openxmlformats.org/officeDocument/2006/relationships" xmlns:p="http://schemas.openxmlformats.org/presentationml/2006/main">
+  <p:cSld>
+    <p:spTree>
+      <p:nvGrpSpPr>
+        <p:cNvPr id="1" name=""/>
+        <p:cNvGrpSpPr/>
+        <p:nvPr/>
+      </p:nvGrpSpPr>
+      <p:grpSpPr>
+        <a:xfrm>
+          <a:off x="0" y="0"/>
+          <a:ext cx="0" cy="0"/>
+          <a:chOff x="0" y="0"/>
+          <a:chExt cx="0" cy="0"/>
+        </a:xfrm>
+      </p:grpSpPr>
+      <p:sp>
+        <p:nvSpPr>
+          <p:cNvPr id="4" name="Rectangle 3"/>
+          <p:cNvSpPr/>
+          <p:nvPr/>
+        </p:nvSpPr>
+        <p:spPr>
+          <a:xfrm>
+            <a:off x="9861630" y="0"/>
+            <a:ext cx="8426370" cy="10287000"/>
+          </a:xfrm>
+          <a:prstGeom prst="rect">
+            <a:avLst/>
+          </a:prstGeom>
+          <a:solidFill>
+            <a:srgbClr val="CF3338"/>
+          </a:solidFill>
+          <a:ln>
+            <a:noFill/>
+          </a:ln>
+        </p:spPr>
+        <p:style>
+          <a:lnRef idx="2">
+            <a:schemeClr val="accent1">
+              <a:shade val="50000"/>
+            </a:schemeClr>
+          </a:lnRef>
+          <a:fillRef idx="1">
+            <a:schemeClr val="accent1"/>
+          </a:fillRef>
+          <a:effectRef idx="0">
+            <a:schemeClr val="accent1"/>
+          </a:effectRef>
+          <a:fontRef idx="minor">
+            <a:schemeClr val="lt1"/>
+          </a:fontRef>
+        </p:style>
+        <p:txBody>
+          <a:bodyPr rtlCol="0" anchor="ctr"/>
+          <a:lstStyle/>
+          <a:p>
+            <a:pPr algn="ctr"/>
+            <a:endParaRPr lang="en-US" sz="2700"/>
+          </a:p>
+        </p:txBody>
+      </p:sp>
+      <p:pic>
+        <p:nvPicPr>
+          <p:cNvPr id="2" name="Picture 1"/>
+          <p:cNvPicPr>
+            <a:picLocks noChangeAspect="1"/>
+          </p:cNvPicPr>
+          <p:nvPr/>
+        </p:nvPicPr>
+        <p:blipFill rotWithShape="1">
+          <a:blip r:embed="rId3">
+            <a:extLst>
+              <a:ext uri="{28A0092B-C50C-407E-A947-70E740481C1C}">
+                <a14:useLocalDpi xmlns:a14="http://schemas.microsoft.com/office/drawing/2010/main" val="0"/>
+              </a:ext>
+            </a:extLst>
+          </a:blip>
+          <a:srcRect l="69227" t="33418" r="20112" b="50548"/>
+          <a:stretch/>
+        </p:blipFill>
+        <p:spPr>
+          <a:xfrm>
+            <a:off x="15579524" y="7544693"/>
+            <a:ext cx="2708477" cy="2987579"/>
+          </a:xfrm>
+          <a:prstGeom prst="rect">
+            <a:avLst/>
+          </a:prstGeom>
+        </p:spPr>
+      </p:pic>
+      <p:sp>
+        <p:nvSpPr>
+          <p:cNvPr id="3" name="TextBox 2"/>
+          <p:cNvSpPr txBox="1"/>
+          <p:nvPr/>
+        </p:nvSpPr>
+        <p:spPr>
+          <a:xfrm>
+            <a:off x="260431" y="329879"/>
+            <a:ext cx="8906720" cy="7390228"/>
+          </a:xfrm>
+          <a:prstGeom prst="rect">
+            <a:avLst/>
+          </a:prstGeom>
+          <a:noFill/>
+        </p:spPr>
+        <p:txBody>
+          <a:bodyPr wrap="square" rtlCol="0">
+            <a:spAutoFit/>
+          </a:bodyPr>
+          <a:lstStyle/>
+          <a:p>
+            <a:r>
+              <a:rPr lang="en-US" sz="6000" b="1" dirty="0">
+                <a:solidFill>
+                  <a:srgbClr val="CF3338"/>
+                </a:solidFill>
+                <a:latin typeface="Pragmatica" panose="020B0403040502020204" pitchFamily="34" charset="0"/>
+              </a:rPr>
+              <a:t>AI-driven data analysis and visualization EXERCISE</a:t>
+            </a:r>
+          </a:p>
+          <a:p>
+            <a:pPr marL="142875">
+              <a:lnSpc>
+                <a:spcPct val="115000"/>
+              </a:lnSpc>
+              <a:spcBef>
+                <a:spcPts val="1125"/>
+              </a:spcBef>
+              <a:buClr>
+                <a:srgbClr val="C00000"/>
+              </a:buClr>
+              <a:buSzPts val="2100"/>
+            </a:pPr>
+            <a:endParaRPr lang="en-US" sz="3600" dirty="0">
+              <a:solidFill>
+                <a:srgbClr val="C00000"/>
+              </a:solidFill>
+              <a:latin typeface="Pragmatica" panose="020B0403040502020204"/>
+              <a:sym typeface="Consolas"/>
+            </a:endParaRPr>
+          </a:p>
+          <a:p>
+            <a:pPr marL="714375" indent="-571500">
+              <a:lnSpc>
+                <a:spcPct val="115000"/>
+              </a:lnSpc>
+              <a:spcBef>
+                <a:spcPts val="1125"/>
+              </a:spcBef>
+              <a:buClr>
+                <a:srgbClr val="C00000"/>
+              </a:buClr>
+              <a:buSzPts val="2100"/>
+              <a:buFont typeface="Arial" panose="020B0604020202020204" pitchFamily="34" charset="0"/>
+              <a:buChar char="•"/>
+            </a:pPr>
+            <a:r>
+              <a:rPr lang="en-US" sz="3600" dirty="0">
+                <a:solidFill>
+                  <a:srgbClr val="C00000"/>
+                </a:solidFill>
+                <a:latin typeface="Pragmatica" panose="020B0403040502020204"/>
+                <a:sym typeface="Consolas"/>
+              </a:rPr>
+              <a:t>Prepare data for optimal Analyze Data use</a:t>
+            </a:r>
+          </a:p>
+          <a:p>
+            <a:pPr marL="714375" indent="-571500">
+              <a:lnSpc>
+                <a:spcPct val="115000"/>
+              </a:lnSpc>
+              <a:spcBef>
+                <a:spcPts val="1125"/>
+              </a:spcBef>
+              <a:buClr>
+                <a:srgbClr val="C00000"/>
+              </a:buClr>
+              <a:buSzPts val="2100"/>
+              <a:buFont typeface="Arial" panose="020B0604020202020204" pitchFamily="34" charset="0"/>
+              <a:buChar char="•"/>
+            </a:pPr>
+            <a:r>
+              <a:rPr lang="en-US" sz="3600" dirty="0">
+                <a:solidFill>
+                  <a:srgbClr val="C00000"/>
+                </a:solidFill>
+                <a:latin typeface="Pragmatica" panose="020B0403040502020204"/>
+                <a:sym typeface="Consolas"/>
+              </a:rPr>
+              <a:t>Visualize total state population over time</a:t>
+            </a:r>
+          </a:p>
+          <a:p>
+            <a:pPr marL="685800" indent="-542925">
+              <a:lnSpc>
+                <a:spcPct val="115000"/>
+              </a:lnSpc>
+              <a:spcBef>
+                <a:spcPts val="1125"/>
+              </a:spcBef>
+              <a:buClr>
+                <a:srgbClr val="C00000"/>
+              </a:buClr>
+              <a:buSzPts val="2100"/>
+              <a:buFont typeface="Arial"/>
+              <a:buAutoNum type="arabicPeriod"/>
+            </a:pPr>
+            <a:endParaRPr lang="en-US" sz="3600" dirty="0">
+              <a:solidFill>
+                <a:srgbClr val="C00000"/>
+              </a:solidFill>
+              <a:latin typeface="Pragmatica" panose="020B0403040502020204"/>
+              <a:sym typeface="Consolas"/>
+            </a:endParaRPr>
+          </a:p>
+          <a:p>
+            <a:pPr marL="142875">
+              <a:lnSpc>
+                <a:spcPct val="115000"/>
+              </a:lnSpc>
+              <a:spcBef>
+                <a:spcPts val="1125"/>
+              </a:spcBef>
+              <a:buClr>
+                <a:srgbClr val="C00000"/>
+              </a:buClr>
+              <a:buSzPts val="2100"/>
+            </a:pPr>
+            <a:r>
+              <a:rPr lang="en-US" sz="3600" dirty="0">
+                <a:solidFill>
+                  <a:srgbClr val="C00000"/>
+                </a:solidFill>
+                <a:latin typeface="Pragmatica" panose="020B0403040502020204"/>
+                <a:sym typeface="Consolas"/>
+              </a:rPr>
+              <a:t>File: </a:t>
+            </a:r>
+            <a:r>
+              <a:rPr lang="en-US" sz="3600" dirty="0">
+                <a:solidFill>
+                  <a:srgbClr val="C00000"/>
+                </a:solidFill>
+                <a:latin typeface="Consolas" panose="020B0609020204030204" pitchFamily="49" charset="0"/>
+                <a:sym typeface="Consolas"/>
+              </a:rPr>
+              <a:t>ai-driven-data-analysis-visualization-exercise.xlsx</a:t>
+            </a:r>
+            <a:endParaRPr lang="en-US" sz="6000" dirty="0">
+              <a:solidFill>
+                <a:srgbClr val="CF3338"/>
+              </a:solidFill>
+              <a:latin typeface="Consolas" panose="020B0609020204030204" pitchFamily="49" charset="0"/>
+            </a:endParaRPr>
+          </a:p>
+          <a:p>
+            <a:endParaRPr lang="en-US" sz="6000" dirty="0">
+              <a:solidFill>
+                <a:srgbClr val="CF3338"/>
+              </a:solidFill>
+              <a:latin typeface="Pragmatica" panose="020B0403040502020204" pitchFamily="34" charset="0"/>
+            </a:endParaRPr>
+          </a:p>
+        </p:txBody>
+      </p:sp>
+    </p:spTree>
+    <p:extLst>
+      <p:ext uri="{BB962C8B-B14F-4D97-AF65-F5344CB8AC3E}">
+        <p14:creationId xmlns:p14="http://schemas.microsoft.com/office/powerpoint/2010/main" val="3412472367"/>
+      </p:ext>
+    </p:extLst>
+  </p:cSld>
+  <p:clrMapOvr>
+    <a:masterClrMapping/>
+  </p:clrMapOvr>
+</p:sld>
+</file>
+
+<file path=ppt/slides/slide24.xml><?xml version="1.0" encoding="utf-8"?>
+<p:sld xmlns:a="http://schemas.openxmlformats.org/drawingml/2006/main" xmlns:r="http://schemas.openxmlformats.org/officeDocument/2006/relationships" xmlns:p="http://schemas.openxmlformats.org/presentationml/2006/main">
+  <p:cSld>
+    <p:spTree>
+      <p:nvGrpSpPr>
+        <p:cNvPr id="1" name=""/>
+        <p:cNvGrpSpPr/>
+        <p:nvPr/>
+      </p:nvGrpSpPr>
+      <p:grpSpPr>
+        <a:xfrm>
+          <a:off x="0" y="0"/>
+          <a:ext cx="0" cy="0"/>
+          <a:chOff x="0" y="0"/>
+          <a:chExt cx="0" cy="0"/>
+        </a:xfrm>
+      </p:grpSpPr>
+      <p:sp>
+        <p:nvSpPr>
+          <p:cNvPr id="4" name="Rectangle 3"/>
+          <p:cNvSpPr/>
+          <p:nvPr/>
+        </p:nvSpPr>
+        <p:spPr>
+          <a:xfrm>
+            <a:off x="0" y="0"/>
+            <a:ext cx="18288000" cy="10287000"/>
+          </a:xfrm>
+          <a:prstGeom prst="rect">
+            <a:avLst/>
+          </a:prstGeom>
+          <a:solidFill>
+            <a:srgbClr val="CF3338"/>
+          </a:solidFill>
+          <a:ln>
+            <a:noFill/>
+          </a:ln>
+        </p:spPr>
+        <p:style>
+          <a:lnRef idx="2">
+            <a:schemeClr val="accent1">
+              <a:shade val="50000"/>
+            </a:schemeClr>
+          </a:lnRef>
+          <a:fillRef idx="1">
+            <a:schemeClr val="accent1"/>
+          </a:fillRef>
+          <a:effectRef idx="0">
+            <a:schemeClr val="accent1"/>
+          </a:effectRef>
+          <a:fontRef idx="minor">
+            <a:schemeClr val="lt1"/>
+          </a:fontRef>
+        </p:style>
+        <p:txBody>
+          <a:bodyPr rtlCol="0" anchor="ctr"/>
+          <a:lstStyle/>
+          <a:p>
+            <a:pPr algn="ctr"/>
+            <a:endParaRPr lang="en-US" sz="2700"/>
+          </a:p>
+        </p:txBody>
+      </p:sp>
+      <p:sp>
+        <p:nvSpPr>
+          <p:cNvPr id="5" name="TextBox 4"/>
+          <p:cNvSpPr txBox="1"/>
+          <p:nvPr/>
+        </p:nvSpPr>
+        <p:spPr>
+          <a:xfrm>
+            <a:off x="781292" y="590309"/>
+            <a:ext cx="15486926" cy="3139321"/>
+          </a:xfrm>
+          <a:prstGeom prst="rect">
+            <a:avLst/>
+          </a:prstGeom>
+          <a:noFill/>
+        </p:spPr>
+        <p:txBody>
+          <a:bodyPr wrap="square" rtlCol="0">
+            <a:spAutoFit/>
+          </a:bodyPr>
+          <a:lstStyle/>
+          <a:p>
+            <a:r>
+              <a:rPr lang="en-US" sz="9900" b="1" dirty="0">
+                <a:solidFill>
+                  <a:schemeClr val="bg1"/>
+                </a:solidFill>
+                <a:latin typeface="Normafixed Tryout" panose="00000409000000000000" pitchFamily="49" charset="0"/>
+              </a:rPr>
+              <a:t>2. From “that’s hard in Excel” to “that’s easy in Python”</a:t>
+            </a:r>
+          </a:p>
+        </p:txBody>
+      </p:sp>
+    </p:spTree>
+    <p:extLst>
+      <p:ext uri="{BB962C8B-B14F-4D97-AF65-F5344CB8AC3E}">
+        <p14:creationId xmlns:p14="http://schemas.microsoft.com/office/powerpoint/2010/main" val="2491588467"/>
+      </p:ext>
+    </p:extLst>
+  </p:cSld>
+  <p:clrMapOvr>
+    <a:masterClrMapping/>
+  </p:clrMapOvr>
+</p:sld>
+</file>
+
+<file path=ppt/slides/slide25.xml><?xml version="1.0" encoding="utf-8"?>
+<p:sld xmlns:a="http://schemas.openxmlformats.org/drawingml/2006/main" xmlns:r="http://schemas.openxmlformats.org/officeDocument/2006/relationships" xmlns:p="http://schemas.openxmlformats.org/presentationml/2006/main">
+  <p:cSld>
+    <p:spTree>
+      <p:nvGrpSpPr>
+        <p:cNvPr id="1" name=""/>
+        <p:cNvGrpSpPr/>
+        <p:nvPr/>
+      </p:nvGrpSpPr>
+      <p:grpSpPr>
+        <a:xfrm>
+          <a:off x="0" y="0"/>
+          <a:ext cx="0" cy="0"/>
+          <a:chOff x="0" y="0"/>
+          <a:chExt cx="0" cy="0"/>
+        </a:xfrm>
+      </p:grpSpPr>
+      <p:sp>
+        <p:nvSpPr>
+          <p:cNvPr id="4" name="Rectangle 3"/>
+          <p:cNvSpPr/>
+          <p:nvPr/>
+        </p:nvSpPr>
+        <p:spPr>
+          <a:xfrm>
+            <a:off x="9861630" y="0"/>
+            <a:ext cx="8426370" cy="10287000"/>
+          </a:xfrm>
+          <a:prstGeom prst="rect">
+            <a:avLst/>
+          </a:prstGeom>
+          <a:solidFill>
+            <a:srgbClr val="CF3338"/>
+          </a:solidFill>
+          <a:ln>
+            <a:noFill/>
+          </a:ln>
+        </p:spPr>
+        <p:style>
+          <a:lnRef idx="2">
+            <a:schemeClr val="accent1">
+              <a:shade val="50000"/>
+            </a:schemeClr>
+          </a:lnRef>
+          <a:fillRef idx="1">
+            <a:schemeClr val="accent1"/>
+          </a:fillRef>
+          <a:effectRef idx="0">
+            <a:schemeClr val="accent1"/>
+          </a:effectRef>
+          <a:fontRef idx="minor">
+            <a:schemeClr val="lt1"/>
+          </a:fontRef>
+        </p:style>
+        <p:txBody>
+          <a:bodyPr rtlCol="0" anchor="ctr"/>
+          <a:lstStyle/>
+          <a:p>
+            <a:pPr algn="ctr"/>
+            <a:endParaRPr lang="en-US" sz="2700"/>
+          </a:p>
+        </p:txBody>
+      </p:sp>
+      <p:pic>
+        <p:nvPicPr>
+          <p:cNvPr id="2" name="Picture 1"/>
+          <p:cNvPicPr>
+            <a:picLocks noChangeAspect="1"/>
+          </p:cNvPicPr>
+          <p:nvPr/>
+        </p:nvPicPr>
+        <p:blipFill rotWithShape="1">
+          <a:blip r:embed="rId3">
+            <a:extLst>
+              <a:ext uri="{28A0092B-C50C-407E-A947-70E740481C1C}">
+                <a14:useLocalDpi xmlns:a14="http://schemas.microsoft.com/office/drawing/2010/main" val="0"/>
+              </a:ext>
+            </a:extLst>
+          </a:blip>
+          <a:srcRect l="69227" t="33418" r="20112" b="50548"/>
+          <a:stretch/>
+        </p:blipFill>
+        <p:spPr>
+          <a:xfrm>
+            <a:off x="15579524" y="7544693"/>
+            <a:ext cx="2708477" cy="2987579"/>
+          </a:xfrm>
+          <a:prstGeom prst="rect">
+            <a:avLst/>
+          </a:prstGeom>
+        </p:spPr>
+      </p:pic>
+      <p:sp>
+        <p:nvSpPr>
+          <p:cNvPr id="3" name="TextBox 2"/>
+          <p:cNvSpPr txBox="1"/>
+          <p:nvPr/>
+        </p:nvSpPr>
+        <p:spPr>
+          <a:xfrm>
+            <a:off x="260431" y="329879"/>
+            <a:ext cx="8906720" cy="10234084"/>
+          </a:xfrm>
+          <a:prstGeom prst="rect">
+            <a:avLst/>
+          </a:prstGeom>
+          <a:noFill/>
+        </p:spPr>
+        <p:txBody>
+          <a:bodyPr wrap="square" rtlCol="0">
+            <a:spAutoFit/>
+          </a:bodyPr>
+          <a:lstStyle/>
+          <a:p>
+            <a:r>
+              <a:rPr lang="en-US" sz="6000" b="1" dirty="0">
+                <a:solidFill>
+                  <a:srgbClr val="CF3338"/>
+                </a:solidFill>
+                <a:latin typeface="Pragmatica" panose="020B0403040502020204" pitchFamily="34" charset="0"/>
+              </a:rPr>
+              <a:t>From “that’s hard in Excel” to “that’s easy in Python” analysis</a:t>
+            </a:r>
+          </a:p>
+          <a:p>
+            <a:endParaRPr lang="en-US" sz="4200" dirty="0">
+              <a:solidFill>
+                <a:srgbClr val="CF3338"/>
+              </a:solidFill>
+              <a:latin typeface="Pragmatica" panose="020B0403040502020204" pitchFamily="34" charset="0"/>
+            </a:endParaRPr>
+          </a:p>
+          <a:p>
+            <a:pPr marL="685800" indent="-542925">
+              <a:lnSpc>
+                <a:spcPct val="115000"/>
+              </a:lnSpc>
+              <a:spcBef>
+                <a:spcPts val="1125"/>
+              </a:spcBef>
+              <a:buClr>
+                <a:srgbClr val="C00000"/>
+              </a:buClr>
+              <a:buSzPts val="2100"/>
+              <a:buFont typeface="Arial"/>
+              <a:buAutoNum type="arabicPeriod"/>
+            </a:pPr>
+            <a:r>
+              <a:rPr lang="en-US" sz="3600" dirty="0">
+                <a:solidFill>
+                  <a:srgbClr val="C00000"/>
+                </a:solidFill>
+                <a:latin typeface="Pragmatica" panose="020B0403040502020204"/>
+                <a:sym typeface="Consolas"/>
+              </a:rPr>
+              <a:t>Data profiling: What is the shape, size, completeness?</a:t>
+            </a:r>
+          </a:p>
+          <a:p>
+            <a:pPr marL="685800" indent="-542925">
+              <a:lnSpc>
+                <a:spcPct val="115000"/>
+              </a:lnSpc>
+              <a:spcBef>
+                <a:spcPts val="1125"/>
+              </a:spcBef>
+              <a:buClr>
+                <a:srgbClr val="C00000"/>
+              </a:buClr>
+              <a:buSzPts val="2100"/>
+              <a:buFont typeface="Arial"/>
+              <a:buAutoNum type="arabicPeriod"/>
+            </a:pPr>
+            <a:r>
+              <a:rPr lang="en-US" sz="3600" dirty="0">
+                <a:solidFill>
+                  <a:srgbClr val="C00000"/>
+                </a:solidFill>
+                <a:latin typeface="Pragmatica" panose="020B0403040502020204"/>
+                <a:sym typeface="Consolas"/>
+              </a:rPr>
+              <a:t>Time series: pandas for panel data</a:t>
+            </a:r>
+          </a:p>
+          <a:p>
+            <a:pPr marL="685800" indent="-542925">
+              <a:lnSpc>
+                <a:spcPct val="115000"/>
+              </a:lnSpc>
+              <a:spcBef>
+                <a:spcPts val="1125"/>
+              </a:spcBef>
+              <a:buClr>
+                <a:srgbClr val="C00000"/>
+              </a:buClr>
+              <a:buSzPts val="2100"/>
+              <a:buFont typeface="Arial"/>
+              <a:buAutoNum type="arabicPeriod"/>
+            </a:pPr>
+            <a:r>
+              <a:rPr lang="en-US" sz="3600" dirty="0">
+                <a:solidFill>
+                  <a:srgbClr val="C00000"/>
+                </a:solidFill>
+                <a:latin typeface="Pragmatica" panose="020B0403040502020204"/>
+                <a:sym typeface="Consolas"/>
+              </a:rPr>
+              <a:t>Descriptive statistics/EDA: What stories might be told in this data? </a:t>
+            </a:r>
+          </a:p>
+          <a:p>
+            <a:pPr marL="685800" indent="-542925">
+              <a:lnSpc>
+                <a:spcPct val="115000"/>
+              </a:lnSpc>
+              <a:spcBef>
+                <a:spcPts val="1125"/>
+              </a:spcBef>
+              <a:buClr>
+                <a:srgbClr val="C00000"/>
+              </a:buClr>
+              <a:buSzPts val="2100"/>
+              <a:buFont typeface="Arial"/>
+              <a:buAutoNum type="arabicPeriod"/>
+            </a:pPr>
+            <a:endParaRPr lang="en-US" sz="3600" dirty="0">
+              <a:solidFill>
+                <a:srgbClr val="C00000"/>
+              </a:solidFill>
+              <a:latin typeface="Pragmatica" panose="020B0403040502020204"/>
+              <a:sym typeface="Consolas"/>
+            </a:endParaRPr>
+          </a:p>
+          <a:p>
+            <a:pPr marL="142875">
+              <a:lnSpc>
+                <a:spcPct val="115000"/>
+              </a:lnSpc>
+              <a:spcBef>
+                <a:spcPts val="1125"/>
+              </a:spcBef>
+              <a:buClr>
+                <a:srgbClr val="C00000"/>
+              </a:buClr>
+              <a:buSzPts val="2100"/>
+            </a:pPr>
+            <a:r>
+              <a:rPr lang="en-US" sz="3600" dirty="0">
+                <a:solidFill>
+                  <a:srgbClr val="C00000"/>
+                </a:solidFill>
+                <a:latin typeface="Pragmatica" panose="020B0403040502020204"/>
+                <a:sym typeface="Consolas"/>
+              </a:rPr>
+              <a:t>File: </a:t>
+            </a:r>
+            <a:r>
+              <a:rPr lang="en-US" sz="3600" dirty="0">
+                <a:solidFill>
+                  <a:srgbClr val="C00000"/>
+                </a:solidFill>
+                <a:latin typeface="Consolas" panose="020B0609020204030204" pitchFamily="49" charset="0"/>
+                <a:sym typeface="Consolas"/>
+              </a:rPr>
+              <a:t>hard-excel-easy-python-analysis.xlsx</a:t>
+            </a:r>
+            <a:endParaRPr lang="en-US" sz="6000" dirty="0">
+              <a:solidFill>
+                <a:srgbClr val="CF3338"/>
+              </a:solidFill>
+              <a:latin typeface="Consolas" panose="020B0609020204030204" pitchFamily="49" charset="0"/>
+            </a:endParaRPr>
+          </a:p>
+          <a:p>
+            <a:endParaRPr lang="en-US" sz="6000" dirty="0">
+              <a:solidFill>
+                <a:srgbClr val="CF3338"/>
+              </a:solidFill>
+              <a:latin typeface="Pragmatica" panose="020B0403040502020204" pitchFamily="34" charset="0"/>
+            </a:endParaRPr>
+          </a:p>
+        </p:txBody>
+      </p:sp>
+    </p:spTree>
+    <p:extLst>
+      <p:ext uri="{BB962C8B-B14F-4D97-AF65-F5344CB8AC3E}">
+        <p14:creationId xmlns:p14="http://schemas.microsoft.com/office/powerpoint/2010/main" val="2505051360"/>
+      </p:ext>
+    </p:extLst>
+  </p:cSld>
+  <p:clrMapOvr>
+    <a:masterClrMapping/>
+  </p:clrMapOvr>
+</p:sld>
+</file>
+
+<file path=ppt/slides/slide26.xml><?xml version="1.0" encoding="utf-8"?>
+<p:sld xmlns:a="http://schemas.openxmlformats.org/drawingml/2006/main" xmlns:r="http://schemas.openxmlformats.org/officeDocument/2006/relationships" xmlns:p="http://schemas.openxmlformats.org/presentationml/2006/main">
+  <p:cSld>
+    <p:spTree>
+      <p:nvGrpSpPr>
+        <p:cNvPr id="1" name=""/>
+        <p:cNvGrpSpPr/>
+        <p:nvPr/>
+      </p:nvGrpSpPr>
+      <p:grpSpPr>
+        <a:xfrm>
+          <a:off x="0" y="0"/>
+          <a:ext cx="0" cy="0"/>
+          <a:chOff x="0" y="0"/>
+          <a:chExt cx="0" cy="0"/>
+        </a:xfrm>
+      </p:grpSpPr>
+      <p:sp>
+        <p:nvSpPr>
+          <p:cNvPr id="4" name="Rectangle 3"/>
+          <p:cNvSpPr/>
+          <p:nvPr/>
+        </p:nvSpPr>
+        <p:spPr>
+          <a:xfrm>
+            <a:off x="9861630" y="0"/>
+            <a:ext cx="8426370" cy="10287000"/>
+          </a:xfrm>
+          <a:prstGeom prst="rect">
+            <a:avLst/>
+          </a:prstGeom>
+          <a:solidFill>
+            <a:srgbClr val="CF3338"/>
+          </a:solidFill>
+          <a:ln>
+            <a:noFill/>
+          </a:ln>
+        </p:spPr>
+        <p:style>
+          <a:lnRef idx="2">
+            <a:schemeClr val="accent1">
+              <a:shade val="50000"/>
+            </a:schemeClr>
+          </a:lnRef>
+          <a:fillRef idx="1">
+            <a:schemeClr val="accent1"/>
+          </a:fillRef>
+          <a:effectRef idx="0">
+            <a:schemeClr val="accent1"/>
+          </a:effectRef>
+          <a:fontRef idx="minor">
+            <a:schemeClr val="lt1"/>
+          </a:fontRef>
+        </p:style>
+        <p:txBody>
+          <a:bodyPr rtlCol="0" anchor="ctr"/>
+          <a:lstStyle/>
+          <a:p>
+            <a:pPr algn="ctr"/>
+            <a:endParaRPr lang="en-US" sz="2700"/>
+          </a:p>
+        </p:txBody>
+      </p:sp>
+      <p:pic>
+        <p:nvPicPr>
+          <p:cNvPr id="2" name="Picture 1"/>
+          <p:cNvPicPr>
+            <a:picLocks noChangeAspect="1"/>
+          </p:cNvPicPr>
+          <p:nvPr/>
+        </p:nvPicPr>
+        <p:blipFill rotWithShape="1">
+          <a:blip r:embed="rId3">
+            <a:extLst>
+              <a:ext uri="{28A0092B-C50C-407E-A947-70E740481C1C}">
+                <a14:useLocalDpi xmlns:a14="http://schemas.microsoft.com/office/drawing/2010/main" val="0"/>
+              </a:ext>
+            </a:extLst>
+          </a:blip>
+          <a:srcRect l="69227" t="33418" r="20112" b="50548"/>
+          <a:stretch/>
+        </p:blipFill>
+        <p:spPr>
+          <a:xfrm>
+            <a:off x="15579524" y="7544693"/>
+            <a:ext cx="2708477" cy="2987579"/>
+          </a:xfrm>
+          <a:prstGeom prst="rect">
+            <a:avLst/>
+          </a:prstGeom>
+        </p:spPr>
+      </p:pic>
+      <p:sp>
+        <p:nvSpPr>
+          <p:cNvPr id="3" name="TextBox 2"/>
+          <p:cNvSpPr txBox="1"/>
+          <p:nvPr/>
+        </p:nvSpPr>
+        <p:spPr>
+          <a:xfrm>
+            <a:off x="260431" y="329879"/>
+            <a:ext cx="8906720" cy="8950655"/>
+          </a:xfrm>
+          <a:prstGeom prst="rect">
+            <a:avLst/>
+          </a:prstGeom>
+          <a:noFill/>
+        </p:spPr>
+        <p:txBody>
+          <a:bodyPr wrap="square" rtlCol="0">
+            <a:spAutoFit/>
+          </a:bodyPr>
+          <a:lstStyle/>
+          <a:p>
+            <a:r>
+              <a:rPr lang="en-US" sz="6000" b="1" dirty="0">
+                <a:solidFill>
+                  <a:srgbClr val="CF3338"/>
+                </a:solidFill>
+                <a:latin typeface="Pragmatica" panose="020B0403040502020204" pitchFamily="34" charset="0"/>
+              </a:rPr>
+              <a:t>From “that’s hard in Excel” to “that’s easy in Python” analysis EXERCISE</a:t>
+            </a:r>
+          </a:p>
+          <a:p>
+            <a:pPr marL="142875">
+              <a:lnSpc>
+                <a:spcPct val="115000"/>
+              </a:lnSpc>
+              <a:spcBef>
+                <a:spcPts val="1125"/>
+              </a:spcBef>
+              <a:buClr>
+                <a:srgbClr val="C00000"/>
+              </a:buClr>
+              <a:buSzPts val="2100"/>
+            </a:pPr>
+            <a:endParaRPr lang="en-US" sz="3600" dirty="0">
+              <a:solidFill>
+                <a:srgbClr val="C00000"/>
+              </a:solidFill>
+              <a:latin typeface="Pragmatica" panose="020B0403040502020204"/>
+              <a:sym typeface="Consolas"/>
+            </a:endParaRPr>
+          </a:p>
+          <a:p>
+            <a:pPr marL="714375" indent="-571500">
+              <a:lnSpc>
+                <a:spcPct val="115000"/>
+              </a:lnSpc>
+              <a:spcBef>
+                <a:spcPts val="1125"/>
+              </a:spcBef>
+              <a:buClr>
+                <a:srgbClr val="C00000"/>
+              </a:buClr>
+              <a:buSzPts val="2100"/>
+              <a:buFont typeface="Arial" panose="020B0604020202020204" pitchFamily="34" charset="0"/>
+              <a:buChar char="•"/>
+            </a:pPr>
+            <a:r>
+              <a:rPr lang="en-US" sz="3600" dirty="0">
+                <a:solidFill>
+                  <a:srgbClr val="C00000"/>
+                </a:solidFill>
+                <a:latin typeface="Pragmatica" panose="020B0403040502020204"/>
+                <a:sym typeface="Consolas"/>
+              </a:rPr>
+              <a:t>Explore relationship between sales, temperature, customer count over time</a:t>
+            </a:r>
+          </a:p>
+          <a:p>
+            <a:pPr marL="714375" indent="-571500">
+              <a:lnSpc>
+                <a:spcPct val="115000"/>
+              </a:lnSpc>
+              <a:spcBef>
+                <a:spcPts val="1125"/>
+              </a:spcBef>
+              <a:buClr>
+                <a:srgbClr val="C00000"/>
+              </a:buClr>
+              <a:buSzPts val="2100"/>
+              <a:buFont typeface="Arial" panose="020B0604020202020204" pitchFamily="34" charset="0"/>
+              <a:buChar char="•"/>
+            </a:pPr>
+            <a:r>
+              <a:rPr lang="en-US" sz="3600" dirty="0">
+                <a:solidFill>
+                  <a:srgbClr val="C00000"/>
+                </a:solidFill>
+                <a:latin typeface="Pragmatica" panose="020B0403040502020204"/>
+                <a:sym typeface="Consolas"/>
+              </a:rPr>
+              <a:t>Fill in the blanks to complete the code</a:t>
+            </a:r>
+          </a:p>
+          <a:p>
+            <a:pPr marL="685800" indent="-542925">
+              <a:lnSpc>
+                <a:spcPct val="115000"/>
+              </a:lnSpc>
+              <a:spcBef>
+                <a:spcPts val="1125"/>
+              </a:spcBef>
+              <a:buClr>
+                <a:srgbClr val="C00000"/>
+              </a:buClr>
+              <a:buSzPts val="2100"/>
+              <a:buFont typeface="Arial"/>
+              <a:buAutoNum type="arabicPeriod"/>
+            </a:pPr>
+            <a:endParaRPr lang="en-US" sz="3600" dirty="0">
+              <a:solidFill>
+                <a:srgbClr val="C00000"/>
+              </a:solidFill>
+              <a:latin typeface="Pragmatica" panose="020B0403040502020204"/>
+              <a:sym typeface="Consolas"/>
+            </a:endParaRPr>
+          </a:p>
+          <a:p>
+            <a:pPr marL="142875">
+              <a:lnSpc>
+                <a:spcPct val="115000"/>
+              </a:lnSpc>
+              <a:spcBef>
+                <a:spcPts val="1125"/>
+              </a:spcBef>
+              <a:buClr>
+                <a:srgbClr val="C00000"/>
+              </a:buClr>
+              <a:buSzPts val="2100"/>
+            </a:pPr>
+            <a:r>
+              <a:rPr lang="en-US" sz="3600" dirty="0">
+                <a:solidFill>
+                  <a:srgbClr val="C00000"/>
+                </a:solidFill>
+                <a:latin typeface="Pragmatica" panose="020B0403040502020204"/>
+                <a:sym typeface="Consolas"/>
+              </a:rPr>
+              <a:t>File: </a:t>
+            </a:r>
+            <a:r>
+              <a:rPr lang="en-US" sz="3600" dirty="0">
+                <a:solidFill>
+                  <a:srgbClr val="C00000"/>
+                </a:solidFill>
+                <a:latin typeface="Consolas" panose="020B0609020204030204" pitchFamily="49" charset="0"/>
+                <a:sym typeface="Consolas"/>
+              </a:rPr>
+              <a:t>hard-excel-easy-python-analysis-exercise.xlsx</a:t>
+            </a:r>
+            <a:endParaRPr lang="en-US" sz="6000" dirty="0">
+              <a:solidFill>
+                <a:srgbClr val="CF3338"/>
+              </a:solidFill>
+              <a:latin typeface="Consolas" panose="020B0609020204030204" pitchFamily="49" charset="0"/>
+            </a:endParaRPr>
+          </a:p>
+          <a:p>
+            <a:endParaRPr lang="en-US" sz="6000" dirty="0">
+              <a:solidFill>
+                <a:srgbClr val="CF3338"/>
+              </a:solidFill>
+              <a:latin typeface="Pragmatica" panose="020B0403040502020204" pitchFamily="34" charset="0"/>
+            </a:endParaRPr>
+          </a:p>
+        </p:txBody>
+      </p:sp>
+    </p:spTree>
+    <p:extLst>
+      <p:ext uri="{BB962C8B-B14F-4D97-AF65-F5344CB8AC3E}">
+        <p14:creationId xmlns:p14="http://schemas.microsoft.com/office/powerpoint/2010/main" val="4027118445"/>
+      </p:ext>
+    </p:extLst>
+  </p:cSld>
+  <p:clrMapOvr>
+    <a:masterClrMapping/>
+  </p:clrMapOvr>
+</p:sld>
+</file>
+
+<file path=ppt/slides/slide27.xml><?xml version="1.0" encoding="utf-8"?>
+<p:sld xmlns:a="http://schemas.openxmlformats.org/drawingml/2006/main" xmlns:r="http://schemas.openxmlformats.org/officeDocument/2006/relationships" xmlns:p="http://schemas.openxmlformats.org/presentationml/2006/main">
+  <p:cSld>
+    <p:spTree>
+      <p:nvGrpSpPr>
+        <p:cNvPr id="1" name=""/>
+        <p:cNvGrpSpPr/>
+        <p:nvPr/>
+      </p:nvGrpSpPr>
+      <p:grpSpPr>
+        <a:xfrm>
+          <a:off x="0" y="0"/>
+          <a:ext cx="0" cy="0"/>
+          <a:chOff x="0" y="0"/>
+          <a:chExt cx="0" cy="0"/>
+        </a:xfrm>
+      </p:grpSpPr>
+      <p:sp>
+        <p:nvSpPr>
+          <p:cNvPr id="4" name="Rectangle 3"/>
+          <p:cNvSpPr/>
+          <p:nvPr/>
+        </p:nvSpPr>
+        <p:spPr>
+          <a:xfrm>
+            <a:off x="0" y="0"/>
+            <a:ext cx="18288000" cy="10287000"/>
+          </a:xfrm>
+          <a:prstGeom prst="rect">
+            <a:avLst/>
+          </a:prstGeom>
+          <a:solidFill>
+            <a:srgbClr val="CF3338"/>
+          </a:solidFill>
+          <a:ln>
+            <a:noFill/>
+          </a:ln>
+        </p:spPr>
+        <p:style>
+          <a:lnRef idx="2">
+            <a:schemeClr val="accent1">
+              <a:shade val="50000"/>
+            </a:schemeClr>
+          </a:lnRef>
+          <a:fillRef idx="1">
+            <a:schemeClr val="accent1"/>
+          </a:fillRef>
+          <a:effectRef idx="0">
+            <a:schemeClr val="accent1"/>
+          </a:effectRef>
+          <a:fontRef idx="minor">
+            <a:schemeClr val="lt1"/>
+          </a:fontRef>
+        </p:style>
+        <p:txBody>
+          <a:bodyPr rtlCol="0" anchor="ctr"/>
+          <a:lstStyle/>
+          <a:p>
+            <a:pPr algn="ctr"/>
+            <a:endParaRPr lang="en-US" sz="2700"/>
+          </a:p>
+        </p:txBody>
+      </p:sp>
+      <p:sp>
+        <p:nvSpPr>
+          <p:cNvPr id="5" name="TextBox 4"/>
+          <p:cNvSpPr txBox="1"/>
+          <p:nvPr/>
+        </p:nvSpPr>
+        <p:spPr>
+          <a:xfrm>
+            <a:off x="781292" y="590309"/>
+            <a:ext cx="15486926" cy="4662815"/>
+          </a:xfrm>
+          <a:prstGeom prst="rect">
+            <a:avLst/>
+          </a:prstGeom>
+          <a:noFill/>
+        </p:spPr>
+        <p:txBody>
+          <a:bodyPr wrap="square" rtlCol="0">
+            <a:spAutoFit/>
+          </a:bodyPr>
+          <a:lstStyle/>
+          <a:p>
+            <a:r>
+              <a:rPr lang="en-US" sz="9900" b="1" dirty="0">
+                <a:solidFill>
+                  <a:schemeClr val="bg1"/>
+                </a:solidFill>
+                <a:latin typeface="Normafixed Tryout" panose="00000409000000000000" pitchFamily="49" charset="0"/>
+              </a:rPr>
+              <a:t>3. There’s more to Python </a:t>
+            </a:r>
+            <a:r>
+              <a:rPr lang="en-US" sz="9900" b="1" i="1" dirty="0">
+                <a:solidFill>
+                  <a:schemeClr val="bg1"/>
+                </a:solidFill>
+                <a:latin typeface="Normafixed Tryout" panose="00000409000000000000" pitchFamily="49" charset="0"/>
+              </a:rPr>
+              <a:t>and </a:t>
+            </a:r>
+            <a:r>
+              <a:rPr lang="en-US" sz="9900" b="1" dirty="0">
+                <a:solidFill>
+                  <a:schemeClr val="bg1"/>
+                </a:solidFill>
+                <a:latin typeface="Normafixed Tryout" panose="00000409000000000000" pitchFamily="49" charset="0"/>
+              </a:rPr>
+              <a:t>Excel than Python </a:t>
+            </a:r>
+            <a:r>
+              <a:rPr lang="en-US" sz="9900" b="1" i="1" dirty="0">
+                <a:solidFill>
+                  <a:schemeClr val="bg1"/>
+                </a:solidFill>
+                <a:latin typeface="Normafixed Tryout" panose="00000409000000000000" pitchFamily="49" charset="0"/>
+              </a:rPr>
+              <a:t>in </a:t>
+            </a:r>
+            <a:r>
+              <a:rPr lang="en-US" sz="9900" b="1" dirty="0">
+                <a:solidFill>
+                  <a:schemeClr val="bg1"/>
+                </a:solidFill>
+                <a:latin typeface="Normafixed Tryout" panose="00000409000000000000" pitchFamily="49" charset="0"/>
+              </a:rPr>
+              <a:t>Excel</a:t>
+            </a:r>
+          </a:p>
+        </p:txBody>
+      </p:sp>
+    </p:spTree>
+    <p:extLst>
+      <p:ext uri="{BB962C8B-B14F-4D97-AF65-F5344CB8AC3E}">
+        <p14:creationId xmlns:p14="http://schemas.microsoft.com/office/powerpoint/2010/main" val="1915421395"/>
+      </p:ext>
+    </p:extLst>
+  </p:cSld>
+  <p:clrMapOvr>
+    <a:masterClrMapping/>
+  </p:clrMapOvr>
+</p:sld>
+</file>
+
+<file path=ppt/slides/slide28.xml><?xml version="1.0" encoding="utf-8"?>
+<p:sld xmlns:a="http://schemas.openxmlformats.org/drawingml/2006/main" xmlns:r="http://schemas.openxmlformats.org/officeDocument/2006/relationships" xmlns:p="http://schemas.openxmlformats.org/presentationml/2006/main">
+  <p:cSld>
+    <p:spTree>
+      <p:nvGrpSpPr>
+        <p:cNvPr id="1" name=""/>
+        <p:cNvGrpSpPr/>
+        <p:nvPr/>
+      </p:nvGrpSpPr>
+      <p:grpSpPr>
+        <a:xfrm>
+          <a:off x="0" y="0"/>
+          <a:ext cx="0" cy="0"/>
+          <a:chOff x="0" y="0"/>
+          <a:chExt cx="0" cy="0"/>
+        </a:xfrm>
+      </p:grpSpPr>
+      <p:sp>
+        <p:nvSpPr>
+          <p:cNvPr id="4" name="Rectangle 3"/>
+          <p:cNvSpPr/>
+          <p:nvPr/>
+        </p:nvSpPr>
+        <p:spPr>
+          <a:xfrm>
+            <a:off x="9861630" y="0"/>
+            <a:ext cx="8426370" cy="10287000"/>
+          </a:xfrm>
+          <a:prstGeom prst="rect">
+            <a:avLst/>
+          </a:prstGeom>
+          <a:solidFill>
+            <a:srgbClr val="CF3338"/>
+          </a:solidFill>
+          <a:ln>
+            <a:noFill/>
+          </a:ln>
+        </p:spPr>
+        <p:style>
+          <a:lnRef idx="2">
+            <a:schemeClr val="accent1">
+              <a:shade val="50000"/>
+            </a:schemeClr>
+          </a:lnRef>
+          <a:fillRef idx="1">
+            <a:schemeClr val="accent1"/>
+          </a:fillRef>
+          <a:effectRef idx="0">
+            <a:schemeClr val="accent1"/>
+          </a:effectRef>
+          <a:fontRef idx="minor">
+            <a:schemeClr val="lt1"/>
+          </a:fontRef>
+        </p:style>
+        <p:txBody>
+          <a:bodyPr rtlCol="0" anchor="ctr"/>
+          <a:lstStyle/>
+          <a:p>
+            <a:pPr algn="ctr"/>
+            <a:endParaRPr lang="en-US" sz="2700"/>
+          </a:p>
+        </p:txBody>
+      </p:sp>
+      <p:pic>
+        <p:nvPicPr>
+          <p:cNvPr id="2" name="Picture 1"/>
+          <p:cNvPicPr>
+            <a:picLocks noChangeAspect="1"/>
+          </p:cNvPicPr>
+          <p:nvPr/>
+        </p:nvPicPr>
+        <p:blipFill rotWithShape="1">
+          <a:blip r:embed="rId3">
+            <a:extLst>
+              <a:ext uri="{28A0092B-C50C-407E-A947-70E740481C1C}">
+                <a14:useLocalDpi xmlns:a14="http://schemas.microsoft.com/office/drawing/2010/main" val="0"/>
+              </a:ext>
+            </a:extLst>
+          </a:blip>
+          <a:srcRect l="69227" t="33418" r="20112" b="50548"/>
+          <a:stretch/>
+        </p:blipFill>
+        <p:spPr>
+          <a:xfrm>
+            <a:off x="15579524" y="7544693"/>
+            <a:ext cx="2708477" cy="2987579"/>
+          </a:xfrm>
+          <a:prstGeom prst="rect">
+            <a:avLst/>
+          </a:prstGeom>
+        </p:spPr>
+      </p:pic>
+      <p:sp>
+        <p:nvSpPr>
+          <p:cNvPr id="3" name="TextBox 2"/>
+          <p:cNvSpPr txBox="1"/>
+          <p:nvPr/>
+        </p:nvSpPr>
+        <p:spPr>
+          <a:xfrm>
+            <a:off x="260431" y="329879"/>
+            <a:ext cx="8906720" cy="9596986"/>
+          </a:xfrm>
+          <a:prstGeom prst="rect">
+            <a:avLst/>
+          </a:prstGeom>
+          <a:noFill/>
+        </p:spPr>
+        <p:txBody>
+          <a:bodyPr wrap="square" rtlCol="0">
+            <a:spAutoFit/>
+          </a:bodyPr>
+          <a:lstStyle/>
+          <a:p>
+            <a:r>
+              <a:rPr lang="en-US" sz="6000" b="1" dirty="0">
+                <a:solidFill>
+                  <a:srgbClr val="CF3338"/>
+                </a:solidFill>
+                <a:latin typeface="Pragmatica" panose="020B0403040502020204" pitchFamily="34" charset="0"/>
+              </a:rPr>
+              <a:t>There’s more to Python </a:t>
+            </a:r>
+            <a:r>
+              <a:rPr lang="en-US" sz="6000" b="1" i="1" dirty="0">
+                <a:solidFill>
+                  <a:srgbClr val="CF3338"/>
+                </a:solidFill>
+                <a:latin typeface="Pragmatica" panose="020B0403040502020204" pitchFamily="34" charset="0"/>
+              </a:rPr>
+              <a:t>and</a:t>
+            </a:r>
+            <a:r>
+              <a:rPr lang="en-US" sz="6000" b="1" dirty="0">
+                <a:solidFill>
+                  <a:srgbClr val="CF3338"/>
+                </a:solidFill>
+                <a:latin typeface="Pragmatica" panose="020B0403040502020204" pitchFamily="34" charset="0"/>
+              </a:rPr>
+              <a:t> Excel than Python </a:t>
+            </a:r>
+            <a:r>
+              <a:rPr lang="en-US" sz="6000" b="1" i="1" dirty="0">
+                <a:solidFill>
+                  <a:srgbClr val="CF3338"/>
+                </a:solidFill>
+                <a:latin typeface="Pragmatica" panose="020B0403040502020204" pitchFamily="34" charset="0"/>
+              </a:rPr>
+              <a:t>in </a:t>
+            </a:r>
+            <a:r>
+              <a:rPr lang="en-US" sz="6000" b="1" dirty="0">
+                <a:solidFill>
+                  <a:srgbClr val="CF3338"/>
+                </a:solidFill>
+                <a:latin typeface="Pragmatica" panose="020B0403040502020204" pitchFamily="34" charset="0"/>
+              </a:rPr>
+              <a:t>Excel</a:t>
+            </a:r>
+          </a:p>
+          <a:p>
+            <a:endParaRPr lang="en-US" sz="4200" dirty="0">
+              <a:solidFill>
+                <a:srgbClr val="CF3338"/>
+              </a:solidFill>
+              <a:latin typeface="Pragmatica" panose="020B0403040502020204" pitchFamily="34" charset="0"/>
+            </a:endParaRPr>
+          </a:p>
+          <a:p>
+            <a:pPr marL="685800" indent="-542925">
+              <a:lnSpc>
+                <a:spcPct val="115000"/>
+              </a:lnSpc>
+              <a:spcBef>
+                <a:spcPts val="1125"/>
+              </a:spcBef>
+              <a:buClr>
+                <a:srgbClr val="C00000"/>
+              </a:buClr>
+              <a:buSzPts val="2100"/>
+              <a:buFont typeface="Arial"/>
+              <a:buAutoNum type="arabicPeriod"/>
+            </a:pPr>
+            <a:r>
+              <a:rPr lang="en-US" sz="3600" dirty="0">
+                <a:solidFill>
+                  <a:srgbClr val="C00000"/>
+                </a:solidFill>
+                <a:latin typeface="Pragmatica" panose="020B0403040502020204"/>
+                <a:sym typeface="Consolas"/>
+              </a:rPr>
+              <a:t>Python in Excel is all about data analysis, visualization, statistics &amp; ML</a:t>
+            </a:r>
+          </a:p>
+          <a:p>
+            <a:pPr marL="685800" indent="-542925">
+              <a:lnSpc>
+                <a:spcPct val="115000"/>
+              </a:lnSpc>
+              <a:spcBef>
+                <a:spcPts val="1125"/>
+              </a:spcBef>
+              <a:buClr>
+                <a:srgbClr val="C00000"/>
+              </a:buClr>
+              <a:buSzPts val="2100"/>
+              <a:buFont typeface="Arial"/>
+              <a:buAutoNum type="arabicPeriod"/>
+            </a:pPr>
+            <a:r>
+              <a:rPr lang="en-US" sz="3600" dirty="0">
+                <a:solidFill>
+                  <a:srgbClr val="C00000"/>
+                </a:solidFill>
+                <a:latin typeface="Pragmatica" panose="020B0403040502020204"/>
+                <a:sym typeface="Consolas"/>
+              </a:rPr>
+              <a:t>It lacks Excel automation capabilities</a:t>
+            </a:r>
+          </a:p>
+          <a:p>
+            <a:pPr marL="685800" indent="-542925">
+              <a:lnSpc>
+                <a:spcPct val="115000"/>
+              </a:lnSpc>
+              <a:spcBef>
+                <a:spcPts val="1125"/>
+              </a:spcBef>
+              <a:buClr>
+                <a:srgbClr val="C00000"/>
+              </a:buClr>
+              <a:buSzPts val="2100"/>
+              <a:buFont typeface="Arial"/>
+              <a:buAutoNum type="arabicPeriod"/>
+            </a:pPr>
+            <a:r>
+              <a:rPr lang="en-US" sz="3600" dirty="0">
+                <a:solidFill>
+                  <a:srgbClr val="C00000"/>
+                </a:solidFill>
+                <a:latin typeface="Pragmatica" panose="020B0403040502020204"/>
+                <a:sym typeface="Consolas"/>
+              </a:rPr>
+              <a:t>Let’s automate an entire Excel workbook from Python… without opening Excel!</a:t>
+            </a:r>
+          </a:p>
+          <a:p>
+            <a:pPr marL="685800" indent="-542925">
+              <a:lnSpc>
+                <a:spcPct val="115000"/>
+              </a:lnSpc>
+              <a:spcBef>
+                <a:spcPts val="1125"/>
+              </a:spcBef>
+              <a:buClr>
+                <a:srgbClr val="C00000"/>
+              </a:buClr>
+              <a:buSzPts val="2100"/>
+              <a:buFont typeface="Arial"/>
+              <a:buAutoNum type="arabicPeriod"/>
+            </a:pPr>
+            <a:endParaRPr lang="en-US" sz="3600" dirty="0">
+              <a:solidFill>
+                <a:srgbClr val="C00000"/>
+              </a:solidFill>
+              <a:latin typeface="Pragmatica" panose="020B0403040502020204"/>
+              <a:sym typeface="Consolas"/>
+            </a:endParaRPr>
+          </a:p>
+          <a:p>
+            <a:pPr marL="142875">
+              <a:lnSpc>
+                <a:spcPct val="115000"/>
+              </a:lnSpc>
+              <a:spcBef>
+                <a:spcPts val="1125"/>
+              </a:spcBef>
+              <a:buClr>
+                <a:srgbClr val="C00000"/>
+              </a:buClr>
+              <a:buSzPts val="2100"/>
+            </a:pPr>
+            <a:r>
+              <a:rPr lang="en-US" sz="3600" dirty="0">
+                <a:solidFill>
+                  <a:srgbClr val="C00000"/>
+                </a:solidFill>
+                <a:latin typeface="Pragmatica" panose="020B0403040502020204"/>
+                <a:sym typeface="Consolas"/>
+              </a:rPr>
+              <a:t>File: </a:t>
+            </a:r>
+            <a:r>
+              <a:rPr lang="en-US" sz="3600" dirty="0" err="1">
+                <a:solidFill>
+                  <a:srgbClr val="C00000"/>
+                </a:solidFill>
+                <a:latin typeface="Consolas" panose="020B0609020204030204" pitchFamily="49" charset="0"/>
+                <a:sym typeface="Consolas"/>
+              </a:rPr>
+              <a:t>pae-pie.ipynb</a:t>
+            </a:r>
+            <a:endParaRPr lang="en-US" sz="6000" dirty="0">
+              <a:solidFill>
+                <a:srgbClr val="CF3338"/>
+              </a:solidFill>
+              <a:latin typeface="Consolas" panose="020B0609020204030204" pitchFamily="49" charset="0"/>
+            </a:endParaRPr>
+          </a:p>
+          <a:p>
+            <a:endParaRPr lang="en-US" sz="6000" dirty="0">
+              <a:solidFill>
+                <a:srgbClr val="CF3338"/>
+              </a:solidFill>
+              <a:latin typeface="Pragmatica" panose="020B0403040502020204" pitchFamily="34" charset="0"/>
+            </a:endParaRPr>
+          </a:p>
+        </p:txBody>
+      </p:sp>
+    </p:spTree>
+    <p:extLst>
+      <p:ext uri="{BB962C8B-B14F-4D97-AF65-F5344CB8AC3E}">
+        <p14:creationId xmlns:p14="http://schemas.microsoft.com/office/powerpoint/2010/main" val="2938274525"/>
+      </p:ext>
+    </p:extLst>
+  </p:cSld>
+  <p:clrMapOvr>
+    <a:masterClrMapping/>
+  </p:clrMapOvr>
+</p:sld>
+</file>
+
+<file path=ppt/slides/slide29.xml><?xml version="1.0" encoding="utf-8"?>
+<p:sld xmlns:a="http://schemas.openxmlformats.org/drawingml/2006/main" xmlns:r="http://schemas.openxmlformats.org/officeDocument/2006/relationships" xmlns:p="http://schemas.openxmlformats.org/presentationml/2006/main">
+  <p:cSld>
+    <p:spTree>
+      <p:nvGrpSpPr>
+        <p:cNvPr id="1" name=""/>
+        <p:cNvGrpSpPr/>
+        <p:nvPr/>
+      </p:nvGrpSpPr>
+      <p:grpSpPr>
+        <a:xfrm>
+          <a:off x="0" y="0"/>
+          <a:ext cx="0" cy="0"/>
+          <a:chOff x="0" y="0"/>
+          <a:chExt cx="0" cy="0"/>
+        </a:xfrm>
+      </p:grpSpPr>
+      <p:sp>
+        <p:nvSpPr>
+          <p:cNvPr id="4" name="Rectangle 3"/>
+          <p:cNvSpPr/>
+          <p:nvPr/>
+        </p:nvSpPr>
+        <p:spPr>
+          <a:xfrm>
+            <a:off x="9861630" y="0"/>
+            <a:ext cx="8426370" cy="10287000"/>
+          </a:xfrm>
+          <a:prstGeom prst="rect">
+            <a:avLst/>
+          </a:prstGeom>
+          <a:solidFill>
+            <a:srgbClr val="CF3338"/>
+          </a:solidFill>
+          <a:ln>
+            <a:noFill/>
+          </a:ln>
+        </p:spPr>
+        <p:style>
+          <a:lnRef idx="2">
+            <a:schemeClr val="accent1">
+              <a:shade val="50000"/>
+            </a:schemeClr>
+          </a:lnRef>
+          <a:fillRef idx="1">
+            <a:schemeClr val="accent1"/>
+          </a:fillRef>
+          <a:effectRef idx="0">
+            <a:schemeClr val="accent1"/>
+          </a:effectRef>
+          <a:fontRef idx="minor">
+            <a:schemeClr val="lt1"/>
+          </a:fontRef>
+        </p:style>
+        <p:txBody>
+          <a:bodyPr rtlCol="0" anchor="ctr"/>
+          <a:lstStyle/>
+          <a:p>
+            <a:pPr algn="ctr"/>
+            <a:endParaRPr lang="en-US" sz="2700"/>
+          </a:p>
+        </p:txBody>
+      </p:sp>
+      <p:pic>
+        <p:nvPicPr>
+          <p:cNvPr id="2" name="Picture 1"/>
+          <p:cNvPicPr>
+            <a:picLocks noChangeAspect="1"/>
+          </p:cNvPicPr>
+          <p:nvPr/>
+        </p:nvPicPr>
+        <p:blipFill rotWithShape="1">
+          <a:blip r:embed="rId3">
+            <a:extLst>
+              <a:ext uri="{28A0092B-C50C-407E-A947-70E740481C1C}">
+                <a14:useLocalDpi xmlns:a14="http://schemas.microsoft.com/office/drawing/2010/main" val="0"/>
+              </a:ext>
+            </a:extLst>
+          </a:blip>
+          <a:srcRect l="69227" t="33418" r="20112" b="50548"/>
+          <a:stretch/>
+        </p:blipFill>
+        <p:spPr>
+          <a:xfrm>
+            <a:off x="15579524" y="7544693"/>
+            <a:ext cx="2708477" cy="2987579"/>
+          </a:xfrm>
+          <a:prstGeom prst="rect">
+            <a:avLst/>
+          </a:prstGeom>
+        </p:spPr>
+      </p:pic>
+      <p:sp>
+        <p:nvSpPr>
+          <p:cNvPr id="3" name="TextBox 2"/>
+          <p:cNvSpPr txBox="1"/>
+          <p:nvPr/>
+        </p:nvSpPr>
+        <p:spPr>
+          <a:xfrm>
+            <a:off x="260431" y="329879"/>
+            <a:ext cx="8906720" cy="8313558"/>
+          </a:xfrm>
+          <a:prstGeom prst="rect">
+            <a:avLst/>
+          </a:prstGeom>
+          <a:noFill/>
+        </p:spPr>
+        <p:txBody>
+          <a:bodyPr wrap="square" rtlCol="0">
+            <a:spAutoFit/>
+          </a:bodyPr>
+          <a:lstStyle/>
+          <a:p>
+            <a:r>
+              <a:rPr lang="en-US" sz="6000" b="1" dirty="0">
+                <a:solidFill>
+                  <a:srgbClr val="CF3338"/>
+                </a:solidFill>
+                <a:latin typeface="Pragmatica" panose="020B0403040502020204" pitchFamily="34" charset="0"/>
+              </a:rPr>
+              <a:t>There’s more to Python </a:t>
+            </a:r>
+            <a:r>
+              <a:rPr lang="en-US" sz="6000" b="1" i="1" dirty="0">
+                <a:solidFill>
+                  <a:srgbClr val="CF3338"/>
+                </a:solidFill>
+                <a:latin typeface="Pragmatica" panose="020B0403040502020204" pitchFamily="34" charset="0"/>
+              </a:rPr>
+              <a:t>and</a:t>
+            </a:r>
+            <a:r>
+              <a:rPr lang="en-US" sz="6000" b="1" dirty="0">
+                <a:solidFill>
+                  <a:srgbClr val="CF3338"/>
+                </a:solidFill>
+                <a:latin typeface="Pragmatica" panose="020B0403040502020204" pitchFamily="34" charset="0"/>
+              </a:rPr>
+              <a:t> Excel than Python </a:t>
+            </a:r>
+            <a:r>
+              <a:rPr lang="en-US" sz="6000" b="1" i="1" dirty="0">
+                <a:solidFill>
+                  <a:srgbClr val="CF3338"/>
+                </a:solidFill>
+                <a:latin typeface="Pragmatica" panose="020B0403040502020204" pitchFamily="34" charset="0"/>
+              </a:rPr>
+              <a:t>in </a:t>
+            </a:r>
+            <a:r>
+              <a:rPr lang="en-US" sz="6000" b="1" dirty="0">
+                <a:solidFill>
+                  <a:srgbClr val="CF3338"/>
+                </a:solidFill>
+                <a:latin typeface="Pragmatica" panose="020B0403040502020204" pitchFamily="34" charset="0"/>
+              </a:rPr>
+              <a:t>Excel EXERCISE</a:t>
+            </a:r>
+          </a:p>
+          <a:p>
+            <a:pPr marL="142875">
+              <a:lnSpc>
+                <a:spcPct val="115000"/>
+              </a:lnSpc>
+              <a:spcBef>
+                <a:spcPts val="1125"/>
+              </a:spcBef>
+              <a:buClr>
+                <a:srgbClr val="C00000"/>
+              </a:buClr>
+              <a:buSzPts val="2100"/>
+            </a:pPr>
+            <a:endParaRPr lang="en-US" sz="3600" dirty="0">
+              <a:solidFill>
+                <a:srgbClr val="C00000"/>
+              </a:solidFill>
+              <a:latin typeface="Pragmatica" panose="020B0403040502020204"/>
+              <a:sym typeface="Consolas"/>
+            </a:endParaRPr>
+          </a:p>
+          <a:p>
+            <a:pPr marL="714375" indent="-571500">
+              <a:lnSpc>
+                <a:spcPct val="115000"/>
+              </a:lnSpc>
+              <a:spcBef>
+                <a:spcPts val="1125"/>
+              </a:spcBef>
+              <a:buClr>
+                <a:srgbClr val="C00000"/>
+              </a:buClr>
+              <a:buSzPts val="2100"/>
+              <a:buFont typeface="Arial" panose="020B0604020202020204" pitchFamily="34" charset="0"/>
+              <a:buChar char="•"/>
+            </a:pPr>
+            <a:r>
+              <a:rPr lang="en-US" sz="3600" dirty="0">
+                <a:solidFill>
+                  <a:srgbClr val="C00000"/>
+                </a:solidFill>
+                <a:latin typeface="Pragmatica" panose="020B0403040502020204"/>
+                <a:sym typeface="Consolas"/>
+              </a:rPr>
+              <a:t>Automate production of a workbook comparing website visitors versus rating</a:t>
+            </a:r>
+          </a:p>
+          <a:p>
+            <a:pPr marL="714375" indent="-571500">
+              <a:lnSpc>
+                <a:spcPct val="115000"/>
+              </a:lnSpc>
+              <a:spcBef>
+                <a:spcPts val="1125"/>
+              </a:spcBef>
+              <a:buClr>
+                <a:srgbClr val="C00000"/>
+              </a:buClr>
+              <a:buSzPts val="2100"/>
+              <a:buFont typeface="Arial" panose="020B0604020202020204" pitchFamily="34" charset="0"/>
+              <a:buChar char="•"/>
+            </a:pPr>
+            <a:r>
+              <a:rPr lang="en-US" sz="3600" dirty="0">
+                <a:solidFill>
+                  <a:srgbClr val="C00000"/>
+                </a:solidFill>
+                <a:latin typeface="Pragmatica" panose="020B0403040502020204"/>
+                <a:sym typeface="Consolas"/>
+              </a:rPr>
+              <a:t>Fill in the blanks to create the script</a:t>
+            </a:r>
+          </a:p>
+          <a:p>
+            <a:pPr marL="685800" indent="-542925">
+              <a:lnSpc>
+                <a:spcPct val="115000"/>
+              </a:lnSpc>
+              <a:spcBef>
+                <a:spcPts val="1125"/>
+              </a:spcBef>
+              <a:buClr>
+                <a:srgbClr val="C00000"/>
+              </a:buClr>
+              <a:buSzPts val="2100"/>
+              <a:buFont typeface="Arial"/>
+              <a:buAutoNum type="arabicPeriod"/>
+            </a:pPr>
+            <a:endParaRPr lang="en-US" sz="3600" dirty="0">
+              <a:solidFill>
+                <a:srgbClr val="C00000"/>
+              </a:solidFill>
+              <a:latin typeface="Pragmatica" panose="020B0403040502020204"/>
+              <a:sym typeface="Consolas"/>
+            </a:endParaRPr>
+          </a:p>
+          <a:p>
+            <a:pPr marL="142875">
+              <a:lnSpc>
+                <a:spcPct val="115000"/>
+              </a:lnSpc>
+              <a:spcBef>
+                <a:spcPts val="1125"/>
+              </a:spcBef>
+              <a:buClr>
+                <a:srgbClr val="C00000"/>
+              </a:buClr>
+              <a:buSzPts val="2100"/>
+            </a:pPr>
+            <a:r>
+              <a:rPr lang="en-US" sz="3600" dirty="0">
+                <a:solidFill>
+                  <a:srgbClr val="C00000"/>
+                </a:solidFill>
+                <a:latin typeface="Pragmatica" panose="020B0403040502020204"/>
+                <a:sym typeface="Consolas"/>
+              </a:rPr>
+              <a:t>File: </a:t>
+            </a:r>
+            <a:r>
+              <a:rPr lang="en-US" sz="3600" dirty="0" err="1">
+                <a:solidFill>
+                  <a:srgbClr val="C00000"/>
+                </a:solidFill>
+                <a:latin typeface="Consolas" panose="020B0609020204030204" pitchFamily="49" charset="0"/>
+                <a:sym typeface="Consolas"/>
+              </a:rPr>
+              <a:t>pae</a:t>
+            </a:r>
+            <a:r>
+              <a:rPr lang="en-US" sz="3600" dirty="0">
+                <a:solidFill>
+                  <a:srgbClr val="C00000"/>
+                </a:solidFill>
+                <a:latin typeface="Consolas" panose="020B0609020204030204" pitchFamily="49" charset="0"/>
+                <a:sym typeface="Consolas"/>
+              </a:rPr>
+              <a:t>-pie-</a:t>
+            </a:r>
+            <a:r>
+              <a:rPr lang="en-US" sz="3600" dirty="0" err="1">
+                <a:solidFill>
+                  <a:srgbClr val="C00000"/>
+                </a:solidFill>
+                <a:latin typeface="Consolas" panose="020B0609020204030204" pitchFamily="49" charset="0"/>
+                <a:sym typeface="Consolas"/>
+              </a:rPr>
+              <a:t>exercise.ipynb</a:t>
+            </a:r>
+            <a:endParaRPr lang="en-US" sz="6000" dirty="0">
+              <a:solidFill>
+                <a:srgbClr val="CF3338"/>
+              </a:solidFill>
+              <a:latin typeface="Consolas" panose="020B0609020204030204" pitchFamily="49" charset="0"/>
+            </a:endParaRPr>
+          </a:p>
+          <a:p>
+            <a:endParaRPr lang="en-US" sz="6000" dirty="0">
+              <a:solidFill>
+                <a:srgbClr val="CF3338"/>
+              </a:solidFill>
+              <a:latin typeface="Pragmatica" panose="020B0403040502020204" pitchFamily="34" charset="0"/>
+            </a:endParaRPr>
+          </a:p>
+        </p:txBody>
+      </p:sp>
+    </p:spTree>
+    <p:extLst>
+      <p:ext uri="{BB962C8B-B14F-4D97-AF65-F5344CB8AC3E}">
+        <p14:creationId xmlns:p14="http://schemas.microsoft.com/office/powerpoint/2010/main" val="2531284725"/>
+      </p:ext>
+    </p:extLst>
+  </p:cSld>
+  <p:clrMapOvr>
+    <a:masterClrMapping/>
+  </p:clrMapOvr>
+</p:sld>
+</file>
+
 <file path=ppt/slides/slide3.xml><?xml version="1.0" encoding="utf-8"?>
 <p:sld xmlns:a="http://schemas.openxmlformats.org/drawingml/2006/main" xmlns:r="http://schemas.openxmlformats.org/officeDocument/2006/relationships" xmlns:p="http://schemas.openxmlformats.org/presentationml/2006/main">
   <p:cSld>
@@ -7741,6 +12507,299 @@
         <p14:creationId xmlns:p14="http://schemas.microsoft.com/office/powerpoint/2010/main" val="3830029867"/>
       </p:ext>
     </p:extLst>
+  </p:cSld>
+  <p:clrMapOvr>
+    <a:masterClrMapping/>
+  </p:clrMapOvr>
+</p:sld>
+</file>
+
+<file path=ppt/slides/slide30.xml><?xml version="1.0" encoding="utf-8"?>
+<p:sld xmlns:a="http://schemas.openxmlformats.org/drawingml/2006/main" xmlns:r="http://schemas.openxmlformats.org/officeDocument/2006/relationships" xmlns:p="http://schemas.openxmlformats.org/presentationml/2006/main">
+  <p:cSld>
+    <p:spTree>
+      <p:nvGrpSpPr>
+        <p:cNvPr id="1" name=""/>
+        <p:cNvGrpSpPr/>
+        <p:nvPr/>
+      </p:nvGrpSpPr>
+      <p:grpSpPr>
+        <a:xfrm>
+          <a:off x="0" y="0"/>
+          <a:ext cx="0" cy="0"/>
+          <a:chOff x="0" y="0"/>
+          <a:chExt cx="0" cy="0"/>
+        </a:xfrm>
+      </p:grpSpPr>
+      <p:sp>
+        <p:nvSpPr>
+          <p:cNvPr id="4" name="Rectangle 3"/>
+          <p:cNvSpPr/>
+          <p:nvPr/>
+        </p:nvSpPr>
+        <p:spPr>
+          <a:xfrm>
+            <a:off x="9861630" y="0"/>
+            <a:ext cx="8426370" cy="10287000"/>
+          </a:xfrm>
+          <a:prstGeom prst="rect">
+            <a:avLst/>
+          </a:prstGeom>
+          <a:solidFill>
+            <a:schemeClr val="bg1">
+              <a:lumMod val="50000"/>
+            </a:schemeClr>
+          </a:solidFill>
+          <a:ln>
+            <a:noFill/>
+          </a:ln>
+        </p:spPr>
+        <p:style>
+          <a:lnRef idx="2">
+            <a:schemeClr val="accent1">
+              <a:shade val="50000"/>
+            </a:schemeClr>
+          </a:lnRef>
+          <a:fillRef idx="1">
+            <a:schemeClr val="accent1"/>
+          </a:fillRef>
+          <a:effectRef idx="0">
+            <a:schemeClr val="accent1"/>
+          </a:effectRef>
+          <a:fontRef idx="minor">
+            <a:schemeClr val="lt1"/>
+          </a:fontRef>
+        </p:style>
+        <p:txBody>
+          <a:bodyPr rtlCol="0" anchor="ctr"/>
+          <a:lstStyle/>
+          <a:p>
+            <a:pPr algn="ctr"/>
+            <a:endParaRPr lang="en-US" sz="2700" dirty="0"/>
+          </a:p>
+        </p:txBody>
+      </p:sp>
+      <p:pic>
+        <p:nvPicPr>
+          <p:cNvPr id="2" name="Picture 1"/>
+          <p:cNvPicPr>
+            <a:picLocks noChangeAspect="1"/>
+          </p:cNvPicPr>
+          <p:nvPr/>
+        </p:nvPicPr>
+        <p:blipFill rotWithShape="1">
+          <a:blip r:embed="rId3">
+            <a:extLst>
+              <a:ext uri="{28A0092B-C50C-407E-A947-70E740481C1C}">
+                <a14:useLocalDpi xmlns:a14="http://schemas.microsoft.com/office/drawing/2010/main" val="0"/>
+              </a:ext>
+            </a:extLst>
+          </a:blip>
+          <a:srcRect l="69227" t="33418" r="20112" b="50548"/>
+          <a:stretch/>
+        </p:blipFill>
+        <p:spPr>
+          <a:xfrm>
+            <a:off x="15579524" y="7544693"/>
+            <a:ext cx="2708477" cy="2987579"/>
+          </a:xfrm>
+          <a:prstGeom prst="rect">
+            <a:avLst/>
+          </a:prstGeom>
+        </p:spPr>
+      </p:pic>
+      <p:sp>
+        <p:nvSpPr>
+          <p:cNvPr id="3" name="TextBox 2"/>
+          <p:cNvSpPr txBox="1"/>
+          <p:nvPr/>
+        </p:nvSpPr>
+        <p:spPr>
+          <a:xfrm>
+            <a:off x="260431" y="329879"/>
+            <a:ext cx="8906720" cy="5870390"/>
+          </a:xfrm>
+          <a:prstGeom prst="rect">
+            <a:avLst/>
+          </a:prstGeom>
+          <a:noFill/>
+        </p:spPr>
+        <p:txBody>
+          <a:bodyPr wrap="square" rtlCol="0">
+            <a:spAutoFit/>
+          </a:bodyPr>
+          <a:lstStyle/>
+          <a:p>
+            <a:r>
+              <a:rPr lang="en-US" sz="6000" b="1" dirty="0">
+                <a:latin typeface="Pragmatica" panose="020B0403040502020204" pitchFamily="34" charset="0"/>
+              </a:rPr>
+              <a:t>Python in Excel RECAP</a:t>
+            </a:r>
+          </a:p>
+          <a:p>
+            <a:endParaRPr lang="en-US" sz="4200" dirty="0">
+              <a:latin typeface="Pragmatica" panose="020B0403040502020204" pitchFamily="34" charset="0"/>
+            </a:endParaRPr>
+          </a:p>
+          <a:p>
+            <a:pPr marL="685800" indent="-542925">
+              <a:lnSpc>
+                <a:spcPct val="115000"/>
+              </a:lnSpc>
+              <a:spcBef>
+                <a:spcPts val="1125"/>
+              </a:spcBef>
+              <a:buClr>
+                <a:srgbClr val="C00000"/>
+              </a:buClr>
+              <a:buSzPts val="2100"/>
+              <a:buFont typeface="Arial"/>
+              <a:buAutoNum type="arabicPeriod"/>
+            </a:pPr>
+            <a:r>
+              <a:rPr lang="en-US" sz="3600" dirty="0">
+                <a:latin typeface="Pragmatica" panose="020B0403040502020204"/>
+                <a:sym typeface="Consolas"/>
+              </a:rPr>
+              <a:t>Python can do some things easier – there’s a reason it’s in Excel now! </a:t>
+            </a:r>
+          </a:p>
+          <a:p>
+            <a:pPr marL="685800" indent="-542925">
+              <a:lnSpc>
+                <a:spcPct val="115000"/>
+              </a:lnSpc>
+              <a:spcBef>
+                <a:spcPts val="1125"/>
+              </a:spcBef>
+              <a:buClr>
+                <a:srgbClr val="C00000"/>
+              </a:buClr>
+              <a:buSzPts val="2100"/>
+              <a:buFont typeface="Arial"/>
+              <a:buAutoNum type="arabicPeriod"/>
+            </a:pPr>
+            <a:r>
+              <a:rPr lang="en-US" sz="3600" dirty="0">
+                <a:latin typeface="Pragmatica" panose="020B0403040502020204"/>
+                <a:sym typeface="Consolas"/>
+              </a:rPr>
+              <a:t>Python in Excel for analysis &amp; visualization; </a:t>
+            </a:r>
+            <a:r>
+              <a:rPr lang="en-US" sz="3600" dirty="0" err="1">
+                <a:latin typeface="Pragmatica" panose="020B0403040502020204"/>
+                <a:sym typeface="Consolas"/>
+              </a:rPr>
+              <a:t>openpyxl</a:t>
+            </a:r>
+            <a:r>
+              <a:rPr lang="en-US" sz="3600" dirty="0">
+                <a:latin typeface="Pragmatica" panose="020B0403040502020204"/>
+                <a:sym typeface="Consolas"/>
+              </a:rPr>
+              <a:t> for everything else </a:t>
+            </a:r>
+          </a:p>
+          <a:p>
+            <a:pPr marL="685800" indent="-542925">
+              <a:lnSpc>
+                <a:spcPct val="115000"/>
+              </a:lnSpc>
+              <a:spcBef>
+                <a:spcPts val="1125"/>
+              </a:spcBef>
+              <a:buClr>
+                <a:srgbClr val="C00000"/>
+              </a:buClr>
+              <a:buSzPts val="2100"/>
+              <a:buFont typeface="Arial"/>
+              <a:buAutoNum type="arabicPeriod"/>
+            </a:pPr>
+            <a:r>
+              <a:rPr lang="en-US" sz="3600" dirty="0">
+                <a:latin typeface="Pragmatica" panose="020B0403040502020204"/>
+                <a:sym typeface="Consolas"/>
+              </a:rPr>
+              <a:t>What about AI-powered, Python-powered Excel? Try Anaconda Toolbox </a:t>
+            </a:r>
+          </a:p>
+        </p:txBody>
+      </p:sp>
+    </p:spTree>
+    <p:extLst>
+      <p:ext uri="{BB962C8B-B14F-4D97-AF65-F5344CB8AC3E}">
+        <p14:creationId xmlns:p14="http://schemas.microsoft.com/office/powerpoint/2010/main" val="2651137654"/>
+      </p:ext>
+    </p:extLst>
+  </p:cSld>
+  <p:clrMapOvr>
+    <a:masterClrMapping/>
+  </p:clrMapOvr>
+</p:sld>
+</file>
+
+<file path=ppt/slides/slide31.xml><?xml version="1.0" encoding="utf-8"?>
+<p:sld xmlns:a="http://schemas.openxmlformats.org/drawingml/2006/main" xmlns:r="http://schemas.openxmlformats.org/officeDocument/2006/relationships" xmlns:p="http://schemas.openxmlformats.org/presentationml/2006/main">
+  <p:cSld>
+    <p:spTree>
+      <p:nvGrpSpPr>
+        <p:cNvPr id="1" name="Shape 629"/>
+        <p:cNvGrpSpPr/>
+        <p:nvPr/>
+      </p:nvGrpSpPr>
+      <p:grpSpPr>
+        <a:xfrm>
+          <a:off x="0" y="0"/>
+          <a:ext cx="0" cy="0"/>
+          <a:chOff x="0" y="0"/>
+          <a:chExt cx="0" cy="0"/>
+        </a:xfrm>
+      </p:grpSpPr>
+      <p:sp>
+        <p:nvSpPr>
+          <p:cNvPr id="633" name="Google Shape;633;p56"/>
+          <p:cNvSpPr txBox="1">
+            <a:spLocks noGrp="1"/>
+          </p:cNvSpPr>
+          <p:nvPr>
+            <p:ph type="body" idx="4"/>
+          </p:nvPr>
+        </p:nvSpPr>
+        <p:spPr>
+          <a:xfrm>
+            <a:off x="597453" y="3717053"/>
+            <a:ext cx="9218061" cy="1234896"/>
+          </a:xfrm>
+          <a:prstGeom prst="rect">
+            <a:avLst/>
+          </a:prstGeom>
+          <a:noFill/>
+          <a:ln>
+            <a:noFill/>
+          </a:ln>
+        </p:spPr>
+        <p:txBody>
+          <a:bodyPr spcFirstLastPara="1" vert="horz" wrap="square" lIns="0" tIns="0" rIns="0" bIns="0" rtlCol="0" anchor="t" anchorCtr="0">
+            <a:noAutofit/>
+          </a:bodyPr>
+          <a:lstStyle/>
+          <a:p>
+            <a:pPr marL="0" indent="0">
+              <a:spcBef>
+                <a:spcPts val="0"/>
+              </a:spcBef>
+            </a:pPr>
+            <a:r>
+              <a:rPr lang="en-US" dirty="0"/>
+              <a:t>THANK YOU </a:t>
+            </a:r>
+            <a:endParaRPr dirty="0"/>
+          </a:p>
+        </p:txBody>
+      </p:sp>
+    </p:spTree>
   </p:cSld>
   <p:clrMapOvr>
     <a:masterClrMapping/>
@@ -8206,7 +13265,7 @@
         <p:spPr>
           <a:xfrm>
             <a:off x="781292" y="590309"/>
-            <a:ext cx="15486926" cy="4662815"/>
+            <a:ext cx="15486926" cy="1615827"/>
           </a:xfrm>
           <a:prstGeom prst="rect">
             <a:avLst/>
@@ -8224,18 +13283,9 @@
                 <a:solidFill>
                   <a:schemeClr val="bg1"/>
                 </a:solidFill>
-                <a:latin typeface="Consolas" panose="020B0609020204030204" pitchFamily="49" charset="0"/>
+                <a:latin typeface="Normafixed Tryout" panose="00000409000000000000"/>
               </a:rPr>
-              <a:t>Ctrl + T</a:t>
-            </a:r>
-            <a:r>
-              <a:rPr lang="en-US" sz="9900" b="1" dirty="0">
-                <a:solidFill>
-                  <a:schemeClr val="bg1"/>
-                </a:solidFill>
-                <a:latin typeface="Normafixed Tryout" panose="00000409000000000000" pitchFamily="49" charset="0"/>
-              </a:rPr>
-              <a:t> is your superpower! Intro to Excel tables</a:t>
+              <a:t>AI-Powered Excel</a:t>
             </a:r>
           </a:p>
         </p:txBody>
@@ -8345,47 +13395,11 @@
                 </a:solidFill>
                 <a:latin typeface="Normafixed Tryout" panose="00000409000000000000" pitchFamily="49" charset="0"/>
               </a:rPr>
-              <a:t>1. Basics of formulas and functions</a:t>
-            </a:r>
-          </a:p>
-        </p:txBody>
-      </p:sp>
-      <p:pic>
-        <p:nvPicPr>
-          <p:cNvPr id="3" name="Picture 2" descr="A black text on a white background&#10;&#10;Description automatically generated">
-            <a:extLst>
-              <a:ext uri="{FF2B5EF4-FFF2-40B4-BE49-F238E27FC236}">
-                <a16:creationId xmlns:a16="http://schemas.microsoft.com/office/drawing/2014/main" id="{09884EB9-7BF8-4BE6-65DC-B12EEA6F7A3F}"/>
-              </a:ext>
-            </a:extLst>
-          </p:cNvPr>
-          <p:cNvPicPr>
-            <a:picLocks noChangeAspect="1"/>
-          </p:cNvPicPr>
-          <p:nvPr/>
-        </p:nvPicPr>
-        <p:blipFill>
-          <a:blip r:embed="rId2">
-            <a:extLst>
-              <a:ext uri="{28A0092B-C50C-407E-A947-70E740481C1C}">
-                <a14:useLocalDpi xmlns:a14="http://schemas.microsoft.com/office/drawing/2010/main" val="0"/>
-              </a:ext>
-            </a:extLst>
-          </a:blip>
-          <a:stretch>
-            <a:fillRect/>
-          </a:stretch>
-        </p:blipFill>
-        <p:spPr>
-          <a:xfrm>
-            <a:off x="-1" y="8776889"/>
-            <a:ext cx="8939861" cy="1510112"/>
-          </a:xfrm>
-          <a:prstGeom prst="rect">
-            <a:avLst/>
-          </a:prstGeom>
-        </p:spPr>
-      </p:pic>
+              <a:t>1. AI-Powered Data Manipulation</a:t>
+            </a:r>
+          </a:p>
+        </p:txBody>
+      </p:sp>
     </p:spTree>
     <p:extLst>
       <p:ext uri="{BB962C8B-B14F-4D97-AF65-F5344CB8AC3E}">
@@ -8400,164 +13414,6 @@
 </file>
 
 <file path=ppt/slides/slide8.xml><?xml version="1.0" encoding="utf-8"?>
-<p:sld xmlns:a="http://schemas.openxmlformats.org/drawingml/2006/main" xmlns:r="http://schemas.openxmlformats.org/officeDocument/2006/relationships" xmlns:p="http://schemas.openxmlformats.org/presentationml/2006/main">
-  <p:cSld>
-    <p:spTree>
-      <p:nvGrpSpPr>
-        <p:cNvPr id="1" name=""/>
-        <p:cNvGrpSpPr/>
-        <p:nvPr/>
-      </p:nvGrpSpPr>
-      <p:grpSpPr>
-        <a:xfrm>
-          <a:off x="0" y="0"/>
-          <a:ext cx="0" cy="0"/>
-          <a:chOff x="0" y="0"/>
-          <a:chExt cx="0" cy="0"/>
-        </a:xfrm>
-      </p:grpSpPr>
-      <p:pic>
-        <p:nvPicPr>
-          <p:cNvPr id="10" name="Picture 9"/>
-          <p:cNvPicPr>
-            <a:picLocks noChangeAspect="1"/>
-          </p:cNvPicPr>
-          <p:nvPr/>
-        </p:nvPicPr>
-        <p:blipFill rotWithShape="1">
-          <a:blip r:embed="rId2">
-            <a:extLst>
-              <a:ext uri="{28A0092B-C50C-407E-A947-70E740481C1C}">
-                <a14:useLocalDpi xmlns:a14="http://schemas.microsoft.com/office/drawing/2010/main" val="0"/>
-              </a:ext>
-            </a:extLst>
-          </a:blip>
-          <a:srcRect l="50728" t="56371"/>
-          <a:stretch/>
-        </p:blipFill>
-        <p:spPr>
-          <a:xfrm>
-            <a:off x="12204691" y="3316148"/>
-            <a:ext cx="6083309" cy="6970854"/>
-          </a:xfrm>
-          <a:prstGeom prst="rect">
-            <a:avLst/>
-          </a:prstGeom>
-        </p:spPr>
-      </p:pic>
-      <p:pic>
-        <p:nvPicPr>
-          <p:cNvPr id="4" name="Picture 3"/>
-          <p:cNvPicPr>
-            <a:picLocks noChangeAspect="1"/>
-          </p:cNvPicPr>
-          <p:nvPr/>
-        </p:nvPicPr>
-        <p:blipFill>
-          <a:blip r:embed="rId3">
-            <a:extLst>
-              <a:ext uri="{28A0092B-C50C-407E-A947-70E740481C1C}">
-                <a14:useLocalDpi xmlns:a14="http://schemas.microsoft.com/office/drawing/2010/main" val="0"/>
-              </a:ext>
-            </a:extLst>
-          </a:blip>
-          <a:stretch>
-            <a:fillRect/>
-          </a:stretch>
-        </p:blipFill>
-        <p:spPr>
-          <a:xfrm>
-            <a:off x="-807744" y="-3724155"/>
-            <a:ext cx="15257208" cy="11189825"/>
-          </a:xfrm>
-          <a:prstGeom prst="rect">
-            <a:avLst/>
-          </a:prstGeom>
-        </p:spPr>
-      </p:pic>
-      <p:sp>
-        <p:nvSpPr>
-          <p:cNvPr id="11" name="TextBox 10"/>
-          <p:cNvSpPr txBox="1"/>
-          <p:nvPr/>
-        </p:nvSpPr>
-        <p:spPr>
-          <a:xfrm>
-            <a:off x="486137" y="2531318"/>
-            <a:ext cx="11979797" cy="923330"/>
-          </a:xfrm>
-          <a:prstGeom prst="rect">
-            <a:avLst/>
-          </a:prstGeom>
-          <a:noFill/>
-        </p:spPr>
-        <p:txBody>
-          <a:bodyPr wrap="square" rtlCol="0">
-            <a:spAutoFit/>
-          </a:bodyPr>
-          <a:lstStyle/>
-          <a:p>
-            <a:r>
-              <a:rPr lang="en-US" sz="5400" b="1" dirty="0">
-                <a:solidFill>
-                  <a:srgbClr val="CF3338"/>
-                </a:solidFill>
-                <a:latin typeface="Pragmatica" panose="020B0403040502020204" pitchFamily="34" charset="0"/>
-              </a:rPr>
-              <a:t>Questions?</a:t>
-            </a:r>
-          </a:p>
-        </p:txBody>
-      </p:sp>
-      <p:pic>
-        <p:nvPicPr>
-          <p:cNvPr id="5" name="Picture 4">
-            <a:extLst>
-              <a:ext uri="{FF2B5EF4-FFF2-40B4-BE49-F238E27FC236}">
-                <a16:creationId xmlns:a16="http://schemas.microsoft.com/office/drawing/2014/main" id="{54A06221-5316-4BCF-9FDA-BDB95FF4A778}"/>
-              </a:ext>
-            </a:extLst>
-          </p:cNvPr>
-          <p:cNvPicPr>
-            <a:picLocks noChangeAspect="1"/>
-          </p:cNvPicPr>
-          <p:nvPr/>
-        </p:nvPicPr>
-        <p:blipFill>
-          <a:blip r:embed="rId4">
-            <a:extLst>
-              <a:ext uri="{28A0092B-C50C-407E-A947-70E740481C1C}">
-                <a14:useLocalDpi xmlns:a14="http://schemas.microsoft.com/office/drawing/2010/main" val="0"/>
-              </a:ext>
-            </a:extLst>
-          </a:blip>
-          <a:srcRect/>
-          <a:stretch/>
-        </p:blipFill>
-        <p:spPr>
-          <a:xfrm>
-            <a:off x="12204691" y="3317239"/>
-            <a:ext cx="6083309" cy="6968672"/>
-          </a:xfrm>
-          <a:prstGeom prst="rect">
-            <a:avLst/>
-          </a:prstGeom>
-        </p:spPr>
-      </p:pic>
-    </p:spTree>
-    <p:extLst>
-      <p:ext uri="{BB962C8B-B14F-4D97-AF65-F5344CB8AC3E}">
-        <p14:creationId xmlns:p14="http://schemas.microsoft.com/office/powerpoint/2010/main" val="2683774385"/>
-      </p:ext>
-    </p:extLst>
-  </p:cSld>
-  <p:clrMapOvr>
-    <a:masterClrMapping/>
-  </p:clrMapOvr>
-</p:sld>
-</file>
-
-<file path=ppt/slides/slide9.xml><?xml version="1.0" encoding="utf-8"?>
 <p:sld xmlns:a="http://schemas.openxmlformats.org/drawingml/2006/main" xmlns:r="http://schemas.openxmlformats.org/officeDocument/2006/relationships" xmlns:p="http://schemas.openxmlformats.org/presentationml/2006/main">
   <p:cSld>
     <p:spTree>
@@ -8658,7 +13514,7 @@
         <p:spPr>
           <a:xfrm>
             <a:off x="260431" y="329879"/>
-            <a:ext cx="8906720" cy="9383594"/>
+            <a:ext cx="8906720" cy="10088916"/>
           </a:xfrm>
           <a:prstGeom prst="rect">
             <a:avLst/>
@@ -8678,7 +13534,7 @@
                 </a:solidFill>
                 <a:latin typeface="Pragmatica" panose="020B0403040502020204" pitchFamily="34" charset="0"/>
               </a:rPr>
-              <a:t>Exercises</a:t>
+              <a:t>AI-driven data manipulation</a:t>
             </a:r>
           </a:p>
           <a:p>
@@ -8710,11 +13566,134 @@
                   <a:srgbClr val="C00000"/>
                 </a:solidFill>
                 <a:latin typeface="Pragmatica" panose="020B0403040502020204"/>
-                <a:ea typeface="Consolas"/>
-                <a:cs typeface="Consolas"/>
                 <a:sym typeface="Consolas"/>
               </a:rPr>
-              <a:t>T/F: Every Excel formula/function must begin with an </a:t>
+              <a:t>Automating data entry with Flash Fill</a:t>
+            </a:r>
+          </a:p>
+          <a:p>
+            <a:pPr marL="685800" indent="-542925">
+              <a:lnSpc>
+                <a:spcPct val="115000"/>
+              </a:lnSpc>
+              <a:spcBef>
+                <a:spcPts val="1125"/>
+              </a:spcBef>
+              <a:buClr>
+                <a:srgbClr val="C00000"/>
+              </a:buClr>
+              <a:buSzPts val="2100"/>
+              <a:buFont typeface="Arial"/>
+              <a:buAutoNum type="arabicPeriod"/>
+            </a:pPr>
+            <a:r>
+              <a:rPr lang="en-US" sz="3600" dirty="0">
+                <a:solidFill>
+                  <a:srgbClr val="C00000"/>
+                </a:solidFill>
+                <a:latin typeface="Pragmatica" panose="020B0403040502020204"/>
+                <a:sym typeface="Consolas"/>
+              </a:rPr>
+              <a:t>Creating a Column by Example in Power Query</a:t>
+            </a:r>
+          </a:p>
+          <a:p>
+            <a:pPr marL="685800" indent="-542925">
+              <a:lnSpc>
+                <a:spcPct val="115000"/>
+              </a:lnSpc>
+              <a:spcBef>
+                <a:spcPts val="1125"/>
+              </a:spcBef>
+              <a:buClr>
+                <a:srgbClr val="C00000"/>
+              </a:buClr>
+              <a:buSzPts val="2100"/>
+              <a:buFont typeface="Arial"/>
+              <a:buAutoNum type="arabicPeriod"/>
+            </a:pPr>
+            <a:r>
+              <a:rPr lang="en-US" sz="3600" dirty="0">
+                <a:solidFill>
+                  <a:srgbClr val="C00000"/>
+                </a:solidFill>
+                <a:latin typeface="Pragmatica" panose="020B0403040502020204"/>
+                <a:sym typeface="Consolas"/>
+              </a:rPr>
+              <a:t>Creating a Formula by Example in Excel Online</a:t>
+            </a:r>
+          </a:p>
+          <a:p>
+            <a:pPr marL="685800" indent="-542925">
+              <a:lnSpc>
+                <a:spcPct val="115000"/>
+              </a:lnSpc>
+              <a:spcBef>
+                <a:spcPts val="1125"/>
+              </a:spcBef>
+              <a:buClr>
+                <a:srgbClr val="C00000"/>
+              </a:buClr>
+              <a:buSzPts val="2100"/>
+              <a:buFont typeface="Arial"/>
+              <a:buAutoNum type="arabicPeriod"/>
+            </a:pPr>
+            <a:r>
+              <a:rPr lang="en-US" sz="3600" dirty="0">
+                <a:solidFill>
+                  <a:srgbClr val="C00000"/>
+                </a:solidFill>
+                <a:latin typeface="Pragmatica" panose="020B0403040502020204"/>
+                <a:sym typeface="Consolas"/>
+              </a:rPr>
+              <a:t>Joining tables with Fuzzy Matching</a:t>
+            </a:r>
+          </a:p>
+          <a:p>
+            <a:pPr marL="685800" indent="-542925">
+              <a:lnSpc>
+                <a:spcPct val="115000"/>
+              </a:lnSpc>
+              <a:spcBef>
+                <a:spcPts val="1125"/>
+              </a:spcBef>
+              <a:buClr>
+                <a:srgbClr val="C00000"/>
+              </a:buClr>
+              <a:buSzPts val="2100"/>
+              <a:buFont typeface="Arial"/>
+              <a:buAutoNum type="arabicPeriod"/>
+            </a:pPr>
+            <a:endParaRPr lang="en-US" sz="3600" dirty="0">
+              <a:solidFill>
+                <a:srgbClr val="C00000"/>
+              </a:solidFill>
+              <a:latin typeface="Pragmatica" panose="020B0403040502020204"/>
+              <a:sym typeface="Consolas"/>
+            </a:endParaRPr>
+          </a:p>
+          <a:p>
+            <a:pPr marL="142875">
+              <a:lnSpc>
+                <a:spcPct val="115000"/>
+              </a:lnSpc>
+              <a:spcBef>
+                <a:spcPts val="1125"/>
+              </a:spcBef>
+              <a:buClr>
+                <a:srgbClr val="C00000"/>
+              </a:buClr>
+              <a:buSzPts val="2100"/>
+            </a:pPr>
+            <a:r>
+              <a:rPr lang="en-US" sz="3600" dirty="0">
+                <a:solidFill>
+                  <a:srgbClr val="C00000"/>
+                </a:solidFill>
+                <a:latin typeface="Pragmatica" panose="020B0403040502020204"/>
+                <a:sym typeface="Consolas"/>
+              </a:rPr>
+              <a:t>File: </a:t>
             </a:r>
             <a:r>
               <a:rPr lang="en-US" sz="3600" dirty="0">
@@ -8722,157 +13701,16 @@
                   <a:srgbClr val="C00000"/>
                 </a:solidFill>
                 <a:latin typeface="Consolas" panose="020B0609020204030204" pitchFamily="49" charset="0"/>
-                <a:ea typeface="Consolas"/>
-                <a:cs typeface="Consolas"/>
                 <a:sym typeface="Consolas"/>
               </a:rPr>
-              <a:t>=</a:t>
-            </a:r>
-            <a:r>
-              <a:rPr lang="en-US" sz="3600" dirty="0">
-                <a:solidFill>
-                  <a:srgbClr val="C00000"/>
-                </a:solidFill>
-                <a:latin typeface="Pragmatica" panose="020B0403040502020204"/>
-                <a:ea typeface="Consolas"/>
-                <a:cs typeface="Consolas"/>
-                <a:sym typeface="Consolas"/>
-              </a:rPr>
-              <a:t> sign.</a:t>
-            </a:r>
-          </a:p>
-          <a:p>
-            <a:pPr marL="685800" indent="-533400">
-              <a:lnSpc>
-                <a:spcPct val="115000"/>
-              </a:lnSpc>
-              <a:buClr>
-                <a:srgbClr val="C00000"/>
-              </a:buClr>
-              <a:buSzPts val="2000"/>
-              <a:buAutoNum type="arabicPeriod"/>
-            </a:pPr>
-            <a:r>
-              <a:rPr lang="en-US" sz="3600" dirty="0">
-                <a:solidFill>
-                  <a:srgbClr val="C00000"/>
-                </a:solidFill>
-                <a:latin typeface="Pragmatica" panose="020B0403040502020204"/>
-              </a:rPr>
-              <a:t>Are the following formulas or functions:</a:t>
-            </a:r>
-          </a:p>
-          <a:p>
-            <a:pPr marL="1371600" lvl="1" indent="-533400">
-              <a:lnSpc>
-                <a:spcPct val="115000"/>
-              </a:lnSpc>
-              <a:buClr>
-                <a:srgbClr val="C00000"/>
-              </a:buClr>
-              <a:buSzPts val="2000"/>
-              <a:buFont typeface="Arial" panose="020B0604020202020204" pitchFamily="34" charset="0"/>
-              <a:buChar char="•"/>
-            </a:pPr>
-            <a:r>
-              <a:rPr lang="en-US" sz="3600" dirty="0">
-                <a:solidFill>
-                  <a:srgbClr val="C00000"/>
-                </a:solidFill>
-                <a:latin typeface="Consolas" panose="020B0609020204030204" pitchFamily="49" charset="0"/>
-              </a:rPr>
-              <a:t>ABS(-10)</a:t>
-            </a:r>
-          </a:p>
-          <a:p>
-            <a:pPr marL="1371600" lvl="1" indent="-533400">
-              <a:lnSpc>
-                <a:spcPct val="115000"/>
-              </a:lnSpc>
-              <a:buClr>
-                <a:srgbClr val="C00000"/>
-              </a:buClr>
-              <a:buSzPts val="2000"/>
-              <a:buFont typeface="Arial" panose="020B0604020202020204" pitchFamily="34" charset="0"/>
-              <a:buChar char="•"/>
-            </a:pPr>
-            <a:r>
-              <a:rPr lang="en-US" sz="3600" dirty="0">
-                <a:solidFill>
-                  <a:srgbClr val="C00000"/>
-                </a:solidFill>
-                <a:latin typeface="Consolas" panose="020B0609020204030204" pitchFamily="49" charset="0"/>
-              </a:rPr>
-              <a:t>B4&lt;B3</a:t>
-            </a:r>
-          </a:p>
-          <a:p>
-            <a:pPr marL="1371600" lvl="1" indent="-533400">
-              <a:lnSpc>
-                <a:spcPct val="115000"/>
-              </a:lnSpc>
-              <a:buClr>
-                <a:srgbClr val="C00000"/>
-              </a:buClr>
-              <a:buSzPts val="2000"/>
-              <a:buFont typeface="Arial" panose="020B0604020202020204" pitchFamily="34" charset="0"/>
-              <a:buChar char="•"/>
-            </a:pPr>
-            <a:r>
-              <a:rPr lang="en-US" sz="3600" dirty="0">
-                <a:solidFill>
-                  <a:srgbClr val="C00000"/>
-                </a:solidFill>
-                <a:latin typeface="Consolas" panose="020B0609020204030204" pitchFamily="49" charset="0"/>
-              </a:rPr>
-              <a:t>SQRT(10*2)</a:t>
-            </a:r>
-          </a:p>
-          <a:p>
-            <a:pPr marL="685800" indent="-533400">
-              <a:lnSpc>
-                <a:spcPct val="115000"/>
-              </a:lnSpc>
-              <a:buClr>
-                <a:srgbClr val="C00000"/>
-              </a:buClr>
-              <a:buSzPts val="2000"/>
-              <a:buAutoNum type="arabicPeriod"/>
-            </a:pPr>
-            <a:r>
-              <a:rPr lang="en-US" sz="3600" dirty="0">
-                <a:solidFill>
-                  <a:srgbClr val="C00000"/>
-                </a:solidFill>
-                <a:latin typeface="Pragmatica" panose="020B0403040502020204"/>
-              </a:rPr>
-              <a:t>What is the A4 in the following function called? </a:t>
-            </a:r>
-          </a:p>
-          <a:p>
-            <a:pPr marL="1371600" lvl="1" indent="-533400">
-              <a:lnSpc>
-                <a:spcPct val="115000"/>
-              </a:lnSpc>
-              <a:buClr>
-                <a:srgbClr val="C00000"/>
-              </a:buClr>
-              <a:buSzPts val="2000"/>
-              <a:buFont typeface="Arial" panose="020B0604020202020204" pitchFamily="34" charset="0"/>
-              <a:buChar char="•"/>
-            </a:pPr>
-            <a:r>
-              <a:rPr lang="en-US" sz="3600" dirty="0">
-                <a:solidFill>
-                  <a:srgbClr val="C00000"/>
-                </a:solidFill>
-                <a:latin typeface="Consolas" panose="020B0609020204030204" pitchFamily="49" charset="0"/>
-                <a:ea typeface="Consolas"/>
-                <a:cs typeface="Consolas"/>
-                <a:sym typeface="Consolas"/>
-              </a:rPr>
-              <a:t>FORMULATEXT(A4)</a:t>
-            </a:r>
+              <a:t>ai-driven-data-manipulation.xlsx</a:t>
+            </a:r>
+            <a:endParaRPr lang="en-US" sz="6000" dirty="0">
+              <a:solidFill>
+                <a:srgbClr val="CF3338"/>
+              </a:solidFill>
+              <a:latin typeface="Consolas" panose="020B0609020204030204" pitchFamily="49" charset="0"/>
+            </a:endParaRPr>
           </a:p>
           <a:p>
             <a:endParaRPr lang="en-US" sz="6000" dirty="0">
@@ -8882,6 +13720,373 @@
               <a:latin typeface="Pragmatica" panose="020B0403040502020204" pitchFamily="34" charset="0"/>
             </a:endParaRPr>
           </a:p>
+        </p:txBody>
+      </p:sp>
+    </p:spTree>
+    <p:extLst>
+      <p:ext uri="{BB962C8B-B14F-4D97-AF65-F5344CB8AC3E}">
+        <p14:creationId xmlns:p14="http://schemas.microsoft.com/office/powerpoint/2010/main" val="2797489597"/>
+      </p:ext>
+    </p:extLst>
+  </p:cSld>
+  <p:clrMapOvr>
+    <a:masterClrMapping/>
+  </p:clrMapOvr>
+</p:sld>
+</file>
+
+<file path=ppt/slides/slide9.xml><?xml version="1.0" encoding="utf-8"?>
+<p:sld xmlns:a="http://schemas.openxmlformats.org/drawingml/2006/main" xmlns:r="http://schemas.openxmlformats.org/officeDocument/2006/relationships" xmlns:p="http://schemas.openxmlformats.org/presentationml/2006/main">
+  <p:cSld>
+    <p:spTree>
+      <p:nvGrpSpPr>
+        <p:cNvPr id="1" name=""/>
+        <p:cNvGrpSpPr/>
+        <p:nvPr/>
+      </p:nvGrpSpPr>
+      <p:grpSpPr>
+        <a:xfrm>
+          <a:off x="0" y="0"/>
+          <a:ext cx="0" cy="0"/>
+          <a:chOff x="0" y="0"/>
+          <a:chExt cx="0" cy="0"/>
+        </a:xfrm>
+      </p:grpSpPr>
+      <p:sp>
+        <p:nvSpPr>
+          <p:cNvPr id="4" name="Rectangle 3"/>
+          <p:cNvSpPr/>
+          <p:nvPr/>
+        </p:nvSpPr>
+        <p:spPr>
+          <a:xfrm>
+            <a:off x="9861630" y="0"/>
+            <a:ext cx="8426370" cy="10287000"/>
+          </a:xfrm>
+          <a:prstGeom prst="rect">
+            <a:avLst/>
+          </a:prstGeom>
+          <a:solidFill>
+            <a:srgbClr val="CF3338"/>
+          </a:solidFill>
+          <a:ln>
+            <a:noFill/>
+          </a:ln>
+        </p:spPr>
+        <p:style>
+          <a:lnRef idx="2">
+            <a:schemeClr val="accent1">
+              <a:shade val="50000"/>
+            </a:schemeClr>
+          </a:lnRef>
+          <a:fillRef idx="1">
+            <a:schemeClr val="accent1"/>
+          </a:fillRef>
+          <a:effectRef idx="0">
+            <a:schemeClr val="accent1"/>
+          </a:effectRef>
+          <a:fontRef idx="minor">
+            <a:schemeClr val="lt1"/>
+          </a:fontRef>
+        </p:style>
+        <p:txBody>
+          <a:bodyPr rtlCol="0" anchor="ctr"/>
+          <a:lstStyle/>
+          <a:p>
+            <a:pPr algn="ctr"/>
+            <a:endParaRPr lang="en-US" sz="2700"/>
+          </a:p>
+        </p:txBody>
+      </p:sp>
+      <p:pic>
+        <p:nvPicPr>
+          <p:cNvPr id="2" name="Picture 1"/>
+          <p:cNvPicPr>
+            <a:picLocks noChangeAspect="1"/>
+          </p:cNvPicPr>
+          <p:nvPr/>
+        </p:nvPicPr>
+        <p:blipFill rotWithShape="1">
+          <a:blip r:embed="rId3">
+            <a:extLst>
+              <a:ext uri="{28A0092B-C50C-407E-A947-70E740481C1C}">
+                <a14:useLocalDpi xmlns:a14="http://schemas.microsoft.com/office/drawing/2010/main" val="0"/>
+              </a:ext>
+            </a:extLst>
+          </a:blip>
+          <a:srcRect l="69227" t="33418" r="20112" b="50548"/>
+          <a:stretch/>
+        </p:blipFill>
+        <p:spPr>
+          <a:xfrm>
+            <a:off x="15579524" y="7544693"/>
+            <a:ext cx="2708477" cy="2987579"/>
+          </a:xfrm>
+          <a:prstGeom prst="rect">
+            <a:avLst/>
+          </a:prstGeom>
+        </p:spPr>
+      </p:pic>
+      <p:sp>
+        <p:nvSpPr>
+          <p:cNvPr id="3" name="TextBox 2"/>
+          <p:cNvSpPr txBox="1"/>
+          <p:nvPr/>
+        </p:nvSpPr>
+        <p:spPr>
+          <a:xfrm>
+            <a:off x="260431" y="329879"/>
+            <a:ext cx="8906720" cy="10726013"/>
+          </a:xfrm>
+          <a:prstGeom prst="rect">
+            <a:avLst/>
+          </a:prstGeom>
+          <a:noFill/>
+        </p:spPr>
+        <p:txBody>
+          <a:bodyPr wrap="square" rtlCol="0">
+            <a:spAutoFit/>
+          </a:bodyPr>
+          <a:lstStyle/>
+          <a:p>
+            <a:r>
+              <a:rPr lang="en-US" sz="6000" b="1" dirty="0">
+                <a:solidFill>
+                  <a:srgbClr val="CF3338"/>
+                </a:solidFill>
+                <a:latin typeface="Pragmatica" panose="020B0403040502020204" pitchFamily="34" charset="0"/>
+              </a:rPr>
+              <a:t>AI-driven data manipulation EXERCISE</a:t>
+            </a:r>
+          </a:p>
+          <a:p>
+            <a:endParaRPr lang="en-US" sz="4200" dirty="0">
+              <a:solidFill>
+                <a:srgbClr val="CF3338"/>
+              </a:solidFill>
+              <a:latin typeface="Pragmatica" panose="020B0403040502020204" pitchFamily="34" charset="0"/>
+            </a:endParaRPr>
+          </a:p>
+          <a:p>
+            <a:pPr marL="142875">
+              <a:lnSpc>
+                <a:spcPct val="115000"/>
+              </a:lnSpc>
+              <a:spcBef>
+                <a:spcPts val="1125"/>
+              </a:spcBef>
+              <a:buClr>
+                <a:srgbClr val="C00000"/>
+              </a:buClr>
+              <a:buSzPts val="2100"/>
+            </a:pPr>
+            <a:r>
+              <a:rPr lang="en-US" sz="3600" dirty="0">
+                <a:solidFill>
+                  <a:srgbClr val="C00000"/>
+                </a:solidFill>
+                <a:latin typeface="Pragmatica" panose="020B0403040502020204"/>
+                <a:sym typeface="Consolas"/>
+              </a:rPr>
+              <a:t>Using either Flash Fill </a:t>
+            </a:r>
+            <a:r>
+              <a:rPr lang="en-US" sz="3600" i="1" dirty="0">
+                <a:solidFill>
+                  <a:srgbClr val="C00000"/>
+                </a:solidFill>
+                <a:latin typeface="Pragmatica" panose="020B0403040502020204"/>
+                <a:sym typeface="Consolas"/>
+              </a:rPr>
+              <a:t>or </a:t>
+            </a:r>
+            <a:r>
+              <a:rPr lang="en-US" sz="3600" dirty="0">
+                <a:solidFill>
+                  <a:srgbClr val="C00000"/>
+                </a:solidFill>
+                <a:latin typeface="Pragmatica" panose="020B0403040502020204"/>
+                <a:sym typeface="Consolas"/>
+              </a:rPr>
+              <a:t>Column from Example:</a:t>
+            </a:r>
+          </a:p>
+          <a:p>
+            <a:pPr marL="142875">
+              <a:lnSpc>
+                <a:spcPct val="115000"/>
+              </a:lnSpc>
+              <a:spcBef>
+                <a:spcPts val="1125"/>
+              </a:spcBef>
+              <a:buClr>
+                <a:srgbClr val="C00000"/>
+              </a:buClr>
+              <a:buSzPts val="2100"/>
+            </a:pPr>
+            <a:endParaRPr lang="en-US" sz="3600" dirty="0">
+              <a:solidFill>
+                <a:srgbClr val="C00000"/>
+              </a:solidFill>
+              <a:latin typeface="Pragmatica" panose="020B0403040502020204"/>
+              <a:sym typeface="Consolas"/>
+            </a:endParaRPr>
+          </a:p>
+          <a:p>
+            <a:pPr marL="714375" indent="-571500">
+              <a:lnSpc>
+                <a:spcPct val="115000"/>
+              </a:lnSpc>
+              <a:spcBef>
+                <a:spcPts val="1125"/>
+              </a:spcBef>
+              <a:buClr>
+                <a:srgbClr val="C00000"/>
+              </a:buClr>
+              <a:buSzPts val="2100"/>
+              <a:buFont typeface="Arial" panose="020B0604020202020204" pitchFamily="34" charset="0"/>
+              <a:buChar char="•"/>
+            </a:pPr>
+            <a:r>
+              <a:rPr lang="en-US" sz="3600" dirty="0">
+                <a:solidFill>
+                  <a:srgbClr val="C00000"/>
+                </a:solidFill>
+                <a:latin typeface="Pragmatica" panose="020B0403040502020204"/>
+                <a:sym typeface="Consolas"/>
+              </a:rPr>
+              <a:t>Find the city name from each column (Houston, Atlanta, Los Angeles, </a:t>
+            </a:r>
+            <a:r>
+              <a:rPr lang="en-US" sz="3600" dirty="0" err="1">
+                <a:solidFill>
+                  <a:srgbClr val="C00000"/>
+                </a:solidFill>
+                <a:latin typeface="Pragmatica" panose="020B0403040502020204"/>
+                <a:sym typeface="Consolas"/>
+              </a:rPr>
+              <a:t>etc</a:t>
+            </a:r>
+            <a:r>
+              <a:rPr lang="en-US" sz="3600" dirty="0">
+                <a:solidFill>
+                  <a:srgbClr val="C00000"/>
+                </a:solidFill>
+                <a:latin typeface="Pragmatica" panose="020B0403040502020204"/>
+                <a:sym typeface="Consolas"/>
+              </a:rPr>
+              <a:t>)</a:t>
+            </a:r>
+          </a:p>
+          <a:p>
+            <a:pPr marL="714375" indent="-571500">
+              <a:lnSpc>
+                <a:spcPct val="115000"/>
+              </a:lnSpc>
+              <a:spcBef>
+                <a:spcPts val="1125"/>
+              </a:spcBef>
+              <a:buClr>
+                <a:srgbClr val="C00000"/>
+              </a:buClr>
+              <a:buSzPts val="2100"/>
+              <a:buFont typeface="Arial" panose="020B0604020202020204" pitchFamily="34" charset="0"/>
+              <a:buChar char="•"/>
+            </a:pPr>
+            <a:r>
+              <a:rPr lang="en-US" sz="3600" dirty="0">
+                <a:solidFill>
+                  <a:srgbClr val="C00000"/>
+                </a:solidFill>
+                <a:latin typeface="Pragmatica" panose="020B0403040502020204"/>
+                <a:sym typeface="Consolas"/>
+              </a:rPr>
+              <a:t>Find the initials for each time (HA, AB, LAD, </a:t>
+            </a:r>
+            <a:r>
+              <a:rPr lang="en-US" sz="3600" dirty="0" err="1">
+                <a:solidFill>
+                  <a:srgbClr val="C00000"/>
+                </a:solidFill>
+                <a:latin typeface="Pragmatica" panose="020B0403040502020204"/>
+                <a:sym typeface="Consolas"/>
+              </a:rPr>
+              <a:t>etc</a:t>
+            </a:r>
+            <a:r>
+              <a:rPr lang="en-US" sz="3600" dirty="0">
+                <a:solidFill>
+                  <a:srgbClr val="C00000"/>
+                </a:solidFill>
+                <a:latin typeface="Pragmatica" panose="020B0403040502020204"/>
+                <a:sym typeface="Consolas"/>
+              </a:rPr>
+              <a:t>)</a:t>
+            </a:r>
+          </a:p>
+          <a:p>
+            <a:pPr marL="685800" indent="-542925">
+              <a:lnSpc>
+                <a:spcPct val="115000"/>
+              </a:lnSpc>
+              <a:spcBef>
+                <a:spcPts val="1125"/>
+              </a:spcBef>
+              <a:buClr>
+                <a:srgbClr val="C00000"/>
+              </a:buClr>
+              <a:buSzPts val="2100"/>
+              <a:buFont typeface="Arial"/>
+              <a:buAutoNum type="arabicPeriod"/>
+            </a:pPr>
+            <a:endParaRPr lang="en-US" sz="3600" dirty="0">
+              <a:solidFill>
+                <a:srgbClr val="C00000"/>
+              </a:solidFill>
+              <a:latin typeface="Pragmatica" panose="020B0403040502020204"/>
+              <a:sym typeface="Consolas"/>
+            </a:endParaRPr>
+          </a:p>
+          <a:p>
+            <a:pPr marL="142875">
+              <a:lnSpc>
+                <a:spcPct val="115000"/>
+              </a:lnSpc>
+              <a:spcBef>
+                <a:spcPts val="1125"/>
+              </a:spcBef>
+              <a:buClr>
+                <a:srgbClr val="C00000"/>
+              </a:buClr>
+              <a:buSzPts val="2100"/>
+            </a:pPr>
+            <a:r>
+              <a:rPr lang="en-US" sz="3600" dirty="0">
+                <a:solidFill>
+                  <a:srgbClr val="C00000"/>
+                </a:solidFill>
+                <a:latin typeface="Pragmatica" panose="020B0403040502020204"/>
+                <a:sym typeface="Consolas"/>
+              </a:rPr>
+              <a:t>File: </a:t>
+            </a:r>
+            <a:r>
+              <a:rPr lang="en-US" sz="3600" dirty="0">
+                <a:solidFill>
+                  <a:srgbClr val="C00000"/>
+                </a:solidFill>
+                <a:latin typeface="Consolas" panose="020B0609020204030204" pitchFamily="49" charset="0"/>
+                <a:sym typeface="Consolas"/>
+              </a:rPr>
+              <a:t>ai-driven-data-manipulation-exercise.xlsx</a:t>
+            </a:r>
+            <a:endParaRPr lang="en-US" sz="6000" dirty="0">
+              <a:solidFill>
+                <a:srgbClr val="CF3338"/>
+              </a:solidFill>
+              <a:latin typeface="Consolas" panose="020B0609020204030204" pitchFamily="49" charset="0"/>
+            </a:endParaRPr>
+          </a:p>
           <a:p>
             <a:endParaRPr lang="en-US" sz="6000" dirty="0">
               <a:solidFill>
@@ -8895,7 +14100,7 @@
     </p:spTree>
     <p:extLst>
       <p:ext uri="{BB962C8B-B14F-4D97-AF65-F5344CB8AC3E}">
-        <p14:creationId xmlns:p14="http://schemas.microsoft.com/office/powerpoint/2010/main" val="2797489597"/>
+        <p14:creationId xmlns:p14="http://schemas.microsoft.com/office/powerpoint/2010/main" val="1034455944"/>
       </p:ext>
     </p:extLst>
   </p:cSld>

--- a/xlgs-analytics-2_0-slides.pptx
+++ b/xlgs-analytics-2_0-slides.pptx
@@ -5,7 +5,7 @@
     <p:sldMasterId id="2147483648" r:id="rId1"/>
   </p:sldMasterIdLst>
   <p:notesMasterIdLst>
-    <p:notesMasterId r:id="rId33"/>
+    <p:notesMasterId r:id="rId35"/>
   </p:notesMasterIdLst>
   <p:sldIdLst>
     <p:sldId id="257" r:id="rId2"/>
@@ -30,39 +30,41 @@
     <p:sldId id="403" r:id="rId21"/>
     <p:sldId id="404" r:id="rId22"/>
     <p:sldId id="407" r:id="rId23"/>
-    <p:sldId id="408" r:id="rId24"/>
+    <p:sldId id="415" r:id="rId24"/>
     <p:sldId id="405" r:id="rId25"/>
     <p:sldId id="412" r:id="rId26"/>
     <p:sldId id="413" r:id="rId27"/>
-    <p:sldId id="406" r:id="rId28"/>
-    <p:sldId id="409" r:id="rId29"/>
-    <p:sldId id="410" r:id="rId30"/>
-    <p:sldId id="411" r:id="rId31"/>
-    <p:sldId id="311" r:id="rId32"/>
+    <p:sldId id="414" r:id="rId28"/>
+    <p:sldId id="406" r:id="rId29"/>
+    <p:sldId id="409" r:id="rId30"/>
+    <p:sldId id="410" r:id="rId31"/>
+    <p:sldId id="416" r:id="rId32"/>
+    <p:sldId id="411" r:id="rId33"/>
+    <p:sldId id="311" r:id="rId34"/>
   </p:sldIdLst>
   <p:sldSz cx="18288000" cy="10287000"/>
   <p:notesSz cx="6858000" cy="9144000"/>
   <p:embeddedFontLst>
     <p:embeddedFont>
       <p:font typeface="Consolas" panose="020B0609020204030204" pitchFamily="49" charset="0"/>
-      <p:regular r:id="rId34"/>
-      <p:bold r:id="rId35"/>
-      <p:italic r:id="rId36"/>
-      <p:boldItalic r:id="rId37"/>
+      <p:regular r:id="rId36"/>
+      <p:bold r:id="rId37"/>
+      <p:italic r:id="rId38"/>
+      <p:boldItalic r:id="rId39"/>
     </p:embeddedFont>
     <p:embeddedFont>
       <p:font typeface="Plus Jakarta Sans" panose="020B0604020202020204" charset="0"/>
-      <p:regular r:id="rId38"/>
-      <p:bold r:id="rId39"/>
-      <p:italic r:id="rId40"/>
-      <p:boldItalic r:id="rId41"/>
+      <p:regular r:id="rId40"/>
+      <p:bold r:id="rId41"/>
+      <p:italic r:id="rId42"/>
+      <p:boldItalic r:id="rId43"/>
     </p:embeddedFont>
     <p:embeddedFont>
       <p:font typeface="Roboto" panose="02000000000000000000" pitchFamily="2" charset="0"/>
-      <p:regular r:id="rId42"/>
-      <p:bold r:id="rId43"/>
-      <p:italic r:id="rId44"/>
-      <p:boldItalic r:id="rId45"/>
+      <p:regular r:id="rId44"/>
+      <p:bold r:id="rId45"/>
+      <p:italic r:id="rId46"/>
+      <p:boldItalic r:id="rId47"/>
     </p:embeddedFont>
   </p:embeddedFontLst>
   <p:defaultTextStyle>
@@ -847,7 +849,7 @@
           <a:p>
             <a:fld id="{1300335D-9F13-4B80-ADC5-B0EA3E10FF6B}" type="slidenum">
               <a:rPr lang="en-US" smtClean="0"/>
-              <a:t>23</a:t>
+              <a:t>25</a:t>
             </a:fld>
             <a:endParaRPr lang="en-US"/>
           </a:p>
@@ -856,7 +858,7 @@
     </p:spTree>
     <p:extLst>
       <p:ext uri="{BB962C8B-B14F-4D97-AF65-F5344CB8AC3E}">
-        <p14:creationId xmlns:p14="http://schemas.microsoft.com/office/powerpoint/2010/main" val="1078338250"/>
+        <p14:creationId xmlns:p14="http://schemas.microsoft.com/office/powerpoint/2010/main" val="1500510141"/>
       </p:ext>
     </p:extLst>
   </p:cSld>
@@ -955,7 +957,7 @@
           <a:p>
             <a:fld id="{1300335D-9F13-4B80-ADC5-B0EA3E10FF6B}" type="slidenum">
               <a:rPr lang="en-US" smtClean="0"/>
-              <a:t>25</a:t>
+              <a:t>26</a:t>
             </a:fld>
             <a:endParaRPr lang="en-US"/>
           </a:p>
@@ -964,7 +966,7 @@
     </p:spTree>
     <p:extLst>
       <p:ext uri="{BB962C8B-B14F-4D97-AF65-F5344CB8AC3E}">
-        <p14:creationId xmlns:p14="http://schemas.microsoft.com/office/powerpoint/2010/main" val="1500510141"/>
+        <p14:creationId xmlns:p14="http://schemas.microsoft.com/office/powerpoint/2010/main" val="377014208"/>
       </p:ext>
     </p:extLst>
   </p:cSld>
@@ -1063,7 +1065,7 @@
           <a:p>
             <a:fld id="{1300335D-9F13-4B80-ADC5-B0EA3E10FF6B}" type="slidenum">
               <a:rPr lang="en-US" smtClean="0"/>
-              <a:t>26</a:t>
+              <a:t>29</a:t>
             </a:fld>
             <a:endParaRPr lang="en-US"/>
           </a:p>
@@ -1072,7 +1074,7 @@
     </p:spTree>
     <p:extLst>
       <p:ext uri="{BB962C8B-B14F-4D97-AF65-F5344CB8AC3E}">
-        <p14:creationId xmlns:p14="http://schemas.microsoft.com/office/powerpoint/2010/main" val="377014208"/>
+        <p14:creationId xmlns:p14="http://schemas.microsoft.com/office/powerpoint/2010/main" val="2338108748"/>
       </p:ext>
     </p:extLst>
   </p:cSld>
@@ -1171,7 +1173,7 @@
           <a:p>
             <a:fld id="{1300335D-9F13-4B80-ADC5-B0EA3E10FF6B}" type="slidenum">
               <a:rPr lang="en-US" smtClean="0"/>
-              <a:t>28</a:t>
+              <a:t>30</a:t>
             </a:fld>
             <a:endParaRPr lang="en-US"/>
           </a:p>
@@ -1180,7 +1182,7 @@
     </p:spTree>
     <p:extLst>
       <p:ext uri="{BB962C8B-B14F-4D97-AF65-F5344CB8AC3E}">
-        <p14:creationId xmlns:p14="http://schemas.microsoft.com/office/powerpoint/2010/main" val="2338108748"/>
+        <p14:creationId xmlns:p14="http://schemas.microsoft.com/office/powerpoint/2010/main" val="3885482516"/>
       </p:ext>
     </p:extLst>
   </p:cSld>
@@ -1279,115 +1281,7 @@
           <a:p>
             <a:fld id="{1300335D-9F13-4B80-ADC5-B0EA3E10FF6B}" type="slidenum">
               <a:rPr lang="en-US" smtClean="0"/>
-              <a:t>29</a:t>
-            </a:fld>
-            <a:endParaRPr lang="en-US"/>
-          </a:p>
-        </p:txBody>
-      </p:sp>
-    </p:spTree>
-    <p:extLst>
-      <p:ext uri="{BB962C8B-B14F-4D97-AF65-F5344CB8AC3E}">
-        <p14:creationId xmlns:p14="http://schemas.microsoft.com/office/powerpoint/2010/main" val="3885482516"/>
-      </p:ext>
-    </p:extLst>
-  </p:cSld>
-  <p:clrMapOvr>
-    <a:masterClrMapping/>
-  </p:clrMapOvr>
-</p:notes>
-</file>
-
-<file path=ppt/notesSlides/notesSlide16.xml><?xml version="1.0" encoding="utf-8"?>
-<p:notes xmlns:a="http://schemas.openxmlformats.org/drawingml/2006/main" xmlns:r="http://schemas.openxmlformats.org/officeDocument/2006/relationships" xmlns:p="http://schemas.openxmlformats.org/presentationml/2006/main">
-  <p:cSld>
-    <p:spTree>
-      <p:nvGrpSpPr>
-        <p:cNvPr id="1" name=""/>
-        <p:cNvGrpSpPr/>
-        <p:nvPr/>
-      </p:nvGrpSpPr>
-      <p:grpSpPr>
-        <a:xfrm>
-          <a:off x="0" y="0"/>
-          <a:ext cx="0" cy="0"/>
-          <a:chOff x="0" y="0"/>
-          <a:chExt cx="0" cy="0"/>
-        </a:xfrm>
-      </p:grpSpPr>
-      <p:sp>
-        <p:nvSpPr>
-          <p:cNvPr id="2" name="Slide Image Placeholder 1"/>
-          <p:cNvSpPr>
-            <a:spLocks noGrp="1" noRot="1" noChangeAspect="1"/>
-          </p:cNvSpPr>
-          <p:nvPr>
-            <p:ph type="sldImg"/>
-          </p:nvPr>
-        </p:nvSpPr>
-        <p:spPr/>
-      </p:sp>
-      <p:sp>
-        <p:nvSpPr>
-          <p:cNvPr id="3" name="Notes Placeholder 2"/>
-          <p:cNvSpPr>
-            <a:spLocks noGrp="1"/>
-          </p:cNvSpPr>
-          <p:nvPr>
-            <p:ph type="body" idx="1"/>
-          </p:nvPr>
-        </p:nvSpPr>
-        <p:spPr/>
-        <p:txBody>
-          <a:bodyPr/>
-          <a:lstStyle/>
-          <a:p>
-            <a:pPr marL="228600" indent="-228600">
-              <a:buAutoNum type="arabicPeriod"/>
-            </a:pPr>
-            <a:r>
-              <a:rPr lang="en-US" dirty="0"/>
-              <a:t>False!</a:t>
-            </a:r>
-          </a:p>
-          <a:p>
-            <a:pPr marL="228600" indent="-228600">
-              <a:buAutoNum type="arabicPeriod"/>
-            </a:pPr>
-            <a:r>
-              <a:rPr lang="en-US" dirty="0"/>
-              <a:t>Function, Formula, Function</a:t>
-            </a:r>
-          </a:p>
-          <a:p>
-            <a:pPr marL="228600" indent="-228600">
-              <a:buAutoNum type="arabicPeriod"/>
-            </a:pPr>
-            <a:r>
-              <a:rPr lang="en-US" dirty="0"/>
-              <a:t>Argument</a:t>
-            </a:r>
-          </a:p>
-        </p:txBody>
-      </p:sp>
-      <p:sp>
-        <p:nvSpPr>
-          <p:cNvPr id="4" name="Slide Number Placeholder 3"/>
-          <p:cNvSpPr>
-            <a:spLocks noGrp="1"/>
-          </p:cNvSpPr>
-          <p:nvPr>
-            <p:ph type="sldNum" sz="quarter" idx="5"/>
-          </p:nvPr>
-        </p:nvSpPr>
-        <p:spPr/>
-        <p:txBody>
-          <a:bodyPr/>
-          <a:lstStyle/>
-          <a:p>
-            <a:fld id="{1300335D-9F13-4B80-ADC5-B0EA3E10FF6B}" type="slidenum">
-              <a:rPr lang="en-US" smtClean="0"/>
-              <a:t>30</a:t>
+              <a:t>32</a:t>
             </a:fld>
             <a:endParaRPr lang="en-US"/>
           </a:p>
@@ -1406,7 +1300,7 @@
 </p:notes>
 </file>
 
-<file path=ppt/notesSlides/notesSlide17.xml><?xml version="1.0" encoding="utf-8"?>
+<file path=ppt/notesSlides/notesSlide16.xml><?xml version="1.0" encoding="utf-8"?>
 <p:notes xmlns:a="http://schemas.openxmlformats.org/drawingml/2006/main" xmlns:r="http://schemas.openxmlformats.org/officeDocument/2006/relationships" xmlns:p="http://schemas.openxmlformats.org/presentationml/2006/main" showMasterSp="0" showMasterPhAnim="0">
   <p:cSld>
     <p:spTree>
@@ -8071,7 +7965,7 @@
                 </a:solidFill>
                 <a:latin typeface="Pragmatica" panose="020B0403040502020204" pitchFamily="34" charset="0"/>
               </a:rPr>
-              <a:t>AI-driven data entry and forecasting </a:t>
+              <a:t>AI-powered data entry and forecasting </a:t>
             </a:r>
           </a:p>
           <a:p>
@@ -8214,7 +8108,7 @@
                 <a:latin typeface="Consolas" panose="020B0609020204030204" pitchFamily="49" charset="0"/>
                 <a:sym typeface="Consolas"/>
               </a:rPr>
-              <a:t>ai-driven-data-entry-forecasting.xlsx</a:t>
+              <a:t>ai-powered-data-entry-forecasting.xlsx</a:t>
             </a:r>
             <a:endParaRPr lang="en-US" sz="6000" dirty="0">
               <a:solidFill>
@@ -8367,7 +8261,7 @@
                 </a:solidFill>
                 <a:latin typeface="Pragmatica" panose="020B0403040502020204" pitchFamily="34" charset="0"/>
               </a:rPr>
-              <a:t>AI-driven data entry and forecasting EXERCISE</a:t>
+              <a:t>AI-powered data entry and forecasting EXERCISE</a:t>
             </a:r>
           </a:p>
           <a:p>
@@ -8497,7 +8391,7 @@
                 <a:latin typeface="Consolas" panose="020B0609020204030204" pitchFamily="49" charset="0"/>
                 <a:sym typeface="Consolas"/>
               </a:rPr>
-              <a:t>ai-driven-data-manipulation-exercise.xlsx</a:t>
+              <a:t>ai-powered-data-manipulation-exercise.xlsx</a:t>
             </a:r>
             <a:endParaRPr lang="en-US" sz="6000" dirty="0">
               <a:solidFill>
@@ -8898,7 +8792,7 @@
         <p:spPr>
           <a:xfrm>
             <a:off x="260431" y="329879"/>
-            <a:ext cx="8906720" cy="8673656"/>
+            <a:ext cx="8906720" cy="7895495"/>
           </a:xfrm>
           <a:prstGeom prst="rect">
             <a:avLst/>
@@ -8918,7 +8812,7 @@
                 </a:solidFill>
                 <a:latin typeface="Pragmatica" panose="020B0403040502020204" pitchFamily="34" charset="0"/>
               </a:rPr>
-              <a:t>AI-driven data analysis and visualization</a:t>
+              <a:t>AI-powered data analysis and visualization</a:t>
             </a:r>
           </a:p>
           <a:p>
@@ -8982,7 +8876,7 @@
             </a:r>
           </a:p>
           <a:p>
-            <a:pPr marL="685800" indent="-542925">
+            <a:pPr marL="142875">
               <a:lnSpc>
                 <a:spcPct val="115000"/>
               </a:lnSpc>
@@ -8993,34 +8887,6 @@
                 <a:srgbClr val="C00000"/>
               </a:buClr>
               <a:buSzPts val="2100"/>
-              <a:buFont typeface="Arial"/>
-              <a:buAutoNum type="arabicPeriod"/>
-            </a:pPr>
-            <a:r>
-              <a:rPr lang="en-US" sz="3600" dirty="0">
-                <a:solidFill>
-                  <a:srgbClr val="C00000"/>
-                </a:solidFill>
-                <a:latin typeface="Pragmatica" panose="020B0403040502020204"/>
-                <a:sym typeface="Consolas"/>
-              </a:rPr>
-              <a:t>From Analyze Data to Copilot </a:t>
-            </a:r>
-          </a:p>
-          <a:p>
-            <a:pPr marL="685800" indent="-542925">
-              <a:lnSpc>
-                <a:spcPct val="115000"/>
-              </a:lnSpc>
-              <a:spcBef>
-                <a:spcPts val="1125"/>
-              </a:spcBef>
-              <a:buClr>
-                <a:srgbClr val="C00000"/>
-              </a:buClr>
-              <a:buSzPts val="2100"/>
-              <a:buFont typeface="Arial"/>
-              <a:buAutoNum type="arabicPeriod"/>
             </a:pPr>
             <a:endParaRPr lang="en-US" sz="3600" dirty="0">
               <a:solidFill>
@@ -9061,7 +8927,7 @@
                 <a:latin typeface="Consolas" panose="020B0609020204030204" pitchFamily="49" charset="0"/>
                 <a:sym typeface="Consolas"/>
               </a:rPr>
-              <a:t>ai-driven-data-analysis-visualization.xlsx</a:t>
+              <a:t>ai-powered-data-analysis-visualization.xlsx</a:t>
             </a:r>
             <a:endParaRPr lang="en-US" sz="6000" dirty="0">
               <a:solidFill>
@@ -9214,7 +9080,7 @@
                 </a:solidFill>
                 <a:latin typeface="Pragmatica" panose="020B0403040502020204" pitchFamily="34" charset="0"/>
               </a:rPr>
-              <a:t>AI-driven data analysis and visualization EXERCISE</a:t>
+              <a:t>AI-powered data analysis and visualization EXERCISE</a:t>
             </a:r>
           </a:p>
           <a:p>
@@ -9344,7 +9210,7 @@
                 <a:latin typeface="Consolas" panose="020B0609020204030204" pitchFamily="49" charset="0"/>
                 <a:sym typeface="Consolas"/>
               </a:rPr>
-              <a:t>ai-driven-data-analysis-visualization-exercise.xlsx</a:t>
+              <a:t>ai-powered-data-analysis-visualization-exercise.xlsx</a:t>
             </a:r>
             <a:endParaRPr lang="en-US" sz="6000" dirty="0">
               <a:solidFill>
@@ -10356,7 +10222,7 @@
         <p:spPr>
           <a:xfrm>
             <a:off x="260431" y="329879"/>
-            <a:ext cx="8906720" cy="8673656"/>
+            <a:ext cx="8906720" cy="7113229"/>
           </a:xfrm>
           <a:prstGeom prst="rect">
             <a:avLst/>
@@ -10376,7 +10242,7 @@
                 </a:solidFill>
                 <a:latin typeface="Pragmatica" panose="020B0403040502020204" pitchFamily="34" charset="0"/>
               </a:rPr>
-              <a:t>AI-driven data analysis and visualization</a:t>
+              <a:t>Python in Excel: First steps</a:t>
             </a:r>
           </a:p>
           <a:p>
@@ -10410,7 +10276,7 @@
                 <a:latin typeface="Pragmatica" panose="020B0403040502020204"/>
                 <a:sym typeface="Consolas"/>
               </a:rPr>
-              <a:t>Preparing data for Analyze Data</a:t>
+              <a:t>Understanding the Python in Excel environment</a:t>
             </a:r>
           </a:p>
           <a:p>
@@ -10436,7 +10302,7 @@
                 <a:latin typeface="Pragmatica" panose="020B0403040502020204"/>
                 <a:sym typeface="Consolas"/>
               </a:rPr>
-              <a:t>Basics of natural language querying &amp; prompt engineering</a:t>
+              <a:t>Loading Excel data into Python</a:t>
             </a:r>
           </a:p>
           <a:p>
@@ -10462,7 +10328,7 @@
                 <a:latin typeface="Pragmatica" panose="020B0403040502020204"/>
                 <a:sym typeface="Consolas"/>
               </a:rPr>
-              <a:t>From Analyze Data to Copilot </a:t>
+              <a:t>Converting Python objects to Excel values</a:t>
             </a:r>
           </a:p>
           <a:p>
@@ -10519,7 +10385,7 @@
                 <a:latin typeface="Consolas" panose="020B0609020204030204" pitchFamily="49" charset="0"/>
                 <a:sym typeface="Consolas"/>
               </a:rPr>
-              <a:t>ai-driven-data-analysis-visualization.xlsx</a:t>
+              <a:t>python-excel-first-steps.xlsx</a:t>
             </a:r>
             <a:endParaRPr lang="en-US" sz="6000" dirty="0">
               <a:solidFill>
@@ -10552,6 +10418,274 @@
 </file>
 
 <file path=ppt/slides/slide23.xml><?xml version="1.0" encoding="utf-8"?>
+<p:sld xmlns:a="http://schemas.openxmlformats.org/drawingml/2006/main" xmlns:r="http://schemas.openxmlformats.org/officeDocument/2006/relationships" xmlns:p="http://schemas.openxmlformats.org/presentationml/2006/main">
+  <p:cSld>
+    <p:spTree>
+      <p:nvGrpSpPr>
+        <p:cNvPr id="1" name=""/>
+        <p:cNvGrpSpPr/>
+        <p:nvPr/>
+      </p:nvGrpSpPr>
+      <p:grpSpPr>
+        <a:xfrm>
+          <a:off x="0" y="0"/>
+          <a:ext cx="0" cy="0"/>
+          <a:chOff x="0" y="0"/>
+          <a:chExt cx="0" cy="0"/>
+        </a:xfrm>
+      </p:grpSpPr>
+      <p:pic>
+        <p:nvPicPr>
+          <p:cNvPr id="10" name="Picture 9"/>
+          <p:cNvPicPr>
+            <a:picLocks noChangeAspect="1"/>
+          </p:cNvPicPr>
+          <p:nvPr/>
+        </p:nvPicPr>
+        <p:blipFill rotWithShape="1">
+          <a:blip r:embed="rId2">
+            <a:extLst>
+              <a:ext uri="{28A0092B-C50C-407E-A947-70E740481C1C}">
+                <a14:useLocalDpi xmlns:a14="http://schemas.microsoft.com/office/drawing/2010/main" val="0"/>
+              </a:ext>
+            </a:extLst>
+          </a:blip>
+          <a:srcRect l="50728" t="56371"/>
+          <a:stretch/>
+        </p:blipFill>
+        <p:spPr>
+          <a:xfrm>
+            <a:off x="12204691" y="3316148"/>
+            <a:ext cx="6083309" cy="6970854"/>
+          </a:xfrm>
+          <a:prstGeom prst="rect">
+            <a:avLst/>
+          </a:prstGeom>
+        </p:spPr>
+      </p:pic>
+      <p:pic>
+        <p:nvPicPr>
+          <p:cNvPr id="4" name="Picture 3"/>
+          <p:cNvPicPr>
+            <a:picLocks noChangeAspect="1"/>
+          </p:cNvPicPr>
+          <p:nvPr/>
+        </p:nvPicPr>
+        <p:blipFill>
+          <a:blip r:embed="rId3">
+            <a:extLst>
+              <a:ext uri="{28A0092B-C50C-407E-A947-70E740481C1C}">
+                <a14:useLocalDpi xmlns:a14="http://schemas.microsoft.com/office/drawing/2010/main" val="0"/>
+              </a:ext>
+            </a:extLst>
+          </a:blip>
+          <a:stretch>
+            <a:fillRect/>
+          </a:stretch>
+        </p:blipFill>
+        <p:spPr>
+          <a:xfrm>
+            <a:off x="-807744" y="-3724155"/>
+            <a:ext cx="15257208" cy="11189825"/>
+          </a:xfrm>
+          <a:prstGeom prst="rect">
+            <a:avLst/>
+          </a:prstGeom>
+        </p:spPr>
+      </p:pic>
+      <p:sp>
+        <p:nvSpPr>
+          <p:cNvPr id="11" name="TextBox 10"/>
+          <p:cNvSpPr txBox="1"/>
+          <p:nvPr/>
+        </p:nvSpPr>
+        <p:spPr>
+          <a:xfrm>
+            <a:off x="486137" y="2531318"/>
+            <a:ext cx="11979797" cy="923330"/>
+          </a:xfrm>
+          <a:prstGeom prst="rect">
+            <a:avLst/>
+          </a:prstGeom>
+          <a:noFill/>
+        </p:spPr>
+        <p:txBody>
+          <a:bodyPr wrap="square" rtlCol="0">
+            <a:spAutoFit/>
+          </a:bodyPr>
+          <a:lstStyle/>
+          <a:p>
+            <a:r>
+              <a:rPr lang="en-US" sz="5400" b="1" dirty="0">
+                <a:solidFill>
+                  <a:srgbClr val="CF3338"/>
+                </a:solidFill>
+                <a:latin typeface="Pragmatica" panose="020B0403040502020204" pitchFamily="34" charset="0"/>
+              </a:rPr>
+              <a:t>Questions?</a:t>
+            </a:r>
+          </a:p>
+        </p:txBody>
+      </p:sp>
+      <p:pic>
+        <p:nvPicPr>
+          <p:cNvPr id="5" name="Picture 4">
+            <a:extLst>
+              <a:ext uri="{FF2B5EF4-FFF2-40B4-BE49-F238E27FC236}">
+                <a16:creationId xmlns:a16="http://schemas.microsoft.com/office/drawing/2014/main" id="{54A06221-5316-4BCF-9FDA-BDB95FF4A778}"/>
+              </a:ext>
+            </a:extLst>
+          </p:cNvPr>
+          <p:cNvPicPr>
+            <a:picLocks noChangeAspect="1"/>
+          </p:cNvPicPr>
+          <p:nvPr/>
+        </p:nvPicPr>
+        <p:blipFill>
+          <a:blip r:embed="rId4">
+            <a:extLst>
+              <a:ext uri="{28A0092B-C50C-407E-A947-70E740481C1C}">
+                <a14:useLocalDpi xmlns:a14="http://schemas.microsoft.com/office/drawing/2010/main" val="0"/>
+              </a:ext>
+            </a:extLst>
+          </a:blip>
+          <a:srcRect/>
+          <a:stretch/>
+        </p:blipFill>
+        <p:spPr>
+          <a:xfrm>
+            <a:off x="12204691" y="3317239"/>
+            <a:ext cx="6083309" cy="6968672"/>
+          </a:xfrm>
+          <a:prstGeom prst="rect">
+            <a:avLst/>
+          </a:prstGeom>
+        </p:spPr>
+      </p:pic>
+    </p:spTree>
+    <p:extLst>
+      <p:ext uri="{BB962C8B-B14F-4D97-AF65-F5344CB8AC3E}">
+        <p14:creationId xmlns:p14="http://schemas.microsoft.com/office/powerpoint/2010/main" val="1689860732"/>
+      </p:ext>
+    </p:extLst>
+  </p:cSld>
+  <p:clrMapOvr>
+    <a:masterClrMapping/>
+  </p:clrMapOvr>
+</p:sld>
+</file>
+
+<file path=ppt/slides/slide24.xml><?xml version="1.0" encoding="utf-8"?>
+<p:sld xmlns:a="http://schemas.openxmlformats.org/drawingml/2006/main" xmlns:r="http://schemas.openxmlformats.org/officeDocument/2006/relationships" xmlns:p="http://schemas.openxmlformats.org/presentationml/2006/main">
+  <p:cSld>
+    <p:spTree>
+      <p:nvGrpSpPr>
+        <p:cNvPr id="1" name=""/>
+        <p:cNvGrpSpPr/>
+        <p:nvPr/>
+      </p:nvGrpSpPr>
+      <p:grpSpPr>
+        <a:xfrm>
+          <a:off x="0" y="0"/>
+          <a:ext cx="0" cy="0"/>
+          <a:chOff x="0" y="0"/>
+          <a:chExt cx="0" cy="0"/>
+        </a:xfrm>
+      </p:grpSpPr>
+      <p:sp>
+        <p:nvSpPr>
+          <p:cNvPr id="4" name="Rectangle 3"/>
+          <p:cNvSpPr/>
+          <p:nvPr/>
+        </p:nvSpPr>
+        <p:spPr>
+          <a:xfrm>
+            <a:off x="0" y="0"/>
+            <a:ext cx="18288000" cy="10287000"/>
+          </a:xfrm>
+          <a:prstGeom prst="rect">
+            <a:avLst/>
+          </a:prstGeom>
+          <a:solidFill>
+            <a:srgbClr val="CF3338"/>
+          </a:solidFill>
+          <a:ln>
+            <a:noFill/>
+          </a:ln>
+        </p:spPr>
+        <p:style>
+          <a:lnRef idx="2">
+            <a:schemeClr val="accent1">
+              <a:shade val="50000"/>
+            </a:schemeClr>
+          </a:lnRef>
+          <a:fillRef idx="1">
+            <a:schemeClr val="accent1"/>
+          </a:fillRef>
+          <a:effectRef idx="0">
+            <a:schemeClr val="accent1"/>
+          </a:effectRef>
+          <a:fontRef idx="minor">
+            <a:schemeClr val="lt1"/>
+          </a:fontRef>
+        </p:style>
+        <p:txBody>
+          <a:bodyPr rtlCol="0" anchor="ctr"/>
+          <a:lstStyle/>
+          <a:p>
+            <a:pPr algn="ctr"/>
+            <a:endParaRPr lang="en-US" sz="2700"/>
+          </a:p>
+        </p:txBody>
+      </p:sp>
+      <p:sp>
+        <p:nvSpPr>
+          <p:cNvPr id="5" name="TextBox 4"/>
+          <p:cNvSpPr txBox="1"/>
+          <p:nvPr/>
+        </p:nvSpPr>
+        <p:spPr>
+          <a:xfrm>
+            <a:off x="781292" y="590309"/>
+            <a:ext cx="15486926" cy="3139321"/>
+          </a:xfrm>
+          <a:prstGeom prst="rect">
+            <a:avLst/>
+          </a:prstGeom>
+          <a:noFill/>
+        </p:spPr>
+        <p:txBody>
+          <a:bodyPr wrap="square" rtlCol="0">
+            <a:spAutoFit/>
+          </a:bodyPr>
+          <a:lstStyle/>
+          <a:p>
+            <a:r>
+              <a:rPr lang="en-US" sz="9900" b="1" dirty="0">
+                <a:solidFill>
+                  <a:schemeClr val="bg1"/>
+                </a:solidFill>
+                <a:latin typeface="Normafixed Tryout" panose="00000409000000000000" pitchFamily="49" charset="0"/>
+              </a:rPr>
+              <a:t>2. From “that’s hard in Excel” to “that’s easy in Python”</a:t>
+            </a:r>
+          </a:p>
+        </p:txBody>
+      </p:sp>
+    </p:spTree>
+    <p:extLst>
+      <p:ext uri="{BB962C8B-B14F-4D97-AF65-F5344CB8AC3E}">
+        <p14:creationId xmlns:p14="http://schemas.microsoft.com/office/powerpoint/2010/main" val="2491588467"/>
+      </p:ext>
+    </p:extLst>
+  </p:cSld>
+  <p:clrMapOvr>
+    <a:masterClrMapping/>
+  </p:clrMapOvr>
+</p:sld>
+</file>
+
+<file path=ppt/slides/slide25.xml><?xml version="1.0" encoding="utf-8"?>
 <p:sld xmlns:a="http://schemas.openxmlformats.org/drawingml/2006/main" xmlns:r="http://schemas.openxmlformats.org/officeDocument/2006/relationships" xmlns:p="http://schemas.openxmlformats.org/presentationml/2006/main">
   <p:cSld>
     <p:spTree>
@@ -10652,7 +10786,7 @@
         <p:spPr>
           <a:xfrm>
             <a:off x="260431" y="329879"/>
-            <a:ext cx="8906720" cy="7390228"/>
+            <a:ext cx="8906720" cy="10234084"/>
           </a:xfrm>
           <a:prstGeom prst="rect">
             <a:avLst/>
@@ -10672,11 +10806,19 @@
                 </a:solidFill>
                 <a:latin typeface="Pragmatica" panose="020B0403040502020204" pitchFamily="34" charset="0"/>
               </a:rPr>
-              <a:t>AI-driven data analysis and visualization EXERCISE</a:t>
-            </a:r>
-          </a:p>
-          <a:p>
-            <a:pPr marL="142875">
+              <a:t>From “that’s hard in Excel” to “that’s easy in Python” analysis</a:t>
+            </a:r>
+          </a:p>
+          <a:p>
+            <a:endParaRPr lang="en-US" sz="4200" dirty="0">
+              <a:solidFill>
+                <a:srgbClr val="CF3338"/>
+              </a:solidFill>
+              <a:latin typeface="Pragmatica" panose="020B0403040502020204" pitchFamily="34" charset="0"/>
+            </a:endParaRPr>
+          </a:p>
+          <a:p>
+            <a:pPr marL="685800" indent="-542925">
               <a:lnSpc>
                 <a:spcPct val="115000"/>
               </a:lnSpc>
@@ -10687,29 +10829,8 @@
                 <a:srgbClr val="C00000"/>
               </a:buClr>
               <a:buSzPts val="2100"/>
-            </a:pPr>
-            <a:endParaRPr lang="en-US" sz="3600" dirty="0">
-              <a:solidFill>
-                <a:srgbClr val="C00000"/>
-              </a:solidFill>
-              <a:latin typeface="Pragmatica" panose="020B0403040502020204"/>
-              <a:sym typeface="Consolas"/>
-            </a:endParaRPr>
-          </a:p>
-          <a:p>
-            <a:pPr marL="714375" indent="-571500">
-              <a:lnSpc>
-                <a:spcPct val="115000"/>
-              </a:lnSpc>
-              <a:spcBef>
-                <a:spcPts val="1125"/>
-              </a:spcBef>
-              <a:buClr>
-                <a:srgbClr val="C00000"/>
-              </a:buClr>
-              <a:buSzPts val="2100"/>
-              <a:buFont typeface="Arial" panose="020B0604020202020204" pitchFamily="34" charset="0"/>
-              <a:buChar char="•"/>
+              <a:buFont typeface="Arial"/>
+              <a:buAutoNum type="arabicPeriod"/>
             </a:pPr>
             <a:r>
               <a:rPr lang="en-US" sz="3600" dirty="0">
@@ -10719,11 +10840,11 @@
                 <a:latin typeface="Pragmatica" panose="020B0403040502020204"/>
                 <a:sym typeface="Consolas"/>
               </a:rPr>
-              <a:t>Prepare data for optimal Analyze Data use</a:t>
-            </a:r>
-          </a:p>
-          <a:p>
-            <a:pPr marL="714375" indent="-571500">
+              <a:t>Data profiling: What is the shape, size, completeness?</a:t>
+            </a:r>
+          </a:p>
+          <a:p>
+            <a:pPr marL="685800" indent="-542925">
               <a:lnSpc>
                 <a:spcPct val="115000"/>
               </a:lnSpc>
@@ -10734,8 +10855,8 @@
                 <a:srgbClr val="C00000"/>
               </a:buClr>
               <a:buSzPts val="2100"/>
-              <a:buFont typeface="Arial" panose="020B0604020202020204" pitchFamily="34" charset="0"/>
-              <a:buChar char="•"/>
+              <a:buFont typeface="Arial"/>
+              <a:buAutoNum type="arabicPeriod"/>
             </a:pPr>
             <a:r>
               <a:rPr lang="en-US" sz="3600" dirty="0">
@@ -10745,7 +10866,33 @@
                 <a:latin typeface="Pragmatica" panose="020B0403040502020204"/>
                 <a:sym typeface="Consolas"/>
               </a:rPr>
-              <a:t>Visualize total state population over time</a:t>
+              <a:t>Time series: pandas for panel data</a:t>
+            </a:r>
+          </a:p>
+          <a:p>
+            <a:pPr marL="685800" indent="-542925">
+              <a:lnSpc>
+                <a:spcPct val="115000"/>
+              </a:lnSpc>
+              <a:spcBef>
+                <a:spcPts val="1125"/>
+              </a:spcBef>
+              <a:buClr>
+                <a:srgbClr val="C00000"/>
+              </a:buClr>
+              <a:buSzPts val="2100"/>
+              <a:buFont typeface="Arial"/>
+              <a:buAutoNum type="arabicPeriod"/>
+            </a:pPr>
+            <a:r>
+              <a:rPr lang="en-US" sz="3600" dirty="0">
+                <a:solidFill>
+                  <a:srgbClr val="C00000"/>
+                </a:solidFill>
+                <a:latin typeface="Pragmatica" panose="020B0403040502020204"/>
+                <a:sym typeface="Consolas"/>
+              </a:rPr>
+              <a:t>Descriptive statistics/EDA: What stories might be told in this data? </a:t>
             </a:r>
           </a:p>
           <a:p>
@@ -10802,7 +10949,7 @@
                 <a:latin typeface="Consolas" panose="020B0609020204030204" pitchFamily="49" charset="0"/>
                 <a:sym typeface="Consolas"/>
               </a:rPr>
-              <a:t>ai-driven-data-analysis-visualization-exercise.xlsx</a:t>
+              <a:t>hard-excel-easy-python-analysis.xlsx</a:t>
             </a:r>
             <a:endParaRPr lang="en-US" sz="6000" dirty="0">
               <a:solidFill>
@@ -10824,7 +10971,7 @@
     </p:spTree>
     <p:extLst>
       <p:ext uri="{BB962C8B-B14F-4D97-AF65-F5344CB8AC3E}">
-        <p14:creationId xmlns:p14="http://schemas.microsoft.com/office/powerpoint/2010/main" val="3412472367"/>
+        <p14:creationId xmlns:p14="http://schemas.microsoft.com/office/powerpoint/2010/main" val="2505051360"/>
       </p:ext>
     </p:extLst>
   </p:cSld>
@@ -10834,7 +10981,448 @@
 </p:sld>
 </file>
 
-<file path=ppt/slides/slide24.xml><?xml version="1.0" encoding="utf-8"?>
+<file path=ppt/slides/slide26.xml><?xml version="1.0" encoding="utf-8"?>
+<p:sld xmlns:a="http://schemas.openxmlformats.org/drawingml/2006/main" xmlns:r="http://schemas.openxmlformats.org/officeDocument/2006/relationships" xmlns:p="http://schemas.openxmlformats.org/presentationml/2006/main">
+  <p:cSld>
+    <p:spTree>
+      <p:nvGrpSpPr>
+        <p:cNvPr id="1" name=""/>
+        <p:cNvGrpSpPr/>
+        <p:nvPr/>
+      </p:nvGrpSpPr>
+      <p:grpSpPr>
+        <a:xfrm>
+          <a:off x="0" y="0"/>
+          <a:ext cx="0" cy="0"/>
+          <a:chOff x="0" y="0"/>
+          <a:chExt cx="0" cy="0"/>
+        </a:xfrm>
+      </p:grpSpPr>
+      <p:sp>
+        <p:nvSpPr>
+          <p:cNvPr id="4" name="Rectangle 3"/>
+          <p:cNvSpPr/>
+          <p:nvPr/>
+        </p:nvSpPr>
+        <p:spPr>
+          <a:xfrm>
+            <a:off x="9861630" y="0"/>
+            <a:ext cx="8426370" cy="10287000"/>
+          </a:xfrm>
+          <a:prstGeom prst="rect">
+            <a:avLst/>
+          </a:prstGeom>
+          <a:solidFill>
+            <a:srgbClr val="CF3338"/>
+          </a:solidFill>
+          <a:ln>
+            <a:noFill/>
+          </a:ln>
+        </p:spPr>
+        <p:style>
+          <a:lnRef idx="2">
+            <a:schemeClr val="accent1">
+              <a:shade val="50000"/>
+            </a:schemeClr>
+          </a:lnRef>
+          <a:fillRef idx="1">
+            <a:schemeClr val="accent1"/>
+          </a:fillRef>
+          <a:effectRef idx="0">
+            <a:schemeClr val="accent1"/>
+          </a:effectRef>
+          <a:fontRef idx="minor">
+            <a:schemeClr val="lt1"/>
+          </a:fontRef>
+        </p:style>
+        <p:txBody>
+          <a:bodyPr rtlCol="0" anchor="ctr"/>
+          <a:lstStyle/>
+          <a:p>
+            <a:pPr algn="ctr"/>
+            <a:endParaRPr lang="en-US" sz="2700"/>
+          </a:p>
+        </p:txBody>
+      </p:sp>
+      <p:pic>
+        <p:nvPicPr>
+          <p:cNvPr id="2" name="Picture 1"/>
+          <p:cNvPicPr>
+            <a:picLocks noChangeAspect="1"/>
+          </p:cNvPicPr>
+          <p:nvPr/>
+        </p:nvPicPr>
+        <p:blipFill rotWithShape="1">
+          <a:blip r:embed="rId3">
+            <a:extLst>
+              <a:ext uri="{28A0092B-C50C-407E-A947-70E740481C1C}">
+                <a14:useLocalDpi xmlns:a14="http://schemas.microsoft.com/office/drawing/2010/main" val="0"/>
+              </a:ext>
+            </a:extLst>
+          </a:blip>
+          <a:srcRect l="69227" t="33418" r="20112" b="50548"/>
+          <a:stretch/>
+        </p:blipFill>
+        <p:spPr>
+          <a:xfrm>
+            <a:off x="15579524" y="7544693"/>
+            <a:ext cx="2708477" cy="2987579"/>
+          </a:xfrm>
+          <a:prstGeom prst="rect">
+            <a:avLst/>
+          </a:prstGeom>
+        </p:spPr>
+      </p:pic>
+      <p:sp>
+        <p:nvSpPr>
+          <p:cNvPr id="3" name="TextBox 2"/>
+          <p:cNvSpPr txBox="1"/>
+          <p:nvPr/>
+        </p:nvSpPr>
+        <p:spPr>
+          <a:xfrm>
+            <a:off x="260431" y="329879"/>
+            <a:ext cx="8906720" cy="8950655"/>
+          </a:xfrm>
+          <a:prstGeom prst="rect">
+            <a:avLst/>
+          </a:prstGeom>
+          <a:noFill/>
+        </p:spPr>
+        <p:txBody>
+          <a:bodyPr wrap="square" rtlCol="0">
+            <a:spAutoFit/>
+          </a:bodyPr>
+          <a:lstStyle/>
+          <a:p>
+            <a:r>
+              <a:rPr lang="en-US" sz="6000" b="1" dirty="0">
+                <a:solidFill>
+                  <a:srgbClr val="CF3338"/>
+                </a:solidFill>
+                <a:latin typeface="Pragmatica" panose="020B0403040502020204" pitchFamily="34" charset="0"/>
+              </a:rPr>
+              <a:t>From “that’s hard in Excel” to “that’s easy in Python” analysis EXERCISE</a:t>
+            </a:r>
+          </a:p>
+          <a:p>
+            <a:pPr marL="142875">
+              <a:lnSpc>
+                <a:spcPct val="115000"/>
+              </a:lnSpc>
+              <a:spcBef>
+                <a:spcPts val="1125"/>
+              </a:spcBef>
+              <a:buClr>
+                <a:srgbClr val="C00000"/>
+              </a:buClr>
+              <a:buSzPts val="2100"/>
+            </a:pPr>
+            <a:endParaRPr lang="en-US" sz="3600" dirty="0">
+              <a:solidFill>
+                <a:srgbClr val="C00000"/>
+              </a:solidFill>
+              <a:latin typeface="Pragmatica" panose="020B0403040502020204"/>
+              <a:sym typeface="Consolas"/>
+            </a:endParaRPr>
+          </a:p>
+          <a:p>
+            <a:pPr marL="714375" indent="-571500">
+              <a:lnSpc>
+                <a:spcPct val="115000"/>
+              </a:lnSpc>
+              <a:spcBef>
+                <a:spcPts val="1125"/>
+              </a:spcBef>
+              <a:buClr>
+                <a:srgbClr val="C00000"/>
+              </a:buClr>
+              <a:buSzPts val="2100"/>
+              <a:buFont typeface="Arial" panose="020B0604020202020204" pitchFamily="34" charset="0"/>
+              <a:buChar char="•"/>
+            </a:pPr>
+            <a:r>
+              <a:rPr lang="en-US" sz="3600" dirty="0">
+                <a:solidFill>
+                  <a:srgbClr val="C00000"/>
+                </a:solidFill>
+                <a:latin typeface="Pragmatica" panose="020B0403040502020204"/>
+                <a:sym typeface="Consolas"/>
+              </a:rPr>
+              <a:t>Explore relationship between sales, temperature, customer count over time</a:t>
+            </a:r>
+          </a:p>
+          <a:p>
+            <a:pPr marL="714375" indent="-571500">
+              <a:lnSpc>
+                <a:spcPct val="115000"/>
+              </a:lnSpc>
+              <a:spcBef>
+                <a:spcPts val="1125"/>
+              </a:spcBef>
+              <a:buClr>
+                <a:srgbClr val="C00000"/>
+              </a:buClr>
+              <a:buSzPts val="2100"/>
+              <a:buFont typeface="Arial" panose="020B0604020202020204" pitchFamily="34" charset="0"/>
+              <a:buChar char="•"/>
+            </a:pPr>
+            <a:r>
+              <a:rPr lang="en-US" sz="3600" dirty="0">
+                <a:solidFill>
+                  <a:srgbClr val="C00000"/>
+                </a:solidFill>
+                <a:latin typeface="Pragmatica" panose="020B0403040502020204"/>
+                <a:sym typeface="Consolas"/>
+              </a:rPr>
+              <a:t>Fill in the blanks to complete the code</a:t>
+            </a:r>
+          </a:p>
+          <a:p>
+            <a:pPr marL="685800" indent="-542925">
+              <a:lnSpc>
+                <a:spcPct val="115000"/>
+              </a:lnSpc>
+              <a:spcBef>
+                <a:spcPts val="1125"/>
+              </a:spcBef>
+              <a:buClr>
+                <a:srgbClr val="C00000"/>
+              </a:buClr>
+              <a:buSzPts val="2100"/>
+              <a:buFont typeface="Arial"/>
+              <a:buAutoNum type="arabicPeriod"/>
+            </a:pPr>
+            <a:endParaRPr lang="en-US" sz="3600" dirty="0">
+              <a:solidFill>
+                <a:srgbClr val="C00000"/>
+              </a:solidFill>
+              <a:latin typeface="Pragmatica" panose="020B0403040502020204"/>
+              <a:sym typeface="Consolas"/>
+            </a:endParaRPr>
+          </a:p>
+          <a:p>
+            <a:pPr marL="142875">
+              <a:lnSpc>
+                <a:spcPct val="115000"/>
+              </a:lnSpc>
+              <a:spcBef>
+                <a:spcPts val="1125"/>
+              </a:spcBef>
+              <a:buClr>
+                <a:srgbClr val="C00000"/>
+              </a:buClr>
+              <a:buSzPts val="2100"/>
+            </a:pPr>
+            <a:r>
+              <a:rPr lang="en-US" sz="3600" dirty="0">
+                <a:solidFill>
+                  <a:srgbClr val="C00000"/>
+                </a:solidFill>
+                <a:latin typeface="Pragmatica" panose="020B0403040502020204"/>
+                <a:sym typeface="Consolas"/>
+              </a:rPr>
+              <a:t>File: </a:t>
+            </a:r>
+            <a:r>
+              <a:rPr lang="en-US" sz="3600" dirty="0">
+                <a:solidFill>
+                  <a:srgbClr val="C00000"/>
+                </a:solidFill>
+                <a:latin typeface="Consolas" panose="020B0609020204030204" pitchFamily="49" charset="0"/>
+                <a:sym typeface="Consolas"/>
+              </a:rPr>
+              <a:t>hard-excel-easy-python-analysis-exercise.xlsx</a:t>
+            </a:r>
+            <a:endParaRPr lang="en-US" sz="6000" dirty="0">
+              <a:solidFill>
+                <a:srgbClr val="CF3338"/>
+              </a:solidFill>
+              <a:latin typeface="Consolas" panose="020B0609020204030204" pitchFamily="49" charset="0"/>
+            </a:endParaRPr>
+          </a:p>
+          <a:p>
+            <a:endParaRPr lang="en-US" sz="6000" dirty="0">
+              <a:solidFill>
+                <a:srgbClr val="CF3338"/>
+              </a:solidFill>
+              <a:latin typeface="Pragmatica" panose="020B0403040502020204" pitchFamily="34" charset="0"/>
+            </a:endParaRPr>
+          </a:p>
+        </p:txBody>
+      </p:sp>
+    </p:spTree>
+    <p:extLst>
+      <p:ext uri="{BB962C8B-B14F-4D97-AF65-F5344CB8AC3E}">
+        <p14:creationId xmlns:p14="http://schemas.microsoft.com/office/powerpoint/2010/main" val="4027118445"/>
+      </p:ext>
+    </p:extLst>
+  </p:cSld>
+  <p:clrMapOvr>
+    <a:masterClrMapping/>
+  </p:clrMapOvr>
+</p:sld>
+</file>
+
+<file path=ppt/slides/slide27.xml><?xml version="1.0" encoding="utf-8"?>
+<p:sld xmlns:a="http://schemas.openxmlformats.org/drawingml/2006/main" xmlns:r="http://schemas.openxmlformats.org/officeDocument/2006/relationships" xmlns:p="http://schemas.openxmlformats.org/presentationml/2006/main">
+  <p:cSld>
+    <p:spTree>
+      <p:nvGrpSpPr>
+        <p:cNvPr id="1" name=""/>
+        <p:cNvGrpSpPr/>
+        <p:nvPr/>
+      </p:nvGrpSpPr>
+      <p:grpSpPr>
+        <a:xfrm>
+          <a:off x="0" y="0"/>
+          <a:ext cx="0" cy="0"/>
+          <a:chOff x="0" y="0"/>
+          <a:chExt cx="0" cy="0"/>
+        </a:xfrm>
+      </p:grpSpPr>
+      <p:pic>
+        <p:nvPicPr>
+          <p:cNvPr id="10" name="Picture 9"/>
+          <p:cNvPicPr>
+            <a:picLocks noChangeAspect="1"/>
+          </p:cNvPicPr>
+          <p:nvPr/>
+        </p:nvPicPr>
+        <p:blipFill rotWithShape="1">
+          <a:blip r:embed="rId2">
+            <a:extLst>
+              <a:ext uri="{28A0092B-C50C-407E-A947-70E740481C1C}">
+                <a14:useLocalDpi xmlns:a14="http://schemas.microsoft.com/office/drawing/2010/main" val="0"/>
+              </a:ext>
+            </a:extLst>
+          </a:blip>
+          <a:srcRect l="50728" t="56371"/>
+          <a:stretch/>
+        </p:blipFill>
+        <p:spPr>
+          <a:xfrm>
+            <a:off x="12204691" y="3316148"/>
+            <a:ext cx="6083309" cy="6970854"/>
+          </a:xfrm>
+          <a:prstGeom prst="rect">
+            <a:avLst/>
+          </a:prstGeom>
+        </p:spPr>
+      </p:pic>
+      <p:pic>
+        <p:nvPicPr>
+          <p:cNvPr id="4" name="Picture 3"/>
+          <p:cNvPicPr>
+            <a:picLocks noChangeAspect="1"/>
+          </p:cNvPicPr>
+          <p:nvPr/>
+        </p:nvPicPr>
+        <p:blipFill>
+          <a:blip r:embed="rId3">
+            <a:extLst>
+              <a:ext uri="{28A0092B-C50C-407E-A947-70E740481C1C}">
+                <a14:useLocalDpi xmlns:a14="http://schemas.microsoft.com/office/drawing/2010/main" val="0"/>
+              </a:ext>
+            </a:extLst>
+          </a:blip>
+          <a:stretch>
+            <a:fillRect/>
+          </a:stretch>
+        </p:blipFill>
+        <p:spPr>
+          <a:xfrm>
+            <a:off x="-807744" y="-3724155"/>
+            <a:ext cx="15257208" cy="11189825"/>
+          </a:xfrm>
+          <a:prstGeom prst="rect">
+            <a:avLst/>
+          </a:prstGeom>
+        </p:spPr>
+      </p:pic>
+      <p:sp>
+        <p:nvSpPr>
+          <p:cNvPr id="11" name="TextBox 10"/>
+          <p:cNvSpPr txBox="1"/>
+          <p:nvPr/>
+        </p:nvSpPr>
+        <p:spPr>
+          <a:xfrm>
+            <a:off x="486137" y="2531318"/>
+            <a:ext cx="11979797" cy="923330"/>
+          </a:xfrm>
+          <a:prstGeom prst="rect">
+            <a:avLst/>
+          </a:prstGeom>
+          <a:noFill/>
+        </p:spPr>
+        <p:txBody>
+          <a:bodyPr wrap="square" rtlCol="0">
+            <a:spAutoFit/>
+          </a:bodyPr>
+          <a:lstStyle/>
+          <a:p>
+            <a:r>
+              <a:rPr lang="en-US" sz="5400" b="1" dirty="0">
+                <a:solidFill>
+                  <a:srgbClr val="CF3338"/>
+                </a:solidFill>
+                <a:latin typeface="Pragmatica" panose="020B0403040502020204" pitchFamily="34" charset="0"/>
+              </a:rPr>
+              <a:t>Questions?</a:t>
+            </a:r>
+          </a:p>
+        </p:txBody>
+      </p:sp>
+      <p:pic>
+        <p:nvPicPr>
+          <p:cNvPr id="5" name="Picture 4">
+            <a:extLst>
+              <a:ext uri="{FF2B5EF4-FFF2-40B4-BE49-F238E27FC236}">
+                <a16:creationId xmlns:a16="http://schemas.microsoft.com/office/drawing/2014/main" id="{54A06221-5316-4BCF-9FDA-BDB95FF4A778}"/>
+              </a:ext>
+            </a:extLst>
+          </p:cNvPr>
+          <p:cNvPicPr>
+            <a:picLocks noChangeAspect="1"/>
+          </p:cNvPicPr>
+          <p:nvPr/>
+        </p:nvPicPr>
+        <p:blipFill>
+          <a:blip r:embed="rId4">
+            <a:extLst>
+              <a:ext uri="{28A0092B-C50C-407E-A947-70E740481C1C}">
+                <a14:useLocalDpi xmlns:a14="http://schemas.microsoft.com/office/drawing/2010/main" val="0"/>
+              </a:ext>
+            </a:extLst>
+          </a:blip>
+          <a:srcRect/>
+          <a:stretch/>
+        </p:blipFill>
+        <p:spPr>
+          <a:xfrm>
+            <a:off x="12204691" y="3317239"/>
+            <a:ext cx="6083309" cy="6968672"/>
+          </a:xfrm>
+          <a:prstGeom prst="rect">
+            <a:avLst/>
+          </a:prstGeom>
+        </p:spPr>
+      </p:pic>
+    </p:spTree>
+    <p:extLst>
+      <p:ext uri="{BB962C8B-B14F-4D97-AF65-F5344CB8AC3E}">
+        <p14:creationId xmlns:p14="http://schemas.microsoft.com/office/powerpoint/2010/main" val="2899625024"/>
+      </p:ext>
+    </p:extLst>
+  </p:cSld>
+  <p:clrMapOvr>
+    <a:masterClrMapping/>
+  </p:clrMapOvr>
+</p:sld>
+</file>
+
+<file path=ppt/slides/slide28.xml><?xml version="1.0" encoding="utf-8"?>
 <p:sld xmlns:a="http://schemas.openxmlformats.org/drawingml/2006/main" xmlns:r="http://schemas.openxmlformats.org/officeDocument/2006/relationships" xmlns:p="http://schemas.openxmlformats.org/presentationml/2006/main">
   <p:cSld>
     <p:spTree>
@@ -10906,7 +11494,7 @@
         <p:spPr>
           <a:xfrm>
             <a:off x="781292" y="590309"/>
-            <a:ext cx="15486926" cy="3139321"/>
+            <a:ext cx="15486926" cy="4662815"/>
           </a:xfrm>
           <a:prstGeom prst="rect">
             <a:avLst/>
@@ -10926,7 +11514,43 @@
                 </a:solidFill>
                 <a:latin typeface="Normafixed Tryout" panose="00000409000000000000" pitchFamily="49" charset="0"/>
               </a:rPr>
-              <a:t>2. From “that’s hard in Excel” to “that’s easy in Python”</a:t>
+              <a:t>3. There’s more to Python </a:t>
+            </a:r>
+            <a:r>
+              <a:rPr lang="en-US" sz="9900" b="1" i="1" dirty="0">
+                <a:solidFill>
+                  <a:schemeClr val="bg1"/>
+                </a:solidFill>
+                <a:latin typeface="Normafixed Tryout" panose="00000409000000000000" pitchFamily="49" charset="0"/>
+              </a:rPr>
+              <a:t>and </a:t>
+            </a:r>
+            <a:r>
+              <a:rPr lang="en-US" sz="9900" b="1" dirty="0">
+                <a:solidFill>
+                  <a:schemeClr val="bg1"/>
+                </a:solidFill>
+                <a:latin typeface="Normafixed Tryout" panose="00000409000000000000" pitchFamily="49" charset="0"/>
+              </a:rPr>
+              <a:t>Excel than Python </a:t>
+            </a:r>
+            <a:r>
+              <a:rPr lang="en-US" sz="9900" b="1" i="1" dirty="0">
+                <a:solidFill>
+                  <a:schemeClr val="bg1"/>
+                </a:solidFill>
+                <a:latin typeface="Normafixed Tryout" panose="00000409000000000000" pitchFamily="49" charset="0"/>
+              </a:rPr>
+              <a:t>in </a:t>
+            </a:r>
+            <a:r>
+              <a:rPr lang="en-US" sz="9900" b="1" dirty="0">
+                <a:solidFill>
+                  <a:schemeClr val="bg1"/>
+                </a:solidFill>
+                <a:latin typeface="Normafixed Tryout" panose="00000409000000000000" pitchFamily="49" charset="0"/>
+              </a:rPr>
+              <a:t>Excel</a:t>
             </a:r>
           </a:p>
         </p:txBody>
@@ -10934,7 +11558,7 @@
     </p:spTree>
     <p:extLst>
       <p:ext uri="{BB962C8B-B14F-4D97-AF65-F5344CB8AC3E}">
-        <p14:creationId xmlns:p14="http://schemas.microsoft.com/office/powerpoint/2010/main" val="2491588467"/>
+        <p14:creationId xmlns:p14="http://schemas.microsoft.com/office/powerpoint/2010/main" val="1915421395"/>
       </p:ext>
     </p:extLst>
   </p:cSld>
@@ -10944,7 +11568,7 @@
 </p:sld>
 </file>
 
-<file path=ppt/slides/slide25.xml><?xml version="1.0" encoding="utf-8"?>
+<file path=ppt/slides/slide29.xml><?xml version="1.0" encoding="utf-8"?>
 <p:sld xmlns:a="http://schemas.openxmlformats.org/drawingml/2006/main" xmlns:r="http://schemas.openxmlformats.org/officeDocument/2006/relationships" xmlns:p="http://schemas.openxmlformats.org/presentationml/2006/main">
   <p:cSld>
     <p:spTree>
@@ -11045,7 +11669,7 @@
         <p:spPr>
           <a:xfrm>
             <a:off x="260431" y="329879"/>
-            <a:ext cx="8906720" cy="10234084"/>
+            <a:ext cx="8906720" cy="9596986"/>
           </a:xfrm>
           <a:prstGeom prst="rect">
             <a:avLst/>
@@ -11065,7 +11689,43 @@
                 </a:solidFill>
                 <a:latin typeface="Pragmatica" panose="020B0403040502020204" pitchFamily="34" charset="0"/>
               </a:rPr>
-              <a:t>From “that’s hard in Excel” to “that’s easy in Python” analysis</a:t>
+              <a:t>There’s more to Python </a:t>
+            </a:r>
+            <a:r>
+              <a:rPr lang="en-US" sz="6000" b="1" i="1" dirty="0">
+                <a:solidFill>
+                  <a:srgbClr val="CF3338"/>
+                </a:solidFill>
+                <a:latin typeface="Pragmatica" panose="020B0403040502020204" pitchFamily="34" charset="0"/>
+              </a:rPr>
+              <a:t>and</a:t>
+            </a:r>
+            <a:r>
+              <a:rPr lang="en-US" sz="6000" b="1" dirty="0">
+                <a:solidFill>
+                  <a:srgbClr val="CF3338"/>
+                </a:solidFill>
+                <a:latin typeface="Pragmatica" panose="020B0403040502020204" pitchFamily="34" charset="0"/>
+              </a:rPr>
+              <a:t> Excel than Python </a:t>
+            </a:r>
+            <a:r>
+              <a:rPr lang="en-US" sz="6000" b="1" i="1" dirty="0">
+                <a:solidFill>
+                  <a:srgbClr val="CF3338"/>
+                </a:solidFill>
+                <a:latin typeface="Pragmatica" panose="020B0403040502020204" pitchFamily="34" charset="0"/>
+              </a:rPr>
+              <a:t>in </a:t>
+            </a:r>
+            <a:r>
+              <a:rPr lang="en-US" sz="6000" b="1" dirty="0">
+                <a:solidFill>
+                  <a:srgbClr val="CF3338"/>
+                </a:solidFill>
+                <a:latin typeface="Pragmatica" panose="020B0403040502020204" pitchFamily="34" charset="0"/>
+              </a:rPr>
+              <a:t>Excel</a:t>
             </a:r>
           </a:p>
           <a:p>
@@ -11099,7 +11759,7 @@
                 <a:latin typeface="Pragmatica" panose="020B0403040502020204"/>
                 <a:sym typeface="Consolas"/>
               </a:rPr>
-              <a:t>Data profiling: What is the shape, size, completeness?</a:t>
+              <a:t>Python in Excel is all about data analysis, visualization, statistics &amp; ML</a:t>
             </a:r>
           </a:p>
           <a:p>
@@ -11125,7 +11785,7 @@
                 <a:latin typeface="Pragmatica" panose="020B0403040502020204"/>
                 <a:sym typeface="Consolas"/>
               </a:rPr>
-              <a:t>Time series: pandas for panel data</a:t>
+              <a:t>It lacks Excel automation capabilities</a:t>
             </a:r>
           </a:p>
           <a:p>
@@ -11151,7 +11811,7 @@
                 <a:latin typeface="Pragmatica" panose="020B0403040502020204"/>
                 <a:sym typeface="Consolas"/>
               </a:rPr>
-              <a:t>Descriptive statistics/EDA: What stories might be told in this data? </a:t>
+              <a:t>Let’s automate an entire Excel workbook from Python… without opening Excel!</a:t>
             </a:r>
           </a:p>
           <a:p>
@@ -11201,767 +11861,6 @@
               <a:t>File: </a:t>
             </a:r>
             <a:r>
-              <a:rPr lang="en-US" sz="3600" dirty="0">
-                <a:solidFill>
-                  <a:srgbClr val="C00000"/>
-                </a:solidFill>
-                <a:latin typeface="Consolas" panose="020B0609020204030204" pitchFamily="49" charset="0"/>
-                <a:sym typeface="Consolas"/>
-              </a:rPr>
-              <a:t>hard-excel-easy-python-analysis.xlsx</a:t>
-            </a:r>
-            <a:endParaRPr lang="en-US" sz="6000" dirty="0">
-              <a:solidFill>
-                <a:srgbClr val="CF3338"/>
-              </a:solidFill>
-              <a:latin typeface="Consolas" panose="020B0609020204030204" pitchFamily="49" charset="0"/>
-            </a:endParaRPr>
-          </a:p>
-          <a:p>
-            <a:endParaRPr lang="en-US" sz="6000" dirty="0">
-              <a:solidFill>
-                <a:srgbClr val="CF3338"/>
-              </a:solidFill>
-              <a:latin typeface="Pragmatica" panose="020B0403040502020204" pitchFamily="34" charset="0"/>
-            </a:endParaRPr>
-          </a:p>
-        </p:txBody>
-      </p:sp>
-    </p:spTree>
-    <p:extLst>
-      <p:ext uri="{BB962C8B-B14F-4D97-AF65-F5344CB8AC3E}">
-        <p14:creationId xmlns:p14="http://schemas.microsoft.com/office/powerpoint/2010/main" val="2505051360"/>
-      </p:ext>
-    </p:extLst>
-  </p:cSld>
-  <p:clrMapOvr>
-    <a:masterClrMapping/>
-  </p:clrMapOvr>
-</p:sld>
-</file>
-
-<file path=ppt/slides/slide26.xml><?xml version="1.0" encoding="utf-8"?>
-<p:sld xmlns:a="http://schemas.openxmlformats.org/drawingml/2006/main" xmlns:r="http://schemas.openxmlformats.org/officeDocument/2006/relationships" xmlns:p="http://schemas.openxmlformats.org/presentationml/2006/main">
-  <p:cSld>
-    <p:spTree>
-      <p:nvGrpSpPr>
-        <p:cNvPr id="1" name=""/>
-        <p:cNvGrpSpPr/>
-        <p:nvPr/>
-      </p:nvGrpSpPr>
-      <p:grpSpPr>
-        <a:xfrm>
-          <a:off x="0" y="0"/>
-          <a:ext cx="0" cy="0"/>
-          <a:chOff x="0" y="0"/>
-          <a:chExt cx="0" cy="0"/>
-        </a:xfrm>
-      </p:grpSpPr>
-      <p:sp>
-        <p:nvSpPr>
-          <p:cNvPr id="4" name="Rectangle 3"/>
-          <p:cNvSpPr/>
-          <p:nvPr/>
-        </p:nvSpPr>
-        <p:spPr>
-          <a:xfrm>
-            <a:off x="9861630" y="0"/>
-            <a:ext cx="8426370" cy="10287000"/>
-          </a:xfrm>
-          <a:prstGeom prst="rect">
-            <a:avLst/>
-          </a:prstGeom>
-          <a:solidFill>
-            <a:srgbClr val="CF3338"/>
-          </a:solidFill>
-          <a:ln>
-            <a:noFill/>
-          </a:ln>
-        </p:spPr>
-        <p:style>
-          <a:lnRef idx="2">
-            <a:schemeClr val="accent1">
-              <a:shade val="50000"/>
-            </a:schemeClr>
-          </a:lnRef>
-          <a:fillRef idx="1">
-            <a:schemeClr val="accent1"/>
-          </a:fillRef>
-          <a:effectRef idx="0">
-            <a:schemeClr val="accent1"/>
-          </a:effectRef>
-          <a:fontRef idx="minor">
-            <a:schemeClr val="lt1"/>
-          </a:fontRef>
-        </p:style>
-        <p:txBody>
-          <a:bodyPr rtlCol="0" anchor="ctr"/>
-          <a:lstStyle/>
-          <a:p>
-            <a:pPr algn="ctr"/>
-            <a:endParaRPr lang="en-US" sz="2700"/>
-          </a:p>
-        </p:txBody>
-      </p:sp>
-      <p:pic>
-        <p:nvPicPr>
-          <p:cNvPr id="2" name="Picture 1"/>
-          <p:cNvPicPr>
-            <a:picLocks noChangeAspect="1"/>
-          </p:cNvPicPr>
-          <p:nvPr/>
-        </p:nvPicPr>
-        <p:blipFill rotWithShape="1">
-          <a:blip r:embed="rId3">
-            <a:extLst>
-              <a:ext uri="{28A0092B-C50C-407E-A947-70E740481C1C}">
-                <a14:useLocalDpi xmlns:a14="http://schemas.microsoft.com/office/drawing/2010/main" val="0"/>
-              </a:ext>
-            </a:extLst>
-          </a:blip>
-          <a:srcRect l="69227" t="33418" r="20112" b="50548"/>
-          <a:stretch/>
-        </p:blipFill>
-        <p:spPr>
-          <a:xfrm>
-            <a:off x="15579524" y="7544693"/>
-            <a:ext cx="2708477" cy="2987579"/>
-          </a:xfrm>
-          <a:prstGeom prst="rect">
-            <a:avLst/>
-          </a:prstGeom>
-        </p:spPr>
-      </p:pic>
-      <p:sp>
-        <p:nvSpPr>
-          <p:cNvPr id="3" name="TextBox 2"/>
-          <p:cNvSpPr txBox="1"/>
-          <p:nvPr/>
-        </p:nvSpPr>
-        <p:spPr>
-          <a:xfrm>
-            <a:off x="260431" y="329879"/>
-            <a:ext cx="8906720" cy="8950655"/>
-          </a:xfrm>
-          <a:prstGeom prst="rect">
-            <a:avLst/>
-          </a:prstGeom>
-          <a:noFill/>
-        </p:spPr>
-        <p:txBody>
-          <a:bodyPr wrap="square" rtlCol="0">
-            <a:spAutoFit/>
-          </a:bodyPr>
-          <a:lstStyle/>
-          <a:p>
-            <a:r>
-              <a:rPr lang="en-US" sz="6000" b="1" dirty="0">
-                <a:solidFill>
-                  <a:srgbClr val="CF3338"/>
-                </a:solidFill>
-                <a:latin typeface="Pragmatica" panose="020B0403040502020204" pitchFamily="34" charset="0"/>
-              </a:rPr>
-              <a:t>From “that’s hard in Excel” to “that’s easy in Python” analysis EXERCISE</a:t>
-            </a:r>
-          </a:p>
-          <a:p>
-            <a:pPr marL="142875">
-              <a:lnSpc>
-                <a:spcPct val="115000"/>
-              </a:lnSpc>
-              <a:spcBef>
-                <a:spcPts val="1125"/>
-              </a:spcBef>
-              <a:buClr>
-                <a:srgbClr val="C00000"/>
-              </a:buClr>
-              <a:buSzPts val="2100"/>
-            </a:pPr>
-            <a:endParaRPr lang="en-US" sz="3600" dirty="0">
-              <a:solidFill>
-                <a:srgbClr val="C00000"/>
-              </a:solidFill>
-              <a:latin typeface="Pragmatica" panose="020B0403040502020204"/>
-              <a:sym typeface="Consolas"/>
-            </a:endParaRPr>
-          </a:p>
-          <a:p>
-            <a:pPr marL="714375" indent="-571500">
-              <a:lnSpc>
-                <a:spcPct val="115000"/>
-              </a:lnSpc>
-              <a:spcBef>
-                <a:spcPts val="1125"/>
-              </a:spcBef>
-              <a:buClr>
-                <a:srgbClr val="C00000"/>
-              </a:buClr>
-              <a:buSzPts val="2100"/>
-              <a:buFont typeface="Arial" panose="020B0604020202020204" pitchFamily="34" charset="0"/>
-              <a:buChar char="•"/>
-            </a:pPr>
-            <a:r>
-              <a:rPr lang="en-US" sz="3600" dirty="0">
-                <a:solidFill>
-                  <a:srgbClr val="C00000"/>
-                </a:solidFill>
-                <a:latin typeface="Pragmatica" panose="020B0403040502020204"/>
-                <a:sym typeface="Consolas"/>
-              </a:rPr>
-              <a:t>Explore relationship between sales, temperature, customer count over time</a:t>
-            </a:r>
-          </a:p>
-          <a:p>
-            <a:pPr marL="714375" indent="-571500">
-              <a:lnSpc>
-                <a:spcPct val="115000"/>
-              </a:lnSpc>
-              <a:spcBef>
-                <a:spcPts val="1125"/>
-              </a:spcBef>
-              <a:buClr>
-                <a:srgbClr val="C00000"/>
-              </a:buClr>
-              <a:buSzPts val="2100"/>
-              <a:buFont typeface="Arial" panose="020B0604020202020204" pitchFamily="34" charset="0"/>
-              <a:buChar char="•"/>
-            </a:pPr>
-            <a:r>
-              <a:rPr lang="en-US" sz="3600" dirty="0">
-                <a:solidFill>
-                  <a:srgbClr val="C00000"/>
-                </a:solidFill>
-                <a:latin typeface="Pragmatica" panose="020B0403040502020204"/>
-                <a:sym typeface="Consolas"/>
-              </a:rPr>
-              <a:t>Fill in the blanks to complete the code</a:t>
-            </a:r>
-          </a:p>
-          <a:p>
-            <a:pPr marL="685800" indent="-542925">
-              <a:lnSpc>
-                <a:spcPct val="115000"/>
-              </a:lnSpc>
-              <a:spcBef>
-                <a:spcPts val="1125"/>
-              </a:spcBef>
-              <a:buClr>
-                <a:srgbClr val="C00000"/>
-              </a:buClr>
-              <a:buSzPts val="2100"/>
-              <a:buFont typeface="Arial"/>
-              <a:buAutoNum type="arabicPeriod"/>
-            </a:pPr>
-            <a:endParaRPr lang="en-US" sz="3600" dirty="0">
-              <a:solidFill>
-                <a:srgbClr val="C00000"/>
-              </a:solidFill>
-              <a:latin typeface="Pragmatica" panose="020B0403040502020204"/>
-              <a:sym typeface="Consolas"/>
-            </a:endParaRPr>
-          </a:p>
-          <a:p>
-            <a:pPr marL="142875">
-              <a:lnSpc>
-                <a:spcPct val="115000"/>
-              </a:lnSpc>
-              <a:spcBef>
-                <a:spcPts val="1125"/>
-              </a:spcBef>
-              <a:buClr>
-                <a:srgbClr val="C00000"/>
-              </a:buClr>
-              <a:buSzPts val="2100"/>
-            </a:pPr>
-            <a:r>
-              <a:rPr lang="en-US" sz="3600" dirty="0">
-                <a:solidFill>
-                  <a:srgbClr val="C00000"/>
-                </a:solidFill>
-                <a:latin typeface="Pragmatica" panose="020B0403040502020204"/>
-                <a:sym typeface="Consolas"/>
-              </a:rPr>
-              <a:t>File: </a:t>
-            </a:r>
-            <a:r>
-              <a:rPr lang="en-US" sz="3600" dirty="0">
-                <a:solidFill>
-                  <a:srgbClr val="C00000"/>
-                </a:solidFill>
-                <a:latin typeface="Consolas" panose="020B0609020204030204" pitchFamily="49" charset="0"/>
-                <a:sym typeface="Consolas"/>
-              </a:rPr>
-              <a:t>hard-excel-easy-python-analysis-exercise.xlsx</a:t>
-            </a:r>
-            <a:endParaRPr lang="en-US" sz="6000" dirty="0">
-              <a:solidFill>
-                <a:srgbClr val="CF3338"/>
-              </a:solidFill>
-              <a:latin typeface="Consolas" panose="020B0609020204030204" pitchFamily="49" charset="0"/>
-            </a:endParaRPr>
-          </a:p>
-          <a:p>
-            <a:endParaRPr lang="en-US" sz="6000" dirty="0">
-              <a:solidFill>
-                <a:srgbClr val="CF3338"/>
-              </a:solidFill>
-              <a:latin typeface="Pragmatica" panose="020B0403040502020204" pitchFamily="34" charset="0"/>
-            </a:endParaRPr>
-          </a:p>
-        </p:txBody>
-      </p:sp>
-    </p:spTree>
-    <p:extLst>
-      <p:ext uri="{BB962C8B-B14F-4D97-AF65-F5344CB8AC3E}">
-        <p14:creationId xmlns:p14="http://schemas.microsoft.com/office/powerpoint/2010/main" val="4027118445"/>
-      </p:ext>
-    </p:extLst>
-  </p:cSld>
-  <p:clrMapOvr>
-    <a:masterClrMapping/>
-  </p:clrMapOvr>
-</p:sld>
-</file>
-
-<file path=ppt/slides/slide27.xml><?xml version="1.0" encoding="utf-8"?>
-<p:sld xmlns:a="http://schemas.openxmlformats.org/drawingml/2006/main" xmlns:r="http://schemas.openxmlformats.org/officeDocument/2006/relationships" xmlns:p="http://schemas.openxmlformats.org/presentationml/2006/main">
-  <p:cSld>
-    <p:spTree>
-      <p:nvGrpSpPr>
-        <p:cNvPr id="1" name=""/>
-        <p:cNvGrpSpPr/>
-        <p:nvPr/>
-      </p:nvGrpSpPr>
-      <p:grpSpPr>
-        <a:xfrm>
-          <a:off x="0" y="0"/>
-          <a:ext cx="0" cy="0"/>
-          <a:chOff x="0" y="0"/>
-          <a:chExt cx="0" cy="0"/>
-        </a:xfrm>
-      </p:grpSpPr>
-      <p:sp>
-        <p:nvSpPr>
-          <p:cNvPr id="4" name="Rectangle 3"/>
-          <p:cNvSpPr/>
-          <p:nvPr/>
-        </p:nvSpPr>
-        <p:spPr>
-          <a:xfrm>
-            <a:off x="0" y="0"/>
-            <a:ext cx="18288000" cy="10287000"/>
-          </a:xfrm>
-          <a:prstGeom prst="rect">
-            <a:avLst/>
-          </a:prstGeom>
-          <a:solidFill>
-            <a:srgbClr val="CF3338"/>
-          </a:solidFill>
-          <a:ln>
-            <a:noFill/>
-          </a:ln>
-        </p:spPr>
-        <p:style>
-          <a:lnRef idx="2">
-            <a:schemeClr val="accent1">
-              <a:shade val="50000"/>
-            </a:schemeClr>
-          </a:lnRef>
-          <a:fillRef idx="1">
-            <a:schemeClr val="accent1"/>
-          </a:fillRef>
-          <a:effectRef idx="0">
-            <a:schemeClr val="accent1"/>
-          </a:effectRef>
-          <a:fontRef idx="minor">
-            <a:schemeClr val="lt1"/>
-          </a:fontRef>
-        </p:style>
-        <p:txBody>
-          <a:bodyPr rtlCol="0" anchor="ctr"/>
-          <a:lstStyle/>
-          <a:p>
-            <a:pPr algn="ctr"/>
-            <a:endParaRPr lang="en-US" sz="2700"/>
-          </a:p>
-        </p:txBody>
-      </p:sp>
-      <p:sp>
-        <p:nvSpPr>
-          <p:cNvPr id="5" name="TextBox 4"/>
-          <p:cNvSpPr txBox="1"/>
-          <p:nvPr/>
-        </p:nvSpPr>
-        <p:spPr>
-          <a:xfrm>
-            <a:off x="781292" y="590309"/>
-            <a:ext cx="15486926" cy="4662815"/>
-          </a:xfrm>
-          <a:prstGeom prst="rect">
-            <a:avLst/>
-          </a:prstGeom>
-          <a:noFill/>
-        </p:spPr>
-        <p:txBody>
-          <a:bodyPr wrap="square" rtlCol="0">
-            <a:spAutoFit/>
-          </a:bodyPr>
-          <a:lstStyle/>
-          <a:p>
-            <a:r>
-              <a:rPr lang="en-US" sz="9900" b="1" dirty="0">
-                <a:solidFill>
-                  <a:schemeClr val="bg1"/>
-                </a:solidFill>
-                <a:latin typeface="Normafixed Tryout" panose="00000409000000000000" pitchFamily="49" charset="0"/>
-              </a:rPr>
-              <a:t>3. There’s more to Python </a:t>
-            </a:r>
-            <a:r>
-              <a:rPr lang="en-US" sz="9900" b="1" i="1" dirty="0">
-                <a:solidFill>
-                  <a:schemeClr val="bg1"/>
-                </a:solidFill>
-                <a:latin typeface="Normafixed Tryout" panose="00000409000000000000" pitchFamily="49" charset="0"/>
-              </a:rPr>
-              <a:t>and </a:t>
-            </a:r>
-            <a:r>
-              <a:rPr lang="en-US" sz="9900" b="1" dirty="0">
-                <a:solidFill>
-                  <a:schemeClr val="bg1"/>
-                </a:solidFill>
-                <a:latin typeface="Normafixed Tryout" panose="00000409000000000000" pitchFamily="49" charset="0"/>
-              </a:rPr>
-              <a:t>Excel than Python </a:t>
-            </a:r>
-            <a:r>
-              <a:rPr lang="en-US" sz="9900" b="1" i="1" dirty="0">
-                <a:solidFill>
-                  <a:schemeClr val="bg1"/>
-                </a:solidFill>
-                <a:latin typeface="Normafixed Tryout" panose="00000409000000000000" pitchFamily="49" charset="0"/>
-              </a:rPr>
-              <a:t>in </a:t>
-            </a:r>
-            <a:r>
-              <a:rPr lang="en-US" sz="9900" b="1" dirty="0">
-                <a:solidFill>
-                  <a:schemeClr val="bg1"/>
-                </a:solidFill>
-                <a:latin typeface="Normafixed Tryout" panose="00000409000000000000" pitchFamily="49" charset="0"/>
-              </a:rPr>
-              <a:t>Excel</a:t>
-            </a:r>
-          </a:p>
-        </p:txBody>
-      </p:sp>
-    </p:spTree>
-    <p:extLst>
-      <p:ext uri="{BB962C8B-B14F-4D97-AF65-F5344CB8AC3E}">
-        <p14:creationId xmlns:p14="http://schemas.microsoft.com/office/powerpoint/2010/main" val="1915421395"/>
-      </p:ext>
-    </p:extLst>
-  </p:cSld>
-  <p:clrMapOvr>
-    <a:masterClrMapping/>
-  </p:clrMapOvr>
-</p:sld>
-</file>
-
-<file path=ppt/slides/slide28.xml><?xml version="1.0" encoding="utf-8"?>
-<p:sld xmlns:a="http://schemas.openxmlformats.org/drawingml/2006/main" xmlns:r="http://schemas.openxmlformats.org/officeDocument/2006/relationships" xmlns:p="http://schemas.openxmlformats.org/presentationml/2006/main">
-  <p:cSld>
-    <p:spTree>
-      <p:nvGrpSpPr>
-        <p:cNvPr id="1" name=""/>
-        <p:cNvGrpSpPr/>
-        <p:nvPr/>
-      </p:nvGrpSpPr>
-      <p:grpSpPr>
-        <a:xfrm>
-          <a:off x="0" y="0"/>
-          <a:ext cx="0" cy="0"/>
-          <a:chOff x="0" y="0"/>
-          <a:chExt cx="0" cy="0"/>
-        </a:xfrm>
-      </p:grpSpPr>
-      <p:sp>
-        <p:nvSpPr>
-          <p:cNvPr id="4" name="Rectangle 3"/>
-          <p:cNvSpPr/>
-          <p:nvPr/>
-        </p:nvSpPr>
-        <p:spPr>
-          <a:xfrm>
-            <a:off x="9861630" y="0"/>
-            <a:ext cx="8426370" cy="10287000"/>
-          </a:xfrm>
-          <a:prstGeom prst="rect">
-            <a:avLst/>
-          </a:prstGeom>
-          <a:solidFill>
-            <a:srgbClr val="CF3338"/>
-          </a:solidFill>
-          <a:ln>
-            <a:noFill/>
-          </a:ln>
-        </p:spPr>
-        <p:style>
-          <a:lnRef idx="2">
-            <a:schemeClr val="accent1">
-              <a:shade val="50000"/>
-            </a:schemeClr>
-          </a:lnRef>
-          <a:fillRef idx="1">
-            <a:schemeClr val="accent1"/>
-          </a:fillRef>
-          <a:effectRef idx="0">
-            <a:schemeClr val="accent1"/>
-          </a:effectRef>
-          <a:fontRef idx="minor">
-            <a:schemeClr val="lt1"/>
-          </a:fontRef>
-        </p:style>
-        <p:txBody>
-          <a:bodyPr rtlCol="0" anchor="ctr"/>
-          <a:lstStyle/>
-          <a:p>
-            <a:pPr algn="ctr"/>
-            <a:endParaRPr lang="en-US" sz="2700"/>
-          </a:p>
-        </p:txBody>
-      </p:sp>
-      <p:pic>
-        <p:nvPicPr>
-          <p:cNvPr id="2" name="Picture 1"/>
-          <p:cNvPicPr>
-            <a:picLocks noChangeAspect="1"/>
-          </p:cNvPicPr>
-          <p:nvPr/>
-        </p:nvPicPr>
-        <p:blipFill rotWithShape="1">
-          <a:blip r:embed="rId3">
-            <a:extLst>
-              <a:ext uri="{28A0092B-C50C-407E-A947-70E740481C1C}">
-                <a14:useLocalDpi xmlns:a14="http://schemas.microsoft.com/office/drawing/2010/main" val="0"/>
-              </a:ext>
-            </a:extLst>
-          </a:blip>
-          <a:srcRect l="69227" t="33418" r="20112" b="50548"/>
-          <a:stretch/>
-        </p:blipFill>
-        <p:spPr>
-          <a:xfrm>
-            <a:off x="15579524" y="7544693"/>
-            <a:ext cx="2708477" cy="2987579"/>
-          </a:xfrm>
-          <a:prstGeom prst="rect">
-            <a:avLst/>
-          </a:prstGeom>
-        </p:spPr>
-      </p:pic>
-      <p:sp>
-        <p:nvSpPr>
-          <p:cNvPr id="3" name="TextBox 2"/>
-          <p:cNvSpPr txBox="1"/>
-          <p:nvPr/>
-        </p:nvSpPr>
-        <p:spPr>
-          <a:xfrm>
-            <a:off x="260431" y="329879"/>
-            <a:ext cx="8906720" cy="9596986"/>
-          </a:xfrm>
-          <a:prstGeom prst="rect">
-            <a:avLst/>
-          </a:prstGeom>
-          <a:noFill/>
-        </p:spPr>
-        <p:txBody>
-          <a:bodyPr wrap="square" rtlCol="0">
-            <a:spAutoFit/>
-          </a:bodyPr>
-          <a:lstStyle/>
-          <a:p>
-            <a:r>
-              <a:rPr lang="en-US" sz="6000" b="1" dirty="0">
-                <a:solidFill>
-                  <a:srgbClr val="CF3338"/>
-                </a:solidFill>
-                <a:latin typeface="Pragmatica" panose="020B0403040502020204" pitchFamily="34" charset="0"/>
-              </a:rPr>
-              <a:t>There’s more to Python </a:t>
-            </a:r>
-            <a:r>
-              <a:rPr lang="en-US" sz="6000" b="1" i="1" dirty="0">
-                <a:solidFill>
-                  <a:srgbClr val="CF3338"/>
-                </a:solidFill>
-                <a:latin typeface="Pragmatica" panose="020B0403040502020204" pitchFamily="34" charset="0"/>
-              </a:rPr>
-              <a:t>and</a:t>
-            </a:r>
-            <a:r>
-              <a:rPr lang="en-US" sz="6000" b="1" dirty="0">
-                <a:solidFill>
-                  <a:srgbClr val="CF3338"/>
-                </a:solidFill>
-                <a:latin typeface="Pragmatica" panose="020B0403040502020204" pitchFamily="34" charset="0"/>
-              </a:rPr>
-              <a:t> Excel than Python </a:t>
-            </a:r>
-            <a:r>
-              <a:rPr lang="en-US" sz="6000" b="1" i="1" dirty="0">
-                <a:solidFill>
-                  <a:srgbClr val="CF3338"/>
-                </a:solidFill>
-                <a:latin typeface="Pragmatica" panose="020B0403040502020204" pitchFamily="34" charset="0"/>
-              </a:rPr>
-              <a:t>in </a:t>
-            </a:r>
-            <a:r>
-              <a:rPr lang="en-US" sz="6000" b="1" dirty="0">
-                <a:solidFill>
-                  <a:srgbClr val="CF3338"/>
-                </a:solidFill>
-                <a:latin typeface="Pragmatica" panose="020B0403040502020204" pitchFamily="34" charset="0"/>
-              </a:rPr>
-              <a:t>Excel</a:t>
-            </a:r>
-          </a:p>
-          <a:p>
-            <a:endParaRPr lang="en-US" sz="4200" dirty="0">
-              <a:solidFill>
-                <a:srgbClr val="CF3338"/>
-              </a:solidFill>
-              <a:latin typeface="Pragmatica" panose="020B0403040502020204" pitchFamily="34" charset="0"/>
-            </a:endParaRPr>
-          </a:p>
-          <a:p>
-            <a:pPr marL="685800" indent="-542925">
-              <a:lnSpc>
-                <a:spcPct val="115000"/>
-              </a:lnSpc>
-              <a:spcBef>
-                <a:spcPts val="1125"/>
-              </a:spcBef>
-              <a:buClr>
-                <a:srgbClr val="C00000"/>
-              </a:buClr>
-              <a:buSzPts val="2100"/>
-              <a:buFont typeface="Arial"/>
-              <a:buAutoNum type="arabicPeriod"/>
-            </a:pPr>
-            <a:r>
-              <a:rPr lang="en-US" sz="3600" dirty="0">
-                <a:solidFill>
-                  <a:srgbClr val="C00000"/>
-                </a:solidFill>
-                <a:latin typeface="Pragmatica" panose="020B0403040502020204"/>
-                <a:sym typeface="Consolas"/>
-              </a:rPr>
-              <a:t>Python in Excel is all about data analysis, visualization, statistics &amp; ML</a:t>
-            </a:r>
-          </a:p>
-          <a:p>
-            <a:pPr marL="685800" indent="-542925">
-              <a:lnSpc>
-                <a:spcPct val="115000"/>
-              </a:lnSpc>
-              <a:spcBef>
-                <a:spcPts val="1125"/>
-              </a:spcBef>
-              <a:buClr>
-                <a:srgbClr val="C00000"/>
-              </a:buClr>
-              <a:buSzPts val="2100"/>
-              <a:buFont typeface="Arial"/>
-              <a:buAutoNum type="arabicPeriod"/>
-            </a:pPr>
-            <a:r>
-              <a:rPr lang="en-US" sz="3600" dirty="0">
-                <a:solidFill>
-                  <a:srgbClr val="C00000"/>
-                </a:solidFill>
-                <a:latin typeface="Pragmatica" panose="020B0403040502020204"/>
-                <a:sym typeface="Consolas"/>
-              </a:rPr>
-              <a:t>It lacks Excel automation capabilities</a:t>
-            </a:r>
-          </a:p>
-          <a:p>
-            <a:pPr marL="685800" indent="-542925">
-              <a:lnSpc>
-                <a:spcPct val="115000"/>
-              </a:lnSpc>
-              <a:spcBef>
-                <a:spcPts val="1125"/>
-              </a:spcBef>
-              <a:buClr>
-                <a:srgbClr val="C00000"/>
-              </a:buClr>
-              <a:buSzPts val="2100"/>
-              <a:buFont typeface="Arial"/>
-              <a:buAutoNum type="arabicPeriod"/>
-            </a:pPr>
-            <a:r>
-              <a:rPr lang="en-US" sz="3600" dirty="0">
-                <a:solidFill>
-                  <a:srgbClr val="C00000"/>
-                </a:solidFill>
-                <a:latin typeface="Pragmatica" panose="020B0403040502020204"/>
-                <a:sym typeface="Consolas"/>
-              </a:rPr>
-              <a:t>Let’s automate an entire Excel workbook from Python… without opening Excel!</a:t>
-            </a:r>
-          </a:p>
-          <a:p>
-            <a:pPr marL="685800" indent="-542925">
-              <a:lnSpc>
-                <a:spcPct val="115000"/>
-              </a:lnSpc>
-              <a:spcBef>
-                <a:spcPts val="1125"/>
-              </a:spcBef>
-              <a:buClr>
-                <a:srgbClr val="C00000"/>
-              </a:buClr>
-              <a:buSzPts val="2100"/>
-              <a:buFont typeface="Arial"/>
-              <a:buAutoNum type="arabicPeriod"/>
-            </a:pPr>
-            <a:endParaRPr lang="en-US" sz="3600" dirty="0">
-              <a:solidFill>
-                <a:srgbClr val="C00000"/>
-              </a:solidFill>
-              <a:latin typeface="Pragmatica" panose="020B0403040502020204"/>
-              <a:sym typeface="Consolas"/>
-            </a:endParaRPr>
-          </a:p>
-          <a:p>
-            <a:pPr marL="142875">
-              <a:lnSpc>
-                <a:spcPct val="115000"/>
-              </a:lnSpc>
-              <a:spcBef>
-                <a:spcPts val="1125"/>
-              </a:spcBef>
-              <a:buClr>
-                <a:srgbClr val="C00000"/>
-              </a:buClr>
-              <a:buSzPts val="2100"/>
-            </a:pPr>
-            <a:r>
-              <a:rPr lang="en-US" sz="3600" dirty="0">
-                <a:solidFill>
-                  <a:srgbClr val="C00000"/>
-                </a:solidFill>
-                <a:latin typeface="Pragmatica" panose="020B0403040502020204"/>
-                <a:sym typeface="Consolas"/>
-              </a:rPr>
-              <a:t>File: </a:t>
-            </a:r>
-            <a:r>
               <a:rPr lang="en-US" sz="3600" dirty="0" err="1">
                 <a:solidFill>
                   <a:srgbClr val="C00000"/>
@@ -11992,345 +11891,6 @@
     <p:extLst>
       <p:ext uri="{BB962C8B-B14F-4D97-AF65-F5344CB8AC3E}">
         <p14:creationId xmlns:p14="http://schemas.microsoft.com/office/powerpoint/2010/main" val="2938274525"/>
-      </p:ext>
-    </p:extLst>
-  </p:cSld>
-  <p:clrMapOvr>
-    <a:masterClrMapping/>
-  </p:clrMapOvr>
-</p:sld>
-</file>
-
-<file path=ppt/slides/slide29.xml><?xml version="1.0" encoding="utf-8"?>
-<p:sld xmlns:a="http://schemas.openxmlformats.org/drawingml/2006/main" xmlns:r="http://schemas.openxmlformats.org/officeDocument/2006/relationships" xmlns:p="http://schemas.openxmlformats.org/presentationml/2006/main">
-  <p:cSld>
-    <p:spTree>
-      <p:nvGrpSpPr>
-        <p:cNvPr id="1" name=""/>
-        <p:cNvGrpSpPr/>
-        <p:nvPr/>
-      </p:nvGrpSpPr>
-      <p:grpSpPr>
-        <a:xfrm>
-          <a:off x="0" y="0"/>
-          <a:ext cx="0" cy="0"/>
-          <a:chOff x="0" y="0"/>
-          <a:chExt cx="0" cy="0"/>
-        </a:xfrm>
-      </p:grpSpPr>
-      <p:sp>
-        <p:nvSpPr>
-          <p:cNvPr id="4" name="Rectangle 3"/>
-          <p:cNvSpPr/>
-          <p:nvPr/>
-        </p:nvSpPr>
-        <p:spPr>
-          <a:xfrm>
-            <a:off x="9861630" y="0"/>
-            <a:ext cx="8426370" cy="10287000"/>
-          </a:xfrm>
-          <a:prstGeom prst="rect">
-            <a:avLst/>
-          </a:prstGeom>
-          <a:solidFill>
-            <a:srgbClr val="CF3338"/>
-          </a:solidFill>
-          <a:ln>
-            <a:noFill/>
-          </a:ln>
-        </p:spPr>
-        <p:style>
-          <a:lnRef idx="2">
-            <a:schemeClr val="accent1">
-              <a:shade val="50000"/>
-            </a:schemeClr>
-          </a:lnRef>
-          <a:fillRef idx="1">
-            <a:schemeClr val="accent1"/>
-          </a:fillRef>
-          <a:effectRef idx="0">
-            <a:schemeClr val="accent1"/>
-          </a:effectRef>
-          <a:fontRef idx="minor">
-            <a:schemeClr val="lt1"/>
-          </a:fontRef>
-        </p:style>
-        <p:txBody>
-          <a:bodyPr rtlCol="0" anchor="ctr"/>
-          <a:lstStyle/>
-          <a:p>
-            <a:pPr algn="ctr"/>
-            <a:endParaRPr lang="en-US" sz="2700"/>
-          </a:p>
-        </p:txBody>
-      </p:sp>
-      <p:pic>
-        <p:nvPicPr>
-          <p:cNvPr id="2" name="Picture 1"/>
-          <p:cNvPicPr>
-            <a:picLocks noChangeAspect="1"/>
-          </p:cNvPicPr>
-          <p:nvPr/>
-        </p:nvPicPr>
-        <p:blipFill rotWithShape="1">
-          <a:blip r:embed="rId3">
-            <a:extLst>
-              <a:ext uri="{28A0092B-C50C-407E-A947-70E740481C1C}">
-                <a14:useLocalDpi xmlns:a14="http://schemas.microsoft.com/office/drawing/2010/main" val="0"/>
-              </a:ext>
-            </a:extLst>
-          </a:blip>
-          <a:srcRect l="69227" t="33418" r="20112" b="50548"/>
-          <a:stretch/>
-        </p:blipFill>
-        <p:spPr>
-          <a:xfrm>
-            <a:off x="15579524" y="7544693"/>
-            <a:ext cx="2708477" cy="2987579"/>
-          </a:xfrm>
-          <a:prstGeom prst="rect">
-            <a:avLst/>
-          </a:prstGeom>
-        </p:spPr>
-      </p:pic>
-      <p:sp>
-        <p:nvSpPr>
-          <p:cNvPr id="3" name="TextBox 2"/>
-          <p:cNvSpPr txBox="1"/>
-          <p:nvPr/>
-        </p:nvSpPr>
-        <p:spPr>
-          <a:xfrm>
-            <a:off x="260431" y="329879"/>
-            <a:ext cx="8906720" cy="8313558"/>
-          </a:xfrm>
-          <a:prstGeom prst="rect">
-            <a:avLst/>
-          </a:prstGeom>
-          <a:noFill/>
-        </p:spPr>
-        <p:txBody>
-          <a:bodyPr wrap="square" rtlCol="0">
-            <a:spAutoFit/>
-          </a:bodyPr>
-          <a:lstStyle/>
-          <a:p>
-            <a:r>
-              <a:rPr lang="en-US" sz="6000" b="1" dirty="0">
-                <a:solidFill>
-                  <a:srgbClr val="CF3338"/>
-                </a:solidFill>
-                <a:latin typeface="Pragmatica" panose="020B0403040502020204" pitchFamily="34" charset="0"/>
-              </a:rPr>
-              <a:t>There’s more to Python </a:t>
-            </a:r>
-            <a:r>
-              <a:rPr lang="en-US" sz="6000" b="1" i="1" dirty="0">
-                <a:solidFill>
-                  <a:srgbClr val="CF3338"/>
-                </a:solidFill>
-                <a:latin typeface="Pragmatica" panose="020B0403040502020204" pitchFamily="34" charset="0"/>
-              </a:rPr>
-              <a:t>and</a:t>
-            </a:r>
-            <a:r>
-              <a:rPr lang="en-US" sz="6000" b="1" dirty="0">
-                <a:solidFill>
-                  <a:srgbClr val="CF3338"/>
-                </a:solidFill>
-                <a:latin typeface="Pragmatica" panose="020B0403040502020204" pitchFamily="34" charset="0"/>
-              </a:rPr>
-              <a:t> Excel than Python </a:t>
-            </a:r>
-            <a:r>
-              <a:rPr lang="en-US" sz="6000" b="1" i="1" dirty="0">
-                <a:solidFill>
-                  <a:srgbClr val="CF3338"/>
-                </a:solidFill>
-                <a:latin typeface="Pragmatica" panose="020B0403040502020204" pitchFamily="34" charset="0"/>
-              </a:rPr>
-              <a:t>in </a:t>
-            </a:r>
-            <a:r>
-              <a:rPr lang="en-US" sz="6000" b="1" dirty="0">
-                <a:solidFill>
-                  <a:srgbClr val="CF3338"/>
-                </a:solidFill>
-                <a:latin typeface="Pragmatica" panose="020B0403040502020204" pitchFamily="34" charset="0"/>
-              </a:rPr>
-              <a:t>Excel EXERCISE</a:t>
-            </a:r>
-          </a:p>
-          <a:p>
-            <a:pPr marL="142875">
-              <a:lnSpc>
-                <a:spcPct val="115000"/>
-              </a:lnSpc>
-              <a:spcBef>
-                <a:spcPts val="1125"/>
-              </a:spcBef>
-              <a:buClr>
-                <a:srgbClr val="C00000"/>
-              </a:buClr>
-              <a:buSzPts val="2100"/>
-            </a:pPr>
-            <a:endParaRPr lang="en-US" sz="3600" dirty="0">
-              <a:solidFill>
-                <a:srgbClr val="C00000"/>
-              </a:solidFill>
-              <a:latin typeface="Pragmatica" panose="020B0403040502020204"/>
-              <a:sym typeface="Consolas"/>
-            </a:endParaRPr>
-          </a:p>
-          <a:p>
-            <a:pPr marL="714375" indent="-571500">
-              <a:lnSpc>
-                <a:spcPct val="115000"/>
-              </a:lnSpc>
-              <a:spcBef>
-                <a:spcPts val="1125"/>
-              </a:spcBef>
-              <a:buClr>
-                <a:srgbClr val="C00000"/>
-              </a:buClr>
-              <a:buSzPts val="2100"/>
-              <a:buFont typeface="Arial" panose="020B0604020202020204" pitchFamily="34" charset="0"/>
-              <a:buChar char="•"/>
-            </a:pPr>
-            <a:r>
-              <a:rPr lang="en-US" sz="3600" dirty="0">
-                <a:solidFill>
-                  <a:srgbClr val="C00000"/>
-                </a:solidFill>
-                <a:latin typeface="Pragmatica" panose="020B0403040502020204"/>
-                <a:sym typeface="Consolas"/>
-              </a:rPr>
-              <a:t>Automate production of a workbook comparing website visitors versus rating</a:t>
-            </a:r>
-          </a:p>
-          <a:p>
-            <a:pPr marL="714375" indent="-571500">
-              <a:lnSpc>
-                <a:spcPct val="115000"/>
-              </a:lnSpc>
-              <a:spcBef>
-                <a:spcPts val="1125"/>
-              </a:spcBef>
-              <a:buClr>
-                <a:srgbClr val="C00000"/>
-              </a:buClr>
-              <a:buSzPts val="2100"/>
-              <a:buFont typeface="Arial" panose="020B0604020202020204" pitchFamily="34" charset="0"/>
-              <a:buChar char="•"/>
-            </a:pPr>
-            <a:r>
-              <a:rPr lang="en-US" sz="3600" dirty="0">
-                <a:solidFill>
-                  <a:srgbClr val="C00000"/>
-                </a:solidFill>
-                <a:latin typeface="Pragmatica" panose="020B0403040502020204"/>
-                <a:sym typeface="Consolas"/>
-              </a:rPr>
-              <a:t>Fill in the blanks to create the script</a:t>
-            </a:r>
-          </a:p>
-          <a:p>
-            <a:pPr marL="685800" indent="-542925">
-              <a:lnSpc>
-                <a:spcPct val="115000"/>
-              </a:lnSpc>
-              <a:spcBef>
-                <a:spcPts val="1125"/>
-              </a:spcBef>
-              <a:buClr>
-                <a:srgbClr val="C00000"/>
-              </a:buClr>
-              <a:buSzPts val="2100"/>
-              <a:buFont typeface="Arial"/>
-              <a:buAutoNum type="arabicPeriod"/>
-            </a:pPr>
-            <a:endParaRPr lang="en-US" sz="3600" dirty="0">
-              <a:solidFill>
-                <a:srgbClr val="C00000"/>
-              </a:solidFill>
-              <a:latin typeface="Pragmatica" panose="020B0403040502020204"/>
-              <a:sym typeface="Consolas"/>
-            </a:endParaRPr>
-          </a:p>
-          <a:p>
-            <a:pPr marL="142875">
-              <a:lnSpc>
-                <a:spcPct val="115000"/>
-              </a:lnSpc>
-              <a:spcBef>
-                <a:spcPts val="1125"/>
-              </a:spcBef>
-              <a:buClr>
-                <a:srgbClr val="C00000"/>
-              </a:buClr>
-              <a:buSzPts val="2100"/>
-            </a:pPr>
-            <a:r>
-              <a:rPr lang="en-US" sz="3600" dirty="0">
-                <a:solidFill>
-                  <a:srgbClr val="C00000"/>
-                </a:solidFill>
-                <a:latin typeface="Pragmatica" panose="020B0403040502020204"/>
-                <a:sym typeface="Consolas"/>
-              </a:rPr>
-              <a:t>File: </a:t>
-            </a:r>
-            <a:r>
-              <a:rPr lang="en-US" sz="3600" dirty="0" err="1">
-                <a:solidFill>
-                  <a:srgbClr val="C00000"/>
-                </a:solidFill>
-                <a:latin typeface="Consolas" panose="020B0609020204030204" pitchFamily="49" charset="0"/>
-                <a:sym typeface="Consolas"/>
-              </a:rPr>
-              <a:t>pae</a:t>
-            </a:r>
-            <a:r>
-              <a:rPr lang="en-US" sz="3600" dirty="0">
-                <a:solidFill>
-                  <a:srgbClr val="C00000"/>
-                </a:solidFill>
-                <a:latin typeface="Consolas" panose="020B0609020204030204" pitchFamily="49" charset="0"/>
-                <a:sym typeface="Consolas"/>
-              </a:rPr>
-              <a:t>-pie-</a:t>
-            </a:r>
-            <a:r>
-              <a:rPr lang="en-US" sz="3600" dirty="0" err="1">
-                <a:solidFill>
-                  <a:srgbClr val="C00000"/>
-                </a:solidFill>
-                <a:latin typeface="Consolas" panose="020B0609020204030204" pitchFamily="49" charset="0"/>
-                <a:sym typeface="Consolas"/>
-              </a:rPr>
-              <a:t>exercise.ipynb</a:t>
-            </a:r>
-            <a:endParaRPr lang="en-US" sz="6000" dirty="0">
-              <a:solidFill>
-                <a:srgbClr val="CF3338"/>
-              </a:solidFill>
-              <a:latin typeface="Consolas" panose="020B0609020204030204" pitchFamily="49" charset="0"/>
-            </a:endParaRPr>
-          </a:p>
-          <a:p>
-            <a:endParaRPr lang="en-US" sz="6000" dirty="0">
-              <a:solidFill>
-                <a:srgbClr val="CF3338"/>
-              </a:solidFill>
-              <a:latin typeface="Pragmatica" panose="020B0403040502020204" pitchFamily="34" charset="0"/>
-            </a:endParaRPr>
-          </a:p>
-        </p:txBody>
-      </p:sp>
-    </p:spTree>
-    <p:extLst>
-      <p:ext uri="{BB962C8B-B14F-4D97-AF65-F5344CB8AC3E}">
-        <p14:creationId xmlns:p14="http://schemas.microsoft.com/office/powerpoint/2010/main" val="2531284725"/>
       </p:ext>
     </p:extLst>
   </p:cSld>
@@ -12546,9 +12106,7 @@
             <a:avLst/>
           </a:prstGeom>
           <a:solidFill>
-            <a:schemeClr val="bg1">
-              <a:lumMod val="50000"/>
-            </a:schemeClr>
+            <a:srgbClr val="CF3338"/>
           </a:solidFill>
           <a:ln>
             <a:noFill/>
@@ -12575,7 +12133,7 @@
           <a:lstStyle/>
           <a:p>
             <a:pPr algn="ctr"/>
-            <a:endParaRPr lang="en-US" sz="2700" dirty="0"/>
+            <a:endParaRPr lang="en-US" sz="2700"/>
           </a:p>
         </p:txBody>
       </p:sp>
@@ -12617,6 +12175,505 @@
         <p:spPr>
           <a:xfrm>
             <a:off x="260431" y="329879"/>
+            <a:ext cx="8906720" cy="8313558"/>
+          </a:xfrm>
+          <a:prstGeom prst="rect">
+            <a:avLst/>
+          </a:prstGeom>
+          <a:noFill/>
+        </p:spPr>
+        <p:txBody>
+          <a:bodyPr wrap="square" rtlCol="0">
+            <a:spAutoFit/>
+          </a:bodyPr>
+          <a:lstStyle/>
+          <a:p>
+            <a:r>
+              <a:rPr lang="en-US" sz="6000" b="1" dirty="0">
+                <a:solidFill>
+                  <a:srgbClr val="CF3338"/>
+                </a:solidFill>
+                <a:latin typeface="Pragmatica" panose="020B0403040502020204" pitchFamily="34" charset="0"/>
+              </a:rPr>
+              <a:t>There’s more to Python </a:t>
+            </a:r>
+            <a:r>
+              <a:rPr lang="en-US" sz="6000" b="1" i="1" dirty="0">
+                <a:solidFill>
+                  <a:srgbClr val="CF3338"/>
+                </a:solidFill>
+                <a:latin typeface="Pragmatica" panose="020B0403040502020204" pitchFamily="34" charset="0"/>
+              </a:rPr>
+              <a:t>and</a:t>
+            </a:r>
+            <a:r>
+              <a:rPr lang="en-US" sz="6000" b="1" dirty="0">
+                <a:solidFill>
+                  <a:srgbClr val="CF3338"/>
+                </a:solidFill>
+                <a:latin typeface="Pragmatica" panose="020B0403040502020204" pitchFamily="34" charset="0"/>
+              </a:rPr>
+              <a:t> Excel than Python </a:t>
+            </a:r>
+            <a:r>
+              <a:rPr lang="en-US" sz="6000" b="1" i="1" dirty="0">
+                <a:solidFill>
+                  <a:srgbClr val="CF3338"/>
+                </a:solidFill>
+                <a:latin typeface="Pragmatica" panose="020B0403040502020204" pitchFamily="34" charset="0"/>
+              </a:rPr>
+              <a:t>in </a:t>
+            </a:r>
+            <a:r>
+              <a:rPr lang="en-US" sz="6000" b="1" dirty="0">
+                <a:solidFill>
+                  <a:srgbClr val="CF3338"/>
+                </a:solidFill>
+                <a:latin typeface="Pragmatica" panose="020B0403040502020204" pitchFamily="34" charset="0"/>
+              </a:rPr>
+              <a:t>Excel EXERCISE</a:t>
+            </a:r>
+          </a:p>
+          <a:p>
+            <a:pPr marL="142875">
+              <a:lnSpc>
+                <a:spcPct val="115000"/>
+              </a:lnSpc>
+              <a:spcBef>
+                <a:spcPts val="1125"/>
+              </a:spcBef>
+              <a:buClr>
+                <a:srgbClr val="C00000"/>
+              </a:buClr>
+              <a:buSzPts val="2100"/>
+            </a:pPr>
+            <a:endParaRPr lang="en-US" sz="3600" dirty="0">
+              <a:solidFill>
+                <a:srgbClr val="C00000"/>
+              </a:solidFill>
+              <a:latin typeface="Pragmatica" panose="020B0403040502020204"/>
+              <a:sym typeface="Consolas"/>
+            </a:endParaRPr>
+          </a:p>
+          <a:p>
+            <a:pPr marL="714375" indent="-571500">
+              <a:lnSpc>
+                <a:spcPct val="115000"/>
+              </a:lnSpc>
+              <a:spcBef>
+                <a:spcPts val="1125"/>
+              </a:spcBef>
+              <a:buClr>
+                <a:srgbClr val="C00000"/>
+              </a:buClr>
+              <a:buSzPts val="2100"/>
+              <a:buFont typeface="Arial" panose="020B0604020202020204" pitchFamily="34" charset="0"/>
+              <a:buChar char="•"/>
+            </a:pPr>
+            <a:r>
+              <a:rPr lang="en-US" sz="3600" dirty="0">
+                <a:solidFill>
+                  <a:srgbClr val="C00000"/>
+                </a:solidFill>
+                <a:latin typeface="Pragmatica" panose="020B0403040502020204"/>
+                <a:sym typeface="Consolas"/>
+              </a:rPr>
+              <a:t>Automate production of a workbook comparing website visitors versus rating</a:t>
+            </a:r>
+          </a:p>
+          <a:p>
+            <a:pPr marL="714375" indent="-571500">
+              <a:lnSpc>
+                <a:spcPct val="115000"/>
+              </a:lnSpc>
+              <a:spcBef>
+                <a:spcPts val="1125"/>
+              </a:spcBef>
+              <a:buClr>
+                <a:srgbClr val="C00000"/>
+              </a:buClr>
+              <a:buSzPts val="2100"/>
+              <a:buFont typeface="Arial" panose="020B0604020202020204" pitchFamily="34" charset="0"/>
+              <a:buChar char="•"/>
+            </a:pPr>
+            <a:r>
+              <a:rPr lang="en-US" sz="3600" dirty="0">
+                <a:solidFill>
+                  <a:srgbClr val="C00000"/>
+                </a:solidFill>
+                <a:latin typeface="Pragmatica" panose="020B0403040502020204"/>
+                <a:sym typeface="Consolas"/>
+              </a:rPr>
+              <a:t>Fill in the blanks to create the script</a:t>
+            </a:r>
+          </a:p>
+          <a:p>
+            <a:pPr marL="685800" indent="-542925">
+              <a:lnSpc>
+                <a:spcPct val="115000"/>
+              </a:lnSpc>
+              <a:spcBef>
+                <a:spcPts val="1125"/>
+              </a:spcBef>
+              <a:buClr>
+                <a:srgbClr val="C00000"/>
+              </a:buClr>
+              <a:buSzPts val="2100"/>
+              <a:buFont typeface="Arial"/>
+              <a:buAutoNum type="arabicPeriod"/>
+            </a:pPr>
+            <a:endParaRPr lang="en-US" sz="3600" dirty="0">
+              <a:solidFill>
+                <a:srgbClr val="C00000"/>
+              </a:solidFill>
+              <a:latin typeface="Pragmatica" panose="020B0403040502020204"/>
+              <a:sym typeface="Consolas"/>
+            </a:endParaRPr>
+          </a:p>
+          <a:p>
+            <a:pPr marL="142875">
+              <a:lnSpc>
+                <a:spcPct val="115000"/>
+              </a:lnSpc>
+              <a:spcBef>
+                <a:spcPts val="1125"/>
+              </a:spcBef>
+              <a:buClr>
+                <a:srgbClr val="C00000"/>
+              </a:buClr>
+              <a:buSzPts val="2100"/>
+            </a:pPr>
+            <a:r>
+              <a:rPr lang="en-US" sz="3600" dirty="0">
+                <a:solidFill>
+                  <a:srgbClr val="C00000"/>
+                </a:solidFill>
+                <a:latin typeface="Pragmatica" panose="020B0403040502020204"/>
+                <a:sym typeface="Consolas"/>
+              </a:rPr>
+              <a:t>File: </a:t>
+            </a:r>
+            <a:r>
+              <a:rPr lang="en-US" sz="3600" dirty="0" err="1">
+                <a:solidFill>
+                  <a:srgbClr val="C00000"/>
+                </a:solidFill>
+                <a:latin typeface="Consolas" panose="020B0609020204030204" pitchFamily="49" charset="0"/>
+                <a:sym typeface="Consolas"/>
+              </a:rPr>
+              <a:t>pae</a:t>
+            </a:r>
+            <a:r>
+              <a:rPr lang="en-US" sz="3600" dirty="0">
+                <a:solidFill>
+                  <a:srgbClr val="C00000"/>
+                </a:solidFill>
+                <a:latin typeface="Consolas" panose="020B0609020204030204" pitchFamily="49" charset="0"/>
+                <a:sym typeface="Consolas"/>
+              </a:rPr>
+              <a:t>-pie-</a:t>
+            </a:r>
+            <a:r>
+              <a:rPr lang="en-US" sz="3600" dirty="0" err="1">
+                <a:solidFill>
+                  <a:srgbClr val="C00000"/>
+                </a:solidFill>
+                <a:latin typeface="Consolas" panose="020B0609020204030204" pitchFamily="49" charset="0"/>
+                <a:sym typeface="Consolas"/>
+              </a:rPr>
+              <a:t>exercise.ipynb</a:t>
+            </a:r>
+            <a:endParaRPr lang="en-US" sz="6000" dirty="0">
+              <a:solidFill>
+                <a:srgbClr val="CF3338"/>
+              </a:solidFill>
+              <a:latin typeface="Consolas" panose="020B0609020204030204" pitchFamily="49" charset="0"/>
+            </a:endParaRPr>
+          </a:p>
+          <a:p>
+            <a:endParaRPr lang="en-US" sz="6000" dirty="0">
+              <a:solidFill>
+                <a:srgbClr val="CF3338"/>
+              </a:solidFill>
+              <a:latin typeface="Pragmatica" panose="020B0403040502020204" pitchFamily="34" charset="0"/>
+            </a:endParaRPr>
+          </a:p>
+        </p:txBody>
+      </p:sp>
+    </p:spTree>
+    <p:extLst>
+      <p:ext uri="{BB962C8B-B14F-4D97-AF65-F5344CB8AC3E}">
+        <p14:creationId xmlns:p14="http://schemas.microsoft.com/office/powerpoint/2010/main" val="2531284725"/>
+      </p:ext>
+    </p:extLst>
+  </p:cSld>
+  <p:clrMapOvr>
+    <a:masterClrMapping/>
+  </p:clrMapOvr>
+</p:sld>
+</file>
+
+<file path=ppt/slides/slide31.xml><?xml version="1.0" encoding="utf-8"?>
+<p:sld xmlns:a="http://schemas.openxmlformats.org/drawingml/2006/main" xmlns:r="http://schemas.openxmlformats.org/officeDocument/2006/relationships" xmlns:p="http://schemas.openxmlformats.org/presentationml/2006/main">
+  <p:cSld>
+    <p:spTree>
+      <p:nvGrpSpPr>
+        <p:cNvPr id="1" name=""/>
+        <p:cNvGrpSpPr/>
+        <p:nvPr/>
+      </p:nvGrpSpPr>
+      <p:grpSpPr>
+        <a:xfrm>
+          <a:off x="0" y="0"/>
+          <a:ext cx="0" cy="0"/>
+          <a:chOff x="0" y="0"/>
+          <a:chExt cx="0" cy="0"/>
+        </a:xfrm>
+      </p:grpSpPr>
+      <p:pic>
+        <p:nvPicPr>
+          <p:cNvPr id="10" name="Picture 9"/>
+          <p:cNvPicPr>
+            <a:picLocks noChangeAspect="1"/>
+          </p:cNvPicPr>
+          <p:nvPr/>
+        </p:nvPicPr>
+        <p:blipFill rotWithShape="1">
+          <a:blip r:embed="rId2">
+            <a:extLst>
+              <a:ext uri="{28A0092B-C50C-407E-A947-70E740481C1C}">
+                <a14:useLocalDpi xmlns:a14="http://schemas.microsoft.com/office/drawing/2010/main" val="0"/>
+              </a:ext>
+            </a:extLst>
+          </a:blip>
+          <a:srcRect l="50728" t="56371"/>
+          <a:stretch/>
+        </p:blipFill>
+        <p:spPr>
+          <a:xfrm>
+            <a:off x="12204691" y="3316148"/>
+            <a:ext cx="6083309" cy="6970854"/>
+          </a:xfrm>
+          <a:prstGeom prst="rect">
+            <a:avLst/>
+          </a:prstGeom>
+        </p:spPr>
+      </p:pic>
+      <p:pic>
+        <p:nvPicPr>
+          <p:cNvPr id="4" name="Picture 3"/>
+          <p:cNvPicPr>
+            <a:picLocks noChangeAspect="1"/>
+          </p:cNvPicPr>
+          <p:nvPr/>
+        </p:nvPicPr>
+        <p:blipFill>
+          <a:blip r:embed="rId3">
+            <a:extLst>
+              <a:ext uri="{28A0092B-C50C-407E-A947-70E740481C1C}">
+                <a14:useLocalDpi xmlns:a14="http://schemas.microsoft.com/office/drawing/2010/main" val="0"/>
+              </a:ext>
+            </a:extLst>
+          </a:blip>
+          <a:stretch>
+            <a:fillRect/>
+          </a:stretch>
+        </p:blipFill>
+        <p:spPr>
+          <a:xfrm>
+            <a:off x="-807744" y="-3724155"/>
+            <a:ext cx="15257208" cy="11189825"/>
+          </a:xfrm>
+          <a:prstGeom prst="rect">
+            <a:avLst/>
+          </a:prstGeom>
+        </p:spPr>
+      </p:pic>
+      <p:sp>
+        <p:nvSpPr>
+          <p:cNvPr id="11" name="TextBox 10"/>
+          <p:cNvSpPr txBox="1"/>
+          <p:nvPr/>
+        </p:nvSpPr>
+        <p:spPr>
+          <a:xfrm>
+            <a:off x="486137" y="2531318"/>
+            <a:ext cx="11979797" cy="923330"/>
+          </a:xfrm>
+          <a:prstGeom prst="rect">
+            <a:avLst/>
+          </a:prstGeom>
+          <a:noFill/>
+        </p:spPr>
+        <p:txBody>
+          <a:bodyPr wrap="square" rtlCol="0">
+            <a:spAutoFit/>
+          </a:bodyPr>
+          <a:lstStyle/>
+          <a:p>
+            <a:r>
+              <a:rPr lang="en-US" sz="5400" b="1" dirty="0">
+                <a:solidFill>
+                  <a:srgbClr val="CF3338"/>
+                </a:solidFill>
+                <a:latin typeface="Pragmatica" panose="020B0403040502020204" pitchFamily="34" charset="0"/>
+              </a:rPr>
+              <a:t>Questions?</a:t>
+            </a:r>
+          </a:p>
+        </p:txBody>
+      </p:sp>
+      <p:pic>
+        <p:nvPicPr>
+          <p:cNvPr id="5" name="Picture 4">
+            <a:extLst>
+              <a:ext uri="{FF2B5EF4-FFF2-40B4-BE49-F238E27FC236}">
+                <a16:creationId xmlns:a16="http://schemas.microsoft.com/office/drawing/2014/main" id="{54A06221-5316-4BCF-9FDA-BDB95FF4A778}"/>
+              </a:ext>
+            </a:extLst>
+          </p:cNvPr>
+          <p:cNvPicPr>
+            <a:picLocks noChangeAspect="1"/>
+          </p:cNvPicPr>
+          <p:nvPr/>
+        </p:nvPicPr>
+        <p:blipFill>
+          <a:blip r:embed="rId4">
+            <a:extLst>
+              <a:ext uri="{28A0092B-C50C-407E-A947-70E740481C1C}">
+                <a14:useLocalDpi xmlns:a14="http://schemas.microsoft.com/office/drawing/2010/main" val="0"/>
+              </a:ext>
+            </a:extLst>
+          </a:blip>
+          <a:srcRect/>
+          <a:stretch/>
+        </p:blipFill>
+        <p:spPr>
+          <a:xfrm>
+            <a:off x="12204691" y="3317239"/>
+            <a:ext cx="6083309" cy="6968672"/>
+          </a:xfrm>
+          <a:prstGeom prst="rect">
+            <a:avLst/>
+          </a:prstGeom>
+        </p:spPr>
+      </p:pic>
+    </p:spTree>
+    <p:extLst>
+      <p:ext uri="{BB962C8B-B14F-4D97-AF65-F5344CB8AC3E}">
+        <p14:creationId xmlns:p14="http://schemas.microsoft.com/office/powerpoint/2010/main" val="59831101"/>
+      </p:ext>
+    </p:extLst>
+  </p:cSld>
+  <p:clrMapOvr>
+    <a:masterClrMapping/>
+  </p:clrMapOvr>
+</p:sld>
+</file>
+
+<file path=ppt/slides/slide32.xml><?xml version="1.0" encoding="utf-8"?>
+<p:sld xmlns:a="http://schemas.openxmlformats.org/drawingml/2006/main" xmlns:r="http://schemas.openxmlformats.org/officeDocument/2006/relationships" xmlns:p="http://schemas.openxmlformats.org/presentationml/2006/main">
+  <p:cSld>
+    <p:spTree>
+      <p:nvGrpSpPr>
+        <p:cNvPr id="1" name=""/>
+        <p:cNvGrpSpPr/>
+        <p:nvPr/>
+      </p:nvGrpSpPr>
+      <p:grpSpPr>
+        <a:xfrm>
+          <a:off x="0" y="0"/>
+          <a:ext cx="0" cy="0"/>
+          <a:chOff x="0" y="0"/>
+          <a:chExt cx="0" cy="0"/>
+        </a:xfrm>
+      </p:grpSpPr>
+      <p:sp>
+        <p:nvSpPr>
+          <p:cNvPr id="4" name="Rectangle 3"/>
+          <p:cNvSpPr/>
+          <p:nvPr/>
+        </p:nvSpPr>
+        <p:spPr>
+          <a:xfrm>
+            <a:off x="9861630" y="0"/>
+            <a:ext cx="8426370" cy="10287000"/>
+          </a:xfrm>
+          <a:prstGeom prst="rect">
+            <a:avLst/>
+          </a:prstGeom>
+          <a:solidFill>
+            <a:schemeClr val="bg1">
+              <a:lumMod val="50000"/>
+            </a:schemeClr>
+          </a:solidFill>
+          <a:ln>
+            <a:noFill/>
+          </a:ln>
+        </p:spPr>
+        <p:style>
+          <a:lnRef idx="2">
+            <a:schemeClr val="accent1">
+              <a:shade val="50000"/>
+            </a:schemeClr>
+          </a:lnRef>
+          <a:fillRef idx="1">
+            <a:schemeClr val="accent1"/>
+          </a:fillRef>
+          <a:effectRef idx="0">
+            <a:schemeClr val="accent1"/>
+          </a:effectRef>
+          <a:fontRef idx="minor">
+            <a:schemeClr val="lt1"/>
+          </a:fontRef>
+        </p:style>
+        <p:txBody>
+          <a:bodyPr rtlCol="0" anchor="ctr"/>
+          <a:lstStyle/>
+          <a:p>
+            <a:pPr algn="ctr"/>
+            <a:endParaRPr lang="en-US" sz="2700" dirty="0"/>
+          </a:p>
+        </p:txBody>
+      </p:sp>
+      <p:pic>
+        <p:nvPicPr>
+          <p:cNvPr id="2" name="Picture 1"/>
+          <p:cNvPicPr>
+            <a:picLocks noChangeAspect="1"/>
+          </p:cNvPicPr>
+          <p:nvPr/>
+        </p:nvPicPr>
+        <p:blipFill rotWithShape="1">
+          <a:blip r:embed="rId3">
+            <a:extLst>
+              <a:ext uri="{28A0092B-C50C-407E-A947-70E740481C1C}">
+                <a14:useLocalDpi xmlns:a14="http://schemas.microsoft.com/office/drawing/2010/main" val="0"/>
+              </a:ext>
+            </a:extLst>
+          </a:blip>
+          <a:srcRect l="69227" t="33418" r="20112" b="50548"/>
+          <a:stretch/>
+        </p:blipFill>
+        <p:spPr>
+          <a:xfrm>
+            <a:off x="15579524" y="7544693"/>
+            <a:ext cx="2708477" cy="2987579"/>
+          </a:xfrm>
+          <a:prstGeom prst="rect">
+            <a:avLst/>
+          </a:prstGeom>
+        </p:spPr>
+      </p:pic>
+      <p:sp>
+        <p:nvSpPr>
+          <p:cNvPr id="3" name="TextBox 2"/>
+          <p:cNvSpPr txBox="1"/>
+          <p:nvPr/>
+        </p:nvSpPr>
+        <p:spPr>
+          <a:xfrm>
+            <a:off x="260431" y="329879"/>
             <a:ext cx="8906720" cy="5870390"/>
           </a:xfrm>
           <a:prstGeom prst="rect">
@@ -12740,7 +12797,7 @@
 </p:sld>
 </file>
 
-<file path=ppt/slides/slide31.xml><?xml version="1.0" encoding="utf-8"?>
+<file path=ppt/slides/slide33.xml><?xml version="1.0" encoding="utf-8"?>
 <p:sld xmlns:a="http://schemas.openxmlformats.org/drawingml/2006/main" xmlns:r="http://schemas.openxmlformats.org/officeDocument/2006/relationships" xmlns:p="http://schemas.openxmlformats.org/presentationml/2006/main">
   <p:cSld>
     <p:spTree>
@@ -13534,7 +13591,7 @@
                 </a:solidFill>
                 <a:latin typeface="Pragmatica" panose="020B0403040502020204" pitchFamily="34" charset="0"/>
               </a:rPr>
-              <a:t>AI-driven data manipulation</a:t>
+              <a:t>AI-powered data manipulation</a:t>
             </a:r>
           </a:p>
           <a:p>
@@ -13703,7 +13760,7 @@
                 <a:latin typeface="Consolas" panose="020B0609020204030204" pitchFamily="49" charset="0"/>
                 <a:sym typeface="Consolas"/>
               </a:rPr>
-              <a:t>ai-driven-data-manipulation.xlsx</a:t>
+              <a:t>ai-powered-data-manipulation.xlsx</a:t>
             </a:r>
             <a:endParaRPr lang="en-US" sz="6000" dirty="0">
               <a:solidFill>
@@ -13856,7 +13913,7 @@
                 </a:solidFill>
                 <a:latin typeface="Pragmatica" panose="020B0403040502020204" pitchFamily="34" charset="0"/>
               </a:rPr>
-              <a:t>AI-driven data manipulation EXERCISE</a:t>
+              <a:t>AI-powered data manipulation EXERCISE</a:t>
             </a:r>
           </a:p>
           <a:p>
@@ -14078,7 +14135,7 @@
                 <a:latin typeface="Consolas" panose="020B0609020204030204" pitchFamily="49" charset="0"/>
                 <a:sym typeface="Consolas"/>
               </a:rPr>
-              <a:t>ai-driven-data-manipulation-exercise.xlsx</a:t>
+              <a:t>ai-powered-data-manipulation-exercise.xlsx</a:t>
             </a:r>
             <a:endParaRPr lang="en-US" sz="6000" dirty="0">
               <a:solidFill>

--- a/xlgs-analytics-2_0-slides.pptx
+++ b/xlgs-analytics-2_0-slides.pptx
@@ -5,7 +5,7 @@
     <p:sldMasterId id="2147483648" r:id="rId1"/>
   </p:sldMasterIdLst>
   <p:notesMasterIdLst>
-    <p:notesMasterId r:id="rId35"/>
+    <p:notesMasterId r:id="rId38"/>
   </p:notesMasterIdLst>
   <p:sldIdLst>
     <p:sldId id="257" r:id="rId2"/>
@@ -40,31 +40,34 @@
     <p:sldId id="410" r:id="rId31"/>
     <p:sldId id="416" r:id="rId32"/>
     <p:sldId id="411" r:id="rId33"/>
-    <p:sldId id="311" r:id="rId34"/>
+    <p:sldId id="417" r:id="rId34"/>
+    <p:sldId id="418" r:id="rId35"/>
+    <p:sldId id="420" r:id="rId36"/>
+    <p:sldId id="311" r:id="rId37"/>
   </p:sldIdLst>
   <p:sldSz cx="18288000" cy="10287000"/>
   <p:notesSz cx="6858000" cy="9144000"/>
   <p:embeddedFontLst>
     <p:embeddedFont>
       <p:font typeface="Consolas" panose="020B0609020204030204" pitchFamily="49" charset="0"/>
-      <p:regular r:id="rId36"/>
-      <p:bold r:id="rId37"/>
-      <p:italic r:id="rId38"/>
-      <p:boldItalic r:id="rId39"/>
+      <p:regular r:id="rId39"/>
+      <p:bold r:id="rId40"/>
+      <p:italic r:id="rId41"/>
+      <p:boldItalic r:id="rId42"/>
     </p:embeddedFont>
     <p:embeddedFont>
       <p:font typeface="Plus Jakarta Sans" panose="020B0604020202020204" charset="0"/>
-      <p:regular r:id="rId40"/>
-      <p:bold r:id="rId41"/>
-      <p:italic r:id="rId42"/>
-      <p:boldItalic r:id="rId43"/>
+      <p:regular r:id="rId43"/>
+      <p:bold r:id="rId44"/>
+      <p:italic r:id="rId45"/>
+      <p:boldItalic r:id="rId46"/>
     </p:embeddedFont>
     <p:embeddedFont>
       <p:font typeface="Roboto" panose="02000000000000000000" pitchFamily="2" charset="0"/>
-      <p:regular r:id="rId44"/>
-      <p:bold r:id="rId45"/>
-      <p:italic r:id="rId46"/>
-      <p:boldItalic r:id="rId47"/>
+      <p:regular r:id="rId47"/>
+      <p:bold r:id="rId48"/>
+      <p:italic r:id="rId49"/>
+      <p:boldItalic r:id="rId50"/>
     </p:embeddedFont>
   </p:embeddedFontLst>
   <p:defaultTextStyle>
@@ -281,7 +284,7 @@
           <a:p>
             <a:fld id="{17A98A70-FA8C-4354-959C-C70678AC9BCF}" type="datetimeFigureOut">
               <a:rPr lang="en-US" smtClean="0"/>
-              <a:t>12/2/2023</a:t>
+              <a:t>1/4/2024</a:t>
             </a:fld>
             <a:endParaRPr lang="en-US"/>
           </a:p>
@@ -1301,6 +1304,270 @@
 </file>
 
 <file path=ppt/notesSlides/notesSlide16.xml><?xml version="1.0" encoding="utf-8"?>
+<p:notes xmlns:a="http://schemas.openxmlformats.org/drawingml/2006/main" xmlns:r="http://schemas.openxmlformats.org/officeDocument/2006/relationships" xmlns:p="http://schemas.openxmlformats.org/presentationml/2006/main">
+  <p:cSld>
+    <p:spTree>
+      <p:nvGrpSpPr>
+        <p:cNvPr id="1" name="">
+          <a:extLst>
+            <a:ext uri="{FF2B5EF4-FFF2-40B4-BE49-F238E27FC236}">
+              <a16:creationId xmlns:a16="http://schemas.microsoft.com/office/drawing/2014/main" id="{3D8C8C8C-A9CD-FDC0-C23E-6556FF4CD105}"/>
+            </a:ext>
+          </a:extLst>
+        </p:cNvPr>
+        <p:cNvGrpSpPr/>
+        <p:nvPr/>
+      </p:nvGrpSpPr>
+      <p:grpSpPr>
+        <a:xfrm>
+          <a:off x="0" y="0"/>
+          <a:ext cx="0" cy="0"/>
+          <a:chOff x="0" y="0"/>
+          <a:chExt cx="0" cy="0"/>
+        </a:xfrm>
+      </p:grpSpPr>
+      <p:sp>
+        <p:nvSpPr>
+          <p:cNvPr id="2" name="Slide Image Placeholder 1">
+            <a:extLst>
+              <a:ext uri="{FF2B5EF4-FFF2-40B4-BE49-F238E27FC236}">
+                <a16:creationId xmlns:a16="http://schemas.microsoft.com/office/drawing/2014/main" id="{71D2F096-265A-E41D-9101-23A9C5F3F3B4}"/>
+              </a:ext>
+            </a:extLst>
+          </p:cNvPr>
+          <p:cNvSpPr>
+            <a:spLocks noGrp="1" noRot="1" noChangeAspect="1"/>
+          </p:cNvSpPr>
+          <p:nvPr>
+            <p:ph type="sldImg"/>
+          </p:nvPr>
+        </p:nvSpPr>
+        <p:spPr/>
+      </p:sp>
+      <p:sp>
+        <p:nvSpPr>
+          <p:cNvPr id="3" name="Notes Placeholder 2">
+            <a:extLst>
+              <a:ext uri="{FF2B5EF4-FFF2-40B4-BE49-F238E27FC236}">
+                <a16:creationId xmlns:a16="http://schemas.microsoft.com/office/drawing/2014/main" id="{AD3DC6E4-CF4E-A95E-56FD-33CA4D2DCE8C}"/>
+              </a:ext>
+            </a:extLst>
+          </p:cNvPr>
+          <p:cNvSpPr>
+            <a:spLocks noGrp="1"/>
+          </p:cNvSpPr>
+          <p:nvPr>
+            <p:ph type="body" idx="1"/>
+          </p:nvPr>
+        </p:nvSpPr>
+        <p:spPr/>
+        <p:txBody>
+          <a:bodyPr/>
+          <a:lstStyle/>
+          <a:p>
+            <a:pPr marL="228600" indent="-228600">
+              <a:buAutoNum type="arabicPeriod"/>
+            </a:pPr>
+            <a:r>
+              <a:rPr lang="en-US" dirty="0"/>
+              <a:t>False!</a:t>
+            </a:r>
+          </a:p>
+          <a:p>
+            <a:pPr marL="228600" indent="-228600">
+              <a:buAutoNum type="arabicPeriod"/>
+            </a:pPr>
+            <a:r>
+              <a:rPr lang="en-US" dirty="0"/>
+              <a:t>Function, Formula, Function</a:t>
+            </a:r>
+          </a:p>
+          <a:p>
+            <a:pPr marL="228600" indent="-228600">
+              <a:buAutoNum type="arabicPeriod"/>
+            </a:pPr>
+            <a:r>
+              <a:rPr lang="en-US" dirty="0"/>
+              <a:t>Argument</a:t>
+            </a:r>
+          </a:p>
+        </p:txBody>
+      </p:sp>
+      <p:sp>
+        <p:nvSpPr>
+          <p:cNvPr id="4" name="Slide Number Placeholder 3">
+            <a:extLst>
+              <a:ext uri="{FF2B5EF4-FFF2-40B4-BE49-F238E27FC236}">
+                <a16:creationId xmlns:a16="http://schemas.microsoft.com/office/drawing/2014/main" id="{1D49CC07-6AB6-DE37-F548-A609CF5B088B}"/>
+              </a:ext>
+            </a:extLst>
+          </p:cNvPr>
+          <p:cNvSpPr>
+            <a:spLocks noGrp="1"/>
+          </p:cNvSpPr>
+          <p:nvPr>
+            <p:ph type="sldNum" sz="quarter" idx="5"/>
+          </p:nvPr>
+        </p:nvSpPr>
+        <p:spPr/>
+        <p:txBody>
+          <a:bodyPr/>
+          <a:lstStyle/>
+          <a:p>
+            <a:fld id="{1300335D-9F13-4B80-ADC5-B0EA3E10FF6B}" type="slidenum">
+              <a:rPr lang="en-US" smtClean="0"/>
+              <a:t>34</a:t>
+            </a:fld>
+            <a:endParaRPr lang="en-US"/>
+          </a:p>
+        </p:txBody>
+      </p:sp>
+    </p:spTree>
+    <p:extLst>
+      <p:ext uri="{BB962C8B-B14F-4D97-AF65-F5344CB8AC3E}">
+        <p14:creationId xmlns:p14="http://schemas.microsoft.com/office/powerpoint/2010/main" val="3255162910"/>
+      </p:ext>
+    </p:extLst>
+  </p:cSld>
+  <p:clrMapOvr>
+    <a:masterClrMapping/>
+  </p:clrMapOvr>
+</p:notes>
+</file>
+
+<file path=ppt/notesSlides/notesSlide17.xml><?xml version="1.0" encoding="utf-8"?>
+<p:notes xmlns:a="http://schemas.openxmlformats.org/drawingml/2006/main" xmlns:r="http://schemas.openxmlformats.org/officeDocument/2006/relationships" xmlns:p="http://schemas.openxmlformats.org/presentationml/2006/main">
+  <p:cSld>
+    <p:spTree>
+      <p:nvGrpSpPr>
+        <p:cNvPr id="1" name="">
+          <a:extLst>
+            <a:ext uri="{FF2B5EF4-FFF2-40B4-BE49-F238E27FC236}">
+              <a16:creationId xmlns:a16="http://schemas.microsoft.com/office/drawing/2014/main" id="{E84D89F9-3590-62B0-F5CF-7F1606E05DD7}"/>
+            </a:ext>
+          </a:extLst>
+        </p:cNvPr>
+        <p:cNvGrpSpPr/>
+        <p:nvPr/>
+      </p:nvGrpSpPr>
+      <p:grpSpPr>
+        <a:xfrm>
+          <a:off x="0" y="0"/>
+          <a:ext cx="0" cy="0"/>
+          <a:chOff x="0" y="0"/>
+          <a:chExt cx="0" cy="0"/>
+        </a:xfrm>
+      </p:grpSpPr>
+      <p:sp>
+        <p:nvSpPr>
+          <p:cNvPr id="2" name="Slide Image Placeholder 1">
+            <a:extLst>
+              <a:ext uri="{FF2B5EF4-FFF2-40B4-BE49-F238E27FC236}">
+                <a16:creationId xmlns:a16="http://schemas.microsoft.com/office/drawing/2014/main" id="{90088035-678D-A8C6-A889-7B0049C81E16}"/>
+              </a:ext>
+            </a:extLst>
+          </p:cNvPr>
+          <p:cNvSpPr>
+            <a:spLocks noGrp="1" noRot="1" noChangeAspect="1"/>
+          </p:cNvSpPr>
+          <p:nvPr>
+            <p:ph type="sldImg"/>
+          </p:nvPr>
+        </p:nvSpPr>
+        <p:spPr/>
+      </p:sp>
+      <p:sp>
+        <p:nvSpPr>
+          <p:cNvPr id="3" name="Notes Placeholder 2">
+            <a:extLst>
+              <a:ext uri="{FF2B5EF4-FFF2-40B4-BE49-F238E27FC236}">
+                <a16:creationId xmlns:a16="http://schemas.microsoft.com/office/drawing/2014/main" id="{4B96530E-9866-82D3-7D49-6EA8A6B636B1}"/>
+              </a:ext>
+            </a:extLst>
+          </p:cNvPr>
+          <p:cNvSpPr>
+            <a:spLocks noGrp="1"/>
+          </p:cNvSpPr>
+          <p:nvPr>
+            <p:ph type="body" idx="1"/>
+          </p:nvPr>
+        </p:nvSpPr>
+        <p:spPr/>
+        <p:txBody>
+          <a:bodyPr/>
+          <a:lstStyle/>
+          <a:p>
+            <a:pPr marL="228600" indent="-228600">
+              <a:buAutoNum type="arabicPeriod"/>
+            </a:pPr>
+            <a:r>
+              <a:rPr lang="en-US" dirty="0"/>
+              <a:t>False!</a:t>
+            </a:r>
+          </a:p>
+          <a:p>
+            <a:pPr marL="228600" indent="-228600">
+              <a:buAutoNum type="arabicPeriod"/>
+            </a:pPr>
+            <a:r>
+              <a:rPr lang="en-US" dirty="0"/>
+              <a:t>Function, Formula, Function</a:t>
+            </a:r>
+          </a:p>
+          <a:p>
+            <a:pPr marL="228600" indent="-228600">
+              <a:buAutoNum type="arabicPeriod"/>
+            </a:pPr>
+            <a:r>
+              <a:rPr lang="en-US" dirty="0"/>
+              <a:t>Argument</a:t>
+            </a:r>
+          </a:p>
+        </p:txBody>
+      </p:sp>
+      <p:sp>
+        <p:nvSpPr>
+          <p:cNvPr id="4" name="Slide Number Placeholder 3">
+            <a:extLst>
+              <a:ext uri="{FF2B5EF4-FFF2-40B4-BE49-F238E27FC236}">
+                <a16:creationId xmlns:a16="http://schemas.microsoft.com/office/drawing/2014/main" id="{7D66AE4D-D727-98E5-0AC3-156587778B17}"/>
+              </a:ext>
+            </a:extLst>
+          </p:cNvPr>
+          <p:cNvSpPr>
+            <a:spLocks noGrp="1"/>
+          </p:cNvSpPr>
+          <p:nvPr>
+            <p:ph type="sldNum" sz="quarter" idx="5"/>
+          </p:nvPr>
+        </p:nvSpPr>
+        <p:spPr/>
+        <p:txBody>
+          <a:bodyPr/>
+          <a:lstStyle/>
+          <a:p>
+            <a:fld id="{1300335D-9F13-4B80-ADC5-B0EA3E10FF6B}" type="slidenum">
+              <a:rPr lang="en-US" smtClean="0"/>
+              <a:t>35</a:t>
+            </a:fld>
+            <a:endParaRPr lang="en-US"/>
+          </a:p>
+        </p:txBody>
+      </p:sp>
+    </p:spTree>
+    <p:extLst>
+      <p:ext uri="{BB962C8B-B14F-4D97-AF65-F5344CB8AC3E}">
+        <p14:creationId xmlns:p14="http://schemas.microsoft.com/office/powerpoint/2010/main" val="2942104179"/>
+      </p:ext>
+    </p:extLst>
+  </p:cSld>
+  <p:clrMapOvr>
+    <a:masterClrMapping/>
+  </p:clrMapOvr>
+</p:notes>
+</file>
+
+<file path=ppt/notesSlides/notesSlide18.xml><?xml version="1.0" encoding="utf-8"?>
 <p:notes xmlns:a="http://schemas.openxmlformats.org/drawingml/2006/main" xmlns:r="http://schemas.openxmlformats.org/officeDocument/2006/relationships" xmlns:p="http://schemas.openxmlformats.org/presentationml/2006/main" showMasterSp="0" showMasterPhAnim="0">
   <p:cSld>
     <p:spTree>
@@ -2424,7 +2691,7 @@
             <a:fld id="{1D8BD707-D9CF-40AE-B4C6-C98DA3205C09}" type="datetimeFigureOut">
               <a:rPr lang="en-US" smtClean="0"/>
               <a:pPr/>
-              <a:t>12/2/2023</a:t>
+              <a:t>1/4/2024</a:t>
             </a:fld>
             <a:endParaRPr lang="en-US"/>
           </a:p>
@@ -2589,7 +2856,7 @@
             <a:fld id="{1D8BD707-D9CF-40AE-B4C6-C98DA3205C09}" type="datetimeFigureOut">
               <a:rPr lang="en-US" smtClean="0"/>
               <a:pPr/>
-              <a:t>12/2/2023</a:t>
+              <a:t>1/4/2024</a:t>
             </a:fld>
             <a:endParaRPr lang="en-US"/>
           </a:p>
@@ -2764,7 +3031,7 @@
             <a:fld id="{1D8BD707-D9CF-40AE-B4C6-C98DA3205C09}" type="datetimeFigureOut">
               <a:rPr lang="en-US" smtClean="0"/>
               <a:pPr/>
-              <a:t>12/2/2023</a:t>
+              <a:t>1/4/2024</a:t>
             </a:fld>
             <a:endParaRPr lang="en-US"/>
           </a:p>
@@ -5141,7 +5408,7 @@
             <a:fld id="{1D8BD707-D9CF-40AE-B4C6-C98DA3205C09}" type="datetimeFigureOut">
               <a:rPr lang="en-US" smtClean="0"/>
               <a:pPr/>
-              <a:t>12/2/2023</a:t>
+              <a:t>1/4/2024</a:t>
             </a:fld>
             <a:endParaRPr lang="en-US"/>
           </a:p>
@@ -5383,7 +5650,7 @@
             <a:fld id="{1D8BD707-D9CF-40AE-B4C6-C98DA3205C09}" type="datetimeFigureOut">
               <a:rPr lang="en-US" smtClean="0"/>
               <a:pPr/>
-              <a:t>12/2/2023</a:t>
+              <a:t>1/4/2024</a:t>
             </a:fld>
             <a:endParaRPr lang="en-US"/>
           </a:p>
@@ -5665,7 +5932,7 @@
             <a:fld id="{1D8BD707-D9CF-40AE-B4C6-C98DA3205C09}" type="datetimeFigureOut">
               <a:rPr lang="en-US" smtClean="0"/>
               <a:pPr/>
-              <a:t>12/2/2023</a:t>
+              <a:t>1/4/2024</a:t>
             </a:fld>
             <a:endParaRPr lang="en-US"/>
           </a:p>
@@ -6081,7 +6348,7 @@
             <a:fld id="{1D8BD707-D9CF-40AE-B4C6-C98DA3205C09}" type="datetimeFigureOut">
               <a:rPr lang="en-US" smtClean="0"/>
               <a:pPr/>
-              <a:t>12/2/2023</a:t>
+              <a:t>1/4/2024</a:t>
             </a:fld>
             <a:endParaRPr lang="en-US"/>
           </a:p>
@@ -6195,7 +6462,7 @@
             <a:fld id="{1D8BD707-D9CF-40AE-B4C6-C98DA3205C09}" type="datetimeFigureOut">
               <a:rPr lang="en-US" smtClean="0"/>
               <a:pPr/>
-              <a:t>12/2/2023</a:t>
+              <a:t>1/4/2024</a:t>
             </a:fld>
             <a:endParaRPr lang="en-US"/>
           </a:p>
@@ -6287,7 +6554,7 @@
             <a:fld id="{1D8BD707-D9CF-40AE-B4C6-C98DA3205C09}" type="datetimeFigureOut">
               <a:rPr lang="en-US" smtClean="0"/>
               <a:pPr/>
-              <a:t>12/2/2023</a:t>
+              <a:t>1/4/2024</a:t>
             </a:fld>
             <a:endParaRPr lang="en-US"/>
           </a:p>
@@ -6559,7 +6826,7 @@
             <a:fld id="{1D8BD707-D9CF-40AE-B4C6-C98DA3205C09}" type="datetimeFigureOut">
               <a:rPr lang="en-US" smtClean="0"/>
               <a:pPr/>
-              <a:t>12/2/2023</a:t>
+              <a:t>1/4/2024</a:t>
             </a:fld>
             <a:endParaRPr lang="en-US"/>
           </a:p>
@@ -6808,7 +7075,7 @@
             <a:fld id="{1D8BD707-D9CF-40AE-B4C6-C98DA3205C09}" type="datetimeFigureOut">
               <a:rPr lang="en-US" smtClean="0"/>
               <a:pPr/>
-              <a:t>12/2/2023</a:t>
+              <a:t>1/4/2024</a:t>
             </a:fld>
             <a:endParaRPr lang="en-US"/>
           </a:p>
@@ -7021,7 +7288,7 @@
             <a:fld id="{1D8BD707-D9CF-40AE-B4C6-C98DA3205C09}" type="datetimeFigureOut">
               <a:rPr lang="en-US" smtClean="0"/>
               <a:pPr/>
-              <a:t>12/2/2023</a:t>
+              <a:t>1/4/2024</a:t>
             </a:fld>
             <a:endParaRPr lang="en-US"/>
           </a:p>
@@ -11957,7 +12224,7 @@
         <p:spPr>
           <a:xfrm>
             <a:off x="520861" y="3191948"/>
-            <a:ext cx="14393120" cy="2031325"/>
+            <a:ext cx="14393120" cy="3970318"/>
           </a:xfrm>
           <a:prstGeom prst="rect">
             <a:avLst/>
@@ -11984,7 +12251,7 @@
                 </a:solidFill>
                 <a:latin typeface="Pragmatica" panose="020B0403040502020204" pitchFamily="34" charset="0"/>
               </a:rPr>
-              <a:t>Comfortably use formulas like SUMIFS and XLOOKUP</a:t>
+              <a:t>Understand and utilize Excel's latest AI capabilities for enhanced data analysis</a:t>
             </a:r>
           </a:p>
           <a:p>
@@ -12002,7 +12269,7 @@
                 </a:solidFill>
                 <a:latin typeface="Pragmatica" panose="020B0403040502020204" pitchFamily="34" charset="0"/>
               </a:rPr>
-              <a:t>Design and audit complex, nested formulas </a:t>
+              <a:t>Learn to effectively integrate Python within Excel for advanced analytics tasks</a:t>
             </a:r>
           </a:p>
           <a:p>
@@ -12020,7 +12287,7 @@
                 </a:solidFill>
                 <a:latin typeface="Pragmatica" panose="020B0403040502020204" pitchFamily="34" charset="0"/>
               </a:rPr>
-              <a:t>Look up data in an instant</a:t>
+              <a:t>Develop skills to create modern analytics solutions directly within Excel, leveraging AI insights and coding support</a:t>
             </a:r>
           </a:p>
         </p:txBody>
@@ -12802,6 +13069,691 @@
   <p:cSld>
     <p:spTree>
       <p:nvGrpSpPr>
+        <p:cNvPr id="1" name="">
+          <a:extLst>
+            <a:ext uri="{FF2B5EF4-FFF2-40B4-BE49-F238E27FC236}">
+              <a16:creationId xmlns:a16="http://schemas.microsoft.com/office/drawing/2014/main" id="{08942752-44C6-18E9-2023-B5A4563AF9E5}"/>
+            </a:ext>
+          </a:extLst>
+        </p:cNvPr>
+        <p:cNvGrpSpPr/>
+        <p:nvPr/>
+      </p:nvGrpSpPr>
+      <p:grpSpPr>
+        <a:xfrm>
+          <a:off x="0" y="0"/>
+          <a:ext cx="0" cy="0"/>
+          <a:chOff x="0" y="0"/>
+          <a:chExt cx="0" cy="0"/>
+        </a:xfrm>
+      </p:grpSpPr>
+      <p:sp>
+        <p:nvSpPr>
+          <p:cNvPr id="4" name="Rectangle 3">
+            <a:extLst>
+              <a:ext uri="{FF2B5EF4-FFF2-40B4-BE49-F238E27FC236}">
+                <a16:creationId xmlns:a16="http://schemas.microsoft.com/office/drawing/2014/main" id="{9264FBA0-D6F1-6A76-1261-ADA003A330E6}"/>
+              </a:ext>
+            </a:extLst>
+          </p:cNvPr>
+          <p:cNvSpPr/>
+          <p:nvPr/>
+        </p:nvSpPr>
+        <p:spPr>
+          <a:xfrm>
+            <a:off x="0" y="0"/>
+            <a:ext cx="18288000" cy="10287000"/>
+          </a:xfrm>
+          <a:prstGeom prst="rect">
+            <a:avLst/>
+          </a:prstGeom>
+          <a:solidFill>
+            <a:srgbClr val="CF3338"/>
+          </a:solidFill>
+          <a:ln>
+            <a:noFill/>
+          </a:ln>
+        </p:spPr>
+        <p:style>
+          <a:lnRef idx="2">
+            <a:schemeClr val="accent1">
+              <a:shade val="50000"/>
+            </a:schemeClr>
+          </a:lnRef>
+          <a:fillRef idx="1">
+            <a:schemeClr val="accent1"/>
+          </a:fillRef>
+          <a:effectRef idx="0">
+            <a:schemeClr val="accent1"/>
+          </a:effectRef>
+          <a:fontRef idx="minor">
+            <a:schemeClr val="lt1"/>
+          </a:fontRef>
+        </p:style>
+        <p:txBody>
+          <a:bodyPr rtlCol="0" anchor="ctr"/>
+          <a:lstStyle/>
+          <a:p>
+            <a:pPr algn="ctr"/>
+            <a:endParaRPr lang="en-US" sz="2700"/>
+          </a:p>
+        </p:txBody>
+      </p:sp>
+      <p:sp>
+        <p:nvSpPr>
+          <p:cNvPr id="5" name="TextBox 4">
+            <a:extLst>
+              <a:ext uri="{FF2B5EF4-FFF2-40B4-BE49-F238E27FC236}">
+                <a16:creationId xmlns:a16="http://schemas.microsoft.com/office/drawing/2014/main" id="{797102DE-30F3-6B9D-6BC0-23DB20C09039}"/>
+              </a:ext>
+            </a:extLst>
+          </p:cNvPr>
+          <p:cNvSpPr txBox="1"/>
+          <p:nvPr/>
+        </p:nvSpPr>
+        <p:spPr>
+          <a:xfrm>
+            <a:off x="781292" y="590309"/>
+            <a:ext cx="15486926" cy="1615827"/>
+          </a:xfrm>
+          <a:prstGeom prst="rect">
+            <a:avLst/>
+          </a:prstGeom>
+          <a:noFill/>
+        </p:spPr>
+        <p:txBody>
+          <a:bodyPr wrap="square" rtlCol="0">
+            <a:spAutoFit/>
+          </a:bodyPr>
+          <a:lstStyle/>
+          <a:p>
+            <a:r>
+              <a:rPr lang="en-US" sz="9900" b="1" dirty="0">
+                <a:solidFill>
+                  <a:schemeClr val="bg1"/>
+                </a:solidFill>
+                <a:latin typeface="Normafixed Tryout" panose="00000409000000000000" pitchFamily="49" charset="0"/>
+              </a:rPr>
+              <a:t>Conclusion</a:t>
+            </a:r>
+          </a:p>
+        </p:txBody>
+      </p:sp>
+    </p:spTree>
+    <p:extLst>
+      <p:ext uri="{BB962C8B-B14F-4D97-AF65-F5344CB8AC3E}">
+        <p14:creationId xmlns:p14="http://schemas.microsoft.com/office/powerpoint/2010/main" val="1123227580"/>
+      </p:ext>
+    </p:extLst>
+  </p:cSld>
+  <p:clrMapOvr>
+    <a:masterClrMapping/>
+  </p:clrMapOvr>
+</p:sld>
+</file>
+
+<file path=ppt/slides/slide34.xml><?xml version="1.0" encoding="utf-8"?>
+<p:sld xmlns:a="http://schemas.openxmlformats.org/drawingml/2006/main" xmlns:r="http://schemas.openxmlformats.org/officeDocument/2006/relationships" xmlns:p="http://schemas.openxmlformats.org/presentationml/2006/main">
+  <p:cSld>
+    <p:spTree>
+      <p:nvGrpSpPr>
+        <p:cNvPr id="1" name="">
+          <a:extLst>
+            <a:ext uri="{FF2B5EF4-FFF2-40B4-BE49-F238E27FC236}">
+              <a16:creationId xmlns:a16="http://schemas.microsoft.com/office/drawing/2014/main" id="{092644BF-8369-C1E7-AF72-160C9FC240E7}"/>
+            </a:ext>
+          </a:extLst>
+        </p:cNvPr>
+        <p:cNvGrpSpPr/>
+        <p:nvPr/>
+      </p:nvGrpSpPr>
+      <p:grpSpPr>
+        <a:xfrm>
+          <a:off x="0" y="0"/>
+          <a:ext cx="0" cy="0"/>
+          <a:chOff x="0" y="0"/>
+          <a:chExt cx="0" cy="0"/>
+        </a:xfrm>
+      </p:grpSpPr>
+      <p:sp>
+        <p:nvSpPr>
+          <p:cNvPr id="4" name="Rectangle 3">
+            <a:extLst>
+              <a:ext uri="{FF2B5EF4-FFF2-40B4-BE49-F238E27FC236}">
+                <a16:creationId xmlns:a16="http://schemas.microsoft.com/office/drawing/2014/main" id="{B6DE6CD8-42A8-54A0-4050-6B447FEEDBC6}"/>
+              </a:ext>
+            </a:extLst>
+          </p:cNvPr>
+          <p:cNvSpPr/>
+          <p:nvPr/>
+        </p:nvSpPr>
+        <p:spPr>
+          <a:xfrm>
+            <a:off x="9861630" y="0"/>
+            <a:ext cx="8426370" cy="10287000"/>
+          </a:xfrm>
+          <a:prstGeom prst="rect">
+            <a:avLst/>
+          </a:prstGeom>
+          <a:solidFill>
+            <a:srgbClr val="CF3338"/>
+          </a:solidFill>
+          <a:ln>
+            <a:noFill/>
+          </a:ln>
+        </p:spPr>
+        <p:style>
+          <a:lnRef idx="2">
+            <a:schemeClr val="accent1">
+              <a:shade val="50000"/>
+            </a:schemeClr>
+          </a:lnRef>
+          <a:fillRef idx="1">
+            <a:schemeClr val="accent1"/>
+          </a:fillRef>
+          <a:effectRef idx="0">
+            <a:schemeClr val="accent1"/>
+          </a:effectRef>
+          <a:fontRef idx="minor">
+            <a:schemeClr val="lt1"/>
+          </a:fontRef>
+        </p:style>
+        <p:txBody>
+          <a:bodyPr rtlCol="0" anchor="ctr"/>
+          <a:lstStyle/>
+          <a:p>
+            <a:pPr algn="ctr"/>
+            <a:endParaRPr lang="en-US" sz="2700"/>
+          </a:p>
+        </p:txBody>
+      </p:sp>
+      <p:pic>
+        <p:nvPicPr>
+          <p:cNvPr id="2" name="Picture 1">
+            <a:extLst>
+              <a:ext uri="{FF2B5EF4-FFF2-40B4-BE49-F238E27FC236}">
+                <a16:creationId xmlns:a16="http://schemas.microsoft.com/office/drawing/2014/main" id="{C413643D-8878-2E3E-180D-4687FABC7285}"/>
+              </a:ext>
+            </a:extLst>
+          </p:cNvPr>
+          <p:cNvPicPr>
+            <a:picLocks noChangeAspect="1"/>
+          </p:cNvPicPr>
+          <p:nvPr/>
+        </p:nvPicPr>
+        <p:blipFill rotWithShape="1">
+          <a:blip r:embed="rId3">
+            <a:extLst>
+              <a:ext uri="{28A0092B-C50C-407E-A947-70E740481C1C}">
+                <a14:useLocalDpi xmlns:a14="http://schemas.microsoft.com/office/drawing/2010/main" val="0"/>
+              </a:ext>
+            </a:extLst>
+          </a:blip>
+          <a:srcRect l="69227" t="33418" r="20112" b="50548"/>
+          <a:stretch/>
+        </p:blipFill>
+        <p:spPr>
+          <a:xfrm>
+            <a:off x="15579524" y="7544693"/>
+            <a:ext cx="2708477" cy="2987579"/>
+          </a:xfrm>
+          <a:prstGeom prst="rect">
+            <a:avLst/>
+          </a:prstGeom>
+        </p:spPr>
+      </p:pic>
+      <p:sp>
+        <p:nvSpPr>
+          <p:cNvPr id="3" name="TextBox 2">
+            <a:extLst>
+              <a:ext uri="{FF2B5EF4-FFF2-40B4-BE49-F238E27FC236}">
+                <a16:creationId xmlns:a16="http://schemas.microsoft.com/office/drawing/2014/main" id="{0EF0BEA4-523C-1E5D-0C94-0D670497C081}"/>
+              </a:ext>
+            </a:extLst>
+          </p:cNvPr>
+          <p:cNvSpPr txBox="1"/>
+          <p:nvPr/>
+        </p:nvSpPr>
+        <p:spPr>
+          <a:xfrm>
+            <a:off x="260431" y="329879"/>
+            <a:ext cx="8906720" cy="4910575"/>
+          </a:xfrm>
+          <a:prstGeom prst="rect">
+            <a:avLst/>
+          </a:prstGeom>
+          <a:noFill/>
+        </p:spPr>
+        <p:txBody>
+          <a:bodyPr wrap="square" rtlCol="0">
+            <a:spAutoFit/>
+          </a:bodyPr>
+          <a:lstStyle/>
+          <a:p>
+            <a:r>
+              <a:rPr lang="en-US" sz="6000" b="1" dirty="0">
+                <a:solidFill>
+                  <a:srgbClr val="CF3338"/>
+                </a:solidFill>
+                <a:latin typeface="Pragmatica" panose="020B0403040502020204" pitchFamily="34" charset="0"/>
+              </a:rPr>
+              <a:t>THANK YOU</a:t>
+            </a:r>
+          </a:p>
+          <a:p>
+            <a:pPr marL="142875">
+              <a:lnSpc>
+                <a:spcPct val="115000"/>
+              </a:lnSpc>
+              <a:spcBef>
+                <a:spcPts val="1125"/>
+              </a:spcBef>
+              <a:buClr>
+                <a:srgbClr val="C00000"/>
+              </a:buClr>
+              <a:buSzPts val="2100"/>
+            </a:pPr>
+            <a:endParaRPr lang="en-US" sz="3600" dirty="0">
+              <a:solidFill>
+                <a:srgbClr val="C00000"/>
+              </a:solidFill>
+              <a:latin typeface="Pragmatica" panose="020B0403040502020204"/>
+              <a:sym typeface="Consolas"/>
+            </a:endParaRPr>
+          </a:p>
+          <a:p>
+            <a:pPr marL="714375" indent="-571500">
+              <a:lnSpc>
+                <a:spcPct val="115000"/>
+              </a:lnSpc>
+              <a:spcBef>
+                <a:spcPts val="1125"/>
+              </a:spcBef>
+              <a:buClr>
+                <a:srgbClr val="C00000"/>
+              </a:buClr>
+              <a:buSzPts val="2100"/>
+              <a:buFont typeface="Arial" panose="020B0604020202020204" pitchFamily="34" charset="0"/>
+              <a:buChar char="•"/>
+            </a:pPr>
+            <a:r>
+              <a:rPr lang="en-US" sz="3600" dirty="0">
+                <a:solidFill>
+                  <a:srgbClr val="C00000"/>
+                </a:solidFill>
+                <a:latin typeface="Pragmatica" panose="020B0403040502020204"/>
+                <a:sym typeface="Consolas"/>
+              </a:rPr>
+              <a:t>What questions do you have about these topics?</a:t>
+            </a:r>
+          </a:p>
+          <a:p>
+            <a:pPr marL="714375" indent="-571500">
+              <a:lnSpc>
+                <a:spcPct val="115000"/>
+              </a:lnSpc>
+              <a:spcBef>
+                <a:spcPts val="1125"/>
+              </a:spcBef>
+              <a:buClr>
+                <a:srgbClr val="C00000"/>
+              </a:buClr>
+              <a:buSzPts val="2100"/>
+              <a:buFont typeface="Arial" panose="020B0604020202020204" pitchFamily="34" charset="0"/>
+              <a:buChar char="•"/>
+            </a:pPr>
+            <a:r>
+              <a:rPr lang="en-US" sz="3600" dirty="0">
+                <a:solidFill>
+                  <a:srgbClr val="C00000"/>
+                </a:solidFill>
+                <a:latin typeface="Pragmatica" panose="020B0403040502020204"/>
+                <a:sym typeface="Consolas"/>
+              </a:rPr>
+              <a:t>What would you like to learn more about? </a:t>
+            </a:r>
+          </a:p>
+          <a:p>
+            <a:endParaRPr lang="en-US" sz="6000" dirty="0">
+              <a:solidFill>
+                <a:srgbClr val="CF3338"/>
+              </a:solidFill>
+              <a:latin typeface="Pragmatica" panose="020B0403040502020204" pitchFamily="34" charset="0"/>
+            </a:endParaRPr>
+          </a:p>
+        </p:txBody>
+      </p:sp>
+    </p:spTree>
+    <p:extLst>
+      <p:ext uri="{BB962C8B-B14F-4D97-AF65-F5344CB8AC3E}">
+        <p14:creationId xmlns:p14="http://schemas.microsoft.com/office/powerpoint/2010/main" val="3777873298"/>
+      </p:ext>
+    </p:extLst>
+  </p:cSld>
+  <p:clrMapOvr>
+    <a:masterClrMapping/>
+  </p:clrMapOvr>
+</p:sld>
+</file>
+
+<file path=ppt/slides/slide35.xml><?xml version="1.0" encoding="utf-8"?>
+<p:sld xmlns:a="http://schemas.openxmlformats.org/drawingml/2006/main" xmlns:r="http://schemas.openxmlformats.org/officeDocument/2006/relationships" xmlns:p="http://schemas.openxmlformats.org/presentationml/2006/main">
+  <p:cSld>
+    <p:spTree>
+      <p:nvGrpSpPr>
+        <p:cNvPr id="1" name="">
+          <a:extLst>
+            <a:ext uri="{FF2B5EF4-FFF2-40B4-BE49-F238E27FC236}">
+              <a16:creationId xmlns:a16="http://schemas.microsoft.com/office/drawing/2014/main" id="{A542ABD6-1D4C-4475-F7CC-5EE76AFAD4FB}"/>
+            </a:ext>
+          </a:extLst>
+        </p:cNvPr>
+        <p:cNvGrpSpPr/>
+        <p:nvPr/>
+      </p:nvGrpSpPr>
+      <p:grpSpPr>
+        <a:xfrm>
+          <a:off x="0" y="0"/>
+          <a:ext cx="0" cy="0"/>
+          <a:chOff x="0" y="0"/>
+          <a:chExt cx="0" cy="0"/>
+        </a:xfrm>
+      </p:grpSpPr>
+      <p:sp>
+        <p:nvSpPr>
+          <p:cNvPr id="4" name="Rectangle 3">
+            <a:extLst>
+              <a:ext uri="{FF2B5EF4-FFF2-40B4-BE49-F238E27FC236}">
+                <a16:creationId xmlns:a16="http://schemas.microsoft.com/office/drawing/2014/main" id="{A330DE3A-447C-DBEF-053B-EFA3802D0D3C}"/>
+              </a:ext>
+            </a:extLst>
+          </p:cNvPr>
+          <p:cNvSpPr/>
+          <p:nvPr/>
+        </p:nvSpPr>
+        <p:spPr>
+          <a:xfrm>
+            <a:off x="9861630" y="0"/>
+            <a:ext cx="8426370" cy="10287000"/>
+          </a:xfrm>
+          <a:prstGeom prst="rect">
+            <a:avLst/>
+          </a:prstGeom>
+          <a:solidFill>
+            <a:srgbClr val="CF3338"/>
+          </a:solidFill>
+          <a:ln>
+            <a:noFill/>
+          </a:ln>
+        </p:spPr>
+        <p:style>
+          <a:lnRef idx="2">
+            <a:schemeClr val="accent1">
+              <a:shade val="50000"/>
+            </a:schemeClr>
+          </a:lnRef>
+          <a:fillRef idx="1">
+            <a:schemeClr val="accent1"/>
+          </a:fillRef>
+          <a:effectRef idx="0">
+            <a:schemeClr val="accent1"/>
+          </a:effectRef>
+          <a:fontRef idx="minor">
+            <a:schemeClr val="lt1"/>
+          </a:fontRef>
+        </p:style>
+        <p:txBody>
+          <a:bodyPr rtlCol="0" anchor="ctr"/>
+          <a:lstStyle/>
+          <a:p>
+            <a:pPr algn="ctr"/>
+            <a:endParaRPr lang="en-US" sz="2700"/>
+          </a:p>
+        </p:txBody>
+      </p:sp>
+      <p:pic>
+        <p:nvPicPr>
+          <p:cNvPr id="2" name="Picture 1">
+            <a:extLst>
+              <a:ext uri="{FF2B5EF4-FFF2-40B4-BE49-F238E27FC236}">
+                <a16:creationId xmlns:a16="http://schemas.microsoft.com/office/drawing/2014/main" id="{26D9D5F8-4176-1550-C596-C4A029FB01CF}"/>
+              </a:ext>
+            </a:extLst>
+          </p:cNvPr>
+          <p:cNvPicPr>
+            <a:picLocks noChangeAspect="1"/>
+          </p:cNvPicPr>
+          <p:nvPr/>
+        </p:nvPicPr>
+        <p:blipFill rotWithShape="1">
+          <a:blip r:embed="rId3">
+            <a:extLst>
+              <a:ext uri="{28A0092B-C50C-407E-A947-70E740481C1C}">
+                <a14:useLocalDpi xmlns:a14="http://schemas.microsoft.com/office/drawing/2010/main" val="0"/>
+              </a:ext>
+            </a:extLst>
+          </a:blip>
+          <a:srcRect l="69227" t="33418" r="20112" b="50548"/>
+          <a:stretch/>
+        </p:blipFill>
+        <p:spPr>
+          <a:xfrm>
+            <a:off x="15579524" y="7544693"/>
+            <a:ext cx="2708477" cy="2987579"/>
+          </a:xfrm>
+          <a:prstGeom prst="rect">
+            <a:avLst/>
+          </a:prstGeom>
+        </p:spPr>
+      </p:pic>
+      <p:sp>
+        <p:nvSpPr>
+          <p:cNvPr id="3" name="TextBox 2">
+            <a:extLst>
+              <a:ext uri="{FF2B5EF4-FFF2-40B4-BE49-F238E27FC236}">
+                <a16:creationId xmlns:a16="http://schemas.microsoft.com/office/drawing/2014/main" id="{AD5B80CF-2DC2-2302-57D5-D1A61D59A823}"/>
+              </a:ext>
+            </a:extLst>
+          </p:cNvPr>
+          <p:cNvSpPr txBox="1"/>
+          <p:nvPr/>
+        </p:nvSpPr>
+        <p:spPr>
+          <a:xfrm>
+            <a:off x="260431" y="329879"/>
+            <a:ext cx="8906720" cy="5829801"/>
+          </a:xfrm>
+          <a:prstGeom prst="rect">
+            <a:avLst/>
+          </a:prstGeom>
+          <a:noFill/>
+        </p:spPr>
+        <p:txBody>
+          <a:bodyPr wrap="square" rtlCol="0">
+            <a:spAutoFit/>
+          </a:bodyPr>
+          <a:lstStyle/>
+          <a:p>
+            <a:r>
+              <a:rPr lang="en-US" sz="6000" b="1" dirty="0">
+                <a:solidFill>
+                  <a:srgbClr val="CF3338"/>
+                </a:solidFill>
+                <a:latin typeface="Pragmatica" panose="020B0403040502020204" pitchFamily="34" charset="0"/>
+              </a:rPr>
+              <a:t>CONTACT</a:t>
+            </a:r>
+          </a:p>
+          <a:p>
+            <a:pPr marL="142875">
+              <a:lnSpc>
+                <a:spcPct val="115000"/>
+              </a:lnSpc>
+              <a:spcBef>
+                <a:spcPts val="1125"/>
+              </a:spcBef>
+              <a:buClr>
+                <a:srgbClr val="C00000"/>
+              </a:buClr>
+              <a:buSzPts val="2100"/>
+            </a:pPr>
+            <a:endParaRPr lang="en-US" sz="3600" dirty="0">
+              <a:solidFill>
+                <a:srgbClr val="C00000"/>
+              </a:solidFill>
+              <a:latin typeface="Pragmatica" panose="020B0403040502020204"/>
+              <a:sym typeface="Consolas"/>
+            </a:endParaRPr>
+          </a:p>
+          <a:p>
+            <a:pPr marL="714375" indent="-571500">
+              <a:lnSpc>
+                <a:spcPct val="115000"/>
+              </a:lnSpc>
+              <a:spcBef>
+                <a:spcPts val="1125"/>
+              </a:spcBef>
+              <a:buClr>
+                <a:srgbClr val="C00000"/>
+              </a:buClr>
+              <a:buSzPts val="2100"/>
+              <a:buFont typeface="Arial" panose="020B0604020202020204" pitchFamily="34" charset="0"/>
+              <a:buChar char="•"/>
+            </a:pPr>
+            <a:r>
+              <a:rPr lang="en-US" sz="3600" dirty="0">
+                <a:solidFill>
+                  <a:srgbClr val="CF3338"/>
+                </a:solidFill>
+                <a:latin typeface="Pragmatica" panose="020B0403040502020204"/>
+                <a:sym typeface="Consolas"/>
+              </a:rPr>
+              <a:t>stringfestanalytics.com</a:t>
+            </a:r>
+          </a:p>
+          <a:p>
+            <a:pPr marL="714375" indent="-571500">
+              <a:lnSpc>
+                <a:spcPct val="115000"/>
+              </a:lnSpc>
+              <a:spcBef>
+                <a:spcPts val="1125"/>
+              </a:spcBef>
+              <a:buClr>
+                <a:srgbClr val="C00000"/>
+              </a:buClr>
+              <a:buSzPts val="2100"/>
+              <a:buFont typeface="Arial" panose="020B0604020202020204" pitchFamily="34" charset="0"/>
+              <a:buChar char="•"/>
+            </a:pPr>
+            <a:r>
+              <a:rPr lang="en-US" sz="3600" dirty="0">
+                <a:solidFill>
+                  <a:srgbClr val="CF3338"/>
+                </a:solidFill>
+                <a:latin typeface="Pragmatica" panose="020B0403040502020204"/>
+                <a:sym typeface="Consolas"/>
+              </a:rPr>
+              <a:t>Linkedin.com/in/gjmount</a:t>
+            </a:r>
+          </a:p>
+          <a:p>
+            <a:pPr marL="714375" indent="-571500">
+              <a:lnSpc>
+                <a:spcPct val="115000"/>
+              </a:lnSpc>
+              <a:spcBef>
+                <a:spcPts val="1125"/>
+              </a:spcBef>
+              <a:buClr>
+                <a:srgbClr val="C00000"/>
+              </a:buClr>
+              <a:buSzPts val="2100"/>
+              <a:buFont typeface="Arial" panose="020B0604020202020204" pitchFamily="34" charset="0"/>
+              <a:buChar char="•"/>
+            </a:pPr>
+            <a:r>
+              <a:rPr lang="en-US" sz="3600" dirty="0">
+                <a:solidFill>
+                  <a:srgbClr val="CF3338"/>
+                </a:solidFill>
+                <a:latin typeface="Pragmatica" panose="020B0403040502020204"/>
+                <a:sym typeface="Consolas"/>
+              </a:rPr>
+              <a:t>Twitter.com/gjmount</a:t>
+            </a:r>
+          </a:p>
+          <a:p>
+            <a:pPr marL="714375" indent="-571500">
+              <a:lnSpc>
+                <a:spcPct val="115000"/>
+              </a:lnSpc>
+              <a:spcBef>
+                <a:spcPts val="1125"/>
+              </a:spcBef>
+              <a:buClr>
+                <a:srgbClr val="C00000"/>
+              </a:buClr>
+              <a:buSzPts val="2100"/>
+              <a:buFont typeface="Arial" panose="020B0604020202020204" pitchFamily="34" charset="0"/>
+              <a:buChar char="•"/>
+            </a:pPr>
+            <a:r>
+              <a:rPr lang="en-US" sz="3600" dirty="0">
+                <a:solidFill>
+                  <a:srgbClr val="CF3338"/>
+                </a:solidFill>
+                <a:latin typeface="Pragmatica" panose="020B0403040502020204"/>
+                <a:sym typeface="Consolas"/>
+                <a:hlinkClick r:id="rId4">
+                  <a:extLst>
+                    <a:ext uri="{A12FA001-AC4F-418D-AE19-62706E023703}">
+                      <ahyp:hlinkClr xmlns:ahyp="http://schemas.microsoft.com/office/drawing/2018/hyperlinkcolor" val="tx"/>
+                    </a:ext>
+                  </a:extLst>
+                </a:hlinkClick>
+              </a:rPr>
+              <a:t>george@stringfestanalytics.com</a:t>
+            </a:r>
+            <a:r>
+              <a:rPr lang="en-US" sz="3600" dirty="0">
+                <a:solidFill>
+                  <a:srgbClr val="CF3338"/>
+                </a:solidFill>
+                <a:latin typeface="Pragmatica" panose="020B0403040502020204"/>
+                <a:sym typeface="Consolas"/>
+              </a:rPr>
+              <a:t> </a:t>
+            </a:r>
+          </a:p>
+          <a:p>
+            <a:endParaRPr lang="en-US" sz="6000" dirty="0">
+              <a:solidFill>
+                <a:srgbClr val="CF3338"/>
+              </a:solidFill>
+              <a:latin typeface="Pragmatica" panose="020B0403040502020204" pitchFamily="34" charset="0"/>
+            </a:endParaRPr>
+          </a:p>
+        </p:txBody>
+      </p:sp>
+    </p:spTree>
+    <p:extLst>
+      <p:ext uri="{BB962C8B-B14F-4D97-AF65-F5344CB8AC3E}">
+        <p14:creationId xmlns:p14="http://schemas.microsoft.com/office/powerpoint/2010/main" val="2181439279"/>
+      </p:ext>
+    </p:extLst>
+  </p:cSld>
+  <p:clrMapOvr>
+    <a:masterClrMapping/>
+  </p:clrMapOvr>
+</p:sld>
+</file>
+
+<file path=ppt/slides/slide36.xml><?xml version="1.0" encoding="utf-8"?>
+<p:sld xmlns:a="http://schemas.openxmlformats.org/drawingml/2006/main" xmlns:r="http://schemas.openxmlformats.org/officeDocument/2006/relationships" xmlns:p="http://schemas.openxmlformats.org/presentationml/2006/main">
+  <p:cSld>
+    <p:spTree>
+      <p:nvGrpSpPr>
         <p:cNvPr id="1" name="Shape 629"/>
         <p:cNvGrpSpPr/>
         <p:nvPr/>
@@ -12921,7 +13873,7 @@
         <p:spPr>
           <a:xfrm>
             <a:off x="520861" y="3191948"/>
-            <a:ext cx="14393120" cy="3323987"/>
+            <a:ext cx="14393120" cy="5262979"/>
           </a:xfrm>
           <a:prstGeom prst="rect">
             <a:avLst/>
@@ -12948,16 +13900,16 @@
                 </a:solidFill>
                 <a:latin typeface="Pragmatica" panose="020B0403040502020204" pitchFamily="34" charset="0"/>
               </a:rPr>
-              <a:t>Basics of formulas and functions</a:t>
-            </a:r>
-          </a:p>
-          <a:p>
-            <a:pPr marL="771525" indent="-771525">
+              <a:t>AI-Powered Excel</a:t>
+            </a:r>
+          </a:p>
+          <a:p>
+            <a:pPr marL="1228725" lvl="1" indent="-771525">
               <a:buClr>
                 <a:srgbClr val="CF3338"/>
               </a:buClr>
-              <a:buFont typeface="+mj-lt"/>
-              <a:buAutoNum type="arabicPeriod"/>
+              <a:buFont typeface="Arial" panose="020B0604020202020204" pitchFamily="34" charset="0"/>
+              <a:buChar char="•"/>
             </a:pPr>
             <a:r>
               <a:rPr lang="en-US" sz="4200" dirty="0">
@@ -12966,16 +13918,16 @@
                 </a:solidFill>
                 <a:latin typeface="Pragmatica" panose="020B0403040502020204" pitchFamily="34" charset="0"/>
               </a:rPr>
-              <a:t>Formula design &amp; audit</a:t>
-            </a:r>
-          </a:p>
-          <a:p>
-            <a:pPr marL="771525" indent="-771525">
+              <a:t>AI-Powered Data Manipulation</a:t>
+            </a:r>
+          </a:p>
+          <a:p>
+            <a:pPr marL="1228725" lvl="1" indent="-771525">
               <a:buClr>
                 <a:srgbClr val="CF3338"/>
               </a:buClr>
-              <a:buFont typeface="+mj-lt"/>
-              <a:buAutoNum type="arabicPeriod"/>
+              <a:buFont typeface="Arial" panose="020B0604020202020204" pitchFamily="34" charset="0"/>
+              <a:buChar char="•"/>
             </a:pPr>
             <a:r>
               <a:rPr lang="en-US" sz="4200" dirty="0">
@@ -12984,16 +13936,16 @@
                 </a:solidFill>
                 <a:latin typeface="Pragmatica" panose="020B0403040502020204" pitchFamily="34" charset="0"/>
               </a:rPr>
-              <a:t>Conditional logic &amp; formulas</a:t>
-            </a:r>
-          </a:p>
-          <a:p>
-            <a:pPr marL="771525" indent="-771525">
+              <a:t>AI-Powered Data Entry and Forecasting</a:t>
+            </a:r>
+          </a:p>
+          <a:p>
+            <a:pPr marL="1228725" lvl="1" indent="-771525">
               <a:buClr>
                 <a:srgbClr val="CF3338"/>
               </a:buClr>
-              <a:buFont typeface="+mj-lt"/>
-              <a:buAutoNum type="arabicPeriod"/>
+              <a:buFont typeface="Arial" panose="020B0604020202020204" pitchFamily="34" charset="0"/>
+              <a:buChar char="•"/>
             </a:pPr>
             <a:r>
               <a:rPr lang="en-US" sz="4200" dirty="0">
@@ -13002,7 +13954,7 @@
                 </a:solidFill>
                 <a:latin typeface="Pragmatica" panose="020B0403040502020204" pitchFamily="34" charset="0"/>
               </a:rPr>
-              <a:t>Dynamic arrays</a:t>
+              <a:t>AI-Powered Data Analysis and Visualization</a:t>
             </a:r>
           </a:p>
           <a:p>
@@ -13020,7 +13972,61 @@
                 </a:solidFill>
                 <a:latin typeface="Pragmatica" panose="020B0403040502020204" pitchFamily="34" charset="0"/>
               </a:rPr>
-              <a:t>LET(), LAMBDA() and the future of Excel</a:t>
+              <a:t>Python in Excel</a:t>
+            </a:r>
+          </a:p>
+          <a:p>
+            <a:pPr marL="1228725" lvl="1" indent="-771525">
+              <a:buClr>
+                <a:srgbClr val="CF3338"/>
+              </a:buClr>
+              <a:buFont typeface="Arial" panose="020B0604020202020204" pitchFamily="34" charset="0"/>
+              <a:buChar char="•"/>
+            </a:pPr>
+            <a:r>
+              <a:rPr lang="en-US" sz="4200" dirty="0">
+                <a:solidFill>
+                  <a:srgbClr val="707070"/>
+                </a:solidFill>
+                <a:latin typeface="Pragmatica" panose="020B0403040502020204" pitchFamily="34" charset="0"/>
+              </a:rPr>
+              <a:t>Python in Excel: First Steps</a:t>
+            </a:r>
+          </a:p>
+          <a:p>
+            <a:pPr marL="1228725" lvl="1" indent="-771525">
+              <a:buClr>
+                <a:srgbClr val="CF3338"/>
+              </a:buClr>
+              <a:buFont typeface="Arial" panose="020B0604020202020204" pitchFamily="34" charset="0"/>
+              <a:buChar char="•"/>
+            </a:pPr>
+            <a:r>
+              <a:rPr lang="en-US" sz="4200" dirty="0">
+                <a:solidFill>
+                  <a:srgbClr val="707070"/>
+                </a:solidFill>
+                <a:latin typeface="Pragmatica" panose="020B0403040502020204" pitchFamily="34" charset="0"/>
+              </a:rPr>
+              <a:t>From “That’s hard in Excel” to “That’s easy in Python”</a:t>
+            </a:r>
+          </a:p>
+          <a:p>
+            <a:pPr marL="1228725" lvl="1" indent="-771525">
+              <a:buClr>
+                <a:srgbClr val="CF3338"/>
+              </a:buClr>
+              <a:buFont typeface="Arial" panose="020B0604020202020204" pitchFamily="34" charset="0"/>
+              <a:buChar char="•"/>
+            </a:pPr>
+            <a:r>
+              <a:rPr lang="en-US" sz="4200" dirty="0">
+                <a:solidFill>
+                  <a:srgbClr val="707070"/>
+                </a:solidFill>
+                <a:latin typeface="Pragmatica" panose="020B0403040502020204" pitchFamily="34" charset="0"/>
+              </a:rPr>
+              <a:t>There’s more to Python and Excel than Python in Excel</a:t>
             </a:r>
           </a:p>
         </p:txBody>

--- a/xlgs-analytics-2_0-slides.pptx
+++ b/xlgs-analytics-2_0-slides.pptx
@@ -8508,7 +8508,7 @@
         <p:spPr>
           <a:xfrm>
             <a:off x="260431" y="329879"/>
-            <a:ext cx="8906720" cy="8027326"/>
+            <a:ext cx="8906720" cy="8805487"/>
           </a:xfrm>
           <a:prstGeom prst="rect">
             <a:avLst/>
@@ -8575,7 +8575,33 @@
                 <a:latin typeface="Pragmatica" panose="020B0403040502020204"/>
                 <a:sym typeface="Consolas"/>
               </a:rPr>
-              <a:t>Create a population forecast for the selected European countries</a:t>
+              <a:t>Create a population forecast for the selected European countries </a:t>
+            </a:r>
+          </a:p>
+          <a:p>
+            <a:pPr marL="1171575" lvl="1" indent="-571500">
+              <a:lnSpc>
+                <a:spcPct val="115000"/>
+              </a:lnSpc>
+              <a:spcBef>
+                <a:spcPts val="1125"/>
+              </a:spcBef>
+              <a:buClr>
+                <a:srgbClr val="C00000"/>
+              </a:buClr>
+              <a:buSzPts val="2100"/>
+              <a:buFont typeface="Arial" panose="020B0604020202020204" pitchFamily="34" charset="0"/>
+              <a:buChar char="•"/>
+            </a:pPr>
+            <a:r>
+              <a:rPr lang="en-US" sz="3600" dirty="0">
+                <a:solidFill>
+                  <a:srgbClr val="C00000"/>
+                </a:solidFill>
+                <a:latin typeface="Pragmatica" panose="020B0403040502020204"/>
+                <a:sym typeface="Consolas"/>
+              </a:rPr>
+              <a:t>Be careful with aggregation type!</a:t>
             </a:r>
           </a:p>
           <a:p>
@@ -9327,7 +9353,7 @@
         <p:spPr>
           <a:xfrm>
             <a:off x="260431" y="329879"/>
-            <a:ext cx="8906720" cy="7390228"/>
+            <a:ext cx="8906720" cy="8168390"/>
           </a:xfrm>
           <a:prstGeom prst="rect">
             <a:avLst/>
@@ -9421,6 +9447,32 @@
                 <a:sym typeface="Consolas"/>
               </a:rPr>
               <a:t>Visualize total state population over time</a:t>
+            </a:r>
+          </a:p>
+          <a:p>
+            <a:pPr marL="1171575" lvl="1" indent="-571500">
+              <a:lnSpc>
+                <a:spcPct val="115000"/>
+              </a:lnSpc>
+              <a:spcBef>
+                <a:spcPts val="1125"/>
+              </a:spcBef>
+              <a:buClr>
+                <a:srgbClr val="C00000"/>
+              </a:buClr>
+              <a:buSzPts val="2100"/>
+              <a:buFont typeface="Arial" panose="020B0604020202020204" pitchFamily="34" charset="0"/>
+              <a:buChar char="•"/>
+            </a:pPr>
+            <a:r>
+              <a:rPr lang="en-US" sz="3600" dirty="0">
+                <a:solidFill>
+                  <a:srgbClr val="C00000"/>
+                </a:solidFill>
+                <a:latin typeface="Pragmatica" panose="020B0403040502020204"/>
+                <a:sym typeface="Consolas"/>
+              </a:rPr>
+              <a:t>Tweak your queries as necessary</a:t>
             </a:r>
           </a:p>
           <a:p>

--- a/xlgs-analytics-2_0-slides.pptx
+++ b/xlgs-analytics-2_0-slides.pptx
@@ -8,7 +8,7 @@
     <p:notesMasterId r:id="rId35"/>
   </p:notesMasterIdLst>
   <p:sldIdLst>
-    <p:sldId id="257" r:id="rId2"/>
+    <p:sldId id="256" r:id="rId2"/>
     <p:sldId id="358" r:id="rId3"/>
     <p:sldId id="258" r:id="rId4"/>
     <p:sldId id="363" r:id="rId5"/>
@@ -40,7 +40,7 @@
     <p:sldId id="410" r:id="rId31"/>
     <p:sldId id="416" r:id="rId32"/>
     <p:sldId id="411" r:id="rId33"/>
-    <p:sldId id="311" r:id="rId34"/>
+    <p:sldId id="265" r:id="rId34"/>
   </p:sldIdLst>
   <p:sldSz cx="18288000" cy="10287000"/>
   <p:notesSz cx="6858000" cy="9144000"/>
@@ -51,20 +51,6 @@
       <p:bold r:id="rId37"/>
       <p:italic r:id="rId38"/>
       <p:boldItalic r:id="rId39"/>
-    </p:embeddedFont>
-    <p:embeddedFont>
-      <p:font typeface="Plus Jakarta Sans" panose="020B0604020202020204" charset="0"/>
-      <p:regular r:id="rId40"/>
-      <p:bold r:id="rId41"/>
-      <p:italic r:id="rId42"/>
-      <p:boldItalic r:id="rId43"/>
-    </p:embeddedFont>
-    <p:embeddedFont>
-      <p:font typeface="Roboto" panose="02000000000000000000" pitchFamily="2" charset="0"/>
-      <p:regular r:id="rId44"/>
-      <p:bold r:id="rId45"/>
-      <p:italic r:id="rId46"/>
-      <p:boldItalic r:id="rId47"/>
     </p:embeddedFont>
   </p:embeddedFontLst>
   <p:defaultTextStyle>
@@ -281,7 +267,7 @@
           <a:p>
             <a:fld id="{17A98A70-FA8C-4354-959C-C70678AC9BCF}" type="datetimeFigureOut">
               <a:rPr lang="en-US" smtClean="0"/>
-              <a:t>12/2/2023</a:t>
+              <a:t>1/20/2024</a:t>
             </a:fld>
             <a:endParaRPr lang="en-US"/>
           </a:p>
@@ -549,11 +535,11 @@
 </file>
 
 <file path=ppt/notesSlides/notesSlide1.xml><?xml version="1.0" encoding="utf-8"?>
-<p:notes xmlns:a="http://schemas.openxmlformats.org/drawingml/2006/main" xmlns:r="http://schemas.openxmlformats.org/officeDocument/2006/relationships" xmlns:p="http://schemas.openxmlformats.org/presentationml/2006/main" showMasterSp="0" showMasterPhAnim="0">
+<p:notes xmlns:a="http://schemas.openxmlformats.org/drawingml/2006/main" xmlns:r="http://schemas.openxmlformats.org/officeDocument/2006/relationships" xmlns:p="http://schemas.openxmlformats.org/presentationml/2006/main">
   <p:cSld>
     <p:spTree>
       <p:nvGrpSpPr>
-        <p:cNvPr id="1" name="Shape 252"/>
+        <p:cNvPr id="1" name=""/>
         <p:cNvGrpSpPr/>
         <p:nvPr/>
       </p:nvGrpSpPr>
@@ -567,84 +553,64 @@
       </p:grpSpPr>
       <p:sp>
         <p:nvSpPr>
-          <p:cNvPr id="253" name="Google Shape;253;p2:notes"/>
-          <p:cNvSpPr txBox="1">
+          <p:cNvPr id="2" name="Slide Image Placeholder 1"/>
+          <p:cNvSpPr>
+            <a:spLocks noGrp="1" noRot="1" noChangeAspect="1"/>
+          </p:cNvSpPr>
+          <p:nvPr>
+            <p:ph type="sldImg"/>
+          </p:nvPr>
+        </p:nvSpPr>
+        <p:spPr/>
+      </p:sp>
+      <p:sp>
+        <p:nvSpPr>
+          <p:cNvPr id="3" name="Notes Placeholder 2"/>
+          <p:cNvSpPr>
             <a:spLocks noGrp="1"/>
           </p:cNvSpPr>
           <p:nvPr>
             <p:ph type="body" idx="1"/>
           </p:nvPr>
         </p:nvSpPr>
-        <p:spPr>
-          <a:xfrm>
-            <a:off x="914400" y="4343400"/>
-            <a:ext cx="5029200" cy="4114800"/>
-          </a:xfrm>
-          <a:prstGeom prst="rect">
-            <a:avLst/>
-          </a:prstGeom>
-        </p:spPr>
-        <p:txBody>
-          <a:bodyPr spcFirstLastPara="1" wrap="square" lIns="91425" tIns="45700" rIns="91425" bIns="45700" anchor="t" anchorCtr="0">
-            <a:noAutofit/>
-          </a:bodyPr>
-          <a:lstStyle/>
-          <a:p>
-            <a:pPr marL="0" lvl="0" indent="0" algn="l" rtl="0">
-              <a:spcBef>
-                <a:spcPts val="0"/>
-              </a:spcBef>
-              <a:spcAft>
-                <a:spcPts val="0"/>
-              </a:spcAft>
-              <a:buNone/>
-            </a:pPr>
-            <a:endParaRPr dirty="0"/>
-          </a:p>
-        </p:txBody>
-      </p:sp>
-      <p:sp>
-        <p:nvSpPr>
-          <p:cNvPr id="254" name="Google Shape;254;p2:notes"/>
+        <p:spPr/>
+        <p:txBody>
+          <a:bodyPr/>
+          <a:lstStyle/>
+          <a:p>
+            <a:endParaRPr lang="en-US" dirty="0"/>
+          </a:p>
+        </p:txBody>
+      </p:sp>
+      <p:sp>
+        <p:nvSpPr>
+          <p:cNvPr id="4" name="Slide Number Placeholder 3"/>
           <p:cNvSpPr>
-            <a:spLocks noGrp="1" noRot="1" noChangeAspect="1"/>
+            <a:spLocks noGrp="1"/>
           </p:cNvSpPr>
           <p:nvPr>
-            <p:ph type="sldImg" idx="2"/>
+            <p:ph type="sldNum" sz="quarter" idx="5"/>
           </p:nvPr>
         </p:nvSpPr>
-        <p:spPr>
-          <a:xfrm>
-            <a:off x="381000" y="685800"/>
-            <a:ext cx="6096000" cy="3429000"/>
-          </a:xfrm>
-          <a:custGeom>
-            <a:avLst/>
-            <a:gdLst/>
-            <a:ahLst/>
-            <a:cxnLst/>
-            <a:rect l="l" t="t" r="r" b="b"/>
-            <a:pathLst>
-              <a:path w="120000" h="120000" extrusionOk="0">
-                <a:moveTo>
-                  <a:pt x="0" y="0"/>
-                </a:moveTo>
-                <a:lnTo>
-                  <a:pt x="120000" y="0"/>
-                </a:lnTo>
-                <a:lnTo>
-                  <a:pt x="120000" y="120000"/>
-                </a:lnTo>
-                <a:lnTo>
-                  <a:pt x="0" y="120000"/>
-                </a:lnTo>
-                <a:close/>
-              </a:path>
-            </a:pathLst>
-          </a:custGeom>
-        </p:spPr>
+        <p:spPr/>
+        <p:txBody>
+          <a:bodyPr/>
+          <a:lstStyle/>
+          <a:p>
+            <a:fld id="{FFB500C5-13F7-48FC-8160-C29AECF6C602}" type="slidenum">
+              <a:rPr lang="en-US" smtClean="0"/>
+              <a:t>2</a:t>
+            </a:fld>
+            <a:endParaRPr lang="en-US"/>
+          </a:p>
+        </p:txBody>
       </p:sp>
     </p:spTree>
+    <p:extLst>
+      <p:ext uri="{BB962C8B-B14F-4D97-AF65-F5344CB8AC3E}">
+        <p14:creationId xmlns:p14="http://schemas.microsoft.com/office/powerpoint/2010/main" val="1700759013"/>
+      </p:ext>
+    </p:extLst>
   </p:cSld>
   <p:clrMapOvr>
     <a:masterClrMapping/>
@@ -741,7 +707,7 @@
           <a:p>
             <a:fld id="{1300335D-9F13-4B80-ADC5-B0EA3E10FF6B}" type="slidenum">
               <a:rPr lang="en-US" smtClean="0"/>
-              <a:t>22</a:t>
+              <a:t>25</a:t>
             </a:fld>
             <a:endParaRPr lang="en-US"/>
           </a:p>
@@ -750,7 +716,7 @@
     </p:spTree>
     <p:extLst>
       <p:ext uri="{BB962C8B-B14F-4D97-AF65-F5344CB8AC3E}">
-        <p14:creationId xmlns:p14="http://schemas.microsoft.com/office/powerpoint/2010/main" val="624549242"/>
+        <p14:creationId xmlns:p14="http://schemas.microsoft.com/office/powerpoint/2010/main" val="1500510141"/>
       </p:ext>
     </p:extLst>
   </p:cSld>
@@ -849,7 +815,7 @@
           <a:p>
             <a:fld id="{1300335D-9F13-4B80-ADC5-B0EA3E10FF6B}" type="slidenum">
               <a:rPr lang="en-US" smtClean="0"/>
-              <a:t>25</a:t>
+              <a:t>26</a:t>
             </a:fld>
             <a:endParaRPr lang="en-US"/>
           </a:p>
@@ -858,7 +824,7 @@
     </p:spTree>
     <p:extLst>
       <p:ext uri="{BB962C8B-B14F-4D97-AF65-F5344CB8AC3E}">
-        <p14:creationId xmlns:p14="http://schemas.microsoft.com/office/powerpoint/2010/main" val="1500510141"/>
+        <p14:creationId xmlns:p14="http://schemas.microsoft.com/office/powerpoint/2010/main" val="377014208"/>
       </p:ext>
     </p:extLst>
   </p:cSld>
@@ -957,7 +923,7 @@
           <a:p>
             <a:fld id="{1300335D-9F13-4B80-ADC5-B0EA3E10FF6B}" type="slidenum">
               <a:rPr lang="en-US" smtClean="0"/>
-              <a:t>26</a:t>
+              <a:t>29</a:t>
             </a:fld>
             <a:endParaRPr lang="en-US"/>
           </a:p>
@@ -966,7 +932,7 @@
     </p:spTree>
     <p:extLst>
       <p:ext uri="{BB962C8B-B14F-4D97-AF65-F5344CB8AC3E}">
-        <p14:creationId xmlns:p14="http://schemas.microsoft.com/office/powerpoint/2010/main" val="377014208"/>
+        <p14:creationId xmlns:p14="http://schemas.microsoft.com/office/powerpoint/2010/main" val="2338108748"/>
       </p:ext>
     </p:extLst>
   </p:cSld>
@@ -1065,7 +1031,7 @@
           <a:p>
             <a:fld id="{1300335D-9F13-4B80-ADC5-B0EA3E10FF6B}" type="slidenum">
               <a:rPr lang="en-US" smtClean="0"/>
-              <a:t>29</a:t>
+              <a:t>30</a:t>
             </a:fld>
             <a:endParaRPr lang="en-US"/>
           </a:p>
@@ -1074,7 +1040,7 @@
     </p:spTree>
     <p:extLst>
       <p:ext uri="{BB962C8B-B14F-4D97-AF65-F5344CB8AC3E}">
-        <p14:creationId xmlns:p14="http://schemas.microsoft.com/office/powerpoint/2010/main" val="2338108748"/>
+        <p14:creationId xmlns:p14="http://schemas.microsoft.com/office/powerpoint/2010/main" val="3885482516"/>
       </p:ext>
     </p:extLst>
   </p:cSld>
@@ -1173,114 +1139,6 @@
           <a:p>
             <a:fld id="{1300335D-9F13-4B80-ADC5-B0EA3E10FF6B}" type="slidenum">
               <a:rPr lang="en-US" smtClean="0"/>
-              <a:t>30</a:t>
-            </a:fld>
-            <a:endParaRPr lang="en-US"/>
-          </a:p>
-        </p:txBody>
-      </p:sp>
-    </p:spTree>
-    <p:extLst>
-      <p:ext uri="{BB962C8B-B14F-4D97-AF65-F5344CB8AC3E}">
-        <p14:creationId xmlns:p14="http://schemas.microsoft.com/office/powerpoint/2010/main" val="3885482516"/>
-      </p:ext>
-    </p:extLst>
-  </p:cSld>
-  <p:clrMapOvr>
-    <a:masterClrMapping/>
-  </p:clrMapOvr>
-</p:notes>
-</file>
-
-<file path=ppt/notesSlides/notesSlide15.xml><?xml version="1.0" encoding="utf-8"?>
-<p:notes xmlns:a="http://schemas.openxmlformats.org/drawingml/2006/main" xmlns:r="http://schemas.openxmlformats.org/officeDocument/2006/relationships" xmlns:p="http://schemas.openxmlformats.org/presentationml/2006/main">
-  <p:cSld>
-    <p:spTree>
-      <p:nvGrpSpPr>
-        <p:cNvPr id="1" name=""/>
-        <p:cNvGrpSpPr/>
-        <p:nvPr/>
-      </p:nvGrpSpPr>
-      <p:grpSpPr>
-        <a:xfrm>
-          <a:off x="0" y="0"/>
-          <a:ext cx="0" cy="0"/>
-          <a:chOff x="0" y="0"/>
-          <a:chExt cx="0" cy="0"/>
-        </a:xfrm>
-      </p:grpSpPr>
-      <p:sp>
-        <p:nvSpPr>
-          <p:cNvPr id="2" name="Slide Image Placeholder 1"/>
-          <p:cNvSpPr>
-            <a:spLocks noGrp="1" noRot="1" noChangeAspect="1"/>
-          </p:cNvSpPr>
-          <p:nvPr>
-            <p:ph type="sldImg"/>
-          </p:nvPr>
-        </p:nvSpPr>
-        <p:spPr/>
-      </p:sp>
-      <p:sp>
-        <p:nvSpPr>
-          <p:cNvPr id="3" name="Notes Placeholder 2"/>
-          <p:cNvSpPr>
-            <a:spLocks noGrp="1"/>
-          </p:cNvSpPr>
-          <p:nvPr>
-            <p:ph type="body" idx="1"/>
-          </p:nvPr>
-        </p:nvSpPr>
-        <p:spPr/>
-        <p:txBody>
-          <a:bodyPr/>
-          <a:lstStyle/>
-          <a:p>
-            <a:pPr marL="228600" indent="-228600">
-              <a:buAutoNum type="arabicPeriod"/>
-            </a:pPr>
-            <a:r>
-              <a:rPr lang="en-US" dirty="0"/>
-              <a:t>False!</a:t>
-            </a:r>
-          </a:p>
-          <a:p>
-            <a:pPr marL="228600" indent="-228600">
-              <a:buAutoNum type="arabicPeriod"/>
-            </a:pPr>
-            <a:r>
-              <a:rPr lang="en-US" dirty="0"/>
-              <a:t>Function, Formula, Function</a:t>
-            </a:r>
-          </a:p>
-          <a:p>
-            <a:pPr marL="228600" indent="-228600">
-              <a:buAutoNum type="arabicPeriod"/>
-            </a:pPr>
-            <a:r>
-              <a:rPr lang="en-US" dirty="0"/>
-              <a:t>Argument</a:t>
-            </a:r>
-          </a:p>
-        </p:txBody>
-      </p:sp>
-      <p:sp>
-        <p:nvSpPr>
-          <p:cNvPr id="4" name="Slide Number Placeholder 3"/>
-          <p:cNvSpPr>
-            <a:spLocks noGrp="1"/>
-          </p:cNvSpPr>
-          <p:nvPr>
-            <p:ph type="sldNum" sz="quarter" idx="5"/>
-          </p:nvPr>
-        </p:nvSpPr>
-        <p:spPr/>
-        <p:txBody>
-          <a:bodyPr/>
-          <a:lstStyle/>
-          <a:p>
-            <a:fld id="{1300335D-9F13-4B80-ADC5-B0EA3E10FF6B}" type="slidenum">
-              <a:rPr lang="en-US" smtClean="0"/>
               <a:t>32</a:t>
             </a:fld>
             <a:endParaRPr lang="en-US"/>
@@ -1293,110 +1151,6 @@
         <p14:creationId xmlns:p14="http://schemas.microsoft.com/office/powerpoint/2010/main" val="1842224038"/>
       </p:ext>
     </p:extLst>
-  </p:cSld>
-  <p:clrMapOvr>
-    <a:masterClrMapping/>
-  </p:clrMapOvr>
-</p:notes>
-</file>
-
-<file path=ppt/notesSlides/notesSlide16.xml><?xml version="1.0" encoding="utf-8"?>
-<p:notes xmlns:a="http://schemas.openxmlformats.org/drawingml/2006/main" xmlns:r="http://schemas.openxmlformats.org/officeDocument/2006/relationships" xmlns:p="http://schemas.openxmlformats.org/presentationml/2006/main" showMasterSp="0" showMasterPhAnim="0">
-  <p:cSld>
-    <p:spTree>
-      <p:nvGrpSpPr>
-        <p:cNvPr id="1" name="Shape 626"/>
-        <p:cNvGrpSpPr/>
-        <p:nvPr/>
-      </p:nvGrpSpPr>
-      <p:grpSpPr>
-        <a:xfrm>
-          <a:off x="0" y="0"/>
-          <a:ext cx="0" cy="0"/>
-          <a:chOff x="0" y="0"/>
-          <a:chExt cx="0" cy="0"/>
-        </a:xfrm>
-      </p:grpSpPr>
-      <p:sp>
-        <p:nvSpPr>
-          <p:cNvPr id="627" name="Google Shape;627;p56:notes"/>
-          <p:cNvSpPr txBox="1">
-            <a:spLocks noGrp="1"/>
-          </p:cNvSpPr>
-          <p:nvPr>
-            <p:ph type="body" idx="1"/>
-          </p:nvPr>
-        </p:nvSpPr>
-        <p:spPr>
-          <a:xfrm>
-            <a:off x="914400" y="4343400"/>
-            <a:ext cx="5029200" cy="4114800"/>
-          </a:xfrm>
-          <a:prstGeom prst="rect">
-            <a:avLst/>
-          </a:prstGeom>
-        </p:spPr>
-        <p:txBody>
-          <a:bodyPr spcFirstLastPara="1" wrap="square" lIns="91425" tIns="45700" rIns="91425" bIns="45700" anchor="t" anchorCtr="0">
-            <a:noAutofit/>
-          </a:bodyPr>
-          <a:lstStyle/>
-          <a:p>
-            <a:pPr marL="0" lvl="0" indent="0" algn="l" rtl="0">
-              <a:spcBef>
-                <a:spcPts val="0"/>
-              </a:spcBef>
-              <a:spcAft>
-                <a:spcPts val="0"/>
-              </a:spcAft>
-              <a:buNone/>
-            </a:pPr>
-            <a:endParaRPr dirty="0"/>
-          </a:p>
-        </p:txBody>
-      </p:sp>
-      <p:sp>
-        <p:nvSpPr>
-          <p:cNvPr id="628" name="Google Shape;628;p56:notes"/>
-          <p:cNvSpPr>
-            <a:spLocks noGrp="1" noRot="1" noChangeAspect="1"/>
-          </p:cNvSpPr>
-          <p:nvPr>
-            <p:ph type="sldImg" idx="2"/>
-          </p:nvPr>
-        </p:nvSpPr>
-        <p:spPr>
-          <a:xfrm>
-            <a:off x="381000" y="685800"/>
-            <a:ext cx="6096000" cy="3429000"/>
-          </a:xfrm>
-          <a:custGeom>
-            <a:avLst/>
-            <a:gdLst/>
-            <a:ahLst/>
-            <a:cxnLst/>
-            <a:rect l="l" t="t" r="r" b="b"/>
-            <a:pathLst>
-              <a:path w="120000" h="120000" extrusionOk="0">
-                <a:moveTo>
-                  <a:pt x="0" y="0"/>
-                </a:moveTo>
-                <a:lnTo>
-                  <a:pt x="120000" y="0"/>
-                </a:lnTo>
-                <a:lnTo>
-                  <a:pt x="120000" y="120000"/>
-                </a:lnTo>
-                <a:lnTo>
-                  <a:pt x="0" y="120000"/>
-                </a:lnTo>
-                <a:close/>
-              </a:path>
-            </a:pathLst>
-          </a:custGeom>
-        </p:spPr>
-      </p:sp>
-    </p:spTree>
   </p:cSld>
   <p:clrMapOvr>
     <a:masterClrMapping/>
@@ -1448,7 +1202,31 @@
           <a:bodyPr/>
           <a:lstStyle/>
           <a:p>
-            <a:endParaRPr lang="en-US" dirty="0"/>
+            <a:pPr marL="228600" indent="-228600">
+              <a:buAutoNum type="arabicPeriod"/>
+            </a:pPr>
+            <a:r>
+              <a:rPr lang="en-US" dirty="0"/>
+              <a:t>False!</a:t>
+            </a:r>
+          </a:p>
+          <a:p>
+            <a:pPr marL="228600" indent="-228600">
+              <a:buAutoNum type="arabicPeriod"/>
+            </a:pPr>
+            <a:r>
+              <a:rPr lang="en-US" dirty="0"/>
+              <a:t>Function, Formula, Function</a:t>
+            </a:r>
+          </a:p>
+          <a:p>
+            <a:pPr marL="228600" indent="-228600">
+              <a:buAutoNum type="arabicPeriod"/>
+            </a:pPr>
+            <a:r>
+              <a:rPr lang="en-US" dirty="0"/>
+              <a:t>Argument</a:t>
+            </a:r>
           </a:p>
         </p:txBody>
       </p:sp>
@@ -1467,9 +1245,9 @@
           <a:bodyPr/>
           <a:lstStyle/>
           <a:p>
-            <a:fld id="{FFB500C5-13F7-48FC-8160-C29AECF6C602}" type="slidenum">
+            <a:fld id="{1300335D-9F13-4B80-ADC5-B0EA3E10FF6B}" type="slidenum">
               <a:rPr lang="en-US" smtClean="0"/>
-              <a:t>2</a:t>
+              <a:t>8</a:t>
             </a:fld>
             <a:endParaRPr lang="en-US"/>
           </a:p>
@@ -1478,7 +1256,7 @@
     </p:spTree>
     <p:extLst>
       <p:ext uri="{BB962C8B-B14F-4D97-AF65-F5344CB8AC3E}">
-        <p14:creationId xmlns:p14="http://schemas.microsoft.com/office/powerpoint/2010/main" val="1700759013"/>
+        <p14:creationId xmlns:p14="http://schemas.microsoft.com/office/powerpoint/2010/main" val="2757268264"/>
       </p:ext>
     </p:extLst>
   </p:cSld>
@@ -1577,7 +1355,7 @@
           <a:p>
             <a:fld id="{1300335D-9F13-4B80-ADC5-B0EA3E10FF6B}" type="slidenum">
               <a:rPr lang="en-US" smtClean="0"/>
-              <a:t>8</a:t>
+              <a:t>9</a:t>
             </a:fld>
             <a:endParaRPr lang="en-US"/>
           </a:p>
@@ -1586,7 +1364,7 @@
     </p:spTree>
     <p:extLst>
       <p:ext uri="{BB962C8B-B14F-4D97-AF65-F5344CB8AC3E}">
-        <p14:creationId xmlns:p14="http://schemas.microsoft.com/office/powerpoint/2010/main" val="2757268264"/>
+        <p14:creationId xmlns:p14="http://schemas.microsoft.com/office/powerpoint/2010/main" val="395630260"/>
       </p:ext>
     </p:extLst>
   </p:cSld>
@@ -1685,7 +1463,7 @@
           <a:p>
             <a:fld id="{1300335D-9F13-4B80-ADC5-B0EA3E10FF6B}" type="slidenum">
               <a:rPr lang="en-US" smtClean="0"/>
-              <a:t>9</a:t>
+              <a:t>12</a:t>
             </a:fld>
             <a:endParaRPr lang="en-US"/>
           </a:p>
@@ -1694,7 +1472,7 @@
     </p:spTree>
     <p:extLst>
       <p:ext uri="{BB962C8B-B14F-4D97-AF65-F5344CB8AC3E}">
-        <p14:creationId xmlns:p14="http://schemas.microsoft.com/office/powerpoint/2010/main" val="395630260"/>
+        <p14:creationId xmlns:p14="http://schemas.microsoft.com/office/powerpoint/2010/main" val="2913293102"/>
       </p:ext>
     </p:extLst>
   </p:cSld>
@@ -1793,7 +1571,7 @@
           <a:p>
             <a:fld id="{1300335D-9F13-4B80-ADC5-B0EA3E10FF6B}" type="slidenum">
               <a:rPr lang="en-US" smtClean="0"/>
-              <a:t>12</a:t>
+              <a:t>13</a:t>
             </a:fld>
             <a:endParaRPr lang="en-US"/>
           </a:p>
@@ -1802,7 +1580,7 @@
     </p:spTree>
     <p:extLst>
       <p:ext uri="{BB962C8B-B14F-4D97-AF65-F5344CB8AC3E}">
-        <p14:creationId xmlns:p14="http://schemas.microsoft.com/office/powerpoint/2010/main" val="2913293102"/>
+        <p14:creationId xmlns:p14="http://schemas.microsoft.com/office/powerpoint/2010/main" val="55314337"/>
       </p:ext>
     </p:extLst>
   </p:cSld>
@@ -1901,7 +1679,7 @@
           <a:p>
             <a:fld id="{1300335D-9F13-4B80-ADC5-B0EA3E10FF6B}" type="slidenum">
               <a:rPr lang="en-US" smtClean="0"/>
-              <a:t>13</a:t>
+              <a:t>16</a:t>
             </a:fld>
             <a:endParaRPr lang="en-US"/>
           </a:p>
@@ -1910,7 +1688,7 @@
     </p:spTree>
     <p:extLst>
       <p:ext uri="{BB962C8B-B14F-4D97-AF65-F5344CB8AC3E}">
-        <p14:creationId xmlns:p14="http://schemas.microsoft.com/office/powerpoint/2010/main" val="55314337"/>
+        <p14:creationId xmlns:p14="http://schemas.microsoft.com/office/powerpoint/2010/main" val="678009514"/>
       </p:ext>
     </p:extLst>
   </p:cSld>
@@ -2009,7 +1787,7 @@
           <a:p>
             <a:fld id="{1300335D-9F13-4B80-ADC5-B0EA3E10FF6B}" type="slidenum">
               <a:rPr lang="en-US" smtClean="0"/>
-              <a:t>16</a:t>
+              <a:t>17</a:t>
             </a:fld>
             <a:endParaRPr lang="en-US"/>
           </a:p>
@@ -2018,7 +1796,7 @@
     </p:spTree>
     <p:extLst>
       <p:ext uri="{BB962C8B-B14F-4D97-AF65-F5344CB8AC3E}">
-        <p14:creationId xmlns:p14="http://schemas.microsoft.com/office/powerpoint/2010/main" val="678009514"/>
+        <p14:creationId xmlns:p14="http://schemas.microsoft.com/office/powerpoint/2010/main" val="358552492"/>
       </p:ext>
     </p:extLst>
   </p:cSld>
@@ -2117,7 +1895,7 @@
           <a:p>
             <a:fld id="{1300335D-9F13-4B80-ADC5-B0EA3E10FF6B}" type="slidenum">
               <a:rPr lang="en-US" smtClean="0"/>
-              <a:t>17</a:t>
+              <a:t>19</a:t>
             </a:fld>
             <a:endParaRPr lang="en-US"/>
           </a:p>
@@ -2126,7 +1904,7 @@
     </p:spTree>
     <p:extLst>
       <p:ext uri="{BB962C8B-B14F-4D97-AF65-F5344CB8AC3E}">
-        <p14:creationId xmlns:p14="http://schemas.microsoft.com/office/powerpoint/2010/main" val="358552492"/>
+        <p14:creationId xmlns:p14="http://schemas.microsoft.com/office/powerpoint/2010/main" val="1308301185"/>
       </p:ext>
     </p:extLst>
   </p:cSld>
@@ -2225,7 +2003,7 @@
           <a:p>
             <a:fld id="{1300335D-9F13-4B80-ADC5-B0EA3E10FF6B}" type="slidenum">
               <a:rPr lang="en-US" smtClean="0"/>
-              <a:t>19</a:t>
+              <a:t>22</a:t>
             </a:fld>
             <a:endParaRPr lang="en-US"/>
           </a:p>
@@ -2234,7 +2012,7 @@
     </p:spTree>
     <p:extLst>
       <p:ext uri="{BB962C8B-B14F-4D97-AF65-F5344CB8AC3E}">
-        <p14:creationId xmlns:p14="http://schemas.microsoft.com/office/powerpoint/2010/main" val="1308301185"/>
+        <p14:creationId xmlns:p14="http://schemas.microsoft.com/office/powerpoint/2010/main" val="624549242"/>
       </p:ext>
     </p:extLst>
   </p:cSld>
@@ -2424,7 +2202,7 @@
             <a:fld id="{1D8BD707-D9CF-40AE-B4C6-C98DA3205C09}" type="datetimeFigureOut">
               <a:rPr lang="en-US" smtClean="0"/>
               <a:pPr/>
-              <a:t>12/2/2023</a:t>
+              <a:t>1/20/2024</a:t>
             </a:fld>
             <a:endParaRPr lang="en-US"/>
           </a:p>
@@ -2589,7 +2367,7 @@
             <a:fld id="{1D8BD707-D9CF-40AE-B4C6-C98DA3205C09}" type="datetimeFigureOut">
               <a:rPr lang="en-US" smtClean="0"/>
               <a:pPr/>
-              <a:t>12/2/2023</a:t>
+              <a:t>1/20/2024</a:t>
             </a:fld>
             <a:endParaRPr lang="en-US"/>
           </a:p>
@@ -2764,7 +2542,7 @@
             <a:fld id="{1D8BD707-D9CF-40AE-B4C6-C98DA3205C09}" type="datetimeFigureOut">
               <a:rPr lang="en-US" smtClean="0"/>
               <a:pPr/>
-              <a:t>12/2/2023</a:t>
+              <a:t>1/20/2024</a:t>
             </a:fld>
             <a:endParaRPr lang="en-US"/>
           </a:p>
@@ -2814,2218 +2592,6 @@
         </p:txBody>
       </p:sp>
     </p:spTree>
-  </p:cSld>
-  <p:clrMapOvr>
-    <a:masterClrMapping/>
-  </p:clrMapOvr>
-</p:sldLayout>
-</file>
-
-<file path=ppt/slideLayouts/slideLayout12.xml><?xml version="1.0" encoding="utf-8"?>
-<p:sldLayout xmlns:a="http://schemas.openxmlformats.org/drawingml/2006/main" xmlns:r="http://schemas.openxmlformats.org/officeDocument/2006/relationships" xmlns:p="http://schemas.openxmlformats.org/presentationml/2006/main" showMasterSp="0" matchingName="Title Slide">
-  <p:cSld name="1_Title Slide">
-    <p:bg>
-      <p:bgPr>
-        <a:blipFill>
-          <a:blip r:embed="rId2">
-            <a:alphaModFix amt="92000"/>
-          </a:blip>
-          <a:stretch>
-            <a:fillRect/>
-          </a:stretch>
-        </a:blipFill>
-        <a:effectLst/>
-      </p:bgPr>
-    </p:bg>
-    <p:spTree>
-      <p:nvGrpSpPr>
-        <p:cNvPr id="1" name="Shape 120"/>
-        <p:cNvGrpSpPr/>
-        <p:nvPr/>
-      </p:nvGrpSpPr>
-      <p:grpSpPr>
-        <a:xfrm>
-          <a:off x="0" y="0"/>
-          <a:ext cx="0" cy="0"/>
-          <a:chOff x="0" y="0"/>
-          <a:chExt cx="0" cy="0"/>
-        </a:xfrm>
-      </p:grpSpPr>
-      <p:sp>
-        <p:nvSpPr>
-          <p:cNvPr id="121" name="Google Shape;121;p60"/>
-          <p:cNvSpPr txBox="1"/>
-          <p:nvPr/>
-        </p:nvSpPr>
-        <p:spPr>
-          <a:xfrm>
-            <a:off x="7046071" y="9845691"/>
-            <a:ext cx="4195862" cy="230832"/>
-          </a:xfrm>
-          <a:prstGeom prst="rect">
-            <a:avLst/>
-          </a:prstGeom>
-          <a:noFill/>
-          <a:ln>
-            <a:noFill/>
-          </a:ln>
-        </p:spPr>
-        <p:txBody>
-          <a:bodyPr spcFirstLastPara="1" wrap="square" lIns="0" tIns="0" rIns="0" bIns="0" anchor="b" anchorCtr="0">
-            <a:spAutoFit/>
-          </a:bodyPr>
-          <a:lstStyle/>
-          <a:p>
-            <a:pPr marL="0" marR="0" lvl="0" indent="0" algn="ctr" rtl="0">
-              <a:lnSpc>
-                <a:spcPct val="100000"/>
-              </a:lnSpc>
-              <a:spcBef>
-                <a:spcPts val="0"/>
-              </a:spcBef>
-              <a:spcAft>
-                <a:spcPts val="0"/>
-              </a:spcAft>
-              <a:buClr>
-                <a:srgbClr val="2AB77A"/>
-              </a:buClr>
-              <a:buSzPts val="1000"/>
-              <a:buFont typeface="Plus Jakarta Sans"/>
-              <a:buNone/>
-            </a:pPr>
-            <a:r>
-              <a:rPr lang="en-US" sz="1500" b="1" i="0" u="none" strike="noStrike" cap="none">
-                <a:solidFill>
-                  <a:srgbClr val="2AB77A"/>
-                </a:solidFill>
-                <a:latin typeface="Plus Jakarta Sans"/>
-                <a:ea typeface="Plus Jakarta Sans"/>
-                <a:cs typeface="Plus Jakarta Sans"/>
-                <a:sym typeface="Plus Jakarta Sans"/>
-              </a:rPr>
-              <a:t>Global Excel Summit 2023 – Internal Use Only</a:t>
-            </a:r>
-            <a:endParaRPr sz="2700"/>
-          </a:p>
-        </p:txBody>
-      </p:sp>
-      <p:pic>
-        <p:nvPicPr>
-          <p:cNvPr id="122" name="Google Shape;122;p60"/>
-          <p:cNvPicPr preferRelativeResize="0"/>
-          <p:nvPr/>
-        </p:nvPicPr>
-        <p:blipFill rotWithShape="1">
-          <a:blip r:embed="rId3">
-            <a:alphaModFix/>
-          </a:blip>
-          <a:srcRect/>
-          <a:stretch/>
-        </p:blipFill>
-        <p:spPr>
-          <a:xfrm>
-            <a:off x="608462" y="493388"/>
-            <a:ext cx="1986990" cy="1234898"/>
-          </a:xfrm>
-          <a:prstGeom prst="rect">
-            <a:avLst/>
-          </a:prstGeom>
-          <a:noFill/>
-          <a:ln>
-            <a:noFill/>
-          </a:ln>
-        </p:spPr>
-      </p:pic>
-      <p:sp>
-        <p:nvSpPr>
-          <p:cNvPr id="123" name="Google Shape;123;p60"/>
-          <p:cNvSpPr txBox="1">
-            <a:spLocks noGrp="1"/>
-          </p:cNvSpPr>
-          <p:nvPr>
-            <p:ph type="sldNum" idx="12"/>
-          </p:nvPr>
-        </p:nvSpPr>
-        <p:spPr>
-          <a:xfrm>
-            <a:off x="12693464" y="9349881"/>
-            <a:ext cx="412938" cy="369291"/>
-          </a:xfrm>
-          <a:prstGeom prst="rect">
-            <a:avLst/>
-          </a:prstGeom>
-          <a:noFill/>
-          <a:ln>
-            <a:noFill/>
-          </a:ln>
-        </p:spPr>
-        <p:txBody>
-          <a:bodyPr spcFirstLastPara="1" wrap="square" lIns="45700" tIns="45700" rIns="45700" bIns="45700" anchor="ctr" anchorCtr="0">
-            <a:spAutoFit/>
-          </a:bodyPr>
-          <a:lstStyle>
-            <a:lvl1pPr marL="0" lvl="0" indent="0" algn="r">
-              <a:lnSpc>
-                <a:spcPct val="100000"/>
-              </a:lnSpc>
-              <a:spcBef>
-                <a:spcPts val="0"/>
-              </a:spcBef>
-              <a:spcAft>
-                <a:spcPts val="0"/>
-              </a:spcAft>
-              <a:buClr>
-                <a:srgbClr val="000000"/>
-              </a:buClr>
-              <a:buSzPts val="1200"/>
-              <a:buFont typeface="Roboto"/>
-              <a:buNone/>
-              <a:defRPr sz="1800">
-                <a:latin typeface="Roboto"/>
-                <a:ea typeface="Roboto"/>
-                <a:cs typeface="Roboto"/>
-                <a:sym typeface="Roboto"/>
-              </a:defRPr>
-            </a:lvl1pPr>
-            <a:lvl2pPr marL="0" lvl="1" indent="0" algn="r">
-              <a:lnSpc>
-                <a:spcPct val="100000"/>
-              </a:lnSpc>
-              <a:spcBef>
-                <a:spcPts val="0"/>
-              </a:spcBef>
-              <a:spcAft>
-                <a:spcPts val="0"/>
-              </a:spcAft>
-              <a:buClr>
-                <a:srgbClr val="000000"/>
-              </a:buClr>
-              <a:buSzPts val="1200"/>
-              <a:buFont typeface="Roboto"/>
-              <a:buNone/>
-              <a:defRPr sz="1800">
-                <a:latin typeface="Roboto"/>
-                <a:ea typeface="Roboto"/>
-                <a:cs typeface="Roboto"/>
-                <a:sym typeface="Roboto"/>
-              </a:defRPr>
-            </a:lvl2pPr>
-            <a:lvl3pPr marL="0" lvl="2" indent="0" algn="r">
-              <a:lnSpc>
-                <a:spcPct val="100000"/>
-              </a:lnSpc>
-              <a:spcBef>
-                <a:spcPts val="0"/>
-              </a:spcBef>
-              <a:spcAft>
-                <a:spcPts val="0"/>
-              </a:spcAft>
-              <a:buClr>
-                <a:srgbClr val="000000"/>
-              </a:buClr>
-              <a:buSzPts val="1200"/>
-              <a:buFont typeface="Roboto"/>
-              <a:buNone/>
-              <a:defRPr sz="1800">
-                <a:latin typeface="Roboto"/>
-                <a:ea typeface="Roboto"/>
-                <a:cs typeface="Roboto"/>
-                <a:sym typeface="Roboto"/>
-              </a:defRPr>
-            </a:lvl3pPr>
-            <a:lvl4pPr marL="0" lvl="3" indent="0" algn="r">
-              <a:lnSpc>
-                <a:spcPct val="100000"/>
-              </a:lnSpc>
-              <a:spcBef>
-                <a:spcPts val="0"/>
-              </a:spcBef>
-              <a:spcAft>
-                <a:spcPts val="0"/>
-              </a:spcAft>
-              <a:buClr>
-                <a:srgbClr val="000000"/>
-              </a:buClr>
-              <a:buSzPts val="1200"/>
-              <a:buFont typeface="Roboto"/>
-              <a:buNone/>
-              <a:defRPr sz="1800">
-                <a:latin typeface="Roboto"/>
-                <a:ea typeface="Roboto"/>
-                <a:cs typeface="Roboto"/>
-                <a:sym typeface="Roboto"/>
-              </a:defRPr>
-            </a:lvl4pPr>
-            <a:lvl5pPr marL="0" lvl="4" indent="0" algn="r">
-              <a:lnSpc>
-                <a:spcPct val="100000"/>
-              </a:lnSpc>
-              <a:spcBef>
-                <a:spcPts val="0"/>
-              </a:spcBef>
-              <a:spcAft>
-                <a:spcPts val="0"/>
-              </a:spcAft>
-              <a:buClr>
-                <a:srgbClr val="000000"/>
-              </a:buClr>
-              <a:buSzPts val="1200"/>
-              <a:buFont typeface="Roboto"/>
-              <a:buNone/>
-              <a:defRPr sz="1800">
-                <a:latin typeface="Roboto"/>
-                <a:ea typeface="Roboto"/>
-                <a:cs typeface="Roboto"/>
-                <a:sym typeface="Roboto"/>
-              </a:defRPr>
-            </a:lvl5pPr>
-            <a:lvl6pPr marL="0" lvl="5" indent="0" algn="r">
-              <a:lnSpc>
-                <a:spcPct val="100000"/>
-              </a:lnSpc>
-              <a:spcBef>
-                <a:spcPts val="0"/>
-              </a:spcBef>
-              <a:spcAft>
-                <a:spcPts val="0"/>
-              </a:spcAft>
-              <a:buClr>
-                <a:srgbClr val="000000"/>
-              </a:buClr>
-              <a:buSzPts val="1200"/>
-              <a:buFont typeface="Roboto"/>
-              <a:buNone/>
-              <a:defRPr sz="1800">
-                <a:latin typeface="Roboto"/>
-                <a:ea typeface="Roboto"/>
-                <a:cs typeface="Roboto"/>
-                <a:sym typeface="Roboto"/>
-              </a:defRPr>
-            </a:lvl6pPr>
-            <a:lvl7pPr marL="0" lvl="6" indent="0" algn="r">
-              <a:lnSpc>
-                <a:spcPct val="100000"/>
-              </a:lnSpc>
-              <a:spcBef>
-                <a:spcPts val="0"/>
-              </a:spcBef>
-              <a:spcAft>
-                <a:spcPts val="0"/>
-              </a:spcAft>
-              <a:buClr>
-                <a:srgbClr val="000000"/>
-              </a:buClr>
-              <a:buSzPts val="1200"/>
-              <a:buFont typeface="Roboto"/>
-              <a:buNone/>
-              <a:defRPr sz="1800">
-                <a:latin typeface="Roboto"/>
-                <a:ea typeface="Roboto"/>
-                <a:cs typeface="Roboto"/>
-                <a:sym typeface="Roboto"/>
-              </a:defRPr>
-            </a:lvl7pPr>
-            <a:lvl8pPr marL="0" lvl="7" indent="0" algn="r">
-              <a:lnSpc>
-                <a:spcPct val="100000"/>
-              </a:lnSpc>
-              <a:spcBef>
-                <a:spcPts val="0"/>
-              </a:spcBef>
-              <a:spcAft>
-                <a:spcPts val="0"/>
-              </a:spcAft>
-              <a:buClr>
-                <a:srgbClr val="000000"/>
-              </a:buClr>
-              <a:buSzPts val="1200"/>
-              <a:buFont typeface="Roboto"/>
-              <a:buNone/>
-              <a:defRPr sz="1800">
-                <a:latin typeface="Roboto"/>
-                <a:ea typeface="Roboto"/>
-                <a:cs typeface="Roboto"/>
-                <a:sym typeface="Roboto"/>
-              </a:defRPr>
-            </a:lvl8pPr>
-            <a:lvl9pPr marL="0" lvl="8" indent="0" algn="r">
-              <a:lnSpc>
-                <a:spcPct val="100000"/>
-              </a:lnSpc>
-              <a:spcBef>
-                <a:spcPts val="0"/>
-              </a:spcBef>
-              <a:spcAft>
-                <a:spcPts val="0"/>
-              </a:spcAft>
-              <a:buClr>
-                <a:srgbClr val="000000"/>
-              </a:buClr>
-              <a:buSzPts val="1200"/>
-              <a:buFont typeface="Roboto"/>
-              <a:buNone/>
-              <a:defRPr sz="1800">
-                <a:latin typeface="Roboto"/>
-                <a:ea typeface="Roboto"/>
-                <a:cs typeface="Roboto"/>
-                <a:sym typeface="Roboto"/>
-              </a:defRPr>
-            </a:lvl9pPr>
-          </a:lstStyle>
-          <a:p>
-            <a:fld id="{00000000-1234-1234-1234-123412341234}" type="slidenum">
-              <a:rPr lang="en-US" smtClean="0"/>
-              <a:pPr/>
-              <a:t>‹#›</a:t>
-            </a:fld>
-            <a:endParaRPr lang="en-US"/>
-          </a:p>
-        </p:txBody>
-      </p:sp>
-      <p:pic>
-        <p:nvPicPr>
-          <p:cNvPr id="124" name="Google Shape;124;p60"/>
-          <p:cNvPicPr preferRelativeResize="0"/>
-          <p:nvPr/>
-        </p:nvPicPr>
-        <p:blipFill rotWithShape="1">
-          <a:blip r:embed="rId4">
-            <a:alphaModFix amt="8000"/>
-          </a:blip>
-          <a:srcRect r="26339"/>
-          <a:stretch/>
-        </p:blipFill>
-        <p:spPr>
-          <a:xfrm>
-            <a:off x="13106402" y="2848907"/>
-            <a:ext cx="5181599" cy="7438094"/>
-          </a:xfrm>
-          <a:prstGeom prst="rect">
-            <a:avLst/>
-          </a:prstGeom>
-          <a:noFill/>
-          <a:ln>
-            <a:noFill/>
-          </a:ln>
-        </p:spPr>
-      </p:pic>
-      <p:sp>
-        <p:nvSpPr>
-          <p:cNvPr id="125" name="Google Shape;125;p60"/>
-          <p:cNvSpPr txBox="1">
-            <a:spLocks noGrp="1"/>
-          </p:cNvSpPr>
-          <p:nvPr>
-            <p:ph type="body" idx="1"/>
-          </p:nvPr>
-        </p:nvSpPr>
-        <p:spPr>
-          <a:xfrm>
-            <a:off x="2826302" y="7549750"/>
-            <a:ext cx="6188870" cy="595889"/>
-          </a:xfrm>
-          <a:prstGeom prst="rect">
-            <a:avLst/>
-          </a:prstGeom>
-          <a:noFill/>
-          <a:ln>
-            <a:noFill/>
-          </a:ln>
-        </p:spPr>
-        <p:txBody>
-          <a:bodyPr spcFirstLastPara="1" wrap="square" lIns="0" tIns="0" rIns="0" bIns="0" anchor="t" anchorCtr="0">
-            <a:normAutofit/>
-          </a:bodyPr>
-          <a:lstStyle>
-            <a:lvl1pPr marL="685800" lvl="0" indent="-342900" algn="l">
-              <a:lnSpc>
-                <a:spcPct val="90000"/>
-              </a:lnSpc>
-              <a:spcBef>
-                <a:spcPts val="1500"/>
-              </a:spcBef>
-              <a:spcAft>
-                <a:spcPts val="0"/>
-              </a:spcAft>
-              <a:buClr>
-                <a:srgbClr val="2AB77A"/>
-              </a:buClr>
-              <a:buSzPts val="2800"/>
-              <a:buFont typeface="Plus Jakarta Sans"/>
-              <a:buNone/>
-              <a:defRPr sz="4200" b="1">
-                <a:solidFill>
-                  <a:srgbClr val="2AB77A"/>
-                </a:solidFill>
-              </a:defRPr>
-            </a:lvl1pPr>
-            <a:lvl2pPr marL="1371600" lvl="1" indent="-342900" algn="l">
-              <a:lnSpc>
-                <a:spcPct val="90000"/>
-              </a:lnSpc>
-              <a:spcBef>
-                <a:spcPts val="1500"/>
-              </a:spcBef>
-              <a:spcAft>
-                <a:spcPts val="0"/>
-              </a:spcAft>
-              <a:buClr>
-                <a:srgbClr val="000000"/>
-              </a:buClr>
-              <a:buSzPts val="2800"/>
-              <a:buFont typeface="Plus Jakarta Sans"/>
-              <a:buNone/>
-              <a:defRPr sz="4200" b="1"/>
-            </a:lvl2pPr>
-            <a:lvl3pPr marL="2057400" lvl="2" indent="-342900" algn="l">
-              <a:lnSpc>
-                <a:spcPct val="90000"/>
-              </a:lnSpc>
-              <a:spcBef>
-                <a:spcPts val="1500"/>
-              </a:spcBef>
-              <a:spcAft>
-                <a:spcPts val="0"/>
-              </a:spcAft>
-              <a:buClr>
-                <a:srgbClr val="000000"/>
-              </a:buClr>
-              <a:buSzPts val="2800"/>
-              <a:buFont typeface="Plus Jakarta Sans"/>
-              <a:buNone/>
-              <a:defRPr sz="4200" b="1"/>
-            </a:lvl3pPr>
-            <a:lvl4pPr marL="2743200" lvl="3" indent="-342900" algn="l">
-              <a:lnSpc>
-                <a:spcPct val="90000"/>
-              </a:lnSpc>
-              <a:spcBef>
-                <a:spcPts val="1500"/>
-              </a:spcBef>
-              <a:spcAft>
-                <a:spcPts val="0"/>
-              </a:spcAft>
-              <a:buClr>
-                <a:srgbClr val="000000"/>
-              </a:buClr>
-              <a:buSzPts val="2800"/>
-              <a:buFont typeface="Plus Jakarta Sans"/>
-              <a:buNone/>
-              <a:defRPr sz="4200" b="1"/>
-            </a:lvl4pPr>
-            <a:lvl5pPr marL="3429000" lvl="4" indent="-342900" algn="l">
-              <a:lnSpc>
-                <a:spcPct val="90000"/>
-              </a:lnSpc>
-              <a:spcBef>
-                <a:spcPts val="1500"/>
-              </a:spcBef>
-              <a:spcAft>
-                <a:spcPts val="0"/>
-              </a:spcAft>
-              <a:buClr>
-                <a:srgbClr val="000000"/>
-              </a:buClr>
-              <a:buSzPts val="2800"/>
-              <a:buFont typeface="Plus Jakarta Sans"/>
-              <a:buNone/>
-              <a:defRPr sz="4200" b="1"/>
-            </a:lvl5pPr>
-            <a:lvl6pPr marL="4114800" lvl="5" indent="-342900" algn="l">
-              <a:lnSpc>
-                <a:spcPct val="90000"/>
-              </a:lnSpc>
-              <a:spcBef>
-                <a:spcPts val="1500"/>
-              </a:spcBef>
-              <a:spcAft>
-                <a:spcPts val="0"/>
-              </a:spcAft>
-              <a:buClr>
-                <a:srgbClr val="000000"/>
-              </a:buClr>
-              <a:buSzPts val="1800"/>
-              <a:buNone/>
-              <a:defRPr/>
-            </a:lvl6pPr>
-            <a:lvl7pPr marL="4800600" lvl="6" indent="-548640" algn="l">
-              <a:lnSpc>
-                <a:spcPct val="90000"/>
-              </a:lnSpc>
-              <a:spcBef>
-                <a:spcPts val="1500"/>
-              </a:spcBef>
-              <a:spcAft>
-                <a:spcPts val="0"/>
-              </a:spcAft>
-              <a:buClr>
-                <a:srgbClr val="000000"/>
-              </a:buClr>
-              <a:buSzPts val="2160"/>
-              <a:buChar char="+"/>
-              <a:defRPr/>
-            </a:lvl7pPr>
-            <a:lvl8pPr marL="5486400" lvl="7" indent="-548639" algn="l">
-              <a:lnSpc>
-                <a:spcPct val="90000"/>
-              </a:lnSpc>
-              <a:spcBef>
-                <a:spcPts val="1500"/>
-              </a:spcBef>
-              <a:spcAft>
-                <a:spcPts val="0"/>
-              </a:spcAft>
-              <a:buClr>
-                <a:srgbClr val="000000"/>
-              </a:buClr>
-              <a:buSzPts val="2160"/>
-              <a:buChar char="+"/>
-              <a:defRPr/>
-            </a:lvl8pPr>
-            <a:lvl9pPr marL="6172200" lvl="8" indent="-548639" algn="l">
-              <a:lnSpc>
-                <a:spcPct val="90000"/>
-              </a:lnSpc>
-              <a:spcBef>
-                <a:spcPts val="1500"/>
-              </a:spcBef>
-              <a:spcAft>
-                <a:spcPts val="0"/>
-              </a:spcAft>
-              <a:buClr>
-                <a:srgbClr val="000000"/>
-              </a:buClr>
-              <a:buSzPts val="2160"/>
-              <a:buChar char="+"/>
-              <a:defRPr/>
-            </a:lvl9pPr>
-          </a:lstStyle>
-          <a:p>
-            <a:endParaRPr/>
-          </a:p>
-        </p:txBody>
-      </p:sp>
-      <p:sp>
-        <p:nvSpPr>
-          <p:cNvPr id="126" name="Google Shape;126;p60"/>
-          <p:cNvSpPr txBox="1">
-            <a:spLocks noGrp="1"/>
-          </p:cNvSpPr>
-          <p:nvPr>
-            <p:ph type="body" idx="2"/>
-          </p:nvPr>
-        </p:nvSpPr>
-        <p:spPr>
-          <a:xfrm>
-            <a:off x="2826303" y="8259125"/>
-            <a:ext cx="5181600" cy="852461"/>
-          </a:xfrm>
-          <a:prstGeom prst="rect">
-            <a:avLst/>
-          </a:prstGeom>
-          <a:noFill/>
-          <a:ln>
-            <a:noFill/>
-          </a:ln>
-        </p:spPr>
-        <p:txBody>
-          <a:bodyPr spcFirstLastPara="1" wrap="square" lIns="0" tIns="0" rIns="0" bIns="0" anchor="t" anchorCtr="0">
-            <a:normAutofit/>
-          </a:bodyPr>
-          <a:lstStyle>
-            <a:lvl1pPr marL="685800" lvl="0" indent="-342900" algn="l">
-              <a:lnSpc>
-                <a:spcPct val="90000"/>
-              </a:lnSpc>
-              <a:spcBef>
-                <a:spcPts val="1200"/>
-              </a:spcBef>
-              <a:spcAft>
-                <a:spcPts val="0"/>
-              </a:spcAft>
-              <a:buClr>
-                <a:srgbClr val="686868"/>
-              </a:buClr>
-              <a:buSzPts val="1800"/>
-              <a:buFont typeface="Plus Jakarta Sans"/>
-              <a:buNone/>
-              <a:defRPr sz="2700">
-                <a:solidFill>
-                  <a:srgbClr val="686868"/>
-                </a:solidFill>
-              </a:defRPr>
-            </a:lvl1pPr>
-            <a:lvl2pPr marL="1371600" lvl="1" indent="-342900" algn="l">
-              <a:lnSpc>
-                <a:spcPct val="90000"/>
-              </a:lnSpc>
-              <a:spcBef>
-                <a:spcPts val="1500"/>
-              </a:spcBef>
-              <a:spcAft>
-                <a:spcPts val="0"/>
-              </a:spcAft>
-              <a:buClr>
-                <a:srgbClr val="000000"/>
-              </a:buClr>
-              <a:buSzPts val="1800"/>
-              <a:buNone/>
-              <a:defRPr/>
-            </a:lvl2pPr>
-            <a:lvl3pPr marL="2057400" lvl="2" indent="-342900" algn="l">
-              <a:lnSpc>
-                <a:spcPct val="90000"/>
-              </a:lnSpc>
-              <a:spcBef>
-                <a:spcPts val="1500"/>
-              </a:spcBef>
-              <a:spcAft>
-                <a:spcPts val="0"/>
-              </a:spcAft>
-              <a:buClr>
-                <a:srgbClr val="000000"/>
-              </a:buClr>
-              <a:buSzPts val="1800"/>
-              <a:buNone/>
-              <a:defRPr/>
-            </a:lvl3pPr>
-            <a:lvl4pPr marL="2743200" lvl="3" indent="-342900" algn="l">
-              <a:lnSpc>
-                <a:spcPct val="90000"/>
-              </a:lnSpc>
-              <a:spcBef>
-                <a:spcPts val="1500"/>
-              </a:spcBef>
-              <a:spcAft>
-                <a:spcPts val="0"/>
-              </a:spcAft>
-              <a:buClr>
-                <a:srgbClr val="000000"/>
-              </a:buClr>
-              <a:buSzPts val="1800"/>
-              <a:buNone/>
-              <a:defRPr/>
-            </a:lvl4pPr>
-            <a:lvl5pPr marL="3429000" lvl="4" indent="-342900" algn="l">
-              <a:lnSpc>
-                <a:spcPct val="90000"/>
-              </a:lnSpc>
-              <a:spcBef>
-                <a:spcPts val="1500"/>
-              </a:spcBef>
-              <a:spcAft>
-                <a:spcPts val="0"/>
-              </a:spcAft>
-              <a:buClr>
-                <a:srgbClr val="000000"/>
-              </a:buClr>
-              <a:buSzPts val="1800"/>
-              <a:buNone/>
-              <a:defRPr/>
-            </a:lvl5pPr>
-            <a:lvl6pPr marL="4114800" lvl="5" indent="-342900" algn="l">
-              <a:lnSpc>
-                <a:spcPct val="90000"/>
-              </a:lnSpc>
-              <a:spcBef>
-                <a:spcPts val="1500"/>
-              </a:spcBef>
-              <a:spcAft>
-                <a:spcPts val="0"/>
-              </a:spcAft>
-              <a:buClr>
-                <a:srgbClr val="000000"/>
-              </a:buClr>
-              <a:buSzPts val="1800"/>
-              <a:buNone/>
-              <a:defRPr/>
-            </a:lvl6pPr>
-            <a:lvl7pPr marL="4800600" lvl="6" indent="-548640" algn="l">
-              <a:lnSpc>
-                <a:spcPct val="90000"/>
-              </a:lnSpc>
-              <a:spcBef>
-                <a:spcPts val="1500"/>
-              </a:spcBef>
-              <a:spcAft>
-                <a:spcPts val="0"/>
-              </a:spcAft>
-              <a:buClr>
-                <a:srgbClr val="000000"/>
-              </a:buClr>
-              <a:buSzPts val="2160"/>
-              <a:buChar char="+"/>
-              <a:defRPr/>
-            </a:lvl7pPr>
-            <a:lvl8pPr marL="5486400" lvl="7" indent="-548639" algn="l">
-              <a:lnSpc>
-                <a:spcPct val="90000"/>
-              </a:lnSpc>
-              <a:spcBef>
-                <a:spcPts val="1500"/>
-              </a:spcBef>
-              <a:spcAft>
-                <a:spcPts val="0"/>
-              </a:spcAft>
-              <a:buClr>
-                <a:srgbClr val="000000"/>
-              </a:buClr>
-              <a:buSzPts val="2160"/>
-              <a:buChar char="+"/>
-              <a:defRPr/>
-            </a:lvl8pPr>
-            <a:lvl9pPr marL="6172200" lvl="8" indent="-548639" algn="l">
-              <a:lnSpc>
-                <a:spcPct val="90000"/>
-              </a:lnSpc>
-              <a:spcBef>
-                <a:spcPts val="1500"/>
-              </a:spcBef>
-              <a:spcAft>
-                <a:spcPts val="0"/>
-              </a:spcAft>
-              <a:buClr>
-                <a:srgbClr val="000000"/>
-              </a:buClr>
-              <a:buSzPts val="2160"/>
-              <a:buChar char="+"/>
-              <a:defRPr/>
-            </a:lvl9pPr>
-          </a:lstStyle>
-          <a:p>
-            <a:endParaRPr/>
-          </a:p>
-        </p:txBody>
-      </p:sp>
-      <p:sp>
-        <p:nvSpPr>
-          <p:cNvPr id="127" name="Google Shape;127;p60" descr="Add your Logo/Photo from here.&#10;"/>
-          <p:cNvSpPr>
-            <a:spLocks noGrp="1"/>
-          </p:cNvSpPr>
-          <p:nvPr>
-            <p:ph type="pic" idx="3"/>
-          </p:nvPr>
-        </p:nvSpPr>
-        <p:spPr>
-          <a:xfrm>
-            <a:off x="597451" y="7465227"/>
-            <a:ext cx="1998000" cy="1998000"/>
-          </a:xfrm>
-          <a:prstGeom prst="ellipse">
-            <a:avLst/>
-          </a:prstGeom>
-          <a:noFill/>
-          <a:ln w="31750" cap="flat" cmpd="sng">
-            <a:solidFill>
-              <a:srgbClr val="3DF4A1"/>
-            </a:solidFill>
-            <a:prstDash val="solid"/>
-            <a:round/>
-            <a:headEnd type="none" w="sm" len="sm"/>
-            <a:tailEnd type="none" w="sm" len="sm"/>
-          </a:ln>
-        </p:spPr>
-      </p:sp>
-      <p:sp>
-        <p:nvSpPr>
-          <p:cNvPr id="128" name="Google Shape;128;p60"/>
-          <p:cNvSpPr txBox="1">
-            <a:spLocks noGrp="1"/>
-          </p:cNvSpPr>
-          <p:nvPr>
-            <p:ph type="body" idx="4"/>
-          </p:nvPr>
-        </p:nvSpPr>
-        <p:spPr>
-          <a:xfrm>
-            <a:off x="597452" y="3717053"/>
-            <a:ext cx="11975549" cy="1759407"/>
-          </a:xfrm>
-          <a:prstGeom prst="rect">
-            <a:avLst/>
-          </a:prstGeom>
-          <a:noFill/>
-          <a:ln>
-            <a:noFill/>
-          </a:ln>
-        </p:spPr>
-        <p:txBody>
-          <a:bodyPr spcFirstLastPara="1" wrap="square" lIns="0" tIns="0" rIns="0" bIns="0" anchor="t" anchorCtr="0">
-            <a:noAutofit/>
-          </a:bodyPr>
-          <a:lstStyle>
-            <a:lvl1pPr marL="685800" lvl="0" indent="-342900" algn="l">
-              <a:lnSpc>
-                <a:spcPct val="90000"/>
-              </a:lnSpc>
-              <a:spcBef>
-                <a:spcPts val="1500"/>
-              </a:spcBef>
-              <a:spcAft>
-                <a:spcPts val="0"/>
-              </a:spcAft>
-              <a:buClr>
-                <a:srgbClr val="2AB77A"/>
-              </a:buClr>
-              <a:buSzPts val="4800"/>
-              <a:buFont typeface="Plus Jakarta Sans"/>
-              <a:buNone/>
-              <a:defRPr sz="7200" b="1">
-                <a:solidFill>
-                  <a:srgbClr val="2AB77A"/>
-                </a:solidFill>
-                <a:latin typeface="Plus Jakarta Sans"/>
-                <a:ea typeface="Plus Jakarta Sans"/>
-                <a:cs typeface="Plus Jakarta Sans"/>
-                <a:sym typeface="Plus Jakarta Sans"/>
-              </a:defRPr>
-            </a:lvl1pPr>
-            <a:lvl2pPr marL="1371600" lvl="1" indent="-342900" algn="l">
-              <a:lnSpc>
-                <a:spcPct val="90000"/>
-              </a:lnSpc>
-              <a:spcBef>
-                <a:spcPts val="1500"/>
-              </a:spcBef>
-              <a:spcAft>
-                <a:spcPts val="0"/>
-              </a:spcAft>
-              <a:buClr>
-                <a:srgbClr val="000000"/>
-              </a:buClr>
-              <a:buSzPts val="4800"/>
-              <a:buFont typeface="Plus Jakarta Sans"/>
-              <a:buNone/>
-              <a:defRPr sz="7200" b="1">
-                <a:latin typeface="Plus Jakarta Sans"/>
-                <a:ea typeface="Plus Jakarta Sans"/>
-                <a:cs typeface="Plus Jakarta Sans"/>
-                <a:sym typeface="Plus Jakarta Sans"/>
-              </a:defRPr>
-            </a:lvl2pPr>
-            <a:lvl3pPr marL="2057400" lvl="2" indent="-342900" algn="l">
-              <a:lnSpc>
-                <a:spcPct val="90000"/>
-              </a:lnSpc>
-              <a:spcBef>
-                <a:spcPts val="1500"/>
-              </a:spcBef>
-              <a:spcAft>
-                <a:spcPts val="0"/>
-              </a:spcAft>
-              <a:buClr>
-                <a:srgbClr val="000000"/>
-              </a:buClr>
-              <a:buSzPts val="4800"/>
-              <a:buFont typeface="Plus Jakarta Sans"/>
-              <a:buNone/>
-              <a:defRPr sz="7200" b="1">
-                <a:latin typeface="Plus Jakarta Sans"/>
-                <a:ea typeface="Plus Jakarta Sans"/>
-                <a:cs typeface="Plus Jakarta Sans"/>
-                <a:sym typeface="Plus Jakarta Sans"/>
-              </a:defRPr>
-            </a:lvl3pPr>
-            <a:lvl4pPr marL="2743200" lvl="3" indent="-342900" algn="l">
-              <a:lnSpc>
-                <a:spcPct val="90000"/>
-              </a:lnSpc>
-              <a:spcBef>
-                <a:spcPts val="1500"/>
-              </a:spcBef>
-              <a:spcAft>
-                <a:spcPts val="0"/>
-              </a:spcAft>
-              <a:buClr>
-                <a:srgbClr val="000000"/>
-              </a:buClr>
-              <a:buSzPts val="4800"/>
-              <a:buFont typeface="Plus Jakarta Sans"/>
-              <a:buNone/>
-              <a:defRPr sz="7200" b="1">
-                <a:latin typeface="Plus Jakarta Sans"/>
-                <a:ea typeface="Plus Jakarta Sans"/>
-                <a:cs typeface="Plus Jakarta Sans"/>
-                <a:sym typeface="Plus Jakarta Sans"/>
-              </a:defRPr>
-            </a:lvl4pPr>
-            <a:lvl5pPr marL="3429000" lvl="4" indent="-342900" algn="l">
-              <a:lnSpc>
-                <a:spcPct val="90000"/>
-              </a:lnSpc>
-              <a:spcBef>
-                <a:spcPts val="1500"/>
-              </a:spcBef>
-              <a:spcAft>
-                <a:spcPts val="0"/>
-              </a:spcAft>
-              <a:buClr>
-                <a:srgbClr val="000000"/>
-              </a:buClr>
-              <a:buSzPts val="4800"/>
-              <a:buFont typeface="Plus Jakarta Sans"/>
-              <a:buNone/>
-              <a:defRPr sz="7200" b="1">
-                <a:latin typeface="Plus Jakarta Sans"/>
-                <a:ea typeface="Plus Jakarta Sans"/>
-                <a:cs typeface="Plus Jakarta Sans"/>
-                <a:sym typeface="Plus Jakarta Sans"/>
-              </a:defRPr>
-            </a:lvl5pPr>
-            <a:lvl6pPr marL="4114800" lvl="5" indent="-342900" algn="l">
-              <a:lnSpc>
-                <a:spcPct val="90000"/>
-              </a:lnSpc>
-              <a:spcBef>
-                <a:spcPts val="1500"/>
-              </a:spcBef>
-              <a:spcAft>
-                <a:spcPts val="0"/>
-              </a:spcAft>
-              <a:buClr>
-                <a:srgbClr val="000000"/>
-              </a:buClr>
-              <a:buSzPts val="1800"/>
-              <a:buNone/>
-              <a:defRPr/>
-            </a:lvl6pPr>
-            <a:lvl7pPr marL="4800600" lvl="6" indent="-548640" algn="l">
-              <a:lnSpc>
-                <a:spcPct val="90000"/>
-              </a:lnSpc>
-              <a:spcBef>
-                <a:spcPts val="1500"/>
-              </a:spcBef>
-              <a:spcAft>
-                <a:spcPts val="0"/>
-              </a:spcAft>
-              <a:buClr>
-                <a:srgbClr val="000000"/>
-              </a:buClr>
-              <a:buSzPts val="2160"/>
-              <a:buChar char="+"/>
-              <a:defRPr/>
-            </a:lvl7pPr>
-            <a:lvl8pPr marL="5486400" lvl="7" indent="-548639" algn="l">
-              <a:lnSpc>
-                <a:spcPct val="90000"/>
-              </a:lnSpc>
-              <a:spcBef>
-                <a:spcPts val="1500"/>
-              </a:spcBef>
-              <a:spcAft>
-                <a:spcPts val="0"/>
-              </a:spcAft>
-              <a:buClr>
-                <a:srgbClr val="000000"/>
-              </a:buClr>
-              <a:buSzPts val="2160"/>
-              <a:buChar char="+"/>
-              <a:defRPr/>
-            </a:lvl8pPr>
-            <a:lvl9pPr marL="6172200" lvl="8" indent="-548639" algn="l">
-              <a:lnSpc>
-                <a:spcPct val="90000"/>
-              </a:lnSpc>
-              <a:spcBef>
-                <a:spcPts val="1500"/>
-              </a:spcBef>
-              <a:spcAft>
-                <a:spcPts val="0"/>
-              </a:spcAft>
-              <a:buClr>
-                <a:srgbClr val="000000"/>
-              </a:buClr>
-              <a:buSzPts val="2160"/>
-              <a:buChar char="+"/>
-              <a:defRPr/>
-            </a:lvl9pPr>
-          </a:lstStyle>
-          <a:p>
-            <a:endParaRPr/>
-          </a:p>
-        </p:txBody>
-      </p:sp>
-    </p:spTree>
-    <p:extLst>
-      <p:ext uri="{BB962C8B-B14F-4D97-AF65-F5344CB8AC3E}">
-        <p14:creationId xmlns:p14="http://schemas.microsoft.com/office/powerpoint/2010/main" val="1286229797"/>
-      </p:ext>
-    </p:extLst>
-  </p:cSld>
-  <p:clrMapOvr>
-    <a:masterClrMapping/>
-  </p:clrMapOvr>
-</p:sldLayout>
-</file>
-
-<file path=ppt/slideLayouts/slideLayout13.xml><?xml version="1.0" encoding="utf-8"?>
-<p:sldLayout xmlns:a="http://schemas.openxmlformats.org/drawingml/2006/main" xmlns:r="http://schemas.openxmlformats.org/officeDocument/2006/relationships" xmlns:p="http://schemas.openxmlformats.org/presentationml/2006/main" showMasterSp="0" matchingName="Thank You Slide_1">
-  <p:cSld name="Thank You Slide_1">
-    <p:bg>
-      <p:bgPr>
-        <a:blipFill>
-          <a:blip r:embed="rId2">
-            <a:alphaModFix amt="92000"/>
-          </a:blip>
-          <a:stretch>
-            <a:fillRect/>
-          </a:stretch>
-        </a:blipFill>
-        <a:effectLst/>
-      </p:bgPr>
-    </p:bg>
-    <p:spTree>
-      <p:nvGrpSpPr>
-        <p:cNvPr id="1" name="Shape 218"/>
-        <p:cNvGrpSpPr/>
-        <p:nvPr/>
-      </p:nvGrpSpPr>
-      <p:grpSpPr>
-        <a:xfrm>
-          <a:off x="0" y="0"/>
-          <a:ext cx="0" cy="0"/>
-          <a:chOff x="0" y="0"/>
-          <a:chExt cx="0" cy="0"/>
-        </a:xfrm>
-      </p:grpSpPr>
-      <p:sp>
-        <p:nvSpPr>
-          <p:cNvPr id="219" name="Google Shape;219;p94"/>
-          <p:cNvSpPr txBox="1">
-            <a:spLocks noGrp="1"/>
-          </p:cNvSpPr>
-          <p:nvPr>
-            <p:ph type="sldNum" idx="12"/>
-          </p:nvPr>
-        </p:nvSpPr>
-        <p:spPr>
-          <a:xfrm>
-            <a:off x="12693464" y="9349881"/>
-            <a:ext cx="412938" cy="369291"/>
-          </a:xfrm>
-          <a:prstGeom prst="rect">
-            <a:avLst/>
-          </a:prstGeom>
-          <a:noFill/>
-          <a:ln>
-            <a:noFill/>
-          </a:ln>
-        </p:spPr>
-        <p:txBody>
-          <a:bodyPr spcFirstLastPara="1" wrap="square" lIns="45700" tIns="45700" rIns="45700" bIns="45700" anchor="ctr" anchorCtr="0">
-            <a:spAutoFit/>
-          </a:bodyPr>
-          <a:lstStyle>
-            <a:lvl1pPr marL="0" lvl="0" indent="0" algn="r">
-              <a:lnSpc>
-                <a:spcPct val="100000"/>
-              </a:lnSpc>
-              <a:spcBef>
-                <a:spcPts val="0"/>
-              </a:spcBef>
-              <a:spcAft>
-                <a:spcPts val="0"/>
-              </a:spcAft>
-              <a:buClr>
-                <a:srgbClr val="000000"/>
-              </a:buClr>
-              <a:buSzPts val="1200"/>
-              <a:buFont typeface="Roboto"/>
-              <a:buNone/>
-              <a:defRPr sz="1800">
-                <a:latin typeface="Roboto"/>
-                <a:ea typeface="Roboto"/>
-                <a:cs typeface="Roboto"/>
-                <a:sym typeface="Roboto"/>
-              </a:defRPr>
-            </a:lvl1pPr>
-            <a:lvl2pPr marL="0" lvl="1" indent="0" algn="r">
-              <a:lnSpc>
-                <a:spcPct val="100000"/>
-              </a:lnSpc>
-              <a:spcBef>
-                <a:spcPts val="0"/>
-              </a:spcBef>
-              <a:spcAft>
-                <a:spcPts val="0"/>
-              </a:spcAft>
-              <a:buClr>
-                <a:srgbClr val="000000"/>
-              </a:buClr>
-              <a:buSzPts val="1200"/>
-              <a:buFont typeface="Roboto"/>
-              <a:buNone/>
-              <a:defRPr sz="1800">
-                <a:latin typeface="Roboto"/>
-                <a:ea typeface="Roboto"/>
-                <a:cs typeface="Roboto"/>
-                <a:sym typeface="Roboto"/>
-              </a:defRPr>
-            </a:lvl2pPr>
-            <a:lvl3pPr marL="0" lvl="2" indent="0" algn="r">
-              <a:lnSpc>
-                <a:spcPct val="100000"/>
-              </a:lnSpc>
-              <a:spcBef>
-                <a:spcPts val="0"/>
-              </a:spcBef>
-              <a:spcAft>
-                <a:spcPts val="0"/>
-              </a:spcAft>
-              <a:buClr>
-                <a:srgbClr val="000000"/>
-              </a:buClr>
-              <a:buSzPts val="1200"/>
-              <a:buFont typeface="Roboto"/>
-              <a:buNone/>
-              <a:defRPr sz="1800">
-                <a:latin typeface="Roboto"/>
-                <a:ea typeface="Roboto"/>
-                <a:cs typeface="Roboto"/>
-                <a:sym typeface="Roboto"/>
-              </a:defRPr>
-            </a:lvl3pPr>
-            <a:lvl4pPr marL="0" lvl="3" indent="0" algn="r">
-              <a:lnSpc>
-                <a:spcPct val="100000"/>
-              </a:lnSpc>
-              <a:spcBef>
-                <a:spcPts val="0"/>
-              </a:spcBef>
-              <a:spcAft>
-                <a:spcPts val="0"/>
-              </a:spcAft>
-              <a:buClr>
-                <a:srgbClr val="000000"/>
-              </a:buClr>
-              <a:buSzPts val="1200"/>
-              <a:buFont typeface="Roboto"/>
-              <a:buNone/>
-              <a:defRPr sz="1800">
-                <a:latin typeface="Roboto"/>
-                <a:ea typeface="Roboto"/>
-                <a:cs typeface="Roboto"/>
-                <a:sym typeface="Roboto"/>
-              </a:defRPr>
-            </a:lvl4pPr>
-            <a:lvl5pPr marL="0" lvl="4" indent="0" algn="r">
-              <a:lnSpc>
-                <a:spcPct val="100000"/>
-              </a:lnSpc>
-              <a:spcBef>
-                <a:spcPts val="0"/>
-              </a:spcBef>
-              <a:spcAft>
-                <a:spcPts val="0"/>
-              </a:spcAft>
-              <a:buClr>
-                <a:srgbClr val="000000"/>
-              </a:buClr>
-              <a:buSzPts val="1200"/>
-              <a:buFont typeface="Roboto"/>
-              <a:buNone/>
-              <a:defRPr sz="1800">
-                <a:latin typeface="Roboto"/>
-                <a:ea typeface="Roboto"/>
-                <a:cs typeface="Roboto"/>
-                <a:sym typeface="Roboto"/>
-              </a:defRPr>
-            </a:lvl5pPr>
-            <a:lvl6pPr marL="0" lvl="5" indent="0" algn="r">
-              <a:lnSpc>
-                <a:spcPct val="100000"/>
-              </a:lnSpc>
-              <a:spcBef>
-                <a:spcPts val="0"/>
-              </a:spcBef>
-              <a:spcAft>
-                <a:spcPts val="0"/>
-              </a:spcAft>
-              <a:buClr>
-                <a:srgbClr val="000000"/>
-              </a:buClr>
-              <a:buSzPts val="1200"/>
-              <a:buFont typeface="Roboto"/>
-              <a:buNone/>
-              <a:defRPr sz="1800">
-                <a:latin typeface="Roboto"/>
-                <a:ea typeface="Roboto"/>
-                <a:cs typeface="Roboto"/>
-                <a:sym typeface="Roboto"/>
-              </a:defRPr>
-            </a:lvl6pPr>
-            <a:lvl7pPr marL="0" lvl="6" indent="0" algn="r">
-              <a:lnSpc>
-                <a:spcPct val="100000"/>
-              </a:lnSpc>
-              <a:spcBef>
-                <a:spcPts val="0"/>
-              </a:spcBef>
-              <a:spcAft>
-                <a:spcPts val="0"/>
-              </a:spcAft>
-              <a:buClr>
-                <a:srgbClr val="000000"/>
-              </a:buClr>
-              <a:buSzPts val="1200"/>
-              <a:buFont typeface="Roboto"/>
-              <a:buNone/>
-              <a:defRPr sz="1800">
-                <a:latin typeface="Roboto"/>
-                <a:ea typeface="Roboto"/>
-                <a:cs typeface="Roboto"/>
-                <a:sym typeface="Roboto"/>
-              </a:defRPr>
-            </a:lvl7pPr>
-            <a:lvl8pPr marL="0" lvl="7" indent="0" algn="r">
-              <a:lnSpc>
-                <a:spcPct val="100000"/>
-              </a:lnSpc>
-              <a:spcBef>
-                <a:spcPts val="0"/>
-              </a:spcBef>
-              <a:spcAft>
-                <a:spcPts val="0"/>
-              </a:spcAft>
-              <a:buClr>
-                <a:srgbClr val="000000"/>
-              </a:buClr>
-              <a:buSzPts val="1200"/>
-              <a:buFont typeface="Roboto"/>
-              <a:buNone/>
-              <a:defRPr sz="1800">
-                <a:latin typeface="Roboto"/>
-                <a:ea typeface="Roboto"/>
-                <a:cs typeface="Roboto"/>
-                <a:sym typeface="Roboto"/>
-              </a:defRPr>
-            </a:lvl8pPr>
-            <a:lvl9pPr marL="0" lvl="8" indent="0" algn="r">
-              <a:lnSpc>
-                <a:spcPct val="100000"/>
-              </a:lnSpc>
-              <a:spcBef>
-                <a:spcPts val="0"/>
-              </a:spcBef>
-              <a:spcAft>
-                <a:spcPts val="0"/>
-              </a:spcAft>
-              <a:buClr>
-                <a:srgbClr val="000000"/>
-              </a:buClr>
-              <a:buSzPts val="1200"/>
-              <a:buFont typeface="Roboto"/>
-              <a:buNone/>
-              <a:defRPr sz="1800">
-                <a:latin typeface="Roboto"/>
-                <a:ea typeface="Roboto"/>
-                <a:cs typeface="Roboto"/>
-                <a:sym typeface="Roboto"/>
-              </a:defRPr>
-            </a:lvl9pPr>
-          </a:lstStyle>
-          <a:p>
-            <a:fld id="{00000000-1234-1234-1234-123412341234}" type="slidenum">
-              <a:rPr lang="en-US" smtClean="0"/>
-              <a:pPr/>
-              <a:t>‹#›</a:t>
-            </a:fld>
-            <a:endParaRPr lang="en-US"/>
-          </a:p>
-        </p:txBody>
-      </p:sp>
-      <p:pic>
-        <p:nvPicPr>
-          <p:cNvPr id="220" name="Google Shape;220;p94"/>
-          <p:cNvPicPr preferRelativeResize="0"/>
-          <p:nvPr/>
-        </p:nvPicPr>
-        <p:blipFill rotWithShape="1">
-          <a:blip r:embed="rId3">
-            <a:alphaModFix/>
-          </a:blip>
-          <a:srcRect/>
-          <a:stretch/>
-        </p:blipFill>
-        <p:spPr>
-          <a:xfrm>
-            <a:off x="608462" y="493388"/>
-            <a:ext cx="1986990" cy="1234898"/>
-          </a:xfrm>
-          <a:prstGeom prst="rect">
-            <a:avLst/>
-          </a:prstGeom>
-          <a:noFill/>
-          <a:ln>
-            <a:noFill/>
-          </a:ln>
-        </p:spPr>
-      </p:pic>
-      <p:sp>
-        <p:nvSpPr>
-          <p:cNvPr id="221" name="Google Shape;221;p94"/>
-          <p:cNvSpPr txBox="1">
-            <a:spLocks noGrp="1"/>
-          </p:cNvSpPr>
-          <p:nvPr>
-            <p:ph type="body" idx="1"/>
-          </p:nvPr>
-        </p:nvSpPr>
-        <p:spPr>
-          <a:xfrm>
-            <a:off x="2826302" y="7176512"/>
-            <a:ext cx="6188870" cy="595889"/>
-          </a:xfrm>
-          <a:prstGeom prst="rect">
-            <a:avLst/>
-          </a:prstGeom>
-          <a:noFill/>
-          <a:ln>
-            <a:noFill/>
-          </a:ln>
-        </p:spPr>
-        <p:txBody>
-          <a:bodyPr spcFirstLastPara="1" wrap="square" lIns="0" tIns="0" rIns="0" bIns="0" anchor="t" anchorCtr="0">
-            <a:normAutofit/>
-          </a:bodyPr>
-          <a:lstStyle>
-            <a:lvl1pPr marL="685800" lvl="0" indent="-342900" algn="l">
-              <a:lnSpc>
-                <a:spcPct val="90000"/>
-              </a:lnSpc>
-              <a:spcBef>
-                <a:spcPts val="1500"/>
-              </a:spcBef>
-              <a:spcAft>
-                <a:spcPts val="0"/>
-              </a:spcAft>
-              <a:buClr>
-                <a:srgbClr val="2AB77A"/>
-              </a:buClr>
-              <a:buSzPts val="2800"/>
-              <a:buFont typeface="Plus Jakarta Sans"/>
-              <a:buNone/>
-              <a:defRPr sz="4200" b="1">
-                <a:solidFill>
-                  <a:srgbClr val="2AB77A"/>
-                </a:solidFill>
-              </a:defRPr>
-            </a:lvl1pPr>
-            <a:lvl2pPr marL="1371600" lvl="1" indent="-342900" algn="l">
-              <a:lnSpc>
-                <a:spcPct val="90000"/>
-              </a:lnSpc>
-              <a:spcBef>
-                <a:spcPts val="1500"/>
-              </a:spcBef>
-              <a:spcAft>
-                <a:spcPts val="0"/>
-              </a:spcAft>
-              <a:buClr>
-                <a:srgbClr val="000000"/>
-              </a:buClr>
-              <a:buSzPts val="2800"/>
-              <a:buFont typeface="Plus Jakarta Sans"/>
-              <a:buNone/>
-              <a:defRPr sz="4200" b="1"/>
-            </a:lvl2pPr>
-            <a:lvl3pPr marL="2057400" lvl="2" indent="-342900" algn="l">
-              <a:lnSpc>
-                <a:spcPct val="90000"/>
-              </a:lnSpc>
-              <a:spcBef>
-                <a:spcPts val="1500"/>
-              </a:spcBef>
-              <a:spcAft>
-                <a:spcPts val="0"/>
-              </a:spcAft>
-              <a:buClr>
-                <a:srgbClr val="000000"/>
-              </a:buClr>
-              <a:buSzPts val="2800"/>
-              <a:buFont typeface="Plus Jakarta Sans"/>
-              <a:buNone/>
-              <a:defRPr sz="4200" b="1"/>
-            </a:lvl3pPr>
-            <a:lvl4pPr marL="2743200" lvl="3" indent="-342900" algn="l">
-              <a:lnSpc>
-                <a:spcPct val="90000"/>
-              </a:lnSpc>
-              <a:spcBef>
-                <a:spcPts val="1500"/>
-              </a:spcBef>
-              <a:spcAft>
-                <a:spcPts val="0"/>
-              </a:spcAft>
-              <a:buClr>
-                <a:srgbClr val="000000"/>
-              </a:buClr>
-              <a:buSzPts val="2800"/>
-              <a:buFont typeface="Plus Jakarta Sans"/>
-              <a:buNone/>
-              <a:defRPr sz="4200" b="1"/>
-            </a:lvl4pPr>
-            <a:lvl5pPr marL="3429000" lvl="4" indent="-342900" algn="l">
-              <a:lnSpc>
-                <a:spcPct val="90000"/>
-              </a:lnSpc>
-              <a:spcBef>
-                <a:spcPts val="1500"/>
-              </a:spcBef>
-              <a:spcAft>
-                <a:spcPts val="0"/>
-              </a:spcAft>
-              <a:buClr>
-                <a:srgbClr val="000000"/>
-              </a:buClr>
-              <a:buSzPts val="2800"/>
-              <a:buFont typeface="Plus Jakarta Sans"/>
-              <a:buNone/>
-              <a:defRPr sz="4200" b="1"/>
-            </a:lvl5pPr>
-            <a:lvl6pPr marL="4114800" lvl="5" indent="-342900" algn="l">
-              <a:lnSpc>
-                <a:spcPct val="90000"/>
-              </a:lnSpc>
-              <a:spcBef>
-                <a:spcPts val="1500"/>
-              </a:spcBef>
-              <a:spcAft>
-                <a:spcPts val="0"/>
-              </a:spcAft>
-              <a:buClr>
-                <a:srgbClr val="000000"/>
-              </a:buClr>
-              <a:buSzPts val="1800"/>
-              <a:buNone/>
-              <a:defRPr/>
-            </a:lvl6pPr>
-            <a:lvl7pPr marL="4800600" lvl="6" indent="-548640" algn="l">
-              <a:lnSpc>
-                <a:spcPct val="90000"/>
-              </a:lnSpc>
-              <a:spcBef>
-                <a:spcPts val="1500"/>
-              </a:spcBef>
-              <a:spcAft>
-                <a:spcPts val="0"/>
-              </a:spcAft>
-              <a:buClr>
-                <a:srgbClr val="000000"/>
-              </a:buClr>
-              <a:buSzPts val="2160"/>
-              <a:buChar char="+"/>
-              <a:defRPr/>
-            </a:lvl7pPr>
-            <a:lvl8pPr marL="5486400" lvl="7" indent="-548639" algn="l">
-              <a:lnSpc>
-                <a:spcPct val="90000"/>
-              </a:lnSpc>
-              <a:spcBef>
-                <a:spcPts val="1500"/>
-              </a:spcBef>
-              <a:spcAft>
-                <a:spcPts val="0"/>
-              </a:spcAft>
-              <a:buClr>
-                <a:srgbClr val="000000"/>
-              </a:buClr>
-              <a:buSzPts val="2160"/>
-              <a:buChar char="+"/>
-              <a:defRPr/>
-            </a:lvl8pPr>
-            <a:lvl9pPr marL="6172200" lvl="8" indent="-548639" algn="l">
-              <a:lnSpc>
-                <a:spcPct val="90000"/>
-              </a:lnSpc>
-              <a:spcBef>
-                <a:spcPts val="1500"/>
-              </a:spcBef>
-              <a:spcAft>
-                <a:spcPts val="0"/>
-              </a:spcAft>
-              <a:buClr>
-                <a:srgbClr val="000000"/>
-              </a:buClr>
-              <a:buSzPts val="2160"/>
-              <a:buChar char="+"/>
-              <a:defRPr/>
-            </a:lvl9pPr>
-          </a:lstStyle>
-          <a:p>
-            <a:endParaRPr/>
-          </a:p>
-        </p:txBody>
-      </p:sp>
-      <p:sp>
-        <p:nvSpPr>
-          <p:cNvPr id="222" name="Google Shape;222;p94"/>
-          <p:cNvSpPr txBox="1">
-            <a:spLocks noGrp="1"/>
-          </p:cNvSpPr>
-          <p:nvPr>
-            <p:ph type="body" idx="2"/>
-          </p:nvPr>
-        </p:nvSpPr>
-        <p:spPr>
-          <a:xfrm>
-            <a:off x="2826302" y="7885888"/>
-            <a:ext cx="6188870" cy="852461"/>
-          </a:xfrm>
-          <a:prstGeom prst="rect">
-            <a:avLst/>
-          </a:prstGeom>
-          <a:noFill/>
-          <a:ln>
-            <a:noFill/>
-          </a:ln>
-        </p:spPr>
-        <p:txBody>
-          <a:bodyPr spcFirstLastPara="1" wrap="square" lIns="0" tIns="0" rIns="0" bIns="0" anchor="t" anchorCtr="0">
-            <a:normAutofit/>
-          </a:bodyPr>
-          <a:lstStyle>
-            <a:lvl1pPr marL="685800" lvl="0" indent="-342900" algn="l">
-              <a:lnSpc>
-                <a:spcPct val="90000"/>
-              </a:lnSpc>
-              <a:spcBef>
-                <a:spcPts val="1200"/>
-              </a:spcBef>
-              <a:spcAft>
-                <a:spcPts val="0"/>
-              </a:spcAft>
-              <a:buClr>
-                <a:srgbClr val="686868"/>
-              </a:buClr>
-              <a:buSzPts val="1800"/>
-              <a:buFont typeface="Plus Jakarta Sans"/>
-              <a:buNone/>
-              <a:defRPr sz="2700">
-                <a:solidFill>
-                  <a:srgbClr val="686868"/>
-                </a:solidFill>
-              </a:defRPr>
-            </a:lvl1pPr>
-            <a:lvl2pPr marL="1371600" lvl="1" indent="-342900" algn="l">
-              <a:lnSpc>
-                <a:spcPct val="90000"/>
-              </a:lnSpc>
-              <a:spcBef>
-                <a:spcPts val="1500"/>
-              </a:spcBef>
-              <a:spcAft>
-                <a:spcPts val="0"/>
-              </a:spcAft>
-              <a:buClr>
-                <a:srgbClr val="000000"/>
-              </a:buClr>
-              <a:buSzPts val="1800"/>
-              <a:buNone/>
-              <a:defRPr/>
-            </a:lvl2pPr>
-            <a:lvl3pPr marL="2057400" lvl="2" indent="-342900" algn="l">
-              <a:lnSpc>
-                <a:spcPct val="90000"/>
-              </a:lnSpc>
-              <a:spcBef>
-                <a:spcPts val="1500"/>
-              </a:spcBef>
-              <a:spcAft>
-                <a:spcPts val="0"/>
-              </a:spcAft>
-              <a:buClr>
-                <a:srgbClr val="000000"/>
-              </a:buClr>
-              <a:buSzPts val="1800"/>
-              <a:buNone/>
-              <a:defRPr/>
-            </a:lvl3pPr>
-            <a:lvl4pPr marL="2743200" lvl="3" indent="-342900" algn="l">
-              <a:lnSpc>
-                <a:spcPct val="90000"/>
-              </a:lnSpc>
-              <a:spcBef>
-                <a:spcPts val="1500"/>
-              </a:spcBef>
-              <a:spcAft>
-                <a:spcPts val="0"/>
-              </a:spcAft>
-              <a:buClr>
-                <a:srgbClr val="000000"/>
-              </a:buClr>
-              <a:buSzPts val="1800"/>
-              <a:buNone/>
-              <a:defRPr/>
-            </a:lvl4pPr>
-            <a:lvl5pPr marL="3429000" lvl="4" indent="-342900" algn="l">
-              <a:lnSpc>
-                <a:spcPct val="90000"/>
-              </a:lnSpc>
-              <a:spcBef>
-                <a:spcPts val="1500"/>
-              </a:spcBef>
-              <a:spcAft>
-                <a:spcPts val="0"/>
-              </a:spcAft>
-              <a:buClr>
-                <a:srgbClr val="000000"/>
-              </a:buClr>
-              <a:buSzPts val="1800"/>
-              <a:buNone/>
-              <a:defRPr/>
-            </a:lvl5pPr>
-            <a:lvl6pPr marL="4114800" lvl="5" indent="-342900" algn="l">
-              <a:lnSpc>
-                <a:spcPct val="90000"/>
-              </a:lnSpc>
-              <a:spcBef>
-                <a:spcPts val="1500"/>
-              </a:spcBef>
-              <a:spcAft>
-                <a:spcPts val="0"/>
-              </a:spcAft>
-              <a:buClr>
-                <a:srgbClr val="000000"/>
-              </a:buClr>
-              <a:buSzPts val="1800"/>
-              <a:buNone/>
-              <a:defRPr/>
-            </a:lvl6pPr>
-            <a:lvl7pPr marL="4800600" lvl="6" indent="-548640" algn="l">
-              <a:lnSpc>
-                <a:spcPct val="90000"/>
-              </a:lnSpc>
-              <a:spcBef>
-                <a:spcPts val="1500"/>
-              </a:spcBef>
-              <a:spcAft>
-                <a:spcPts val="0"/>
-              </a:spcAft>
-              <a:buClr>
-                <a:srgbClr val="000000"/>
-              </a:buClr>
-              <a:buSzPts val="2160"/>
-              <a:buChar char="+"/>
-              <a:defRPr/>
-            </a:lvl7pPr>
-            <a:lvl8pPr marL="5486400" lvl="7" indent="-548639" algn="l">
-              <a:lnSpc>
-                <a:spcPct val="90000"/>
-              </a:lnSpc>
-              <a:spcBef>
-                <a:spcPts val="1500"/>
-              </a:spcBef>
-              <a:spcAft>
-                <a:spcPts val="0"/>
-              </a:spcAft>
-              <a:buClr>
-                <a:srgbClr val="000000"/>
-              </a:buClr>
-              <a:buSzPts val="2160"/>
-              <a:buChar char="+"/>
-              <a:defRPr/>
-            </a:lvl8pPr>
-            <a:lvl9pPr marL="6172200" lvl="8" indent="-548639" algn="l">
-              <a:lnSpc>
-                <a:spcPct val="90000"/>
-              </a:lnSpc>
-              <a:spcBef>
-                <a:spcPts val="1500"/>
-              </a:spcBef>
-              <a:spcAft>
-                <a:spcPts val="0"/>
-              </a:spcAft>
-              <a:buClr>
-                <a:srgbClr val="000000"/>
-              </a:buClr>
-              <a:buSzPts val="2160"/>
-              <a:buChar char="+"/>
-              <a:defRPr/>
-            </a:lvl9pPr>
-          </a:lstStyle>
-          <a:p>
-            <a:endParaRPr/>
-          </a:p>
-        </p:txBody>
-      </p:sp>
-      <p:sp>
-        <p:nvSpPr>
-          <p:cNvPr id="223" name="Google Shape;223;p94" descr="Add your Logo/Photo from here.&#10;"/>
-          <p:cNvSpPr>
-            <a:spLocks noGrp="1"/>
-          </p:cNvSpPr>
-          <p:nvPr>
-            <p:ph type="pic" idx="3"/>
-          </p:nvPr>
-        </p:nvSpPr>
-        <p:spPr>
-          <a:xfrm>
-            <a:off x="597451" y="7176512"/>
-            <a:ext cx="1998000" cy="1998000"/>
-          </a:xfrm>
-          <a:prstGeom prst="ellipse">
-            <a:avLst/>
-          </a:prstGeom>
-          <a:noFill/>
-          <a:ln w="31750" cap="flat" cmpd="sng">
-            <a:solidFill>
-              <a:srgbClr val="3DF4A1"/>
-            </a:solidFill>
-            <a:prstDash val="solid"/>
-            <a:round/>
-            <a:headEnd type="none" w="sm" len="sm"/>
-            <a:tailEnd type="none" w="sm" len="sm"/>
-          </a:ln>
-        </p:spPr>
-      </p:sp>
-      <p:sp>
-        <p:nvSpPr>
-          <p:cNvPr id="224" name="Google Shape;224;p94"/>
-          <p:cNvSpPr txBox="1">
-            <a:spLocks noGrp="1"/>
-          </p:cNvSpPr>
-          <p:nvPr>
-            <p:ph type="body" idx="4"/>
-          </p:nvPr>
-        </p:nvSpPr>
-        <p:spPr>
-          <a:xfrm>
-            <a:off x="597453" y="3717053"/>
-            <a:ext cx="9218061" cy="1234896"/>
-          </a:xfrm>
-          <a:prstGeom prst="rect">
-            <a:avLst/>
-          </a:prstGeom>
-          <a:noFill/>
-          <a:ln>
-            <a:noFill/>
-          </a:ln>
-        </p:spPr>
-        <p:txBody>
-          <a:bodyPr spcFirstLastPara="1" wrap="square" lIns="0" tIns="0" rIns="0" bIns="0" anchor="t" anchorCtr="0">
-            <a:noAutofit/>
-          </a:bodyPr>
-          <a:lstStyle>
-            <a:lvl1pPr marL="685800" lvl="0" indent="-342900" algn="l">
-              <a:lnSpc>
-                <a:spcPct val="90000"/>
-              </a:lnSpc>
-              <a:spcBef>
-                <a:spcPts val="1500"/>
-              </a:spcBef>
-              <a:spcAft>
-                <a:spcPts val="0"/>
-              </a:spcAft>
-              <a:buClr>
-                <a:srgbClr val="2AB77A"/>
-              </a:buClr>
-              <a:buSzPts val="4800"/>
-              <a:buFont typeface="Plus Jakarta Sans"/>
-              <a:buNone/>
-              <a:defRPr sz="7200" b="1">
-                <a:solidFill>
-                  <a:srgbClr val="2AB77A"/>
-                </a:solidFill>
-                <a:latin typeface="Plus Jakarta Sans"/>
-                <a:ea typeface="Plus Jakarta Sans"/>
-                <a:cs typeface="Plus Jakarta Sans"/>
-                <a:sym typeface="Plus Jakarta Sans"/>
-              </a:defRPr>
-            </a:lvl1pPr>
-            <a:lvl2pPr marL="1371600" lvl="1" indent="-342900" algn="l">
-              <a:lnSpc>
-                <a:spcPct val="90000"/>
-              </a:lnSpc>
-              <a:spcBef>
-                <a:spcPts val="1500"/>
-              </a:spcBef>
-              <a:spcAft>
-                <a:spcPts val="0"/>
-              </a:spcAft>
-              <a:buClr>
-                <a:srgbClr val="000000"/>
-              </a:buClr>
-              <a:buSzPts val="4800"/>
-              <a:buFont typeface="Plus Jakarta Sans"/>
-              <a:buNone/>
-              <a:defRPr sz="7200" b="1">
-                <a:latin typeface="Plus Jakarta Sans"/>
-                <a:ea typeface="Plus Jakarta Sans"/>
-                <a:cs typeface="Plus Jakarta Sans"/>
-                <a:sym typeface="Plus Jakarta Sans"/>
-              </a:defRPr>
-            </a:lvl2pPr>
-            <a:lvl3pPr marL="2057400" lvl="2" indent="-342900" algn="l">
-              <a:lnSpc>
-                <a:spcPct val="90000"/>
-              </a:lnSpc>
-              <a:spcBef>
-                <a:spcPts val="1500"/>
-              </a:spcBef>
-              <a:spcAft>
-                <a:spcPts val="0"/>
-              </a:spcAft>
-              <a:buClr>
-                <a:srgbClr val="000000"/>
-              </a:buClr>
-              <a:buSzPts val="4800"/>
-              <a:buFont typeface="Plus Jakarta Sans"/>
-              <a:buNone/>
-              <a:defRPr sz="7200" b="1">
-                <a:latin typeface="Plus Jakarta Sans"/>
-                <a:ea typeface="Plus Jakarta Sans"/>
-                <a:cs typeface="Plus Jakarta Sans"/>
-                <a:sym typeface="Plus Jakarta Sans"/>
-              </a:defRPr>
-            </a:lvl3pPr>
-            <a:lvl4pPr marL="2743200" lvl="3" indent="-342900" algn="l">
-              <a:lnSpc>
-                <a:spcPct val="90000"/>
-              </a:lnSpc>
-              <a:spcBef>
-                <a:spcPts val="1500"/>
-              </a:spcBef>
-              <a:spcAft>
-                <a:spcPts val="0"/>
-              </a:spcAft>
-              <a:buClr>
-                <a:srgbClr val="000000"/>
-              </a:buClr>
-              <a:buSzPts val="4800"/>
-              <a:buFont typeface="Plus Jakarta Sans"/>
-              <a:buNone/>
-              <a:defRPr sz="7200" b="1">
-                <a:latin typeface="Plus Jakarta Sans"/>
-                <a:ea typeface="Plus Jakarta Sans"/>
-                <a:cs typeface="Plus Jakarta Sans"/>
-                <a:sym typeface="Plus Jakarta Sans"/>
-              </a:defRPr>
-            </a:lvl4pPr>
-            <a:lvl5pPr marL="3429000" lvl="4" indent="-342900" algn="l">
-              <a:lnSpc>
-                <a:spcPct val="90000"/>
-              </a:lnSpc>
-              <a:spcBef>
-                <a:spcPts val="1500"/>
-              </a:spcBef>
-              <a:spcAft>
-                <a:spcPts val="0"/>
-              </a:spcAft>
-              <a:buClr>
-                <a:srgbClr val="000000"/>
-              </a:buClr>
-              <a:buSzPts val="4800"/>
-              <a:buFont typeface="Plus Jakarta Sans"/>
-              <a:buNone/>
-              <a:defRPr sz="7200" b="1">
-                <a:latin typeface="Plus Jakarta Sans"/>
-                <a:ea typeface="Plus Jakarta Sans"/>
-                <a:cs typeface="Plus Jakarta Sans"/>
-                <a:sym typeface="Plus Jakarta Sans"/>
-              </a:defRPr>
-            </a:lvl5pPr>
-            <a:lvl6pPr marL="4114800" lvl="5" indent="-342900" algn="l">
-              <a:lnSpc>
-                <a:spcPct val="90000"/>
-              </a:lnSpc>
-              <a:spcBef>
-                <a:spcPts val="1500"/>
-              </a:spcBef>
-              <a:spcAft>
-                <a:spcPts val="0"/>
-              </a:spcAft>
-              <a:buClr>
-                <a:srgbClr val="000000"/>
-              </a:buClr>
-              <a:buSzPts val="1800"/>
-              <a:buNone/>
-              <a:defRPr/>
-            </a:lvl6pPr>
-            <a:lvl7pPr marL="4800600" lvl="6" indent="-548640" algn="l">
-              <a:lnSpc>
-                <a:spcPct val="90000"/>
-              </a:lnSpc>
-              <a:spcBef>
-                <a:spcPts val="1500"/>
-              </a:spcBef>
-              <a:spcAft>
-                <a:spcPts val="0"/>
-              </a:spcAft>
-              <a:buClr>
-                <a:srgbClr val="000000"/>
-              </a:buClr>
-              <a:buSzPts val="2160"/>
-              <a:buChar char="+"/>
-              <a:defRPr/>
-            </a:lvl7pPr>
-            <a:lvl8pPr marL="5486400" lvl="7" indent="-548639" algn="l">
-              <a:lnSpc>
-                <a:spcPct val="90000"/>
-              </a:lnSpc>
-              <a:spcBef>
-                <a:spcPts val="1500"/>
-              </a:spcBef>
-              <a:spcAft>
-                <a:spcPts val="0"/>
-              </a:spcAft>
-              <a:buClr>
-                <a:srgbClr val="000000"/>
-              </a:buClr>
-              <a:buSzPts val="2160"/>
-              <a:buChar char="+"/>
-              <a:defRPr/>
-            </a:lvl8pPr>
-            <a:lvl9pPr marL="6172200" lvl="8" indent="-548639" algn="l">
-              <a:lnSpc>
-                <a:spcPct val="90000"/>
-              </a:lnSpc>
-              <a:spcBef>
-                <a:spcPts val="1500"/>
-              </a:spcBef>
-              <a:spcAft>
-                <a:spcPts val="0"/>
-              </a:spcAft>
-              <a:buClr>
-                <a:srgbClr val="000000"/>
-              </a:buClr>
-              <a:buSzPts val="2160"/>
-              <a:buChar char="+"/>
-              <a:defRPr/>
-            </a:lvl9pPr>
-          </a:lstStyle>
-          <a:p>
-            <a:endParaRPr/>
-          </a:p>
-        </p:txBody>
-      </p:sp>
-      <p:sp>
-        <p:nvSpPr>
-          <p:cNvPr id="225" name="Google Shape;225;p94"/>
-          <p:cNvSpPr txBox="1">
-            <a:spLocks noGrp="1"/>
-          </p:cNvSpPr>
-          <p:nvPr>
-            <p:ph type="body" idx="5"/>
-          </p:nvPr>
-        </p:nvSpPr>
-        <p:spPr>
-          <a:xfrm>
-            <a:off x="2826302" y="8738348"/>
-            <a:ext cx="6188868" cy="498602"/>
-          </a:xfrm>
-          <a:prstGeom prst="rect">
-            <a:avLst/>
-          </a:prstGeom>
-          <a:noFill/>
-          <a:ln>
-            <a:noFill/>
-          </a:ln>
-        </p:spPr>
-        <p:txBody>
-          <a:bodyPr spcFirstLastPara="1" wrap="square" lIns="0" tIns="0" rIns="0" bIns="0" anchor="t" anchorCtr="0">
-            <a:normAutofit/>
-          </a:bodyPr>
-          <a:lstStyle>
-            <a:lvl1pPr marL="685800" lvl="0" indent="-342900" algn="l">
-              <a:lnSpc>
-                <a:spcPct val="90000"/>
-              </a:lnSpc>
-              <a:spcBef>
-                <a:spcPts val="1350"/>
-              </a:spcBef>
-              <a:spcAft>
-                <a:spcPts val="0"/>
-              </a:spcAft>
-              <a:buClr>
-                <a:srgbClr val="2AB77A"/>
-              </a:buClr>
-              <a:buSzPts val="1800"/>
-              <a:buFont typeface="Plus Jakarta Sans"/>
-              <a:buNone/>
-              <a:defRPr sz="2700" b="1">
-                <a:solidFill>
-                  <a:srgbClr val="2AB77A"/>
-                </a:solidFill>
-              </a:defRPr>
-            </a:lvl1pPr>
-            <a:lvl2pPr marL="1371600" lvl="1" indent="-342900" algn="l">
-              <a:lnSpc>
-                <a:spcPct val="90000"/>
-              </a:lnSpc>
-              <a:spcBef>
-                <a:spcPts val="1500"/>
-              </a:spcBef>
-              <a:spcAft>
-                <a:spcPts val="0"/>
-              </a:spcAft>
-              <a:buClr>
-                <a:srgbClr val="000000"/>
-              </a:buClr>
-              <a:buSzPts val="1800"/>
-              <a:buNone/>
-              <a:defRPr/>
-            </a:lvl2pPr>
-            <a:lvl3pPr marL="2057400" lvl="2" indent="-342900" algn="l">
-              <a:lnSpc>
-                <a:spcPct val="90000"/>
-              </a:lnSpc>
-              <a:spcBef>
-                <a:spcPts val="1500"/>
-              </a:spcBef>
-              <a:spcAft>
-                <a:spcPts val="0"/>
-              </a:spcAft>
-              <a:buClr>
-                <a:srgbClr val="000000"/>
-              </a:buClr>
-              <a:buSzPts val="1800"/>
-              <a:buNone/>
-              <a:defRPr/>
-            </a:lvl3pPr>
-            <a:lvl4pPr marL="2743200" lvl="3" indent="-342900" algn="l">
-              <a:lnSpc>
-                <a:spcPct val="90000"/>
-              </a:lnSpc>
-              <a:spcBef>
-                <a:spcPts val="1500"/>
-              </a:spcBef>
-              <a:spcAft>
-                <a:spcPts val="0"/>
-              </a:spcAft>
-              <a:buClr>
-                <a:srgbClr val="000000"/>
-              </a:buClr>
-              <a:buSzPts val="1800"/>
-              <a:buNone/>
-              <a:defRPr/>
-            </a:lvl4pPr>
-            <a:lvl5pPr marL="3429000" lvl="4" indent="-342900" algn="l">
-              <a:lnSpc>
-                <a:spcPct val="90000"/>
-              </a:lnSpc>
-              <a:spcBef>
-                <a:spcPts val="1500"/>
-              </a:spcBef>
-              <a:spcAft>
-                <a:spcPts val="0"/>
-              </a:spcAft>
-              <a:buClr>
-                <a:srgbClr val="000000"/>
-              </a:buClr>
-              <a:buSzPts val="1800"/>
-              <a:buNone/>
-              <a:defRPr/>
-            </a:lvl5pPr>
-            <a:lvl6pPr marL="4114800" lvl="5" indent="-342900" algn="l">
-              <a:lnSpc>
-                <a:spcPct val="90000"/>
-              </a:lnSpc>
-              <a:spcBef>
-                <a:spcPts val="1500"/>
-              </a:spcBef>
-              <a:spcAft>
-                <a:spcPts val="0"/>
-              </a:spcAft>
-              <a:buClr>
-                <a:srgbClr val="000000"/>
-              </a:buClr>
-              <a:buSzPts val="1800"/>
-              <a:buNone/>
-              <a:defRPr/>
-            </a:lvl6pPr>
-            <a:lvl7pPr marL="4800600" lvl="6" indent="-548640" algn="l">
-              <a:lnSpc>
-                <a:spcPct val="90000"/>
-              </a:lnSpc>
-              <a:spcBef>
-                <a:spcPts val="1500"/>
-              </a:spcBef>
-              <a:spcAft>
-                <a:spcPts val="0"/>
-              </a:spcAft>
-              <a:buClr>
-                <a:srgbClr val="000000"/>
-              </a:buClr>
-              <a:buSzPts val="2160"/>
-              <a:buChar char="+"/>
-              <a:defRPr/>
-            </a:lvl7pPr>
-            <a:lvl8pPr marL="5486400" lvl="7" indent="-548639" algn="l">
-              <a:lnSpc>
-                <a:spcPct val="90000"/>
-              </a:lnSpc>
-              <a:spcBef>
-                <a:spcPts val="1500"/>
-              </a:spcBef>
-              <a:spcAft>
-                <a:spcPts val="0"/>
-              </a:spcAft>
-              <a:buClr>
-                <a:srgbClr val="000000"/>
-              </a:buClr>
-              <a:buSzPts val="2160"/>
-              <a:buChar char="+"/>
-              <a:defRPr/>
-            </a:lvl8pPr>
-            <a:lvl9pPr marL="6172200" lvl="8" indent="-548639" algn="l">
-              <a:lnSpc>
-                <a:spcPct val="90000"/>
-              </a:lnSpc>
-              <a:spcBef>
-                <a:spcPts val="1500"/>
-              </a:spcBef>
-              <a:spcAft>
-                <a:spcPts val="0"/>
-              </a:spcAft>
-              <a:buClr>
-                <a:srgbClr val="000000"/>
-              </a:buClr>
-              <a:buSzPts val="2160"/>
-              <a:buChar char="+"/>
-              <a:defRPr/>
-            </a:lvl9pPr>
-          </a:lstStyle>
-          <a:p>
-            <a:endParaRPr/>
-          </a:p>
-        </p:txBody>
-      </p:sp>
-      <p:pic>
-        <p:nvPicPr>
-          <p:cNvPr id="226" name="Google Shape;226;p94"/>
-          <p:cNvPicPr preferRelativeResize="0"/>
-          <p:nvPr/>
-        </p:nvPicPr>
-        <p:blipFill rotWithShape="1">
-          <a:blip r:embed="rId4">
-            <a:alphaModFix amt="8000"/>
-          </a:blip>
-          <a:srcRect r="26339"/>
-          <a:stretch/>
-        </p:blipFill>
-        <p:spPr>
-          <a:xfrm>
-            <a:off x="13106402" y="2848907"/>
-            <a:ext cx="5181599" cy="7438094"/>
-          </a:xfrm>
-          <a:prstGeom prst="rect">
-            <a:avLst/>
-          </a:prstGeom>
-          <a:noFill/>
-          <a:ln>
-            <a:noFill/>
-          </a:ln>
-        </p:spPr>
-      </p:pic>
-    </p:spTree>
-    <p:extLst>
-      <p:ext uri="{BB962C8B-B14F-4D97-AF65-F5344CB8AC3E}">
-        <p14:creationId xmlns:p14="http://schemas.microsoft.com/office/powerpoint/2010/main" val="619453629"/>
-      </p:ext>
-    </p:extLst>
   </p:cSld>
   <p:clrMapOvr>
     <a:masterClrMapping/>
@@ -5141,7 +2707,7 @@
             <a:fld id="{1D8BD707-D9CF-40AE-B4C6-C98DA3205C09}" type="datetimeFigureOut">
               <a:rPr lang="en-US" smtClean="0"/>
               <a:pPr/>
-              <a:t>12/2/2023</a:t>
+              <a:t>1/20/2024</a:t>
             </a:fld>
             <a:endParaRPr lang="en-US"/>
           </a:p>
@@ -5383,7 +2949,7 @@
             <a:fld id="{1D8BD707-D9CF-40AE-B4C6-C98DA3205C09}" type="datetimeFigureOut">
               <a:rPr lang="en-US" smtClean="0"/>
               <a:pPr/>
-              <a:t>12/2/2023</a:t>
+              <a:t>1/20/2024</a:t>
             </a:fld>
             <a:endParaRPr lang="en-US"/>
           </a:p>
@@ -5665,7 +3231,7 @@
             <a:fld id="{1D8BD707-D9CF-40AE-B4C6-C98DA3205C09}" type="datetimeFigureOut">
               <a:rPr lang="en-US" smtClean="0"/>
               <a:pPr/>
-              <a:t>12/2/2023</a:t>
+              <a:t>1/20/2024</a:t>
             </a:fld>
             <a:endParaRPr lang="en-US"/>
           </a:p>
@@ -6081,7 +3647,7 @@
             <a:fld id="{1D8BD707-D9CF-40AE-B4C6-C98DA3205C09}" type="datetimeFigureOut">
               <a:rPr lang="en-US" smtClean="0"/>
               <a:pPr/>
-              <a:t>12/2/2023</a:t>
+              <a:t>1/20/2024</a:t>
             </a:fld>
             <a:endParaRPr lang="en-US"/>
           </a:p>
@@ -6195,7 +3761,7 @@
             <a:fld id="{1D8BD707-D9CF-40AE-B4C6-C98DA3205C09}" type="datetimeFigureOut">
               <a:rPr lang="en-US" smtClean="0"/>
               <a:pPr/>
-              <a:t>12/2/2023</a:t>
+              <a:t>1/20/2024</a:t>
             </a:fld>
             <a:endParaRPr lang="en-US"/>
           </a:p>
@@ -6287,7 +3853,7 @@
             <a:fld id="{1D8BD707-D9CF-40AE-B4C6-C98DA3205C09}" type="datetimeFigureOut">
               <a:rPr lang="en-US" smtClean="0"/>
               <a:pPr/>
-              <a:t>12/2/2023</a:t>
+              <a:t>1/20/2024</a:t>
             </a:fld>
             <a:endParaRPr lang="en-US"/>
           </a:p>
@@ -6559,7 +4125,7 @@
             <a:fld id="{1D8BD707-D9CF-40AE-B4C6-C98DA3205C09}" type="datetimeFigureOut">
               <a:rPr lang="en-US" smtClean="0"/>
               <a:pPr/>
-              <a:t>12/2/2023</a:t>
+              <a:t>1/20/2024</a:t>
             </a:fld>
             <a:endParaRPr lang="en-US"/>
           </a:p>
@@ -6808,7 +4374,7 @@
             <a:fld id="{1D8BD707-D9CF-40AE-B4C6-C98DA3205C09}" type="datetimeFigureOut">
               <a:rPr lang="en-US" smtClean="0"/>
               <a:pPr/>
-              <a:t>12/2/2023</a:t>
+              <a:t>1/20/2024</a:t>
             </a:fld>
             <a:endParaRPr lang="en-US"/>
           </a:p>
@@ -7021,7 +4587,7 @@
             <a:fld id="{1D8BD707-D9CF-40AE-B4C6-C98DA3205C09}" type="datetimeFigureOut">
               <a:rPr lang="en-US" smtClean="0"/>
               <a:pPr/>
-              <a:t>12/2/2023</a:t>
+              <a:t>1/20/2024</a:t>
             </a:fld>
             <a:endParaRPr lang="en-US"/>
           </a:p>
@@ -7121,8 +4687,6 @@
     <p:sldLayoutId id="2147483657" r:id="rId9"/>
     <p:sldLayoutId id="2147483658" r:id="rId10"/>
     <p:sldLayoutId id="2147483659" r:id="rId11"/>
-    <p:sldLayoutId id="2147483660" r:id="rId12"/>
-    <p:sldLayoutId id="2147483662" r:id="rId13"/>
   </p:sldLayoutIdLst>
   <p:txStyles>
     <p:titleStyle>
@@ -7382,7 +4946,7 @@
   <p:cSld>
     <p:spTree>
       <p:nvGrpSpPr>
-        <p:cNvPr id="1" name="Shape 255"/>
+        <p:cNvPr id="1" name=""/>
         <p:cNvGrpSpPr/>
         <p:nvPr/>
       </p:nvGrpSpPr>
@@ -7394,181 +4958,181 @@
           <a:chExt cx="0" cy="0"/>
         </a:xfrm>
       </p:grpSpPr>
-      <p:sp>
-        <p:nvSpPr>
-          <p:cNvPr id="256" name="Google Shape;256;p2"/>
-          <p:cNvSpPr txBox="1">
-            <a:spLocks noGrp="1"/>
-          </p:cNvSpPr>
-          <p:nvPr>
-            <p:ph type="body" idx="1"/>
-          </p:nvPr>
-        </p:nvSpPr>
-        <p:spPr>
-          <a:xfrm>
-            <a:off x="2826302" y="7549750"/>
-            <a:ext cx="6188870" cy="595889"/>
-          </a:xfrm>
-          <a:prstGeom prst="rect">
-            <a:avLst/>
-          </a:prstGeom>
-          <a:noFill/>
-          <a:ln>
-            <a:noFill/>
-          </a:ln>
-        </p:spPr>
-        <p:txBody>
-          <a:bodyPr spcFirstLastPara="1" vert="horz" wrap="square" lIns="0" tIns="0" rIns="0" bIns="0" rtlCol="0" anchor="t" anchorCtr="0">
-            <a:normAutofit/>
-          </a:bodyPr>
-          <a:lstStyle/>
-          <a:p>
-            <a:pPr marL="0" indent="0">
-              <a:spcBef>
-                <a:spcPts val="0"/>
-              </a:spcBef>
-            </a:pPr>
-            <a:r>
-              <a:rPr lang="en-US" dirty="0"/>
-              <a:t>George Mount</a:t>
-            </a:r>
-            <a:endParaRPr dirty="0"/>
-          </a:p>
-        </p:txBody>
-      </p:sp>
-      <p:sp>
-        <p:nvSpPr>
-          <p:cNvPr id="257" name="Google Shape;257;p2"/>
-          <p:cNvSpPr txBox="1">
-            <a:spLocks noGrp="1"/>
-          </p:cNvSpPr>
-          <p:nvPr>
-            <p:ph type="body" idx="2"/>
-          </p:nvPr>
-        </p:nvSpPr>
-        <p:spPr>
-          <a:xfrm>
-            <a:off x="2826303" y="8259125"/>
-            <a:ext cx="5181600" cy="852461"/>
-          </a:xfrm>
-          <a:prstGeom prst="rect">
-            <a:avLst/>
-          </a:prstGeom>
-          <a:noFill/>
-          <a:ln>
-            <a:noFill/>
-          </a:ln>
-        </p:spPr>
-        <p:txBody>
-          <a:bodyPr spcFirstLastPara="1" vert="horz" wrap="square" lIns="0" tIns="0" rIns="0" bIns="0" rtlCol="0" anchor="t" anchorCtr="0">
-            <a:normAutofit/>
-          </a:bodyPr>
-          <a:lstStyle/>
-          <a:p>
-            <a:pPr marL="0" indent="0">
-              <a:spcBef>
-                <a:spcPts val="0"/>
-              </a:spcBef>
-            </a:pPr>
-            <a:r>
-              <a:rPr lang="en-US" dirty="0"/>
-              <a:t>Founder, Stringfest Analytics</a:t>
-            </a:r>
-          </a:p>
-        </p:txBody>
-      </p:sp>
       <p:pic>
         <p:nvPicPr>
-          <p:cNvPr id="3" name="Picture Placeholder 2" descr="A person smiling for the camera&#10;&#10;Description automatically generated with medium confidence">
+          <p:cNvPr id="5" name="Picture 4">
             <a:extLst>
               <a:ext uri="{FF2B5EF4-FFF2-40B4-BE49-F238E27FC236}">
-                <a16:creationId xmlns:a16="http://schemas.microsoft.com/office/drawing/2014/main" id="{3B39E374-89C6-7C20-E336-70D0DFDF5A46}"/>
+                <a16:creationId xmlns:a16="http://schemas.microsoft.com/office/drawing/2014/main" id="{58EB9D66-9CB4-B474-27D6-F594F19E2A76}"/>
               </a:ext>
             </a:extLst>
           </p:cNvPr>
           <p:cNvPicPr>
-            <a:picLocks noGrp="1" noChangeAspect="1"/>
+            <a:picLocks noChangeAspect="1"/>
           </p:cNvPicPr>
-          <p:nvPr>
-            <p:ph type="pic" idx="3"/>
-          </p:nvPr>
+          <p:nvPr/>
         </p:nvPicPr>
         <p:blipFill>
-          <a:blip r:embed="rId3">
+          <a:blip r:embed="rId2"/>
+          <a:srcRect/>
+          <a:stretch/>
+        </p:blipFill>
+        <p:spPr>
+          <a:xfrm>
+            <a:off x="0" y="0"/>
+            <a:ext cx="18288000" cy="10287000"/>
+          </a:xfrm>
+          <a:prstGeom prst="rect">
+            <a:avLst/>
+          </a:prstGeom>
+        </p:spPr>
+      </p:pic>
+      <p:sp>
+        <p:nvSpPr>
+          <p:cNvPr id="2" name="Title 1">
             <a:extLst>
-              <a:ext uri="{28A0092B-C50C-407E-A947-70E740481C1C}">
-                <a14:useLocalDpi xmlns:a14="http://schemas.microsoft.com/office/drawing/2010/main" val="0"/>
+              <a:ext uri="{FF2B5EF4-FFF2-40B4-BE49-F238E27FC236}">
+                <a16:creationId xmlns:a16="http://schemas.microsoft.com/office/drawing/2014/main" id="{6F578B23-3522-A45E-113D-CFC55209E2C5}"/>
               </a:ext>
             </a:extLst>
-          </a:blip>
-          <a:srcRect l="16774" r="16774"/>
-          <a:stretch>
-            <a:fillRect/>
-          </a:stretch>
-        </p:blipFill>
-        <p:spPr>
-          <a:xfrm>
-            <a:off x="596900" y="7466013"/>
-            <a:ext cx="1998663" cy="1997075"/>
-          </a:xfrm>
-          <a:prstGeom prst="ellipse">
-            <a:avLst/>
-          </a:prstGeom>
-          <a:noFill/>
-          <a:ln w="31750" cap="flat" cmpd="sng">
-            <a:solidFill>
-              <a:srgbClr val="3DF4A1"/>
-            </a:solidFill>
-            <a:prstDash val="solid"/>
-            <a:round/>
-            <a:headEnd type="none" w="sm" len="sm"/>
-            <a:tailEnd type="none" w="sm" len="sm"/>
-          </a:ln>
-        </p:spPr>
-      </p:pic>
-      <p:sp>
-        <p:nvSpPr>
-          <p:cNvPr id="259" name="Google Shape;259;p2"/>
-          <p:cNvSpPr txBox="1">
+          </p:cNvPr>
+          <p:cNvSpPr>
             <a:spLocks noGrp="1"/>
           </p:cNvSpPr>
           <p:nvPr>
-            <p:ph type="body" idx="4"/>
+            <p:ph type="ctrTitle"/>
           </p:nvPr>
         </p:nvSpPr>
         <p:spPr>
           <a:xfrm>
-            <a:off x="597452" y="3717053"/>
-            <a:ext cx="11975549" cy="1759407"/>
+            <a:off x="2286000" y="2598656"/>
+            <a:ext cx="13716000" cy="3581400"/>
+          </a:xfrm>
+        </p:spPr>
+        <p:txBody>
+          <a:bodyPr>
+            <a:normAutofit/>
+          </a:bodyPr>
+          <a:lstStyle/>
+          <a:p>
+            <a:r>
+              <a:rPr lang="en-US" sz="9900" b="1" dirty="0">
+                <a:solidFill>
+                  <a:srgbClr val="241F62"/>
+                </a:solidFill>
+                <a:latin typeface="+mn-lt"/>
+              </a:rPr>
+              <a:t>Excel Analytics 2.0</a:t>
+            </a:r>
+            <a:endParaRPr lang="en-BG" sz="9900" b="1" dirty="0">
+              <a:solidFill>
+                <a:srgbClr val="241F62"/>
+              </a:solidFill>
+              <a:latin typeface="+mn-lt"/>
+            </a:endParaRPr>
+          </a:p>
+        </p:txBody>
+      </p:sp>
+      <p:pic>
+        <p:nvPicPr>
+          <p:cNvPr id="7" name="Picture 6">
+            <a:extLst>
+              <a:ext uri="{FF2B5EF4-FFF2-40B4-BE49-F238E27FC236}">
+                <a16:creationId xmlns:a16="http://schemas.microsoft.com/office/drawing/2014/main" id="{CADADD3B-A58B-45A3-D5DF-D99E4EB05D2C}"/>
+              </a:ext>
+            </a:extLst>
+          </p:cNvPr>
+          <p:cNvPicPr>
+            <a:picLocks noChangeAspect="1"/>
+          </p:cNvPicPr>
+          <p:nvPr/>
+        </p:nvPicPr>
+        <p:blipFill>
+          <a:blip r:embed="rId3"/>
+          <a:srcRect/>
+          <a:stretch/>
+        </p:blipFill>
+        <p:spPr>
+          <a:xfrm>
+            <a:off x="8153400" y="8430867"/>
+            <a:ext cx="1981200" cy="1257300"/>
           </a:xfrm>
           <a:prstGeom prst="rect">
             <a:avLst/>
           </a:prstGeom>
-          <a:noFill/>
-          <a:ln>
-            <a:noFill/>
-          </a:ln>
-        </p:spPr>
-        <p:txBody>
-          <a:bodyPr spcFirstLastPara="1" vert="horz" wrap="square" lIns="0" tIns="0" rIns="0" bIns="0" rtlCol="0" anchor="t" anchorCtr="0">
-            <a:noAutofit/>
+        </p:spPr>
+      </p:pic>
+      <p:sp>
+        <p:nvSpPr>
+          <p:cNvPr id="3" name="Title 1">
+            <a:extLst>
+              <a:ext uri="{FF2B5EF4-FFF2-40B4-BE49-F238E27FC236}">
+                <a16:creationId xmlns:a16="http://schemas.microsoft.com/office/drawing/2014/main" id="{51C8D1E5-24B9-FEAC-440F-B059007D73CE}"/>
+              </a:ext>
+            </a:extLst>
+          </p:cNvPr>
+          <p:cNvSpPr txBox="1">
+            <a:spLocks/>
+          </p:cNvSpPr>
+          <p:nvPr/>
+        </p:nvSpPr>
+        <p:spPr>
+          <a:xfrm>
+            <a:off x="13454742" y="548858"/>
+            <a:ext cx="4082145" cy="945771"/>
+          </a:xfrm>
+          <a:prstGeom prst="rect">
+            <a:avLst/>
+          </a:prstGeom>
+        </p:spPr>
+        <p:txBody>
+          <a:bodyPr vert="horz" lIns="137160" tIns="68580" rIns="137160" bIns="68580" rtlCol="0" anchor="ctr">
+            <a:normAutofit/>
           </a:bodyPr>
-          <a:lstStyle/>
-          <a:p>
-            <a:pPr marL="0" indent="0">
+          <a:lstStyle>
+            <a:lvl1pPr algn="l" defTabSz="914400" rtl="0" eaLnBrk="1" latinLnBrk="0" hangingPunct="1">
+              <a:lnSpc>
+                <a:spcPct val="90000"/>
+              </a:lnSpc>
               <a:spcBef>
-                <a:spcPts val="0"/>
+                <a:spcPct val="0"/>
               </a:spcBef>
-            </a:pPr>
-            <a:r>
-              <a:rPr lang="en-US" dirty="0"/>
-              <a:t>Excel Analytics 2.0</a:t>
-            </a:r>
-            <a:endParaRPr dirty="0"/>
+              <a:buNone/>
+              <a:defRPr sz="4800" b="1" kern="1200">
+                <a:solidFill>
+                  <a:schemeClr val="bg1"/>
+                </a:solidFill>
+                <a:latin typeface="+mn-lt"/>
+                <a:ea typeface="+mj-ea"/>
+                <a:cs typeface="+mj-cs"/>
+              </a:defRPr>
+            </a:lvl1pPr>
+          </a:lstStyle>
+          <a:p>
+            <a:r>
+              <a:rPr lang="en-GB" sz="4200" dirty="0">
+                <a:solidFill>
+                  <a:srgbClr val="241F62"/>
+                </a:solidFill>
+                <a:latin typeface="+mj-lt"/>
+              </a:rPr>
+              <a:t>George Mount</a:t>
+            </a:r>
+            <a:endParaRPr lang="en-BG" sz="4200" dirty="0">
+              <a:solidFill>
+                <a:srgbClr val="241F62"/>
+              </a:solidFill>
+              <a:latin typeface="+mj-lt"/>
+            </a:endParaRPr>
           </a:p>
         </p:txBody>
       </p:sp>
     </p:spTree>
+    <p:extLst>
+      <p:ext uri="{BB962C8B-B14F-4D97-AF65-F5344CB8AC3E}">
+        <p14:creationId xmlns:p14="http://schemas.microsoft.com/office/powerpoint/2010/main" val="2757564342"/>
+      </p:ext>
+    </p:extLst>
   </p:cSld>
   <p:clrMapOvr>
     <a:masterClrMapping/>
@@ -12802,7 +10366,7 @@
   <p:cSld>
     <p:spTree>
       <p:nvGrpSpPr>
-        <p:cNvPr id="1" name="Shape 629"/>
+        <p:cNvPr id="1" name=""/>
         <p:cNvGrpSpPr/>
         <p:nvPr/>
       </p:nvGrpSpPr>
@@ -12814,49 +10378,583 @@
           <a:chExt cx="0" cy="0"/>
         </a:xfrm>
       </p:grpSpPr>
-      <p:sp>
-        <p:nvSpPr>
-          <p:cNvPr id="633" name="Google Shape;633;p56"/>
-          <p:cNvSpPr txBox="1">
+      <p:pic>
+        <p:nvPicPr>
+          <p:cNvPr id="5" name="Picture 4">
+            <a:extLst>
+              <a:ext uri="{FF2B5EF4-FFF2-40B4-BE49-F238E27FC236}">
+                <a16:creationId xmlns:a16="http://schemas.microsoft.com/office/drawing/2014/main" id="{58EB9D66-9CB4-B474-27D6-F594F19E2A76}"/>
+              </a:ext>
+            </a:extLst>
+          </p:cNvPr>
+          <p:cNvPicPr>
+            <a:picLocks noChangeAspect="1"/>
+          </p:cNvPicPr>
+          <p:nvPr/>
+        </p:nvPicPr>
+        <p:blipFill>
+          <a:blip r:embed="rId2"/>
+          <a:srcRect/>
+          <a:stretch/>
+        </p:blipFill>
+        <p:spPr>
+          <a:xfrm>
+            <a:off x="0" y="0"/>
+            <a:ext cx="18288000" cy="10287000"/>
+          </a:xfrm>
+          <a:prstGeom prst="rect">
+            <a:avLst/>
+          </a:prstGeom>
+        </p:spPr>
+      </p:pic>
+      <p:sp>
+        <p:nvSpPr>
+          <p:cNvPr id="2" name="Title 1">
+            <a:extLst>
+              <a:ext uri="{FF2B5EF4-FFF2-40B4-BE49-F238E27FC236}">
+                <a16:creationId xmlns:a16="http://schemas.microsoft.com/office/drawing/2014/main" id="{6F578B23-3522-A45E-113D-CFC55209E2C5}"/>
+              </a:ext>
+            </a:extLst>
+          </p:cNvPr>
+          <p:cNvSpPr>
             <a:spLocks noGrp="1"/>
           </p:cNvSpPr>
           <p:nvPr>
-            <p:ph type="body" idx="4"/>
+            <p:ph type="ctrTitle"/>
           </p:nvPr>
         </p:nvSpPr>
         <p:spPr>
           <a:xfrm>
-            <a:off x="597453" y="3717053"/>
-            <a:ext cx="9218061" cy="1234896"/>
+            <a:off x="2286000" y="2598656"/>
+            <a:ext cx="13716000" cy="3581400"/>
+          </a:xfrm>
+        </p:spPr>
+        <p:txBody>
+          <a:bodyPr>
+            <a:normAutofit/>
+          </a:bodyPr>
+          <a:lstStyle/>
+          <a:p>
+            <a:r>
+              <a:rPr lang="en-BG" sz="9900" b="1" dirty="0">
+                <a:solidFill>
+                  <a:srgbClr val="241F62"/>
+                </a:solidFill>
+                <a:latin typeface="+mn-lt"/>
+              </a:rPr>
+              <a:t>Thank you!</a:t>
+            </a:r>
+          </a:p>
+        </p:txBody>
+      </p:sp>
+      <p:pic>
+        <p:nvPicPr>
+          <p:cNvPr id="7" name="Picture 6" descr="A black and white sign with white text&#10;&#10;Description automatically generated">
+            <a:extLst>
+              <a:ext uri="{FF2B5EF4-FFF2-40B4-BE49-F238E27FC236}">
+                <a16:creationId xmlns:a16="http://schemas.microsoft.com/office/drawing/2014/main" id="{CADADD3B-A58B-45A3-D5DF-D99E4EB05D2C}"/>
+              </a:ext>
+            </a:extLst>
+          </p:cNvPr>
+          <p:cNvPicPr>
+            <a:picLocks noChangeAspect="1"/>
+          </p:cNvPicPr>
+          <p:nvPr/>
+        </p:nvPicPr>
+        <p:blipFill>
+          <a:blip r:embed="rId3"/>
+          <a:stretch>
+            <a:fillRect/>
+          </a:stretch>
+        </p:blipFill>
+        <p:spPr>
+          <a:xfrm>
+            <a:off x="3118754" y="1034024"/>
+            <a:ext cx="1981200" cy="1257300"/>
           </a:xfrm>
           <a:prstGeom prst="rect">
             <a:avLst/>
           </a:prstGeom>
-          <a:noFill/>
+        </p:spPr>
+      </p:pic>
+      <p:cxnSp>
+        <p:nvCxnSpPr>
+          <p:cNvPr id="4" name="Straight Connector 3">
+            <a:extLst>
+              <a:ext uri="{FF2B5EF4-FFF2-40B4-BE49-F238E27FC236}">
+                <a16:creationId xmlns:a16="http://schemas.microsoft.com/office/drawing/2014/main" id="{186E2CA1-16F0-B4E0-64B9-88EB622CDE69}"/>
+              </a:ext>
+            </a:extLst>
+          </p:cNvPr>
+          <p:cNvCxnSpPr>
+            <a:cxnSpLocks/>
+          </p:cNvCxnSpPr>
+          <p:nvPr/>
+        </p:nvCxnSpPr>
+        <p:spPr>
+          <a:xfrm>
+            <a:off x="3118755" y="8784773"/>
+            <a:ext cx="15169245" cy="0"/>
+          </a:xfrm>
+          <a:prstGeom prst="line">
+            <a:avLst/>
+          </a:prstGeom>
           <a:ln>
-            <a:noFill/>
+            <a:solidFill>
+              <a:srgbClr val="241F62"/>
+            </a:solidFill>
           </a:ln>
         </p:spPr>
-        <p:txBody>
-          <a:bodyPr spcFirstLastPara="1" vert="horz" wrap="square" lIns="0" tIns="0" rIns="0" bIns="0" rtlCol="0" anchor="t" anchorCtr="0">
-            <a:noAutofit/>
+        <p:style>
+          <a:lnRef idx="1">
+            <a:schemeClr val="accent3"/>
+          </a:lnRef>
+          <a:fillRef idx="0">
+            <a:schemeClr val="accent3"/>
+          </a:fillRef>
+          <a:effectRef idx="0">
+            <a:schemeClr val="accent3"/>
+          </a:effectRef>
+          <a:fontRef idx="minor">
+            <a:schemeClr val="tx1"/>
+          </a:fontRef>
+        </p:style>
+      </p:cxnSp>
+      <p:sp>
+        <p:nvSpPr>
+          <p:cNvPr id="8" name="Title 1">
+            <a:extLst>
+              <a:ext uri="{FF2B5EF4-FFF2-40B4-BE49-F238E27FC236}">
+                <a16:creationId xmlns:a16="http://schemas.microsoft.com/office/drawing/2014/main" id="{1A8985E1-8F90-F6B0-F7EC-CDDE7A733DF7}"/>
+              </a:ext>
+            </a:extLst>
+          </p:cNvPr>
+          <p:cNvSpPr txBox="1">
+            <a:spLocks/>
+          </p:cNvSpPr>
+          <p:nvPr/>
+        </p:nvSpPr>
+        <p:spPr>
+          <a:xfrm>
+            <a:off x="3118756" y="6730499"/>
+            <a:ext cx="8204753" cy="1002020"/>
+          </a:xfrm>
+          <a:prstGeom prst="rect">
+            <a:avLst/>
+          </a:prstGeom>
+        </p:spPr>
+        <p:txBody>
+          <a:bodyPr vert="horz" lIns="137160" tIns="68580" rIns="137160" bIns="68580" rtlCol="0" anchor="b">
+            <a:normAutofit/>
           </a:bodyPr>
-          <a:lstStyle/>
-          <a:p>
-            <a:pPr marL="0" indent="0">
+          <a:lstStyle>
+            <a:lvl1pPr algn="ctr" defTabSz="914400" rtl="0" eaLnBrk="1" latinLnBrk="0" hangingPunct="1">
+              <a:lnSpc>
+                <a:spcPct val="90000"/>
+              </a:lnSpc>
               <a:spcBef>
-                <a:spcPts val="0"/>
+                <a:spcPct val="0"/>
               </a:spcBef>
-            </a:pPr>
-            <a:r>
-              <a:rPr lang="en-US" dirty="0"/>
-              <a:t>THANK YOU </a:t>
-            </a:r>
-            <a:endParaRPr dirty="0"/>
+              <a:buNone/>
+              <a:defRPr sz="6600" b="1" kern="1200">
+                <a:solidFill>
+                  <a:schemeClr val="bg1"/>
+                </a:solidFill>
+                <a:latin typeface="+mn-lt"/>
+                <a:ea typeface="+mj-ea"/>
+                <a:cs typeface="+mj-cs"/>
+              </a:defRPr>
+            </a:lvl1pPr>
+          </a:lstStyle>
+          <a:p>
+            <a:pPr algn="l"/>
+            <a:r>
+              <a:rPr lang="en-GB" sz="5400" dirty="0">
+                <a:solidFill>
+                  <a:srgbClr val="241F62"/>
+                </a:solidFill>
+              </a:rPr>
+              <a:t>George Mount</a:t>
+            </a:r>
+            <a:endParaRPr lang="en-BG" sz="5400" dirty="0">
+              <a:solidFill>
+                <a:srgbClr val="241F62"/>
+              </a:solidFill>
+            </a:endParaRPr>
+          </a:p>
+        </p:txBody>
+      </p:sp>
+      <p:sp>
+        <p:nvSpPr>
+          <p:cNvPr id="9" name="Title 1">
+            <a:extLst>
+              <a:ext uri="{FF2B5EF4-FFF2-40B4-BE49-F238E27FC236}">
+                <a16:creationId xmlns:a16="http://schemas.microsoft.com/office/drawing/2014/main" id="{98DE1D4A-D586-7074-E50D-A5B56F7BCC15}"/>
+              </a:ext>
+            </a:extLst>
+          </p:cNvPr>
+          <p:cNvSpPr txBox="1">
+            <a:spLocks/>
+          </p:cNvSpPr>
+          <p:nvPr/>
+        </p:nvSpPr>
+        <p:spPr>
+          <a:xfrm>
+            <a:off x="3118754" y="7732518"/>
+            <a:ext cx="8204753" cy="945771"/>
+          </a:xfrm>
+          <a:prstGeom prst="rect">
+            <a:avLst/>
+          </a:prstGeom>
+        </p:spPr>
+        <p:txBody>
+          <a:bodyPr vert="horz" lIns="137160" tIns="68580" rIns="137160" bIns="68580" rtlCol="0" anchor="ctr">
+            <a:normAutofit/>
+          </a:bodyPr>
+          <a:lstStyle>
+            <a:lvl1pPr algn="l" defTabSz="914400" rtl="0" eaLnBrk="1" latinLnBrk="0" hangingPunct="1">
+              <a:lnSpc>
+                <a:spcPct val="90000"/>
+              </a:lnSpc>
+              <a:spcBef>
+                <a:spcPct val="0"/>
+              </a:spcBef>
+              <a:buNone/>
+              <a:defRPr sz="4800" b="1" kern="1200">
+                <a:solidFill>
+                  <a:schemeClr val="bg1"/>
+                </a:solidFill>
+                <a:latin typeface="+mn-lt"/>
+                <a:ea typeface="+mj-ea"/>
+                <a:cs typeface="+mj-cs"/>
+              </a:defRPr>
+            </a:lvl1pPr>
+          </a:lstStyle>
+          <a:p>
+            <a:r>
+              <a:rPr lang="en-GB" sz="4200" dirty="0">
+                <a:solidFill>
+                  <a:srgbClr val="241F62"/>
+                </a:solidFill>
+                <a:latin typeface="+mj-lt"/>
+              </a:rPr>
+              <a:t>Owner, </a:t>
+            </a:r>
+            <a:r>
+              <a:rPr lang="en-GB" sz="4200" dirty="0" err="1">
+                <a:solidFill>
+                  <a:srgbClr val="241F62"/>
+                </a:solidFill>
+                <a:latin typeface="+mj-lt"/>
+              </a:rPr>
+              <a:t>Stringfest</a:t>
+            </a:r>
+            <a:r>
+              <a:rPr lang="en-GB" sz="4200" dirty="0">
+                <a:solidFill>
+                  <a:srgbClr val="241F62"/>
+                </a:solidFill>
+                <a:latin typeface="+mj-lt"/>
+              </a:rPr>
+              <a:t> Analytics</a:t>
+            </a:r>
+            <a:endParaRPr lang="en-BG" sz="4200" dirty="0">
+              <a:solidFill>
+                <a:srgbClr val="241F62"/>
+              </a:solidFill>
+              <a:latin typeface="+mj-lt"/>
+            </a:endParaRPr>
+          </a:p>
+        </p:txBody>
+      </p:sp>
+      <p:sp>
+        <p:nvSpPr>
+          <p:cNvPr id="10" name="Title 1">
+            <a:extLst>
+              <a:ext uri="{FF2B5EF4-FFF2-40B4-BE49-F238E27FC236}">
+                <a16:creationId xmlns:a16="http://schemas.microsoft.com/office/drawing/2014/main" id="{561C295B-FF22-B70D-472D-005A6DA36038}"/>
+              </a:ext>
+            </a:extLst>
+          </p:cNvPr>
+          <p:cNvSpPr txBox="1">
+            <a:spLocks/>
+          </p:cNvSpPr>
+          <p:nvPr/>
+        </p:nvSpPr>
+        <p:spPr>
+          <a:xfrm>
+            <a:off x="3599974" y="9087789"/>
+            <a:ext cx="6368147" cy="945771"/>
+          </a:xfrm>
+          <a:prstGeom prst="rect">
+            <a:avLst/>
+          </a:prstGeom>
+        </p:spPr>
+        <p:txBody>
+          <a:bodyPr vert="horz" lIns="137160" tIns="68580" rIns="137160" bIns="68580" rtlCol="0" anchor="ctr">
+            <a:normAutofit/>
+          </a:bodyPr>
+          <a:lstStyle>
+            <a:lvl1pPr algn="l" defTabSz="914400" rtl="0" eaLnBrk="1" latinLnBrk="0" hangingPunct="1">
+              <a:lnSpc>
+                <a:spcPct val="90000"/>
+              </a:lnSpc>
+              <a:spcBef>
+                <a:spcPct val="0"/>
+              </a:spcBef>
+              <a:buNone/>
+              <a:defRPr sz="4800" b="1" kern="1200">
+                <a:solidFill>
+                  <a:schemeClr val="bg1"/>
+                </a:solidFill>
+                <a:latin typeface="+mn-lt"/>
+                <a:ea typeface="+mj-ea"/>
+                <a:cs typeface="+mj-cs"/>
+              </a:defRPr>
+            </a:lvl1pPr>
+          </a:lstStyle>
+          <a:p>
+            <a:r>
+              <a:rPr lang="en-GB" sz="3200" dirty="0">
+                <a:solidFill>
+                  <a:srgbClr val="241F62"/>
+                </a:solidFill>
+              </a:rPr>
+              <a:t>stringfestanalytics.com</a:t>
+            </a:r>
+            <a:endParaRPr lang="en-BG" sz="3200" dirty="0">
+              <a:solidFill>
+                <a:srgbClr val="241F62"/>
+              </a:solidFill>
+            </a:endParaRPr>
+          </a:p>
+        </p:txBody>
+      </p:sp>
+      <p:sp>
+        <p:nvSpPr>
+          <p:cNvPr id="11" name="Title 1">
+            <a:extLst>
+              <a:ext uri="{FF2B5EF4-FFF2-40B4-BE49-F238E27FC236}">
+                <a16:creationId xmlns:a16="http://schemas.microsoft.com/office/drawing/2014/main" id="{38758F10-53E3-C630-0422-E4789496DCF5}"/>
+              </a:ext>
+            </a:extLst>
+          </p:cNvPr>
+          <p:cNvSpPr txBox="1">
+            <a:spLocks/>
+          </p:cNvSpPr>
+          <p:nvPr/>
+        </p:nvSpPr>
+        <p:spPr>
+          <a:xfrm>
+            <a:off x="8554808" y="9087789"/>
+            <a:ext cx="3372150" cy="945771"/>
+          </a:xfrm>
+          <a:prstGeom prst="rect">
+            <a:avLst/>
+          </a:prstGeom>
+        </p:spPr>
+        <p:txBody>
+          <a:bodyPr vert="horz" lIns="137160" tIns="68580" rIns="137160" bIns="68580" rtlCol="0" anchor="ctr">
+            <a:normAutofit/>
+          </a:bodyPr>
+          <a:lstStyle>
+            <a:lvl1pPr algn="l" defTabSz="914400" rtl="0" eaLnBrk="1" latinLnBrk="0" hangingPunct="1">
+              <a:lnSpc>
+                <a:spcPct val="90000"/>
+              </a:lnSpc>
+              <a:spcBef>
+                <a:spcPct val="0"/>
+              </a:spcBef>
+              <a:buNone/>
+              <a:defRPr sz="4800" b="1" kern="1200">
+                <a:solidFill>
+                  <a:schemeClr val="bg1"/>
+                </a:solidFill>
+                <a:latin typeface="+mn-lt"/>
+                <a:ea typeface="+mj-ea"/>
+                <a:cs typeface="+mj-cs"/>
+              </a:defRPr>
+            </a:lvl1pPr>
+          </a:lstStyle>
+          <a:p>
+            <a:r>
+              <a:rPr lang="en-GB" sz="3600" dirty="0">
+                <a:solidFill>
+                  <a:srgbClr val="241F62"/>
+                </a:solidFill>
+              </a:rPr>
+              <a:t>George Mount</a:t>
+            </a:r>
+            <a:endParaRPr lang="en-BG" sz="3600" dirty="0">
+              <a:solidFill>
+                <a:srgbClr val="241F62"/>
+              </a:solidFill>
+            </a:endParaRPr>
+          </a:p>
+        </p:txBody>
+      </p:sp>
+      <p:pic>
+        <p:nvPicPr>
+          <p:cNvPr id="13" name="Picture 12">
+            <a:extLst>
+              <a:ext uri="{FF2B5EF4-FFF2-40B4-BE49-F238E27FC236}">
+                <a16:creationId xmlns:a16="http://schemas.microsoft.com/office/drawing/2014/main" id="{564B3460-4BA9-3488-F2B8-387A09E6D3DD}"/>
+              </a:ext>
+            </a:extLst>
+          </p:cNvPr>
+          <p:cNvPicPr>
+            <a:picLocks noChangeAspect="1"/>
+          </p:cNvPicPr>
+          <p:nvPr/>
+        </p:nvPicPr>
+        <p:blipFill>
+          <a:blip r:embed="rId4"/>
+          <a:srcRect/>
+          <a:stretch/>
+        </p:blipFill>
+        <p:spPr>
+          <a:xfrm>
+            <a:off x="8073587" y="9379700"/>
+            <a:ext cx="361950" cy="361950"/>
+          </a:xfrm>
+          <a:prstGeom prst="rect">
+            <a:avLst/>
+          </a:prstGeom>
+        </p:spPr>
+      </p:pic>
+      <p:pic>
+        <p:nvPicPr>
+          <p:cNvPr id="15" name="Picture 14">
+            <a:extLst>
+              <a:ext uri="{FF2B5EF4-FFF2-40B4-BE49-F238E27FC236}">
+                <a16:creationId xmlns:a16="http://schemas.microsoft.com/office/drawing/2014/main" id="{669ED92D-10C9-7EA6-C719-CC63A8906E16}"/>
+              </a:ext>
+            </a:extLst>
+          </p:cNvPr>
+          <p:cNvPicPr>
+            <a:picLocks noChangeAspect="1"/>
+          </p:cNvPicPr>
+          <p:nvPr/>
+        </p:nvPicPr>
+        <p:blipFill>
+          <a:blip r:embed="rId5"/>
+          <a:srcRect/>
+          <a:stretch/>
+        </p:blipFill>
+        <p:spPr>
+          <a:xfrm>
+            <a:off x="3118754" y="9354912"/>
+            <a:ext cx="361950" cy="361950"/>
+          </a:xfrm>
+          <a:prstGeom prst="rect">
+            <a:avLst/>
+          </a:prstGeom>
+        </p:spPr>
+      </p:pic>
+      <p:pic>
+        <p:nvPicPr>
+          <p:cNvPr id="17" name="Picture 16">
+            <a:extLst>
+              <a:ext uri="{FF2B5EF4-FFF2-40B4-BE49-F238E27FC236}">
+                <a16:creationId xmlns:a16="http://schemas.microsoft.com/office/drawing/2014/main" id="{E3437C69-0BD3-C2F3-E6CD-963C3E9AE530}"/>
+              </a:ext>
+            </a:extLst>
+          </p:cNvPr>
+          <p:cNvPicPr>
+            <a:picLocks noChangeAspect="1"/>
+          </p:cNvPicPr>
+          <p:nvPr/>
+        </p:nvPicPr>
+        <p:blipFill>
+          <a:blip r:embed="rId6">
+            <a:extLst>
+              <a:ext uri="{28A0092B-C50C-407E-A947-70E740481C1C}">
+                <a14:useLocalDpi xmlns:a14="http://schemas.microsoft.com/office/drawing/2010/main" val="0"/>
+              </a:ext>
+            </a:extLst>
+          </a:blip>
+          <a:srcRect/>
+          <a:stretch/>
+        </p:blipFill>
+        <p:spPr>
+          <a:xfrm>
+            <a:off x="12264561" y="9354912"/>
+            <a:ext cx="361950" cy="361950"/>
+          </a:xfrm>
+          <a:prstGeom prst="rect">
+            <a:avLst/>
+          </a:prstGeom>
+        </p:spPr>
+      </p:pic>
+      <p:sp>
+        <p:nvSpPr>
+          <p:cNvPr id="18" name="Title 1">
+            <a:extLst>
+              <a:ext uri="{FF2B5EF4-FFF2-40B4-BE49-F238E27FC236}">
+                <a16:creationId xmlns:a16="http://schemas.microsoft.com/office/drawing/2014/main" id="{73C888AA-12C8-1F73-16FF-2F8C1826D5F5}"/>
+              </a:ext>
+            </a:extLst>
+          </p:cNvPr>
+          <p:cNvSpPr txBox="1">
+            <a:spLocks/>
+          </p:cNvSpPr>
+          <p:nvPr/>
+        </p:nvSpPr>
+        <p:spPr>
+          <a:xfrm>
+            <a:off x="12755658" y="9087789"/>
+            <a:ext cx="3372150" cy="945771"/>
+          </a:xfrm>
+          <a:prstGeom prst="rect">
+            <a:avLst/>
+          </a:prstGeom>
+        </p:spPr>
+        <p:txBody>
+          <a:bodyPr vert="horz" lIns="137160" tIns="68580" rIns="137160" bIns="68580" rtlCol="0" anchor="ctr">
+            <a:normAutofit/>
+          </a:bodyPr>
+          <a:lstStyle>
+            <a:lvl1pPr algn="l" defTabSz="914400" rtl="0" eaLnBrk="1" latinLnBrk="0" hangingPunct="1">
+              <a:lnSpc>
+                <a:spcPct val="90000"/>
+              </a:lnSpc>
+              <a:spcBef>
+                <a:spcPct val="0"/>
+              </a:spcBef>
+              <a:buNone/>
+              <a:defRPr sz="4800" b="1" kern="1200">
+                <a:solidFill>
+                  <a:schemeClr val="bg1"/>
+                </a:solidFill>
+                <a:latin typeface="+mn-lt"/>
+                <a:ea typeface="+mj-ea"/>
+                <a:cs typeface="+mj-cs"/>
+              </a:defRPr>
+            </a:lvl1pPr>
+          </a:lstStyle>
+          <a:p>
+            <a:r>
+              <a:rPr lang="en-GB" sz="3600" dirty="0">
+                <a:solidFill>
+                  <a:srgbClr val="241F62"/>
+                </a:solidFill>
+              </a:rPr>
+              <a:t>@gjmount</a:t>
+            </a:r>
+            <a:endParaRPr lang="en-BG" sz="3600" dirty="0">
+              <a:solidFill>
+                <a:srgbClr val="241F62"/>
+              </a:solidFill>
+            </a:endParaRPr>
           </a:p>
         </p:txBody>
       </p:sp>
     </p:spTree>
+    <p:extLst>
+      <p:ext uri="{BB962C8B-B14F-4D97-AF65-F5344CB8AC3E}">
+        <p14:creationId xmlns:p14="http://schemas.microsoft.com/office/powerpoint/2010/main" val="3981852199"/>
+      </p:ext>
+    </p:extLst>
   </p:cSld>
   <p:clrMapOvr>
     <a:masterClrMapping/>

--- a/xlgs-analytics-2_0-slides.pptx
+++ b/xlgs-analytics-2_0-slides.pptx
@@ -5,52 +5,51 @@
     <p:sldMasterId id="2147483648" r:id="rId1"/>
   </p:sldMasterIdLst>
   <p:notesMasterIdLst>
-    <p:notesMasterId r:id="rId35"/>
+    <p:notesMasterId r:id="rId34"/>
   </p:notesMasterIdLst>
   <p:sldIdLst>
     <p:sldId id="256" r:id="rId2"/>
     <p:sldId id="358" r:id="rId3"/>
     <p:sldId id="258" r:id="rId4"/>
-    <p:sldId id="363" r:id="rId5"/>
-    <p:sldId id="362" r:id="rId6"/>
-    <p:sldId id="394" r:id="rId7"/>
-    <p:sldId id="364" r:id="rId8"/>
-    <p:sldId id="378" r:id="rId9"/>
-    <p:sldId id="395" r:id="rId10"/>
-    <p:sldId id="372" r:id="rId11"/>
-    <p:sldId id="396" r:id="rId12"/>
-    <p:sldId id="397" r:id="rId13"/>
-    <p:sldId id="398" r:id="rId14"/>
-    <p:sldId id="387" r:id="rId15"/>
-    <p:sldId id="365" r:id="rId16"/>
-    <p:sldId id="399" r:id="rId17"/>
-    <p:sldId id="400" r:id="rId18"/>
-    <p:sldId id="401" r:id="rId19"/>
-    <p:sldId id="402" r:id="rId20"/>
-    <p:sldId id="403" r:id="rId21"/>
-    <p:sldId id="404" r:id="rId22"/>
-    <p:sldId id="407" r:id="rId23"/>
-    <p:sldId id="415" r:id="rId24"/>
-    <p:sldId id="405" r:id="rId25"/>
-    <p:sldId id="412" r:id="rId26"/>
-    <p:sldId id="413" r:id="rId27"/>
-    <p:sldId id="414" r:id="rId28"/>
-    <p:sldId id="406" r:id="rId29"/>
-    <p:sldId id="409" r:id="rId30"/>
-    <p:sldId id="410" r:id="rId31"/>
-    <p:sldId id="416" r:id="rId32"/>
-    <p:sldId id="411" r:id="rId33"/>
-    <p:sldId id="265" r:id="rId34"/>
+    <p:sldId id="394" r:id="rId5"/>
+    <p:sldId id="364" r:id="rId6"/>
+    <p:sldId id="378" r:id="rId7"/>
+    <p:sldId id="395" r:id="rId8"/>
+    <p:sldId id="372" r:id="rId9"/>
+    <p:sldId id="396" r:id="rId10"/>
+    <p:sldId id="397" r:id="rId11"/>
+    <p:sldId id="398" r:id="rId12"/>
+    <p:sldId id="387" r:id="rId13"/>
+    <p:sldId id="365" r:id="rId14"/>
+    <p:sldId id="399" r:id="rId15"/>
+    <p:sldId id="400" r:id="rId16"/>
+    <p:sldId id="401" r:id="rId17"/>
+    <p:sldId id="402" r:id="rId18"/>
+    <p:sldId id="403" r:id="rId19"/>
+    <p:sldId id="404" r:id="rId20"/>
+    <p:sldId id="407" r:id="rId21"/>
+    <p:sldId id="424" r:id="rId22"/>
+    <p:sldId id="415" r:id="rId23"/>
+    <p:sldId id="405" r:id="rId24"/>
+    <p:sldId id="412" r:id="rId25"/>
+    <p:sldId id="413" r:id="rId26"/>
+    <p:sldId id="414" r:id="rId27"/>
+    <p:sldId id="406" r:id="rId28"/>
+    <p:sldId id="409" r:id="rId29"/>
+    <p:sldId id="410" r:id="rId30"/>
+    <p:sldId id="416" r:id="rId31"/>
+    <p:sldId id="411" r:id="rId32"/>
+    <p:sldId id="265" r:id="rId33"/>
   </p:sldIdLst>
   <p:sldSz cx="18288000" cy="10287000"/>
   <p:notesSz cx="6858000" cy="9144000"/>
   <p:embeddedFontLst>
     <p:embeddedFont>
       <p:font typeface="Consolas" panose="020B0609020204030204" pitchFamily="49" charset="0"/>
-      <p:regular r:id="rId36"/>
-      <p:bold r:id="rId37"/>
-      <p:italic r:id="rId38"/>
-      <p:boldItalic r:id="rId39"/>
+      <p:regular r:id="rId35"/>
+      <p:bold r:id="rId36"/>
+      <p:italic r:id="rId37"/>
+      <p:boldItalic r:id="rId38"/>
     </p:embeddedFont>
   </p:embeddedFontLst>
   <p:defaultTextStyle>
@@ -267,7 +266,7 @@
           <a:p>
             <a:fld id="{17A98A70-FA8C-4354-959C-C70678AC9BCF}" type="datetimeFigureOut">
               <a:rPr lang="en-US" smtClean="0"/>
-              <a:t>1/20/2024</a:t>
+              <a:t>2/2/2024</a:t>
             </a:fld>
             <a:endParaRPr lang="en-US"/>
           </a:p>
@@ -623,7 +622,13 @@
   <p:cSld>
     <p:spTree>
       <p:nvGrpSpPr>
-        <p:cNvPr id="1" name=""/>
+        <p:cNvPr id="1" name="">
+          <a:extLst>
+            <a:ext uri="{FF2B5EF4-FFF2-40B4-BE49-F238E27FC236}">
+              <a16:creationId xmlns:a16="http://schemas.microsoft.com/office/drawing/2014/main" id="{DBC72745-20C1-E1E0-B745-E3536DDC2E89}"/>
+            </a:ext>
+          </a:extLst>
+        </p:cNvPr>
         <p:cNvGrpSpPr/>
         <p:nvPr/>
       </p:nvGrpSpPr>
@@ -637,7 +642,13 @@
       </p:grpSpPr>
       <p:sp>
         <p:nvSpPr>
-          <p:cNvPr id="2" name="Slide Image Placeholder 1"/>
+          <p:cNvPr id="2" name="Slide Image Placeholder 1">
+            <a:extLst>
+              <a:ext uri="{FF2B5EF4-FFF2-40B4-BE49-F238E27FC236}">
+                <a16:creationId xmlns:a16="http://schemas.microsoft.com/office/drawing/2014/main" id="{053BB3DA-A1A8-64D1-71C7-14F517D05BDE}"/>
+              </a:ext>
+            </a:extLst>
+          </p:cNvPr>
           <p:cNvSpPr>
             <a:spLocks noGrp="1" noRot="1" noChangeAspect="1"/>
           </p:cNvSpPr>
@@ -649,7 +660,13 @@
       </p:sp>
       <p:sp>
         <p:nvSpPr>
-          <p:cNvPr id="3" name="Notes Placeholder 2"/>
+          <p:cNvPr id="3" name="Notes Placeholder 2">
+            <a:extLst>
+              <a:ext uri="{FF2B5EF4-FFF2-40B4-BE49-F238E27FC236}">
+                <a16:creationId xmlns:a16="http://schemas.microsoft.com/office/drawing/2014/main" id="{D70E1DF0-7987-5DF6-EB19-7E92F40D1AB6}"/>
+              </a:ext>
+            </a:extLst>
+          </p:cNvPr>
           <p:cNvSpPr>
             <a:spLocks noGrp="1"/>
           </p:cNvSpPr>
@@ -692,7 +709,13 @@
       </p:sp>
       <p:sp>
         <p:nvSpPr>
-          <p:cNvPr id="4" name="Slide Number Placeholder 3"/>
+          <p:cNvPr id="4" name="Slide Number Placeholder 3">
+            <a:extLst>
+              <a:ext uri="{FF2B5EF4-FFF2-40B4-BE49-F238E27FC236}">
+                <a16:creationId xmlns:a16="http://schemas.microsoft.com/office/drawing/2014/main" id="{F538EEE6-A66E-65DD-F057-829E6BA3E891}"/>
+              </a:ext>
+            </a:extLst>
+          </p:cNvPr>
           <p:cNvSpPr>
             <a:spLocks noGrp="1"/>
           </p:cNvSpPr>
@@ -707,7 +730,7 @@
           <a:p>
             <a:fld id="{1300335D-9F13-4B80-ADC5-B0EA3E10FF6B}" type="slidenum">
               <a:rPr lang="en-US" smtClean="0"/>
-              <a:t>25</a:t>
+              <a:t>21</a:t>
             </a:fld>
             <a:endParaRPr lang="en-US"/>
           </a:p>
@@ -716,7 +739,7 @@
     </p:spTree>
     <p:extLst>
       <p:ext uri="{BB962C8B-B14F-4D97-AF65-F5344CB8AC3E}">
-        <p14:creationId xmlns:p14="http://schemas.microsoft.com/office/powerpoint/2010/main" val="1500510141"/>
+        <p14:creationId xmlns:p14="http://schemas.microsoft.com/office/powerpoint/2010/main" val="2906957019"/>
       </p:ext>
     </p:extLst>
   </p:cSld>
@@ -815,7 +838,7 @@
           <a:p>
             <a:fld id="{1300335D-9F13-4B80-ADC5-B0EA3E10FF6B}" type="slidenum">
               <a:rPr lang="en-US" smtClean="0"/>
-              <a:t>26</a:t>
+              <a:t>24</a:t>
             </a:fld>
             <a:endParaRPr lang="en-US"/>
           </a:p>
@@ -824,7 +847,7 @@
     </p:spTree>
     <p:extLst>
       <p:ext uri="{BB962C8B-B14F-4D97-AF65-F5344CB8AC3E}">
-        <p14:creationId xmlns:p14="http://schemas.microsoft.com/office/powerpoint/2010/main" val="377014208"/>
+        <p14:creationId xmlns:p14="http://schemas.microsoft.com/office/powerpoint/2010/main" val="1500510141"/>
       </p:ext>
     </p:extLst>
   </p:cSld>
@@ -923,7 +946,7 @@
           <a:p>
             <a:fld id="{1300335D-9F13-4B80-ADC5-B0EA3E10FF6B}" type="slidenum">
               <a:rPr lang="en-US" smtClean="0"/>
-              <a:t>29</a:t>
+              <a:t>25</a:t>
             </a:fld>
             <a:endParaRPr lang="en-US"/>
           </a:p>
@@ -932,7 +955,7 @@
     </p:spTree>
     <p:extLst>
       <p:ext uri="{BB962C8B-B14F-4D97-AF65-F5344CB8AC3E}">
-        <p14:creationId xmlns:p14="http://schemas.microsoft.com/office/powerpoint/2010/main" val="2338108748"/>
+        <p14:creationId xmlns:p14="http://schemas.microsoft.com/office/powerpoint/2010/main" val="377014208"/>
       </p:ext>
     </p:extLst>
   </p:cSld>
@@ -1031,7 +1054,7 @@
           <a:p>
             <a:fld id="{1300335D-9F13-4B80-ADC5-B0EA3E10FF6B}" type="slidenum">
               <a:rPr lang="en-US" smtClean="0"/>
-              <a:t>30</a:t>
+              <a:t>28</a:t>
             </a:fld>
             <a:endParaRPr lang="en-US"/>
           </a:p>
@@ -1040,7 +1063,7 @@
     </p:spTree>
     <p:extLst>
       <p:ext uri="{BB962C8B-B14F-4D97-AF65-F5344CB8AC3E}">
-        <p14:creationId xmlns:p14="http://schemas.microsoft.com/office/powerpoint/2010/main" val="3885482516"/>
+        <p14:creationId xmlns:p14="http://schemas.microsoft.com/office/powerpoint/2010/main" val="2338108748"/>
       </p:ext>
     </p:extLst>
   </p:cSld>
@@ -1139,7 +1162,115 @@
           <a:p>
             <a:fld id="{1300335D-9F13-4B80-ADC5-B0EA3E10FF6B}" type="slidenum">
               <a:rPr lang="en-US" smtClean="0"/>
-              <a:t>32</a:t>
+              <a:t>29</a:t>
+            </a:fld>
+            <a:endParaRPr lang="en-US"/>
+          </a:p>
+        </p:txBody>
+      </p:sp>
+    </p:spTree>
+    <p:extLst>
+      <p:ext uri="{BB962C8B-B14F-4D97-AF65-F5344CB8AC3E}">
+        <p14:creationId xmlns:p14="http://schemas.microsoft.com/office/powerpoint/2010/main" val="3885482516"/>
+      </p:ext>
+    </p:extLst>
+  </p:cSld>
+  <p:clrMapOvr>
+    <a:masterClrMapping/>
+  </p:clrMapOvr>
+</p:notes>
+</file>
+
+<file path=ppt/notesSlides/notesSlide15.xml><?xml version="1.0" encoding="utf-8"?>
+<p:notes xmlns:a="http://schemas.openxmlformats.org/drawingml/2006/main" xmlns:r="http://schemas.openxmlformats.org/officeDocument/2006/relationships" xmlns:p="http://schemas.openxmlformats.org/presentationml/2006/main">
+  <p:cSld>
+    <p:spTree>
+      <p:nvGrpSpPr>
+        <p:cNvPr id="1" name=""/>
+        <p:cNvGrpSpPr/>
+        <p:nvPr/>
+      </p:nvGrpSpPr>
+      <p:grpSpPr>
+        <a:xfrm>
+          <a:off x="0" y="0"/>
+          <a:ext cx="0" cy="0"/>
+          <a:chOff x="0" y="0"/>
+          <a:chExt cx="0" cy="0"/>
+        </a:xfrm>
+      </p:grpSpPr>
+      <p:sp>
+        <p:nvSpPr>
+          <p:cNvPr id="2" name="Slide Image Placeholder 1"/>
+          <p:cNvSpPr>
+            <a:spLocks noGrp="1" noRot="1" noChangeAspect="1"/>
+          </p:cNvSpPr>
+          <p:nvPr>
+            <p:ph type="sldImg"/>
+          </p:nvPr>
+        </p:nvSpPr>
+        <p:spPr/>
+      </p:sp>
+      <p:sp>
+        <p:nvSpPr>
+          <p:cNvPr id="3" name="Notes Placeholder 2"/>
+          <p:cNvSpPr>
+            <a:spLocks noGrp="1"/>
+          </p:cNvSpPr>
+          <p:nvPr>
+            <p:ph type="body" idx="1"/>
+          </p:nvPr>
+        </p:nvSpPr>
+        <p:spPr/>
+        <p:txBody>
+          <a:bodyPr/>
+          <a:lstStyle/>
+          <a:p>
+            <a:pPr marL="228600" indent="-228600">
+              <a:buAutoNum type="arabicPeriod"/>
+            </a:pPr>
+            <a:r>
+              <a:rPr lang="en-US" dirty="0"/>
+              <a:t>False!</a:t>
+            </a:r>
+          </a:p>
+          <a:p>
+            <a:pPr marL="228600" indent="-228600">
+              <a:buAutoNum type="arabicPeriod"/>
+            </a:pPr>
+            <a:r>
+              <a:rPr lang="en-US" dirty="0"/>
+              <a:t>Function, Formula, Function</a:t>
+            </a:r>
+          </a:p>
+          <a:p>
+            <a:pPr marL="228600" indent="-228600">
+              <a:buAutoNum type="arabicPeriod"/>
+            </a:pPr>
+            <a:r>
+              <a:rPr lang="en-US" dirty="0"/>
+              <a:t>Argument</a:t>
+            </a:r>
+          </a:p>
+        </p:txBody>
+      </p:sp>
+      <p:sp>
+        <p:nvSpPr>
+          <p:cNvPr id="4" name="Slide Number Placeholder 3"/>
+          <p:cNvSpPr>
+            <a:spLocks noGrp="1"/>
+          </p:cNvSpPr>
+          <p:nvPr>
+            <p:ph type="sldNum" sz="quarter" idx="5"/>
+          </p:nvPr>
+        </p:nvSpPr>
+        <p:spPr/>
+        <p:txBody>
+          <a:bodyPr/>
+          <a:lstStyle/>
+          <a:p>
+            <a:fld id="{1300335D-9F13-4B80-ADC5-B0EA3E10FF6B}" type="slidenum">
+              <a:rPr lang="en-US" smtClean="0"/>
+              <a:t>31</a:t>
             </a:fld>
             <a:endParaRPr lang="en-US"/>
           </a:p>
@@ -1247,7 +1378,7 @@
           <a:p>
             <a:fld id="{1300335D-9F13-4B80-ADC5-B0EA3E10FF6B}" type="slidenum">
               <a:rPr lang="en-US" smtClean="0"/>
-              <a:t>8</a:t>
+              <a:t>6</a:t>
             </a:fld>
             <a:endParaRPr lang="en-US"/>
           </a:p>
@@ -1355,7 +1486,7 @@
           <a:p>
             <a:fld id="{1300335D-9F13-4B80-ADC5-B0EA3E10FF6B}" type="slidenum">
               <a:rPr lang="en-US" smtClean="0"/>
-              <a:t>9</a:t>
+              <a:t>7</a:t>
             </a:fld>
             <a:endParaRPr lang="en-US"/>
           </a:p>
@@ -1463,7 +1594,7 @@
           <a:p>
             <a:fld id="{1300335D-9F13-4B80-ADC5-B0EA3E10FF6B}" type="slidenum">
               <a:rPr lang="en-US" smtClean="0"/>
-              <a:t>12</a:t>
+              <a:t>10</a:t>
             </a:fld>
             <a:endParaRPr lang="en-US"/>
           </a:p>
@@ -1571,7 +1702,7 @@
           <a:p>
             <a:fld id="{1300335D-9F13-4B80-ADC5-B0EA3E10FF6B}" type="slidenum">
               <a:rPr lang="en-US" smtClean="0"/>
-              <a:t>13</a:t>
+              <a:t>11</a:t>
             </a:fld>
             <a:endParaRPr lang="en-US"/>
           </a:p>
@@ -1679,7 +1810,7 @@
           <a:p>
             <a:fld id="{1300335D-9F13-4B80-ADC5-B0EA3E10FF6B}" type="slidenum">
               <a:rPr lang="en-US" smtClean="0"/>
-              <a:t>16</a:t>
+              <a:t>14</a:t>
             </a:fld>
             <a:endParaRPr lang="en-US"/>
           </a:p>
@@ -1787,7 +1918,7 @@
           <a:p>
             <a:fld id="{1300335D-9F13-4B80-ADC5-B0EA3E10FF6B}" type="slidenum">
               <a:rPr lang="en-US" smtClean="0"/>
-              <a:t>17</a:t>
+              <a:t>15</a:t>
             </a:fld>
             <a:endParaRPr lang="en-US"/>
           </a:p>
@@ -1895,7 +2026,7 @@
           <a:p>
             <a:fld id="{1300335D-9F13-4B80-ADC5-B0EA3E10FF6B}" type="slidenum">
               <a:rPr lang="en-US" smtClean="0"/>
-              <a:t>19</a:t>
+              <a:t>17</a:t>
             </a:fld>
             <a:endParaRPr lang="en-US"/>
           </a:p>
@@ -2003,7 +2134,7 @@
           <a:p>
             <a:fld id="{1300335D-9F13-4B80-ADC5-B0EA3E10FF6B}" type="slidenum">
               <a:rPr lang="en-US" smtClean="0"/>
-              <a:t>22</a:t>
+              <a:t>20</a:t>
             </a:fld>
             <a:endParaRPr lang="en-US"/>
           </a:p>
@@ -2202,7 +2333,7 @@
             <a:fld id="{1D8BD707-D9CF-40AE-B4C6-C98DA3205C09}" type="datetimeFigureOut">
               <a:rPr lang="en-US" smtClean="0"/>
               <a:pPr/>
-              <a:t>1/20/2024</a:t>
+              <a:t>2/2/2024</a:t>
             </a:fld>
             <a:endParaRPr lang="en-US"/>
           </a:p>
@@ -2367,7 +2498,7 @@
             <a:fld id="{1D8BD707-D9CF-40AE-B4C6-C98DA3205C09}" type="datetimeFigureOut">
               <a:rPr lang="en-US" smtClean="0"/>
               <a:pPr/>
-              <a:t>1/20/2024</a:t>
+              <a:t>2/2/2024</a:t>
             </a:fld>
             <a:endParaRPr lang="en-US"/>
           </a:p>
@@ -2542,7 +2673,7 @@
             <a:fld id="{1D8BD707-D9CF-40AE-B4C6-C98DA3205C09}" type="datetimeFigureOut">
               <a:rPr lang="en-US" smtClean="0"/>
               <a:pPr/>
-              <a:t>1/20/2024</a:t>
+              <a:t>2/2/2024</a:t>
             </a:fld>
             <a:endParaRPr lang="en-US"/>
           </a:p>
@@ -2707,7 +2838,7 @@
             <a:fld id="{1D8BD707-D9CF-40AE-B4C6-C98DA3205C09}" type="datetimeFigureOut">
               <a:rPr lang="en-US" smtClean="0"/>
               <a:pPr/>
-              <a:t>1/20/2024</a:t>
+              <a:t>2/2/2024</a:t>
             </a:fld>
             <a:endParaRPr lang="en-US"/>
           </a:p>
@@ -2949,7 +3080,7 @@
             <a:fld id="{1D8BD707-D9CF-40AE-B4C6-C98DA3205C09}" type="datetimeFigureOut">
               <a:rPr lang="en-US" smtClean="0"/>
               <a:pPr/>
-              <a:t>1/20/2024</a:t>
+              <a:t>2/2/2024</a:t>
             </a:fld>
             <a:endParaRPr lang="en-US"/>
           </a:p>
@@ -3231,7 +3362,7 @@
             <a:fld id="{1D8BD707-D9CF-40AE-B4C6-C98DA3205C09}" type="datetimeFigureOut">
               <a:rPr lang="en-US" smtClean="0"/>
               <a:pPr/>
-              <a:t>1/20/2024</a:t>
+              <a:t>2/2/2024</a:t>
             </a:fld>
             <a:endParaRPr lang="en-US"/>
           </a:p>
@@ -3647,7 +3778,7 @@
             <a:fld id="{1D8BD707-D9CF-40AE-B4C6-C98DA3205C09}" type="datetimeFigureOut">
               <a:rPr lang="en-US" smtClean="0"/>
               <a:pPr/>
-              <a:t>1/20/2024</a:t>
+              <a:t>2/2/2024</a:t>
             </a:fld>
             <a:endParaRPr lang="en-US"/>
           </a:p>
@@ -3761,7 +3892,7 @@
             <a:fld id="{1D8BD707-D9CF-40AE-B4C6-C98DA3205C09}" type="datetimeFigureOut">
               <a:rPr lang="en-US" smtClean="0"/>
               <a:pPr/>
-              <a:t>1/20/2024</a:t>
+              <a:t>2/2/2024</a:t>
             </a:fld>
             <a:endParaRPr lang="en-US"/>
           </a:p>
@@ -3853,7 +3984,7 @@
             <a:fld id="{1D8BD707-D9CF-40AE-B4C6-C98DA3205C09}" type="datetimeFigureOut">
               <a:rPr lang="en-US" smtClean="0"/>
               <a:pPr/>
-              <a:t>1/20/2024</a:t>
+              <a:t>2/2/2024</a:t>
             </a:fld>
             <a:endParaRPr lang="en-US"/>
           </a:p>
@@ -4125,7 +4256,7 @@
             <a:fld id="{1D8BD707-D9CF-40AE-B4C6-C98DA3205C09}" type="datetimeFigureOut">
               <a:rPr lang="en-US" smtClean="0"/>
               <a:pPr/>
-              <a:t>1/20/2024</a:t>
+              <a:t>2/2/2024</a:t>
             </a:fld>
             <a:endParaRPr lang="en-US"/>
           </a:p>
@@ -4374,7 +4505,7 @@
             <a:fld id="{1D8BD707-D9CF-40AE-B4C6-C98DA3205C09}" type="datetimeFigureOut">
               <a:rPr lang="en-US" smtClean="0"/>
               <a:pPr/>
-              <a:t>1/20/2024</a:t>
+              <a:t>2/2/2024</a:t>
             </a:fld>
             <a:endParaRPr lang="en-US"/>
           </a:p>
@@ -4587,7 +4718,7 @@
             <a:fld id="{1D8BD707-D9CF-40AE-B4C6-C98DA3205C09}" type="datetimeFigureOut">
               <a:rPr lang="en-US" smtClean="0"/>
               <a:pPr/>
-              <a:t>1/20/2024</a:t>
+              <a:t>2/2/2024</a:t>
             </a:fld>
             <a:endParaRPr lang="en-US"/>
           </a:p>
@@ -5157,44 +5288,61 @@
           <a:chExt cx="0" cy="0"/>
         </a:xfrm>
       </p:grpSpPr>
+      <p:sp>
+        <p:nvSpPr>
+          <p:cNvPr id="4" name="Rectangle 3"/>
+          <p:cNvSpPr/>
+          <p:nvPr/>
+        </p:nvSpPr>
+        <p:spPr>
+          <a:xfrm>
+            <a:off x="9861630" y="0"/>
+            <a:ext cx="8426370" cy="10287000"/>
+          </a:xfrm>
+          <a:prstGeom prst="rect">
+            <a:avLst/>
+          </a:prstGeom>
+          <a:solidFill>
+            <a:srgbClr val="CF3338"/>
+          </a:solidFill>
+          <a:ln>
+            <a:noFill/>
+          </a:ln>
+        </p:spPr>
+        <p:style>
+          <a:lnRef idx="2">
+            <a:schemeClr val="accent1">
+              <a:shade val="50000"/>
+            </a:schemeClr>
+          </a:lnRef>
+          <a:fillRef idx="1">
+            <a:schemeClr val="accent1"/>
+          </a:fillRef>
+          <a:effectRef idx="0">
+            <a:schemeClr val="accent1"/>
+          </a:effectRef>
+          <a:fontRef idx="minor">
+            <a:schemeClr val="lt1"/>
+          </a:fontRef>
+        </p:style>
+        <p:txBody>
+          <a:bodyPr rtlCol="0" anchor="ctr"/>
+          <a:lstStyle/>
+          <a:p>
+            <a:pPr algn="ctr"/>
+            <a:endParaRPr lang="en-US" sz="2700"/>
+          </a:p>
+        </p:txBody>
+      </p:sp>
       <p:pic>
         <p:nvPicPr>
-          <p:cNvPr id="10" name="Picture 9"/>
+          <p:cNvPr id="2" name="Picture 1"/>
           <p:cNvPicPr>
             <a:picLocks noChangeAspect="1"/>
           </p:cNvPicPr>
           <p:nvPr/>
         </p:nvPicPr>
         <p:blipFill rotWithShape="1">
-          <a:blip r:embed="rId2">
-            <a:extLst>
-              <a:ext uri="{28A0092B-C50C-407E-A947-70E740481C1C}">
-                <a14:useLocalDpi xmlns:a14="http://schemas.microsoft.com/office/drawing/2010/main" val="0"/>
-              </a:ext>
-            </a:extLst>
-          </a:blip>
-          <a:srcRect l="50728" t="56371"/>
-          <a:stretch/>
-        </p:blipFill>
-        <p:spPr>
-          <a:xfrm>
-            <a:off x="12204691" y="3316148"/>
-            <a:ext cx="6083309" cy="6970854"/>
-          </a:xfrm>
-          <a:prstGeom prst="rect">
-            <a:avLst/>
-          </a:prstGeom>
-        </p:spPr>
-      </p:pic>
-      <p:pic>
-        <p:nvPicPr>
-          <p:cNvPr id="4" name="Picture 3"/>
-          <p:cNvPicPr>
-            <a:picLocks noChangeAspect="1"/>
-          </p:cNvPicPr>
-          <p:nvPr/>
-        </p:nvPicPr>
-        <p:blipFill>
           <a:blip r:embed="rId3">
             <a:extLst>
               <a:ext uri="{28A0092B-C50C-407E-A947-70E740481C1C}">
@@ -5202,14 +5350,13 @@
               </a:ext>
             </a:extLst>
           </a:blip>
-          <a:stretch>
-            <a:fillRect/>
-          </a:stretch>
+          <a:srcRect l="69227" t="33418" r="20112" b="50548"/>
+          <a:stretch/>
         </p:blipFill>
         <p:spPr>
           <a:xfrm>
-            <a:off x="-807744" y="-3724155"/>
-            <a:ext cx="15257208" cy="11189825"/>
+            <a:off x="15579524" y="7544693"/>
+            <a:ext cx="2708477" cy="2987579"/>
           </a:xfrm>
           <a:prstGeom prst="rect">
             <a:avLst/>
@@ -5218,14 +5365,14 @@
       </p:pic>
       <p:sp>
         <p:nvSpPr>
-          <p:cNvPr id="11" name="TextBox 10"/>
+          <p:cNvPr id="3" name="TextBox 2"/>
           <p:cNvSpPr txBox="1"/>
           <p:nvPr/>
         </p:nvSpPr>
         <p:spPr>
           <a:xfrm>
-            <a:off x="486137" y="2531318"/>
-            <a:ext cx="11979797" cy="923330"/>
+            <a:off x="260431" y="329879"/>
+            <a:ext cx="8906720" cy="8036559"/>
           </a:xfrm>
           <a:prstGeom prst="rect">
             <a:avLst/>
@@ -5239,56 +5386,178 @@
           <a:lstStyle/>
           <a:p>
             <a:r>
-              <a:rPr lang="en-US" sz="5400" b="1" dirty="0">
+              <a:rPr lang="en-US" sz="6000" b="1" dirty="0">
                 <a:solidFill>
                   <a:srgbClr val="CF3338"/>
                 </a:solidFill>
                 <a:latin typeface="Pragmatica" panose="020B0403040502020204" pitchFamily="34" charset="0"/>
               </a:rPr>
-              <a:t>Questions?</a:t>
-            </a:r>
-          </a:p>
-        </p:txBody>
-      </p:sp>
-      <p:pic>
-        <p:nvPicPr>
-          <p:cNvPr id="5" name="Picture 4">
-            <a:extLst>
-              <a:ext uri="{FF2B5EF4-FFF2-40B4-BE49-F238E27FC236}">
-                <a16:creationId xmlns:a16="http://schemas.microsoft.com/office/drawing/2014/main" id="{54A06221-5316-4BCF-9FDA-BDB95FF4A778}"/>
-              </a:ext>
-            </a:extLst>
-          </p:cNvPr>
-          <p:cNvPicPr>
-            <a:picLocks noChangeAspect="1"/>
-          </p:cNvPicPr>
-          <p:nvPr/>
-        </p:nvPicPr>
-        <p:blipFill>
-          <a:blip r:embed="rId4">
-            <a:extLst>
-              <a:ext uri="{28A0092B-C50C-407E-A947-70E740481C1C}">
-                <a14:useLocalDpi xmlns:a14="http://schemas.microsoft.com/office/drawing/2010/main" val="0"/>
-              </a:ext>
-            </a:extLst>
-          </a:blip>
-          <a:srcRect/>
-          <a:stretch/>
-        </p:blipFill>
-        <p:spPr>
-          <a:xfrm>
-            <a:off x="12204691" y="3317239"/>
-            <a:ext cx="6083309" cy="6968672"/>
-          </a:xfrm>
-          <a:prstGeom prst="rect">
-            <a:avLst/>
-          </a:prstGeom>
-        </p:spPr>
-      </p:pic>
+              <a:t>AI-powered data entry and forecasting </a:t>
+            </a:r>
+          </a:p>
+          <a:p>
+            <a:endParaRPr lang="en-US" sz="4200" dirty="0">
+              <a:solidFill>
+                <a:srgbClr val="CF3338"/>
+              </a:solidFill>
+              <a:latin typeface="Pragmatica" panose="020B0403040502020204" pitchFamily="34" charset="0"/>
+            </a:endParaRPr>
+          </a:p>
+          <a:p>
+            <a:pPr marL="685800" indent="-542925">
+              <a:lnSpc>
+                <a:spcPct val="115000"/>
+              </a:lnSpc>
+              <a:spcBef>
+                <a:spcPts val="1125"/>
+              </a:spcBef>
+              <a:buClr>
+                <a:srgbClr val="C00000"/>
+              </a:buClr>
+              <a:buSzPts val="2100"/>
+              <a:buFont typeface="Arial"/>
+              <a:buAutoNum type="arabicPeriod"/>
+            </a:pPr>
+            <a:r>
+              <a:rPr lang="en-US" sz="3600" dirty="0">
+                <a:solidFill>
+                  <a:srgbClr val="C00000"/>
+                </a:solidFill>
+                <a:latin typeface="Pragmatica" panose="020B0403040502020204"/>
+                <a:sym typeface="Consolas"/>
+              </a:rPr>
+              <a:t>Importing data from picture</a:t>
+            </a:r>
+          </a:p>
+          <a:p>
+            <a:pPr marL="685800" indent="-542925">
+              <a:lnSpc>
+                <a:spcPct val="115000"/>
+              </a:lnSpc>
+              <a:spcBef>
+                <a:spcPts val="1125"/>
+              </a:spcBef>
+              <a:buClr>
+                <a:srgbClr val="C00000"/>
+              </a:buClr>
+              <a:buSzPts val="2100"/>
+              <a:buFont typeface="Arial"/>
+              <a:buAutoNum type="arabicPeriod"/>
+            </a:pPr>
+            <a:r>
+              <a:rPr lang="en-US" sz="3600" dirty="0">
+                <a:solidFill>
+                  <a:srgbClr val="C00000"/>
+                </a:solidFill>
+                <a:latin typeface="Pragmatica" panose="020B0403040502020204"/>
+                <a:sym typeface="Consolas"/>
+              </a:rPr>
+              <a:t>Creating forecasts with Forecast Sheet</a:t>
+            </a:r>
+          </a:p>
+          <a:p>
+            <a:pPr marL="685800" indent="-542925">
+              <a:lnSpc>
+                <a:spcPct val="115000"/>
+              </a:lnSpc>
+              <a:spcBef>
+                <a:spcPts val="1125"/>
+              </a:spcBef>
+              <a:buClr>
+                <a:srgbClr val="C00000"/>
+              </a:buClr>
+              <a:buSzPts val="2100"/>
+              <a:buFont typeface="Arial"/>
+              <a:buAutoNum type="arabicPeriod"/>
+            </a:pPr>
+            <a:r>
+              <a:rPr lang="en-US" sz="3600" dirty="0">
+                <a:solidFill>
+                  <a:srgbClr val="C00000"/>
+                </a:solidFill>
+                <a:latin typeface="Pragmatica" panose="020B0403040502020204"/>
+                <a:sym typeface="Consolas"/>
+              </a:rPr>
+              <a:t>Enhancing insights with linked data types</a:t>
+            </a:r>
+          </a:p>
+          <a:p>
+            <a:pPr marL="685800" indent="-542925">
+              <a:lnSpc>
+                <a:spcPct val="115000"/>
+              </a:lnSpc>
+              <a:spcBef>
+                <a:spcPts val="1125"/>
+              </a:spcBef>
+              <a:buClr>
+                <a:srgbClr val="C00000"/>
+              </a:buClr>
+              <a:buSzPts val="2100"/>
+              <a:buFont typeface="Arial"/>
+              <a:buAutoNum type="arabicPeriod"/>
+            </a:pPr>
+            <a:endParaRPr lang="en-US" sz="3600" dirty="0">
+              <a:solidFill>
+                <a:srgbClr val="C00000"/>
+              </a:solidFill>
+              <a:latin typeface="Pragmatica" panose="020B0403040502020204"/>
+              <a:sym typeface="Consolas"/>
+            </a:endParaRPr>
+          </a:p>
+          <a:p>
+            <a:pPr marL="142875">
+              <a:lnSpc>
+                <a:spcPct val="115000"/>
+              </a:lnSpc>
+              <a:spcBef>
+                <a:spcPts val="1125"/>
+              </a:spcBef>
+              <a:buClr>
+                <a:srgbClr val="C00000"/>
+              </a:buClr>
+              <a:buSzPts val="2100"/>
+            </a:pPr>
+            <a:r>
+              <a:rPr lang="en-US" sz="3600" dirty="0">
+                <a:solidFill>
+                  <a:srgbClr val="C00000"/>
+                </a:solidFill>
+                <a:latin typeface="Pragmatica" panose="020B0403040502020204"/>
+                <a:sym typeface="Consolas"/>
+              </a:rPr>
+              <a:t>File: </a:t>
+            </a:r>
+            <a:r>
+              <a:rPr lang="en-US" sz="3600" dirty="0">
+                <a:solidFill>
+                  <a:srgbClr val="C00000"/>
+                </a:solidFill>
+                <a:latin typeface="Consolas" panose="020B0609020204030204" pitchFamily="49" charset="0"/>
+                <a:sym typeface="Consolas"/>
+              </a:rPr>
+              <a:t>ai-powered-data-entry-forecasting.xlsx</a:t>
+            </a:r>
+            <a:endParaRPr lang="en-US" sz="6000" dirty="0">
+              <a:solidFill>
+                <a:srgbClr val="CF3338"/>
+              </a:solidFill>
+              <a:latin typeface="Consolas" panose="020B0609020204030204" pitchFamily="49" charset="0"/>
+            </a:endParaRPr>
+          </a:p>
+          <a:p>
+            <a:endParaRPr lang="en-US" sz="6000" dirty="0">
+              <a:solidFill>
+                <a:srgbClr val="CF3338"/>
+              </a:solidFill>
+              <a:latin typeface="Pragmatica" panose="020B0403040502020204" pitchFamily="34" charset="0"/>
+            </a:endParaRPr>
+          </a:p>
+        </p:txBody>
+      </p:sp>
     </p:spTree>
     <p:extLst>
       <p:ext uri="{BB962C8B-B14F-4D97-AF65-F5344CB8AC3E}">
-        <p14:creationId xmlns:p14="http://schemas.microsoft.com/office/powerpoint/2010/main" val="2683774385"/>
+        <p14:creationId xmlns:p14="http://schemas.microsoft.com/office/powerpoint/2010/main" val="3338017956"/>
       </p:ext>
     </p:extLst>
   </p:cSld>
@@ -5323,116 +5592,6 @@
         </p:nvSpPr>
         <p:spPr>
           <a:xfrm>
-            <a:off x="0" y="0"/>
-            <a:ext cx="18288000" cy="10287000"/>
-          </a:xfrm>
-          <a:prstGeom prst="rect">
-            <a:avLst/>
-          </a:prstGeom>
-          <a:solidFill>
-            <a:srgbClr val="CF3338"/>
-          </a:solidFill>
-          <a:ln>
-            <a:noFill/>
-          </a:ln>
-        </p:spPr>
-        <p:style>
-          <a:lnRef idx="2">
-            <a:schemeClr val="accent1">
-              <a:shade val="50000"/>
-            </a:schemeClr>
-          </a:lnRef>
-          <a:fillRef idx="1">
-            <a:schemeClr val="accent1"/>
-          </a:fillRef>
-          <a:effectRef idx="0">
-            <a:schemeClr val="accent1"/>
-          </a:effectRef>
-          <a:fontRef idx="minor">
-            <a:schemeClr val="lt1"/>
-          </a:fontRef>
-        </p:style>
-        <p:txBody>
-          <a:bodyPr rtlCol="0" anchor="ctr"/>
-          <a:lstStyle/>
-          <a:p>
-            <a:pPr algn="ctr"/>
-            <a:endParaRPr lang="en-US" sz="2700"/>
-          </a:p>
-        </p:txBody>
-      </p:sp>
-      <p:sp>
-        <p:nvSpPr>
-          <p:cNvPr id="5" name="TextBox 4"/>
-          <p:cNvSpPr txBox="1"/>
-          <p:nvPr/>
-        </p:nvSpPr>
-        <p:spPr>
-          <a:xfrm>
-            <a:off x="781292" y="590309"/>
-            <a:ext cx="15486926" cy="3139321"/>
-          </a:xfrm>
-          <a:prstGeom prst="rect">
-            <a:avLst/>
-          </a:prstGeom>
-          <a:noFill/>
-        </p:spPr>
-        <p:txBody>
-          <a:bodyPr wrap="square" rtlCol="0">
-            <a:spAutoFit/>
-          </a:bodyPr>
-          <a:lstStyle/>
-          <a:p>
-            <a:r>
-              <a:rPr lang="en-US" sz="9900" b="1" dirty="0">
-                <a:solidFill>
-                  <a:schemeClr val="bg1"/>
-                </a:solidFill>
-                <a:latin typeface="Normafixed Tryout" panose="00000409000000000000" pitchFamily="49" charset="0"/>
-              </a:rPr>
-              <a:t>2. AI-Powered Data Entry and Forecasting</a:t>
-            </a:r>
-          </a:p>
-        </p:txBody>
-      </p:sp>
-    </p:spTree>
-    <p:extLst>
-      <p:ext uri="{BB962C8B-B14F-4D97-AF65-F5344CB8AC3E}">
-        <p14:creationId xmlns:p14="http://schemas.microsoft.com/office/powerpoint/2010/main" val="3261205573"/>
-      </p:ext>
-    </p:extLst>
-  </p:cSld>
-  <p:clrMapOvr>
-    <a:masterClrMapping/>
-  </p:clrMapOvr>
-</p:sld>
-</file>
-
-<file path=ppt/slides/slide12.xml><?xml version="1.0" encoding="utf-8"?>
-<p:sld xmlns:a="http://schemas.openxmlformats.org/drawingml/2006/main" xmlns:r="http://schemas.openxmlformats.org/officeDocument/2006/relationships" xmlns:p="http://schemas.openxmlformats.org/presentationml/2006/main">
-  <p:cSld>
-    <p:spTree>
-      <p:nvGrpSpPr>
-        <p:cNvPr id="1" name=""/>
-        <p:cNvGrpSpPr/>
-        <p:nvPr/>
-      </p:nvGrpSpPr>
-      <p:grpSpPr>
-        <a:xfrm>
-          <a:off x="0" y="0"/>
-          <a:ext cx="0" cy="0"/>
-          <a:chOff x="0" y="0"/>
-          <a:chExt cx="0" cy="0"/>
-        </a:xfrm>
-      </p:grpSpPr>
-      <p:sp>
-        <p:nvSpPr>
-          <p:cNvPr id="4" name="Rectangle 3"/>
-          <p:cNvSpPr/>
-          <p:nvPr/>
-        </p:nvSpPr>
-        <p:spPr>
-          <a:xfrm>
             <a:off x="9861630" y="0"/>
             <a:ext cx="8426370" cy="10287000"/>
           </a:xfrm>
@@ -5509,7 +5668,7 @@
         <p:spPr>
           <a:xfrm>
             <a:off x="260431" y="329879"/>
-            <a:ext cx="8906720" cy="8036559"/>
+            <a:ext cx="8906720" cy="8027326"/>
           </a:xfrm>
           <a:prstGeom prst="rect">
             <a:avLst/>
@@ -5529,19 +5688,11 @@
                 </a:solidFill>
                 <a:latin typeface="Pragmatica" panose="020B0403040502020204" pitchFamily="34" charset="0"/>
               </a:rPr>
-              <a:t>AI-powered data entry and forecasting </a:t>
-            </a:r>
-          </a:p>
-          <a:p>
-            <a:endParaRPr lang="en-US" sz="4200" dirty="0">
-              <a:solidFill>
-                <a:srgbClr val="CF3338"/>
-              </a:solidFill>
-              <a:latin typeface="Pragmatica" panose="020B0403040502020204" pitchFamily="34" charset="0"/>
-            </a:endParaRPr>
-          </a:p>
-          <a:p>
-            <a:pPr marL="685800" indent="-542925">
+              <a:t>AI-powered data entry and forecasting EXERCISE</a:t>
+            </a:r>
+          </a:p>
+          <a:p>
+            <a:pPr marL="142875">
               <a:lnSpc>
                 <a:spcPct val="115000"/>
               </a:lnSpc>
@@ -5552,22 +5703,17 @@
                 <a:srgbClr val="C00000"/>
               </a:buClr>
               <a:buSzPts val="2100"/>
-              <a:buFont typeface="Arial"/>
-              <a:buAutoNum type="arabicPeriod"/>
             </a:pPr>
-            <a:r>
-              <a:rPr lang="en-US" sz="3600" dirty="0">
-                <a:solidFill>
-                  <a:srgbClr val="C00000"/>
-                </a:solidFill>
-                <a:latin typeface="Pragmatica" panose="020B0403040502020204"/>
-                <a:sym typeface="Consolas"/>
-              </a:rPr>
-              <a:t>Importing data from picture</a:t>
-            </a:r>
-          </a:p>
-          <a:p>
-            <a:pPr marL="685800" indent="-542925">
+            <a:endParaRPr lang="en-US" sz="3600" dirty="0">
+              <a:solidFill>
+                <a:srgbClr val="C00000"/>
+              </a:solidFill>
+              <a:latin typeface="Pragmatica" panose="020B0403040502020204"/>
+              <a:sym typeface="Consolas"/>
+            </a:endParaRPr>
+          </a:p>
+          <a:p>
+            <a:pPr marL="714375" indent="-571500">
               <a:lnSpc>
                 <a:spcPct val="115000"/>
               </a:lnSpc>
@@ -5578,8 +5724,8 @@
                 <a:srgbClr val="C00000"/>
               </a:buClr>
               <a:buSzPts val="2100"/>
-              <a:buFont typeface="Arial"/>
-              <a:buAutoNum type="arabicPeriod"/>
+              <a:buFont typeface="Arial" panose="020B0604020202020204" pitchFamily="34" charset="0"/>
+              <a:buChar char="•"/>
             </a:pPr>
             <a:r>
               <a:rPr lang="en-US" sz="3600" dirty="0">
@@ -5589,11 +5735,11 @@
                 <a:latin typeface="Pragmatica" panose="020B0403040502020204"/>
                 <a:sym typeface="Consolas"/>
               </a:rPr>
-              <a:t>Creating forecasts with Forecast Sheet</a:t>
-            </a:r>
-          </a:p>
-          <a:p>
-            <a:pPr marL="685800" indent="-542925">
+              <a:t>Create a population forecast for the selected European countries</a:t>
+            </a:r>
+          </a:p>
+          <a:p>
+            <a:pPr marL="714375" indent="-571500">
               <a:lnSpc>
                 <a:spcPct val="115000"/>
               </a:lnSpc>
@@ -5604,8 +5750,8 @@
                 <a:srgbClr val="C00000"/>
               </a:buClr>
               <a:buSzPts val="2100"/>
-              <a:buFont typeface="Arial"/>
-              <a:buAutoNum type="arabicPeriod"/>
+              <a:buFont typeface="Arial" panose="020B0604020202020204" pitchFamily="34" charset="0"/>
+              <a:buChar char="•"/>
             </a:pPr>
             <a:r>
               <a:rPr lang="en-US" sz="3600" dirty="0">
@@ -5615,7 +5761,7 @@
                 <a:latin typeface="Pragmatica" panose="020B0403040502020204"/>
                 <a:sym typeface="Consolas"/>
               </a:rPr>
-              <a:t>Enhancing insights with linked data types</a:t>
+              <a:t>Enhance your data with linked data types</a:t>
             </a:r>
           </a:p>
           <a:p>
@@ -5672,289 +5818,6 @@
                 <a:latin typeface="Consolas" panose="020B0609020204030204" pitchFamily="49" charset="0"/>
                 <a:sym typeface="Consolas"/>
               </a:rPr>
-              <a:t>ai-powered-data-entry-forecasting.xlsx</a:t>
-            </a:r>
-            <a:endParaRPr lang="en-US" sz="6000" dirty="0">
-              <a:solidFill>
-                <a:srgbClr val="CF3338"/>
-              </a:solidFill>
-              <a:latin typeface="Consolas" panose="020B0609020204030204" pitchFamily="49" charset="0"/>
-            </a:endParaRPr>
-          </a:p>
-          <a:p>
-            <a:endParaRPr lang="en-US" sz="6000" dirty="0">
-              <a:solidFill>
-                <a:srgbClr val="CF3338"/>
-              </a:solidFill>
-              <a:latin typeface="Pragmatica" panose="020B0403040502020204" pitchFamily="34" charset="0"/>
-            </a:endParaRPr>
-          </a:p>
-        </p:txBody>
-      </p:sp>
-    </p:spTree>
-    <p:extLst>
-      <p:ext uri="{BB962C8B-B14F-4D97-AF65-F5344CB8AC3E}">
-        <p14:creationId xmlns:p14="http://schemas.microsoft.com/office/powerpoint/2010/main" val="3338017956"/>
-      </p:ext>
-    </p:extLst>
-  </p:cSld>
-  <p:clrMapOvr>
-    <a:masterClrMapping/>
-  </p:clrMapOvr>
-</p:sld>
-</file>
-
-<file path=ppt/slides/slide13.xml><?xml version="1.0" encoding="utf-8"?>
-<p:sld xmlns:a="http://schemas.openxmlformats.org/drawingml/2006/main" xmlns:r="http://schemas.openxmlformats.org/officeDocument/2006/relationships" xmlns:p="http://schemas.openxmlformats.org/presentationml/2006/main">
-  <p:cSld>
-    <p:spTree>
-      <p:nvGrpSpPr>
-        <p:cNvPr id="1" name=""/>
-        <p:cNvGrpSpPr/>
-        <p:nvPr/>
-      </p:nvGrpSpPr>
-      <p:grpSpPr>
-        <a:xfrm>
-          <a:off x="0" y="0"/>
-          <a:ext cx="0" cy="0"/>
-          <a:chOff x="0" y="0"/>
-          <a:chExt cx="0" cy="0"/>
-        </a:xfrm>
-      </p:grpSpPr>
-      <p:sp>
-        <p:nvSpPr>
-          <p:cNvPr id="4" name="Rectangle 3"/>
-          <p:cNvSpPr/>
-          <p:nvPr/>
-        </p:nvSpPr>
-        <p:spPr>
-          <a:xfrm>
-            <a:off x="9861630" y="0"/>
-            <a:ext cx="8426370" cy="10287000"/>
-          </a:xfrm>
-          <a:prstGeom prst="rect">
-            <a:avLst/>
-          </a:prstGeom>
-          <a:solidFill>
-            <a:srgbClr val="CF3338"/>
-          </a:solidFill>
-          <a:ln>
-            <a:noFill/>
-          </a:ln>
-        </p:spPr>
-        <p:style>
-          <a:lnRef idx="2">
-            <a:schemeClr val="accent1">
-              <a:shade val="50000"/>
-            </a:schemeClr>
-          </a:lnRef>
-          <a:fillRef idx="1">
-            <a:schemeClr val="accent1"/>
-          </a:fillRef>
-          <a:effectRef idx="0">
-            <a:schemeClr val="accent1"/>
-          </a:effectRef>
-          <a:fontRef idx="minor">
-            <a:schemeClr val="lt1"/>
-          </a:fontRef>
-        </p:style>
-        <p:txBody>
-          <a:bodyPr rtlCol="0" anchor="ctr"/>
-          <a:lstStyle/>
-          <a:p>
-            <a:pPr algn="ctr"/>
-            <a:endParaRPr lang="en-US" sz="2700"/>
-          </a:p>
-        </p:txBody>
-      </p:sp>
-      <p:pic>
-        <p:nvPicPr>
-          <p:cNvPr id="2" name="Picture 1"/>
-          <p:cNvPicPr>
-            <a:picLocks noChangeAspect="1"/>
-          </p:cNvPicPr>
-          <p:nvPr/>
-        </p:nvPicPr>
-        <p:blipFill rotWithShape="1">
-          <a:blip r:embed="rId3">
-            <a:extLst>
-              <a:ext uri="{28A0092B-C50C-407E-A947-70E740481C1C}">
-                <a14:useLocalDpi xmlns:a14="http://schemas.microsoft.com/office/drawing/2010/main" val="0"/>
-              </a:ext>
-            </a:extLst>
-          </a:blip>
-          <a:srcRect l="69227" t="33418" r="20112" b="50548"/>
-          <a:stretch/>
-        </p:blipFill>
-        <p:spPr>
-          <a:xfrm>
-            <a:off x="15579524" y="7544693"/>
-            <a:ext cx="2708477" cy="2987579"/>
-          </a:xfrm>
-          <a:prstGeom prst="rect">
-            <a:avLst/>
-          </a:prstGeom>
-        </p:spPr>
-      </p:pic>
-      <p:sp>
-        <p:nvSpPr>
-          <p:cNvPr id="3" name="TextBox 2"/>
-          <p:cNvSpPr txBox="1"/>
-          <p:nvPr/>
-        </p:nvSpPr>
-        <p:spPr>
-          <a:xfrm>
-            <a:off x="260431" y="329879"/>
-            <a:ext cx="8906720" cy="8027326"/>
-          </a:xfrm>
-          <a:prstGeom prst="rect">
-            <a:avLst/>
-          </a:prstGeom>
-          <a:noFill/>
-        </p:spPr>
-        <p:txBody>
-          <a:bodyPr wrap="square" rtlCol="0">
-            <a:spAutoFit/>
-          </a:bodyPr>
-          <a:lstStyle/>
-          <a:p>
-            <a:r>
-              <a:rPr lang="en-US" sz="6000" b="1" dirty="0">
-                <a:solidFill>
-                  <a:srgbClr val="CF3338"/>
-                </a:solidFill>
-                <a:latin typeface="Pragmatica" panose="020B0403040502020204" pitchFamily="34" charset="0"/>
-              </a:rPr>
-              <a:t>AI-powered data entry and forecasting EXERCISE</a:t>
-            </a:r>
-          </a:p>
-          <a:p>
-            <a:pPr marL="142875">
-              <a:lnSpc>
-                <a:spcPct val="115000"/>
-              </a:lnSpc>
-              <a:spcBef>
-                <a:spcPts val="1125"/>
-              </a:spcBef>
-              <a:buClr>
-                <a:srgbClr val="C00000"/>
-              </a:buClr>
-              <a:buSzPts val="2100"/>
-            </a:pPr>
-            <a:endParaRPr lang="en-US" sz="3600" dirty="0">
-              <a:solidFill>
-                <a:srgbClr val="C00000"/>
-              </a:solidFill>
-              <a:latin typeface="Pragmatica" panose="020B0403040502020204"/>
-              <a:sym typeface="Consolas"/>
-            </a:endParaRPr>
-          </a:p>
-          <a:p>
-            <a:pPr marL="714375" indent="-571500">
-              <a:lnSpc>
-                <a:spcPct val="115000"/>
-              </a:lnSpc>
-              <a:spcBef>
-                <a:spcPts val="1125"/>
-              </a:spcBef>
-              <a:buClr>
-                <a:srgbClr val="C00000"/>
-              </a:buClr>
-              <a:buSzPts val="2100"/>
-              <a:buFont typeface="Arial" panose="020B0604020202020204" pitchFamily="34" charset="0"/>
-              <a:buChar char="•"/>
-            </a:pPr>
-            <a:r>
-              <a:rPr lang="en-US" sz="3600" dirty="0">
-                <a:solidFill>
-                  <a:srgbClr val="C00000"/>
-                </a:solidFill>
-                <a:latin typeface="Pragmatica" panose="020B0403040502020204"/>
-                <a:sym typeface="Consolas"/>
-              </a:rPr>
-              <a:t>Create a population forecast for the selected European countries</a:t>
-            </a:r>
-          </a:p>
-          <a:p>
-            <a:pPr marL="714375" indent="-571500">
-              <a:lnSpc>
-                <a:spcPct val="115000"/>
-              </a:lnSpc>
-              <a:spcBef>
-                <a:spcPts val="1125"/>
-              </a:spcBef>
-              <a:buClr>
-                <a:srgbClr val="C00000"/>
-              </a:buClr>
-              <a:buSzPts val="2100"/>
-              <a:buFont typeface="Arial" panose="020B0604020202020204" pitchFamily="34" charset="0"/>
-              <a:buChar char="•"/>
-            </a:pPr>
-            <a:r>
-              <a:rPr lang="en-US" sz="3600" dirty="0">
-                <a:solidFill>
-                  <a:srgbClr val="C00000"/>
-                </a:solidFill>
-                <a:latin typeface="Pragmatica" panose="020B0403040502020204"/>
-                <a:sym typeface="Consolas"/>
-              </a:rPr>
-              <a:t>Enhance your data with linked data types</a:t>
-            </a:r>
-          </a:p>
-          <a:p>
-            <a:pPr marL="685800" indent="-542925">
-              <a:lnSpc>
-                <a:spcPct val="115000"/>
-              </a:lnSpc>
-              <a:spcBef>
-                <a:spcPts val="1125"/>
-              </a:spcBef>
-              <a:buClr>
-                <a:srgbClr val="C00000"/>
-              </a:buClr>
-              <a:buSzPts val="2100"/>
-              <a:buFont typeface="Arial"/>
-              <a:buAutoNum type="arabicPeriod"/>
-            </a:pPr>
-            <a:endParaRPr lang="en-US" sz="3600" dirty="0">
-              <a:solidFill>
-                <a:srgbClr val="C00000"/>
-              </a:solidFill>
-              <a:latin typeface="Pragmatica" panose="020B0403040502020204"/>
-              <a:sym typeface="Consolas"/>
-            </a:endParaRPr>
-          </a:p>
-          <a:p>
-            <a:pPr marL="142875">
-              <a:lnSpc>
-                <a:spcPct val="115000"/>
-              </a:lnSpc>
-              <a:spcBef>
-                <a:spcPts val="1125"/>
-              </a:spcBef>
-              <a:buClr>
-                <a:srgbClr val="C00000"/>
-              </a:buClr>
-              <a:buSzPts val="2100"/>
-            </a:pPr>
-            <a:r>
-              <a:rPr lang="en-US" sz="3600" dirty="0">
-                <a:solidFill>
-                  <a:srgbClr val="C00000"/>
-                </a:solidFill>
-                <a:latin typeface="Pragmatica" panose="020B0403040502020204"/>
-                <a:sym typeface="Consolas"/>
-              </a:rPr>
-              <a:t>File: </a:t>
-            </a:r>
-            <a:r>
-              <a:rPr lang="en-US" sz="3600" dirty="0">
-                <a:solidFill>
-                  <a:srgbClr val="C00000"/>
-                </a:solidFill>
-                <a:latin typeface="Consolas" panose="020B0609020204030204" pitchFamily="49" charset="0"/>
-                <a:sym typeface="Consolas"/>
-              </a:rPr>
               <a:t>ai-powered-data-manipulation-exercise.xlsx</a:t>
             </a:r>
             <a:endParaRPr lang="en-US" sz="6000" dirty="0">
@@ -5987,7 +5850,7 @@
 </p:sld>
 </file>
 
-<file path=ppt/slides/slide14.xml><?xml version="1.0" encoding="utf-8"?>
+<file path=ppt/slides/slide12.xml><?xml version="1.0" encoding="utf-8"?>
 <p:sld xmlns:a="http://schemas.openxmlformats.org/drawingml/2006/main" xmlns:r="http://schemas.openxmlformats.org/officeDocument/2006/relationships" xmlns:p="http://schemas.openxmlformats.org/presentationml/2006/main">
   <p:cSld>
     <p:spTree>
@@ -6145,7 +6008,7 @@
 </p:sld>
 </file>
 
-<file path=ppt/slides/slide15.xml><?xml version="1.0" encoding="utf-8"?>
+<file path=ppt/slides/slide13.xml><?xml version="1.0" encoding="utf-8"?>
 <p:sld xmlns:a="http://schemas.openxmlformats.org/drawingml/2006/main" xmlns:r="http://schemas.openxmlformats.org/officeDocument/2006/relationships" xmlns:p="http://schemas.openxmlformats.org/presentationml/2006/main">
   <p:cSld>
     <p:spTree>
@@ -6255,7 +6118,7 @@
 </p:sld>
 </file>
 
-<file path=ppt/slides/slide16.xml><?xml version="1.0" encoding="utf-8"?>
+<file path=ppt/slides/slide14.xml><?xml version="1.0" encoding="utf-8"?>
 <p:sld xmlns:a="http://schemas.openxmlformats.org/drawingml/2006/main" xmlns:r="http://schemas.openxmlformats.org/officeDocument/2006/relationships" xmlns:p="http://schemas.openxmlformats.org/presentationml/2006/main">
   <p:cSld>
     <p:spTree>
@@ -6523,7 +6386,7 @@
 </p:sld>
 </file>
 
-<file path=ppt/slides/slide17.xml><?xml version="1.0" encoding="utf-8"?>
+<file path=ppt/slides/slide15.xml><?xml version="1.0" encoding="utf-8"?>
 <p:sld xmlns:a="http://schemas.openxmlformats.org/drawingml/2006/main" xmlns:r="http://schemas.openxmlformats.org/officeDocument/2006/relationships" xmlns:p="http://schemas.openxmlformats.org/presentationml/2006/main">
   <p:cSld>
     <p:spTree>
@@ -6806,7 +6669,7 @@
 </p:sld>
 </file>
 
-<file path=ppt/slides/slide18.xml><?xml version="1.0" encoding="utf-8"?>
+<file path=ppt/slides/slide16.xml><?xml version="1.0" encoding="utf-8"?>
 <p:sld xmlns:a="http://schemas.openxmlformats.org/drawingml/2006/main" xmlns:r="http://schemas.openxmlformats.org/officeDocument/2006/relationships" xmlns:p="http://schemas.openxmlformats.org/presentationml/2006/main">
   <p:cSld>
     <p:spTree>
@@ -6964,7 +6827,7 @@
 </p:sld>
 </file>
 
-<file path=ppt/slides/slide19.xml><?xml version="1.0" encoding="utf-8"?>
+<file path=ppt/slides/slide17.xml><?xml version="1.0" encoding="utf-8"?>
 <p:sld xmlns:a="http://schemas.openxmlformats.org/drawingml/2006/main" xmlns:r="http://schemas.openxmlformats.org/officeDocument/2006/relationships" xmlns:p="http://schemas.openxmlformats.org/presentationml/2006/main">
   <p:cSld>
     <p:spTree>
@@ -7167,6 +7030,228 @@
     <p:extLst>
       <p:ext uri="{BB962C8B-B14F-4D97-AF65-F5344CB8AC3E}">
         <p14:creationId xmlns:p14="http://schemas.microsoft.com/office/powerpoint/2010/main" val="1393172042"/>
+      </p:ext>
+    </p:extLst>
+  </p:cSld>
+  <p:clrMapOvr>
+    <a:masterClrMapping/>
+  </p:clrMapOvr>
+</p:sld>
+</file>
+
+<file path=ppt/slides/slide18.xml><?xml version="1.0" encoding="utf-8"?>
+<p:sld xmlns:a="http://schemas.openxmlformats.org/drawingml/2006/main" xmlns:r="http://schemas.openxmlformats.org/officeDocument/2006/relationships" xmlns:p="http://schemas.openxmlformats.org/presentationml/2006/main">
+  <p:cSld>
+    <p:spTree>
+      <p:nvGrpSpPr>
+        <p:cNvPr id="1" name=""/>
+        <p:cNvGrpSpPr/>
+        <p:nvPr/>
+      </p:nvGrpSpPr>
+      <p:grpSpPr>
+        <a:xfrm>
+          <a:off x="0" y="0"/>
+          <a:ext cx="0" cy="0"/>
+          <a:chOff x="0" y="0"/>
+          <a:chExt cx="0" cy="0"/>
+        </a:xfrm>
+      </p:grpSpPr>
+      <p:sp>
+        <p:nvSpPr>
+          <p:cNvPr id="4" name="Rectangle 3"/>
+          <p:cNvSpPr/>
+          <p:nvPr/>
+        </p:nvSpPr>
+        <p:spPr>
+          <a:xfrm>
+            <a:off x="0" y="0"/>
+            <a:ext cx="18288000" cy="10287000"/>
+          </a:xfrm>
+          <a:prstGeom prst="rect">
+            <a:avLst/>
+          </a:prstGeom>
+          <a:solidFill>
+            <a:schemeClr val="bg1">
+              <a:lumMod val="50000"/>
+            </a:schemeClr>
+          </a:solidFill>
+          <a:ln>
+            <a:noFill/>
+          </a:ln>
+        </p:spPr>
+        <p:style>
+          <a:lnRef idx="2">
+            <a:schemeClr val="accent1">
+              <a:shade val="50000"/>
+            </a:schemeClr>
+          </a:lnRef>
+          <a:fillRef idx="1">
+            <a:schemeClr val="accent1"/>
+          </a:fillRef>
+          <a:effectRef idx="0">
+            <a:schemeClr val="accent1"/>
+          </a:effectRef>
+          <a:fontRef idx="minor">
+            <a:schemeClr val="lt1"/>
+          </a:fontRef>
+        </p:style>
+        <p:txBody>
+          <a:bodyPr rtlCol="0" anchor="ctr"/>
+          <a:lstStyle/>
+          <a:p>
+            <a:pPr algn="ctr"/>
+            <a:endParaRPr lang="en-US" sz="2700"/>
+          </a:p>
+        </p:txBody>
+      </p:sp>
+      <p:sp>
+        <p:nvSpPr>
+          <p:cNvPr id="5" name="TextBox 4"/>
+          <p:cNvSpPr txBox="1"/>
+          <p:nvPr/>
+        </p:nvSpPr>
+        <p:spPr>
+          <a:xfrm>
+            <a:off x="781292" y="590309"/>
+            <a:ext cx="15486926" cy="1615827"/>
+          </a:xfrm>
+          <a:prstGeom prst="rect">
+            <a:avLst/>
+          </a:prstGeom>
+          <a:noFill/>
+        </p:spPr>
+        <p:txBody>
+          <a:bodyPr wrap="square" rtlCol="0">
+            <a:spAutoFit/>
+          </a:bodyPr>
+          <a:lstStyle/>
+          <a:p>
+            <a:r>
+              <a:rPr lang="en-US" sz="9900" b="1" dirty="0">
+                <a:solidFill>
+                  <a:schemeClr val="bg1"/>
+                </a:solidFill>
+                <a:latin typeface="Normafixed Tryout" panose="00000409000000000000"/>
+              </a:rPr>
+              <a:t>Python in Excel</a:t>
+            </a:r>
+          </a:p>
+        </p:txBody>
+      </p:sp>
+    </p:spTree>
+    <p:extLst>
+      <p:ext uri="{BB962C8B-B14F-4D97-AF65-F5344CB8AC3E}">
+        <p14:creationId xmlns:p14="http://schemas.microsoft.com/office/powerpoint/2010/main" val="1246066452"/>
+      </p:ext>
+    </p:extLst>
+  </p:cSld>
+  <p:clrMapOvr>
+    <a:masterClrMapping/>
+  </p:clrMapOvr>
+</p:sld>
+</file>
+
+<file path=ppt/slides/slide19.xml><?xml version="1.0" encoding="utf-8"?>
+<p:sld xmlns:a="http://schemas.openxmlformats.org/drawingml/2006/main" xmlns:r="http://schemas.openxmlformats.org/officeDocument/2006/relationships" xmlns:p="http://schemas.openxmlformats.org/presentationml/2006/main">
+  <p:cSld>
+    <p:spTree>
+      <p:nvGrpSpPr>
+        <p:cNvPr id="1" name=""/>
+        <p:cNvGrpSpPr/>
+        <p:nvPr/>
+      </p:nvGrpSpPr>
+      <p:grpSpPr>
+        <a:xfrm>
+          <a:off x="0" y="0"/>
+          <a:ext cx="0" cy="0"/>
+          <a:chOff x="0" y="0"/>
+          <a:chExt cx="0" cy="0"/>
+        </a:xfrm>
+      </p:grpSpPr>
+      <p:sp>
+        <p:nvSpPr>
+          <p:cNvPr id="4" name="Rectangle 3"/>
+          <p:cNvSpPr/>
+          <p:nvPr/>
+        </p:nvSpPr>
+        <p:spPr>
+          <a:xfrm>
+            <a:off x="0" y="0"/>
+            <a:ext cx="18288000" cy="10287000"/>
+          </a:xfrm>
+          <a:prstGeom prst="rect">
+            <a:avLst/>
+          </a:prstGeom>
+          <a:solidFill>
+            <a:srgbClr val="CF3338"/>
+          </a:solidFill>
+          <a:ln>
+            <a:noFill/>
+          </a:ln>
+        </p:spPr>
+        <p:style>
+          <a:lnRef idx="2">
+            <a:schemeClr val="accent1">
+              <a:shade val="50000"/>
+            </a:schemeClr>
+          </a:lnRef>
+          <a:fillRef idx="1">
+            <a:schemeClr val="accent1"/>
+          </a:fillRef>
+          <a:effectRef idx="0">
+            <a:schemeClr val="accent1"/>
+          </a:effectRef>
+          <a:fontRef idx="minor">
+            <a:schemeClr val="lt1"/>
+          </a:fontRef>
+        </p:style>
+        <p:txBody>
+          <a:bodyPr rtlCol="0" anchor="ctr"/>
+          <a:lstStyle/>
+          <a:p>
+            <a:pPr algn="ctr"/>
+            <a:endParaRPr lang="en-US" sz="2700"/>
+          </a:p>
+        </p:txBody>
+      </p:sp>
+      <p:sp>
+        <p:nvSpPr>
+          <p:cNvPr id="5" name="TextBox 4"/>
+          <p:cNvSpPr txBox="1"/>
+          <p:nvPr/>
+        </p:nvSpPr>
+        <p:spPr>
+          <a:xfrm>
+            <a:off x="781292" y="590309"/>
+            <a:ext cx="15486926" cy="1615827"/>
+          </a:xfrm>
+          <a:prstGeom prst="rect">
+            <a:avLst/>
+          </a:prstGeom>
+          <a:noFill/>
+        </p:spPr>
+        <p:txBody>
+          <a:bodyPr wrap="square" rtlCol="0">
+            <a:spAutoFit/>
+          </a:bodyPr>
+          <a:lstStyle/>
+          <a:p>
+            <a:r>
+              <a:rPr lang="en-US" sz="9900" b="1" dirty="0">
+                <a:solidFill>
+                  <a:schemeClr val="bg1"/>
+                </a:solidFill>
+                <a:latin typeface="Normafixed Tryout" panose="00000409000000000000" pitchFamily="49" charset="0"/>
+              </a:rPr>
+              <a:t>1. Python in Excel: First Steps</a:t>
+            </a:r>
+          </a:p>
+        </p:txBody>
+      </p:sp>
+    </p:spTree>
+    <p:extLst>
+      <p:ext uri="{BB962C8B-B14F-4D97-AF65-F5344CB8AC3E}">
+        <p14:creationId xmlns:p14="http://schemas.microsoft.com/office/powerpoint/2010/main" val="3953945792"/>
       </p:ext>
     </p:extLst>
   </p:cSld>
@@ -7488,228 +7573,6 @@
         </p:nvSpPr>
         <p:spPr>
           <a:xfrm>
-            <a:off x="0" y="0"/>
-            <a:ext cx="18288000" cy="10287000"/>
-          </a:xfrm>
-          <a:prstGeom prst="rect">
-            <a:avLst/>
-          </a:prstGeom>
-          <a:solidFill>
-            <a:schemeClr val="bg1">
-              <a:lumMod val="50000"/>
-            </a:schemeClr>
-          </a:solidFill>
-          <a:ln>
-            <a:noFill/>
-          </a:ln>
-        </p:spPr>
-        <p:style>
-          <a:lnRef idx="2">
-            <a:schemeClr val="accent1">
-              <a:shade val="50000"/>
-            </a:schemeClr>
-          </a:lnRef>
-          <a:fillRef idx="1">
-            <a:schemeClr val="accent1"/>
-          </a:fillRef>
-          <a:effectRef idx="0">
-            <a:schemeClr val="accent1"/>
-          </a:effectRef>
-          <a:fontRef idx="minor">
-            <a:schemeClr val="lt1"/>
-          </a:fontRef>
-        </p:style>
-        <p:txBody>
-          <a:bodyPr rtlCol="0" anchor="ctr"/>
-          <a:lstStyle/>
-          <a:p>
-            <a:pPr algn="ctr"/>
-            <a:endParaRPr lang="en-US" sz="2700"/>
-          </a:p>
-        </p:txBody>
-      </p:sp>
-      <p:sp>
-        <p:nvSpPr>
-          <p:cNvPr id="5" name="TextBox 4"/>
-          <p:cNvSpPr txBox="1"/>
-          <p:nvPr/>
-        </p:nvSpPr>
-        <p:spPr>
-          <a:xfrm>
-            <a:off x="781292" y="590309"/>
-            <a:ext cx="15486926" cy="1615827"/>
-          </a:xfrm>
-          <a:prstGeom prst="rect">
-            <a:avLst/>
-          </a:prstGeom>
-          <a:noFill/>
-        </p:spPr>
-        <p:txBody>
-          <a:bodyPr wrap="square" rtlCol="0">
-            <a:spAutoFit/>
-          </a:bodyPr>
-          <a:lstStyle/>
-          <a:p>
-            <a:r>
-              <a:rPr lang="en-US" sz="9900" b="1" dirty="0">
-                <a:solidFill>
-                  <a:schemeClr val="bg1"/>
-                </a:solidFill>
-                <a:latin typeface="Normafixed Tryout" panose="00000409000000000000"/>
-              </a:rPr>
-              <a:t>Python in Excel</a:t>
-            </a:r>
-          </a:p>
-        </p:txBody>
-      </p:sp>
-    </p:spTree>
-    <p:extLst>
-      <p:ext uri="{BB962C8B-B14F-4D97-AF65-F5344CB8AC3E}">
-        <p14:creationId xmlns:p14="http://schemas.microsoft.com/office/powerpoint/2010/main" val="1246066452"/>
-      </p:ext>
-    </p:extLst>
-  </p:cSld>
-  <p:clrMapOvr>
-    <a:masterClrMapping/>
-  </p:clrMapOvr>
-</p:sld>
-</file>
-
-<file path=ppt/slides/slide21.xml><?xml version="1.0" encoding="utf-8"?>
-<p:sld xmlns:a="http://schemas.openxmlformats.org/drawingml/2006/main" xmlns:r="http://schemas.openxmlformats.org/officeDocument/2006/relationships" xmlns:p="http://schemas.openxmlformats.org/presentationml/2006/main">
-  <p:cSld>
-    <p:spTree>
-      <p:nvGrpSpPr>
-        <p:cNvPr id="1" name=""/>
-        <p:cNvGrpSpPr/>
-        <p:nvPr/>
-      </p:nvGrpSpPr>
-      <p:grpSpPr>
-        <a:xfrm>
-          <a:off x="0" y="0"/>
-          <a:ext cx="0" cy="0"/>
-          <a:chOff x="0" y="0"/>
-          <a:chExt cx="0" cy="0"/>
-        </a:xfrm>
-      </p:grpSpPr>
-      <p:sp>
-        <p:nvSpPr>
-          <p:cNvPr id="4" name="Rectangle 3"/>
-          <p:cNvSpPr/>
-          <p:nvPr/>
-        </p:nvSpPr>
-        <p:spPr>
-          <a:xfrm>
-            <a:off x="0" y="0"/>
-            <a:ext cx="18288000" cy="10287000"/>
-          </a:xfrm>
-          <a:prstGeom prst="rect">
-            <a:avLst/>
-          </a:prstGeom>
-          <a:solidFill>
-            <a:srgbClr val="CF3338"/>
-          </a:solidFill>
-          <a:ln>
-            <a:noFill/>
-          </a:ln>
-        </p:spPr>
-        <p:style>
-          <a:lnRef idx="2">
-            <a:schemeClr val="accent1">
-              <a:shade val="50000"/>
-            </a:schemeClr>
-          </a:lnRef>
-          <a:fillRef idx="1">
-            <a:schemeClr val="accent1"/>
-          </a:fillRef>
-          <a:effectRef idx="0">
-            <a:schemeClr val="accent1"/>
-          </a:effectRef>
-          <a:fontRef idx="minor">
-            <a:schemeClr val="lt1"/>
-          </a:fontRef>
-        </p:style>
-        <p:txBody>
-          <a:bodyPr rtlCol="0" anchor="ctr"/>
-          <a:lstStyle/>
-          <a:p>
-            <a:pPr algn="ctr"/>
-            <a:endParaRPr lang="en-US" sz="2700"/>
-          </a:p>
-        </p:txBody>
-      </p:sp>
-      <p:sp>
-        <p:nvSpPr>
-          <p:cNvPr id="5" name="TextBox 4"/>
-          <p:cNvSpPr txBox="1"/>
-          <p:nvPr/>
-        </p:nvSpPr>
-        <p:spPr>
-          <a:xfrm>
-            <a:off x="781292" y="590309"/>
-            <a:ext cx="15486926" cy="1615827"/>
-          </a:xfrm>
-          <a:prstGeom prst="rect">
-            <a:avLst/>
-          </a:prstGeom>
-          <a:noFill/>
-        </p:spPr>
-        <p:txBody>
-          <a:bodyPr wrap="square" rtlCol="0">
-            <a:spAutoFit/>
-          </a:bodyPr>
-          <a:lstStyle/>
-          <a:p>
-            <a:r>
-              <a:rPr lang="en-US" sz="9900" b="1" dirty="0">
-                <a:solidFill>
-                  <a:schemeClr val="bg1"/>
-                </a:solidFill>
-                <a:latin typeface="Normafixed Tryout" panose="00000409000000000000" pitchFamily="49" charset="0"/>
-              </a:rPr>
-              <a:t>1. Python in Excel: First Steps</a:t>
-            </a:r>
-          </a:p>
-        </p:txBody>
-      </p:sp>
-    </p:spTree>
-    <p:extLst>
-      <p:ext uri="{BB962C8B-B14F-4D97-AF65-F5344CB8AC3E}">
-        <p14:creationId xmlns:p14="http://schemas.microsoft.com/office/powerpoint/2010/main" val="3953945792"/>
-      </p:ext>
-    </p:extLst>
-  </p:cSld>
-  <p:clrMapOvr>
-    <a:masterClrMapping/>
-  </p:clrMapOvr>
-</p:sld>
-</file>
-
-<file path=ppt/slides/slide22.xml><?xml version="1.0" encoding="utf-8"?>
-<p:sld xmlns:a="http://schemas.openxmlformats.org/drawingml/2006/main" xmlns:r="http://schemas.openxmlformats.org/officeDocument/2006/relationships" xmlns:p="http://schemas.openxmlformats.org/presentationml/2006/main">
-  <p:cSld>
-    <p:spTree>
-      <p:nvGrpSpPr>
-        <p:cNvPr id="1" name=""/>
-        <p:cNvGrpSpPr/>
-        <p:nvPr/>
-      </p:nvGrpSpPr>
-      <p:grpSpPr>
-        <a:xfrm>
-          <a:off x="0" y="0"/>
-          <a:ext cx="0" cy="0"/>
-          <a:chOff x="0" y="0"/>
-          <a:chExt cx="0" cy="0"/>
-        </a:xfrm>
-      </p:grpSpPr>
-      <p:sp>
-        <p:nvSpPr>
-          <p:cNvPr id="4" name="Rectangle 3"/>
-          <p:cNvSpPr/>
-          <p:nvPr/>
-        </p:nvSpPr>
-        <p:spPr>
-          <a:xfrm>
             <a:off x="9861630" y="0"/>
             <a:ext cx="8426370" cy="10287000"/>
           </a:xfrm>
@@ -7981,7 +7844,485 @@
 </p:sld>
 </file>
 
-<file path=ppt/slides/slide23.xml><?xml version="1.0" encoding="utf-8"?>
+<file path=ppt/slides/slide21.xml><?xml version="1.0" encoding="utf-8"?>
+<p:sld xmlns:a="http://schemas.openxmlformats.org/drawingml/2006/main" xmlns:r="http://schemas.openxmlformats.org/officeDocument/2006/relationships" xmlns:p="http://schemas.openxmlformats.org/presentationml/2006/main">
+  <p:cSld>
+    <p:spTree>
+      <p:nvGrpSpPr>
+        <p:cNvPr id="1" name="">
+          <a:extLst>
+            <a:ext uri="{FF2B5EF4-FFF2-40B4-BE49-F238E27FC236}">
+              <a16:creationId xmlns:a16="http://schemas.microsoft.com/office/drawing/2014/main" id="{41829F31-7D3D-8637-4364-EE44F333EBAD}"/>
+            </a:ext>
+          </a:extLst>
+        </p:cNvPr>
+        <p:cNvGrpSpPr/>
+        <p:nvPr/>
+      </p:nvGrpSpPr>
+      <p:grpSpPr>
+        <a:xfrm>
+          <a:off x="0" y="0"/>
+          <a:ext cx="0" cy="0"/>
+          <a:chOff x="0" y="0"/>
+          <a:chExt cx="0" cy="0"/>
+        </a:xfrm>
+      </p:grpSpPr>
+      <p:sp>
+        <p:nvSpPr>
+          <p:cNvPr id="4" name="Rectangle 3">
+            <a:extLst>
+              <a:ext uri="{FF2B5EF4-FFF2-40B4-BE49-F238E27FC236}">
+                <a16:creationId xmlns:a16="http://schemas.microsoft.com/office/drawing/2014/main" id="{D7651FB2-73C2-0D93-0184-282838D2F1A6}"/>
+              </a:ext>
+            </a:extLst>
+          </p:cNvPr>
+          <p:cNvSpPr/>
+          <p:nvPr/>
+        </p:nvSpPr>
+        <p:spPr>
+          <a:xfrm>
+            <a:off x="9861630" y="0"/>
+            <a:ext cx="8426370" cy="10287000"/>
+          </a:xfrm>
+          <a:prstGeom prst="rect">
+            <a:avLst/>
+          </a:prstGeom>
+          <a:solidFill>
+            <a:srgbClr val="CF3338"/>
+          </a:solidFill>
+          <a:ln>
+            <a:noFill/>
+          </a:ln>
+        </p:spPr>
+        <p:style>
+          <a:lnRef idx="2">
+            <a:schemeClr val="accent1">
+              <a:shade val="50000"/>
+            </a:schemeClr>
+          </a:lnRef>
+          <a:fillRef idx="1">
+            <a:schemeClr val="accent1"/>
+          </a:fillRef>
+          <a:effectRef idx="0">
+            <a:schemeClr val="accent1"/>
+          </a:effectRef>
+          <a:fontRef idx="minor">
+            <a:schemeClr val="lt1"/>
+          </a:fontRef>
+        </p:style>
+        <p:txBody>
+          <a:bodyPr rtlCol="0" anchor="ctr"/>
+          <a:lstStyle/>
+          <a:p>
+            <a:pPr algn="ctr"/>
+            <a:endParaRPr lang="en-US" sz="2700"/>
+          </a:p>
+        </p:txBody>
+      </p:sp>
+      <p:pic>
+        <p:nvPicPr>
+          <p:cNvPr id="2" name="Picture 1">
+            <a:extLst>
+              <a:ext uri="{FF2B5EF4-FFF2-40B4-BE49-F238E27FC236}">
+                <a16:creationId xmlns:a16="http://schemas.microsoft.com/office/drawing/2014/main" id="{FC2BD2E9-2ADF-A29E-F050-8566794C3873}"/>
+              </a:ext>
+            </a:extLst>
+          </p:cNvPr>
+          <p:cNvPicPr>
+            <a:picLocks noChangeAspect="1"/>
+          </p:cNvPicPr>
+          <p:nvPr/>
+        </p:nvPicPr>
+        <p:blipFill rotWithShape="1">
+          <a:blip r:embed="rId3">
+            <a:extLst>
+              <a:ext uri="{28A0092B-C50C-407E-A947-70E740481C1C}">
+                <a14:useLocalDpi xmlns:a14="http://schemas.microsoft.com/office/drawing/2010/main" val="0"/>
+              </a:ext>
+            </a:extLst>
+          </a:blip>
+          <a:srcRect l="69227" t="33418" r="20112" b="50548"/>
+          <a:stretch/>
+        </p:blipFill>
+        <p:spPr>
+          <a:xfrm>
+            <a:off x="15579524" y="7544693"/>
+            <a:ext cx="2708477" cy="2987579"/>
+          </a:xfrm>
+          <a:prstGeom prst="rect">
+            <a:avLst/>
+          </a:prstGeom>
+        </p:spPr>
+      </p:pic>
+      <p:sp>
+        <p:nvSpPr>
+          <p:cNvPr id="3" name="TextBox 2">
+            <a:extLst>
+              <a:ext uri="{FF2B5EF4-FFF2-40B4-BE49-F238E27FC236}">
+                <a16:creationId xmlns:a16="http://schemas.microsoft.com/office/drawing/2014/main" id="{A09F75D3-10EC-7243-1341-74B055CD36DD}"/>
+              </a:ext>
+            </a:extLst>
+          </p:cNvPr>
+          <p:cNvSpPr txBox="1"/>
+          <p:nvPr/>
+        </p:nvSpPr>
+        <p:spPr>
+          <a:xfrm>
+            <a:off x="260431" y="329879"/>
+            <a:ext cx="8906720" cy="10222286"/>
+          </a:xfrm>
+          <a:prstGeom prst="rect">
+            <a:avLst/>
+          </a:prstGeom>
+          <a:noFill/>
+        </p:spPr>
+        <p:txBody>
+          <a:bodyPr wrap="square" rtlCol="0">
+            <a:spAutoFit/>
+          </a:bodyPr>
+          <a:lstStyle/>
+          <a:p>
+            <a:r>
+              <a:rPr lang="en-US" sz="6000" b="1" dirty="0">
+                <a:solidFill>
+                  <a:srgbClr val="CF3338"/>
+                </a:solidFill>
+                <a:latin typeface="Pragmatica" panose="020B0403040502020204" pitchFamily="34" charset="0"/>
+              </a:rPr>
+              <a:t>Python in Excel: First </a:t>
+            </a:r>
+            <a:r>
+              <a:rPr lang="en-US" sz="6000" b="1">
+                <a:solidFill>
+                  <a:srgbClr val="CF3338"/>
+                </a:solidFill>
+                <a:latin typeface="Pragmatica" panose="020B0403040502020204" pitchFamily="34" charset="0"/>
+              </a:rPr>
+              <a:t>steps EXERCISE</a:t>
+            </a:r>
+            <a:endParaRPr lang="en-US" sz="4200" dirty="0">
+              <a:solidFill>
+                <a:srgbClr val="CF3338"/>
+              </a:solidFill>
+              <a:latin typeface="Pragmatica" panose="020B0403040502020204" pitchFamily="34" charset="0"/>
+            </a:endParaRPr>
+          </a:p>
+          <a:p>
+            <a:pPr marL="685800" indent="-542925">
+              <a:lnSpc>
+                <a:spcPct val="115000"/>
+              </a:lnSpc>
+              <a:spcBef>
+                <a:spcPts val="1125"/>
+              </a:spcBef>
+              <a:buClr>
+                <a:srgbClr val="C00000"/>
+              </a:buClr>
+              <a:buSzPts val="2100"/>
+              <a:buFont typeface="Arial"/>
+              <a:buAutoNum type="arabicPeriod"/>
+            </a:pPr>
+            <a:r>
+              <a:rPr lang="en-US" sz="3200" dirty="0">
+                <a:solidFill>
+                  <a:srgbClr val="C00000"/>
+                </a:solidFill>
+                <a:latin typeface="Pragmatica" panose="020B0403040502020204"/>
+                <a:sym typeface="Consolas"/>
+              </a:rPr>
+              <a:t>Load the penguins dataset into a </a:t>
+            </a:r>
+            <a:r>
+              <a:rPr lang="en-US" sz="3200" dirty="0" err="1">
+                <a:solidFill>
+                  <a:srgbClr val="C00000"/>
+                </a:solidFill>
+                <a:latin typeface="Pragmatica" panose="020B0403040502020204"/>
+                <a:sym typeface="Consolas"/>
+              </a:rPr>
+              <a:t>DataFrame</a:t>
+            </a:r>
+            <a:r>
+              <a:rPr lang="en-US" sz="3200" dirty="0">
+                <a:solidFill>
+                  <a:srgbClr val="C00000"/>
+                </a:solidFill>
+                <a:latin typeface="Pragmatica" panose="020B0403040502020204"/>
+                <a:sym typeface="Consolas"/>
+              </a:rPr>
+              <a:t> called </a:t>
+            </a:r>
+            <a:r>
+              <a:rPr lang="en-US" sz="3200" dirty="0" err="1">
+                <a:solidFill>
+                  <a:srgbClr val="C00000"/>
+                </a:solidFill>
+                <a:latin typeface="Consolas" panose="020B0609020204030204" pitchFamily="49" charset="0"/>
+                <a:sym typeface="Consolas"/>
+              </a:rPr>
+              <a:t>penguins_df</a:t>
+            </a:r>
+            <a:endParaRPr lang="en-US" sz="3200" dirty="0">
+              <a:solidFill>
+                <a:srgbClr val="C00000"/>
+              </a:solidFill>
+              <a:latin typeface="Consolas" panose="020B0609020204030204" pitchFamily="49" charset="0"/>
+              <a:sym typeface="Consolas"/>
+            </a:endParaRPr>
+          </a:p>
+          <a:p>
+            <a:pPr marL="685800" indent="-542925">
+              <a:lnSpc>
+                <a:spcPct val="115000"/>
+              </a:lnSpc>
+              <a:spcBef>
+                <a:spcPts val="1125"/>
+              </a:spcBef>
+              <a:buClr>
+                <a:srgbClr val="C00000"/>
+              </a:buClr>
+              <a:buSzPts val="2100"/>
+              <a:buFont typeface="Arial"/>
+              <a:buAutoNum type="arabicPeriod"/>
+            </a:pPr>
+            <a:r>
+              <a:rPr lang="en-US" sz="3200" dirty="0">
+                <a:solidFill>
+                  <a:srgbClr val="C00000"/>
+                </a:solidFill>
+                <a:latin typeface="Pragmatica" panose="020B0403040502020204"/>
+                <a:sym typeface="Consolas"/>
+              </a:rPr>
+              <a:t>Check the resulting dataset’s columns: run </a:t>
+            </a:r>
+            <a:r>
+              <a:rPr lang="en-US" sz="3200" dirty="0" err="1">
+                <a:solidFill>
+                  <a:srgbClr val="C00000"/>
+                </a:solidFill>
+                <a:latin typeface="Consolas" panose="020B0609020204030204" pitchFamily="49" charset="0"/>
+                <a:sym typeface="Consolas"/>
+              </a:rPr>
+              <a:t>penguins_df.columns</a:t>
+            </a:r>
+            <a:r>
+              <a:rPr lang="en-US" sz="3200" dirty="0">
+                <a:solidFill>
+                  <a:srgbClr val="C00000"/>
+                </a:solidFill>
+                <a:latin typeface="Consolas" panose="020B0609020204030204" pitchFamily="49" charset="0"/>
+                <a:sym typeface="Consolas"/>
+              </a:rPr>
+              <a:t>. </a:t>
+            </a:r>
+            <a:r>
+              <a:rPr lang="en-US" sz="3200" dirty="0" err="1">
+                <a:solidFill>
+                  <a:srgbClr val="C00000"/>
+                </a:solidFill>
+                <a:latin typeface="Pragmatica" panose="020B0403040502020204"/>
+                <a:sym typeface="Consolas"/>
+              </a:rPr>
+              <a:t>Swith</a:t>
+            </a:r>
+            <a:r>
+              <a:rPr lang="en-US" sz="3200" dirty="0">
+                <a:solidFill>
+                  <a:srgbClr val="C00000"/>
+                </a:solidFill>
+                <a:latin typeface="Pragmatica" panose="020B0403040502020204"/>
+                <a:sym typeface="Consolas"/>
+              </a:rPr>
+              <a:t> the output to display in Excel</a:t>
+            </a:r>
+            <a:endParaRPr lang="en-US" sz="3200" dirty="0">
+              <a:solidFill>
+                <a:srgbClr val="C00000"/>
+              </a:solidFill>
+              <a:latin typeface="Consolas" panose="020B0609020204030204" pitchFamily="49" charset="0"/>
+              <a:sym typeface="Consolas"/>
+            </a:endParaRPr>
+          </a:p>
+          <a:p>
+            <a:pPr marL="685800" indent="-542925">
+              <a:lnSpc>
+                <a:spcPct val="115000"/>
+              </a:lnSpc>
+              <a:spcBef>
+                <a:spcPts val="1125"/>
+              </a:spcBef>
+              <a:buClr>
+                <a:srgbClr val="C00000"/>
+              </a:buClr>
+              <a:buSzPts val="2100"/>
+              <a:buFont typeface="Arial"/>
+              <a:buAutoNum type="arabicPeriod"/>
+            </a:pPr>
+            <a:r>
+              <a:rPr lang="en-US" sz="3200" dirty="0">
+                <a:solidFill>
+                  <a:srgbClr val="C00000"/>
+                </a:solidFill>
+                <a:latin typeface="Pragmatica" panose="020B0403040502020204"/>
+                <a:sym typeface="Consolas"/>
+              </a:rPr>
+              <a:t>Visualize relationship b/w bill length and body mass: run </a:t>
+            </a:r>
+            <a:r>
+              <a:rPr lang="en-US" sz="3200" dirty="0" err="1">
+                <a:solidFill>
+                  <a:srgbClr val="C00000"/>
+                </a:solidFill>
+                <a:latin typeface="Consolas" panose="020B0609020204030204" pitchFamily="49" charset="0"/>
+                <a:sym typeface="Consolas"/>
+              </a:rPr>
+              <a:t>sns.scatterplot</a:t>
+            </a:r>
+            <a:r>
+              <a:rPr lang="en-US" sz="3200" dirty="0">
+                <a:solidFill>
+                  <a:srgbClr val="C00000"/>
+                </a:solidFill>
+                <a:latin typeface="Consolas" panose="020B0609020204030204" pitchFamily="49" charset="0"/>
+                <a:sym typeface="Consolas"/>
+              </a:rPr>
+              <a:t>(x='</a:t>
+            </a:r>
+            <a:r>
+              <a:rPr lang="en-US" sz="3200" dirty="0" err="1">
+                <a:solidFill>
+                  <a:srgbClr val="C00000"/>
+                </a:solidFill>
+                <a:latin typeface="Consolas" panose="020B0609020204030204" pitchFamily="49" charset="0"/>
+                <a:sym typeface="Consolas"/>
+              </a:rPr>
+              <a:t>bill_length_mm</a:t>
+            </a:r>
+            <a:r>
+              <a:rPr lang="en-US" sz="3200" dirty="0">
+                <a:solidFill>
+                  <a:srgbClr val="C00000"/>
+                </a:solidFill>
+                <a:latin typeface="Consolas" panose="020B0609020204030204" pitchFamily="49" charset="0"/>
+                <a:sym typeface="Consolas"/>
+              </a:rPr>
+              <a:t>', y='</a:t>
+            </a:r>
+            <a:r>
+              <a:rPr lang="en-US" sz="3200" dirty="0" err="1">
+                <a:solidFill>
+                  <a:srgbClr val="C00000"/>
+                </a:solidFill>
+                <a:latin typeface="Consolas" panose="020B0609020204030204" pitchFamily="49" charset="0"/>
+                <a:sym typeface="Consolas"/>
+              </a:rPr>
+              <a:t>body_mass_g</a:t>
+            </a:r>
+            <a:r>
+              <a:rPr lang="en-US" sz="3200" dirty="0">
+                <a:solidFill>
+                  <a:srgbClr val="C00000"/>
+                </a:solidFill>
+                <a:latin typeface="Consolas" panose="020B0609020204030204" pitchFamily="49" charset="0"/>
+                <a:sym typeface="Consolas"/>
+              </a:rPr>
+              <a:t>', data=</a:t>
+            </a:r>
+            <a:r>
+              <a:rPr lang="en-US" sz="3200" dirty="0" err="1">
+                <a:solidFill>
+                  <a:srgbClr val="C00000"/>
+                </a:solidFill>
+                <a:latin typeface="Consolas" panose="020B0609020204030204" pitchFamily="49" charset="0"/>
+                <a:sym typeface="Consolas"/>
+              </a:rPr>
+              <a:t>penguins_df</a:t>
+            </a:r>
+            <a:r>
+              <a:rPr lang="en-US" sz="3200" dirty="0">
+                <a:solidFill>
+                  <a:srgbClr val="C00000"/>
+                </a:solidFill>
+                <a:latin typeface="Consolas" panose="020B0609020204030204" pitchFamily="49" charset="0"/>
+                <a:sym typeface="Consolas"/>
+              </a:rPr>
+              <a:t>). </a:t>
+            </a:r>
+            <a:r>
+              <a:rPr lang="en-US" sz="3200" dirty="0">
+                <a:solidFill>
+                  <a:srgbClr val="C00000"/>
+                </a:solidFill>
+                <a:latin typeface="Pragmatica" panose="020B0403040502020204"/>
+                <a:sym typeface="Consolas"/>
+              </a:rPr>
+              <a:t>Practice resizing this plot.</a:t>
+            </a:r>
+          </a:p>
+          <a:p>
+            <a:pPr marL="142875">
+              <a:lnSpc>
+                <a:spcPct val="115000"/>
+              </a:lnSpc>
+              <a:spcBef>
+                <a:spcPts val="1125"/>
+              </a:spcBef>
+              <a:buClr>
+                <a:srgbClr val="C00000"/>
+              </a:buClr>
+              <a:buSzPts val="2100"/>
+            </a:pPr>
+            <a:r>
+              <a:rPr lang="en-US" sz="3200" dirty="0">
+                <a:solidFill>
+                  <a:srgbClr val="C00000"/>
+                </a:solidFill>
+                <a:latin typeface="Pragmatica" panose="020B0403040502020204"/>
+                <a:sym typeface="Consolas"/>
+              </a:rPr>
+              <a:t>File: </a:t>
+            </a:r>
+            <a:r>
+              <a:rPr lang="en-US" sz="3200" dirty="0">
+                <a:solidFill>
+                  <a:srgbClr val="C00000"/>
+                </a:solidFill>
+                <a:latin typeface="Consolas" panose="020B0609020204030204" pitchFamily="49" charset="0"/>
+                <a:sym typeface="Consolas"/>
+              </a:rPr>
+              <a:t>python-excel-first-steps-exercise.xlsx</a:t>
+            </a:r>
+            <a:endParaRPr lang="en-US" sz="5400" dirty="0">
+              <a:solidFill>
+                <a:srgbClr val="CF3338"/>
+              </a:solidFill>
+              <a:latin typeface="Consolas" panose="020B0609020204030204" pitchFamily="49" charset="0"/>
+            </a:endParaRPr>
+          </a:p>
+          <a:p>
+            <a:endParaRPr lang="en-US" sz="6000" dirty="0">
+              <a:solidFill>
+                <a:srgbClr val="CF3338"/>
+              </a:solidFill>
+              <a:latin typeface="Pragmatica" panose="020B0403040502020204" pitchFamily="34" charset="0"/>
+            </a:endParaRPr>
+          </a:p>
+        </p:txBody>
+      </p:sp>
+    </p:spTree>
+    <p:extLst>
+      <p:ext uri="{BB962C8B-B14F-4D97-AF65-F5344CB8AC3E}">
+        <p14:creationId xmlns:p14="http://schemas.microsoft.com/office/powerpoint/2010/main" val="1696137355"/>
+      </p:ext>
+    </p:extLst>
+  </p:cSld>
+  <p:clrMapOvr>
+    <a:masterClrMapping/>
+  </p:clrMapOvr>
+</p:sld>
+</file>
+
+<file path=ppt/slides/slide22.xml><?xml version="1.0" encoding="utf-8"?>
 <p:sld xmlns:a="http://schemas.openxmlformats.org/drawingml/2006/main" xmlns:r="http://schemas.openxmlformats.org/officeDocument/2006/relationships" xmlns:p="http://schemas.openxmlformats.org/presentationml/2006/main">
   <p:cSld>
     <p:spTree>
@@ -8139,6 +8480,116 @@
 </p:sld>
 </file>
 
+<file path=ppt/slides/slide23.xml><?xml version="1.0" encoding="utf-8"?>
+<p:sld xmlns:a="http://schemas.openxmlformats.org/drawingml/2006/main" xmlns:r="http://schemas.openxmlformats.org/officeDocument/2006/relationships" xmlns:p="http://schemas.openxmlformats.org/presentationml/2006/main">
+  <p:cSld>
+    <p:spTree>
+      <p:nvGrpSpPr>
+        <p:cNvPr id="1" name=""/>
+        <p:cNvGrpSpPr/>
+        <p:nvPr/>
+      </p:nvGrpSpPr>
+      <p:grpSpPr>
+        <a:xfrm>
+          <a:off x="0" y="0"/>
+          <a:ext cx="0" cy="0"/>
+          <a:chOff x="0" y="0"/>
+          <a:chExt cx="0" cy="0"/>
+        </a:xfrm>
+      </p:grpSpPr>
+      <p:sp>
+        <p:nvSpPr>
+          <p:cNvPr id="4" name="Rectangle 3"/>
+          <p:cNvSpPr/>
+          <p:nvPr/>
+        </p:nvSpPr>
+        <p:spPr>
+          <a:xfrm>
+            <a:off x="0" y="0"/>
+            <a:ext cx="18288000" cy="10287000"/>
+          </a:xfrm>
+          <a:prstGeom prst="rect">
+            <a:avLst/>
+          </a:prstGeom>
+          <a:solidFill>
+            <a:srgbClr val="CF3338"/>
+          </a:solidFill>
+          <a:ln>
+            <a:noFill/>
+          </a:ln>
+        </p:spPr>
+        <p:style>
+          <a:lnRef idx="2">
+            <a:schemeClr val="accent1">
+              <a:shade val="50000"/>
+            </a:schemeClr>
+          </a:lnRef>
+          <a:fillRef idx="1">
+            <a:schemeClr val="accent1"/>
+          </a:fillRef>
+          <a:effectRef idx="0">
+            <a:schemeClr val="accent1"/>
+          </a:effectRef>
+          <a:fontRef idx="minor">
+            <a:schemeClr val="lt1"/>
+          </a:fontRef>
+        </p:style>
+        <p:txBody>
+          <a:bodyPr rtlCol="0" anchor="ctr"/>
+          <a:lstStyle/>
+          <a:p>
+            <a:pPr algn="ctr"/>
+            <a:endParaRPr lang="en-US" sz="2700"/>
+          </a:p>
+        </p:txBody>
+      </p:sp>
+      <p:sp>
+        <p:nvSpPr>
+          <p:cNvPr id="5" name="TextBox 4"/>
+          <p:cNvSpPr txBox="1"/>
+          <p:nvPr/>
+        </p:nvSpPr>
+        <p:spPr>
+          <a:xfrm>
+            <a:off x="781292" y="590309"/>
+            <a:ext cx="15486926" cy="3139321"/>
+          </a:xfrm>
+          <a:prstGeom prst="rect">
+            <a:avLst/>
+          </a:prstGeom>
+          <a:noFill/>
+        </p:spPr>
+        <p:txBody>
+          <a:bodyPr wrap="square" rtlCol="0">
+            <a:spAutoFit/>
+          </a:bodyPr>
+          <a:lstStyle/>
+          <a:p>
+            <a:r>
+              <a:rPr lang="en-US" sz="9900" b="1" dirty="0">
+                <a:solidFill>
+                  <a:schemeClr val="bg1"/>
+                </a:solidFill>
+                <a:latin typeface="Normafixed Tryout" panose="00000409000000000000" pitchFamily="49" charset="0"/>
+              </a:rPr>
+              <a:t>2. From “that’s hard in Excel” to “that’s easy in Python”</a:t>
+            </a:r>
+          </a:p>
+        </p:txBody>
+      </p:sp>
+    </p:spTree>
+    <p:extLst>
+      <p:ext uri="{BB962C8B-B14F-4D97-AF65-F5344CB8AC3E}">
+        <p14:creationId xmlns:p14="http://schemas.microsoft.com/office/powerpoint/2010/main" val="2491588467"/>
+      </p:ext>
+    </p:extLst>
+  </p:cSld>
+  <p:clrMapOvr>
+    <a:masterClrMapping/>
+  </p:clrMapOvr>
+</p:sld>
+</file>
+
 <file path=ppt/slides/slide24.xml><?xml version="1.0" encoding="utf-8"?>
 <p:sld xmlns:a="http://schemas.openxmlformats.org/drawingml/2006/main" xmlns:r="http://schemas.openxmlformats.org/officeDocument/2006/relationships" xmlns:p="http://schemas.openxmlformats.org/presentationml/2006/main">
   <p:cSld>
@@ -8164,8 +8615,8 @@
         </p:nvSpPr>
         <p:spPr>
           <a:xfrm>
-            <a:off x="0" y="0"/>
-            <a:ext cx="18288000" cy="10287000"/>
+            <a:off x="9861630" y="0"/>
+            <a:ext cx="8426370" cy="10287000"/>
           </a:xfrm>
           <a:prstGeom prst="rect">
             <a:avLst/>
@@ -8202,16 +8653,45 @@
           </a:p>
         </p:txBody>
       </p:sp>
-      <p:sp>
-        <p:nvSpPr>
-          <p:cNvPr id="5" name="TextBox 4"/>
+      <p:pic>
+        <p:nvPicPr>
+          <p:cNvPr id="2" name="Picture 1"/>
+          <p:cNvPicPr>
+            <a:picLocks noChangeAspect="1"/>
+          </p:cNvPicPr>
+          <p:nvPr/>
+        </p:nvPicPr>
+        <p:blipFill rotWithShape="1">
+          <a:blip r:embed="rId3">
+            <a:extLst>
+              <a:ext uri="{28A0092B-C50C-407E-A947-70E740481C1C}">
+                <a14:useLocalDpi xmlns:a14="http://schemas.microsoft.com/office/drawing/2010/main" val="0"/>
+              </a:ext>
+            </a:extLst>
+          </a:blip>
+          <a:srcRect l="69227" t="33418" r="20112" b="50548"/>
+          <a:stretch/>
+        </p:blipFill>
+        <p:spPr>
+          <a:xfrm>
+            <a:off x="15579524" y="7544693"/>
+            <a:ext cx="2708477" cy="2987579"/>
+          </a:xfrm>
+          <a:prstGeom prst="rect">
+            <a:avLst/>
+          </a:prstGeom>
+        </p:spPr>
+      </p:pic>
+      <p:sp>
+        <p:nvSpPr>
+          <p:cNvPr id="3" name="TextBox 2"/>
           <p:cNvSpPr txBox="1"/>
           <p:nvPr/>
         </p:nvSpPr>
         <p:spPr>
           <a:xfrm>
-            <a:off x="781292" y="590309"/>
-            <a:ext cx="15486926" cy="3139321"/>
+            <a:off x="260431" y="329879"/>
+            <a:ext cx="8906720" cy="10234084"/>
           </a:xfrm>
           <a:prstGeom prst="rect">
             <a:avLst/>
@@ -8225,21 +8705,178 @@
           <a:lstStyle/>
           <a:p>
             <a:r>
-              <a:rPr lang="en-US" sz="9900" b="1" dirty="0">
-                <a:solidFill>
-                  <a:schemeClr val="bg1"/>
-                </a:solidFill>
-                <a:latin typeface="Normafixed Tryout" panose="00000409000000000000" pitchFamily="49" charset="0"/>
-              </a:rPr>
-              <a:t>2. From “that’s hard in Excel” to “that’s easy in Python”</a:t>
-            </a:r>
+              <a:rPr lang="en-US" sz="6000" b="1" dirty="0">
+                <a:solidFill>
+                  <a:srgbClr val="CF3338"/>
+                </a:solidFill>
+                <a:latin typeface="Pragmatica" panose="020B0403040502020204" pitchFamily="34" charset="0"/>
+              </a:rPr>
+              <a:t>From “that’s hard in Excel” to “that’s easy in Python” analysis</a:t>
+            </a:r>
+          </a:p>
+          <a:p>
+            <a:endParaRPr lang="en-US" sz="4200" dirty="0">
+              <a:solidFill>
+                <a:srgbClr val="CF3338"/>
+              </a:solidFill>
+              <a:latin typeface="Pragmatica" panose="020B0403040502020204" pitchFamily="34" charset="0"/>
+            </a:endParaRPr>
+          </a:p>
+          <a:p>
+            <a:pPr marL="685800" indent="-542925">
+              <a:lnSpc>
+                <a:spcPct val="115000"/>
+              </a:lnSpc>
+              <a:spcBef>
+                <a:spcPts val="1125"/>
+              </a:spcBef>
+              <a:buClr>
+                <a:srgbClr val="C00000"/>
+              </a:buClr>
+              <a:buSzPts val="2100"/>
+              <a:buFont typeface="Arial"/>
+              <a:buAutoNum type="arabicPeriod"/>
+            </a:pPr>
+            <a:r>
+              <a:rPr lang="en-US" sz="3600" dirty="0">
+                <a:solidFill>
+                  <a:srgbClr val="C00000"/>
+                </a:solidFill>
+                <a:latin typeface="Pragmatica" panose="020B0403040502020204"/>
+                <a:sym typeface="Consolas"/>
+              </a:rPr>
+              <a:t>Data profiling: What is the shape, size, completeness?</a:t>
+            </a:r>
+          </a:p>
+          <a:p>
+            <a:pPr marL="685800" indent="-542925">
+              <a:lnSpc>
+                <a:spcPct val="115000"/>
+              </a:lnSpc>
+              <a:spcBef>
+                <a:spcPts val="1125"/>
+              </a:spcBef>
+              <a:buClr>
+                <a:srgbClr val="C00000"/>
+              </a:buClr>
+              <a:buSzPts val="2100"/>
+              <a:buFont typeface="Arial"/>
+              <a:buAutoNum type="arabicPeriod"/>
+            </a:pPr>
+            <a:r>
+              <a:rPr lang="en-US" sz="3600" dirty="0">
+                <a:solidFill>
+                  <a:srgbClr val="C00000"/>
+                </a:solidFill>
+                <a:latin typeface="Pragmatica" panose="020B0403040502020204"/>
+                <a:sym typeface="Consolas"/>
+              </a:rPr>
+              <a:t>Time series: pandas for panel data</a:t>
+            </a:r>
+          </a:p>
+          <a:p>
+            <a:pPr marL="685800" indent="-542925">
+              <a:lnSpc>
+                <a:spcPct val="115000"/>
+              </a:lnSpc>
+              <a:spcBef>
+                <a:spcPts val="1125"/>
+              </a:spcBef>
+              <a:buClr>
+                <a:srgbClr val="C00000"/>
+              </a:buClr>
+              <a:buSzPts val="2100"/>
+              <a:buFont typeface="Arial"/>
+              <a:buAutoNum type="arabicPeriod"/>
+            </a:pPr>
+            <a:r>
+              <a:rPr lang="en-US" sz="3600" dirty="0">
+                <a:solidFill>
+                  <a:srgbClr val="C00000"/>
+                </a:solidFill>
+                <a:latin typeface="Pragmatica" panose="020B0403040502020204"/>
+                <a:sym typeface="Consolas"/>
+              </a:rPr>
+              <a:t>Descriptive statistics/EDA: What stories might be told in this data? </a:t>
+            </a:r>
+          </a:p>
+          <a:p>
+            <a:pPr marL="685800" indent="-542925">
+              <a:lnSpc>
+                <a:spcPct val="115000"/>
+              </a:lnSpc>
+              <a:spcBef>
+                <a:spcPts val="1125"/>
+              </a:spcBef>
+              <a:buClr>
+                <a:srgbClr val="C00000"/>
+              </a:buClr>
+              <a:buSzPts val="2100"/>
+              <a:buFont typeface="Arial"/>
+              <a:buAutoNum type="arabicPeriod"/>
+            </a:pPr>
+            <a:endParaRPr lang="en-US" sz="3600" dirty="0">
+              <a:solidFill>
+                <a:srgbClr val="C00000"/>
+              </a:solidFill>
+              <a:latin typeface="Pragmatica" panose="020B0403040502020204"/>
+              <a:sym typeface="Consolas"/>
+            </a:endParaRPr>
+          </a:p>
+          <a:p>
+            <a:pPr marL="142875">
+              <a:lnSpc>
+                <a:spcPct val="115000"/>
+              </a:lnSpc>
+              <a:spcBef>
+                <a:spcPts val="1125"/>
+              </a:spcBef>
+              <a:buClr>
+                <a:srgbClr val="C00000"/>
+              </a:buClr>
+              <a:buSzPts val="2100"/>
+            </a:pPr>
+            <a:r>
+              <a:rPr lang="en-US" sz="3600" dirty="0">
+                <a:solidFill>
+                  <a:srgbClr val="C00000"/>
+                </a:solidFill>
+                <a:latin typeface="Pragmatica" panose="020B0403040502020204"/>
+                <a:sym typeface="Consolas"/>
+              </a:rPr>
+              <a:t>File: </a:t>
+            </a:r>
+            <a:r>
+              <a:rPr lang="en-US" sz="3600" dirty="0">
+                <a:solidFill>
+                  <a:srgbClr val="C00000"/>
+                </a:solidFill>
+                <a:latin typeface="Consolas" panose="020B0609020204030204" pitchFamily="49" charset="0"/>
+                <a:sym typeface="Consolas"/>
+              </a:rPr>
+              <a:t>hard-excel-easy-python-analysis.xlsx</a:t>
+            </a:r>
+            <a:endParaRPr lang="en-US" sz="6000" dirty="0">
+              <a:solidFill>
+                <a:srgbClr val="CF3338"/>
+              </a:solidFill>
+              <a:latin typeface="Consolas" panose="020B0609020204030204" pitchFamily="49" charset="0"/>
+            </a:endParaRPr>
+          </a:p>
+          <a:p>
+            <a:endParaRPr lang="en-US" sz="6000" dirty="0">
+              <a:solidFill>
+                <a:srgbClr val="CF3338"/>
+              </a:solidFill>
+              <a:latin typeface="Pragmatica" panose="020B0403040502020204" pitchFamily="34" charset="0"/>
+            </a:endParaRPr>
           </a:p>
         </p:txBody>
       </p:sp>
     </p:spTree>
     <p:extLst>
       <p:ext uri="{BB962C8B-B14F-4D97-AF65-F5344CB8AC3E}">
-        <p14:creationId xmlns:p14="http://schemas.microsoft.com/office/powerpoint/2010/main" val="2491588467"/>
+        <p14:creationId xmlns:p14="http://schemas.microsoft.com/office/powerpoint/2010/main" val="2505051360"/>
       </p:ext>
     </p:extLst>
   </p:cSld>
@@ -8350,7 +8987,7 @@
         <p:spPr>
           <a:xfrm>
             <a:off x="260431" y="329879"/>
-            <a:ext cx="8906720" cy="10234084"/>
+            <a:ext cx="8906720" cy="8950655"/>
           </a:xfrm>
           <a:prstGeom prst="rect">
             <a:avLst/>
@@ -8370,19 +9007,11 @@
                 </a:solidFill>
                 <a:latin typeface="Pragmatica" panose="020B0403040502020204" pitchFamily="34" charset="0"/>
               </a:rPr>
-              <a:t>From “that’s hard in Excel” to “that’s easy in Python” analysis</a:t>
-            </a:r>
-          </a:p>
-          <a:p>
-            <a:endParaRPr lang="en-US" sz="4200" dirty="0">
-              <a:solidFill>
-                <a:srgbClr val="CF3338"/>
-              </a:solidFill>
-              <a:latin typeface="Pragmatica" panose="020B0403040502020204" pitchFamily="34" charset="0"/>
-            </a:endParaRPr>
-          </a:p>
-          <a:p>
-            <a:pPr marL="685800" indent="-542925">
+              <a:t>From “that’s hard in Excel” to “that’s easy in Python” analysis EXERCISE</a:t>
+            </a:r>
+          </a:p>
+          <a:p>
+            <a:pPr marL="142875">
               <a:lnSpc>
                 <a:spcPct val="115000"/>
               </a:lnSpc>
@@ -8393,22 +9022,17 @@
                 <a:srgbClr val="C00000"/>
               </a:buClr>
               <a:buSzPts val="2100"/>
-              <a:buFont typeface="Arial"/>
-              <a:buAutoNum type="arabicPeriod"/>
             </a:pPr>
-            <a:r>
-              <a:rPr lang="en-US" sz="3600" dirty="0">
-                <a:solidFill>
-                  <a:srgbClr val="C00000"/>
-                </a:solidFill>
-                <a:latin typeface="Pragmatica" panose="020B0403040502020204"/>
-                <a:sym typeface="Consolas"/>
-              </a:rPr>
-              <a:t>Data profiling: What is the shape, size, completeness?</a:t>
-            </a:r>
-          </a:p>
-          <a:p>
-            <a:pPr marL="685800" indent="-542925">
+            <a:endParaRPr lang="en-US" sz="3600" dirty="0">
+              <a:solidFill>
+                <a:srgbClr val="C00000"/>
+              </a:solidFill>
+              <a:latin typeface="Pragmatica" panose="020B0403040502020204"/>
+              <a:sym typeface="Consolas"/>
+            </a:endParaRPr>
+          </a:p>
+          <a:p>
+            <a:pPr marL="714375" indent="-571500">
               <a:lnSpc>
                 <a:spcPct val="115000"/>
               </a:lnSpc>
@@ -8419,8 +9043,8 @@
                 <a:srgbClr val="C00000"/>
               </a:buClr>
               <a:buSzPts val="2100"/>
-              <a:buFont typeface="Arial"/>
-              <a:buAutoNum type="arabicPeriod"/>
+              <a:buFont typeface="Arial" panose="020B0604020202020204" pitchFamily="34" charset="0"/>
+              <a:buChar char="•"/>
             </a:pPr>
             <a:r>
               <a:rPr lang="en-US" sz="3600" dirty="0">
@@ -8430,11 +9054,11 @@
                 <a:latin typeface="Pragmatica" panose="020B0403040502020204"/>
                 <a:sym typeface="Consolas"/>
               </a:rPr>
-              <a:t>Time series: pandas for panel data</a:t>
-            </a:r>
-          </a:p>
-          <a:p>
-            <a:pPr marL="685800" indent="-542925">
+              <a:t>Explore relationship between sales, temperature, customer count over time</a:t>
+            </a:r>
+          </a:p>
+          <a:p>
+            <a:pPr marL="714375" indent="-571500">
               <a:lnSpc>
                 <a:spcPct val="115000"/>
               </a:lnSpc>
@@ -8445,8 +9069,8 @@
                 <a:srgbClr val="C00000"/>
               </a:buClr>
               <a:buSzPts val="2100"/>
-              <a:buFont typeface="Arial"/>
-              <a:buAutoNum type="arabicPeriod"/>
+              <a:buFont typeface="Arial" panose="020B0604020202020204" pitchFamily="34" charset="0"/>
+              <a:buChar char="•"/>
             </a:pPr>
             <a:r>
               <a:rPr lang="en-US" sz="3600" dirty="0">
@@ -8456,7 +9080,7 @@
                 <a:latin typeface="Pragmatica" panose="020B0403040502020204"/>
                 <a:sym typeface="Consolas"/>
               </a:rPr>
-              <a:t>Descriptive statistics/EDA: What stories might be told in this data? </a:t>
+              <a:t>Fill in the blanks to complete the code</a:t>
             </a:r>
           </a:p>
           <a:p>
@@ -8513,289 +9137,6 @@
                 <a:latin typeface="Consolas" panose="020B0609020204030204" pitchFamily="49" charset="0"/>
                 <a:sym typeface="Consolas"/>
               </a:rPr>
-              <a:t>hard-excel-easy-python-analysis.xlsx</a:t>
-            </a:r>
-            <a:endParaRPr lang="en-US" sz="6000" dirty="0">
-              <a:solidFill>
-                <a:srgbClr val="CF3338"/>
-              </a:solidFill>
-              <a:latin typeface="Consolas" panose="020B0609020204030204" pitchFamily="49" charset="0"/>
-            </a:endParaRPr>
-          </a:p>
-          <a:p>
-            <a:endParaRPr lang="en-US" sz="6000" dirty="0">
-              <a:solidFill>
-                <a:srgbClr val="CF3338"/>
-              </a:solidFill>
-              <a:latin typeface="Pragmatica" panose="020B0403040502020204" pitchFamily="34" charset="0"/>
-            </a:endParaRPr>
-          </a:p>
-        </p:txBody>
-      </p:sp>
-    </p:spTree>
-    <p:extLst>
-      <p:ext uri="{BB962C8B-B14F-4D97-AF65-F5344CB8AC3E}">
-        <p14:creationId xmlns:p14="http://schemas.microsoft.com/office/powerpoint/2010/main" val="2505051360"/>
-      </p:ext>
-    </p:extLst>
-  </p:cSld>
-  <p:clrMapOvr>
-    <a:masterClrMapping/>
-  </p:clrMapOvr>
-</p:sld>
-</file>
-
-<file path=ppt/slides/slide26.xml><?xml version="1.0" encoding="utf-8"?>
-<p:sld xmlns:a="http://schemas.openxmlformats.org/drawingml/2006/main" xmlns:r="http://schemas.openxmlformats.org/officeDocument/2006/relationships" xmlns:p="http://schemas.openxmlformats.org/presentationml/2006/main">
-  <p:cSld>
-    <p:spTree>
-      <p:nvGrpSpPr>
-        <p:cNvPr id="1" name=""/>
-        <p:cNvGrpSpPr/>
-        <p:nvPr/>
-      </p:nvGrpSpPr>
-      <p:grpSpPr>
-        <a:xfrm>
-          <a:off x="0" y="0"/>
-          <a:ext cx="0" cy="0"/>
-          <a:chOff x="0" y="0"/>
-          <a:chExt cx="0" cy="0"/>
-        </a:xfrm>
-      </p:grpSpPr>
-      <p:sp>
-        <p:nvSpPr>
-          <p:cNvPr id="4" name="Rectangle 3"/>
-          <p:cNvSpPr/>
-          <p:nvPr/>
-        </p:nvSpPr>
-        <p:spPr>
-          <a:xfrm>
-            <a:off x="9861630" y="0"/>
-            <a:ext cx="8426370" cy="10287000"/>
-          </a:xfrm>
-          <a:prstGeom prst="rect">
-            <a:avLst/>
-          </a:prstGeom>
-          <a:solidFill>
-            <a:srgbClr val="CF3338"/>
-          </a:solidFill>
-          <a:ln>
-            <a:noFill/>
-          </a:ln>
-        </p:spPr>
-        <p:style>
-          <a:lnRef idx="2">
-            <a:schemeClr val="accent1">
-              <a:shade val="50000"/>
-            </a:schemeClr>
-          </a:lnRef>
-          <a:fillRef idx="1">
-            <a:schemeClr val="accent1"/>
-          </a:fillRef>
-          <a:effectRef idx="0">
-            <a:schemeClr val="accent1"/>
-          </a:effectRef>
-          <a:fontRef idx="minor">
-            <a:schemeClr val="lt1"/>
-          </a:fontRef>
-        </p:style>
-        <p:txBody>
-          <a:bodyPr rtlCol="0" anchor="ctr"/>
-          <a:lstStyle/>
-          <a:p>
-            <a:pPr algn="ctr"/>
-            <a:endParaRPr lang="en-US" sz="2700"/>
-          </a:p>
-        </p:txBody>
-      </p:sp>
-      <p:pic>
-        <p:nvPicPr>
-          <p:cNvPr id="2" name="Picture 1"/>
-          <p:cNvPicPr>
-            <a:picLocks noChangeAspect="1"/>
-          </p:cNvPicPr>
-          <p:nvPr/>
-        </p:nvPicPr>
-        <p:blipFill rotWithShape="1">
-          <a:blip r:embed="rId3">
-            <a:extLst>
-              <a:ext uri="{28A0092B-C50C-407E-A947-70E740481C1C}">
-                <a14:useLocalDpi xmlns:a14="http://schemas.microsoft.com/office/drawing/2010/main" val="0"/>
-              </a:ext>
-            </a:extLst>
-          </a:blip>
-          <a:srcRect l="69227" t="33418" r="20112" b="50548"/>
-          <a:stretch/>
-        </p:blipFill>
-        <p:spPr>
-          <a:xfrm>
-            <a:off x="15579524" y="7544693"/>
-            <a:ext cx="2708477" cy="2987579"/>
-          </a:xfrm>
-          <a:prstGeom prst="rect">
-            <a:avLst/>
-          </a:prstGeom>
-        </p:spPr>
-      </p:pic>
-      <p:sp>
-        <p:nvSpPr>
-          <p:cNvPr id="3" name="TextBox 2"/>
-          <p:cNvSpPr txBox="1"/>
-          <p:nvPr/>
-        </p:nvSpPr>
-        <p:spPr>
-          <a:xfrm>
-            <a:off x="260431" y="329879"/>
-            <a:ext cx="8906720" cy="8950655"/>
-          </a:xfrm>
-          <a:prstGeom prst="rect">
-            <a:avLst/>
-          </a:prstGeom>
-          <a:noFill/>
-        </p:spPr>
-        <p:txBody>
-          <a:bodyPr wrap="square" rtlCol="0">
-            <a:spAutoFit/>
-          </a:bodyPr>
-          <a:lstStyle/>
-          <a:p>
-            <a:r>
-              <a:rPr lang="en-US" sz="6000" b="1" dirty="0">
-                <a:solidFill>
-                  <a:srgbClr val="CF3338"/>
-                </a:solidFill>
-                <a:latin typeface="Pragmatica" panose="020B0403040502020204" pitchFamily="34" charset="0"/>
-              </a:rPr>
-              <a:t>From “that’s hard in Excel” to “that’s easy in Python” analysis EXERCISE</a:t>
-            </a:r>
-          </a:p>
-          <a:p>
-            <a:pPr marL="142875">
-              <a:lnSpc>
-                <a:spcPct val="115000"/>
-              </a:lnSpc>
-              <a:spcBef>
-                <a:spcPts val="1125"/>
-              </a:spcBef>
-              <a:buClr>
-                <a:srgbClr val="C00000"/>
-              </a:buClr>
-              <a:buSzPts val="2100"/>
-            </a:pPr>
-            <a:endParaRPr lang="en-US" sz="3600" dirty="0">
-              <a:solidFill>
-                <a:srgbClr val="C00000"/>
-              </a:solidFill>
-              <a:latin typeface="Pragmatica" panose="020B0403040502020204"/>
-              <a:sym typeface="Consolas"/>
-            </a:endParaRPr>
-          </a:p>
-          <a:p>
-            <a:pPr marL="714375" indent="-571500">
-              <a:lnSpc>
-                <a:spcPct val="115000"/>
-              </a:lnSpc>
-              <a:spcBef>
-                <a:spcPts val="1125"/>
-              </a:spcBef>
-              <a:buClr>
-                <a:srgbClr val="C00000"/>
-              </a:buClr>
-              <a:buSzPts val="2100"/>
-              <a:buFont typeface="Arial" panose="020B0604020202020204" pitchFamily="34" charset="0"/>
-              <a:buChar char="•"/>
-            </a:pPr>
-            <a:r>
-              <a:rPr lang="en-US" sz="3600" dirty="0">
-                <a:solidFill>
-                  <a:srgbClr val="C00000"/>
-                </a:solidFill>
-                <a:latin typeface="Pragmatica" panose="020B0403040502020204"/>
-                <a:sym typeface="Consolas"/>
-              </a:rPr>
-              <a:t>Explore relationship between sales, temperature, customer count over time</a:t>
-            </a:r>
-          </a:p>
-          <a:p>
-            <a:pPr marL="714375" indent="-571500">
-              <a:lnSpc>
-                <a:spcPct val="115000"/>
-              </a:lnSpc>
-              <a:spcBef>
-                <a:spcPts val="1125"/>
-              </a:spcBef>
-              <a:buClr>
-                <a:srgbClr val="C00000"/>
-              </a:buClr>
-              <a:buSzPts val="2100"/>
-              <a:buFont typeface="Arial" panose="020B0604020202020204" pitchFamily="34" charset="0"/>
-              <a:buChar char="•"/>
-            </a:pPr>
-            <a:r>
-              <a:rPr lang="en-US" sz="3600" dirty="0">
-                <a:solidFill>
-                  <a:srgbClr val="C00000"/>
-                </a:solidFill>
-                <a:latin typeface="Pragmatica" panose="020B0403040502020204"/>
-                <a:sym typeface="Consolas"/>
-              </a:rPr>
-              <a:t>Fill in the blanks to complete the code</a:t>
-            </a:r>
-          </a:p>
-          <a:p>
-            <a:pPr marL="685800" indent="-542925">
-              <a:lnSpc>
-                <a:spcPct val="115000"/>
-              </a:lnSpc>
-              <a:spcBef>
-                <a:spcPts val="1125"/>
-              </a:spcBef>
-              <a:buClr>
-                <a:srgbClr val="C00000"/>
-              </a:buClr>
-              <a:buSzPts val="2100"/>
-              <a:buFont typeface="Arial"/>
-              <a:buAutoNum type="arabicPeriod"/>
-            </a:pPr>
-            <a:endParaRPr lang="en-US" sz="3600" dirty="0">
-              <a:solidFill>
-                <a:srgbClr val="C00000"/>
-              </a:solidFill>
-              <a:latin typeface="Pragmatica" panose="020B0403040502020204"/>
-              <a:sym typeface="Consolas"/>
-            </a:endParaRPr>
-          </a:p>
-          <a:p>
-            <a:pPr marL="142875">
-              <a:lnSpc>
-                <a:spcPct val="115000"/>
-              </a:lnSpc>
-              <a:spcBef>
-                <a:spcPts val="1125"/>
-              </a:spcBef>
-              <a:buClr>
-                <a:srgbClr val="C00000"/>
-              </a:buClr>
-              <a:buSzPts val="2100"/>
-            </a:pPr>
-            <a:r>
-              <a:rPr lang="en-US" sz="3600" dirty="0">
-                <a:solidFill>
-                  <a:srgbClr val="C00000"/>
-                </a:solidFill>
-                <a:latin typeface="Pragmatica" panose="020B0403040502020204"/>
-                <a:sym typeface="Consolas"/>
-              </a:rPr>
-              <a:t>File: </a:t>
-            </a:r>
-            <a:r>
-              <a:rPr lang="en-US" sz="3600" dirty="0">
-                <a:solidFill>
-                  <a:srgbClr val="C00000"/>
-                </a:solidFill>
-                <a:latin typeface="Consolas" panose="020B0609020204030204" pitchFamily="49" charset="0"/>
-                <a:sym typeface="Consolas"/>
-              </a:rPr>
               <a:t>hard-excel-easy-python-analysis-exercise.xlsx</a:t>
             </a:r>
             <a:endParaRPr lang="en-US" sz="6000" dirty="0">
@@ -8828,7 +9169,7 @@
 </p:sld>
 </file>
 
-<file path=ppt/slides/slide27.xml><?xml version="1.0" encoding="utf-8"?>
+<file path=ppt/slides/slide26.xml><?xml version="1.0" encoding="utf-8"?>
 <p:sld xmlns:a="http://schemas.openxmlformats.org/drawingml/2006/main" xmlns:r="http://schemas.openxmlformats.org/officeDocument/2006/relationships" xmlns:p="http://schemas.openxmlformats.org/presentationml/2006/main">
   <p:cSld>
     <p:spTree>
@@ -8986,6 +9327,152 @@
 </p:sld>
 </file>
 
+<file path=ppt/slides/slide27.xml><?xml version="1.0" encoding="utf-8"?>
+<p:sld xmlns:a="http://schemas.openxmlformats.org/drawingml/2006/main" xmlns:r="http://schemas.openxmlformats.org/officeDocument/2006/relationships" xmlns:p="http://schemas.openxmlformats.org/presentationml/2006/main">
+  <p:cSld>
+    <p:spTree>
+      <p:nvGrpSpPr>
+        <p:cNvPr id="1" name=""/>
+        <p:cNvGrpSpPr/>
+        <p:nvPr/>
+      </p:nvGrpSpPr>
+      <p:grpSpPr>
+        <a:xfrm>
+          <a:off x="0" y="0"/>
+          <a:ext cx="0" cy="0"/>
+          <a:chOff x="0" y="0"/>
+          <a:chExt cx="0" cy="0"/>
+        </a:xfrm>
+      </p:grpSpPr>
+      <p:sp>
+        <p:nvSpPr>
+          <p:cNvPr id="4" name="Rectangle 3"/>
+          <p:cNvSpPr/>
+          <p:nvPr/>
+        </p:nvSpPr>
+        <p:spPr>
+          <a:xfrm>
+            <a:off x="0" y="0"/>
+            <a:ext cx="18288000" cy="10287000"/>
+          </a:xfrm>
+          <a:prstGeom prst="rect">
+            <a:avLst/>
+          </a:prstGeom>
+          <a:solidFill>
+            <a:srgbClr val="CF3338"/>
+          </a:solidFill>
+          <a:ln>
+            <a:noFill/>
+          </a:ln>
+        </p:spPr>
+        <p:style>
+          <a:lnRef idx="2">
+            <a:schemeClr val="accent1">
+              <a:shade val="50000"/>
+            </a:schemeClr>
+          </a:lnRef>
+          <a:fillRef idx="1">
+            <a:schemeClr val="accent1"/>
+          </a:fillRef>
+          <a:effectRef idx="0">
+            <a:schemeClr val="accent1"/>
+          </a:effectRef>
+          <a:fontRef idx="minor">
+            <a:schemeClr val="lt1"/>
+          </a:fontRef>
+        </p:style>
+        <p:txBody>
+          <a:bodyPr rtlCol="0" anchor="ctr"/>
+          <a:lstStyle/>
+          <a:p>
+            <a:pPr algn="ctr"/>
+            <a:endParaRPr lang="en-US" sz="2700"/>
+          </a:p>
+        </p:txBody>
+      </p:sp>
+      <p:sp>
+        <p:nvSpPr>
+          <p:cNvPr id="5" name="TextBox 4"/>
+          <p:cNvSpPr txBox="1"/>
+          <p:nvPr/>
+        </p:nvSpPr>
+        <p:spPr>
+          <a:xfrm>
+            <a:off x="781292" y="590309"/>
+            <a:ext cx="15486926" cy="4662815"/>
+          </a:xfrm>
+          <a:prstGeom prst="rect">
+            <a:avLst/>
+          </a:prstGeom>
+          <a:noFill/>
+        </p:spPr>
+        <p:txBody>
+          <a:bodyPr wrap="square" rtlCol="0">
+            <a:spAutoFit/>
+          </a:bodyPr>
+          <a:lstStyle/>
+          <a:p>
+            <a:r>
+              <a:rPr lang="en-US" sz="9900" b="1" dirty="0">
+                <a:solidFill>
+                  <a:schemeClr val="bg1"/>
+                </a:solidFill>
+                <a:latin typeface="Normafixed Tryout" panose="00000409000000000000" pitchFamily="49" charset="0"/>
+              </a:rPr>
+              <a:t>3. There’s more to Python </a:t>
+            </a:r>
+            <a:r>
+              <a:rPr lang="en-US" sz="9900" b="1" i="1" dirty="0">
+                <a:solidFill>
+                  <a:schemeClr val="bg1"/>
+                </a:solidFill>
+                <a:latin typeface="Normafixed Tryout" panose="00000409000000000000" pitchFamily="49" charset="0"/>
+              </a:rPr>
+              <a:t>and </a:t>
+            </a:r>
+            <a:r>
+              <a:rPr lang="en-US" sz="9900" b="1" dirty="0">
+                <a:solidFill>
+                  <a:schemeClr val="bg1"/>
+                </a:solidFill>
+                <a:latin typeface="Normafixed Tryout" panose="00000409000000000000" pitchFamily="49" charset="0"/>
+              </a:rPr>
+              <a:t>Excel than Python </a:t>
+            </a:r>
+            <a:r>
+              <a:rPr lang="en-US" sz="9900" b="1" i="1" dirty="0">
+                <a:solidFill>
+                  <a:schemeClr val="bg1"/>
+                </a:solidFill>
+                <a:latin typeface="Normafixed Tryout" panose="00000409000000000000" pitchFamily="49" charset="0"/>
+              </a:rPr>
+              <a:t>in </a:t>
+            </a:r>
+            <a:r>
+              <a:rPr lang="en-US" sz="9900" b="1" dirty="0">
+                <a:solidFill>
+                  <a:schemeClr val="bg1"/>
+                </a:solidFill>
+                <a:latin typeface="Normafixed Tryout" panose="00000409000000000000" pitchFamily="49" charset="0"/>
+              </a:rPr>
+              <a:t>Excel</a:t>
+            </a:r>
+          </a:p>
+        </p:txBody>
+      </p:sp>
+    </p:spTree>
+    <p:extLst>
+      <p:ext uri="{BB962C8B-B14F-4D97-AF65-F5344CB8AC3E}">
+        <p14:creationId xmlns:p14="http://schemas.microsoft.com/office/powerpoint/2010/main" val="1915421395"/>
+      </p:ext>
+    </p:extLst>
+  </p:cSld>
+  <p:clrMapOvr>
+    <a:masterClrMapping/>
+  </p:clrMapOvr>
+</p:sld>
+</file>
+
 <file path=ppt/slides/slide28.xml><?xml version="1.0" encoding="utf-8"?>
 <p:sld xmlns:a="http://schemas.openxmlformats.org/drawingml/2006/main" xmlns:r="http://schemas.openxmlformats.org/officeDocument/2006/relationships" xmlns:p="http://schemas.openxmlformats.org/presentationml/2006/main">
   <p:cSld>
@@ -9011,8 +9498,8 @@
         </p:nvSpPr>
         <p:spPr>
           <a:xfrm>
-            <a:off x="0" y="0"/>
-            <a:ext cx="18288000" cy="10287000"/>
+            <a:off x="9861630" y="0"/>
+            <a:ext cx="8426370" cy="10287000"/>
           </a:xfrm>
           <a:prstGeom prst="rect">
             <a:avLst/>
@@ -9049,16 +9536,45 @@
           </a:p>
         </p:txBody>
       </p:sp>
-      <p:sp>
-        <p:nvSpPr>
-          <p:cNvPr id="5" name="TextBox 4"/>
+      <p:pic>
+        <p:nvPicPr>
+          <p:cNvPr id="2" name="Picture 1"/>
+          <p:cNvPicPr>
+            <a:picLocks noChangeAspect="1"/>
+          </p:cNvPicPr>
+          <p:nvPr/>
+        </p:nvPicPr>
+        <p:blipFill rotWithShape="1">
+          <a:blip r:embed="rId3">
+            <a:extLst>
+              <a:ext uri="{28A0092B-C50C-407E-A947-70E740481C1C}">
+                <a14:useLocalDpi xmlns:a14="http://schemas.microsoft.com/office/drawing/2010/main" val="0"/>
+              </a:ext>
+            </a:extLst>
+          </a:blip>
+          <a:srcRect l="69227" t="33418" r="20112" b="50548"/>
+          <a:stretch/>
+        </p:blipFill>
+        <p:spPr>
+          <a:xfrm>
+            <a:off x="15579524" y="7544693"/>
+            <a:ext cx="2708477" cy="2987579"/>
+          </a:xfrm>
+          <a:prstGeom prst="rect">
+            <a:avLst/>
+          </a:prstGeom>
+        </p:spPr>
+      </p:pic>
+      <p:sp>
+        <p:nvSpPr>
+          <p:cNvPr id="3" name="TextBox 2"/>
           <p:cNvSpPr txBox="1"/>
           <p:nvPr/>
         </p:nvSpPr>
         <p:spPr>
           <a:xfrm>
-            <a:off x="781292" y="590309"/>
-            <a:ext cx="15486926" cy="4662815"/>
+            <a:off x="260431" y="329879"/>
+            <a:ext cx="8906720" cy="9596986"/>
           </a:xfrm>
           <a:prstGeom prst="rect">
             <a:avLst/>
@@ -9072,57 +9588,214 @@
           <a:lstStyle/>
           <a:p>
             <a:r>
-              <a:rPr lang="en-US" sz="9900" b="1" dirty="0">
-                <a:solidFill>
-                  <a:schemeClr val="bg1"/>
-                </a:solidFill>
-                <a:latin typeface="Normafixed Tryout" panose="00000409000000000000" pitchFamily="49" charset="0"/>
-              </a:rPr>
-              <a:t>3. There’s more to Python </a:t>
-            </a:r>
-            <a:r>
-              <a:rPr lang="en-US" sz="9900" b="1" i="1" dirty="0">
-                <a:solidFill>
-                  <a:schemeClr val="bg1"/>
-                </a:solidFill>
-                <a:latin typeface="Normafixed Tryout" panose="00000409000000000000" pitchFamily="49" charset="0"/>
-              </a:rPr>
-              <a:t>and </a:t>
-            </a:r>
-            <a:r>
-              <a:rPr lang="en-US" sz="9900" b="1" dirty="0">
-                <a:solidFill>
-                  <a:schemeClr val="bg1"/>
-                </a:solidFill>
-                <a:latin typeface="Normafixed Tryout" panose="00000409000000000000" pitchFamily="49" charset="0"/>
-              </a:rPr>
-              <a:t>Excel than Python </a:t>
-            </a:r>
-            <a:r>
-              <a:rPr lang="en-US" sz="9900" b="1" i="1" dirty="0">
-                <a:solidFill>
-                  <a:schemeClr val="bg1"/>
-                </a:solidFill>
-                <a:latin typeface="Normafixed Tryout" panose="00000409000000000000" pitchFamily="49" charset="0"/>
+              <a:rPr lang="en-US" sz="6000" b="1" dirty="0">
+                <a:solidFill>
+                  <a:srgbClr val="CF3338"/>
+                </a:solidFill>
+                <a:latin typeface="Pragmatica" panose="020B0403040502020204" pitchFamily="34" charset="0"/>
+              </a:rPr>
+              <a:t>There’s more to Python </a:t>
+            </a:r>
+            <a:r>
+              <a:rPr lang="en-US" sz="6000" b="1" i="1" dirty="0">
+                <a:solidFill>
+                  <a:srgbClr val="CF3338"/>
+                </a:solidFill>
+                <a:latin typeface="Pragmatica" panose="020B0403040502020204" pitchFamily="34" charset="0"/>
+              </a:rPr>
+              <a:t>and</a:t>
+            </a:r>
+            <a:r>
+              <a:rPr lang="en-US" sz="6000" b="1" dirty="0">
+                <a:solidFill>
+                  <a:srgbClr val="CF3338"/>
+                </a:solidFill>
+                <a:latin typeface="Pragmatica" panose="020B0403040502020204" pitchFamily="34" charset="0"/>
+              </a:rPr>
+              <a:t> Excel than Python </a:t>
+            </a:r>
+            <a:r>
+              <a:rPr lang="en-US" sz="6000" b="1" i="1" dirty="0">
+                <a:solidFill>
+                  <a:srgbClr val="CF3338"/>
+                </a:solidFill>
+                <a:latin typeface="Pragmatica" panose="020B0403040502020204" pitchFamily="34" charset="0"/>
               </a:rPr>
               <a:t>in </a:t>
             </a:r>
             <a:r>
-              <a:rPr lang="en-US" sz="9900" b="1" dirty="0">
-                <a:solidFill>
-                  <a:schemeClr val="bg1"/>
-                </a:solidFill>
-                <a:latin typeface="Normafixed Tryout" panose="00000409000000000000" pitchFamily="49" charset="0"/>
+              <a:rPr lang="en-US" sz="6000" b="1" dirty="0">
+                <a:solidFill>
+                  <a:srgbClr val="CF3338"/>
+                </a:solidFill>
+                <a:latin typeface="Pragmatica" panose="020B0403040502020204" pitchFamily="34" charset="0"/>
               </a:rPr>
               <a:t>Excel</a:t>
             </a:r>
+          </a:p>
+          <a:p>
+            <a:endParaRPr lang="en-US" sz="4200" dirty="0">
+              <a:solidFill>
+                <a:srgbClr val="CF3338"/>
+              </a:solidFill>
+              <a:latin typeface="Pragmatica" panose="020B0403040502020204" pitchFamily="34" charset="0"/>
+            </a:endParaRPr>
+          </a:p>
+          <a:p>
+            <a:pPr marL="685800" indent="-542925">
+              <a:lnSpc>
+                <a:spcPct val="115000"/>
+              </a:lnSpc>
+              <a:spcBef>
+                <a:spcPts val="1125"/>
+              </a:spcBef>
+              <a:buClr>
+                <a:srgbClr val="C00000"/>
+              </a:buClr>
+              <a:buSzPts val="2100"/>
+              <a:buFont typeface="Arial"/>
+              <a:buAutoNum type="arabicPeriod"/>
+            </a:pPr>
+            <a:r>
+              <a:rPr lang="en-US" sz="3600" dirty="0">
+                <a:solidFill>
+                  <a:srgbClr val="C00000"/>
+                </a:solidFill>
+                <a:latin typeface="Pragmatica" panose="020B0403040502020204"/>
+                <a:sym typeface="Consolas"/>
+              </a:rPr>
+              <a:t>Python in Excel is all about data analysis, visualization, statistics &amp; ML</a:t>
+            </a:r>
+          </a:p>
+          <a:p>
+            <a:pPr marL="685800" indent="-542925">
+              <a:lnSpc>
+                <a:spcPct val="115000"/>
+              </a:lnSpc>
+              <a:spcBef>
+                <a:spcPts val="1125"/>
+              </a:spcBef>
+              <a:buClr>
+                <a:srgbClr val="C00000"/>
+              </a:buClr>
+              <a:buSzPts val="2100"/>
+              <a:buFont typeface="Arial"/>
+              <a:buAutoNum type="arabicPeriod"/>
+            </a:pPr>
+            <a:r>
+              <a:rPr lang="en-US" sz="3600" dirty="0">
+                <a:solidFill>
+                  <a:srgbClr val="C00000"/>
+                </a:solidFill>
+                <a:latin typeface="Pragmatica" panose="020B0403040502020204"/>
+                <a:sym typeface="Consolas"/>
+              </a:rPr>
+              <a:t>It lacks Excel automation capabilities</a:t>
+            </a:r>
+          </a:p>
+          <a:p>
+            <a:pPr marL="685800" indent="-542925">
+              <a:lnSpc>
+                <a:spcPct val="115000"/>
+              </a:lnSpc>
+              <a:spcBef>
+                <a:spcPts val="1125"/>
+              </a:spcBef>
+              <a:buClr>
+                <a:srgbClr val="C00000"/>
+              </a:buClr>
+              <a:buSzPts val="2100"/>
+              <a:buFont typeface="Arial"/>
+              <a:buAutoNum type="arabicPeriod"/>
+            </a:pPr>
+            <a:r>
+              <a:rPr lang="en-US" sz="3600" dirty="0">
+                <a:solidFill>
+                  <a:srgbClr val="C00000"/>
+                </a:solidFill>
+                <a:latin typeface="Pragmatica" panose="020B0403040502020204"/>
+                <a:sym typeface="Consolas"/>
+              </a:rPr>
+              <a:t>Let’s automate an entire Excel workbook from Python… without opening Excel!</a:t>
+            </a:r>
+          </a:p>
+          <a:p>
+            <a:pPr marL="685800" indent="-542925">
+              <a:lnSpc>
+                <a:spcPct val="115000"/>
+              </a:lnSpc>
+              <a:spcBef>
+                <a:spcPts val="1125"/>
+              </a:spcBef>
+              <a:buClr>
+                <a:srgbClr val="C00000"/>
+              </a:buClr>
+              <a:buSzPts val="2100"/>
+              <a:buFont typeface="Arial"/>
+              <a:buAutoNum type="arabicPeriod"/>
+            </a:pPr>
+            <a:endParaRPr lang="en-US" sz="3600" dirty="0">
+              <a:solidFill>
+                <a:srgbClr val="C00000"/>
+              </a:solidFill>
+              <a:latin typeface="Pragmatica" panose="020B0403040502020204"/>
+              <a:sym typeface="Consolas"/>
+            </a:endParaRPr>
+          </a:p>
+          <a:p>
+            <a:pPr marL="142875">
+              <a:lnSpc>
+                <a:spcPct val="115000"/>
+              </a:lnSpc>
+              <a:spcBef>
+                <a:spcPts val="1125"/>
+              </a:spcBef>
+              <a:buClr>
+                <a:srgbClr val="C00000"/>
+              </a:buClr>
+              <a:buSzPts val="2100"/>
+            </a:pPr>
+            <a:r>
+              <a:rPr lang="en-US" sz="3600" dirty="0">
+                <a:solidFill>
+                  <a:srgbClr val="C00000"/>
+                </a:solidFill>
+                <a:latin typeface="Pragmatica" panose="020B0403040502020204"/>
+                <a:sym typeface="Consolas"/>
+              </a:rPr>
+              <a:t>File: </a:t>
+            </a:r>
+            <a:r>
+              <a:rPr lang="en-US" sz="3600" dirty="0" err="1">
+                <a:solidFill>
+                  <a:srgbClr val="C00000"/>
+                </a:solidFill>
+                <a:latin typeface="Consolas" panose="020B0609020204030204" pitchFamily="49" charset="0"/>
+                <a:sym typeface="Consolas"/>
+              </a:rPr>
+              <a:t>pae-pie.ipynb</a:t>
+            </a:r>
+            <a:endParaRPr lang="en-US" sz="6000" dirty="0">
+              <a:solidFill>
+                <a:srgbClr val="CF3338"/>
+              </a:solidFill>
+              <a:latin typeface="Consolas" panose="020B0609020204030204" pitchFamily="49" charset="0"/>
+            </a:endParaRPr>
+          </a:p>
+          <a:p>
+            <a:endParaRPr lang="en-US" sz="6000" dirty="0">
+              <a:solidFill>
+                <a:srgbClr val="CF3338"/>
+              </a:solidFill>
+              <a:latin typeface="Pragmatica" panose="020B0403040502020204" pitchFamily="34" charset="0"/>
+            </a:endParaRPr>
           </a:p>
         </p:txBody>
       </p:sp>
     </p:spTree>
     <p:extLst>
       <p:ext uri="{BB962C8B-B14F-4D97-AF65-F5344CB8AC3E}">
-        <p14:creationId xmlns:p14="http://schemas.microsoft.com/office/powerpoint/2010/main" val="1915421395"/>
+        <p14:creationId xmlns:p14="http://schemas.microsoft.com/office/powerpoint/2010/main" val="2938274525"/>
       </p:ext>
     </p:extLst>
   </p:cSld>
@@ -9233,7 +9906,7 @@
         <p:spPr>
           <a:xfrm>
             <a:off x="260431" y="329879"/>
-            <a:ext cx="8906720" cy="9596986"/>
+            <a:ext cx="8906720" cy="8313558"/>
           </a:xfrm>
           <a:prstGeom prst="rect">
             <a:avLst/>
@@ -9289,19 +9962,11 @@
                 </a:solidFill>
                 <a:latin typeface="Pragmatica" panose="020B0403040502020204" pitchFamily="34" charset="0"/>
               </a:rPr>
-              <a:t>Excel</a:t>
-            </a:r>
-          </a:p>
-          <a:p>
-            <a:endParaRPr lang="en-US" sz="4200" dirty="0">
-              <a:solidFill>
-                <a:srgbClr val="CF3338"/>
-              </a:solidFill>
-              <a:latin typeface="Pragmatica" panose="020B0403040502020204" pitchFamily="34" charset="0"/>
-            </a:endParaRPr>
-          </a:p>
-          <a:p>
-            <a:pPr marL="685800" indent="-542925">
+              <a:t>Excel EXERCISE</a:t>
+            </a:r>
+          </a:p>
+          <a:p>
+            <a:pPr marL="142875">
               <a:lnSpc>
                 <a:spcPct val="115000"/>
               </a:lnSpc>
@@ -9312,22 +9977,17 @@
                 <a:srgbClr val="C00000"/>
               </a:buClr>
               <a:buSzPts val="2100"/>
-              <a:buFont typeface="Arial"/>
-              <a:buAutoNum type="arabicPeriod"/>
             </a:pPr>
-            <a:r>
-              <a:rPr lang="en-US" sz="3600" dirty="0">
-                <a:solidFill>
-                  <a:srgbClr val="C00000"/>
-                </a:solidFill>
-                <a:latin typeface="Pragmatica" panose="020B0403040502020204"/>
-                <a:sym typeface="Consolas"/>
-              </a:rPr>
-              <a:t>Python in Excel is all about data analysis, visualization, statistics &amp; ML</a:t>
-            </a:r>
-          </a:p>
-          <a:p>
-            <a:pPr marL="685800" indent="-542925">
+            <a:endParaRPr lang="en-US" sz="3600" dirty="0">
+              <a:solidFill>
+                <a:srgbClr val="C00000"/>
+              </a:solidFill>
+              <a:latin typeface="Pragmatica" panose="020B0403040502020204"/>
+              <a:sym typeface="Consolas"/>
+            </a:endParaRPr>
+          </a:p>
+          <a:p>
+            <a:pPr marL="714375" indent="-571500">
               <a:lnSpc>
                 <a:spcPct val="115000"/>
               </a:lnSpc>
@@ -9338,8 +9998,8 @@
                 <a:srgbClr val="C00000"/>
               </a:buClr>
               <a:buSzPts val="2100"/>
-              <a:buFont typeface="Arial"/>
-              <a:buAutoNum type="arabicPeriod"/>
+              <a:buFont typeface="Arial" panose="020B0604020202020204" pitchFamily="34" charset="0"/>
+              <a:buChar char="•"/>
             </a:pPr>
             <a:r>
               <a:rPr lang="en-US" sz="3600" dirty="0">
@@ -9349,11 +10009,11 @@
                 <a:latin typeface="Pragmatica" panose="020B0403040502020204"/>
                 <a:sym typeface="Consolas"/>
               </a:rPr>
-              <a:t>It lacks Excel automation capabilities</a:t>
-            </a:r>
-          </a:p>
-          <a:p>
-            <a:pPr marL="685800" indent="-542925">
+              <a:t>Automate production of a workbook comparing website visitors versus rating</a:t>
+            </a:r>
+          </a:p>
+          <a:p>
+            <a:pPr marL="714375" indent="-571500">
               <a:lnSpc>
                 <a:spcPct val="115000"/>
               </a:lnSpc>
@@ -9364,8 +10024,8 @@
                 <a:srgbClr val="C00000"/>
               </a:buClr>
               <a:buSzPts val="2100"/>
-              <a:buFont typeface="Arial"/>
-              <a:buAutoNum type="arabicPeriod"/>
+              <a:buFont typeface="Arial" panose="020B0604020202020204" pitchFamily="34" charset="0"/>
+              <a:buChar char="•"/>
             </a:pPr>
             <a:r>
               <a:rPr lang="en-US" sz="3600" dirty="0">
@@ -9375,7 +10035,7 @@
                 <a:latin typeface="Pragmatica" panose="020B0403040502020204"/>
                 <a:sym typeface="Consolas"/>
               </a:rPr>
-              <a:t>Let’s automate an entire Excel workbook from Python… without opening Excel!</a:t>
+              <a:t>Fill in the blanks to create the script</a:t>
             </a:r>
           </a:p>
           <a:p>
@@ -9432,7 +10092,27 @@
                 <a:latin typeface="Consolas" panose="020B0609020204030204" pitchFamily="49" charset="0"/>
                 <a:sym typeface="Consolas"/>
               </a:rPr>
-              <a:t>pae-pie.ipynb</a:t>
+              <a:t>pae</a:t>
+            </a:r>
+            <a:r>
+              <a:rPr lang="en-US" sz="3600" dirty="0">
+                <a:solidFill>
+                  <a:srgbClr val="C00000"/>
+                </a:solidFill>
+                <a:latin typeface="Consolas" panose="020B0609020204030204" pitchFamily="49" charset="0"/>
+                <a:sym typeface="Consolas"/>
+              </a:rPr>
+              <a:t>-pie-</a:t>
+            </a:r>
+            <a:r>
+              <a:rPr lang="en-US" sz="3600" dirty="0" err="1">
+                <a:solidFill>
+                  <a:srgbClr val="C00000"/>
+                </a:solidFill>
+                <a:latin typeface="Consolas" panose="020B0609020204030204" pitchFamily="49" charset="0"/>
+                <a:sym typeface="Consolas"/>
+              </a:rPr>
+              <a:t>exercise.ipynb</a:t>
             </a:r>
             <a:endParaRPr lang="en-US" sz="6000" dirty="0">
               <a:solidFill>
@@ -9454,7 +10134,7 @@
     </p:spTree>
     <p:extLst>
       <p:ext uri="{BB962C8B-B14F-4D97-AF65-F5344CB8AC3E}">
-        <p14:creationId xmlns:p14="http://schemas.microsoft.com/office/powerpoint/2010/main" val="2938274525"/>
+        <p14:creationId xmlns:p14="http://schemas.microsoft.com/office/powerpoint/2010/main" val="2531284725"/>
       </p:ext>
     </p:extLst>
   </p:cSld>
@@ -9521,7 +10201,7 @@
         <p:spPr>
           <a:xfrm>
             <a:off x="520861" y="3191948"/>
-            <a:ext cx="14393120" cy="2031325"/>
+            <a:ext cx="14393120" cy="2677656"/>
           </a:xfrm>
           <a:prstGeom prst="rect">
             <a:avLst/>
@@ -9548,7 +10228,7 @@
                 </a:solidFill>
                 <a:latin typeface="Pragmatica" panose="020B0403040502020204" pitchFamily="34" charset="0"/>
               </a:rPr>
-              <a:t>Comfortably use formulas like SUMIFS and XLOOKUP</a:t>
+              <a:t>Use current AI-powered features in Excel for data entry, analysis and automation</a:t>
             </a:r>
           </a:p>
           <a:p>
@@ -9566,25 +10246,7 @@
                 </a:solidFill>
                 <a:latin typeface="Pragmatica" panose="020B0403040502020204" pitchFamily="34" charset="0"/>
               </a:rPr>
-              <a:t>Design and audit complex, nested formulas </a:t>
-            </a:r>
-          </a:p>
-          <a:p>
-            <a:pPr marL="685800" indent="-685800">
-              <a:buClr>
-                <a:srgbClr val="CF3338"/>
-              </a:buClr>
-              <a:buFont typeface="Arial" panose="020B0604020202020204" pitchFamily="34" charset="0"/>
-              <a:buChar char="•"/>
-            </a:pPr>
-            <a:r>
-              <a:rPr lang="en-US" sz="4200" dirty="0">
-                <a:solidFill>
-                  <a:srgbClr val="707070"/>
-                </a:solidFill>
-                <a:latin typeface="Pragmatica" panose="020B0403040502020204" pitchFamily="34" charset="0"/>
-              </a:rPr>
-              <a:t>Look up data in an instant</a:t>
+              <a:t>Augment and automate Excel analysis, visualization and reporting with Python </a:t>
             </a:r>
           </a:p>
         </p:txBody>
@@ -9639,345 +10301,6 @@
 </file>
 
 <file path=ppt/slides/slide30.xml><?xml version="1.0" encoding="utf-8"?>
-<p:sld xmlns:a="http://schemas.openxmlformats.org/drawingml/2006/main" xmlns:r="http://schemas.openxmlformats.org/officeDocument/2006/relationships" xmlns:p="http://schemas.openxmlformats.org/presentationml/2006/main">
-  <p:cSld>
-    <p:spTree>
-      <p:nvGrpSpPr>
-        <p:cNvPr id="1" name=""/>
-        <p:cNvGrpSpPr/>
-        <p:nvPr/>
-      </p:nvGrpSpPr>
-      <p:grpSpPr>
-        <a:xfrm>
-          <a:off x="0" y="0"/>
-          <a:ext cx="0" cy="0"/>
-          <a:chOff x="0" y="0"/>
-          <a:chExt cx="0" cy="0"/>
-        </a:xfrm>
-      </p:grpSpPr>
-      <p:sp>
-        <p:nvSpPr>
-          <p:cNvPr id="4" name="Rectangle 3"/>
-          <p:cNvSpPr/>
-          <p:nvPr/>
-        </p:nvSpPr>
-        <p:spPr>
-          <a:xfrm>
-            <a:off x="9861630" y="0"/>
-            <a:ext cx="8426370" cy="10287000"/>
-          </a:xfrm>
-          <a:prstGeom prst="rect">
-            <a:avLst/>
-          </a:prstGeom>
-          <a:solidFill>
-            <a:srgbClr val="CF3338"/>
-          </a:solidFill>
-          <a:ln>
-            <a:noFill/>
-          </a:ln>
-        </p:spPr>
-        <p:style>
-          <a:lnRef idx="2">
-            <a:schemeClr val="accent1">
-              <a:shade val="50000"/>
-            </a:schemeClr>
-          </a:lnRef>
-          <a:fillRef idx="1">
-            <a:schemeClr val="accent1"/>
-          </a:fillRef>
-          <a:effectRef idx="0">
-            <a:schemeClr val="accent1"/>
-          </a:effectRef>
-          <a:fontRef idx="minor">
-            <a:schemeClr val="lt1"/>
-          </a:fontRef>
-        </p:style>
-        <p:txBody>
-          <a:bodyPr rtlCol="0" anchor="ctr"/>
-          <a:lstStyle/>
-          <a:p>
-            <a:pPr algn="ctr"/>
-            <a:endParaRPr lang="en-US" sz="2700"/>
-          </a:p>
-        </p:txBody>
-      </p:sp>
-      <p:pic>
-        <p:nvPicPr>
-          <p:cNvPr id="2" name="Picture 1"/>
-          <p:cNvPicPr>
-            <a:picLocks noChangeAspect="1"/>
-          </p:cNvPicPr>
-          <p:nvPr/>
-        </p:nvPicPr>
-        <p:blipFill rotWithShape="1">
-          <a:blip r:embed="rId3">
-            <a:extLst>
-              <a:ext uri="{28A0092B-C50C-407E-A947-70E740481C1C}">
-                <a14:useLocalDpi xmlns:a14="http://schemas.microsoft.com/office/drawing/2010/main" val="0"/>
-              </a:ext>
-            </a:extLst>
-          </a:blip>
-          <a:srcRect l="69227" t="33418" r="20112" b="50548"/>
-          <a:stretch/>
-        </p:blipFill>
-        <p:spPr>
-          <a:xfrm>
-            <a:off x="15579524" y="7544693"/>
-            <a:ext cx="2708477" cy="2987579"/>
-          </a:xfrm>
-          <a:prstGeom prst="rect">
-            <a:avLst/>
-          </a:prstGeom>
-        </p:spPr>
-      </p:pic>
-      <p:sp>
-        <p:nvSpPr>
-          <p:cNvPr id="3" name="TextBox 2"/>
-          <p:cNvSpPr txBox="1"/>
-          <p:nvPr/>
-        </p:nvSpPr>
-        <p:spPr>
-          <a:xfrm>
-            <a:off x="260431" y="329879"/>
-            <a:ext cx="8906720" cy="8313558"/>
-          </a:xfrm>
-          <a:prstGeom prst="rect">
-            <a:avLst/>
-          </a:prstGeom>
-          <a:noFill/>
-        </p:spPr>
-        <p:txBody>
-          <a:bodyPr wrap="square" rtlCol="0">
-            <a:spAutoFit/>
-          </a:bodyPr>
-          <a:lstStyle/>
-          <a:p>
-            <a:r>
-              <a:rPr lang="en-US" sz="6000" b="1" dirty="0">
-                <a:solidFill>
-                  <a:srgbClr val="CF3338"/>
-                </a:solidFill>
-                <a:latin typeface="Pragmatica" panose="020B0403040502020204" pitchFamily="34" charset="0"/>
-              </a:rPr>
-              <a:t>There’s more to Python </a:t>
-            </a:r>
-            <a:r>
-              <a:rPr lang="en-US" sz="6000" b="1" i="1" dirty="0">
-                <a:solidFill>
-                  <a:srgbClr val="CF3338"/>
-                </a:solidFill>
-                <a:latin typeface="Pragmatica" panose="020B0403040502020204" pitchFamily="34" charset="0"/>
-              </a:rPr>
-              <a:t>and</a:t>
-            </a:r>
-            <a:r>
-              <a:rPr lang="en-US" sz="6000" b="1" dirty="0">
-                <a:solidFill>
-                  <a:srgbClr val="CF3338"/>
-                </a:solidFill>
-                <a:latin typeface="Pragmatica" panose="020B0403040502020204" pitchFamily="34" charset="0"/>
-              </a:rPr>
-              <a:t> Excel than Python </a:t>
-            </a:r>
-            <a:r>
-              <a:rPr lang="en-US" sz="6000" b="1" i="1" dirty="0">
-                <a:solidFill>
-                  <a:srgbClr val="CF3338"/>
-                </a:solidFill>
-                <a:latin typeface="Pragmatica" panose="020B0403040502020204" pitchFamily="34" charset="0"/>
-              </a:rPr>
-              <a:t>in </a:t>
-            </a:r>
-            <a:r>
-              <a:rPr lang="en-US" sz="6000" b="1" dirty="0">
-                <a:solidFill>
-                  <a:srgbClr val="CF3338"/>
-                </a:solidFill>
-                <a:latin typeface="Pragmatica" panose="020B0403040502020204" pitchFamily="34" charset="0"/>
-              </a:rPr>
-              <a:t>Excel EXERCISE</a:t>
-            </a:r>
-          </a:p>
-          <a:p>
-            <a:pPr marL="142875">
-              <a:lnSpc>
-                <a:spcPct val="115000"/>
-              </a:lnSpc>
-              <a:spcBef>
-                <a:spcPts val="1125"/>
-              </a:spcBef>
-              <a:buClr>
-                <a:srgbClr val="C00000"/>
-              </a:buClr>
-              <a:buSzPts val="2100"/>
-            </a:pPr>
-            <a:endParaRPr lang="en-US" sz="3600" dirty="0">
-              <a:solidFill>
-                <a:srgbClr val="C00000"/>
-              </a:solidFill>
-              <a:latin typeface="Pragmatica" panose="020B0403040502020204"/>
-              <a:sym typeface="Consolas"/>
-            </a:endParaRPr>
-          </a:p>
-          <a:p>
-            <a:pPr marL="714375" indent="-571500">
-              <a:lnSpc>
-                <a:spcPct val="115000"/>
-              </a:lnSpc>
-              <a:spcBef>
-                <a:spcPts val="1125"/>
-              </a:spcBef>
-              <a:buClr>
-                <a:srgbClr val="C00000"/>
-              </a:buClr>
-              <a:buSzPts val="2100"/>
-              <a:buFont typeface="Arial" panose="020B0604020202020204" pitchFamily="34" charset="0"/>
-              <a:buChar char="•"/>
-            </a:pPr>
-            <a:r>
-              <a:rPr lang="en-US" sz="3600" dirty="0">
-                <a:solidFill>
-                  <a:srgbClr val="C00000"/>
-                </a:solidFill>
-                <a:latin typeface="Pragmatica" panose="020B0403040502020204"/>
-                <a:sym typeface="Consolas"/>
-              </a:rPr>
-              <a:t>Automate production of a workbook comparing website visitors versus rating</a:t>
-            </a:r>
-          </a:p>
-          <a:p>
-            <a:pPr marL="714375" indent="-571500">
-              <a:lnSpc>
-                <a:spcPct val="115000"/>
-              </a:lnSpc>
-              <a:spcBef>
-                <a:spcPts val="1125"/>
-              </a:spcBef>
-              <a:buClr>
-                <a:srgbClr val="C00000"/>
-              </a:buClr>
-              <a:buSzPts val="2100"/>
-              <a:buFont typeface="Arial" panose="020B0604020202020204" pitchFamily="34" charset="0"/>
-              <a:buChar char="•"/>
-            </a:pPr>
-            <a:r>
-              <a:rPr lang="en-US" sz="3600" dirty="0">
-                <a:solidFill>
-                  <a:srgbClr val="C00000"/>
-                </a:solidFill>
-                <a:latin typeface="Pragmatica" panose="020B0403040502020204"/>
-                <a:sym typeface="Consolas"/>
-              </a:rPr>
-              <a:t>Fill in the blanks to create the script</a:t>
-            </a:r>
-          </a:p>
-          <a:p>
-            <a:pPr marL="685800" indent="-542925">
-              <a:lnSpc>
-                <a:spcPct val="115000"/>
-              </a:lnSpc>
-              <a:spcBef>
-                <a:spcPts val="1125"/>
-              </a:spcBef>
-              <a:buClr>
-                <a:srgbClr val="C00000"/>
-              </a:buClr>
-              <a:buSzPts val="2100"/>
-              <a:buFont typeface="Arial"/>
-              <a:buAutoNum type="arabicPeriod"/>
-            </a:pPr>
-            <a:endParaRPr lang="en-US" sz="3600" dirty="0">
-              <a:solidFill>
-                <a:srgbClr val="C00000"/>
-              </a:solidFill>
-              <a:latin typeface="Pragmatica" panose="020B0403040502020204"/>
-              <a:sym typeface="Consolas"/>
-            </a:endParaRPr>
-          </a:p>
-          <a:p>
-            <a:pPr marL="142875">
-              <a:lnSpc>
-                <a:spcPct val="115000"/>
-              </a:lnSpc>
-              <a:spcBef>
-                <a:spcPts val="1125"/>
-              </a:spcBef>
-              <a:buClr>
-                <a:srgbClr val="C00000"/>
-              </a:buClr>
-              <a:buSzPts val="2100"/>
-            </a:pPr>
-            <a:r>
-              <a:rPr lang="en-US" sz="3600" dirty="0">
-                <a:solidFill>
-                  <a:srgbClr val="C00000"/>
-                </a:solidFill>
-                <a:latin typeface="Pragmatica" panose="020B0403040502020204"/>
-                <a:sym typeface="Consolas"/>
-              </a:rPr>
-              <a:t>File: </a:t>
-            </a:r>
-            <a:r>
-              <a:rPr lang="en-US" sz="3600" dirty="0" err="1">
-                <a:solidFill>
-                  <a:srgbClr val="C00000"/>
-                </a:solidFill>
-                <a:latin typeface="Consolas" panose="020B0609020204030204" pitchFamily="49" charset="0"/>
-                <a:sym typeface="Consolas"/>
-              </a:rPr>
-              <a:t>pae</a:t>
-            </a:r>
-            <a:r>
-              <a:rPr lang="en-US" sz="3600" dirty="0">
-                <a:solidFill>
-                  <a:srgbClr val="C00000"/>
-                </a:solidFill>
-                <a:latin typeface="Consolas" panose="020B0609020204030204" pitchFamily="49" charset="0"/>
-                <a:sym typeface="Consolas"/>
-              </a:rPr>
-              <a:t>-pie-</a:t>
-            </a:r>
-            <a:r>
-              <a:rPr lang="en-US" sz="3600" dirty="0" err="1">
-                <a:solidFill>
-                  <a:srgbClr val="C00000"/>
-                </a:solidFill>
-                <a:latin typeface="Consolas" panose="020B0609020204030204" pitchFamily="49" charset="0"/>
-                <a:sym typeface="Consolas"/>
-              </a:rPr>
-              <a:t>exercise.ipynb</a:t>
-            </a:r>
-            <a:endParaRPr lang="en-US" sz="6000" dirty="0">
-              <a:solidFill>
-                <a:srgbClr val="CF3338"/>
-              </a:solidFill>
-              <a:latin typeface="Consolas" panose="020B0609020204030204" pitchFamily="49" charset="0"/>
-            </a:endParaRPr>
-          </a:p>
-          <a:p>
-            <a:endParaRPr lang="en-US" sz="6000" dirty="0">
-              <a:solidFill>
-                <a:srgbClr val="CF3338"/>
-              </a:solidFill>
-              <a:latin typeface="Pragmatica" panose="020B0403040502020204" pitchFamily="34" charset="0"/>
-            </a:endParaRPr>
-          </a:p>
-        </p:txBody>
-      </p:sp>
-    </p:spTree>
-    <p:extLst>
-      <p:ext uri="{BB962C8B-B14F-4D97-AF65-F5344CB8AC3E}">
-        <p14:creationId xmlns:p14="http://schemas.microsoft.com/office/powerpoint/2010/main" val="2531284725"/>
-      </p:ext>
-    </p:extLst>
-  </p:cSld>
-  <p:clrMapOvr>
-    <a:masterClrMapping/>
-  </p:clrMapOvr>
-</p:sld>
-</file>
-
-<file path=ppt/slides/slide31.xml><?xml version="1.0" encoding="utf-8"?>
 <p:sld xmlns:a="http://schemas.openxmlformats.org/drawingml/2006/main" xmlns:r="http://schemas.openxmlformats.org/officeDocument/2006/relationships" xmlns:p="http://schemas.openxmlformats.org/presentationml/2006/main">
   <p:cSld>
     <p:spTree>
@@ -10135,7 +10458,7 @@
 </p:sld>
 </file>
 
-<file path=ppt/slides/slide32.xml><?xml version="1.0" encoding="utf-8"?>
+<file path=ppt/slides/slide31.xml><?xml version="1.0" encoding="utf-8"?>
 <p:sld xmlns:a="http://schemas.openxmlformats.org/drawingml/2006/main" xmlns:r="http://schemas.openxmlformats.org/officeDocument/2006/relationships" xmlns:p="http://schemas.openxmlformats.org/presentationml/2006/main">
   <p:cSld>
     <p:spTree>
@@ -10361,7 +10684,7 @@
 </p:sld>
 </file>
 
-<file path=ppt/slides/slide33.xml><?xml version="1.0" encoding="utf-8"?>
+<file path=ppt/slides/slide32.xml><?xml version="1.0" encoding="utf-8"?>
 <p:sld xmlns:a="http://schemas.openxmlformats.org/drawingml/2006/main" xmlns:r="http://schemas.openxmlformats.org/officeDocument/2006/relationships" xmlns:p="http://schemas.openxmlformats.org/presentationml/2006/main">
   <p:cSld>
     <p:spTree>
@@ -10981,14 +11304,62 @@
       </p:grpSpPr>
       <p:sp>
         <p:nvSpPr>
-          <p:cNvPr id="11" name="TextBox 10"/>
+          <p:cNvPr id="4" name="Rectangle 3"/>
+          <p:cNvSpPr/>
+          <p:nvPr/>
+        </p:nvSpPr>
+        <p:spPr>
+          <a:xfrm>
+            <a:off x="0" y="0"/>
+            <a:ext cx="18288000" cy="10287000"/>
+          </a:xfrm>
+          <a:prstGeom prst="rect">
+            <a:avLst/>
+          </a:prstGeom>
+          <a:solidFill>
+            <a:schemeClr val="bg1">
+              <a:lumMod val="50000"/>
+            </a:schemeClr>
+          </a:solidFill>
+          <a:ln>
+            <a:noFill/>
+          </a:ln>
+        </p:spPr>
+        <p:style>
+          <a:lnRef idx="2">
+            <a:schemeClr val="accent1">
+              <a:shade val="50000"/>
+            </a:schemeClr>
+          </a:lnRef>
+          <a:fillRef idx="1">
+            <a:schemeClr val="accent1"/>
+          </a:fillRef>
+          <a:effectRef idx="0">
+            <a:schemeClr val="accent1"/>
+          </a:effectRef>
+          <a:fontRef idx="minor">
+            <a:schemeClr val="lt1"/>
+          </a:fontRef>
+        </p:style>
+        <p:txBody>
+          <a:bodyPr rtlCol="0" anchor="ctr"/>
+          <a:lstStyle/>
+          <a:p>
+            <a:pPr algn="ctr"/>
+            <a:endParaRPr lang="en-US" sz="2700"/>
+          </a:p>
+        </p:txBody>
+      </p:sp>
+      <p:sp>
+        <p:nvSpPr>
+          <p:cNvPr id="5" name="TextBox 4"/>
           <p:cNvSpPr txBox="1"/>
           <p:nvPr/>
         </p:nvSpPr>
         <p:spPr>
           <a:xfrm>
-            <a:off x="520860" y="170082"/>
-            <a:ext cx="14143158" cy="1477328"/>
+            <a:off x="781292" y="590309"/>
+            <a:ext cx="15486926" cy="1615827"/>
           </a:xfrm>
           <a:prstGeom prst="rect">
             <a:avLst/>
@@ -11002,167 +11373,21 @@
           <a:lstStyle/>
           <a:p>
             <a:r>
-              <a:rPr lang="en-US" sz="9000" dirty="0">
-                <a:latin typeface="Aliens &amp; cows" panose="00000500000000000000" pitchFamily="2" charset="0"/>
-              </a:rPr>
-              <a:t>Sections</a:t>
-            </a:r>
-          </a:p>
-        </p:txBody>
-      </p:sp>
-      <p:sp>
-        <p:nvSpPr>
-          <p:cNvPr id="3" name="TextBox 2"/>
-          <p:cNvSpPr txBox="1"/>
-          <p:nvPr/>
-        </p:nvSpPr>
-        <p:spPr>
-          <a:xfrm>
-            <a:off x="520861" y="3191948"/>
-            <a:ext cx="14393120" cy="3323987"/>
-          </a:xfrm>
-          <a:prstGeom prst="rect">
-            <a:avLst/>
-          </a:prstGeom>
-          <a:noFill/>
-        </p:spPr>
-        <p:txBody>
-          <a:bodyPr wrap="square" rtlCol="0">
-            <a:spAutoFit/>
-          </a:bodyPr>
-          <a:lstStyle/>
-          <a:p>
-            <a:pPr marL="771525" indent="-771525">
-              <a:buClr>
-                <a:srgbClr val="CF3338"/>
-              </a:buClr>
-              <a:buFont typeface="+mj-lt"/>
-              <a:buAutoNum type="arabicPeriod"/>
-            </a:pPr>
-            <a:r>
-              <a:rPr lang="en-US" sz="4200" dirty="0">
-                <a:solidFill>
-                  <a:srgbClr val="707070"/>
-                </a:solidFill>
-                <a:latin typeface="Pragmatica" panose="020B0403040502020204" pitchFamily="34" charset="0"/>
-              </a:rPr>
-              <a:t>Basics of formulas and functions</a:t>
-            </a:r>
-          </a:p>
-          <a:p>
-            <a:pPr marL="771525" indent="-771525">
-              <a:buClr>
-                <a:srgbClr val="CF3338"/>
-              </a:buClr>
-              <a:buFont typeface="+mj-lt"/>
-              <a:buAutoNum type="arabicPeriod"/>
-            </a:pPr>
-            <a:r>
-              <a:rPr lang="en-US" sz="4200" dirty="0">
-                <a:solidFill>
-                  <a:srgbClr val="707070"/>
-                </a:solidFill>
-                <a:latin typeface="Pragmatica" panose="020B0403040502020204" pitchFamily="34" charset="0"/>
-              </a:rPr>
-              <a:t>Formula design &amp; audit</a:t>
-            </a:r>
-          </a:p>
-          <a:p>
-            <a:pPr marL="771525" indent="-771525">
-              <a:buClr>
-                <a:srgbClr val="CF3338"/>
-              </a:buClr>
-              <a:buFont typeface="+mj-lt"/>
-              <a:buAutoNum type="arabicPeriod"/>
-            </a:pPr>
-            <a:r>
-              <a:rPr lang="en-US" sz="4200" dirty="0">
-                <a:solidFill>
-                  <a:srgbClr val="707070"/>
-                </a:solidFill>
-                <a:latin typeface="Pragmatica" panose="020B0403040502020204" pitchFamily="34" charset="0"/>
-              </a:rPr>
-              <a:t>Conditional logic &amp; formulas</a:t>
-            </a:r>
-          </a:p>
-          <a:p>
-            <a:pPr marL="771525" indent="-771525">
-              <a:buClr>
-                <a:srgbClr val="CF3338"/>
-              </a:buClr>
-              <a:buFont typeface="+mj-lt"/>
-              <a:buAutoNum type="arabicPeriod"/>
-            </a:pPr>
-            <a:r>
-              <a:rPr lang="en-US" sz="4200" dirty="0">
-                <a:solidFill>
-                  <a:srgbClr val="707070"/>
-                </a:solidFill>
-                <a:latin typeface="Pragmatica" panose="020B0403040502020204" pitchFamily="34" charset="0"/>
-              </a:rPr>
-              <a:t>Dynamic arrays</a:t>
-            </a:r>
-          </a:p>
-          <a:p>
-            <a:pPr marL="771525" indent="-771525">
-              <a:buClr>
-                <a:srgbClr val="CF3338"/>
-              </a:buClr>
-              <a:buFont typeface="+mj-lt"/>
-              <a:buAutoNum type="arabicPeriod"/>
-            </a:pPr>
-            <a:r>
-              <a:rPr lang="en-US" sz="4200" dirty="0">
-                <a:solidFill>
-                  <a:srgbClr val="707070"/>
-                </a:solidFill>
-                <a:latin typeface="Pragmatica" panose="020B0403040502020204" pitchFamily="34" charset="0"/>
-              </a:rPr>
-              <a:t>LET(), LAMBDA() and the future of Excel</a:t>
-            </a:r>
-          </a:p>
-        </p:txBody>
-      </p:sp>
-      <p:pic>
-        <p:nvPicPr>
-          <p:cNvPr id="15" name="Picture 14" descr="A close up of a sign&#10;&#10;Description automatically generated">
-            <a:extLst>
-              <a:ext uri="{FF2B5EF4-FFF2-40B4-BE49-F238E27FC236}">
-                <a16:creationId xmlns:a16="http://schemas.microsoft.com/office/drawing/2014/main" id="{29761B90-A7DE-4A60-A915-F085BD87CAB4}"/>
-              </a:ext>
-            </a:extLst>
-          </p:cNvPr>
-          <p:cNvPicPr>
-            <a:picLocks noChangeAspect="1"/>
-          </p:cNvPicPr>
-          <p:nvPr/>
-        </p:nvPicPr>
-        <p:blipFill>
-          <a:blip r:embed="rId2">
-            <a:extLst>
-              <a:ext uri="{28A0092B-C50C-407E-A947-70E740481C1C}">
-                <a14:useLocalDpi xmlns:a14="http://schemas.microsoft.com/office/drawing/2010/main" val="0"/>
-              </a:ext>
-            </a:extLst>
-          </a:blip>
-          <a:stretch>
-            <a:fillRect/>
-          </a:stretch>
-        </p:blipFill>
-        <p:spPr>
-          <a:xfrm>
-            <a:off x="16341036" y="8058429"/>
-            <a:ext cx="1942857" cy="2228571"/>
-          </a:xfrm>
-          <a:prstGeom prst="rect">
-            <a:avLst/>
-          </a:prstGeom>
-        </p:spPr>
-      </p:pic>
+              <a:rPr lang="en-US" sz="9900" b="1" dirty="0">
+                <a:solidFill>
+                  <a:schemeClr val="bg1"/>
+                </a:solidFill>
+                <a:latin typeface="Normafixed Tryout" panose="00000409000000000000"/>
+              </a:rPr>
+              <a:t>AI-Powered Excel</a:t>
+            </a:r>
+          </a:p>
+        </p:txBody>
+      </p:sp>
     </p:spTree>
     <p:extLst>
       <p:ext uri="{BB962C8B-B14F-4D97-AF65-F5344CB8AC3E}">
-        <p14:creationId xmlns:p14="http://schemas.microsoft.com/office/powerpoint/2010/main" val="4274752830"/>
+        <p14:creationId xmlns:p14="http://schemas.microsoft.com/office/powerpoint/2010/main" val="4027644425"/>
       </p:ext>
     </p:extLst>
   </p:cSld>
@@ -11191,14 +11416,60 @@
       </p:grpSpPr>
       <p:sp>
         <p:nvSpPr>
-          <p:cNvPr id="11" name="TextBox 10"/>
+          <p:cNvPr id="4" name="Rectangle 3"/>
+          <p:cNvSpPr/>
+          <p:nvPr/>
+        </p:nvSpPr>
+        <p:spPr>
+          <a:xfrm>
+            <a:off x="0" y="0"/>
+            <a:ext cx="18288000" cy="10287000"/>
+          </a:xfrm>
+          <a:prstGeom prst="rect">
+            <a:avLst/>
+          </a:prstGeom>
+          <a:solidFill>
+            <a:srgbClr val="CF3338"/>
+          </a:solidFill>
+          <a:ln>
+            <a:noFill/>
+          </a:ln>
+        </p:spPr>
+        <p:style>
+          <a:lnRef idx="2">
+            <a:schemeClr val="accent1">
+              <a:shade val="50000"/>
+            </a:schemeClr>
+          </a:lnRef>
+          <a:fillRef idx="1">
+            <a:schemeClr val="accent1"/>
+          </a:fillRef>
+          <a:effectRef idx="0">
+            <a:schemeClr val="accent1"/>
+          </a:effectRef>
+          <a:fontRef idx="minor">
+            <a:schemeClr val="lt1"/>
+          </a:fontRef>
+        </p:style>
+        <p:txBody>
+          <a:bodyPr rtlCol="0" anchor="ctr"/>
+          <a:lstStyle/>
+          <a:p>
+            <a:pPr algn="ctr"/>
+            <a:endParaRPr lang="en-US" sz="2700"/>
+          </a:p>
+        </p:txBody>
+      </p:sp>
+      <p:sp>
+        <p:nvSpPr>
+          <p:cNvPr id="5" name="TextBox 4"/>
           <p:cNvSpPr txBox="1"/>
           <p:nvPr/>
         </p:nvSpPr>
         <p:spPr>
           <a:xfrm>
-            <a:off x="520861" y="170082"/>
-            <a:ext cx="11979797" cy="1477328"/>
+            <a:off x="781292" y="590309"/>
+            <a:ext cx="15486926" cy="3139321"/>
           </a:xfrm>
           <a:prstGeom prst="rect">
             <a:avLst/>
@@ -11212,131 +11483,21 @@
           <a:lstStyle/>
           <a:p>
             <a:r>
-              <a:rPr lang="en-US" sz="9000" dirty="0">
-                <a:latin typeface="Aliens &amp; cows" panose="00000500000000000000" pitchFamily="2" charset="0"/>
-              </a:rPr>
-              <a:t>Following along</a:t>
-            </a:r>
-          </a:p>
-        </p:txBody>
-      </p:sp>
-      <p:sp>
-        <p:nvSpPr>
-          <p:cNvPr id="3" name="TextBox 2"/>
-          <p:cNvSpPr txBox="1"/>
-          <p:nvPr/>
-        </p:nvSpPr>
-        <p:spPr>
-          <a:xfrm>
-            <a:off x="520861" y="3191948"/>
-            <a:ext cx="14393120" cy="2031325"/>
-          </a:xfrm>
-          <a:prstGeom prst="rect">
-            <a:avLst/>
-          </a:prstGeom>
-          <a:noFill/>
-        </p:spPr>
-        <p:txBody>
-          <a:bodyPr wrap="square" rtlCol="0">
-            <a:spAutoFit/>
-          </a:bodyPr>
-          <a:lstStyle/>
-          <a:p>
-            <a:pPr marL="685800" indent="-685800">
-              <a:buClr>
-                <a:srgbClr val="CF3338"/>
-              </a:buClr>
-              <a:buFont typeface="Arial" panose="020B0604020202020204" pitchFamily="34" charset="0"/>
-              <a:buChar char="•"/>
-            </a:pPr>
-            <a:r>
-              <a:rPr lang="en-US" sz="4200" dirty="0">
-                <a:solidFill>
-                  <a:srgbClr val="707070"/>
-                </a:solidFill>
-                <a:latin typeface="Pragmatica" panose="020B0403040502020204" pitchFamily="34" charset="0"/>
-              </a:rPr>
-              <a:t>Each section is a workbook</a:t>
-            </a:r>
-          </a:p>
-          <a:p>
-            <a:pPr marL="685800" indent="-685800">
-              <a:buClr>
-                <a:srgbClr val="CF3338"/>
-              </a:buClr>
-              <a:buFont typeface="Arial" panose="020B0604020202020204" pitchFamily="34" charset="0"/>
-              <a:buChar char="•"/>
-            </a:pPr>
-            <a:r>
-              <a:rPr lang="en-US" sz="4200" dirty="0">
-                <a:solidFill>
-                  <a:srgbClr val="707070"/>
-                </a:solidFill>
-                <a:latin typeface="Pragmatica" panose="020B0403040502020204" pitchFamily="34" charset="0"/>
-              </a:rPr>
-              <a:t>Solutions in separate workbooks</a:t>
-            </a:r>
-          </a:p>
-          <a:p>
-            <a:pPr marL="685800" indent="-685800">
-              <a:buClr>
-                <a:srgbClr val="CF3338"/>
-              </a:buClr>
-              <a:buFont typeface="Arial" panose="020B0604020202020204" pitchFamily="34" charset="0"/>
-              <a:buChar char="•"/>
-            </a:pPr>
-            <a:r>
-              <a:rPr lang="en-US" sz="4200" dirty="0">
-                <a:solidFill>
-                  <a:srgbClr val="707070"/>
-                </a:solidFill>
-                <a:latin typeface="Pragmatica" panose="020B0403040502020204" pitchFamily="34" charset="0"/>
-              </a:rPr>
-              <a:t>Follow along with demo notes</a:t>
-            </a:r>
-          </a:p>
-        </p:txBody>
-      </p:sp>
-      <p:pic>
-        <p:nvPicPr>
-          <p:cNvPr id="15" name="Picture 14" descr="A close up of a sign&#10;&#10;Description automatically generated">
-            <a:extLst>
-              <a:ext uri="{FF2B5EF4-FFF2-40B4-BE49-F238E27FC236}">
-                <a16:creationId xmlns:a16="http://schemas.microsoft.com/office/drawing/2014/main" id="{29761B90-A7DE-4A60-A915-F085BD87CAB4}"/>
-              </a:ext>
-            </a:extLst>
-          </p:cNvPr>
-          <p:cNvPicPr>
-            <a:picLocks noChangeAspect="1"/>
-          </p:cNvPicPr>
-          <p:nvPr/>
-        </p:nvPicPr>
-        <p:blipFill>
-          <a:blip r:embed="rId2">
-            <a:extLst>
-              <a:ext uri="{28A0092B-C50C-407E-A947-70E740481C1C}">
-                <a14:useLocalDpi xmlns:a14="http://schemas.microsoft.com/office/drawing/2010/main" val="0"/>
-              </a:ext>
-            </a:extLst>
-          </a:blip>
-          <a:stretch>
-            <a:fillRect/>
-          </a:stretch>
-        </p:blipFill>
-        <p:spPr>
-          <a:xfrm>
-            <a:off x="16341036" y="8058429"/>
-            <a:ext cx="1942857" cy="2228571"/>
-          </a:xfrm>
-          <a:prstGeom prst="rect">
-            <a:avLst/>
-          </a:prstGeom>
-        </p:spPr>
-      </p:pic>
+              <a:rPr lang="en-US" sz="9900" b="1" dirty="0">
+                <a:solidFill>
+                  <a:schemeClr val="bg1"/>
+                </a:solidFill>
+                <a:latin typeface="Normafixed Tryout" panose="00000409000000000000" pitchFamily="49" charset="0"/>
+              </a:rPr>
+              <a:t>1. AI-Powered Data Manipulation</a:t>
+            </a:r>
+          </a:p>
+        </p:txBody>
+      </p:sp>
     </p:spTree>
     <p:extLst>
       <p:ext uri="{BB962C8B-B14F-4D97-AF65-F5344CB8AC3E}">
-        <p14:creationId xmlns:p14="http://schemas.microsoft.com/office/powerpoint/2010/main" val="2731138700"/>
+        <p14:creationId xmlns:p14="http://schemas.microsoft.com/office/powerpoint/2010/main" val="499476257"/>
       </p:ext>
     </p:extLst>
   </p:cSld>
@@ -11371,16 +11532,14 @@
         </p:nvSpPr>
         <p:spPr>
           <a:xfrm>
-            <a:off x="0" y="0"/>
-            <a:ext cx="18288000" cy="10287000"/>
+            <a:off x="9861630" y="0"/>
+            <a:ext cx="8426370" cy="10287000"/>
           </a:xfrm>
           <a:prstGeom prst="rect">
             <a:avLst/>
           </a:prstGeom>
           <a:solidFill>
-            <a:schemeClr val="bg1">
-              <a:lumMod val="50000"/>
-            </a:schemeClr>
+            <a:srgbClr val="CF3338"/>
           </a:solidFill>
           <a:ln>
             <a:noFill/>
@@ -11411,16 +11570,45 @@
           </a:p>
         </p:txBody>
       </p:sp>
-      <p:sp>
-        <p:nvSpPr>
-          <p:cNvPr id="5" name="TextBox 4"/>
+      <p:pic>
+        <p:nvPicPr>
+          <p:cNvPr id="2" name="Picture 1"/>
+          <p:cNvPicPr>
+            <a:picLocks noChangeAspect="1"/>
+          </p:cNvPicPr>
+          <p:nvPr/>
+        </p:nvPicPr>
+        <p:blipFill rotWithShape="1">
+          <a:blip r:embed="rId3">
+            <a:extLst>
+              <a:ext uri="{28A0092B-C50C-407E-A947-70E740481C1C}">
+                <a14:useLocalDpi xmlns:a14="http://schemas.microsoft.com/office/drawing/2010/main" val="0"/>
+              </a:ext>
+            </a:extLst>
+          </a:blip>
+          <a:srcRect l="69227" t="33418" r="20112" b="50548"/>
+          <a:stretch/>
+        </p:blipFill>
+        <p:spPr>
+          <a:xfrm>
+            <a:off x="15579524" y="7544693"/>
+            <a:ext cx="2708477" cy="2987579"/>
+          </a:xfrm>
+          <a:prstGeom prst="rect">
+            <a:avLst/>
+          </a:prstGeom>
+        </p:spPr>
+      </p:pic>
+      <p:sp>
+        <p:nvSpPr>
+          <p:cNvPr id="3" name="TextBox 2"/>
           <p:cNvSpPr txBox="1"/>
           <p:nvPr/>
         </p:nvSpPr>
         <p:spPr>
           <a:xfrm>
-            <a:off x="781292" y="590309"/>
-            <a:ext cx="15486926" cy="1615827"/>
+            <a:off x="260431" y="329879"/>
+            <a:ext cx="8906720" cy="10088916"/>
           </a:xfrm>
           <a:prstGeom prst="rect">
             <a:avLst/>
@@ -11434,21 +11622,204 @@
           <a:lstStyle/>
           <a:p>
             <a:r>
-              <a:rPr lang="en-US" sz="9900" b="1" dirty="0">
-                <a:solidFill>
-                  <a:schemeClr val="bg1"/>
-                </a:solidFill>
-                <a:latin typeface="Normafixed Tryout" panose="00000409000000000000"/>
-              </a:rPr>
-              <a:t>AI-Powered Excel</a:t>
-            </a:r>
+              <a:rPr lang="en-US" sz="6000" b="1" dirty="0">
+                <a:solidFill>
+                  <a:srgbClr val="CF3338"/>
+                </a:solidFill>
+                <a:latin typeface="Pragmatica" panose="020B0403040502020204" pitchFamily="34" charset="0"/>
+              </a:rPr>
+              <a:t>AI-powered data manipulation</a:t>
+            </a:r>
+          </a:p>
+          <a:p>
+            <a:endParaRPr lang="en-US" sz="4200" dirty="0">
+              <a:solidFill>
+                <a:srgbClr val="CF3338"/>
+              </a:solidFill>
+              <a:latin typeface="Pragmatica" panose="020B0403040502020204" pitchFamily="34" charset="0"/>
+            </a:endParaRPr>
+          </a:p>
+          <a:p>
+            <a:pPr marL="685800" indent="-542925">
+              <a:lnSpc>
+                <a:spcPct val="115000"/>
+              </a:lnSpc>
+              <a:spcBef>
+                <a:spcPts val="1125"/>
+              </a:spcBef>
+              <a:buClr>
+                <a:srgbClr val="C00000"/>
+              </a:buClr>
+              <a:buSzPts val="2100"/>
+              <a:buFont typeface="Arial"/>
+              <a:buAutoNum type="arabicPeriod"/>
+            </a:pPr>
+            <a:r>
+              <a:rPr lang="en-US" sz="3600" dirty="0">
+                <a:solidFill>
+                  <a:srgbClr val="C00000"/>
+                </a:solidFill>
+                <a:latin typeface="Pragmatica" panose="020B0403040502020204"/>
+                <a:sym typeface="Consolas"/>
+              </a:rPr>
+              <a:t>Automating data entry with Flash Fill</a:t>
+            </a:r>
+          </a:p>
+          <a:p>
+            <a:pPr marL="685800" indent="-542925">
+              <a:lnSpc>
+                <a:spcPct val="115000"/>
+              </a:lnSpc>
+              <a:spcBef>
+                <a:spcPts val="1125"/>
+              </a:spcBef>
+              <a:buClr>
+                <a:srgbClr val="C00000"/>
+              </a:buClr>
+              <a:buSzPts val="2100"/>
+              <a:buFont typeface="Arial"/>
+              <a:buAutoNum type="arabicPeriod"/>
+            </a:pPr>
+            <a:r>
+              <a:rPr lang="en-US" sz="3600" dirty="0">
+                <a:solidFill>
+                  <a:srgbClr val="C00000"/>
+                </a:solidFill>
+                <a:latin typeface="Pragmatica" panose="020B0403040502020204"/>
+                <a:sym typeface="Consolas"/>
+              </a:rPr>
+              <a:t>Creating a Column by Example in Power Query</a:t>
+            </a:r>
+          </a:p>
+          <a:p>
+            <a:pPr marL="685800" indent="-542925">
+              <a:lnSpc>
+                <a:spcPct val="115000"/>
+              </a:lnSpc>
+              <a:spcBef>
+                <a:spcPts val="1125"/>
+              </a:spcBef>
+              <a:buClr>
+                <a:srgbClr val="C00000"/>
+              </a:buClr>
+              <a:buSzPts val="2100"/>
+              <a:buFont typeface="Arial"/>
+              <a:buAutoNum type="arabicPeriod"/>
+            </a:pPr>
+            <a:r>
+              <a:rPr lang="en-US" sz="3600" dirty="0">
+                <a:solidFill>
+                  <a:srgbClr val="C00000"/>
+                </a:solidFill>
+                <a:latin typeface="Pragmatica" panose="020B0403040502020204"/>
+                <a:sym typeface="Consolas"/>
+              </a:rPr>
+              <a:t>Creating a Formula by Example in Excel Online</a:t>
+            </a:r>
+          </a:p>
+          <a:p>
+            <a:pPr marL="685800" indent="-542925">
+              <a:lnSpc>
+                <a:spcPct val="115000"/>
+              </a:lnSpc>
+              <a:spcBef>
+                <a:spcPts val="1125"/>
+              </a:spcBef>
+              <a:buClr>
+                <a:srgbClr val="C00000"/>
+              </a:buClr>
+              <a:buSzPts val="2100"/>
+              <a:buFont typeface="Arial"/>
+              <a:buAutoNum type="arabicPeriod"/>
+            </a:pPr>
+            <a:r>
+              <a:rPr lang="en-US" sz="3600" dirty="0">
+                <a:solidFill>
+                  <a:srgbClr val="C00000"/>
+                </a:solidFill>
+                <a:latin typeface="Pragmatica" panose="020B0403040502020204"/>
+                <a:sym typeface="Consolas"/>
+              </a:rPr>
+              <a:t>Joining tables with Fuzzy Matching</a:t>
+            </a:r>
+          </a:p>
+          <a:p>
+            <a:pPr marL="685800" indent="-542925">
+              <a:lnSpc>
+                <a:spcPct val="115000"/>
+              </a:lnSpc>
+              <a:spcBef>
+                <a:spcPts val="1125"/>
+              </a:spcBef>
+              <a:buClr>
+                <a:srgbClr val="C00000"/>
+              </a:buClr>
+              <a:buSzPts val="2100"/>
+              <a:buFont typeface="Arial"/>
+              <a:buAutoNum type="arabicPeriod"/>
+            </a:pPr>
+            <a:endParaRPr lang="en-US" sz="3600" dirty="0">
+              <a:solidFill>
+                <a:srgbClr val="C00000"/>
+              </a:solidFill>
+              <a:latin typeface="Pragmatica" panose="020B0403040502020204"/>
+              <a:sym typeface="Consolas"/>
+            </a:endParaRPr>
+          </a:p>
+          <a:p>
+            <a:pPr marL="142875">
+              <a:lnSpc>
+                <a:spcPct val="115000"/>
+              </a:lnSpc>
+              <a:spcBef>
+                <a:spcPts val="1125"/>
+              </a:spcBef>
+              <a:buClr>
+                <a:srgbClr val="C00000"/>
+              </a:buClr>
+              <a:buSzPts val="2100"/>
+            </a:pPr>
+            <a:r>
+              <a:rPr lang="en-US" sz="3600" dirty="0">
+                <a:solidFill>
+                  <a:srgbClr val="C00000"/>
+                </a:solidFill>
+                <a:latin typeface="Pragmatica" panose="020B0403040502020204"/>
+                <a:sym typeface="Consolas"/>
+              </a:rPr>
+              <a:t>File: </a:t>
+            </a:r>
+            <a:r>
+              <a:rPr lang="en-US" sz="3600" dirty="0">
+                <a:solidFill>
+                  <a:srgbClr val="C00000"/>
+                </a:solidFill>
+                <a:latin typeface="Consolas" panose="020B0609020204030204" pitchFamily="49" charset="0"/>
+                <a:sym typeface="Consolas"/>
+              </a:rPr>
+              <a:t>ai-powered-data-manipulation.xlsx</a:t>
+            </a:r>
+            <a:endParaRPr lang="en-US" sz="6000" dirty="0">
+              <a:solidFill>
+                <a:srgbClr val="CF3338"/>
+              </a:solidFill>
+              <a:latin typeface="Consolas" panose="020B0609020204030204" pitchFamily="49" charset="0"/>
+            </a:endParaRPr>
+          </a:p>
+          <a:p>
+            <a:endParaRPr lang="en-US" sz="6000" dirty="0">
+              <a:solidFill>
+                <a:srgbClr val="CF3338"/>
+              </a:solidFill>
+              <a:latin typeface="Pragmatica" panose="020B0403040502020204" pitchFamily="34" charset="0"/>
+            </a:endParaRPr>
           </a:p>
         </p:txBody>
       </p:sp>
     </p:spTree>
     <p:extLst>
       <p:ext uri="{BB962C8B-B14F-4D97-AF65-F5344CB8AC3E}">
-        <p14:creationId xmlns:p14="http://schemas.microsoft.com/office/powerpoint/2010/main" val="4027644425"/>
+        <p14:creationId xmlns:p14="http://schemas.microsoft.com/office/powerpoint/2010/main" val="2797489597"/>
       </p:ext>
     </p:extLst>
   </p:cSld>
@@ -11483,8 +11854,8 @@
         </p:nvSpPr>
         <p:spPr>
           <a:xfrm>
-            <a:off x="0" y="0"/>
-            <a:ext cx="18288000" cy="10287000"/>
+            <a:off x="9861630" y="0"/>
+            <a:ext cx="8426370" cy="10287000"/>
           </a:xfrm>
           <a:prstGeom prst="rect">
             <a:avLst/>
@@ -11521,16 +11892,45 @@
           </a:p>
         </p:txBody>
       </p:sp>
-      <p:sp>
-        <p:nvSpPr>
-          <p:cNvPr id="5" name="TextBox 4"/>
+      <p:pic>
+        <p:nvPicPr>
+          <p:cNvPr id="2" name="Picture 1"/>
+          <p:cNvPicPr>
+            <a:picLocks noChangeAspect="1"/>
+          </p:cNvPicPr>
+          <p:nvPr/>
+        </p:nvPicPr>
+        <p:blipFill rotWithShape="1">
+          <a:blip r:embed="rId3">
+            <a:extLst>
+              <a:ext uri="{28A0092B-C50C-407E-A947-70E740481C1C}">
+                <a14:useLocalDpi xmlns:a14="http://schemas.microsoft.com/office/drawing/2010/main" val="0"/>
+              </a:ext>
+            </a:extLst>
+          </a:blip>
+          <a:srcRect l="69227" t="33418" r="20112" b="50548"/>
+          <a:stretch/>
+        </p:blipFill>
+        <p:spPr>
+          <a:xfrm>
+            <a:off x="15579524" y="7544693"/>
+            <a:ext cx="2708477" cy="2987579"/>
+          </a:xfrm>
+          <a:prstGeom prst="rect">
+            <a:avLst/>
+          </a:prstGeom>
+        </p:spPr>
+      </p:pic>
+      <p:sp>
+        <p:nvSpPr>
+          <p:cNvPr id="3" name="TextBox 2"/>
           <p:cNvSpPr txBox="1"/>
           <p:nvPr/>
         </p:nvSpPr>
         <p:spPr>
           <a:xfrm>
-            <a:off x="781292" y="590309"/>
-            <a:ext cx="15486926" cy="3139321"/>
+            <a:off x="260431" y="329879"/>
+            <a:ext cx="8906720" cy="10726013"/>
           </a:xfrm>
           <a:prstGeom prst="rect">
             <a:avLst/>
@@ -11544,21 +11944,257 @@
           <a:lstStyle/>
           <a:p>
             <a:r>
-              <a:rPr lang="en-US" sz="9900" b="1" dirty="0">
-                <a:solidFill>
-                  <a:schemeClr val="bg1"/>
-                </a:solidFill>
-                <a:latin typeface="Normafixed Tryout" panose="00000409000000000000" pitchFamily="49" charset="0"/>
-              </a:rPr>
-              <a:t>1. AI-Powered Data Manipulation</a:t>
-            </a:r>
+              <a:rPr lang="en-US" sz="6000" b="1" dirty="0">
+                <a:solidFill>
+                  <a:srgbClr val="CF3338"/>
+                </a:solidFill>
+                <a:latin typeface="Pragmatica" panose="020B0403040502020204" pitchFamily="34" charset="0"/>
+              </a:rPr>
+              <a:t>AI-powered data manipulation EXERCISE</a:t>
+            </a:r>
+          </a:p>
+          <a:p>
+            <a:endParaRPr lang="en-US" sz="4200" dirty="0">
+              <a:solidFill>
+                <a:srgbClr val="CF3338"/>
+              </a:solidFill>
+              <a:latin typeface="Pragmatica" panose="020B0403040502020204" pitchFamily="34" charset="0"/>
+            </a:endParaRPr>
+          </a:p>
+          <a:p>
+            <a:pPr marL="142875">
+              <a:lnSpc>
+                <a:spcPct val="115000"/>
+              </a:lnSpc>
+              <a:spcBef>
+                <a:spcPts val="1125"/>
+              </a:spcBef>
+              <a:buClr>
+                <a:srgbClr val="C00000"/>
+              </a:buClr>
+              <a:buSzPts val="2100"/>
+            </a:pPr>
+            <a:r>
+              <a:rPr lang="en-US" sz="3600" dirty="0">
+                <a:solidFill>
+                  <a:srgbClr val="C00000"/>
+                </a:solidFill>
+                <a:latin typeface="Pragmatica" panose="020B0403040502020204"/>
+                <a:sym typeface="Consolas"/>
+              </a:rPr>
+              <a:t>Using either Flash Fill </a:t>
+            </a:r>
+            <a:r>
+              <a:rPr lang="en-US" sz="3600" i="1" dirty="0">
+                <a:solidFill>
+                  <a:srgbClr val="C00000"/>
+                </a:solidFill>
+                <a:latin typeface="Pragmatica" panose="020B0403040502020204"/>
+                <a:sym typeface="Consolas"/>
+              </a:rPr>
+              <a:t>or </a:t>
+            </a:r>
+            <a:r>
+              <a:rPr lang="en-US" sz="3600" dirty="0">
+                <a:solidFill>
+                  <a:srgbClr val="C00000"/>
+                </a:solidFill>
+                <a:latin typeface="Pragmatica" panose="020B0403040502020204"/>
+                <a:sym typeface="Consolas"/>
+              </a:rPr>
+              <a:t>Column from Example:</a:t>
+            </a:r>
+          </a:p>
+          <a:p>
+            <a:pPr marL="142875">
+              <a:lnSpc>
+                <a:spcPct val="115000"/>
+              </a:lnSpc>
+              <a:spcBef>
+                <a:spcPts val="1125"/>
+              </a:spcBef>
+              <a:buClr>
+                <a:srgbClr val="C00000"/>
+              </a:buClr>
+              <a:buSzPts val="2100"/>
+            </a:pPr>
+            <a:endParaRPr lang="en-US" sz="3600" dirty="0">
+              <a:solidFill>
+                <a:srgbClr val="C00000"/>
+              </a:solidFill>
+              <a:latin typeface="Pragmatica" panose="020B0403040502020204"/>
+              <a:sym typeface="Consolas"/>
+            </a:endParaRPr>
+          </a:p>
+          <a:p>
+            <a:pPr marL="714375" indent="-571500">
+              <a:lnSpc>
+                <a:spcPct val="115000"/>
+              </a:lnSpc>
+              <a:spcBef>
+                <a:spcPts val="1125"/>
+              </a:spcBef>
+              <a:buClr>
+                <a:srgbClr val="C00000"/>
+              </a:buClr>
+              <a:buSzPts val="2100"/>
+              <a:buFont typeface="Arial" panose="020B0604020202020204" pitchFamily="34" charset="0"/>
+              <a:buChar char="•"/>
+            </a:pPr>
+            <a:r>
+              <a:rPr lang="en-US" sz="3600" dirty="0">
+                <a:solidFill>
+                  <a:srgbClr val="C00000"/>
+                </a:solidFill>
+                <a:latin typeface="Pragmatica" panose="020B0403040502020204"/>
+                <a:sym typeface="Consolas"/>
+              </a:rPr>
+              <a:t>Find the city name from each column (Houston, Atlanta, Los Angeles, </a:t>
+            </a:r>
+            <a:r>
+              <a:rPr lang="en-US" sz="3600" dirty="0" err="1">
+                <a:solidFill>
+                  <a:srgbClr val="C00000"/>
+                </a:solidFill>
+                <a:latin typeface="Pragmatica" panose="020B0403040502020204"/>
+                <a:sym typeface="Consolas"/>
+              </a:rPr>
+              <a:t>etc</a:t>
+            </a:r>
+            <a:r>
+              <a:rPr lang="en-US" sz="3600" dirty="0">
+                <a:solidFill>
+                  <a:srgbClr val="C00000"/>
+                </a:solidFill>
+                <a:latin typeface="Pragmatica" panose="020B0403040502020204"/>
+                <a:sym typeface="Consolas"/>
+              </a:rPr>
+              <a:t>)</a:t>
+            </a:r>
+          </a:p>
+          <a:p>
+            <a:pPr marL="714375" indent="-571500">
+              <a:lnSpc>
+                <a:spcPct val="115000"/>
+              </a:lnSpc>
+              <a:spcBef>
+                <a:spcPts val="1125"/>
+              </a:spcBef>
+              <a:buClr>
+                <a:srgbClr val="C00000"/>
+              </a:buClr>
+              <a:buSzPts val="2100"/>
+              <a:buFont typeface="Arial" panose="020B0604020202020204" pitchFamily="34" charset="0"/>
+              <a:buChar char="•"/>
+            </a:pPr>
+            <a:r>
+              <a:rPr lang="en-US" sz="3600" dirty="0">
+                <a:solidFill>
+                  <a:srgbClr val="C00000"/>
+                </a:solidFill>
+                <a:latin typeface="Pragmatica" panose="020B0403040502020204"/>
+                <a:sym typeface="Consolas"/>
+              </a:rPr>
+              <a:t>Find the initials for each time (HA, AB, LAD, </a:t>
+            </a:r>
+            <a:r>
+              <a:rPr lang="en-US" sz="3600" dirty="0" err="1">
+                <a:solidFill>
+                  <a:srgbClr val="C00000"/>
+                </a:solidFill>
+                <a:latin typeface="Pragmatica" panose="020B0403040502020204"/>
+                <a:sym typeface="Consolas"/>
+              </a:rPr>
+              <a:t>etc</a:t>
+            </a:r>
+            <a:r>
+              <a:rPr lang="en-US" sz="3600" dirty="0">
+                <a:solidFill>
+                  <a:srgbClr val="C00000"/>
+                </a:solidFill>
+                <a:latin typeface="Pragmatica" panose="020B0403040502020204"/>
+                <a:sym typeface="Consolas"/>
+              </a:rPr>
+              <a:t>)</a:t>
+            </a:r>
+          </a:p>
+          <a:p>
+            <a:pPr marL="685800" indent="-542925">
+              <a:lnSpc>
+                <a:spcPct val="115000"/>
+              </a:lnSpc>
+              <a:spcBef>
+                <a:spcPts val="1125"/>
+              </a:spcBef>
+              <a:buClr>
+                <a:srgbClr val="C00000"/>
+              </a:buClr>
+              <a:buSzPts val="2100"/>
+              <a:buFont typeface="Arial"/>
+              <a:buAutoNum type="arabicPeriod"/>
+            </a:pPr>
+            <a:endParaRPr lang="en-US" sz="3600" dirty="0">
+              <a:solidFill>
+                <a:srgbClr val="C00000"/>
+              </a:solidFill>
+              <a:latin typeface="Pragmatica" panose="020B0403040502020204"/>
+              <a:sym typeface="Consolas"/>
+            </a:endParaRPr>
+          </a:p>
+          <a:p>
+            <a:pPr marL="142875">
+              <a:lnSpc>
+                <a:spcPct val="115000"/>
+              </a:lnSpc>
+              <a:spcBef>
+                <a:spcPts val="1125"/>
+              </a:spcBef>
+              <a:buClr>
+                <a:srgbClr val="C00000"/>
+              </a:buClr>
+              <a:buSzPts val="2100"/>
+            </a:pPr>
+            <a:r>
+              <a:rPr lang="en-US" sz="3600" dirty="0">
+                <a:solidFill>
+                  <a:srgbClr val="C00000"/>
+                </a:solidFill>
+                <a:latin typeface="Pragmatica" panose="020B0403040502020204"/>
+                <a:sym typeface="Consolas"/>
+              </a:rPr>
+              <a:t>File: </a:t>
+            </a:r>
+            <a:r>
+              <a:rPr lang="en-US" sz="3600" dirty="0">
+                <a:solidFill>
+                  <a:srgbClr val="C00000"/>
+                </a:solidFill>
+                <a:latin typeface="Consolas" panose="020B0609020204030204" pitchFamily="49" charset="0"/>
+                <a:sym typeface="Consolas"/>
+              </a:rPr>
+              <a:t>ai-powered-data-manipulation-exercise.xlsx</a:t>
+            </a:r>
+            <a:endParaRPr lang="en-US" sz="6000" dirty="0">
+              <a:solidFill>
+                <a:srgbClr val="CF3338"/>
+              </a:solidFill>
+              <a:latin typeface="Consolas" panose="020B0609020204030204" pitchFamily="49" charset="0"/>
+            </a:endParaRPr>
+          </a:p>
+          <a:p>
+            <a:endParaRPr lang="en-US" sz="6000" dirty="0">
+              <a:solidFill>
+                <a:srgbClr val="CF3338"/>
+              </a:solidFill>
+              <a:latin typeface="Pragmatica" panose="020B0403040502020204" pitchFamily="34" charset="0"/>
+            </a:endParaRPr>
           </a:p>
         </p:txBody>
       </p:sp>
     </p:spTree>
     <p:extLst>
       <p:ext uri="{BB962C8B-B14F-4D97-AF65-F5344CB8AC3E}">
-        <p14:creationId xmlns:p14="http://schemas.microsoft.com/office/powerpoint/2010/main" val="499476257"/>
+        <p14:creationId xmlns:p14="http://schemas.microsoft.com/office/powerpoint/2010/main" val="1034455944"/>
       </p:ext>
     </p:extLst>
   </p:cSld>
@@ -11585,61 +12221,44 @@
           <a:chExt cx="0" cy="0"/>
         </a:xfrm>
       </p:grpSpPr>
-      <p:sp>
-        <p:nvSpPr>
-          <p:cNvPr id="4" name="Rectangle 3"/>
-          <p:cNvSpPr/>
-          <p:nvPr/>
-        </p:nvSpPr>
-        <p:spPr>
-          <a:xfrm>
-            <a:off x="9861630" y="0"/>
-            <a:ext cx="8426370" cy="10287000"/>
-          </a:xfrm>
-          <a:prstGeom prst="rect">
-            <a:avLst/>
-          </a:prstGeom>
-          <a:solidFill>
-            <a:srgbClr val="CF3338"/>
-          </a:solidFill>
-          <a:ln>
-            <a:noFill/>
-          </a:ln>
-        </p:spPr>
-        <p:style>
-          <a:lnRef idx="2">
-            <a:schemeClr val="accent1">
-              <a:shade val="50000"/>
-            </a:schemeClr>
-          </a:lnRef>
-          <a:fillRef idx="1">
-            <a:schemeClr val="accent1"/>
-          </a:fillRef>
-          <a:effectRef idx="0">
-            <a:schemeClr val="accent1"/>
-          </a:effectRef>
-          <a:fontRef idx="minor">
-            <a:schemeClr val="lt1"/>
-          </a:fontRef>
-        </p:style>
-        <p:txBody>
-          <a:bodyPr rtlCol="0" anchor="ctr"/>
-          <a:lstStyle/>
-          <a:p>
-            <a:pPr algn="ctr"/>
-            <a:endParaRPr lang="en-US" sz="2700"/>
-          </a:p>
-        </p:txBody>
-      </p:sp>
       <p:pic>
         <p:nvPicPr>
-          <p:cNvPr id="2" name="Picture 1"/>
+          <p:cNvPr id="10" name="Picture 9"/>
           <p:cNvPicPr>
             <a:picLocks noChangeAspect="1"/>
           </p:cNvPicPr>
           <p:nvPr/>
         </p:nvPicPr>
         <p:blipFill rotWithShape="1">
+          <a:blip r:embed="rId2">
+            <a:extLst>
+              <a:ext uri="{28A0092B-C50C-407E-A947-70E740481C1C}">
+                <a14:useLocalDpi xmlns:a14="http://schemas.microsoft.com/office/drawing/2010/main" val="0"/>
+              </a:ext>
+            </a:extLst>
+          </a:blip>
+          <a:srcRect l="50728" t="56371"/>
+          <a:stretch/>
+        </p:blipFill>
+        <p:spPr>
+          <a:xfrm>
+            <a:off x="12204691" y="3316148"/>
+            <a:ext cx="6083309" cy="6970854"/>
+          </a:xfrm>
+          <a:prstGeom prst="rect">
+            <a:avLst/>
+          </a:prstGeom>
+        </p:spPr>
+      </p:pic>
+      <p:pic>
+        <p:nvPicPr>
+          <p:cNvPr id="4" name="Picture 3"/>
+          <p:cNvPicPr>
+            <a:picLocks noChangeAspect="1"/>
+          </p:cNvPicPr>
+          <p:nvPr/>
+        </p:nvPicPr>
+        <p:blipFill>
           <a:blip r:embed="rId3">
             <a:extLst>
               <a:ext uri="{28A0092B-C50C-407E-A947-70E740481C1C}">
@@ -11647,13 +12266,14 @@
               </a:ext>
             </a:extLst>
           </a:blip>
-          <a:srcRect l="69227" t="33418" r="20112" b="50548"/>
-          <a:stretch/>
+          <a:stretch>
+            <a:fillRect/>
+          </a:stretch>
         </p:blipFill>
         <p:spPr>
           <a:xfrm>
-            <a:off x="15579524" y="7544693"/>
-            <a:ext cx="2708477" cy="2987579"/>
+            <a:off x="-807744" y="-3724155"/>
+            <a:ext cx="15257208" cy="11189825"/>
           </a:xfrm>
           <a:prstGeom prst="rect">
             <a:avLst/>
@@ -11662,14 +12282,14 @@
       </p:pic>
       <p:sp>
         <p:nvSpPr>
-          <p:cNvPr id="3" name="TextBox 2"/>
+          <p:cNvPr id="11" name="TextBox 10"/>
           <p:cNvSpPr txBox="1"/>
           <p:nvPr/>
         </p:nvSpPr>
         <p:spPr>
           <a:xfrm>
-            <a:off x="260431" y="329879"/>
-            <a:ext cx="8906720" cy="10088916"/>
+            <a:off x="486137" y="2531318"/>
+            <a:ext cx="11979797" cy="923330"/>
           </a:xfrm>
           <a:prstGeom prst="rect">
             <a:avLst/>
@@ -11683,204 +12303,56 @@
           <a:lstStyle/>
           <a:p>
             <a:r>
-              <a:rPr lang="en-US" sz="6000" b="1" dirty="0">
+              <a:rPr lang="en-US" sz="5400" b="1" dirty="0">
                 <a:solidFill>
                   <a:srgbClr val="CF3338"/>
                 </a:solidFill>
                 <a:latin typeface="Pragmatica" panose="020B0403040502020204" pitchFamily="34" charset="0"/>
               </a:rPr>
-              <a:t>AI-powered data manipulation</a:t>
-            </a:r>
-          </a:p>
-          <a:p>
-            <a:endParaRPr lang="en-US" sz="4200" dirty="0">
-              <a:solidFill>
-                <a:srgbClr val="CF3338"/>
-              </a:solidFill>
-              <a:latin typeface="Pragmatica" panose="020B0403040502020204" pitchFamily="34" charset="0"/>
-            </a:endParaRPr>
-          </a:p>
-          <a:p>
-            <a:pPr marL="685800" indent="-542925">
-              <a:lnSpc>
-                <a:spcPct val="115000"/>
-              </a:lnSpc>
-              <a:spcBef>
-                <a:spcPts val="1125"/>
-              </a:spcBef>
-              <a:buClr>
-                <a:srgbClr val="C00000"/>
-              </a:buClr>
-              <a:buSzPts val="2100"/>
-              <a:buFont typeface="Arial"/>
-              <a:buAutoNum type="arabicPeriod"/>
-            </a:pPr>
-            <a:r>
-              <a:rPr lang="en-US" sz="3600" dirty="0">
-                <a:solidFill>
-                  <a:srgbClr val="C00000"/>
-                </a:solidFill>
-                <a:latin typeface="Pragmatica" panose="020B0403040502020204"/>
-                <a:sym typeface="Consolas"/>
-              </a:rPr>
-              <a:t>Automating data entry with Flash Fill</a:t>
-            </a:r>
-          </a:p>
-          <a:p>
-            <a:pPr marL="685800" indent="-542925">
-              <a:lnSpc>
-                <a:spcPct val="115000"/>
-              </a:lnSpc>
-              <a:spcBef>
-                <a:spcPts val="1125"/>
-              </a:spcBef>
-              <a:buClr>
-                <a:srgbClr val="C00000"/>
-              </a:buClr>
-              <a:buSzPts val="2100"/>
-              <a:buFont typeface="Arial"/>
-              <a:buAutoNum type="arabicPeriod"/>
-            </a:pPr>
-            <a:r>
-              <a:rPr lang="en-US" sz="3600" dirty="0">
-                <a:solidFill>
-                  <a:srgbClr val="C00000"/>
-                </a:solidFill>
-                <a:latin typeface="Pragmatica" panose="020B0403040502020204"/>
-                <a:sym typeface="Consolas"/>
-              </a:rPr>
-              <a:t>Creating a Column by Example in Power Query</a:t>
-            </a:r>
-          </a:p>
-          <a:p>
-            <a:pPr marL="685800" indent="-542925">
-              <a:lnSpc>
-                <a:spcPct val="115000"/>
-              </a:lnSpc>
-              <a:spcBef>
-                <a:spcPts val="1125"/>
-              </a:spcBef>
-              <a:buClr>
-                <a:srgbClr val="C00000"/>
-              </a:buClr>
-              <a:buSzPts val="2100"/>
-              <a:buFont typeface="Arial"/>
-              <a:buAutoNum type="arabicPeriod"/>
-            </a:pPr>
-            <a:r>
-              <a:rPr lang="en-US" sz="3600" dirty="0">
-                <a:solidFill>
-                  <a:srgbClr val="C00000"/>
-                </a:solidFill>
-                <a:latin typeface="Pragmatica" panose="020B0403040502020204"/>
-                <a:sym typeface="Consolas"/>
-              </a:rPr>
-              <a:t>Creating a Formula by Example in Excel Online</a:t>
-            </a:r>
-          </a:p>
-          <a:p>
-            <a:pPr marL="685800" indent="-542925">
-              <a:lnSpc>
-                <a:spcPct val="115000"/>
-              </a:lnSpc>
-              <a:spcBef>
-                <a:spcPts val="1125"/>
-              </a:spcBef>
-              <a:buClr>
-                <a:srgbClr val="C00000"/>
-              </a:buClr>
-              <a:buSzPts val="2100"/>
-              <a:buFont typeface="Arial"/>
-              <a:buAutoNum type="arabicPeriod"/>
-            </a:pPr>
-            <a:r>
-              <a:rPr lang="en-US" sz="3600" dirty="0">
-                <a:solidFill>
-                  <a:srgbClr val="C00000"/>
-                </a:solidFill>
-                <a:latin typeface="Pragmatica" panose="020B0403040502020204"/>
-                <a:sym typeface="Consolas"/>
-              </a:rPr>
-              <a:t>Joining tables with Fuzzy Matching</a:t>
-            </a:r>
-          </a:p>
-          <a:p>
-            <a:pPr marL="685800" indent="-542925">
-              <a:lnSpc>
-                <a:spcPct val="115000"/>
-              </a:lnSpc>
-              <a:spcBef>
-                <a:spcPts val="1125"/>
-              </a:spcBef>
-              <a:buClr>
-                <a:srgbClr val="C00000"/>
-              </a:buClr>
-              <a:buSzPts val="2100"/>
-              <a:buFont typeface="Arial"/>
-              <a:buAutoNum type="arabicPeriod"/>
-            </a:pPr>
-            <a:endParaRPr lang="en-US" sz="3600" dirty="0">
-              <a:solidFill>
-                <a:srgbClr val="C00000"/>
-              </a:solidFill>
-              <a:latin typeface="Pragmatica" panose="020B0403040502020204"/>
-              <a:sym typeface="Consolas"/>
-            </a:endParaRPr>
-          </a:p>
-          <a:p>
-            <a:pPr marL="142875">
-              <a:lnSpc>
-                <a:spcPct val="115000"/>
-              </a:lnSpc>
-              <a:spcBef>
-                <a:spcPts val="1125"/>
-              </a:spcBef>
-              <a:buClr>
-                <a:srgbClr val="C00000"/>
-              </a:buClr>
-              <a:buSzPts val="2100"/>
-            </a:pPr>
-            <a:r>
-              <a:rPr lang="en-US" sz="3600" dirty="0">
-                <a:solidFill>
-                  <a:srgbClr val="C00000"/>
-                </a:solidFill>
-                <a:latin typeface="Pragmatica" panose="020B0403040502020204"/>
-                <a:sym typeface="Consolas"/>
-              </a:rPr>
-              <a:t>File: </a:t>
-            </a:r>
-            <a:r>
-              <a:rPr lang="en-US" sz="3600" dirty="0">
-                <a:solidFill>
-                  <a:srgbClr val="C00000"/>
-                </a:solidFill>
-                <a:latin typeface="Consolas" panose="020B0609020204030204" pitchFamily="49" charset="0"/>
-                <a:sym typeface="Consolas"/>
-              </a:rPr>
-              <a:t>ai-powered-data-manipulation.xlsx</a:t>
-            </a:r>
-            <a:endParaRPr lang="en-US" sz="6000" dirty="0">
-              <a:solidFill>
-                <a:srgbClr val="CF3338"/>
-              </a:solidFill>
-              <a:latin typeface="Consolas" panose="020B0609020204030204" pitchFamily="49" charset="0"/>
-            </a:endParaRPr>
-          </a:p>
-          <a:p>
-            <a:endParaRPr lang="en-US" sz="6000" dirty="0">
-              <a:solidFill>
-                <a:srgbClr val="CF3338"/>
-              </a:solidFill>
-              <a:latin typeface="Pragmatica" panose="020B0403040502020204" pitchFamily="34" charset="0"/>
-            </a:endParaRPr>
-          </a:p>
-        </p:txBody>
-      </p:sp>
+              <a:t>Questions?</a:t>
+            </a:r>
+          </a:p>
+        </p:txBody>
+      </p:sp>
+      <p:pic>
+        <p:nvPicPr>
+          <p:cNvPr id="5" name="Picture 4">
+            <a:extLst>
+              <a:ext uri="{FF2B5EF4-FFF2-40B4-BE49-F238E27FC236}">
+                <a16:creationId xmlns:a16="http://schemas.microsoft.com/office/drawing/2014/main" id="{54A06221-5316-4BCF-9FDA-BDB95FF4A778}"/>
+              </a:ext>
+            </a:extLst>
+          </p:cNvPr>
+          <p:cNvPicPr>
+            <a:picLocks noChangeAspect="1"/>
+          </p:cNvPicPr>
+          <p:nvPr/>
+        </p:nvPicPr>
+        <p:blipFill>
+          <a:blip r:embed="rId4">
+            <a:extLst>
+              <a:ext uri="{28A0092B-C50C-407E-A947-70E740481C1C}">
+                <a14:useLocalDpi xmlns:a14="http://schemas.microsoft.com/office/drawing/2010/main" val="0"/>
+              </a:ext>
+            </a:extLst>
+          </a:blip>
+          <a:srcRect/>
+          <a:stretch/>
+        </p:blipFill>
+        <p:spPr>
+          <a:xfrm>
+            <a:off x="12204691" y="3317239"/>
+            <a:ext cx="6083309" cy="6968672"/>
+          </a:xfrm>
+          <a:prstGeom prst="rect">
+            <a:avLst/>
+          </a:prstGeom>
+        </p:spPr>
+      </p:pic>
     </p:spTree>
     <p:extLst>
       <p:ext uri="{BB962C8B-B14F-4D97-AF65-F5344CB8AC3E}">
-        <p14:creationId xmlns:p14="http://schemas.microsoft.com/office/powerpoint/2010/main" val="2797489597"/>
+        <p14:creationId xmlns:p14="http://schemas.microsoft.com/office/powerpoint/2010/main" val="2683774385"/>
       </p:ext>
     </p:extLst>
   </p:cSld>
@@ -11915,8 +12387,8 @@
         </p:nvSpPr>
         <p:spPr>
           <a:xfrm>
-            <a:off x="9861630" y="0"/>
-            <a:ext cx="8426370" cy="10287000"/>
+            <a:off x="0" y="0"/>
+            <a:ext cx="18288000" cy="10287000"/>
           </a:xfrm>
           <a:prstGeom prst="rect">
             <a:avLst/>
@@ -11953,45 +12425,16 @@
           </a:p>
         </p:txBody>
       </p:sp>
-      <p:pic>
-        <p:nvPicPr>
-          <p:cNvPr id="2" name="Picture 1"/>
-          <p:cNvPicPr>
-            <a:picLocks noChangeAspect="1"/>
-          </p:cNvPicPr>
-          <p:nvPr/>
-        </p:nvPicPr>
-        <p:blipFill rotWithShape="1">
-          <a:blip r:embed="rId3">
-            <a:extLst>
-              <a:ext uri="{28A0092B-C50C-407E-A947-70E740481C1C}">
-                <a14:useLocalDpi xmlns:a14="http://schemas.microsoft.com/office/drawing/2010/main" val="0"/>
-              </a:ext>
-            </a:extLst>
-          </a:blip>
-          <a:srcRect l="69227" t="33418" r="20112" b="50548"/>
-          <a:stretch/>
-        </p:blipFill>
-        <p:spPr>
-          <a:xfrm>
-            <a:off x="15579524" y="7544693"/>
-            <a:ext cx="2708477" cy="2987579"/>
-          </a:xfrm>
-          <a:prstGeom prst="rect">
-            <a:avLst/>
-          </a:prstGeom>
-        </p:spPr>
-      </p:pic>
-      <p:sp>
-        <p:nvSpPr>
-          <p:cNvPr id="3" name="TextBox 2"/>
+      <p:sp>
+        <p:nvSpPr>
+          <p:cNvPr id="5" name="TextBox 4"/>
           <p:cNvSpPr txBox="1"/>
           <p:nvPr/>
         </p:nvSpPr>
         <p:spPr>
           <a:xfrm>
-            <a:off x="260431" y="329879"/>
-            <a:ext cx="8906720" cy="10726013"/>
+            <a:off x="781292" y="590309"/>
+            <a:ext cx="15486926" cy="3139321"/>
           </a:xfrm>
           <a:prstGeom prst="rect">
             <a:avLst/>
@@ -12005,257 +12448,21 @@
           <a:lstStyle/>
           <a:p>
             <a:r>
-              <a:rPr lang="en-US" sz="6000" b="1" dirty="0">
-                <a:solidFill>
-                  <a:srgbClr val="CF3338"/>
-                </a:solidFill>
-                <a:latin typeface="Pragmatica" panose="020B0403040502020204" pitchFamily="34" charset="0"/>
-              </a:rPr>
-              <a:t>AI-powered data manipulation EXERCISE</a:t>
-            </a:r>
-          </a:p>
-          <a:p>
-            <a:endParaRPr lang="en-US" sz="4200" dirty="0">
-              <a:solidFill>
-                <a:srgbClr val="CF3338"/>
-              </a:solidFill>
-              <a:latin typeface="Pragmatica" panose="020B0403040502020204" pitchFamily="34" charset="0"/>
-            </a:endParaRPr>
-          </a:p>
-          <a:p>
-            <a:pPr marL="142875">
-              <a:lnSpc>
-                <a:spcPct val="115000"/>
-              </a:lnSpc>
-              <a:spcBef>
-                <a:spcPts val="1125"/>
-              </a:spcBef>
-              <a:buClr>
-                <a:srgbClr val="C00000"/>
-              </a:buClr>
-              <a:buSzPts val="2100"/>
-            </a:pPr>
-            <a:r>
-              <a:rPr lang="en-US" sz="3600" dirty="0">
-                <a:solidFill>
-                  <a:srgbClr val="C00000"/>
-                </a:solidFill>
-                <a:latin typeface="Pragmatica" panose="020B0403040502020204"/>
-                <a:sym typeface="Consolas"/>
-              </a:rPr>
-              <a:t>Using either Flash Fill </a:t>
-            </a:r>
-            <a:r>
-              <a:rPr lang="en-US" sz="3600" i="1" dirty="0">
-                <a:solidFill>
-                  <a:srgbClr val="C00000"/>
-                </a:solidFill>
-                <a:latin typeface="Pragmatica" panose="020B0403040502020204"/>
-                <a:sym typeface="Consolas"/>
-              </a:rPr>
-              <a:t>or </a:t>
-            </a:r>
-            <a:r>
-              <a:rPr lang="en-US" sz="3600" dirty="0">
-                <a:solidFill>
-                  <a:srgbClr val="C00000"/>
-                </a:solidFill>
-                <a:latin typeface="Pragmatica" panose="020B0403040502020204"/>
-                <a:sym typeface="Consolas"/>
-              </a:rPr>
-              <a:t>Column from Example:</a:t>
-            </a:r>
-          </a:p>
-          <a:p>
-            <a:pPr marL="142875">
-              <a:lnSpc>
-                <a:spcPct val="115000"/>
-              </a:lnSpc>
-              <a:spcBef>
-                <a:spcPts val="1125"/>
-              </a:spcBef>
-              <a:buClr>
-                <a:srgbClr val="C00000"/>
-              </a:buClr>
-              <a:buSzPts val="2100"/>
-            </a:pPr>
-            <a:endParaRPr lang="en-US" sz="3600" dirty="0">
-              <a:solidFill>
-                <a:srgbClr val="C00000"/>
-              </a:solidFill>
-              <a:latin typeface="Pragmatica" panose="020B0403040502020204"/>
-              <a:sym typeface="Consolas"/>
-            </a:endParaRPr>
-          </a:p>
-          <a:p>
-            <a:pPr marL="714375" indent="-571500">
-              <a:lnSpc>
-                <a:spcPct val="115000"/>
-              </a:lnSpc>
-              <a:spcBef>
-                <a:spcPts val="1125"/>
-              </a:spcBef>
-              <a:buClr>
-                <a:srgbClr val="C00000"/>
-              </a:buClr>
-              <a:buSzPts val="2100"/>
-              <a:buFont typeface="Arial" panose="020B0604020202020204" pitchFamily="34" charset="0"/>
-              <a:buChar char="•"/>
-            </a:pPr>
-            <a:r>
-              <a:rPr lang="en-US" sz="3600" dirty="0">
-                <a:solidFill>
-                  <a:srgbClr val="C00000"/>
-                </a:solidFill>
-                <a:latin typeface="Pragmatica" panose="020B0403040502020204"/>
-                <a:sym typeface="Consolas"/>
-              </a:rPr>
-              <a:t>Find the city name from each column (Houston, Atlanta, Los Angeles, </a:t>
-            </a:r>
-            <a:r>
-              <a:rPr lang="en-US" sz="3600" dirty="0" err="1">
-                <a:solidFill>
-                  <a:srgbClr val="C00000"/>
-                </a:solidFill>
-                <a:latin typeface="Pragmatica" panose="020B0403040502020204"/>
-                <a:sym typeface="Consolas"/>
-              </a:rPr>
-              <a:t>etc</a:t>
-            </a:r>
-            <a:r>
-              <a:rPr lang="en-US" sz="3600" dirty="0">
-                <a:solidFill>
-                  <a:srgbClr val="C00000"/>
-                </a:solidFill>
-                <a:latin typeface="Pragmatica" panose="020B0403040502020204"/>
-                <a:sym typeface="Consolas"/>
-              </a:rPr>
-              <a:t>)</a:t>
-            </a:r>
-          </a:p>
-          <a:p>
-            <a:pPr marL="714375" indent="-571500">
-              <a:lnSpc>
-                <a:spcPct val="115000"/>
-              </a:lnSpc>
-              <a:spcBef>
-                <a:spcPts val="1125"/>
-              </a:spcBef>
-              <a:buClr>
-                <a:srgbClr val="C00000"/>
-              </a:buClr>
-              <a:buSzPts val="2100"/>
-              <a:buFont typeface="Arial" panose="020B0604020202020204" pitchFamily="34" charset="0"/>
-              <a:buChar char="•"/>
-            </a:pPr>
-            <a:r>
-              <a:rPr lang="en-US" sz="3600" dirty="0">
-                <a:solidFill>
-                  <a:srgbClr val="C00000"/>
-                </a:solidFill>
-                <a:latin typeface="Pragmatica" panose="020B0403040502020204"/>
-                <a:sym typeface="Consolas"/>
-              </a:rPr>
-              <a:t>Find the initials for each time (HA, AB, LAD, </a:t>
-            </a:r>
-            <a:r>
-              <a:rPr lang="en-US" sz="3600" dirty="0" err="1">
-                <a:solidFill>
-                  <a:srgbClr val="C00000"/>
-                </a:solidFill>
-                <a:latin typeface="Pragmatica" panose="020B0403040502020204"/>
-                <a:sym typeface="Consolas"/>
-              </a:rPr>
-              <a:t>etc</a:t>
-            </a:r>
-            <a:r>
-              <a:rPr lang="en-US" sz="3600" dirty="0">
-                <a:solidFill>
-                  <a:srgbClr val="C00000"/>
-                </a:solidFill>
-                <a:latin typeface="Pragmatica" panose="020B0403040502020204"/>
-                <a:sym typeface="Consolas"/>
-              </a:rPr>
-              <a:t>)</a:t>
-            </a:r>
-          </a:p>
-          <a:p>
-            <a:pPr marL="685800" indent="-542925">
-              <a:lnSpc>
-                <a:spcPct val="115000"/>
-              </a:lnSpc>
-              <a:spcBef>
-                <a:spcPts val="1125"/>
-              </a:spcBef>
-              <a:buClr>
-                <a:srgbClr val="C00000"/>
-              </a:buClr>
-              <a:buSzPts val="2100"/>
-              <a:buFont typeface="Arial"/>
-              <a:buAutoNum type="arabicPeriod"/>
-            </a:pPr>
-            <a:endParaRPr lang="en-US" sz="3600" dirty="0">
-              <a:solidFill>
-                <a:srgbClr val="C00000"/>
-              </a:solidFill>
-              <a:latin typeface="Pragmatica" panose="020B0403040502020204"/>
-              <a:sym typeface="Consolas"/>
-            </a:endParaRPr>
-          </a:p>
-          <a:p>
-            <a:pPr marL="142875">
-              <a:lnSpc>
-                <a:spcPct val="115000"/>
-              </a:lnSpc>
-              <a:spcBef>
-                <a:spcPts val="1125"/>
-              </a:spcBef>
-              <a:buClr>
-                <a:srgbClr val="C00000"/>
-              </a:buClr>
-              <a:buSzPts val="2100"/>
-            </a:pPr>
-            <a:r>
-              <a:rPr lang="en-US" sz="3600" dirty="0">
-                <a:solidFill>
-                  <a:srgbClr val="C00000"/>
-                </a:solidFill>
-                <a:latin typeface="Pragmatica" panose="020B0403040502020204"/>
-                <a:sym typeface="Consolas"/>
-              </a:rPr>
-              <a:t>File: </a:t>
-            </a:r>
-            <a:r>
-              <a:rPr lang="en-US" sz="3600" dirty="0">
-                <a:solidFill>
-                  <a:srgbClr val="C00000"/>
-                </a:solidFill>
-                <a:latin typeface="Consolas" panose="020B0609020204030204" pitchFamily="49" charset="0"/>
-                <a:sym typeface="Consolas"/>
-              </a:rPr>
-              <a:t>ai-powered-data-manipulation-exercise.xlsx</a:t>
-            </a:r>
-            <a:endParaRPr lang="en-US" sz="6000" dirty="0">
-              <a:solidFill>
-                <a:srgbClr val="CF3338"/>
-              </a:solidFill>
-              <a:latin typeface="Consolas" panose="020B0609020204030204" pitchFamily="49" charset="0"/>
-            </a:endParaRPr>
-          </a:p>
-          <a:p>
-            <a:endParaRPr lang="en-US" sz="6000" dirty="0">
-              <a:solidFill>
-                <a:srgbClr val="CF3338"/>
-              </a:solidFill>
-              <a:latin typeface="Pragmatica" panose="020B0403040502020204" pitchFamily="34" charset="0"/>
-            </a:endParaRPr>
+              <a:rPr lang="en-US" sz="9900" b="1" dirty="0">
+                <a:solidFill>
+                  <a:schemeClr val="bg1"/>
+                </a:solidFill>
+                <a:latin typeface="Normafixed Tryout" panose="00000409000000000000" pitchFamily="49" charset="0"/>
+              </a:rPr>
+              <a:t>2. AI-Powered Data Entry and Forecasting</a:t>
+            </a:r>
           </a:p>
         </p:txBody>
       </p:sp>
     </p:spTree>
     <p:extLst>
       <p:ext uri="{BB962C8B-B14F-4D97-AF65-F5344CB8AC3E}">
-        <p14:creationId xmlns:p14="http://schemas.microsoft.com/office/powerpoint/2010/main" val="1034455944"/>
+        <p14:creationId xmlns:p14="http://schemas.microsoft.com/office/powerpoint/2010/main" val="3261205573"/>
       </p:ext>
     </p:extLst>
   </p:cSld>

--- a/xlgs-analytics-2_0-slides.pptx
+++ b/xlgs-analytics-2_0-slides.pptx
@@ -5,51 +5,52 @@
     <p:sldMasterId id="2147483648" r:id="rId1"/>
   </p:sldMasterIdLst>
   <p:notesMasterIdLst>
-    <p:notesMasterId r:id="rId34"/>
+    <p:notesMasterId r:id="rId35"/>
   </p:notesMasterIdLst>
   <p:sldIdLst>
     <p:sldId id="256" r:id="rId2"/>
     <p:sldId id="358" r:id="rId3"/>
     <p:sldId id="258" r:id="rId4"/>
-    <p:sldId id="394" r:id="rId5"/>
-    <p:sldId id="364" r:id="rId6"/>
-    <p:sldId id="378" r:id="rId7"/>
-    <p:sldId id="395" r:id="rId8"/>
-    <p:sldId id="372" r:id="rId9"/>
-    <p:sldId id="396" r:id="rId10"/>
-    <p:sldId id="397" r:id="rId11"/>
-    <p:sldId id="398" r:id="rId12"/>
-    <p:sldId id="387" r:id="rId13"/>
-    <p:sldId id="365" r:id="rId14"/>
-    <p:sldId id="399" r:id="rId15"/>
-    <p:sldId id="400" r:id="rId16"/>
-    <p:sldId id="401" r:id="rId17"/>
-    <p:sldId id="402" r:id="rId18"/>
-    <p:sldId id="403" r:id="rId19"/>
-    <p:sldId id="404" r:id="rId20"/>
-    <p:sldId id="407" r:id="rId21"/>
-    <p:sldId id="424" r:id="rId22"/>
-    <p:sldId id="415" r:id="rId23"/>
-    <p:sldId id="405" r:id="rId24"/>
-    <p:sldId id="412" r:id="rId25"/>
-    <p:sldId id="413" r:id="rId26"/>
-    <p:sldId id="414" r:id="rId27"/>
-    <p:sldId id="406" r:id="rId28"/>
-    <p:sldId id="409" r:id="rId29"/>
-    <p:sldId id="410" r:id="rId30"/>
-    <p:sldId id="416" r:id="rId31"/>
-    <p:sldId id="411" r:id="rId32"/>
-    <p:sldId id="265" r:id="rId33"/>
+    <p:sldId id="425" r:id="rId5"/>
+    <p:sldId id="394" r:id="rId6"/>
+    <p:sldId id="364" r:id="rId7"/>
+    <p:sldId id="378" r:id="rId8"/>
+    <p:sldId id="395" r:id="rId9"/>
+    <p:sldId id="372" r:id="rId10"/>
+    <p:sldId id="396" r:id="rId11"/>
+    <p:sldId id="397" r:id="rId12"/>
+    <p:sldId id="398" r:id="rId13"/>
+    <p:sldId id="387" r:id="rId14"/>
+    <p:sldId id="365" r:id="rId15"/>
+    <p:sldId id="399" r:id="rId16"/>
+    <p:sldId id="400" r:id="rId17"/>
+    <p:sldId id="401" r:id="rId18"/>
+    <p:sldId id="402" r:id="rId19"/>
+    <p:sldId id="403" r:id="rId20"/>
+    <p:sldId id="404" r:id="rId21"/>
+    <p:sldId id="407" r:id="rId22"/>
+    <p:sldId id="424" r:id="rId23"/>
+    <p:sldId id="415" r:id="rId24"/>
+    <p:sldId id="405" r:id="rId25"/>
+    <p:sldId id="412" r:id="rId26"/>
+    <p:sldId id="413" r:id="rId27"/>
+    <p:sldId id="414" r:id="rId28"/>
+    <p:sldId id="406" r:id="rId29"/>
+    <p:sldId id="409" r:id="rId30"/>
+    <p:sldId id="410" r:id="rId31"/>
+    <p:sldId id="416" r:id="rId32"/>
+    <p:sldId id="411" r:id="rId33"/>
+    <p:sldId id="265" r:id="rId34"/>
   </p:sldIdLst>
   <p:sldSz cx="18288000" cy="10287000"/>
   <p:notesSz cx="6858000" cy="9144000"/>
   <p:embeddedFontLst>
     <p:embeddedFont>
       <p:font typeface="Consolas" panose="020B0609020204030204" pitchFamily="49" charset="0"/>
-      <p:regular r:id="rId35"/>
-      <p:bold r:id="rId36"/>
-      <p:italic r:id="rId37"/>
-      <p:boldItalic r:id="rId38"/>
+      <p:regular r:id="rId36"/>
+      <p:bold r:id="rId37"/>
+      <p:italic r:id="rId38"/>
+      <p:boldItalic r:id="rId39"/>
     </p:embeddedFont>
   </p:embeddedFontLst>
   <p:defaultTextStyle>
@@ -266,7 +267,7 @@
           <a:p>
             <a:fld id="{17A98A70-FA8C-4354-959C-C70678AC9BCF}" type="datetimeFigureOut">
               <a:rPr lang="en-US" smtClean="0"/>
-              <a:t>2/2/2024</a:t>
+              <a:t>2/5/2024</a:t>
             </a:fld>
             <a:endParaRPr lang="en-US"/>
           </a:p>
@@ -730,7 +731,7 @@
           <a:p>
             <a:fld id="{1300335D-9F13-4B80-ADC5-B0EA3E10FF6B}" type="slidenum">
               <a:rPr lang="en-US" smtClean="0"/>
-              <a:t>21</a:t>
+              <a:t>22</a:t>
             </a:fld>
             <a:endParaRPr lang="en-US"/>
           </a:p>
@@ -838,7 +839,7 @@
           <a:p>
             <a:fld id="{1300335D-9F13-4B80-ADC5-B0EA3E10FF6B}" type="slidenum">
               <a:rPr lang="en-US" smtClean="0"/>
-              <a:t>24</a:t>
+              <a:t>25</a:t>
             </a:fld>
             <a:endParaRPr lang="en-US"/>
           </a:p>
@@ -946,7 +947,7 @@
           <a:p>
             <a:fld id="{1300335D-9F13-4B80-ADC5-B0EA3E10FF6B}" type="slidenum">
               <a:rPr lang="en-US" smtClean="0"/>
-              <a:t>25</a:t>
+              <a:t>26</a:t>
             </a:fld>
             <a:endParaRPr lang="en-US"/>
           </a:p>
@@ -1054,7 +1055,7 @@
           <a:p>
             <a:fld id="{1300335D-9F13-4B80-ADC5-B0EA3E10FF6B}" type="slidenum">
               <a:rPr lang="en-US" smtClean="0"/>
-              <a:t>28</a:t>
+              <a:t>29</a:t>
             </a:fld>
             <a:endParaRPr lang="en-US"/>
           </a:p>
@@ -1162,7 +1163,7 @@
           <a:p>
             <a:fld id="{1300335D-9F13-4B80-ADC5-B0EA3E10FF6B}" type="slidenum">
               <a:rPr lang="en-US" smtClean="0"/>
-              <a:t>29</a:t>
+              <a:t>30</a:t>
             </a:fld>
             <a:endParaRPr lang="en-US"/>
           </a:p>
@@ -1270,7 +1271,7 @@
           <a:p>
             <a:fld id="{1300335D-9F13-4B80-ADC5-B0EA3E10FF6B}" type="slidenum">
               <a:rPr lang="en-US" smtClean="0"/>
-              <a:t>31</a:t>
+              <a:t>32</a:t>
             </a:fld>
             <a:endParaRPr lang="en-US"/>
           </a:p>
@@ -1378,7 +1379,7 @@
           <a:p>
             <a:fld id="{1300335D-9F13-4B80-ADC5-B0EA3E10FF6B}" type="slidenum">
               <a:rPr lang="en-US" smtClean="0"/>
-              <a:t>6</a:t>
+              <a:t>7</a:t>
             </a:fld>
             <a:endParaRPr lang="en-US"/>
           </a:p>
@@ -1486,7 +1487,7 @@
           <a:p>
             <a:fld id="{1300335D-9F13-4B80-ADC5-B0EA3E10FF6B}" type="slidenum">
               <a:rPr lang="en-US" smtClean="0"/>
-              <a:t>7</a:t>
+              <a:t>8</a:t>
             </a:fld>
             <a:endParaRPr lang="en-US"/>
           </a:p>
@@ -1594,7 +1595,7 @@
           <a:p>
             <a:fld id="{1300335D-9F13-4B80-ADC5-B0EA3E10FF6B}" type="slidenum">
               <a:rPr lang="en-US" smtClean="0"/>
-              <a:t>10</a:t>
+              <a:t>11</a:t>
             </a:fld>
             <a:endParaRPr lang="en-US"/>
           </a:p>
@@ -1702,7 +1703,7 @@
           <a:p>
             <a:fld id="{1300335D-9F13-4B80-ADC5-B0EA3E10FF6B}" type="slidenum">
               <a:rPr lang="en-US" smtClean="0"/>
-              <a:t>11</a:t>
+              <a:t>12</a:t>
             </a:fld>
             <a:endParaRPr lang="en-US"/>
           </a:p>
@@ -1810,7 +1811,7 @@
           <a:p>
             <a:fld id="{1300335D-9F13-4B80-ADC5-B0EA3E10FF6B}" type="slidenum">
               <a:rPr lang="en-US" smtClean="0"/>
-              <a:t>14</a:t>
+              <a:t>15</a:t>
             </a:fld>
             <a:endParaRPr lang="en-US"/>
           </a:p>
@@ -1918,7 +1919,7 @@
           <a:p>
             <a:fld id="{1300335D-9F13-4B80-ADC5-B0EA3E10FF6B}" type="slidenum">
               <a:rPr lang="en-US" smtClean="0"/>
-              <a:t>15</a:t>
+              <a:t>16</a:t>
             </a:fld>
             <a:endParaRPr lang="en-US"/>
           </a:p>
@@ -2026,7 +2027,7 @@
           <a:p>
             <a:fld id="{1300335D-9F13-4B80-ADC5-B0EA3E10FF6B}" type="slidenum">
               <a:rPr lang="en-US" smtClean="0"/>
-              <a:t>17</a:t>
+              <a:t>18</a:t>
             </a:fld>
             <a:endParaRPr lang="en-US"/>
           </a:p>
@@ -2134,7 +2135,7 @@
           <a:p>
             <a:fld id="{1300335D-9F13-4B80-ADC5-B0EA3E10FF6B}" type="slidenum">
               <a:rPr lang="en-US" smtClean="0"/>
-              <a:t>20</a:t>
+              <a:t>21</a:t>
             </a:fld>
             <a:endParaRPr lang="en-US"/>
           </a:p>
@@ -2333,7 +2334,7 @@
             <a:fld id="{1D8BD707-D9CF-40AE-B4C6-C98DA3205C09}" type="datetimeFigureOut">
               <a:rPr lang="en-US" smtClean="0"/>
               <a:pPr/>
-              <a:t>2/2/2024</a:t>
+              <a:t>2/5/2024</a:t>
             </a:fld>
             <a:endParaRPr lang="en-US"/>
           </a:p>
@@ -2498,7 +2499,7 @@
             <a:fld id="{1D8BD707-D9CF-40AE-B4C6-C98DA3205C09}" type="datetimeFigureOut">
               <a:rPr lang="en-US" smtClean="0"/>
               <a:pPr/>
-              <a:t>2/2/2024</a:t>
+              <a:t>2/5/2024</a:t>
             </a:fld>
             <a:endParaRPr lang="en-US"/>
           </a:p>
@@ -2673,7 +2674,7 @@
             <a:fld id="{1D8BD707-D9CF-40AE-B4C6-C98DA3205C09}" type="datetimeFigureOut">
               <a:rPr lang="en-US" smtClean="0"/>
               <a:pPr/>
-              <a:t>2/2/2024</a:t>
+              <a:t>2/5/2024</a:t>
             </a:fld>
             <a:endParaRPr lang="en-US"/>
           </a:p>
@@ -2838,7 +2839,7 @@
             <a:fld id="{1D8BD707-D9CF-40AE-B4C6-C98DA3205C09}" type="datetimeFigureOut">
               <a:rPr lang="en-US" smtClean="0"/>
               <a:pPr/>
-              <a:t>2/2/2024</a:t>
+              <a:t>2/5/2024</a:t>
             </a:fld>
             <a:endParaRPr lang="en-US"/>
           </a:p>
@@ -3080,7 +3081,7 @@
             <a:fld id="{1D8BD707-D9CF-40AE-B4C6-C98DA3205C09}" type="datetimeFigureOut">
               <a:rPr lang="en-US" smtClean="0"/>
               <a:pPr/>
-              <a:t>2/2/2024</a:t>
+              <a:t>2/5/2024</a:t>
             </a:fld>
             <a:endParaRPr lang="en-US"/>
           </a:p>
@@ -3362,7 +3363,7 @@
             <a:fld id="{1D8BD707-D9CF-40AE-B4C6-C98DA3205C09}" type="datetimeFigureOut">
               <a:rPr lang="en-US" smtClean="0"/>
               <a:pPr/>
-              <a:t>2/2/2024</a:t>
+              <a:t>2/5/2024</a:t>
             </a:fld>
             <a:endParaRPr lang="en-US"/>
           </a:p>
@@ -3778,7 +3779,7 @@
             <a:fld id="{1D8BD707-D9CF-40AE-B4C6-C98DA3205C09}" type="datetimeFigureOut">
               <a:rPr lang="en-US" smtClean="0"/>
               <a:pPr/>
-              <a:t>2/2/2024</a:t>
+              <a:t>2/5/2024</a:t>
             </a:fld>
             <a:endParaRPr lang="en-US"/>
           </a:p>
@@ -3892,7 +3893,7 @@
             <a:fld id="{1D8BD707-D9CF-40AE-B4C6-C98DA3205C09}" type="datetimeFigureOut">
               <a:rPr lang="en-US" smtClean="0"/>
               <a:pPr/>
-              <a:t>2/2/2024</a:t>
+              <a:t>2/5/2024</a:t>
             </a:fld>
             <a:endParaRPr lang="en-US"/>
           </a:p>
@@ -3984,7 +3985,7 @@
             <a:fld id="{1D8BD707-D9CF-40AE-B4C6-C98DA3205C09}" type="datetimeFigureOut">
               <a:rPr lang="en-US" smtClean="0"/>
               <a:pPr/>
-              <a:t>2/2/2024</a:t>
+              <a:t>2/5/2024</a:t>
             </a:fld>
             <a:endParaRPr lang="en-US"/>
           </a:p>
@@ -4256,7 +4257,7 @@
             <a:fld id="{1D8BD707-D9CF-40AE-B4C6-C98DA3205C09}" type="datetimeFigureOut">
               <a:rPr lang="en-US" smtClean="0"/>
               <a:pPr/>
-              <a:t>2/2/2024</a:t>
+              <a:t>2/5/2024</a:t>
             </a:fld>
             <a:endParaRPr lang="en-US"/>
           </a:p>
@@ -4505,7 +4506,7 @@
             <a:fld id="{1D8BD707-D9CF-40AE-B4C6-C98DA3205C09}" type="datetimeFigureOut">
               <a:rPr lang="en-US" smtClean="0"/>
               <a:pPr/>
-              <a:t>2/2/2024</a:t>
+              <a:t>2/5/2024</a:t>
             </a:fld>
             <a:endParaRPr lang="en-US"/>
           </a:p>
@@ -4718,7 +4719,7 @@
             <a:fld id="{1D8BD707-D9CF-40AE-B4C6-C98DA3205C09}" type="datetimeFigureOut">
               <a:rPr lang="en-US" smtClean="0"/>
               <a:pPr/>
-              <a:t>2/2/2024</a:t>
+              <a:t>2/5/2024</a:t>
             </a:fld>
             <a:endParaRPr lang="en-US"/>
           </a:p>
@@ -5296,8 +5297,8 @@
         </p:nvSpPr>
         <p:spPr>
           <a:xfrm>
-            <a:off x="9861630" y="0"/>
-            <a:ext cx="8426370" cy="10287000"/>
+            <a:off x="0" y="0"/>
+            <a:ext cx="18288000" cy="10287000"/>
           </a:xfrm>
           <a:prstGeom prst="rect">
             <a:avLst/>
@@ -5334,45 +5335,16 @@
           </a:p>
         </p:txBody>
       </p:sp>
-      <p:pic>
-        <p:nvPicPr>
-          <p:cNvPr id="2" name="Picture 1"/>
-          <p:cNvPicPr>
-            <a:picLocks noChangeAspect="1"/>
-          </p:cNvPicPr>
-          <p:nvPr/>
-        </p:nvPicPr>
-        <p:blipFill rotWithShape="1">
-          <a:blip r:embed="rId3">
-            <a:extLst>
-              <a:ext uri="{28A0092B-C50C-407E-A947-70E740481C1C}">
-                <a14:useLocalDpi xmlns:a14="http://schemas.microsoft.com/office/drawing/2010/main" val="0"/>
-              </a:ext>
-            </a:extLst>
-          </a:blip>
-          <a:srcRect l="69227" t="33418" r="20112" b="50548"/>
-          <a:stretch/>
-        </p:blipFill>
-        <p:spPr>
-          <a:xfrm>
-            <a:off x="15579524" y="7544693"/>
-            <a:ext cx="2708477" cy="2987579"/>
-          </a:xfrm>
-          <a:prstGeom prst="rect">
-            <a:avLst/>
-          </a:prstGeom>
-        </p:spPr>
-      </p:pic>
-      <p:sp>
-        <p:nvSpPr>
-          <p:cNvPr id="3" name="TextBox 2"/>
+      <p:sp>
+        <p:nvSpPr>
+          <p:cNvPr id="5" name="TextBox 4"/>
           <p:cNvSpPr txBox="1"/>
           <p:nvPr/>
         </p:nvSpPr>
         <p:spPr>
           <a:xfrm>
-            <a:off x="260431" y="329879"/>
-            <a:ext cx="8906720" cy="8036559"/>
+            <a:off x="781292" y="590309"/>
+            <a:ext cx="15486926" cy="3139321"/>
           </a:xfrm>
           <a:prstGeom prst="rect">
             <a:avLst/>
@@ -5386,178 +5358,21 @@
           <a:lstStyle/>
           <a:p>
             <a:r>
-              <a:rPr lang="en-US" sz="6000" b="1" dirty="0">
-                <a:solidFill>
-                  <a:srgbClr val="CF3338"/>
-                </a:solidFill>
-                <a:latin typeface="Pragmatica" panose="020B0403040502020204" pitchFamily="34" charset="0"/>
-              </a:rPr>
-              <a:t>AI-powered data entry and forecasting </a:t>
-            </a:r>
-          </a:p>
-          <a:p>
-            <a:endParaRPr lang="en-US" sz="4200" dirty="0">
-              <a:solidFill>
-                <a:srgbClr val="CF3338"/>
-              </a:solidFill>
-              <a:latin typeface="Pragmatica" panose="020B0403040502020204" pitchFamily="34" charset="0"/>
-            </a:endParaRPr>
-          </a:p>
-          <a:p>
-            <a:pPr marL="685800" indent="-542925">
-              <a:lnSpc>
-                <a:spcPct val="115000"/>
-              </a:lnSpc>
-              <a:spcBef>
-                <a:spcPts val="1125"/>
-              </a:spcBef>
-              <a:buClr>
-                <a:srgbClr val="C00000"/>
-              </a:buClr>
-              <a:buSzPts val="2100"/>
-              <a:buFont typeface="Arial"/>
-              <a:buAutoNum type="arabicPeriod"/>
-            </a:pPr>
-            <a:r>
-              <a:rPr lang="en-US" sz="3600" dirty="0">
-                <a:solidFill>
-                  <a:srgbClr val="C00000"/>
-                </a:solidFill>
-                <a:latin typeface="Pragmatica" panose="020B0403040502020204"/>
-                <a:sym typeface="Consolas"/>
-              </a:rPr>
-              <a:t>Importing data from picture</a:t>
-            </a:r>
-          </a:p>
-          <a:p>
-            <a:pPr marL="685800" indent="-542925">
-              <a:lnSpc>
-                <a:spcPct val="115000"/>
-              </a:lnSpc>
-              <a:spcBef>
-                <a:spcPts val="1125"/>
-              </a:spcBef>
-              <a:buClr>
-                <a:srgbClr val="C00000"/>
-              </a:buClr>
-              <a:buSzPts val="2100"/>
-              <a:buFont typeface="Arial"/>
-              <a:buAutoNum type="arabicPeriod"/>
-            </a:pPr>
-            <a:r>
-              <a:rPr lang="en-US" sz="3600" dirty="0">
-                <a:solidFill>
-                  <a:srgbClr val="C00000"/>
-                </a:solidFill>
-                <a:latin typeface="Pragmatica" panose="020B0403040502020204"/>
-                <a:sym typeface="Consolas"/>
-              </a:rPr>
-              <a:t>Creating forecasts with Forecast Sheet</a:t>
-            </a:r>
-          </a:p>
-          <a:p>
-            <a:pPr marL="685800" indent="-542925">
-              <a:lnSpc>
-                <a:spcPct val="115000"/>
-              </a:lnSpc>
-              <a:spcBef>
-                <a:spcPts val="1125"/>
-              </a:spcBef>
-              <a:buClr>
-                <a:srgbClr val="C00000"/>
-              </a:buClr>
-              <a:buSzPts val="2100"/>
-              <a:buFont typeface="Arial"/>
-              <a:buAutoNum type="arabicPeriod"/>
-            </a:pPr>
-            <a:r>
-              <a:rPr lang="en-US" sz="3600" dirty="0">
-                <a:solidFill>
-                  <a:srgbClr val="C00000"/>
-                </a:solidFill>
-                <a:latin typeface="Pragmatica" panose="020B0403040502020204"/>
-                <a:sym typeface="Consolas"/>
-              </a:rPr>
-              <a:t>Enhancing insights with linked data types</a:t>
-            </a:r>
-          </a:p>
-          <a:p>
-            <a:pPr marL="685800" indent="-542925">
-              <a:lnSpc>
-                <a:spcPct val="115000"/>
-              </a:lnSpc>
-              <a:spcBef>
-                <a:spcPts val="1125"/>
-              </a:spcBef>
-              <a:buClr>
-                <a:srgbClr val="C00000"/>
-              </a:buClr>
-              <a:buSzPts val="2100"/>
-              <a:buFont typeface="Arial"/>
-              <a:buAutoNum type="arabicPeriod"/>
-            </a:pPr>
-            <a:endParaRPr lang="en-US" sz="3600" dirty="0">
-              <a:solidFill>
-                <a:srgbClr val="C00000"/>
-              </a:solidFill>
-              <a:latin typeface="Pragmatica" panose="020B0403040502020204"/>
-              <a:sym typeface="Consolas"/>
-            </a:endParaRPr>
-          </a:p>
-          <a:p>
-            <a:pPr marL="142875">
-              <a:lnSpc>
-                <a:spcPct val="115000"/>
-              </a:lnSpc>
-              <a:spcBef>
-                <a:spcPts val="1125"/>
-              </a:spcBef>
-              <a:buClr>
-                <a:srgbClr val="C00000"/>
-              </a:buClr>
-              <a:buSzPts val="2100"/>
-            </a:pPr>
-            <a:r>
-              <a:rPr lang="en-US" sz="3600" dirty="0">
-                <a:solidFill>
-                  <a:srgbClr val="C00000"/>
-                </a:solidFill>
-                <a:latin typeface="Pragmatica" panose="020B0403040502020204"/>
-                <a:sym typeface="Consolas"/>
-              </a:rPr>
-              <a:t>File: </a:t>
-            </a:r>
-            <a:r>
-              <a:rPr lang="en-US" sz="3600" dirty="0">
-                <a:solidFill>
-                  <a:srgbClr val="C00000"/>
-                </a:solidFill>
-                <a:latin typeface="Consolas" panose="020B0609020204030204" pitchFamily="49" charset="0"/>
-                <a:sym typeface="Consolas"/>
-              </a:rPr>
-              <a:t>ai-powered-data-entry-forecasting.xlsx</a:t>
-            </a:r>
-            <a:endParaRPr lang="en-US" sz="6000" dirty="0">
-              <a:solidFill>
-                <a:srgbClr val="CF3338"/>
-              </a:solidFill>
-              <a:latin typeface="Consolas" panose="020B0609020204030204" pitchFamily="49" charset="0"/>
-            </a:endParaRPr>
-          </a:p>
-          <a:p>
-            <a:endParaRPr lang="en-US" sz="6000" dirty="0">
-              <a:solidFill>
-                <a:srgbClr val="CF3338"/>
-              </a:solidFill>
-              <a:latin typeface="Pragmatica" panose="020B0403040502020204" pitchFamily="34" charset="0"/>
-            </a:endParaRPr>
+              <a:rPr lang="en-US" sz="9900" b="1" dirty="0">
+                <a:solidFill>
+                  <a:schemeClr val="bg1"/>
+                </a:solidFill>
+                <a:latin typeface="Normafixed Tryout" panose="00000409000000000000" pitchFamily="49" charset="0"/>
+              </a:rPr>
+              <a:t>2. AI-Powered Data Entry and Forecasting</a:t>
+            </a:r>
           </a:p>
         </p:txBody>
       </p:sp>
     </p:spTree>
     <p:extLst>
       <p:ext uri="{BB962C8B-B14F-4D97-AF65-F5344CB8AC3E}">
-        <p14:creationId xmlns:p14="http://schemas.microsoft.com/office/powerpoint/2010/main" val="3338017956"/>
+        <p14:creationId xmlns:p14="http://schemas.microsoft.com/office/powerpoint/2010/main" val="3261205573"/>
       </p:ext>
     </p:extLst>
   </p:cSld>
@@ -5668,7 +5483,7 @@
         <p:spPr>
           <a:xfrm>
             <a:off x="260431" y="329879"/>
-            <a:ext cx="8906720" cy="8027326"/>
+            <a:ext cx="8906720" cy="8036559"/>
           </a:xfrm>
           <a:prstGeom prst="rect">
             <a:avLst/>
@@ -5688,11 +5503,19 @@
                 </a:solidFill>
                 <a:latin typeface="Pragmatica" panose="020B0403040502020204" pitchFamily="34" charset="0"/>
               </a:rPr>
-              <a:t>AI-powered data entry and forecasting EXERCISE</a:t>
-            </a:r>
-          </a:p>
-          <a:p>
-            <a:pPr marL="142875">
+              <a:t>AI-powered data entry and forecasting </a:t>
+            </a:r>
+          </a:p>
+          <a:p>
+            <a:endParaRPr lang="en-US" sz="4200" dirty="0">
+              <a:solidFill>
+                <a:srgbClr val="CF3338"/>
+              </a:solidFill>
+              <a:latin typeface="Pragmatica" panose="020B0403040502020204" pitchFamily="34" charset="0"/>
+            </a:endParaRPr>
+          </a:p>
+          <a:p>
+            <a:pPr marL="685800" indent="-542925">
               <a:lnSpc>
                 <a:spcPct val="115000"/>
               </a:lnSpc>
@@ -5703,17 +5526,22 @@
                 <a:srgbClr val="C00000"/>
               </a:buClr>
               <a:buSzPts val="2100"/>
+              <a:buFont typeface="Arial"/>
+              <a:buAutoNum type="arabicPeriod"/>
             </a:pPr>
-            <a:endParaRPr lang="en-US" sz="3600" dirty="0">
-              <a:solidFill>
-                <a:srgbClr val="C00000"/>
-              </a:solidFill>
-              <a:latin typeface="Pragmatica" panose="020B0403040502020204"/>
-              <a:sym typeface="Consolas"/>
-            </a:endParaRPr>
-          </a:p>
-          <a:p>
-            <a:pPr marL="714375" indent="-571500">
+            <a:r>
+              <a:rPr lang="en-US" sz="3600" dirty="0">
+                <a:solidFill>
+                  <a:srgbClr val="C00000"/>
+                </a:solidFill>
+                <a:latin typeface="Pragmatica" panose="020B0403040502020204"/>
+                <a:sym typeface="Consolas"/>
+              </a:rPr>
+              <a:t>Importing data from picture</a:t>
+            </a:r>
+          </a:p>
+          <a:p>
+            <a:pPr marL="685800" indent="-542925">
               <a:lnSpc>
                 <a:spcPct val="115000"/>
               </a:lnSpc>
@@ -5724,8 +5552,8 @@
                 <a:srgbClr val="C00000"/>
               </a:buClr>
               <a:buSzPts val="2100"/>
-              <a:buFont typeface="Arial" panose="020B0604020202020204" pitchFamily="34" charset="0"/>
-              <a:buChar char="•"/>
+              <a:buFont typeface="Arial"/>
+              <a:buAutoNum type="arabicPeriod"/>
             </a:pPr>
             <a:r>
               <a:rPr lang="en-US" sz="3600" dirty="0">
@@ -5735,11 +5563,11 @@
                 <a:latin typeface="Pragmatica" panose="020B0403040502020204"/>
                 <a:sym typeface="Consolas"/>
               </a:rPr>
-              <a:t>Create a population forecast for the selected European countries</a:t>
-            </a:r>
-          </a:p>
-          <a:p>
-            <a:pPr marL="714375" indent="-571500">
+              <a:t>Creating forecasts with Forecast Sheet</a:t>
+            </a:r>
+          </a:p>
+          <a:p>
+            <a:pPr marL="685800" indent="-542925">
               <a:lnSpc>
                 <a:spcPct val="115000"/>
               </a:lnSpc>
@@ -5750,8 +5578,8 @@
                 <a:srgbClr val="C00000"/>
               </a:buClr>
               <a:buSzPts val="2100"/>
-              <a:buFont typeface="Arial" panose="020B0604020202020204" pitchFamily="34" charset="0"/>
-              <a:buChar char="•"/>
+              <a:buFont typeface="Arial"/>
+              <a:buAutoNum type="arabicPeriod"/>
             </a:pPr>
             <a:r>
               <a:rPr lang="en-US" sz="3600" dirty="0">
@@ -5761,7 +5589,7 @@
                 <a:latin typeface="Pragmatica" panose="020B0403040502020204"/>
                 <a:sym typeface="Consolas"/>
               </a:rPr>
-              <a:t>Enhance your data with linked data types</a:t>
+              <a:t>Enhancing insights with linked data types</a:t>
             </a:r>
           </a:p>
           <a:p>
@@ -5818,6 +5646,289 @@
                 <a:latin typeface="Consolas" panose="020B0609020204030204" pitchFamily="49" charset="0"/>
                 <a:sym typeface="Consolas"/>
               </a:rPr>
+              <a:t>ai-powered-data-entry-forecasting.xlsx</a:t>
+            </a:r>
+            <a:endParaRPr lang="en-US" sz="6000" dirty="0">
+              <a:solidFill>
+                <a:srgbClr val="CF3338"/>
+              </a:solidFill>
+              <a:latin typeface="Consolas" panose="020B0609020204030204" pitchFamily="49" charset="0"/>
+            </a:endParaRPr>
+          </a:p>
+          <a:p>
+            <a:endParaRPr lang="en-US" sz="6000" dirty="0">
+              <a:solidFill>
+                <a:srgbClr val="CF3338"/>
+              </a:solidFill>
+              <a:latin typeface="Pragmatica" panose="020B0403040502020204" pitchFamily="34" charset="0"/>
+            </a:endParaRPr>
+          </a:p>
+        </p:txBody>
+      </p:sp>
+    </p:spTree>
+    <p:extLst>
+      <p:ext uri="{BB962C8B-B14F-4D97-AF65-F5344CB8AC3E}">
+        <p14:creationId xmlns:p14="http://schemas.microsoft.com/office/powerpoint/2010/main" val="3338017956"/>
+      </p:ext>
+    </p:extLst>
+  </p:cSld>
+  <p:clrMapOvr>
+    <a:masterClrMapping/>
+  </p:clrMapOvr>
+</p:sld>
+</file>
+
+<file path=ppt/slides/slide12.xml><?xml version="1.0" encoding="utf-8"?>
+<p:sld xmlns:a="http://schemas.openxmlformats.org/drawingml/2006/main" xmlns:r="http://schemas.openxmlformats.org/officeDocument/2006/relationships" xmlns:p="http://schemas.openxmlformats.org/presentationml/2006/main">
+  <p:cSld>
+    <p:spTree>
+      <p:nvGrpSpPr>
+        <p:cNvPr id="1" name=""/>
+        <p:cNvGrpSpPr/>
+        <p:nvPr/>
+      </p:nvGrpSpPr>
+      <p:grpSpPr>
+        <a:xfrm>
+          <a:off x="0" y="0"/>
+          <a:ext cx="0" cy="0"/>
+          <a:chOff x="0" y="0"/>
+          <a:chExt cx="0" cy="0"/>
+        </a:xfrm>
+      </p:grpSpPr>
+      <p:sp>
+        <p:nvSpPr>
+          <p:cNvPr id="4" name="Rectangle 3"/>
+          <p:cNvSpPr/>
+          <p:nvPr/>
+        </p:nvSpPr>
+        <p:spPr>
+          <a:xfrm>
+            <a:off x="9861630" y="0"/>
+            <a:ext cx="8426370" cy="10287000"/>
+          </a:xfrm>
+          <a:prstGeom prst="rect">
+            <a:avLst/>
+          </a:prstGeom>
+          <a:solidFill>
+            <a:srgbClr val="CF3338"/>
+          </a:solidFill>
+          <a:ln>
+            <a:noFill/>
+          </a:ln>
+        </p:spPr>
+        <p:style>
+          <a:lnRef idx="2">
+            <a:schemeClr val="accent1">
+              <a:shade val="50000"/>
+            </a:schemeClr>
+          </a:lnRef>
+          <a:fillRef idx="1">
+            <a:schemeClr val="accent1"/>
+          </a:fillRef>
+          <a:effectRef idx="0">
+            <a:schemeClr val="accent1"/>
+          </a:effectRef>
+          <a:fontRef idx="minor">
+            <a:schemeClr val="lt1"/>
+          </a:fontRef>
+        </p:style>
+        <p:txBody>
+          <a:bodyPr rtlCol="0" anchor="ctr"/>
+          <a:lstStyle/>
+          <a:p>
+            <a:pPr algn="ctr"/>
+            <a:endParaRPr lang="en-US" sz="2700"/>
+          </a:p>
+        </p:txBody>
+      </p:sp>
+      <p:pic>
+        <p:nvPicPr>
+          <p:cNvPr id="2" name="Picture 1"/>
+          <p:cNvPicPr>
+            <a:picLocks noChangeAspect="1"/>
+          </p:cNvPicPr>
+          <p:nvPr/>
+        </p:nvPicPr>
+        <p:blipFill rotWithShape="1">
+          <a:blip r:embed="rId3">
+            <a:extLst>
+              <a:ext uri="{28A0092B-C50C-407E-A947-70E740481C1C}">
+                <a14:useLocalDpi xmlns:a14="http://schemas.microsoft.com/office/drawing/2010/main" val="0"/>
+              </a:ext>
+            </a:extLst>
+          </a:blip>
+          <a:srcRect l="69227" t="33418" r="20112" b="50548"/>
+          <a:stretch/>
+        </p:blipFill>
+        <p:spPr>
+          <a:xfrm>
+            <a:off x="15579524" y="7544693"/>
+            <a:ext cx="2708477" cy="2987579"/>
+          </a:xfrm>
+          <a:prstGeom prst="rect">
+            <a:avLst/>
+          </a:prstGeom>
+        </p:spPr>
+      </p:pic>
+      <p:sp>
+        <p:nvSpPr>
+          <p:cNvPr id="3" name="TextBox 2"/>
+          <p:cNvSpPr txBox="1"/>
+          <p:nvPr/>
+        </p:nvSpPr>
+        <p:spPr>
+          <a:xfrm>
+            <a:off x="260431" y="329879"/>
+            <a:ext cx="8906720" cy="8027326"/>
+          </a:xfrm>
+          <a:prstGeom prst="rect">
+            <a:avLst/>
+          </a:prstGeom>
+          <a:noFill/>
+        </p:spPr>
+        <p:txBody>
+          <a:bodyPr wrap="square" rtlCol="0">
+            <a:spAutoFit/>
+          </a:bodyPr>
+          <a:lstStyle/>
+          <a:p>
+            <a:r>
+              <a:rPr lang="en-US" sz="6000" b="1" dirty="0">
+                <a:solidFill>
+                  <a:srgbClr val="CF3338"/>
+                </a:solidFill>
+                <a:latin typeface="Pragmatica" panose="020B0403040502020204" pitchFamily="34" charset="0"/>
+              </a:rPr>
+              <a:t>AI-powered data entry and forecasting EXERCISE</a:t>
+            </a:r>
+          </a:p>
+          <a:p>
+            <a:pPr marL="142875">
+              <a:lnSpc>
+                <a:spcPct val="115000"/>
+              </a:lnSpc>
+              <a:spcBef>
+                <a:spcPts val="1125"/>
+              </a:spcBef>
+              <a:buClr>
+                <a:srgbClr val="C00000"/>
+              </a:buClr>
+              <a:buSzPts val="2100"/>
+            </a:pPr>
+            <a:endParaRPr lang="en-US" sz="3600" dirty="0">
+              <a:solidFill>
+                <a:srgbClr val="C00000"/>
+              </a:solidFill>
+              <a:latin typeface="Pragmatica" panose="020B0403040502020204"/>
+              <a:sym typeface="Consolas"/>
+            </a:endParaRPr>
+          </a:p>
+          <a:p>
+            <a:pPr marL="714375" indent="-571500">
+              <a:lnSpc>
+                <a:spcPct val="115000"/>
+              </a:lnSpc>
+              <a:spcBef>
+                <a:spcPts val="1125"/>
+              </a:spcBef>
+              <a:buClr>
+                <a:srgbClr val="C00000"/>
+              </a:buClr>
+              <a:buSzPts val="2100"/>
+              <a:buFont typeface="Arial" panose="020B0604020202020204" pitchFamily="34" charset="0"/>
+              <a:buChar char="•"/>
+            </a:pPr>
+            <a:r>
+              <a:rPr lang="en-US" sz="3600" dirty="0">
+                <a:solidFill>
+                  <a:srgbClr val="C00000"/>
+                </a:solidFill>
+                <a:latin typeface="Pragmatica" panose="020B0403040502020204"/>
+                <a:sym typeface="Consolas"/>
+              </a:rPr>
+              <a:t>Create a population forecast for the selected European countries</a:t>
+            </a:r>
+          </a:p>
+          <a:p>
+            <a:pPr marL="714375" indent="-571500">
+              <a:lnSpc>
+                <a:spcPct val="115000"/>
+              </a:lnSpc>
+              <a:spcBef>
+                <a:spcPts val="1125"/>
+              </a:spcBef>
+              <a:buClr>
+                <a:srgbClr val="C00000"/>
+              </a:buClr>
+              <a:buSzPts val="2100"/>
+              <a:buFont typeface="Arial" panose="020B0604020202020204" pitchFamily="34" charset="0"/>
+              <a:buChar char="•"/>
+            </a:pPr>
+            <a:r>
+              <a:rPr lang="en-US" sz="3600" dirty="0">
+                <a:solidFill>
+                  <a:srgbClr val="C00000"/>
+                </a:solidFill>
+                <a:latin typeface="Pragmatica" panose="020B0403040502020204"/>
+                <a:sym typeface="Consolas"/>
+              </a:rPr>
+              <a:t>Enhance your data with linked data types</a:t>
+            </a:r>
+          </a:p>
+          <a:p>
+            <a:pPr marL="685800" indent="-542925">
+              <a:lnSpc>
+                <a:spcPct val="115000"/>
+              </a:lnSpc>
+              <a:spcBef>
+                <a:spcPts val="1125"/>
+              </a:spcBef>
+              <a:buClr>
+                <a:srgbClr val="C00000"/>
+              </a:buClr>
+              <a:buSzPts val="2100"/>
+              <a:buFont typeface="Arial"/>
+              <a:buAutoNum type="arabicPeriod"/>
+            </a:pPr>
+            <a:endParaRPr lang="en-US" sz="3600" dirty="0">
+              <a:solidFill>
+                <a:srgbClr val="C00000"/>
+              </a:solidFill>
+              <a:latin typeface="Pragmatica" panose="020B0403040502020204"/>
+              <a:sym typeface="Consolas"/>
+            </a:endParaRPr>
+          </a:p>
+          <a:p>
+            <a:pPr marL="142875">
+              <a:lnSpc>
+                <a:spcPct val="115000"/>
+              </a:lnSpc>
+              <a:spcBef>
+                <a:spcPts val="1125"/>
+              </a:spcBef>
+              <a:buClr>
+                <a:srgbClr val="C00000"/>
+              </a:buClr>
+              <a:buSzPts val="2100"/>
+            </a:pPr>
+            <a:r>
+              <a:rPr lang="en-US" sz="3600" dirty="0">
+                <a:solidFill>
+                  <a:srgbClr val="C00000"/>
+                </a:solidFill>
+                <a:latin typeface="Pragmatica" panose="020B0403040502020204"/>
+                <a:sym typeface="Consolas"/>
+              </a:rPr>
+              <a:t>File: </a:t>
+            </a:r>
+            <a:r>
+              <a:rPr lang="en-US" sz="3600" dirty="0">
+                <a:solidFill>
+                  <a:srgbClr val="C00000"/>
+                </a:solidFill>
+                <a:latin typeface="Consolas" panose="020B0609020204030204" pitchFamily="49" charset="0"/>
+                <a:sym typeface="Consolas"/>
+              </a:rPr>
               <a:t>ai-powered-data-manipulation-exercise.xlsx</a:t>
             </a:r>
             <a:endParaRPr lang="en-US" sz="6000" dirty="0">
@@ -5850,7 +5961,7 @@
 </p:sld>
 </file>
 
-<file path=ppt/slides/slide12.xml><?xml version="1.0" encoding="utf-8"?>
+<file path=ppt/slides/slide13.xml><?xml version="1.0" encoding="utf-8"?>
 <p:sld xmlns:a="http://schemas.openxmlformats.org/drawingml/2006/main" xmlns:r="http://schemas.openxmlformats.org/officeDocument/2006/relationships" xmlns:p="http://schemas.openxmlformats.org/presentationml/2006/main">
   <p:cSld>
     <p:spTree>
@@ -6008,116 +6119,6 @@
 </p:sld>
 </file>
 
-<file path=ppt/slides/slide13.xml><?xml version="1.0" encoding="utf-8"?>
-<p:sld xmlns:a="http://schemas.openxmlformats.org/drawingml/2006/main" xmlns:r="http://schemas.openxmlformats.org/officeDocument/2006/relationships" xmlns:p="http://schemas.openxmlformats.org/presentationml/2006/main">
-  <p:cSld>
-    <p:spTree>
-      <p:nvGrpSpPr>
-        <p:cNvPr id="1" name=""/>
-        <p:cNvGrpSpPr/>
-        <p:nvPr/>
-      </p:nvGrpSpPr>
-      <p:grpSpPr>
-        <a:xfrm>
-          <a:off x="0" y="0"/>
-          <a:ext cx="0" cy="0"/>
-          <a:chOff x="0" y="0"/>
-          <a:chExt cx="0" cy="0"/>
-        </a:xfrm>
-      </p:grpSpPr>
-      <p:sp>
-        <p:nvSpPr>
-          <p:cNvPr id="4" name="Rectangle 3"/>
-          <p:cNvSpPr/>
-          <p:nvPr/>
-        </p:nvSpPr>
-        <p:spPr>
-          <a:xfrm>
-            <a:off x="0" y="0"/>
-            <a:ext cx="18288000" cy="10287000"/>
-          </a:xfrm>
-          <a:prstGeom prst="rect">
-            <a:avLst/>
-          </a:prstGeom>
-          <a:solidFill>
-            <a:srgbClr val="CF3338"/>
-          </a:solidFill>
-          <a:ln>
-            <a:noFill/>
-          </a:ln>
-        </p:spPr>
-        <p:style>
-          <a:lnRef idx="2">
-            <a:schemeClr val="accent1">
-              <a:shade val="50000"/>
-            </a:schemeClr>
-          </a:lnRef>
-          <a:fillRef idx="1">
-            <a:schemeClr val="accent1"/>
-          </a:fillRef>
-          <a:effectRef idx="0">
-            <a:schemeClr val="accent1"/>
-          </a:effectRef>
-          <a:fontRef idx="minor">
-            <a:schemeClr val="lt1"/>
-          </a:fontRef>
-        </p:style>
-        <p:txBody>
-          <a:bodyPr rtlCol="0" anchor="ctr"/>
-          <a:lstStyle/>
-          <a:p>
-            <a:pPr algn="ctr"/>
-            <a:endParaRPr lang="en-US" sz="2700"/>
-          </a:p>
-        </p:txBody>
-      </p:sp>
-      <p:sp>
-        <p:nvSpPr>
-          <p:cNvPr id="5" name="TextBox 4"/>
-          <p:cNvSpPr txBox="1"/>
-          <p:nvPr/>
-        </p:nvSpPr>
-        <p:spPr>
-          <a:xfrm>
-            <a:off x="781292" y="590309"/>
-            <a:ext cx="15486926" cy="3139321"/>
-          </a:xfrm>
-          <a:prstGeom prst="rect">
-            <a:avLst/>
-          </a:prstGeom>
-          <a:noFill/>
-        </p:spPr>
-        <p:txBody>
-          <a:bodyPr wrap="square" rtlCol="0">
-            <a:spAutoFit/>
-          </a:bodyPr>
-          <a:lstStyle/>
-          <a:p>
-            <a:r>
-              <a:rPr lang="en-US" sz="9900" b="1" dirty="0">
-                <a:solidFill>
-                  <a:schemeClr val="bg1"/>
-                </a:solidFill>
-                <a:latin typeface="Normafixed Tryout" panose="00000409000000000000" pitchFamily="49" charset="0"/>
-              </a:rPr>
-              <a:t>3. AI-Powered Data Analysis and Visualization</a:t>
-            </a:r>
-          </a:p>
-        </p:txBody>
-      </p:sp>
-    </p:spTree>
-    <p:extLst>
-      <p:ext uri="{BB962C8B-B14F-4D97-AF65-F5344CB8AC3E}">
-        <p14:creationId xmlns:p14="http://schemas.microsoft.com/office/powerpoint/2010/main" val="2305170524"/>
-      </p:ext>
-    </p:extLst>
-  </p:cSld>
-  <p:clrMapOvr>
-    <a:masterClrMapping/>
-  </p:clrMapOvr>
-</p:sld>
-</file>
-
 <file path=ppt/slides/slide14.xml><?xml version="1.0" encoding="utf-8"?>
 <p:sld xmlns:a="http://schemas.openxmlformats.org/drawingml/2006/main" xmlns:r="http://schemas.openxmlformats.org/officeDocument/2006/relationships" xmlns:p="http://schemas.openxmlformats.org/presentationml/2006/main">
   <p:cSld>
@@ -6143,8 +6144,8 @@
         </p:nvSpPr>
         <p:spPr>
           <a:xfrm>
-            <a:off x="9861630" y="0"/>
-            <a:ext cx="8426370" cy="10287000"/>
+            <a:off x="0" y="0"/>
+            <a:ext cx="18288000" cy="10287000"/>
           </a:xfrm>
           <a:prstGeom prst="rect">
             <a:avLst/>
@@ -6181,45 +6182,16 @@
           </a:p>
         </p:txBody>
       </p:sp>
-      <p:pic>
-        <p:nvPicPr>
-          <p:cNvPr id="2" name="Picture 1"/>
-          <p:cNvPicPr>
-            <a:picLocks noChangeAspect="1"/>
-          </p:cNvPicPr>
-          <p:nvPr/>
-        </p:nvPicPr>
-        <p:blipFill rotWithShape="1">
-          <a:blip r:embed="rId3">
-            <a:extLst>
-              <a:ext uri="{28A0092B-C50C-407E-A947-70E740481C1C}">
-                <a14:useLocalDpi xmlns:a14="http://schemas.microsoft.com/office/drawing/2010/main" val="0"/>
-              </a:ext>
-            </a:extLst>
-          </a:blip>
-          <a:srcRect l="69227" t="33418" r="20112" b="50548"/>
-          <a:stretch/>
-        </p:blipFill>
-        <p:spPr>
-          <a:xfrm>
-            <a:off x="15579524" y="7544693"/>
-            <a:ext cx="2708477" cy="2987579"/>
-          </a:xfrm>
-          <a:prstGeom prst="rect">
-            <a:avLst/>
-          </a:prstGeom>
-        </p:spPr>
-      </p:pic>
-      <p:sp>
-        <p:nvSpPr>
-          <p:cNvPr id="3" name="TextBox 2"/>
+      <p:sp>
+        <p:nvSpPr>
+          <p:cNvPr id="5" name="TextBox 4"/>
           <p:cNvSpPr txBox="1"/>
           <p:nvPr/>
         </p:nvSpPr>
         <p:spPr>
           <a:xfrm>
-            <a:off x="260431" y="329879"/>
-            <a:ext cx="8906720" cy="7895495"/>
+            <a:off x="781292" y="590309"/>
+            <a:ext cx="15486926" cy="3139321"/>
           </a:xfrm>
           <a:prstGeom prst="rect">
             <a:avLst/>
@@ -6233,150 +6205,21 @@
           <a:lstStyle/>
           <a:p>
             <a:r>
-              <a:rPr lang="en-US" sz="6000" b="1" dirty="0">
-                <a:solidFill>
-                  <a:srgbClr val="CF3338"/>
-                </a:solidFill>
-                <a:latin typeface="Pragmatica" panose="020B0403040502020204" pitchFamily="34" charset="0"/>
-              </a:rPr>
-              <a:t>AI-powered data analysis and visualization</a:t>
-            </a:r>
-          </a:p>
-          <a:p>
-            <a:endParaRPr lang="en-US" sz="4200" dirty="0">
-              <a:solidFill>
-                <a:srgbClr val="CF3338"/>
-              </a:solidFill>
-              <a:latin typeface="Pragmatica" panose="020B0403040502020204" pitchFamily="34" charset="0"/>
-            </a:endParaRPr>
-          </a:p>
-          <a:p>
-            <a:pPr marL="685800" indent="-542925">
-              <a:lnSpc>
-                <a:spcPct val="115000"/>
-              </a:lnSpc>
-              <a:spcBef>
-                <a:spcPts val="1125"/>
-              </a:spcBef>
-              <a:buClr>
-                <a:srgbClr val="C00000"/>
-              </a:buClr>
-              <a:buSzPts val="2100"/>
-              <a:buFont typeface="Arial"/>
-              <a:buAutoNum type="arabicPeriod"/>
-            </a:pPr>
-            <a:r>
-              <a:rPr lang="en-US" sz="3600" dirty="0">
-                <a:solidFill>
-                  <a:srgbClr val="C00000"/>
-                </a:solidFill>
-                <a:latin typeface="Pragmatica" panose="020B0403040502020204"/>
-                <a:sym typeface="Consolas"/>
-              </a:rPr>
-              <a:t>Preparing data for Analyze Data</a:t>
-            </a:r>
-          </a:p>
-          <a:p>
-            <a:pPr marL="685800" indent="-542925">
-              <a:lnSpc>
-                <a:spcPct val="115000"/>
-              </a:lnSpc>
-              <a:spcBef>
-                <a:spcPts val="1125"/>
-              </a:spcBef>
-              <a:buClr>
-                <a:srgbClr val="C00000"/>
-              </a:buClr>
-              <a:buSzPts val="2100"/>
-              <a:buFont typeface="Arial"/>
-              <a:buAutoNum type="arabicPeriod"/>
-            </a:pPr>
-            <a:r>
-              <a:rPr lang="en-US" sz="3600" dirty="0">
-                <a:solidFill>
-                  <a:srgbClr val="C00000"/>
-                </a:solidFill>
-                <a:latin typeface="Pragmatica" panose="020B0403040502020204"/>
-                <a:sym typeface="Consolas"/>
-              </a:rPr>
-              <a:t>Basics of natural language querying &amp; prompt engineering</a:t>
-            </a:r>
-          </a:p>
-          <a:p>
-            <a:pPr marL="142875">
-              <a:lnSpc>
-                <a:spcPct val="115000"/>
-              </a:lnSpc>
-              <a:spcBef>
-                <a:spcPts val="1125"/>
-              </a:spcBef>
-              <a:buClr>
-                <a:srgbClr val="C00000"/>
-              </a:buClr>
-              <a:buSzPts val="2100"/>
-            </a:pPr>
-            <a:endParaRPr lang="en-US" sz="3600" dirty="0">
-              <a:solidFill>
-                <a:srgbClr val="C00000"/>
-              </a:solidFill>
-              <a:latin typeface="Pragmatica" panose="020B0403040502020204"/>
-              <a:sym typeface="Consolas"/>
-            </a:endParaRPr>
-          </a:p>
-          <a:p>
-            <a:pPr marL="142875">
-              <a:lnSpc>
-                <a:spcPct val="115000"/>
-              </a:lnSpc>
-              <a:spcBef>
-                <a:spcPts val="1125"/>
-              </a:spcBef>
-              <a:buClr>
-                <a:srgbClr val="C00000"/>
-              </a:buClr>
-              <a:buSzPts val="2100"/>
-            </a:pPr>
-            <a:r>
-              <a:rPr lang="en-US" sz="3600" dirty="0">
-                <a:solidFill>
-                  <a:srgbClr val="C00000"/>
-                </a:solidFill>
-                <a:latin typeface="Pragmatica" panose="020B0403040502020204"/>
-                <a:sym typeface="Consolas"/>
-              </a:rPr>
-              <a:t>File: </a:t>
-            </a:r>
-            <a:r>
-              <a:rPr lang="en-US" sz="3600" dirty="0">
-                <a:solidFill>
-                  <a:srgbClr val="C00000"/>
-                </a:solidFill>
-                <a:latin typeface="Consolas" panose="020B0609020204030204" pitchFamily="49" charset="0"/>
-                <a:sym typeface="Consolas"/>
-              </a:rPr>
-              <a:t>ai-powered-data-analysis-visualization.xlsx</a:t>
-            </a:r>
-            <a:endParaRPr lang="en-US" sz="6000" dirty="0">
-              <a:solidFill>
-                <a:srgbClr val="CF3338"/>
-              </a:solidFill>
-              <a:latin typeface="Consolas" panose="020B0609020204030204" pitchFamily="49" charset="0"/>
-            </a:endParaRPr>
-          </a:p>
-          <a:p>
-            <a:endParaRPr lang="en-US" sz="6000" dirty="0">
-              <a:solidFill>
-                <a:srgbClr val="CF3338"/>
-              </a:solidFill>
-              <a:latin typeface="Pragmatica" panose="020B0403040502020204" pitchFamily="34" charset="0"/>
-            </a:endParaRPr>
+              <a:rPr lang="en-US" sz="9900" b="1" dirty="0">
+                <a:solidFill>
+                  <a:schemeClr val="bg1"/>
+                </a:solidFill>
+                <a:latin typeface="Normafixed Tryout" panose="00000409000000000000" pitchFamily="49" charset="0"/>
+              </a:rPr>
+              <a:t>3. AI-Powered Data Analysis and Visualization</a:t>
+            </a:r>
           </a:p>
         </p:txBody>
       </p:sp>
     </p:spTree>
     <p:extLst>
       <p:ext uri="{BB962C8B-B14F-4D97-AF65-F5344CB8AC3E}">
-        <p14:creationId xmlns:p14="http://schemas.microsoft.com/office/powerpoint/2010/main" val="3717021490"/>
+        <p14:creationId xmlns:p14="http://schemas.microsoft.com/office/powerpoint/2010/main" val="2305170524"/>
       </p:ext>
     </p:extLst>
   </p:cSld>
@@ -6487,6 +6330,274 @@
         <p:spPr>
           <a:xfrm>
             <a:off x="260431" y="329879"/>
+            <a:ext cx="8906720" cy="7895495"/>
+          </a:xfrm>
+          <a:prstGeom prst="rect">
+            <a:avLst/>
+          </a:prstGeom>
+          <a:noFill/>
+        </p:spPr>
+        <p:txBody>
+          <a:bodyPr wrap="square" rtlCol="0">
+            <a:spAutoFit/>
+          </a:bodyPr>
+          <a:lstStyle/>
+          <a:p>
+            <a:r>
+              <a:rPr lang="en-US" sz="6000" b="1" dirty="0">
+                <a:solidFill>
+                  <a:srgbClr val="CF3338"/>
+                </a:solidFill>
+                <a:latin typeface="Pragmatica" panose="020B0403040502020204" pitchFamily="34" charset="0"/>
+              </a:rPr>
+              <a:t>AI-powered data analysis and visualization</a:t>
+            </a:r>
+          </a:p>
+          <a:p>
+            <a:endParaRPr lang="en-US" sz="4200" dirty="0">
+              <a:solidFill>
+                <a:srgbClr val="CF3338"/>
+              </a:solidFill>
+              <a:latin typeface="Pragmatica" panose="020B0403040502020204" pitchFamily="34" charset="0"/>
+            </a:endParaRPr>
+          </a:p>
+          <a:p>
+            <a:pPr marL="685800" indent="-542925">
+              <a:lnSpc>
+                <a:spcPct val="115000"/>
+              </a:lnSpc>
+              <a:spcBef>
+                <a:spcPts val="1125"/>
+              </a:spcBef>
+              <a:buClr>
+                <a:srgbClr val="C00000"/>
+              </a:buClr>
+              <a:buSzPts val="2100"/>
+              <a:buFont typeface="Arial"/>
+              <a:buAutoNum type="arabicPeriod"/>
+            </a:pPr>
+            <a:r>
+              <a:rPr lang="en-US" sz="3600" dirty="0">
+                <a:solidFill>
+                  <a:srgbClr val="C00000"/>
+                </a:solidFill>
+                <a:latin typeface="Pragmatica" panose="020B0403040502020204"/>
+                <a:sym typeface="Consolas"/>
+              </a:rPr>
+              <a:t>Preparing data for Analyze Data</a:t>
+            </a:r>
+          </a:p>
+          <a:p>
+            <a:pPr marL="685800" indent="-542925">
+              <a:lnSpc>
+                <a:spcPct val="115000"/>
+              </a:lnSpc>
+              <a:spcBef>
+                <a:spcPts val="1125"/>
+              </a:spcBef>
+              <a:buClr>
+                <a:srgbClr val="C00000"/>
+              </a:buClr>
+              <a:buSzPts val="2100"/>
+              <a:buFont typeface="Arial"/>
+              <a:buAutoNum type="arabicPeriod"/>
+            </a:pPr>
+            <a:r>
+              <a:rPr lang="en-US" sz="3600" dirty="0">
+                <a:solidFill>
+                  <a:srgbClr val="C00000"/>
+                </a:solidFill>
+                <a:latin typeface="Pragmatica" panose="020B0403040502020204"/>
+                <a:sym typeface="Consolas"/>
+              </a:rPr>
+              <a:t>Basics of natural language querying &amp; prompt engineering</a:t>
+            </a:r>
+          </a:p>
+          <a:p>
+            <a:pPr marL="142875">
+              <a:lnSpc>
+                <a:spcPct val="115000"/>
+              </a:lnSpc>
+              <a:spcBef>
+                <a:spcPts val="1125"/>
+              </a:spcBef>
+              <a:buClr>
+                <a:srgbClr val="C00000"/>
+              </a:buClr>
+              <a:buSzPts val="2100"/>
+            </a:pPr>
+            <a:endParaRPr lang="en-US" sz="3600" dirty="0">
+              <a:solidFill>
+                <a:srgbClr val="C00000"/>
+              </a:solidFill>
+              <a:latin typeface="Pragmatica" panose="020B0403040502020204"/>
+              <a:sym typeface="Consolas"/>
+            </a:endParaRPr>
+          </a:p>
+          <a:p>
+            <a:pPr marL="142875">
+              <a:lnSpc>
+                <a:spcPct val="115000"/>
+              </a:lnSpc>
+              <a:spcBef>
+                <a:spcPts val="1125"/>
+              </a:spcBef>
+              <a:buClr>
+                <a:srgbClr val="C00000"/>
+              </a:buClr>
+              <a:buSzPts val="2100"/>
+            </a:pPr>
+            <a:r>
+              <a:rPr lang="en-US" sz="3600" dirty="0">
+                <a:solidFill>
+                  <a:srgbClr val="C00000"/>
+                </a:solidFill>
+                <a:latin typeface="Pragmatica" panose="020B0403040502020204"/>
+                <a:sym typeface="Consolas"/>
+              </a:rPr>
+              <a:t>File: </a:t>
+            </a:r>
+            <a:r>
+              <a:rPr lang="en-US" sz="3600" dirty="0">
+                <a:solidFill>
+                  <a:srgbClr val="C00000"/>
+                </a:solidFill>
+                <a:latin typeface="Consolas" panose="020B0609020204030204" pitchFamily="49" charset="0"/>
+                <a:sym typeface="Consolas"/>
+              </a:rPr>
+              <a:t>ai-powered-data-analysis-visualization.xlsx</a:t>
+            </a:r>
+            <a:endParaRPr lang="en-US" sz="6000" dirty="0">
+              <a:solidFill>
+                <a:srgbClr val="CF3338"/>
+              </a:solidFill>
+              <a:latin typeface="Consolas" panose="020B0609020204030204" pitchFamily="49" charset="0"/>
+            </a:endParaRPr>
+          </a:p>
+          <a:p>
+            <a:endParaRPr lang="en-US" sz="6000" dirty="0">
+              <a:solidFill>
+                <a:srgbClr val="CF3338"/>
+              </a:solidFill>
+              <a:latin typeface="Pragmatica" panose="020B0403040502020204" pitchFamily="34" charset="0"/>
+            </a:endParaRPr>
+          </a:p>
+        </p:txBody>
+      </p:sp>
+    </p:spTree>
+    <p:extLst>
+      <p:ext uri="{BB962C8B-B14F-4D97-AF65-F5344CB8AC3E}">
+        <p14:creationId xmlns:p14="http://schemas.microsoft.com/office/powerpoint/2010/main" val="3717021490"/>
+      </p:ext>
+    </p:extLst>
+  </p:cSld>
+  <p:clrMapOvr>
+    <a:masterClrMapping/>
+  </p:clrMapOvr>
+</p:sld>
+</file>
+
+<file path=ppt/slides/slide16.xml><?xml version="1.0" encoding="utf-8"?>
+<p:sld xmlns:a="http://schemas.openxmlformats.org/drawingml/2006/main" xmlns:r="http://schemas.openxmlformats.org/officeDocument/2006/relationships" xmlns:p="http://schemas.openxmlformats.org/presentationml/2006/main">
+  <p:cSld>
+    <p:spTree>
+      <p:nvGrpSpPr>
+        <p:cNvPr id="1" name=""/>
+        <p:cNvGrpSpPr/>
+        <p:nvPr/>
+      </p:nvGrpSpPr>
+      <p:grpSpPr>
+        <a:xfrm>
+          <a:off x="0" y="0"/>
+          <a:ext cx="0" cy="0"/>
+          <a:chOff x="0" y="0"/>
+          <a:chExt cx="0" cy="0"/>
+        </a:xfrm>
+      </p:grpSpPr>
+      <p:sp>
+        <p:nvSpPr>
+          <p:cNvPr id="4" name="Rectangle 3"/>
+          <p:cNvSpPr/>
+          <p:nvPr/>
+        </p:nvSpPr>
+        <p:spPr>
+          <a:xfrm>
+            <a:off x="9861630" y="0"/>
+            <a:ext cx="8426370" cy="10287000"/>
+          </a:xfrm>
+          <a:prstGeom prst="rect">
+            <a:avLst/>
+          </a:prstGeom>
+          <a:solidFill>
+            <a:srgbClr val="CF3338"/>
+          </a:solidFill>
+          <a:ln>
+            <a:noFill/>
+          </a:ln>
+        </p:spPr>
+        <p:style>
+          <a:lnRef idx="2">
+            <a:schemeClr val="accent1">
+              <a:shade val="50000"/>
+            </a:schemeClr>
+          </a:lnRef>
+          <a:fillRef idx="1">
+            <a:schemeClr val="accent1"/>
+          </a:fillRef>
+          <a:effectRef idx="0">
+            <a:schemeClr val="accent1"/>
+          </a:effectRef>
+          <a:fontRef idx="minor">
+            <a:schemeClr val="lt1"/>
+          </a:fontRef>
+        </p:style>
+        <p:txBody>
+          <a:bodyPr rtlCol="0" anchor="ctr"/>
+          <a:lstStyle/>
+          <a:p>
+            <a:pPr algn="ctr"/>
+            <a:endParaRPr lang="en-US" sz="2700"/>
+          </a:p>
+        </p:txBody>
+      </p:sp>
+      <p:pic>
+        <p:nvPicPr>
+          <p:cNvPr id="2" name="Picture 1"/>
+          <p:cNvPicPr>
+            <a:picLocks noChangeAspect="1"/>
+          </p:cNvPicPr>
+          <p:nvPr/>
+        </p:nvPicPr>
+        <p:blipFill rotWithShape="1">
+          <a:blip r:embed="rId3">
+            <a:extLst>
+              <a:ext uri="{28A0092B-C50C-407E-A947-70E740481C1C}">
+                <a14:useLocalDpi xmlns:a14="http://schemas.microsoft.com/office/drawing/2010/main" val="0"/>
+              </a:ext>
+            </a:extLst>
+          </a:blip>
+          <a:srcRect l="69227" t="33418" r="20112" b="50548"/>
+          <a:stretch/>
+        </p:blipFill>
+        <p:spPr>
+          <a:xfrm>
+            <a:off x="15579524" y="7544693"/>
+            <a:ext cx="2708477" cy="2987579"/>
+          </a:xfrm>
+          <a:prstGeom prst="rect">
+            <a:avLst/>
+          </a:prstGeom>
+        </p:spPr>
+      </p:pic>
+      <p:sp>
+        <p:nvSpPr>
+          <p:cNvPr id="3" name="TextBox 2"/>
+          <p:cNvSpPr txBox="1"/>
+          <p:nvPr/>
+        </p:nvSpPr>
+        <p:spPr>
+          <a:xfrm>
+            <a:off x="260431" y="329879"/>
             <a:ext cx="8906720" cy="7390228"/>
           </a:xfrm>
           <a:prstGeom prst="rect">
@@ -6669,7 +6780,7 @@
 </p:sld>
 </file>
 
-<file path=ppt/slides/slide16.xml><?xml version="1.0" encoding="utf-8"?>
+<file path=ppt/slides/slide17.xml><?xml version="1.0" encoding="utf-8"?>
 <p:sld xmlns:a="http://schemas.openxmlformats.org/drawingml/2006/main" xmlns:r="http://schemas.openxmlformats.org/officeDocument/2006/relationships" xmlns:p="http://schemas.openxmlformats.org/presentationml/2006/main">
   <p:cSld>
     <p:spTree>
@@ -6827,7 +6938,7 @@
 </p:sld>
 </file>
 
-<file path=ppt/slides/slide17.xml><?xml version="1.0" encoding="utf-8"?>
+<file path=ppt/slides/slide18.xml><?xml version="1.0" encoding="utf-8"?>
 <p:sld xmlns:a="http://schemas.openxmlformats.org/drawingml/2006/main" xmlns:r="http://schemas.openxmlformats.org/officeDocument/2006/relationships" xmlns:p="http://schemas.openxmlformats.org/presentationml/2006/main">
   <p:cSld>
     <p:spTree>
@@ -7030,118 +7141,6 @@
     <p:extLst>
       <p:ext uri="{BB962C8B-B14F-4D97-AF65-F5344CB8AC3E}">
         <p14:creationId xmlns:p14="http://schemas.microsoft.com/office/powerpoint/2010/main" val="1393172042"/>
-      </p:ext>
-    </p:extLst>
-  </p:cSld>
-  <p:clrMapOvr>
-    <a:masterClrMapping/>
-  </p:clrMapOvr>
-</p:sld>
-</file>
-
-<file path=ppt/slides/slide18.xml><?xml version="1.0" encoding="utf-8"?>
-<p:sld xmlns:a="http://schemas.openxmlformats.org/drawingml/2006/main" xmlns:r="http://schemas.openxmlformats.org/officeDocument/2006/relationships" xmlns:p="http://schemas.openxmlformats.org/presentationml/2006/main">
-  <p:cSld>
-    <p:spTree>
-      <p:nvGrpSpPr>
-        <p:cNvPr id="1" name=""/>
-        <p:cNvGrpSpPr/>
-        <p:nvPr/>
-      </p:nvGrpSpPr>
-      <p:grpSpPr>
-        <a:xfrm>
-          <a:off x="0" y="0"/>
-          <a:ext cx="0" cy="0"/>
-          <a:chOff x="0" y="0"/>
-          <a:chExt cx="0" cy="0"/>
-        </a:xfrm>
-      </p:grpSpPr>
-      <p:sp>
-        <p:nvSpPr>
-          <p:cNvPr id="4" name="Rectangle 3"/>
-          <p:cNvSpPr/>
-          <p:nvPr/>
-        </p:nvSpPr>
-        <p:spPr>
-          <a:xfrm>
-            <a:off x="0" y="0"/>
-            <a:ext cx="18288000" cy="10287000"/>
-          </a:xfrm>
-          <a:prstGeom prst="rect">
-            <a:avLst/>
-          </a:prstGeom>
-          <a:solidFill>
-            <a:schemeClr val="bg1">
-              <a:lumMod val="50000"/>
-            </a:schemeClr>
-          </a:solidFill>
-          <a:ln>
-            <a:noFill/>
-          </a:ln>
-        </p:spPr>
-        <p:style>
-          <a:lnRef idx="2">
-            <a:schemeClr val="accent1">
-              <a:shade val="50000"/>
-            </a:schemeClr>
-          </a:lnRef>
-          <a:fillRef idx="1">
-            <a:schemeClr val="accent1"/>
-          </a:fillRef>
-          <a:effectRef idx="0">
-            <a:schemeClr val="accent1"/>
-          </a:effectRef>
-          <a:fontRef idx="minor">
-            <a:schemeClr val="lt1"/>
-          </a:fontRef>
-        </p:style>
-        <p:txBody>
-          <a:bodyPr rtlCol="0" anchor="ctr"/>
-          <a:lstStyle/>
-          <a:p>
-            <a:pPr algn="ctr"/>
-            <a:endParaRPr lang="en-US" sz="2700"/>
-          </a:p>
-        </p:txBody>
-      </p:sp>
-      <p:sp>
-        <p:nvSpPr>
-          <p:cNvPr id="5" name="TextBox 4"/>
-          <p:cNvSpPr txBox="1"/>
-          <p:nvPr/>
-        </p:nvSpPr>
-        <p:spPr>
-          <a:xfrm>
-            <a:off x="781292" y="590309"/>
-            <a:ext cx="15486926" cy="1615827"/>
-          </a:xfrm>
-          <a:prstGeom prst="rect">
-            <a:avLst/>
-          </a:prstGeom>
-          <a:noFill/>
-        </p:spPr>
-        <p:txBody>
-          <a:bodyPr wrap="square" rtlCol="0">
-            <a:spAutoFit/>
-          </a:bodyPr>
-          <a:lstStyle/>
-          <a:p>
-            <a:r>
-              <a:rPr lang="en-US" sz="9900" b="1" dirty="0">
-                <a:solidFill>
-                  <a:schemeClr val="bg1"/>
-                </a:solidFill>
-                <a:latin typeface="Normafixed Tryout" panose="00000409000000000000"/>
-              </a:rPr>
-              <a:t>Python in Excel</a:t>
-            </a:r>
-          </a:p>
-        </p:txBody>
-      </p:sp>
-    </p:spTree>
-    <p:extLst>
-      <p:ext uri="{BB962C8B-B14F-4D97-AF65-F5344CB8AC3E}">
-        <p14:creationId xmlns:p14="http://schemas.microsoft.com/office/powerpoint/2010/main" val="1246066452"/>
       </p:ext>
     </p:extLst>
   </p:cSld>
@@ -7183,7 +7182,9 @@
             <a:avLst/>
           </a:prstGeom>
           <a:solidFill>
-            <a:srgbClr val="CF3338"/>
+            <a:schemeClr val="bg1">
+              <a:lumMod val="50000"/>
+            </a:schemeClr>
           </a:solidFill>
           <a:ln>
             <a:noFill/>
@@ -7241,9 +7242,9 @@
                 <a:solidFill>
                   <a:schemeClr val="bg1"/>
                 </a:solidFill>
-                <a:latin typeface="Normafixed Tryout" panose="00000409000000000000" pitchFamily="49" charset="0"/>
-              </a:rPr>
-              <a:t>1. Python in Excel: First Steps</a:t>
+                <a:latin typeface="Normafixed Tryout" panose="00000409000000000000"/>
+              </a:rPr>
+              <a:t>Python in Excel</a:t>
             </a:r>
           </a:p>
         </p:txBody>
@@ -7251,7 +7252,7 @@
     </p:spTree>
     <p:extLst>
       <p:ext uri="{BB962C8B-B14F-4D97-AF65-F5344CB8AC3E}">
-        <p14:creationId xmlns:p14="http://schemas.microsoft.com/office/powerpoint/2010/main" val="3953945792"/>
+        <p14:creationId xmlns:p14="http://schemas.microsoft.com/office/powerpoint/2010/main" val="1246066452"/>
       </p:ext>
     </p:extLst>
   </p:cSld>
@@ -7573,6 +7574,116 @@
         </p:nvSpPr>
         <p:spPr>
           <a:xfrm>
+            <a:off x="0" y="0"/>
+            <a:ext cx="18288000" cy="10287000"/>
+          </a:xfrm>
+          <a:prstGeom prst="rect">
+            <a:avLst/>
+          </a:prstGeom>
+          <a:solidFill>
+            <a:srgbClr val="CF3338"/>
+          </a:solidFill>
+          <a:ln>
+            <a:noFill/>
+          </a:ln>
+        </p:spPr>
+        <p:style>
+          <a:lnRef idx="2">
+            <a:schemeClr val="accent1">
+              <a:shade val="50000"/>
+            </a:schemeClr>
+          </a:lnRef>
+          <a:fillRef idx="1">
+            <a:schemeClr val="accent1"/>
+          </a:fillRef>
+          <a:effectRef idx="0">
+            <a:schemeClr val="accent1"/>
+          </a:effectRef>
+          <a:fontRef idx="minor">
+            <a:schemeClr val="lt1"/>
+          </a:fontRef>
+        </p:style>
+        <p:txBody>
+          <a:bodyPr rtlCol="0" anchor="ctr"/>
+          <a:lstStyle/>
+          <a:p>
+            <a:pPr algn="ctr"/>
+            <a:endParaRPr lang="en-US" sz="2700"/>
+          </a:p>
+        </p:txBody>
+      </p:sp>
+      <p:sp>
+        <p:nvSpPr>
+          <p:cNvPr id="5" name="TextBox 4"/>
+          <p:cNvSpPr txBox="1"/>
+          <p:nvPr/>
+        </p:nvSpPr>
+        <p:spPr>
+          <a:xfrm>
+            <a:off x="781292" y="590309"/>
+            <a:ext cx="15486926" cy="1615827"/>
+          </a:xfrm>
+          <a:prstGeom prst="rect">
+            <a:avLst/>
+          </a:prstGeom>
+          <a:noFill/>
+        </p:spPr>
+        <p:txBody>
+          <a:bodyPr wrap="square" rtlCol="0">
+            <a:spAutoFit/>
+          </a:bodyPr>
+          <a:lstStyle/>
+          <a:p>
+            <a:r>
+              <a:rPr lang="en-US" sz="9900" b="1" dirty="0">
+                <a:solidFill>
+                  <a:schemeClr val="bg1"/>
+                </a:solidFill>
+                <a:latin typeface="Normafixed Tryout" panose="00000409000000000000" pitchFamily="49" charset="0"/>
+              </a:rPr>
+              <a:t>1. Python in Excel: First Steps</a:t>
+            </a:r>
+          </a:p>
+        </p:txBody>
+      </p:sp>
+    </p:spTree>
+    <p:extLst>
+      <p:ext uri="{BB962C8B-B14F-4D97-AF65-F5344CB8AC3E}">
+        <p14:creationId xmlns:p14="http://schemas.microsoft.com/office/powerpoint/2010/main" val="3953945792"/>
+      </p:ext>
+    </p:extLst>
+  </p:cSld>
+  <p:clrMapOvr>
+    <a:masterClrMapping/>
+  </p:clrMapOvr>
+</p:sld>
+</file>
+
+<file path=ppt/slides/slide21.xml><?xml version="1.0" encoding="utf-8"?>
+<p:sld xmlns:a="http://schemas.openxmlformats.org/drawingml/2006/main" xmlns:r="http://schemas.openxmlformats.org/officeDocument/2006/relationships" xmlns:p="http://schemas.openxmlformats.org/presentationml/2006/main">
+  <p:cSld>
+    <p:spTree>
+      <p:nvGrpSpPr>
+        <p:cNvPr id="1" name=""/>
+        <p:cNvGrpSpPr/>
+        <p:nvPr/>
+      </p:nvGrpSpPr>
+      <p:grpSpPr>
+        <a:xfrm>
+          <a:off x="0" y="0"/>
+          <a:ext cx="0" cy="0"/>
+          <a:chOff x="0" y="0"/>
+          <a:chExt cx="0" cy="0"/>
+        </a:xfrm>
+      </p:grpSpPr>
+      <p:sp>
+        <p:nvSpPr>
+          <p:cNvPr id="4" name="Rectangle 3"/>
+          <p:cNvSpPr/>
+          <p:nvPr/>
+        </p:nvSpPr>
+        <p:spPr>
+          <a:xfrm>
             <a:off x="9861630" y="0"/>
             <a:ext cx="8426370" cy="10287000"/>
           </a:xfrm>
@@ -7844,7 +7955,7 @@
 </p:sld>
 </file>
 
-<file path=ppt/slides/slide21.xml><?xml version="1.0" encoding="utf-8"?>
+<file path=ppt/slides/slide22.xml><?xml version="1.0" encoding="utf-8"?>
 <p:sld xmlns:a="http://schemas.openxmlformats.org/drawingml/2006/main" xmlns:r="http://schemas.openxmlformats.org/officeDocument/2006/relationships" xmlns:p="http://schemas.openxmlformats.org/presentationml/2006/main">
   <p:cSld>
     <p:spTree>
@@ -8322,7 +8433,7 @@
 </p:sld>
 </file>
 
-<file path=ppt/slides/slide22.xml><?xml version="1.0" encoding="utf-8"?>
+<file path=ppt/slides/slide23.xml><?xml version="1.0" encoding="utf-8"?>
 <p:sld xmlns:a="http://schemas.openxmlformats.org/drawingml/2006/main" xmlns:r="http://schemas.openxmlformats.org/officeDocument/2006/relationships" xmlns:p="http://schemas.openxmlformats.org/presentationml/2006/main">
   <p:cSld>
     <p:spTree>
@@ -8480,116 +8591,6 @@
 </p:sld>
 </file>
 
-<file path=ppt/slides/slide23.xml><?xml version="1.0" encoding="utf-8"?>
-<p:sld xmlns:a="http://schemas.openxmlformats.org/drawingml/2006/main" xmlns:r="http://schemas.openxmlformats.org/officeDocument/2006/relationships" xmlns:p="http://schemas.openxmlformats.org/presentationml/2006/main">
-  <p:cSld>
-    <p:spTree>
-      <p:nvGrpSpPr>
-        <p:cNvPr id="1" name=""/>
-        <p:cNvGrpSpPr/>
-        <p:nvPr/>
-      </p:nvGrpSpPr>
-      <p:grpSpPr>
-        <a:xfrm>
-          <a:off x="0" y="0"/>
-          <a:ext cx="0" cy="0"/>
-          <a:chOff x="0" y="0"/>
-          <a:chExt cx="0" cy="0"/>
-        </a:xfrm>
-      </p:grpSpPr>
-      <p:sp>
-        <p:nvSpPr>
-          <p:cNvPr id="4" name="Rectangle 3"/>
-          <p:cNvSpPr/>
-          <p:nvPr/>
-        </p:nvSpPr>
-        <p:spPr>
-          <a:xfrm>
-            <a:off x="0" y="0"/>
-            <a:ext cx="18288000" cy="10287000"/>
-          </a:xfrm>
-          <a:prstGeom prst="rect">
-            <a:avLst/>
-          </a:prstGeom>
-          <a:solidFill>
-            <a:srgbClr val="CF3338"/>
-          </a:solidFill>
-          <a:ln>
-            <a:noFill/>
-          </a:ln>
-        </p:spPr>
-        <p:style>
-          <a:lnRef idx="2">
-            <a:schemeClr val="accent1">
-              <a:shade val="50000"/>
-            </a:schemeClr>
-          </a:lnRef>
-          <a:fillRef idx="1">
-            <a:schemeClr val="accent1"/>
-          </a:fillRef>
-          <a:effectRef idx="0">
-            <a:schemeClr val="accent1"/>
-          </a:effectRef>
-          <a:fontRef idx="minor">
-            <a:schemeClr val="lt1"/>
-          </a:fontRef>
-        </p:style>
-        <p:txBody>
-          <a:bodyPr rtlCol="0" anchor="ctr"/>
-          <a:lstStyle/>
-          <a:p>
-            <a:pPr algn="ctr"/>
-            <a:endParaRPr lang="en-US" sz="2700"/>
-          </a:p>
-        </p:txBody>
-      </p:sp>
-      <p:sp>
-        <p:nvSpPr>
-          <p:cNvPr id="5" name="TextBox 4"/>
-          <p:cNvSpPr txBox="1"/>
-          <p:nvPr/>
-        </p:nvSpPr>
-        <p:spPr>
-          <a:xfrm>
-            <a:off x="781292" y="590309"/>
-            <a:ext cx="15486926" cy="3139321"/>
-          </a:xfrm>
-          <a:prstGeom prst="rect">
-            <a:avLst/>
-          </a:prstGeom>
-          <a:noFill/>
-        </p:spPr>
-        <p:txBody>
-          <a:bodyPr wrap="square" rtlCol="0">
-            <a:spAutoFit/>
-          </a:bodyPr>
-          <a:lstStyle/>
-          <a:p>
-            <a:r>
-              <a:rPr lang="en-US" sz="9900" b="1" dirty="0">
-                <a:solidFill>
-                  <a:schemeClr val="bg1"/>
-                </a:solidFill>
-                <a:latin typeface="Normafixed Tryout" panose="00000409000000000000" pitchFamily="49" charset="0"/>
-              </a:rPr>
-              <a:t>2. From “that’s hard in Excel” to “that’s easy in Python”</a:t>
-            </a:r>
-          </a:p>
-        </p:txBody>
-      </p:sp>
-    </p:spTree>
-    <p:extLst>
-      <p:ext uri="{BB962C8B-B14F-4D97-AF65-F5344CB8AC3E}">
-        <p14:creationId xmlns:p14="http://schemas.microsoft.com/office/powerpoint/2010/main" val="2491588467"/>
-      </p:ext>
-    </p:extLst>
-  </p:cSld>
-  <p:clrMapOvr>
-    <a:masterClrMapping/>
-  </p:clrMapOvr>
-</p:sld>
-</file>
-
 <file path=ppt/slides/slide24.xml><?xml version="1.0" encoding="utf-8"?>
 <p:sld xmlns:a="http://schemas.openxmlformats.org/drawingml/2006/main" xmlns:r="http://schemas.openxmlformats.org/officeDocument/2006/relationships" xmlns:p="http://schemas.openxmlformats.org/presentationml/2006/main">
   <p:cSld>
@@ -8615,8 +8616,8 @@
         </p:nvSpPr>
         <p:spPr>
           <a:xfrm>
-            <a:off x="9861630" y="0"/>
-            <a:ext cx="8426370" cy="10287000"/>
+            <a:off x="0" y="0"/>
+            <a:ext cx="18288000" cy="10287000"/>
           </a:xfrm>
           <a:prstGeom prst="rect">
             <a:avLst/>
@@ -8653,45 +8654,16 @@
           </a:p>
         </p:txBody>
       </p:sp>
-      <p:pic>
-        <p:nvPicPr>
-          <p:cNvPr id="2" name="Picture 1"/>
-          <p:cNvPicPr>
-            <a:picLocks noChangeAspect="1"/>
-          </p:cNvPicPr>
-          <p:nvPr/>
-        </p:nvPicPr>
-        <p:blipFill rotWithShape="1">
-          <a:blip r:embed="rId3">
-            <a:extLst>
-              <a:ext uri="{28A0092B-C50C-407E-A947-70E740481C1C}">
-                <a14:useLocalDpi xmlns:a14="http://schemas.microsoft.com/office/drawing/2010/main" val="0"/>
-              </a:ext>
-            </a:extLst>
-          </a:blip>
-          <a:srcRect l="69227" t="33418" r="20112" b="50548"/>
-          <a:stretch/>
-        </p:blipFill>
-        <p:spPr>
-          <a:xfrm>
-            <a:off x="15579524" y="7544693"/>
-            <a:ext cx="2708477" cy="2987579"/>
-          </a:xfrm>
-          <a:prstGeom prst="rect">
-            <a:avLst/>
-          </a:prstGeom>
-        </p:spPr>
-      </p:pic>
-      <p:sp>
-        <p:nvSpPr>
-          <p:cNvPr id="3" name="TextBox 2"/>
+      <p:sp>
+        <p:nvSpPr>
+          <p:cNvPr id="5" name="TextBox 4"/>
           <p:cNvSpPr txBox="1"/>
           <p:nvPr/>
         </p:nvSpPr>
         <p:spPr>
           <a:xfrm>
-            <a:off x="260431" y="329879"/>
-            <a:ext cx="8906720" cy="10234084"/>
+            <a:off x="781292" y="590309"/>
+            <a:ext cx="15486926" cy="3139321"/>
           </a:xfrm>
           <a:prstGeom prst="rect">
             <a:avLst/>
@@ -8705,178 +8677,21 @@
           <a:lstStyle/>
           <a:p>
             <a:r>
-              <a:rPr lang="en-US" sz="6000" b="1" dirty="0">
-                <a:solidFill>
-                  <a:srgbClr val="CF3338"/>
-                </a:solidFill>
-                <a:latin typeface="Pragmatica" panose="020B0403040502020204" pitchFamily="34" charset="0"/>
-              </a:rPr>
-              <a:t>From “that’s hard in Excel” to “that’s easy in Python” analysis</a:t>
-            </a:r>
-          </a:p>
-          <a:p>
-            <a:endParaRPr lang="en-US" sz="4200" dirty="0">
-              <a:solidFill>
-                <a:srgbClr val="CF3338"/>
-              </a:solidFill>
-              <a:latin typeface="Pragmatica" panose="020B0403040502020204" pitchFamily="34" charset="0"/>
-            </a:endParaRPr>
-          </a:p>
-          <a:p>
-            <a:pPr marL="685800" indent="-542925">
-              <a:lnSpc>
-                <a:spcPct val="115000"/>
-              </a:lnSpc>
-              <a:spcBef>
-                <a:spcPts val="1125"/>
-              </a:spcBef>
-              <a:buClr>
-                <a:srgbClr val="C00000"/>
-              </a:buClr>
-              <a:buSzPts val="2100"/>
-              <a:buFont typeface="Arial"/>
-              <a:buAutoNum type="arabicPeriod"/>
-            </a:pPr>
-            <a:r>
-              <a:rPr lang="en-US" sz="3600" dirty="0">
-                <a:solidFill>
-                  <a:srgbClr val="C00000"/>
-                </a:solidFill>
-                <a:latin typeface="Pragmatica" panose="020B0403040502020204"/>
-                <a:sym typeface="Consolas"/>
-              </a:rPr>
-              <a:t>Data profiling: What is the shape, size, completeness?</a:t>
-            </a:r>
-          </a:p>
-          <a:p>
-            <a:pPr marL="685800" indent="-542925">
-              <a:lnSpc>
-                <a:spcPct val="115000"/>
-              </a:lnSpc>
-              <a:spcBef>
-                <a:spcPts val="1125"/>
-              </a:spcBef>
-              <a:buClr>
-                <a:srgbClr val="C00000"/>
-              </a:buClr>
-              <a:buSzPts val="2100"/>
-              <a:buFont typeface="Arial"/>
-              <a:buAutoNum type="arabicPeriod"/>
-            </a:pPr>
-            <a:r>
-              <a:rPr lang="en-US" sz="3600" dirty="0">
-                <a:solidFill>
-                  <a:srgbClr val="C00000"/>
-                </a:solidFill>
-                <a:latin typeface="Pragmatica" panose="020B0403040502020204"/>
-                <a:sym typeface="Consolas"/>
-              </a:rPr>
-              <a:t>Time series: pandas for panel data</a:t>
-            </a:r>
-          </a:p>
-          <a:p>
-            <a:pPr marL="685800" indent="-542925">
-              <a:lnSpc>
-                <a:spcPct val="115000"/>
-              </a:lnSpc>
-              <a:spcBef>
-                <a:spcPts val="1125"/>
-              </a:spcBef>
-              <a:buClr>
-                <a:srgbClr val="C00000"/>
-              </a:buClr>
-              <a:buSzPts val="2100"/>
-              <a:buFont typeface="Arial"/>
-              <a:buAutoNum type="arabicPeriod"/>
-            </a:pPr>
-            <a:r>
-              <a:rPr lang="en-US" sz="3600" dirty="0">
-                <a:solidFill>
-                  <a:srgbClr val="C00000"/>
-                </a:solidFill>
-                <a:latin typeface="Pragmatica" panose="020B0403040502020204"/>
-                <a:sym typeface="Consolas"/>
-              </a:rPr>
-              <a:t>Descriptive statistics/EDA: What stories might be told in this data? </a:t>
-            </a:r>
-          </a:p>
-          <a:p>
-            <a:pPr marL="685800" indent="-542925">
-              <a:lnSpc>
-                <a:spcPct val="115000"/>
-              </a:lnSpc>
-              <a:spcBef>
-                <a:spcPts val="1125"/>
-              </a:spcBef>
-              <a:buClr>
-                <a:srgbClr val="C00000"/>
-              </a:buClr>
-              <a:buSzPts val="2100"/>
-              <a:buFont typeface="Arial"/>
-              <a:buAutoNum type="arabicPeriod"/>
-            </a:pPr>
-            <a:endParaRPr lang="en-US" sz="3600" dirty="0">
-              <a:solidFill>
-                <a:srgbClr val="C00000"/>
-              </a:solidFill>
-              <a:latin typeface="Pragmatica" panose="020B0403040502020204"/>
-              <a:sym typeface="Consolas"/>
-            </a:endParaRPr>
-          </a:p>
-          <a:p>
-            <a:pPr marL="142875">
-              <a:lnSpc>
-                <a:spcPct val="115000"/>
-              </a:lnSpc>
-              <a:spcBef>
-                <a:spcPts val="1125"/>
-              </a:spcBef>
-              <a:buClr>
-                <a:srgbClr val="C00000"/>
-              </a:buClr>
-              <a:buSzPts val="2100"/>
-            </a:pPr>
-            <a:r>
-              <a:rPr lang="en-US" sz="3600" dirty="0">
-                <a:solidFill>
-                  <a:srgbClr val="C00000"/>
-                </a:solidFill>
-                <a:latin typeface="Pragmatica" panose="020B0403040502020204"/>
-                <a:sym typeface="Consolas"/>
-              </a:rPr>
-              <a:t>File: </a:t>
-            </a:r>
-            <a:r>
-              <a:rPr lang="en-US" sz="3600" dirty="0">
-                <a:solidFill>
-                  <a:srgbClr val="C00000"/>
-                </a:solidFill>
-                <a:latin typeface="Consolas" panose="020B0609020204030204" pitchFamily="49" charset="0"/>
-                <a:sym typeface="Consolas"/>
-              </a:rPr>
-              <a:t>hard-excel-easy-python-analysis.xlsx</a:t>
-            </a:r>
-            <a:endParaRPr lang="en-US" sz="6000" dirty="0">
-              <a:solidFill>
-                <a:srgbClr val="CF3338"/>
-              </a:solidFill>
-              <a:latin typeface="Consolas" panose="020B0609020204030204" pitchFamily="49" charset="0"/>
-            </a:endParaRPr>
-          </a:p>
-          <a:p>
-            <a:endParaRPr lang="en-US" sz="6000" dirty="0">
-              <a:solidFill>
-                <a:srgbClr val="CF3338"/>
-              </a:solidFill>
-              <a:latin typeface="Pragmatica" panose="020B0403040502020204" pitchFamily="34" charset="0"/>
-            </a:endParaRPr>
+              <a:rPr lang="en-US" sz="9900" b="1" dirty="0">
+                <a:solidFill>
+                  <a:schemeClr val="bg1"/>
+                </a:solidFill>
+                <a:latin typeface="Normafixed Tryout" panose="00000409000000000000" pitchFamily="49" charset="0"/>
+              </a:rPr>
+              <a:t>2. From “that’s hard in Excel” to “that’s easy in Python”</a:t>
+            </a:r>
           </a:p>
         </p:txBody>
       </p:sp>
     </p:spTree>
     <p:extLst>
       <p:ext uri="{BB962C8B-B14F-4D97-AF65-F5344CB8AC3E}">
-        <p14:creationId xmlns:p14="http://schemas.microsoft.com/office/powerpoint/2010/main" val="2505051360"/>
+        <p14:creationId xmlns:p14="http://schemas.microsoft.com/office/powerpoint/2010/main" val="2491588467"/>
       </p:ext>
     </p:extLst>
   </p:cSld>
@@ -8987,7 +8802,7 @@
         <p:spPr>
           <a:xfrm>
             <a:off x="260431" y="329879"/>
-            <a:ext cx="8906720" cy="8950655"/>
+            <a:ext cx="8906720" cy="10234084"/>
           </a:xfrm>
           <a:prstGeom prst="rect">
             <a:avLst/>
@@ -9007,11 +8822,19 @@
                 </a:solidFill>
                 <a:latin typeface="Pragmatica" panose="020B0403040502020204" pitchFamily="34" charset="0"/>
               </a:rPr>
-              <a:t>From “that’s hard in Excel” to “that’s easy in Python” analysis EXERCISE</a:t>
-            </a:r>
-          </a:p>
-          <a:p>
-            <a:pPr marL="142875">
+              <a:t>From “that’s hard in Excel” to “that’s easy in Python” analysis</a:t>
+            </a:r>
+          </a:p>
+          <a:p>
+            <a:endParaRPr lang="en-US" sz="4200" dirty="0">
+              <a:solidFill>
+                <a:srgbClr val="CF3338"/>
+              </a:solidFill>
+              <a:latin typeface="Pragmatica" panose="020B0403040502020204" pitchFamily="34" charset="0"/>
+            </a:endParaRPr>
+          </a:p>
+          <a:p>
+            <a:pPr marL="685800" indent="-542925">
               <a:lnSpc>
                 <a:spcPct val="115000"/>
               </a:lnSpc>
@@ -9022,17 +8845,22 @@
                 <a:srgbClr val="C00000"/>
               </a:buClr>
               <a:buSzPts val="2100"/>
+              <a:buFont typeface="Arial"/>
+              <a:buAutoNum type="arabicPeriod"/>
             </a:pPr>
-            <a:endParaRPr lang="en-US" sz="3600" dirty="0">
-              <a:solidFill>
-                <a:srgbClr val="C00000"/>
-              </a:solidFill>
-              <a:latin typeface="Pragmatica" panose="020B0403040502020204"/>
-              <a:sym typeface="Consolas"/>
-            </a:endParaRPr>
-          </a:p>
-          <a:p>
-            <a:pPr marL="714375" indent="-571500">
+            <a:r>
+              <a:rPr lang="en-US" sz="3600" dirty="0">
+                <a:solidFill>
+                  <a:srgbClr val="C00000"/>
+                </a:solidFill>
+                <a:latin typeface="Pragmatica" panose="020B0403040502020204"/>
+                <a:sym typeface="Consolas"/>
+              </a:rPr>
+              <a:t>Data profiling: What is the shape, size, completeness?</a:t>
+            </a:r>
+          </a:p>
+          <a:p>
+            <a:pPr marL="685800" indent="-542925">
               <a:lnSpc>
                 <a:spcPct val="115000"/>
               </a:lnSpc>
@@ -9043,8 +8871,8 @@
                 <a:srgbClr val="C00000"/>
               </a:buClr>
               <a:buSzPts val="2100"/>
-              <a:buFont typeface="Arial" panose="020B0604020202020204" pitchFamily="34" charset="0"/>
-              <a:buChar char="•"/>
+              <a:buFont typeface="Arial"/>
+              <a:buAutoNum type="arabicPeriod"/>
             </a:pPr>
             <a:r>
               <a:rPr lang="en-US" sz="3600" dirty="0">
@@ -9054,11 +8882,11 @@
                 <a:latin typeface="Pragmatica" panose="020B0403040502020204"/>
                 <a:sym typeface="Consolas"/>
               </a:rPr>
-              <a:t>Explore relationship between sales, temperature, customer count over time</a:t>
-            </a:r>
-          </a:p>
-          <a:p>
-            <a:pPr marL="714375" indent="-571500">
+              <a:t>Time series: pandas for panel data</a:t>
+            </a:r>
+          </a:p>
+          <a:p>
+            <a:pPr marL="685800" indent="-542925">
               <a:lnSpc>
                 <a:spcPct val="115000"/>
               </a:lnSpc>
@@ -9069,8 +8897,8 @@
                 <a:srgbClr val="C00000"/>
               </a:buClr>
               <a:buSzPts val="2100"/>
-              <a:buFont typeface="Arial" panose="020B0604020202020204" pitchFamily="34" charset="0"/>
-              <a:buChar char="•"/>
+              <a:buFont typeface="Arial"/>
+              <a:buAutoNum type="arabicPeriod"/>
             </a:pPr>
             <a:r>
               <a:rPr lang="en-US" sz="3600" dirty="0">
@@ -9080,7 +8908,7 @@
                 <a:latin typeface="Pragmatica" panose="020B0403040502020204"/>
                 <a:sym typeface="Consolas"/>
               </a:rPr>
-              <a:t>Fill in the blanks to complete the code</a:t>
+              <a:t>Descriptive statistics/EDA: What stories might be told in this data? </a:t>
             </a:r>
           </a:p>
           <a:p>
@@ -9137,6 +8965,289 @@
                 <a:latin typeface="Consolas" panose="020B0609020204030204" pitchFamily="49" charset="0"/>
                 <a:sym typeface="Consolas"/>
               </a:rPr>
+              <a:t>hard-excel-easy-python-analysis.xlsx</a:t>
+            </a:r>
+            <a:endParaRPr lang="en-US" sz="6000" dirty="0">
+              <a:solidFill>
+                <a:srgbClr val="CF3338"/>
+              </a:solidFill>
+              <a:latin typeface="Consolas" panose="020B0609020204030204" pitchFamily="49" charset="0"/>
+            </a:endParaRPr>
+          </a:p>
+          <a:p>
+            <a:endParaRPr lang="en-US" sz="6000" dirty="0">
+              <a:solidFill>
+                <a:srgbClr val="CF3338"/>
+              </a:solidFill>
+              <a:latin typeface="Pragmatica" panose="020B0403040502020204" pitchFamily="34" charset="0"/>
+            </a:endParaRPr>
+          </a:p>
+        </p:txBody>
+      </p:sp>
+    </p:spTree>
+    <p:extLst>
+      <p:ext uri="{BB962C8B-B14F-4D97-AF65-F5344CB8AC3E}">
+        <p14:creationId xmlns:p14="http://schemas.microsoft.com/office/powerpoint/2010/main" val="2505051360"/>
+      </p:ext>
+    </p:extLst>
+  </p:cSld>
+  <p:clrMapOvr>
+    <a:masterClrMapping/>
+  </p:clrMapOvr>
+</p:sld>
+</file>
+
+<file path=ppt/slides/slide26.xml><?xml version="1.0" encoding="utf-8"?>
+<p:sld xmlns:a="http://schemas.openxmlformats.org/drawingml/2006/main" xmlns:r="http://schemas.openxmlformats.org/officeDocument/2006/relationships" xmlns:p="http://schemas.openxmlformats.org/presentationml/2006/main">
+  <p:cSld>
+    <p:spTree>
+      <p:nvGrpSpPr>
+        <p:cNvPr id="1" name=""/>
+        <p:cNvGrpSpPr/>
+        <p:nvPr/>
+      </p:nvGrpSpPr>
+      <p:grpSpPr>
+        <a:xfrm>
+          <a:off x="0" y="0"/>
+          <a:ext cx="0" cy="0"/>
+          <a:chOff x="0" y="0"/>
+          <a:chExt cx="0" cy="0"/>
+        </a:xfrm>
+      </p:grpSpPr>
+      <p:sp>
+        <p:nvSpPr>
+          <p:cNvPr id="4" name="Rectangle 3"/>
+          <p:cNvSpPr/>
+          <p:nvPr/>
+        </p:nvSpPr>
+        <p:spPr>
+          <a:xfrm>
+            <a:off x="9861630" y="0"/>
+            <a:ext cx="8426370" cy="10287000"/>
+          </a:xfrm>
+          <a:prstGeom prst="rect">
+            <a:avLst/>
+          </a:prstGeom>
+          <a:solidFill>
+            <a:srgbClr val="CF3338"/>
+          </a:solidFill>
+          <a:ln>
+            <a:noFill/>
+          </a:ln>
+        </p:spPr>
+        <p:style>
+          <a:lnRef idx="2">
+            <a:schemeClr val="accent1">
+              <a:shade val="50000"/>
+            </a:schemeClr>
+          </a:lnRef>
+          <a:fillRef idx="1">
+            <a:schemeClr val="accent1"/>
+          </a:fillRef>
+          <a:effectRef idx="0">
+            <a:schemeClr val="accent1"/>
+          </a:effectRef>
+          <a:fontRef idx="minor">
+            <a:schemeClr val="lt1"/>
+          </a:fontRef>
+        </p:style>
+        <p:txBody>
+          <a:bodyPr rtlCol="0" anchor="ctr"/>
+          <a:lstStyle/>
+          <a:p>
+            <a:pPr algn="ctr"/>
+            <a:endParaRPr lang="en-US" sz="2700"/>
+          </a:p>
+        </p:txBody>
+      </p:sp>
+      <p:pic>
+        <p:nvPicPr>
+          <p:cNvPr id="2" name="Picture 1"/>
+          <p:cNvPicPr>
+            <a:picLocks noChangeAspect="1"/>
+          </p:cNvPicPr>
+          <p:nvPr/>
+        </p:nvPicPr>
+        <p:blipFill rotWithShape="1">
+          <a:blip r:embed="rId3">
+            <a:extLst>
+              <a:ext uri="{28A0092B-C50C-407E-A947-70E740481C1C}">
+                <a14:useLocalDpi xmlns:a14="http://schemas.microsoft.com/office/drawing/2010/main" val="0"/>
+              </a:ext>
+            </a:extLst>
+          </a:blip>
+          <a:srcRect l="69227" t="33418" r="20112" b="50548"/>
+          <a:stretch/>
+        </p:blipFill>
+        <p:spPr>
+          <a:xfrm>
+            <a:off x="15579524" y="7544693"/>
+            <a:ext cx="2708477" cy="2987579"/>
+          </a:xfrm>
+          <a:prstGeom prst="rect">
+            <a:avLst/>
+          </a:prstGeom>
+        </p:spPr>
+      </p:pic>
+      <p:sp>
+        <p:nvSpPr>
+          <p:cNvPr id="3" name="TextBox 2"/>
+          <p:cNvSpPr txBox="1"/>
+          <p:nvPr/>
+        </p:nvSpPr>
+        <p:spPr>
+          <a:xfrm>
+            <a:off x="260431" y="329879"/>
+            <a:ext cx="8906720" cy="8950655"/>
+          </a:xfrm>
+          <a:prstGeom prst="rect">
+            <a:avLst/>
+          </a:prstGeom>
+          <a:noFill/>
+        </p:spPr>
+        <p:txBody>
+          <a:bodyPr wrap="square" rtlCol="0">
+            <a:spAutoFit/>
+          </a:bodyPr>
+          <a:lstStyle/>
+          <a:p>
+            <a:r>
+              <a:rPr lang="en-US" sz="6000" b="1" dirty="0">
+                <a:solidFill>
+                  <a:srgbClr val="CF3338"/>
+                </a:solidFill>
+                <a:latin typeface="Pragmatica" panose="020B0403040502020204" pitchFamily="34" charset="0"/>
+              </a:rPr>
+              <a:t>From “that’s hard in Excel” to “that’s easy in Python” analysis EXERCISE</a:t>
+            </a:r>
+          </a:p>
+          <a:p>
+            <a:pPr marL="142875">
+              <a:lnSpc>
+                <a:spcPct val="115000"/>
+              </a:lnSpc>
+              <a:spcBef>
+                <a:spcPts val="1125"/>
+              </a:spcBef>
+              <a:buClr>
+                <a:srgbClr val="C00000"/>
+              </a:buClr>
+              <a:buSzPts val="2100"/>
+            </a:pPr>
+            <a:endParaRPr lang="en-US" sz="3600" dirty="0">
+              <a:solidFill>
+                <a:srgbClr val="C00000"/>
+              </a:solidFill>
+              <a:latin typeface="Pragmatica" panose="020B0403040502020204"/>
+              <a:sym typeface="Consolas"/>
+            </a:endParaRPr>
+          </a:p>
+          <a:p>
+            <a:pPr marL="714375" indent="-571500">
+              <a:lnSpc>
+                <a:spcPct val="115000"/>
+              </a:lnSpc>
+              <a:spcBef>
+                <a:spcPts val="1125"/>
+              </a:spcBef>
+              <a:buClr>
+                <a:srgbClr val="C00000"/>
+              </a:buClr>
+              <a:buSzPts val="2100"/>
+              <a:buFont typeface="Arial" panose="020B0604020202020204" pitchFamily="34" charset="0"/>
+              <a:buChar char="•"/>
+            </a:pPr>
+            <a:r>
+              <a:rPr lang="en-US" sz="3600" dirty="0">
+                <a:solidFill>
+                  <a:srgbClr val="C00000"/>
+                </a:solidFill>
+                <a:latin typeface="Pragmatica" panose="020B0403040502020204"/>
+                <a:sym typeface="Consolas"/>
+              </a:rPr>
+              <a:t>Explore relationship between sales, temperature, customer count over time</a:t>
+            </a:r>
+          </a:p>
+          <a:p>
+            <a:pPr marL="714375" indent="-571500">
+              <a:lnSpc>
+                <a:spcPct val="115000"/>
+              </a:lnSpc>
+              <a:spcBef>
+                <a:spcPts val="1125"/>
+              </a:spcBef>
+              <a:buClr>
+                <a:srgbClr val="C00000"/>
+              </a:buClr>
+              <a:buSzPts val="2100"/>
+              <a:buFont typeface="Arial" panose="020B0604020202020204" pitchFamily="34" charset="0"/>
+              <a:buChar char="•"/>
+            </a:pPr>
+            <a:r>
+              <a:rPr lang="en-US" sz="3600" dirty="0">
+                <a:solidFill>
+                  <a:srgbClr val="C00000"/>
+                </a:solidFill>
+                <a:latin typeface="Pragmatica" panose="020B0403040502020204"/>
+                <a:sym typeface="Consolas"/>
+              </a:rPr>
+              <a:t>Fill in the blanks to complete the code</a:t>
+            </a:r>
+          </a:p>
+          <a:p>
+            <a:pPr marL="685800" indent="-542925">
+              <a:lnSpc>
+                <a:spcPct val="115000"/>
+              </a:lnSpc>
+              <a:spcBef>
+                <a:spcPts val="1125"/>
+              </a:spcBef>
+              <a:buClr>
+                <a:srgbClr val="C00000"/>
+              </a:buClr>
+              <a:buSzPts val="2100"/>
+              <a:buFont typeface="Arial"/>
+              <a:buAutoNum type="arabicPeriod"/>
+            </a:pPr>
+            <a:endParaRPr lang="en-US" sz="3600" dirty="0">
+              <a:solidFill>
+                <a:srgbClr val="C00000"/>
+              </a:solidFill>
+              <a:latin typeface="Pragmatica" panose="020B0403040502020204"/>
+              <a:sym typeface="Consolas"/>
+            </a:endParaRPr>
+          </a:p>
+          <a:p>
+            <a:pPr marL="142875">
+              <a:lnSpc>
+                <a:spcPct val="115000"/>
+              </a:lnSpc>
+              <a:spcBef>
+                <a:spcPts val="1125"/>
+              </a:spcBef>
+              <a:buClr>
+                <a:srgbClr val="C00000"/>
+              </a:buClr>
+              <a:buSzPts val="2100"/>
+            </a:pPr>
+            <a:r>
+              <a:rPr lang="en-US" sz="3600" dirty="0">
+                <a:solidFill>
+                  <a:srgbClr val="C00000"/>
+                </a:solidFill>
+                <a:latin typeface="Pragmatica" panose="020B0403040502020204"/>
+                <a:sym typeface="Consolas"/>
+              </a:rPr>
+              <a:t>File: </a:t>
+            </a:r>
+            <a:r>
+              <a:rPr lang="en-US" sz="3600" dirty="0">
+                <a:solidFill>
+                  <a:srgbClr val="C00000"/>
+                </a:solidFill>
+                <a:latin typeface="Consolas" panose="020B0609020204030204" pitchFamily="49" charset="0"/>
+                <a:sym typeface="Consolas"/>
+              </a:rPr>
               <a:t>hard-excel-easy-python-analysis-exercise.xlsx</a:t>
             </a:r>
             <a:endParaRPr lang="en-US" sz="6000" dirty="0">
@@ -9169,7 +9280,7 @@
 </p:sld>
 </file>
 
-<file path=ppt/slides/slide26.xml><?xml version="1.0" encoding="utf-8"?>
+<file path=ppt/slides/slide27.xml><?xml version="1.0" encoding="utf-8"?>
 <p:sld xmlns:a="http://schemas.openxmlformats.org/drawingml/2006/main" xmlns:r="http://schemas.openxmlformats.org/officeDocument/2006/relationships" xmlns:p="http://schemas.openxmlformats.org/presentationml/2006/main">
   <p:cSld>
     <p:spTree>
@@ -9327,152 +9438,6 @@
 </p:sld>
 </file>
 
-<file path=ppt/slides/slide27.xml><?xml version="1.0" encoding="utf-8"?>
-<p:sld xmlns:a="http://schemas.openxmlformats.org/drawingml/2006/main" xmlns:r="http://schemas.openxmlformats.org/officeDocument/2006/relationships" xmlns:p="http://schemas.openxmlformats.org/presentationml/2006/main">
-  <p:cSld>
-    <p:spTree>
-      <p:nvGrpSpPr>
-        <p:cNvPr id="1" name=""/>
-        <p:cNvGrpSpPr/>
-        <p:nvPr/>
-      </p:nvGrpSpPr>
-      <p:grpSpPr>
-        <a:xfrm>
-          <a:off x="0" y="0"/>
-          <a:ext cx="0" cy="0"/>
-          <a:chOff x="0" y="0"/>
-          <a:chExt cx="0" cy="0"/>
-        </a:xfrm>
-      </p:grpSpPr>
-      <p:sp>
-        <p:nvSpPr>
-          <p:cNvPr id="4" name="Rectangle 3"/>
-          <p:cNvSpPr/>
-          <p:nvPr/>
-        </p:nvSpPr>
-        <p:spPr>
-          <a:xfrm>
-            <a:off x="0" y="0"/>
-            <a:ext cx="18288000" cy="10287000"/>
-          </a:xfrm>
-          <a:prstGeom prst="rect">
-            <a:avLst/>
-          </a:prstGeom>
-          <a:solidFill>
-            <a:srgbClr val="CF3338"/>
-          </a:solidFill>
-          <a:ln>
-            <a:noFill/>
-          </a:ln>
-        </p:spPr>
-        <p:style>
-          <a:lnRef idx="2">
-            <a:schemeClr val="accent1">
-              <a:shade val="50000"/>
-            </a:schemeClr>
-          </a:lnRef>
-          <a:fillRef idx="1">
-            <a:schemeClr val="accent1"/>
-          </a:fillRef>
-          <a:effectRef idx="0">
-            <a:schemeClr val="accent1"/>
-          </a:effectRef>
-          <a:fontRef idx="minor">
-            <a:schemeClr val="lt1"/>
-          </a:fontRef>
-        </p:style>
-        <p:txBody>
-          <a:bodyPr rtlCol="0" anchor="ctr"/>
-          <a:lstStyle/>
-          <a:p>
-            <a:pPr algn="ctr"/>
-            <a:endParaRPr lang="en-US" sz="2700"/>
-          </a:p>
-        </p:txBody>
-      </p:sp>
-      <p:sp>
-        <p:nvSpPr>
-          <p:cNvPr id="5" name="TextBox 4"/>
-          <p:cNvSpPr txBox="1"/>
-          <p:nvPr/>
-        </p:nvSpPr>
-        <p:spPr>
-          <a:xfrm>
-            <a:off x="781292" y="590309"/>
-            <a:ext cx="15486926" cy="4662815"/>
-          </a:xfrm>
-          <a:prstGeom prst="rect">
-            <a:avLst/>
-          </a:prstGeom>
-          <a:noFill/>
-        </p:spPr>
-        <p:txBody>
-          <a:bodyPr wrap="square" rtlCol="0">
-            <a:spAutoFit/>
-          </a:bodyPr>
-          <a:lstStyle/>
-          <a:p>
-            <a:r>
-              <a:rPr lang="en-US" sz="9900" b="1" dirty="0">
-                <a:solidFill>
-                  <a:schemeClr val="bg1"/>
-                </a:solidFill>
-                <a:latin typeface="Normafixed Tryout" panose="00000409000000000000" pitchFamily="49" charset="0"/>
-              </a:rPr>
-              <a:t>3. There’s more to Python </a:t>
-            </a:r>
-            <a:r>
-              <a:rPr lang="en-US" sz="9900" b="1" i="1" dirty="0">
-                <a:solidFill>
-                  <a:schemeClr val="bg1"/>
-                </a:solidFill>
-                <a:latin typeface="Normafixed Tryout" panose="00000409000000000000" pitchFamily="49" charset="0"/>
-              </a:rPr>
-              <a:t>and </a:t>
-            </a:r>
-            <a:r>
-              <a:rPr lang="en-US" sz="9900" b="1" dirty="0">
-                <a:solidFill>
-                  <a:schemeClr val="bg1"/>
-                </a:solidFill>
-                <a:latin typeface="Normafixed Tryout" panose="00000409000000000000" pitchFamily="49" charset="0"/>
-              </a:rPr>
-              <a:t>Excel than Python </a:t>
-            </a:r>
-            <a:r>
-              <a:rPr lang="en-US" sz="9900" b="1" i="1" dirty="0">
-                <a:solidFill>
-                  <a:schemeClr val="bg1"/>
-                </a:solidFill>
-                <a:latin typeface="Normafixed Tryout" panose="00000409000000000000" pitchFamily="49" charset="0"/>
-              </a:rPr>
-              <a:t>in </a:t>
-            </a:r>
-            <a:r>
-              <a:rPr lang="en-US" sz="9900" b="1" dirty="0">
-                <a:solidFill>
-                  <a:schemeClr val="bg1"/>
-                </a:solidFill>
-                <a:latin typeface="Normafixed Tryout" panose="00000409000000000000" pitchFamily="49" charset="0"/>
-              </a:rPr>
-              <a:t>Excel</a:t>
-            </a:r>
-          </a:p>
-        </p:txBody>
-      </p:sp>
-    </p:spTree>
-    <p:extLst>
-      <p:ext uri="{BB962C8B-B14F-4D97-AF65-F5344CB8AC3E}">
-        <p14:creationId xmlns:p14="http://schemas.microsoft.com/office/powerpoint/2010/main" val="1915421395"/>
-      </p:ext>
-    </p:extLst>
-  </p:cSld>
-  <p:clrMapOvr>
-    <a:masterClrMapping/>
-  </p:clrMapOvr>
-</p:sld>
-</file>
-
 <file path=ppt/slides/slide28.xml><?xml version="1.0" encoding="utf-8"?>
 <p:sld xmlns:a="http://schemas.openxmlformats.org/drawingml/2006/main" xmlns:r="http://schemas.openxmlformats.org/officeDocument/2006/relationships" xmlns:p="http://schemas.openxmlformats.org/presentationml/2006/main">
   <p:cSld>
@@ -9498,8 +9463,8 @@
         </p:nvSpPr>
         <p:spPr>
           <a:xfrm>
-            <a:off x="9861630" y="0"/>
-            <a:ext cx="8426370" cy="10287000"/>
+            <a:off x="0" y="0"/>
+            <a:ext cx="18288000" cy="10287000"/>
           </a:xfrm>
           <a:prstGeom prst="rect">
             <a:avLst/>
@@ -9536,45 +9501,16 @@
           </a:p>
         </p:txBody>
       </p:sp>
-      <p:pic>
-        <p:nvPicPr>
-          <p:cNvPr id="2" name="Picture 1"/>
-          <p:cNvPicPr>
-            <a:picLocks noChangeAspect="1"/>
-          </p:cNvPicPr>
-          <p:nvPr/>
-        </p:nvPicPr>
-        <p:blipFill rotWithShape="1">
-          <a:blip r:embed="rId3">
-            <a:extLst>
-              <a:ext uri="{28A0092B-C50C-407E-A947-70E740481C1C}">
-                <a14:useLocalDpi xmlns:a14="http://schemas.microsoft.com/office/drawing/2010/main" val="0"/>
-              </a:ext>
-            </a:extLst>
-          </a:blip>
-          <a:srcRect l="69227" t="33418" r="20112" b="50548"/>
-          <a:stretch/>
-        </p:blipFill>
-        <p:spPr>
-          <a:xfrm>
-            <a:off x="15579524" y="7544693"/>
-            <a:ext cx="2708477" cy="2987579"/>
-          </a:xfrm>
-          <a:prstGeom prst="rect">
-            <a:avLst/>
-          </a:prstGeom>
-        </p:spPr>
-      </p:pic>
-      <p:sp>
-        <p:nvSpPr>
-          <p:cNvPr id="3" name="TextBox 2"/>
+      <p:sp>
+        <p:nvSpPr>
+          <p:cNvPr id="5" name="TextBox 4"/>
           <p:cNvSpPr txBox="1"/>
           <p:nvPr/>
         </p:nvSpPr>
         <p:spPr>
           <a:xfrm>
-            <a:off x="260431" y="329879"/>
-            <a:ext cx="8906720" cy="9596986"/>
+            <a:off x="781292" y="590309"/>
+            <a:ext cx="15486926" cy="4662815"/>
           </a:xfrm>
           <a:prstGeom prst="rect">
             <a:avLst/>
@@ -9588,214 +9524,57 @@
           <a:lstStyle/>
           <a:p>
             <a:r>
-              <a:rPr lang="en-US" sz="6000" b="1" dirty="0">
-                <a:solidFill>
-                  <a:srgbClr val="CF3338"/>
-                </a:solidFill>
-                <a:latin typeface="Pragmatica" panose="020B0403040502020204" pitchFamily="34" charset="0"/>
-              </a:rPr>
-              <a:t>There’s more to Python </a:t>
-            </a:r>
-            <a:r>
-              <a:rPr lang="en-US" sz="6000" b="1" i="1" dirty="0">
-                <a:solidFill>
-                  <a:srgbClr val="CF3338"/>
-                </a:solidFill>
-                <a:latin typeface="Pragmatica" panose="020B0403040502020204" pitchFamily="34" charset="0"/>
-              </a:rPr>
-              <a:t>and</a:t>
-            </a:r>
-            <a:r>
-              <a:rPr lang="en-US" sz="6000" b="1" dirty="0">
-                <a:solidFill>
-                  <a:srgbClr val="CF3338"/>
-                </a:solidFill>
-                <a:latin typeface="Pragmatica" panose="020B0403040502020204" pitchFamily="34" charset="0"/>
-              </a:rPr>
-              <a:t> Excel than Python </a:t>
-            </a:r>
-            <a:r>
-              <a:rPr lang="en-US" sz="6000" b="1" i="1" dirty="0">
-                <a:solidFill>
-                  <a:srgbClr val="CF3338"/>
-                </a:solidFill>
-                <a:latin typeface="Pragmatica" panose="020B0403040502020204" pitchFamily="34" charset="0"/>
+              <a:rPr lang="en-US" sz="9900" b="1" dirty="0">
+                <a:solidFill>
+                  <a:schemeClr val="bg1"/>
+                </a:solidFill>
+                <a:latin typeface="Normafixed Tryout" panose="00000409000000000000" pitchFamily="49" charset="0"/>
+              </a:rPr>
+              <a:t>3. There’s more to Python </a:t>
+            </a:r>
+            <a:r>
+              <a:rPr lang="en-US" sz="9900" b="1" i="1" dirty="0">
+                <a:solidFill>
+                  <a:schemeClr val="bg1"/>
+                </a:solidFill>
+                <a:latin typeface="Normafixed Tryout" panose="00000409000000000000" pitchFamily="49" charset="0"/>
+              </a:rPr>
+              <a:t>and </a:t>
+            </a:r>
+            <a:r>
+              <a:rPr lang="en-US" sz="9900" b="1" dirty="0">
+                <a:solidFill>
+                  <a:schemeClr val="bg1"/>
+                </a:solidFill>
+                <a:latin typeface="Normafixed Tryout" panose="00000409000000000000" pitchFamily="49" charset="0"/>
+              </a:rPr>
+              <a:t>Excel than Python </a:t>
+            </a:r>
+            <a:r>
+              <a:rPr lang="en-US" sz="9900" b="1" i="1" dirty="0">
+                <a:solidFill>
+                  <a:schemeClr val="bg1"/>
+                </a:solidFill>
+                <a:latin typeface="Normafixed Tryout" panose="00000409000000000000" pitchFamily="49" charset="0"/>
               </a:rPr>
               <a:t>in </a:t>
             </a:r>
             <a:r>
-              <a:rPr lang="en-US" sz="6000" b="1" dirty="0">
-                <a:solidFill>
-                  <a:srgbClr val="CF3338"/>
-                </a:solidFill>
-                <a:latin typeface="Pragmatica" panose="020B0403040502020204" pitchFamily="34" charset="0"/>
+              <a:rPr lang="en-US" sz="9900" b="1" dirty="0">
+                <a:solidFill>
+                  <a:schemeClr val="bg1"/>
+                </a:solidFill>
+                <a:latin typeface="Normafixed Tryout" panose="00000409000000000000" pitchFamily="49" charset="0"/>
               </a:rPr>
               <a:t>Excel</a:t>
             </a:r>
-          </a:p>
-          <a:p>
-            <a:endParaRPr lang="en-US" sz="4200" dirty="0">
-              <a:solidFill>
-                <a:srgbClr val="CF3338"/>
-              </a:solidFill>
-              <a:latin typeface="Pragmatica" panose="020B0403040502020204" pitchFamily="34" charset="0"/>
-            </a:endParaRPr>
-          </a:p>
-          <a:p>
-            <a:pPr marL="685800" indent="-542925">
-              <a:lnSpc>
-                <a:spcPct val="115000"/>
-              </a:lnSpc>
-              <a:spcBef>
-                <a:spcPts val="1125"/>
-              </a:spcBef>
-              <a:buClr>
-                <a:srgbClr val="C00000"/>
-              </a:buClr>
-              <a:buSzPts val="2100"/>
-              <a:buFont typeface="Arial"/>
-              <a:buAutoNum type="arabicPeriod"/>
-            </a:pPr>
-            <a:r>
-              <a:rPr lang="en-US" sz="3600" dirty="0">
-                <a:solidFill>
-                  <a:srgbClr val="C00000"/>
-                </a:solidFill>
-                <a:latin typeface="Pragmatica" panose="020B0403040502020204"/>
-                <a:sym typeface="Consolas"/>
-              </a:rPr>
-              <a:t>Python in Excel is all about data analysis, visualization, statistics &amp; ML</a:t>
-            </a:r>
-          </a:p>
-          <a:p>
-            <a:pPr marL="685800" indent="-542925">
-              <a:lnSpc>
-                <a:spcPct val="115000"/>
-              </a:lnSpc>
-              <a:spcBef>
-                <a:spcPts val="1125"/>
-              </a:spcBef>
-              <a:buClr>
-                <a:srgbClr val="C00000"/>
-              </a:buClr>
-              <a:buSzPts val="2100"/>
-              <a:buFont typeface="Arial"/>
-              <a:buAutoNum type="arabicPeriod"/>
-            </a:pPr>
-            <a:r>
-              <a:rPr lang="en-US" sz="3600" dirty="0">
-                <a:solidFill>
-                  <a:srgbClr val="C00000"/>
-                </a:solidFill>
-                <a:latin typeface="Pragmatica" panose="020B0403040502020204"/>
-                <a:sym typeface="Consolas"/>
-              </a:rPr>
-              <a:t>It lacks Excel automation capabilities</a:t>
-            </a:r>
-          </a:p>
-          <a:p>
-            <a:pPr marL="685800" indent="-542925">
-              <a:lnSpc>
-                <a:spcPct val="115000"/>
-              </a:lnSpc>
-              <a:spcBef>
-                <a:spcPts val="1125"/>
-              </a:spcBef>
-              <a:buClr>
-                <a:srgbClr val="C00000"/>
-              </a:buClr>
-              <a:buSzPts val="2100"/>
-              <a:buFont typeface="Arial"/>
-              <a:buAutoNum type="arabicPeriod"/>
-            </a:pPr>
-            <a:r>
-              <a:rPr lang="en-US" sz="3600" dirty="0">
-                <a:solidFill>
-                  <a:srgbClr val="C00000"/>
-                </a:solidFill>
-                <a:latin typeface="Pragmatica" panose="020B0403040502020204"/>
-                <a:sym typeface="Consolas"/>
-              </a:rPr>
-              <a:t>Let’s automate an entire Excel workbook from Python… without opening Excel!</a:t>
-            </a:r>
-          </a:p>
-          <a:p>
-            <a:pPr marL="685800" indent="-542925">
-              <a:lnSpc>
-                <a:spcPct val="115000"/>
-              </a:lnSpc>
-              <a:spcBef>
-                <a:spcPts val="1125"/>
-              </a:spcBef>
-              <a:buClr>
-                <a:srgbClr val="C00000"/>
-              </a:buClr>
-              <a:buSzPts val="2100"/>
-              <a:buFont typeface="Arial"/>
-              <a:buAutoNum type="arabicPeriod"/>
-            </a:pPr>
-            <a:endParaRPr lang="en-US" sz="3600" dirty="0">
-              <a:solidFill>
-                <a:srgbClr val="C00000"/>
-              </a:solidFill>
-              <a:latin typeface="Pragmatica" panose="020B0403040502020204"/>
-              <a:sym typeface="Consolas"/>
-            </a:endParaRPr>
-          </a:p>
-          <a:p>
-            <a:pPr marL="142875">
-              <a:lnSpc>
-                <a:spcPct val="115000"/>
-              </a:lnSpc>
-              <a:spcBef>
-                <a:spcPts val="1125"/>
-              </a:spcBef>
-              <a:buClr>
-                <a:srgbClr val="C00000"/>
-              </a:buClr>
-              <a:buSzPts val="2100"/>
-            </a:pPr>
-            <a:r>
-              <a:rPr lang="en-US" sz="3600" dirty="0">
-                <a:solidFill>
-                  <a:srgbClr val="C00000"/>
-                </a:solidFill>
-                <a:latin typeface="Pragmatica" panose="020B0403040502020204"/>
-                <a:sym typeface="Consolas"/>
-              </a:rPr>
-              <a:t>File: </a:t>
-            </a:r>
-            <a:r>
-              <a:rPr lang="en-US" sz="3600" dirty="0" err="1">
-                <a:solidFill>
-                  <a:srgbClr val="C00000"/>
-                </a:solidFill>
-                <a:latin typeface="Consolas" panose="020B0609020204030204" pitchFamily="49" charset="0"/>
-                <a:sym typeface="Consolas"/>
-              </a:rPr>
-              <a:t>pae-pie.ipynb</a:t>
-            </a:r>
-            <a:endParaRPr lang="en-US" sz="6000" dirty="0">
-              <a:solidFill>
-                <a:srgbClr val="CF3338"/>
-              </a:solidFill>
-              <a:latin typeface="Consolas" panose="020B0609020204030204" pitchFamily="49" charset="0"/>
-            </a:endParaRPr>
-          </a:p>
-          <a:p>
-            <a:endParaRPr lang="en-US" sz="6000" dirty="0">
-              <a:solidFill>
-                <a:srgbClr val="CF3338"/>
-              </a:solidFill>
-              <a:latin typeface="Pragmatica" panose="020B0403040502020204" pitchFamily="34" charset="0"/>
-            </a:endParaRPr>
           </a:p>
         </p:txBody>
       </p:sp>
     </p:spTree>
     <p:extLst>
       <p:ext uri="{BB962C8B-B14F-4D97-AF65-F5344CB8AC3E}">
-        <p14:creationId xmlns:p14="http://schemas.microsoft.com/office/powerpoint/2010/main" val="2938274525"/>
+        <p14:creationId xmlns:p14="http://schemas.microsoft.com/office/powerpoint/2010/main" val="1915421395"/>
       </p:ext>
     </p:extLst>
   </p:cSld>
@@ -9906,7 +9685,7 @@
         <p:spPr>
           <a:xfrm>
             <a:off x="260431" y="329879"/>
-            <a:ext cx="8906720" cy="8313558"/>
+            <a:ext cx="8906720" cy="9596986"/>
           </a:xfrm>
           <a:prstGeom prst="rect">
             <a:avLst/>
@@ -9962,11 +9741,19 @@
                 </a:solidFill>
                 <a:latin typeface="Pragmatica" panose="020B0403040502020204" pitchFamily="34" charset="0"/>
               </a:rPr>
-              <a:t>Excel EXERCISE</a:t>
-            </a:r>
-          </a:p>
-          <a:p>
-            <a:pPr marL="142875">
+              <a:t>Excel</a:t>
+            </a:r>
+          </a:p>
+          <a:p>
+            <a:endParaRPr lang="en-US" sz="4200" dirty="0">
+              <a:solidFill>
+                <a:srgbClr val="CF3338"/>
+              </a:solidFill>
+              <a:latin typeface="Pragmatica" panose="020B0403040502020204" pitchFamily="34" charset="0"/>
+            </a:endParaRPr>
+          </a:p>
+          <a:p>
+            <a:pPr marL="685800" indent="-542925">
               <a:lnSpc>
                 <a:spcPct val="115000"/>
               </a:lnSpc>
@@ -9977,17 +9764,22 @@
                 <a:srgbClr val="C00000"/>
               </a:buClr>
               <a:buSzPts val="2100"/>
+              <a:buFont typeface="Arial"/>
+              <a:buAutoNum type="arabicPeriod"/>
             </a:pPr>
-            <a:endParaRPr lang="en-US" sz="3600" dirty="0">
-              <a:solidFill>
-                <a:srgbClr val="C00000"/>
-              </a:solidFill>
-              <a:latin typeface="Pragmatica" panose="020B0403040502020204"/>
-              <a:sym typeface="Consolas"/>
-            </a:endParaRPr>
-          </a:p>
-          <a:p>
-            <a:pPr marL="714375" indent="-571500">
+            <a:r>
+              <a:rPr lang="en-US" sz="3600" dirty="0">
+                <a:solidFill>
+                  <a:srgbClr val="C00000"/>
+                </a:solidFill>
+                <a:latin typeface="Pragmatica" panose="020B0403040502020204"/>
+                <a:sym typeface="Consolas"/>
+              </a:rPr>
+              <a:t>Python in Excel is all about data analysis, visualization, statistics &amp; ML</a:t>
+            </a:r>
+          </a:p>
+          <a:p>
+            <a:pPr marL="685800" indent="-542925">
               <a:lnSpc>
                 <a:spcPct val="115000"/>
               </a:lnSpc>
@@ -9998,8 +9790,8 @@
                 <a:srgbClr val="C00000"/>
               </a:buClr>
               <a:buSzPts val="2100"/>
-              <a:buFont typeface="Arial" panose="020B0604020202020204" pitchFamily="34" charset="0"/>
-              <a:buChar char="•"/>
+              <a:buFont typeface="Arial"/>
+              <a:buAutoNum type="arabicPeriod"/>
             </a:pPr>
             <a:r>
               <a:rPr lang="en-US" sz="3600" dirty="0">
@@ -10009,11 +9801,11 @@
                 <a:latin typeface="Pragmatica" panose="020B0403040502020204"/>
                 <a:sym typeface="Consolas"/>
               </a:rPr>
-              <a:t>Automate production of a workbook comparing website visitors versus rating</a:t>
-            </a:r>
-          </a:p>
-          <a:p>
-            <a:pPr marL="714375" indent="-571500">
+              <a:t>It lacks Excel automation capabilities</a:t>
+            </a:r>
+          </a:p>
+          <a:p>
+            <a:pPr marL="685800" indent="-542925">
               <a:lnSpc>
                 <a:spcPct val="115000"/>
               </a:lnSpc>
@@ -10024,8 +9816,8 @@
                 <a:srgbClr val="C00000"/>
               </a:buClr>
               <a:buSzPts val="2100"/>
-              <a:buFont typeface="Arial" panose="020B0604020202020204" pitchFamily="34" charset="0"/>
-              <a:buChar char="•"/>
+              <a:buFont typeface="Arial"/>
+              <a:buAutoNum type="arabicPeriod"/>
             </a:pPr>
             <a:r>
               <a:rPr lang="en-US" sz="3600" dirty="0">
@@ -10035,7 +9827,7 @@
                 <a:latin typeface="Pragmatica" panose="020B0403040502020204"/>
                 <a:sym typeface="Consolas"/>
               </a:rPr>
-              <a:t>Fill in the blanks to create the script</a:t>
+              <a:t>Let’s automate an entire Excel workbook from Python… without opening Excel!</a:t>
             </a:r>
           </a:p>
           <a:p>
@@ -10092,27 +9884,7 @@
                 <a:latin typeface="Consolas" panose="020B0609020204030204" pitchFamily="49" charset="0"/>
                 <a:sym typeface="Consolas"/>
               </a:rPr>
-              <a:t>pae</a:t>
-            </a:r>
-            <a:r>
-              <a:rPr lang="en-US" sz="3600" dirty="0">
-                <a:solidFill>
-                  <a:srgbClr val="C00000"/>
-                </a:solidFill>
-                <a:latin typeface="Consolas" panose="020B0609020204030204" pitchFamily="49" charset="0"/>
-                <a:sym typeface="Consolas"/>
-              </a:rPr>
-              <a:t>-pie-</a:t>
-            </a:r>
-            <a:r>
-              <a:rPr lang="en-US" sz="3600" dirty="0" err="1">
-                <a:solidFill>
-                  <a:srgbClr val="C00000"/>
-                </a:solidFill>
-                <a:latin typeface="Consolas" panose="020B0609020204030204" pitchFamily="49" charset="0"/>
-                <a:sym typeface="Consolas"/>
-              </a:rPr>
-              <a:t>exercise.ipynb</a:t>
+              <a:t>pae-pie.ipynb</a:t>
             </a:r>
             <a:endParaRPr lang="en-US" sz="6000" dirty="0">
               <a:solidFill>
@@ -10134,7 +9906,7 @@
     </p:spTree>
     <p:extLst>
       <p:ext uri="{BB962C8B-B14F-4D97-AF65-F5344CB8AC3E}">
-        <p14:creationId xmlns:p14="http://schemas.microsoft.com/office/powerpoint/2010/main" val="2531284725"/>
+        <p14:creationId xmlns:p14="http://schemas.microsoft.com/office/powerpoint/2010/main" val="2938274525"/>
       </p:ext>
     </p:extLst>
   </p:cSld>
@@ -10301,6 +10073,345 @@
 </file>
 
 <file path=ppt/slides/slide30.xml><?xml version="1.0" encoding="utf-8"?>
+<p:sld xmlns:a="http://schemas.openxmlformats.org/drawingml/2006/main" xmlns:r="http://schemas.openxmlformats.org/officeDocument/2006/relationships" xmlns:p="http://schemas.openxmlformats.org/presentationml/2006/main">
+  <p:cSld>
+    <p:spTree>
+      <p:nvGrpSpPr>
+        <p:cNvPr id="1" name=""/>
+        <p:cNvGrpSpPr/>
+        <p:nvPr/>
+      </p:nvGrpSpPr>
+      <p:grpSpPr>
+        <a:xfrm>
+          <a:off x="0" y="0"/>
+          <a:ext cx="0" cy="0"/>
+          <a:chOff x="0" y="0"/>
+          <a:chExt cx="0" cy="0"/>
+        </a:xfrm>
+      </p:grpSpPr>
+      <p:sp>
+        <p:nvSpPr>
+          <p:cNvPr id="4" name="Rectangle 3"/>
+          <p:cNvSpPr/>
+          <p:nvPr/>
+        </p:nvSpPr>
+        <p:spPr>
+          <a:xfrm>
+            <a:off x="9861630" y="0"/>
+            <a:ext cx="8426370" cy="10287000"/>
+          </a:xfrm>
+          <a:prstGeom prst="rect">
+            <a:avLst/>
+          </a:prstGeom>
+          <a:solidFill>
+            <a:srgbClr val="CF3338"/>
+          </a:solidFill>
+          <a:ln>
+            <a:noFill/>
+          </a:ln>
+        </p:spPr>
+        <p:style>
+          <a:lnRef idx="2">
+            <a:schemeClr val="accent1">
+              <a:shade val="50000"/>
+            </a:schemeClr>
+          </a:lnRef>
+          <a:fillRef idx="1">
+            <a:schemeClr val="accent1"/>
+          </a:fillRef>
+          <a:effectRef idx="0">
+            <a:schemeClr val="accent1"/>
+          </a:effectRef>
+          <a:fontRef idx="minor">
+            <a:schemeClr val="lt1"/>
+          </a:fontRef>
+        </p:style>
+        <p:txBody>
+          <a:bodyPr rtlCol="0" anchor="ctr"/>
+          <a:lstStyle/>
+          <a:p>
+            <a:pPr algn="ctr"/>
+            <a:endParaRPr lang="en-US" sz="2700"/>
+          </a:p>
+        </p:txBody>
+      </p:sp>
+      <p:pic>
+        <p:nvPicPr>
+          <p:cNvPr id="2" name="Picture 1"/>
+          <p:cNvPicPr>
+            <a:picLocks noChangeAspect="1"/>
+          </p:cNvPicPr>
+          <p:nvPr/>
+        </p:nvPicPr>
+        <p:blipFill rotWithShape="1">
+          <a:blip r:embed="rId3">
+            <a:extLst>
+              <a:ext uri="{28A0092B-C50C-407E-A947-70E740481C1C}">
+                <a14:useLocalDpi xmlns:a14="http://schemas.microsoft.com/office/drawing/2010/main" val="0"/>
+              </a:ext>
+            </a:extLst>
+          </a:blip>
+          <a:srcRect l="69227" t="33418" r="20112" b="50548"/>
+          <a:stretch/>
+        </p:blipFill>
+        <p:spPr>
+          <a:xfrm>
+            <a:off x="15579524" y="7544693"/>
+            <a:ext cx="2708477" cy="2987579"/>
+          </a:xfrm>
+          <a:prstGeom prst="rect">
+            <a:avLst/>
+          </a:prstGeom>
+        </p:spPr>
+      </p:pic>
+      <p:sp>
+        <p:nvSpPr>
+          <p:cNvPr id="3" name="TextBox 2"/>
+          <p:cNvSpPr txBox="1"/>
+          <p:nvPr/>
+        </p:nvSpPr>
+        <p:spPr>
+          <a:xfrm>
+            <a:off x="260431" y="329879"/>
+            <a:ext cx="8906720" cy="8313558"/>
+          </a:xfrm>
+          <a:prstGeom prst="rect">
+            <a:avLst/>
+          </a:prstGeom>
+          <a:noFill/>
+        </p:spPr>
+        <p:txBody>
+          <a:bodyPr wrap="square" rtlCol="0">
+            <a:spAutoFit/>
+          </a:bodyPr>
+          <a:lstStyle/>
+          <a:p>
+            <a:r>
+              <a:rPr lang="en-US" sz="6000" b="1" dirty="0">
+                <a:solidFill>
+                  <a:srgbClr val="CF3338"/>
+                </a:solidFill>
+                <a:latin typeface="Pragmatica" panose="020B0403040502020204" pitchFamily="34" charset="0"/>
+              </a:rPr>
+              <a:t>There’s more to Python </a:t>
+            </a:r>
+            <a:r>
+              <a:rPr lang="en-US" sz="6000" b="1" i="1" dirty="0">
+                <a:solidFill>
+                  <a:srgbClr val="CF3338"/>
+                </a:solidFill>
+                <a:latin typeface="Pragmatica" panose="020B0403040502020204" pitchFamily="34" charset="0"/>
+              </a:rPr>
+              <a:t>and</a:t>
+            </a:r>
+            <a:r>
+              <a:rPr lang="en-US" sz="6000" b="1" dirty="0">
+                <a:solidFill>
+                  <a:srgbClr val="CF3338"/>
+                </a:solidFill>
+                <a:latin typeface="Pragmatica" panose="020B0403040502020204" pitchFamily="34" charset="0"/>
+              </a:rPr>
+              <a:t> Excel than Python </a:t>
+            </a:r>
+            <a:r>
+              <a:rPr lang="en-US" sz="6000" b="1" i="1" dirty="0">
+                <a:solidFill>
+                  <a:srgbClr val="CF3338"/>
+                </a:solidFill>
+                <a:latin typeface="Pragmatica" panose="020B0403040502020204" pitchFamily="34" charset="0"/>
+              </a:rPr>
+              <a:t>in </a:t>
+            </a:r>
+            <a:r>
+              <a:rPr lang="en-US" sz="6000" b="1" dirty="0">
+                <a:solidFill>
+                  <a:srgbClr val="CF3338"/>
+                </a:solidFill>
+                <a:latin typeface="Pragmatica" panose="020B0403040502020204" pitchFamily="34" charset="0"/>
+              </a:rPr>
+              <a:t>Excel EXERCISE</a:t>
+            </a:r>
+          </a:p>
+          <a:p>
+            <a:pPr marL="142875">
+              <a:lnSpc>
+                <a:spcPct val="115000"/>
+              </a:lnSpc>
+              <a:spcBef>
+                <a:spcPts val="1125"/>
+              </a:spcBef>
+              <a:buClr>
+                <a:srgbClr val="C00000"/>
+              </a:buClr>
+              <a:buSzPts val="2100"/>
+            </a:pPr>
+            <a:endParaRPr lang="en-US" sz="3600" dirty="0">
+              <a:solidFill>
+                <a:srgbClr val="C00000"/>
+              </a:solidFill>
+              <a:latin typeface="Pragmatica" panose="020B0403040502020204"/>
+              <a:sym typeface="Consolas"/>
+            </a:endParaRPr>
+          </a:p>
+          <a:p>
+            <a:pPr marL="714375" indent="-571500">
+              <a:lnSpc>
+                <a:spcPct val="115000"/>
+              </a:lnSpc>
+              <a:spcBef>
+                <a:spcPts val="1125"/>
+              </a:spcBef>
+              <a:buClr>
+                <a:srgbClr val="C00000"/>
+              </a:buClr>
+              <a:buSzPts val="2100"/>
+              <a:buFont typeface="Arial" panose="020B0604020202020204" pitchFamily="34" charset="0"/>
+              <a:buChar char="•"/>
+            </a:pPr>
+            <a:r>
+              <a:rPr lang="en-US" sz="3600" dirty="0">
+                <a:solidFill>
+                  <a:srgbClr val="C00000"/>
+                </a:solidFill>
+                <a:latin typeface="Pragmatica" panose="020B0403040502020204"/>
+                <a:sym typeface="Consolas"/>
+              </a:rPr>
+              <a:t>Automate production of a workbook comparing website visitors versus rating</a:t>
+            </a:r>
+          </a:p>
+          <a:p>
+            <a:pPr marL="714375" indent="-571500">
+              <a:lnSpc>
+                <a:spcPct val="115000"/>
+              </a:lnSpc>
+              <a:spcBef>
+                <a:spcPts val="1125"/>
+              </a:spcBef>
+              <a:buClr>
+                <a:srgbClr val="C00000"/>
+              </a:buClr>
+              <a:buSzPts val="2100"/>
+              <a:buFont typeface="Arial" panose="020B0604020202020204" pitchFamily="34" charset="0"/>
+              <a:buChar char="•"/>
+            </a:pPr>
+            <a:r>
+              <a:rPr lang="en-US" sz="3600" dirty="0">
+                <a:solidFill>
+                  <a:srgbClr val="C00000"/>
+                </a:solidFill>
+                <a:latin typeface="Pragmatica" panose="020B0403040502020204"/>
+                <a:sym typeface="Consolas"/>
+              </a:rPr>
+              <a:t>Fill in the blanks to create the script</a:t>
+            </a:r>
+          </a:p>
+          <a:p>
+            <a:pPr marL="685800" indent="-542925">
+              <a:lnSpc>
+                <a:spcPct val="115000"/>
+              </a:lnSpc>
+              <a:spcBef>
+                <a:spcPts val="1125"/>
+              </a:spcBef>
+              <a:buClr>
+                <a:srgbClr val="C00000"/>
+              </a:buClr>
+              <a:buSzPts val="2100"/>
+              <a:buFont typeface="Arial"/>
+              <a:buAutoNum type="arabicPeriod"/>
+            </a:pPr>
+            <a:endParaRPr lang="en-US" sz="3600" dirty="0">
+              <a:solidFill>
+                <a:srgbClr val="C00000"/>
+              </a:solidFill>
+              <a:latin typeface="Pragmatica" panose="020B0403040502020204"/>
+              <a:sym typeface="Consolas"/>
+            </a:endParaRPr>
+          </a:p>
+          <a:p>
+            <a:pPr marL="142875">
+              <a:lnSpc>
+                <a:spcPct val="115000"/>
+              </a:lnSpc>
+              <a:spcBef>
+                <a:spcPts val="1125"/>
+              </a:spcBef>
+              <a:buClr>
+                <a:srgbClr val="C00000"/>
+              </a:buClr>
+              <a:buSzPts val="2100"/>
+            </a:pPr>
+            <a:r>
+              <a:rPr lang="en-US" sz="3600" dirty="0">
+                <a:solidFill>
+                  <a:srgbClr val="C00000"/>
+                </a:solidFill>
+                <a:latin typeface="Pragmatica" panose="020B0403040502020204"/>
+                <a:sym typeface="Consolas"/>
+              </a:rPr>
+              <a:t>File: </a:t>
+            </a:r>
+            <a:r>
+              <a:rPr lang="en-US" sz="3600" dirty="0" err="1">
+                <a:solidFill>
+                  <a:srgbClr val="C00000"/>
+                </a:solidFill>
+                <a:latin typeface="Consolas" panose="020B0609020204030204" pitchFamily="49" charset="0"/>
+                <a:sym typeface="Consolas"/>
+              </a:rPr>
+              <a:t>pae</a:t>
+            </a:r>
+            <a:r>
+              <a:rPr lang="en-US" sz="3600" dirty="0">
+                <a:solidFill>
+                  <a:srgbClr val="C00000"/>
+                </a:solidFill>
+                <a:latin typeface="Consolas" panose="020B0609020204030204" pitchFamily="49" charset="0"/>
+                <a:sym typeface="Consolas"/>
+              </a:rPr>
+              <a:t>-pie-</a:t>
+            </a:r>
+            <a:r>
+              <a:rPr lang="en-US" sz="3600" dirty="0" err="1">
+                <a:solidFill>
+                  <a:srgbClr val="C00000"/>
+                </a:solidFill>
+                <a:latin typeface="Consolas" panose="020B0609020204030204" pitchFamily="49" charset="0"/>
+                <a:sym typeface="Consolas"/>
+              </a:rPr>
+              <a:t>exercise.ipynb</a:t>
+            </a:r>
+            <a:endParaRPr lang="en-US" sz="6000" dirty="0">
+              <a:solidFill>
+                <a:srgbClr val="CF3338"/>
+              </a:solidFill>
+              <a:latin typeface="Consolas" panose="020B0609020204030204" pitchFamily="49" charset="0"/>
+            </a:endParaRPr>
+          </a:p>
+          <a:p>
+            <a:endParaRPr lang="en-US" sz="6000" dirty="0">
+              <a:solidFill>
+                <a:srgbClr val="CF3338"/>
+              </a:solidFill>
+              <a:latin typeface="Pragmatica" panose="020B0403040502020204" pitchFamily="34" charset="0"/>
+            </a:endParaRPr>
+          </a:p>
+        </p:txBody>
+      </p:sp>
+    </p:spTree>
+    <p:extLst>
+      <p:ext uri="{BB962C8B-B14F-4D97-AF65-F5344CB8AC3E}">
+        <p14:creationId xmlns:p14="http://schemas.microsoft.com/office/powerpoint/2010/main" val="2531284725"/>
+      </p:ext>
+    </p:extLst>
+  </p:cSld>
+  <p:clrMapOvr>
+    <a:masterClrMapping/>
+  </p:clrMapOvr>
+</p:sld>
+</file>
+
+<file path=ppt/slides/slide31.xml><?xml version="1.0" encoding="utf-8"?>
 <p:sld xmlns:a="http://schemas.openxmlformats.org/drawingml/2006/main" xmlns:r="http://schemas.openxmlformats.org/officeDocument/2006/relationships" xmlns:p="http://schemas.openxmlformats.org/presentationml/2006/main">
   <p:cSld>
     <p:spTree>
@@ -10458,7 +10569,7 @@
 </p:sld>
 </file>
 
-<file path=ppt/slides/slide31.xml><?xml version="1.0" encoding="utf-8"?>
+<file path=ppt/slides/slide32.xml><?xml version="1.0" encoding="utf-8"?>
 <p:sld xmlns:a="http://schemas.openxmlformats.org/drawingml/2006/main" xmlns:r="http://schemas.openxmlformats.org/officeDocument/2006/relationships" xmlns:p="http://schemas.openxmlformats.org/presentationml/2006/main">
   <p:cSld>
     <p:spTree>
@@ -10684,7 +10795,7 @@
 </p:sld>
 </file>
 
-<file path=ppt/slides/slide32.xml><?xml version="1.0" encoding="utf-8"?>
+<file path=ppt/slides/slide33.xml><?xml version="1.0" encoding="utf-8"?>
 <p:sld xmlns:a="http://schemas.openxmlformats.org/drawingml/2006/main" xmlns:r="http://schemas.openxmlformats.org/officeDocument/2006/relationships" xmlns:p="http://schemas.openxmlformats.org/presentationml/2006/main">
   <p:cSld>
     <p:spTree>
@@ -11304,62 +11415,14 @@
       </p:grpSpPr>
       <p:sp>
         <p:nvSpPr>
-          <p:cNvPr id="4" name="Rectangle 3"/>
-          <p:cNvSpPr/>
-          <p:nvPr/>
-        </p:nvSpPr>
-        <p:spPr>
-          <a:xfrm>
-            <a:off x="0" y="0"/>
-            <a:ext cx="18288000" cy="10287000"/>
-          </a:xfrm>
-          <a:prstGeom prst="rect">
-            <a:avLst/>
-          </a:prstGeom>
-          <a:solidFill>
-            <a:schemeClr val="bg1">
-              <a:lumMod val="50000"/>
-            </a:schemeClr>
-          </a:solidFill>
-          <a:ln>
-            <a:noFill/>
-          </a:ln>
-        </p:spPr>
-        <p:style>
-          <a:lnRef idx="2">
-            <a:schemeClr val="accent1">
-              <a:shade val="50000"/>
-            </a:schemeClr>
-          </a:lnRef>
-          <a:fillRef idx="1">
-            <a:schemeClr val="accent1"/>
-          </a:fillRef>
-          <a:effectRef idx="0">
-            <a:schemeClr val="accent1"/>
-          </a:effectRef>
-          <a:fontRef idx="minor">
-            <a:schemeClr val="lt1"/>
-          </a:fontRef>
-        </p:style>
-        <p:txBody>
-          <a:bodyPr rtlCol="0" anchor="ctr"/>
-          <a:lstStyle/>
-          <a:p>
-            <a:pPr algn="ctr"/>
-            <a:endParaRPr lang="en-US" sz="2700"/>
-          </a:p>
-        </p:txBody>
-      </p:sp>
-      <p:sp>
-        <p:nvSpPr>
-          <p:cNvPr id="5" name="TextBox 4"/>
+          <p:cNvPr id="11" name="TextBox 10"/>
           <p:cNvSpPr txBox="1"/>
           <p:nvPr/>
         </p:nvSpPr>
         <p:spPr>
           <a:xfrm>
-            <a:off x="781292" y="590309"/>
-            <a:ext cx="15486926" cy="1615827"/>
+            <a:off x="520861" y="170082"/>
+            <a:ext cx="11979797" cy="1477328"/>
           </a:xfrm>
           <a:prstGeom prst="rect">
             <a:avLst/>
@@ -11373,21 +11436,114 @@
           <a:lstStyle/>
           <a:p>
             <a:r>
-              <a:rPr lang="en-US" sz="9900" b="1" dirty="0">
-                <a:solidFill>
-                  <a:schemeClr val="bg1"/>
-                </a:solidFill>
-                <a:latin typeface="Normafixed Tryout" panose="00000409000000000000"/>
-              </a:rPr>
-              <a:t>AI-Powered Excel</a:t>
-            </a:r>
-          </a:p>
-        </p:txBody>
-      </p:sp>
+              <a:rPr lang="en-US" sz="9000" dirty="0">
+                <a:latin typeface="Aliens &amp; cows" panose="00000500000000000000" pitchFamily="2" charset="0"/>
+              </a:rPr>
+              <a:t>Following along</a:t>
+            </a:r>
+          </a:p>
+        </p:txBody>
+      </p:sp>
+      <p:sp>
+        <p:nvSpPr>
+          <p:cNvPr id="3" name="TextBox 2"/>
+          <p:cNvSpPr txBox="1"/>
+          <p:nvPr/>
+        </p:nvSpPr>
+        <p:spPr>
+          <a:xfrm>
+            <a:off x="520861" y="3191948"/>
+            <a:ext cx="14393120" cy="2800767"/>
+          </a:xfrm>
+          <a:prstGeom prst="rect">
+            <a:avLst/>
+          </a:prstGeom>
+          <a:noFill/>
+        </p:spPr>
+        <p:txBody>
+          <a:bodyPr wrap="square" rtlCol="0">
+            <a:spAutoFit/>
+          </a:bodyPr>
+          <a:lstStyle/>
+          <a:p>
+            <a:pPr marL="685800" indent="-685800">
+              <a:buClr>
+                <a:srgbClr val="CF3338"/>
+              </a:buClr>
+              <a:buFont typeface="Arial" panose="020B0604020202020204" pitchFamily="34" charset="0"/>
+              <a:buChar char="•"/>
+            </a:pPr>
+            <a:r>
+              <a:rPr lang="en-US" sz="8800" dirty="0">
+                <a:solidFill>
+                  <a:srgbClr val="707070"/>
+                </a:solidFill>
+                <a:latin typeface="Pragmatica" panose="020B0403040502020204" pitchFamily="34" charset="0"/>
+              </a:rPr>
+              <a:t>Download the resources: </a:t>
+            </a:r>
+            <a:r>
+              <a:rPr lang="en-US" sz="8800" dirty="0">
+                <a:solidFill>
+                  <a:srgbClr val="707070"/>
+                </a:solidFill>
+                <a:latin typeface="Pragmatica" panose="020B0403040502020204" pitchFamily="34" charset="0"/>
+                <a:hlinkClick r:id="rId2"/>
+              </a:rPr>
+              <a:t>https://swiy.co/gxls24</a:t>
+            </a:r>
+            <a:r>
+              <a:rPr lang="en-US" sz="8800" dirty="0">
+                <a:solidFill>
+                  <a:srgbClr val="707070"/>
+                </a:solidFill>
+                <a:latin typeface="Pragmatica" panose="020B0403040502020204" pitchFamily="34" charset="0"/>
+              </a:rPr>
+              <a:t> </a:t>
+            </a:r>
+          </a:p>
+        </p:txBody>
+      </p:sp>
+      <p:pic>
+        <p:nvPicPr>
+          <p:cNvPr id="15" name="Picture 14" descr="A close up of a sign&#10;&#10;Description automatically generated">
+            <a:extLst>
+              <a:ext uri="{FF2B5EF4-FFF2-40B4-BE49-F238E27FC236}">
+                <a16:creationId xmlns:a16="http://schemas.microsoft.com/office/drawing/2014/main" id="{29761B90-A7DE-4A60-A915-F085BD87CAB4}"/>
+              </a:ext>
+            </a:extLst>
+          </p:cNvPr>
+          <p:cNvPicPr>
+            <a:picLocks noChangeAspect="1"/>
+          </p:cNvPicPr>
+          <p:nvPr/>
+        </p:nvPicPr>
+        <p:blipFill>
+          <a:blip r:embed="rId3">
+            <a:extLst>
+              <a:ext uri="{28A0092B-C50C-407E-A947-70E740481C1C}">
+                <a14:useLocalDpi xmlns:a14="http://schemas.microsoft.com/office/drawing/2010/main" val="0"/>
+              </a:ext>
+            </a:extLst>
+          </a:blip>
+          <a:stretch>
+            <a:fillRect/>
+          </a:stretch>
+        </p:blipFill>
+        <p:spPr>
+          <a:xfrm>
+            <a:off x="16341036" y="8058429"/>
+            <a:ext cx="1942857" cy="2228571"/>
+          </a:xfrm>
+          <a:prstGeom prst="rect">
+            <a:avLst/>
+          </a:prstGeom>
+        </p:spPr>
+      </p:pic>
     </p:spTree>
     <p:extLst>
       <p:ext uri="{BB962C8B-B14F-4D97-AF65-F5344CB8AC3E}">
-        <p14:creationId xmlns:p14="http://schemas.microsoft.com/office/powerpoint/2010/main" val="4027644425"/>
+        <p14:creationId xmlns:p14="http://schemas.microsoft.com/office/powerpoint/2010/main" val="4278852698"/>
       </p:ext>
     </p:extLst>
   </p:cSld>
@@ -11429,7 +11585,9 @@
             <a:avLst/>
           </a:prstGeom>
           <a:solidFill>
-            <a:srgbClr val="CF3338"/>
+            <a:schemeClr val="bg1">
+              <a:lumMod val="50000"/>
+            </a:schemeClr>
           </a:solidFill>
           <a:ln>
             <a:noFill/>
@@ -11469,7 +11627,7 @@
         <p:spPr>
           <a:xfrm>
             <a:off x="781292" y="590309"/>
-            <a:ext cx="15486926" cy="3139321"/>
+            <a:ext cx="15486926" cy="1615827"/>
           </a:xfrm>
           <a:prstGeom prst="rect">
             <a:avLst/>
@@ -11487,9 +11645,9 @@
                 <a:solidFill>
                   <a:schemeClr val="bg1"/>
                 </a:solidFill>
-                <a:latin typeface="Normafixed Tryout" panose="00000409000000000000" pitchFamily="49" charset="0"/>
-              </a:rPr>
-              <a:t>1. AI-Powered Data Manipulation</a:t>
+                <a:latin typeface="Normafixed Tryout" panose="00000409000000000000"/>
+              </a:rPr>
+              <a:t>AI-Powered Excel</a:t>
             </a:r>
           </a:p>
         </p:txBody>
@@ -11497,7 +11655,7 @@
     </p:spTree>
     <p:extLst>
       <p:ext uri="{BB962C8B-B14F-4D97-AF65-F5344CB8AC3E}">
-        <p14:creationId xmlns:p14="http://schemas.microsoft.com/office/powerpoint/2010/main" val="499476257"/>
+        <p14:creationId xmlns:p14="http://schemas.microsoft.com/office/powerpoint/2010/main" val="4027644425"/>
       </p:ext>
     </p:extLst>
   </p:cSld>
@@ -11532,8 +11690,8 @@
         </p:nvSpPr>
         <p:spPr>
           <a:xfrm>
-            <a:off x="9861630" y="0"/>
-            <a:ext cx="8426370" cy="10287000"/>
+            <a:off x="0" y="0"/>
+            <a:ext cx="18288000" cy="10287000"/>
           </a:xfrm>
           <a:prstGeom prst="rect">
             <a:avLst/>
@@ -11570,45 +11728,16 @@
           </a:p>
         </p:txBody>
       </p:sp>
-      <p:pic>
-        <p:nvPicPr>
-          <p:cNvPr id="2" name="Picture 1"/>
-          <p:cNvPicPr>
-            <a:picLocks noChangeAspect="1"/>
-          </p:cNvPicPr>
-          <p:nvPr/>
-        </p:nvPicPr>
-        <p:blipFill rotWithShape="1">
-          <a:blip r:embed="rId3">
-            <a:extLst>
-              <a:ext uri="{28A0092B-C50C-407E-A947-70E740481C1C}">
-                <a14:useLocalDpi xmlns:a14="http://schemas.microsoft.com/office/drawing/2010/main" val="0"/>
-              </a:ext>
-            </a:extLst>
-          </a:blip>
-          <a:srcRect l="69227" t="33418" r="20112" b="50548"/>
-          <a:stretch/>
-        </p:blipFill>
-        <p:spPr>
-          <a:xfrm>
-            <a:off x="15579524" y="7544693"/>
-            <a:ext cx="2708477" cy="2987579"/>
-          </a:xfrm>
-          <a:prstGeom prst="rect">
-            <a:avLst/>
-          </a:prstGeom>
-        </p:spPr>
-      </p:pic>
-      <p:sp>
-        <p:nvSpPr>
-          <p:cNvPr id="3" name="TextBox 2"/>
+      <p:sp>
+        <p:nvSpPr>
+          <p:cNvPr id="5" name="TextBox 4"/>
           <p:cNvSpPr txBox="1"/>
           <p:nvPr/>
         </p:nvSpPr>
         <p:spPr>
           <a:xfrm>
-            <a:off x="260431" y="329879"/>
-            <a:ext cx="8906720" cy="10088916"/>
+            <a:off x="781292" y="590309"/>
+            <a:ext cx="15486926" cy="3139321"/>
           </a:xfrm>
           <a:prstGeom prst="rect">
             <a:avLst/>
@@ -11622,204 +11751,21 @@
           <a:lstStyle/>
           <a:p>
             <a:r>
-              <a:rPr lang="en-US" sz="6000" b="1" dirty="0">
-                <a:solidFill>
-                  <a:srgbClr val="CF3338"/>
-                </a:solidFill>
-                <a:latin typeface="Pragmatica" panose="020B0403040502020204" pitchFamily="34" charset="0"/>
-              </a:rPr>
-              <a:t>AI-powered data manipulation</a:t>
-            </a:r>
-          </a:p>
-          <a:p>
-            <a:endParaRPr lang="en-US" sz="4200" dirty="0">
-              <a:solidFill>
-                <a:srgbClr val="CF3338"/>
-              </a:solidFill>
-              <a:latin typeface="Pragmatica" panose="020B0403040502020204" pitchFamily="34" charset="0"/>
-            </a:endParaRPr>
-          </a:p>
-          <a:p>
-            <a:pPr marL="685800" indent="-542925">
-              <a:lnSpc>
-                <a:spcPct val="115000"/>
-              </a:lnSpc>
-              <a:spcBef>
-                <a:spcPts val="1125"/>
-              </a:spcBef>
-              <a:buClr>
-                <a:srgbClr val="C00000"/>
-              </a:buClr>
-              <a:buSzPts val="2100"/>
-              <a:buFont typeface="Arial"/>
-              <a:buAutoNum type="arabicPeriod"/>
-            </a:pPr>
-            <a:r>
-              <a:rPr lang="en-US" sz="3600" dirty="0">
-                <a:solidFill>
-                  <a:srgbClr val="C00000"/>
-                </a:solidFill>
-                <a:latin typeface="Pragmatica" panose="020B0403040502020204"/>
-                <a:sym typeface="Consolas"/>
-              </a:rPr>
-              <a:t>Automating data entry with Flash Fill</a:t>
-            </a:r>
-          </a:p>
-          <a:p>
-            <a:pPr marL="685800" indent="-542925">
-              <a:lnSpc>
-                <a:spcPct val="115000"/>
-              </a:lnSpc>
-              <a:spcBef>
-                <a:spcPts val="1125"/>
-              </a:spcBef>
-              <a:buClr>
-                <a:srgbClr val="C00000"/>
-              </a:buClr>
-              <a:buSzPts val="2100"/>
-              <a:buFont typeface="Arial"/>
-              <a:buAutoNum type="arabicPeriod"/>
-            </a:pPr>
-            <a:r>
-              <a:rPr lang="en-US" sz="3600" dirty="0">
-                <a:solidFill>
-                  <a:srgbClr val="C00000"/>
-                </a:solidFill>
-                <a:latin typeface="Pragmatica" panose="020B0403040502020204"/>
-                <a:sym typeface="Consolas"/>
-              </a:rPr>
-              <a:t>Creating a Column by Example in Power Query</a:t>
-            </a:r>
-          </a:p>
-          <a:p>
-            <a:pPr marL="685800" indent="-542925">
-              <a:lnSpc>
-                <a:spcPct val="115000"/>
-              </a:lnSpc>
-              <a:spcBef>
-                <a:spcPts val="1125"/>
-              </a:spcBef>
-              <a:buClr>
-                <a:srgbClr val="C00000"/>
-              </a:buClr>
-              <a:buSzPts val="2100"/>
-              <a:buFont typeface="Arial"/>
-              <a:buAutoNum type="arabicPeriod"/>
-            </a:pPr>
-            <a:r>
-              <a:rPr lang="en-US" sz="3600" dirty="0">
-                <a:solidFill>
-                  <a:srgbClr val="C00000"/>
-                </a:solidFill>
-                <a:latin typeface="Pragmatica" panose="020B0403040502020204"/>
-                <a:sym typeface="Consolas"/>
-              </a:rPr>
-              <a:t>Creating a Formula by Example in Excel Online</a:t>
-            </a:r>
-          </a:p>
-          <a:p>
-            <a:pPr marL="685800" indent="-542925">
-              <a:lnSpc>
-                <a:spcPct val="115000"/>
-              </a:lnSpc>
-              <a:spcBef>
-                <a:spcPts val="1125"/>
-              </a:spcBef>
-              <a:buClr>
-                <a:srgbClr val="C00000"/>
-              </a:buClr>
-              <a:buSzPts val="2100"/>
-              <a:buFont typeface="Arial"/>
-              <a:buAutoNum type="arabicPeriod"/>
-            </a:pPr>
-            <a:r>
-              <a:rPr lang="en-US" sz="3600" dirty="0">
-                <a:solidFill>
-                  <a:srgbClr val="C00000"/>
-                </a:solidFill>
-                <a:latin typeface="Pragmatica" panose="020B0403040502020204"/>
-                <a:sym typeface="Consolas"/>
-              </a:rPr>
-              <a:t>Joining tables with Fuzzy Matching</a:t>
-            </a:r>
-          </a:p>
-          <a:p>
-            <a:pPr marL="685800" indent="-542925">
-              <a:lnSpc>
-                <a:spcPct val="115000"/>
-              </a:lnSpc>
-              <a:spcBef>
-                <a:spcPts val="1125"/>
-              </a:spcBef>
-              <a:buClr>
-                <a:srgbClr val="C00000"/>
-              </a:buClr>
-              <a:buSzPts val="2100"/>
-              <a:buFont typeface="Arial"/>
-              <a:buAutoNum type="arabicPeriod"/>
-            </a:pPr>
-            <a:endParaRPr lang="en-US" sz="3600" dirty="0">
-              <a:solidFill>
-                <a:srgbClr val="C00000"/>
-              </a:solidFill>
-              <a:latin typeface="Pragmatica" panose="020B0403040502020204"/>
-              <a:sym typeface="Consolas"/>
-            </a:endParaRPr>
-          </a:p>
-          <a:p>
-            <a:pPr marL="142875">
-              <a:lnSpc>
-                <a:spcPct val="115000"/>
-              </a:lnSpc>
-              <a:spcBef>
-                <a:spcPts val="1125"/>
-              </a:spcBef>
-              <a:buClr>
-                <a:srgbClr val="C00000"/>
-              </a:buClr>
-              <a:buSzPts val="2100"/>
-            </a:pPr>
-            <a:r>
-              <a:rPr lang="en-US" sz="3600" dirty="0">
-                <a:solidFill>
-                  <a:srgbClr val="C00000"/>
-                </a:solidFill>
-                <a:latin typeface="Pragmatica" panose="020B0403040502020204"/>
-                <a:sym typeface="Consolas"/>
-              </a:rPr>
-              <a:t>File: </a:t>
-            </a:r>
-            <a:r>
-              <a:rPr lang="en-US" sz="3600" dirty="0">
-                <a:solidFill>
-                  <a:srgbClr val="C00000"/>
-                </a:solidFill>
-                <a:latin typeface="Consolas" panose="020B0609020204030204" pitchFamily="49" charset="0"/>
-                <a:sym typeface="Consolas"/>
-              </a:rPr>
-              <a:t>ai-powered-data-manipulation.xlsx</a:t>
-            </a:r>
-            <a:endParaRPr lang="en-US" sz="6000" dirty="0">
-              <a:solidFill>
-                <a:srgbClr val="CF3338"/>
-              </a:solidFill>
-              <a:latin typeface="Consolas" panose="020B0609020204030204" pitchFamily="49" charset="0"/>
-            </a:endParaRPr>
-          </a:p>
-          <a:p>
-            <a:endParaRPr lang="en-US" sz="6000" dirty="0">
-              <a:solidFill>
-                <a:srgbClr val="CF3338"/>
-              </a:solidFill>
-              <a:latin typeface="Pragmatica" panose="020B0403040502020204" pitchFamily="34" charset="0"/>
-            </a:endParaRPr>
+              <a:rPr lang="en-US" sz="9900" b="1" dirty="0">
+                <a:solidFill>
+                  <a:schemeClr val="bg1"/>
+                </a:solidFill>
+                <a:latin typeface="Normafixed Tryout" panose="00000409000000000000" pitchFamily="49" charset="0"/>
+              </a:rPr>
+              <a:t>1. AI-Powered Data Manipulation</a:t>
+            </a:r>
           </a:p>
         </p:txBody>
       </p:sp>
     </p:spTree>
     <p:extLst>
       <p:ext uri="{BB962C8B-B14F-4D97-AF65-F5344CB8AC3E}">
-        <p14:creationId xmlns:p14="http://schemas.microsoft.com/office/powerpoint/2010/main" val="2797489597"/>
+        <p14:creationId xmlns:p14="http://schemas.microsoft.com/office/powerpoint/2010/main" val="499476257"/>
       </p:ext>
     </p:extLst>
   </p:cSld>
@@ -11930,7 +11876,7 @@
         <p:spPr>
           <a:xfrm>
             <a:off x="260431" y="329879"/>
-            <a:ext cx="8906720" cy="10726013"/>
+            <a:ext cx="8906720" cy="10088916"/>
           </a:xfrm>
           <a:prstGeom prst="rect">
             <a:avLst/>
@@ -11950,7 +11896,7 @@
                 </a:solidFill>
                 <a:latin typeface="Pragmatica" panose="020B0403040502020204" pitchFamily="34" charset="0"/>
               </a:rPr>
-              <a:t>AI-powered data manipulation EXERCISE</a:t>
+              <a:t>AI-powered data manipulation</a:t>
             </a:r>
           </a:p>
           <a:p>
@@ -11962,7 +11908,7 @@
             </a:endParaRPr>
           </a:p>
           <a:p>
-            <a:pPr marL="142875">
+            <a:pPr marL="685800" indent="-542925">
               <a:lnSpc>
                 <a:spcPct val="115000"/>
               </a:lnSpc>
@@ -11973,6 +11919,8 @@
                 <a:srgbClr val="C00000"/>
               </a:buClr>
               <a:buSzPts val="2100"/>
+              <a:buFont typeface="Arial"/>
+              <a:buAutoNum type="arabicPeriod"/>
             </a:pPr>
             <a:r>
               <a:rPr lang="en-US" sz="3600" dirty="0">
@@ -11982,31 +11930,11 @@
                 <a:latin typeface="Pragmatica" panose="020B0403040502020204"/>
                 <a:sym typeface="Consolas"/>
               </a:rPr>
-              <a:t>Using either Flash Fill </a:t>
-            </a:r>
-            <a:r>
-              <a:rPr lang="en-US" sz="3600" i="1" dirty="0">
-                <a:solidFill>
-                  <a:srgbClr val="C00000"/>
-                </a:solidFill>
-                <a:latin typeface="Pragmatica" panose="020B0403040502020204"/>
-                <a:sym typeface="Consolas"/>
-              </a:rPr>
-              <a:t>or </a:t>
-            </a:r>
-            <a:r>
-              <a:rPr lang="en-US" sz="3600" dirty="0">
-                <a:solidFill>
-                  <a:srgbClr val="C00000"/>
-                </a:solidFill>
-                <a:latin typeface="Pragmatica" panose="020B0403040502020204"/>
-                <a:sym typeface="Consolas"/>
-              </a:rPr>
-              <a:t>Column from Example:</a:t>
-            </a:r>
-          </a:p>
-          <a:p>
-            <a:pPr marL="142875">
+              <a:t>Automating data entry with Flash Fill</a:t>
+            </a:r>
+          </a:p>
+          <a:p>
+            <a:pPr marL="685800" indent="-542925">
               <a:lnSpc>
                 <a:spcPct val="115000"/>
               </a:lnSpc>
@@ -12017,17 +11945,22 @@
                 <a:srgbClr val="C00000"/>
               </a:buClr>
               <a:buSzPts val="2100"/>
+              <a:buFont typeface="Arial"/>
+              <a:buAutoNum type="arabicPeriod"/>
             </a:pPr>
-            <a:endParaRPr lang="en-US" sz="3600" dirty="0">
-              <a:solidFill>
-                <a:srgbClr val="C00000"/>
-              </a:solidFill>
-              <a:latin typeface="Pragmatica" panose="020B0403040502020204"/>
-              <a:sym typeface="Consolas"/>
-            </a:endParaRPr>
-          </a:p>
-          <a:p>
-            <a:pPr marL="714375" indent="-571500">
+            <a:r>
+              <a:rPr lang="en-US" sz="3600" dirty="0">
+                <a:solidFill>
+                  <a:srgbClr val="C00000"/>
+                </a:solidFill>
+                <a:latin typeface="Pragmatica" panose="020B0403040502020204"/>
+                <a:sym typeface="Consolas"/>
+              </a:rPr>
+              <a:t>Creating a Column by Example in Power Query</a:t>
+            </a:r>
+          </a:p>
+          <a:p>
+            <a:pPr marL="685800" indent="-542925">
               <a:lnSpc>
                 <a:spcPct val="115000"/>
               </a:lnSpc>
@@ -12038,8 +11971,8 @@
                 <a:srgbClr val="C00000"/>
               </a:buClr>
               <a:buSzPts val="2100"/>
-              <a:buFont typeface="Arial" panose="020B0604020202020204" pitchFamily="34" charset="0"/>
-              <a:buChar char="•"/>
+              <a:buFont typeface="Arial"/>
+              <a:buAutoNum type="arabicPeriod"/>
             </a:pPr>
             <a:r>
               <a:rPr lang="en-US" sz="3600" dirty="0">
@@ -12049,31 +11982,11 @@
                 <a:latin typeface="Pragmatica" panose="020B0403040502020204"/>
                 <a:sym typeface="Consolas"/>
               </a:rPr>
-              <a:t>Find the city name from each column (Houston, Atlanta, Los Angeles, </a:t>
-            </a:r>
-            <a:r>
-              <a:rPr lang="en-US" sz="3600" dirty="0" err="1">
-                <a:solidFill>
-                  <a:srgbClr val="C00000"/>
-                </a:solidFill>
-                <a:latin typeface="Pragmatica" panose="020B0403040502020204"/>
-                <a:sym typeface="Consolas"/>
-              </a:rPr>
-              <a:t>etc</a:t>
-            </a:r>
-            <a:r>
-              <a:rPr lang="en-US" sz="3600" dirty="0">
-                <a:solidFill>
-                  <a:srgbClr val="C00000"/>
-                </a:solidFill>
-                <a:latin typeface="Pragmatica" panose="020B0403040502020204"/>
-                <a:sym typeface="Consolas"/>
-              </a:rPr>
-              <a:t>)</a:t>
-            </a:r>
-          </a:p>
-          <a:p>
-            <a:pPr marL="714375" indent="-571500">
+              <a:t>Creating a Formula by Example in Excel Online</a:t>
+            </a:r>
+          </a:p>
+          <a:p>
+            <a:pPr marL="685800" indent="-542925">
               <a:lnSpc>
                 <a:spcPct val="115000"/>
               </a:lnSpc>
@@ -12084,8 +11997,8 @@
                 <a:srgbClr val="C00000"/>
               </a:buClr>
               <a:buSzPts val="2100"/>
-              <a:buFont typeface="Arial" panose="020B0604020202020204" pitchFamily="34" charset="0"/>
-              <a:buChar char="•"/>
+              <a:buFont typeface="Arial"/>
+              <a:buAutoNum type="arabicPeriod"/>
             </a:pPr>
             <a:r>
               <a:rPr lang="en-US" sz="3600" dirty="0">
@@ -12095,27 +12008,7 @@
                 <a:latin typeface="Pragmatica" panose="020B0403040502020204"/>
                 <a:sym typeface="Consolas"/>
               </a:rPr>
-              <a:t>Find the initials for each time (HA, AB, LAD, </a:t>
-            </a:r>
-            <a:r>
-              <a:rPr lang="en-US" sz="3600" dirty="0" err="1">
-                <a:solidFill>
-                  <a:srgbClr val="C00000"/>
-                </a:solidFill>
-                <a:latin typeface="Pragmatica" panose="020B0403040502020204"/>
-                <a:sym typeface="Consolas"/>
-              </a:rPr>
-              <a:t>etc</a:t>
-            </a:r>
-            <a:r>
-              <a:rPr lang="en-US" sz="3600" dirty="0">
-                <a:solidFill>
-                  <a:srgbClr val="C00000"/>
-                </a:solidFill>
-                <a:latin typeface="Pragmatica" panose="020B0403040502020204"/>
-                <a:sym typeface="Consolas"/>
-              </a:rPr>
-              <a:t>)</a:t>
+              <a:t>Joining tables with Fuzzy Matching</a:t>
             </a:r>
           </a:p>
           <a:p>
@@ -12172,6 +12065,381 @@
                 <a:latin typeface="Consolas" panose="020B0609020204030204" pitchFamily="49" charset="0"/>
                 <a:sym typeface="Consolas"/>
               </a:rPr>
+              <a:t>ai-powered-data-manipulation.xlsx</a:t>
+            </a:r>
+            <a:endParaRPr lang="en-US" sz="6000" dirty="0">
+              <a:solidFill>
+                <a:srgbClr val="CF3338"/>
+              </a:solidFill>
+              <a:latin typeface="Consolas" panose="020B0609020204030204" pitchFamily="49" charset="0"/>
+            </a:endParaRPr>
+          </a:p>
+          <a:p>
+            <a:endParaRPr lang="en-US" sz="6000" dirty="0">
+              <a:solidFill>
+                <a:srgbClr val="CF3338"/>
+              </a:solidFill>
+              <a:latin typeface="Pragmatica" panose="020B0403040502020204" pitchFamily="34" charset="0"/>
+            </a:endParaRPr>
+          </a:p>
+        </p:txBody>
+      </p:sp>
+    </p:spTree>
+    <p:extLst>
+      <p:ext uri="{BB962C8B-B14F-4D97-AF65-F5344CB8AC3E}">
+        <p14:creationId xmlns:p14="http://schemas.microsoft.com/office/powerpoint/2010/main" val="2797489597"/>
+      </p:ext>
+    </p:extLst>
+  </p:cSld>
+  <p:clrMapOvr>
+    <a:masterClrMapping/>
+  </p:clrMapOvr>
+</p:sld>
+</file>
+
+<file path=ppt/slides/slide8.xml><?xml version="1.0" encoding="utf-8"?>
+<p:sld xmlns:a="http://schemas.openxmlformats.org/drawingml/2006/main" xmlns:r="http://schemas.openxmlformats.org/officeDocument/2006/relationships" xmlns:p="http://schemas.openxmlformats.org/presentationml/2006/main">
+  <p:cSld>
+    <p:spTree>
+      <p:nvGrpSpPr>
+        <p:cNvPr id="1" name=""/>
+        <p:cNvGrpSpPr/>
+        <p:nvPr/>
+      </p:nvGrpSpPr>
+      <p:grpSpPr>
+        <a:xfrm>
+          <a:off x="0" y="0"/>
+          <a:ext cx="0" cy="0"/>
+          <a:chOff x="0" y="0"/>
+          <a:chExt cx="0" cy="0"/>
+        </a:xfrm>
+      </p:grpSpPr>
+      <p:sp>
+        <p:nvSpPr>
+          <p:cNvPr id="4" name="Rectangle 3"/>
+          <p:cNvSpPr/>
+          <p:nvPr/>
+        </p:nvSpPr>
+        <p:spPr>
+          <a:xfrm>
+            <a:off x="9861630" y="0"/>
+            <a:ext cx="8426370" cy="10287000"/>
+          </a:xfrm>
+          <a:prstGeom prst="rect">
+            <a:avLst/>
+          </a:prstGeom>
+          <a:solidFill>
+            <a:srgbClr val="CF3338"/>
+          </a:solidFill>
+          <a:ln>
+            <a:noFill/>
+          </a:ln>
+        </p:spPr>
+        <p:style>
+          <a:lnRef idx="2">
+            <a:schemeClr val="accent1">
+              <a:shade val="50000"/>
+            </a:schemeClr>
+          </a:lnRef>
+          <a:fillRef idx="1">
+            <a:schemeClr val="accent1"/>
+          </a:fillRef>
+          <a:effectRef idx="0">
+            <a:schemeClr val="accent1"/>
+          </a:effectRef>
+          <a:fontRef idx="minor">
+            <a:schemeClr val="lt1"/>
+          </a:fontRef>
+        </p:style>
+        <p:txBody>
+          <a:bodyPr rtlCol="0" anchor="ctr"/>
+          <a:lstStyle/>
+          <a:p>
+            <a:pPr algn="ctr"/>
+            <a:endParaRPr lang="en-US" sz="2700"/>
+          </a:p>
+        </p:txBody>
+      </p:sp>
+      <p:pic>
+        <p:nvPicPr>
+          <p:cNvPr id="2" name="Picture 1"/>
+          <p:cNvPicPr>
+            <a:picLocks noChangeAspect="1"/>
+          </p:cNvPicPr>
+          <p:nvPr/>
+        </p:nvPicPr>
+        <p:blipFill rotWithShape="1">
+          <a:blip r:embed="rId3">
+            <a:extLst>
+              <a:ext uri="{28A0092B-C50C-407E-A947-70E740481C1C}">
+                <a14:useLocalDpi xmlns:a14="http://schemas.microsoft.com/office/drawing/2010/main" val="0"/>
+              </a:ext>
+            </a:extLst>
+          </a:blip>
+          <a:srcRect l="69227" t="33418" r="20112" b="50548"/>
+          <a:stretch/>
+        </p:blipFill>
+        <p:spPr>
+          <a:xfrm>
+            <a:off x="15579524" y="7544693"/>
+            <a:ext cx="2708477" cy="2987579"/>
+          </a:xfrm>
+          <a:prstGeom prst="rect">
+            <a:avLst/>
+          </a:prstGeom>
+        </p:spPr>
+      </p:pic>
+      <p:sp>
+        <p:nvSpPr>
+          <p:cNvPr id="3" name="TextBox 2"/>
+          <p:cNvSpPr txBox="1"/>
+          <p:nvPr/>
+        </p:nvSpPr>
+        <p:spPr>
+          <a:xfrm>
+            <a:off x="260431" y="329879"/>
+            <a:ext cx="8906720" cy="10726013"/>
+          </a:xfrm>
+          <a:prstGeom prst="rect">
+            <a:avLst/>
+          </a:prstGeom>
+          <a:noFill/>
+        </p:spPr>
+        <p:txBody>
+          <a:bodyPr wrap="square" rtlCol="0">
+            <a:spAutoFit/>
+          </a:bodyPr>
+          <a:lstStyle/>
+          <a:p>
+            <a:r>
+              <a:rPr lang="en-US" sz="6000" b="1" dirty="0">
+                <a:solidFill>
+                  <a:srgbClr val="CF3338"/>
+                </a:solidFill>
+                <a:latin typeface="Pragmatica" panose="020B0403040502020204" pitchFamily="34" charset="0"/>
+              </a:rPr>
+              <a:t>AI-powered data manipulation EXERCISE</a:t>
+            </a:r>
+          </a:p>
+          <a:p>
+            <a:endParaRPr lang="en-US" sz="4200" dirty="0">
+              <a:solidFill>
+                <a:srgbClr val="CF3338"/>
+              </a:solidFill>
+              <a:latin typeface="Pragmatica" panose="020B0403040502020204" pitchFamily="34" charset="0"/>
+            </a:endParaRPr>
+          </a:p>
+          <a:p>
+            <a:pPr marL="142875">
+              <a:lnSpc>
+                <a:spcPct val="115000"/>
+              </a:lnSpc>
+              <a:spcBef>
+                <a:spcPts val="1125"/>
+              </a:spcBef>
+              <a:buClr>
+                <a:srgbClr val="C00000"/>
+              </a:buClr>
+              <a:buSzPts val="2100"/>
+            </a:pPr>
+            <a:r>
+              <a:rPr lang="en-US" sz="3600" dirty="0">
+                <a:solidFill>
+                  <a:srgbClr val="C00000"/>
+                </a:solidFill>
+                <a:latin typeface="Pragmatica" panose="020B0403040502020204"/>
+                <a:sym typeface="Consolas"/>
+              </a:rPr>
+              <a:t>Using either Flash Fill </a:t>
+            </a:r>
+            <a:r>
+              <a:rPr lang="en-US" sz="3600" i="1" dirty="0">
+                <a:solidFill>
+                  <a:srgbClr val="C00000"/>
+                </a:solidFill>
+                <a:latin typeface="Pragmatica" panose="020B0403040502020204"/>
+                <a:sym typeface="Consolas"/>
+              </a:rPr>
+              <a:t>or </a:t>
+            </a:r>
+            <a:r>
+              <a:rPr lang="en-US" sz="3600" dirty="0">
+                <a:solidFill>
+                  <a:srgbClr val="C00000"/>
+                </a:solidFill>
+                <a:latin typeface="Pragmatica" panose="020B0403040502020204"/>
+                <a:sym typeface="Consolas"/>
+              </a:rPr>
+              <a:t>Column from Example:</a:t>
+            </a:r>
+          </a:p>
+          <a:p>
+            <a:pPr marL="142875">
+              <a:lnSpc>
+                <a:spcPct val="115000"/>
+              </a:lnSpc>
+              <a:spcBef>
+                <a:spcPts val="1125"/>
+              </a:spcBef>
+              <a:buClr>
+                <a:srgbClr val="C00000"/>
+              </a:buClr>
+              <a:buSzPts val="2100"/>
+            </a:pPr>
+            <a:endParaRPr lang="en-US" sz="3600" dirty="0">
+              <a:solidFill>
+                <a:srgbClr val="C00000"/>
+              </a:solidFill>
+              <a:latin typeface="Pragmatica" panose="020B0403040502020204"/>
+              <a:sym typeface="Consolas"/>
+            </a:endParaRPr>
+          </a:p>
+          <a:p>
+            <a:pPr marL="714375" indent="-571500">
+              <a:lnSpc>
+                <a:spcPct val="115000"/>
+              </a:lnSpc>
+              <a:spcBef>
+                <a:spcPts val="1125"/>
+              </a:spcBef>
+              <a:buClr>
+                <a:srgbClr val="C00000"/>
+              </a:buClr>
+              <a:buSzPts val="2100"/>
+              <a:buFont typeface="Arial" panose="020B0604020202020204" pitchFamily="34" charset="0"/>
+              <a:buChar char="•"/>
+            </a:pPr>
+            <a:r>
+              <a:rPr lang="en-US" sz="3600" dirty="0">
+                <a:solidFill>
+                  <a:srgbClr val="C00000"/>
+                </a:solidFill>
+                <a:latin typeface="Pragmatica" panose="020B0403040502020204"/>
+                <a:sym typeface="Consolas"/>
+              </a:rPr>
+              <a:t>Find the city name from each column (Houston, Atlanta, Los Angeles, </a:t>
+            </a:r>
+            <a:r>
+              <a:rPr lang="en-US" sz="3600" dirty="0" err="1">
+                <a:solidFill>
+                  <a:srgbClr val="C00000"/>
+                </a:solidFill>
+                <a:latin typeface="Pragmatica" panose="020B0403040502020204"/>
+                <a:sym typeface="Consolas"/>
+              </a:rPr>
+              <a:t>etc</a:t>
+            </a:r>
+            <a:r>
+              <a:rPr lang="en-US" sz="3600" dirty="0">
+                <a:solidFill>
+                  <a:srgbClr val="C00000"/>
+                </a:solidFill>
+                <a:latin typeface="Pragmatica" panose="020B0403040502020204"/>
+                <a:sym typeface="Consolas"/>
+              </a:rPr>
+              <a:t>)</a:t>
+            </a:r>
+          </a:p>
+          <a:p>
+            <a:pPr marL="714375" indent="-571500">
+              <a:lnSpc>
+                <a:spcPct val="115000"/>
+              </a:lnSpc>
+              <a:spcBef>
+                <a:spcPts val="1125"/>
+              </a:spcBef>
+              <a:buClr>
+                <a:srgbClr val="C00000"/>
+              </a:buClr>
+              <a:buSzPts val="2100"/>
+              <a:buFont typeface="Arial" panose="020B0604020202020204" pitchFamily="34" charset="0"/>
+              <a:buChar char="•"/>
+            </a:pPr>
+            <a:r>
+              <a:rPr lang="en-US" sz="3600" dirty="0">
+                <a:solidFill>
+                  <a:srgbClr val="C00000"/>
+                </a:solidFill>
+                <a:latin typeface="Pragmatica" panose="020B0403040502020204"/>
+                <a:sym typeface="Consolas"/>
+              </a:rPr>
+              <a:t>Find the initials for each time (HA, AB, LAD, </a:t>
+            </a:r>
+            <a:r>
+              <a:rPr lang="en-US" sz="3600" dirty="0" err="1">
+                <a:solidFill>
+                  <a:srgbClr val="C00000"/>
+                </a:solidFill>
+                <a:latin typeface="Pragmatica" panose="020B0403040502020204"/>
+                <a:sym typeface="Consolas"/>
+              </a:rPr>
+              <a:t>etc</a:t>
+            </a:r>
+            <a:r>
+              <a:rPr lang="en-US" sz="3600" dirty="0">
+                <a:solidFill>
+                  <a:srgbClr val="C00000"/>
+                </a:solidFill>
+                <a:latin typeface="Pragmatica" panose="020B0403040502020204"/>
+                <a:sym typeface="Consolas"/>
+              </a:rPr>
+              <a:t>)</a:t>
+            </a:r>
+          </a:p>
+          <a:p>
+            <a:pPr marL="685800" indent="-542925">
+              <a:lnSpc>
+                <a:spcPct val="115000"/>
+              </a:lnSpc>
+              <a:spcBef>
+                <a:spcPts val="1125"/>
+              </a:spcBef>
+              <a:buClr>
+                <a:srgbClr val="C00000"/>
+              </a:buClr>
+              <a:buSzPts val="2100"/>
+              <a:buFont typeface="Arial"/>
+              <a:buAutoNum type="arabicPeriod"/>
+            </a:pPr>
+            <a:endParaRPr lang="en-US" sz="3600" dirty="0">
+              <a:solidFill>
+                <a:srgbClr val="C00000"/>
+              </a:solidFill>
+              <a:latin typeface="Pragmatica" panose="020B0403040502020204"/>
+              <a:sym typeface="Consolas"/>
+            </a:endParaRPr>
+          </a:p>
+          <a:p>
+            <a:pPr marL="142875">
+              <a:lnSpc>
+                <a:spcPct val="115000"/>
+              </a:lnSpc>
+              <a:spcBef>
+                <a:spcPts val="1125"/>
+              </a:spcBef>
+              <a:buClr>
+                <a:srgbClr val="C00000"/>
+              </a:buClr>
+              <a:buSzPts val="2100"/>
+            </a:pPr>
+            <a:r>
+              <a:rPr lang="en-US" sz="3600" dirty="0">
+                <a:solidFill>
+                  <a:srgbClr val="C00000"/>
+                </a:solidFill>
+                <a:latin typeface="Pragmatica" panose="020B0403040502020204"/>
+                <a:sym typeface="Consolas"/>
+              </a:rPr>
+              <a:t>File: </a:t>
+            </a:r>
+            <a:r>
+              <a:rPr lang="en-US" sz="3600" dirty="0">
+                <a:solidFill>
+                  <a:srgbClr val="C00000"/>
+                </a:solidFill>
+                <a:latin typeface="Consolas" panose="020B0609020204030204" pitchFamily="49" charset="0"/>
+                <a:sym typeface="Consolas"/>
+              </a:rPr>
               <a:t>ai-powered-data-manipulation-exercise.xlsx</a:t>
             </a:r>
             <a:endParaRPr lang="en-US" sz="6000" dirty="0">
@@ -12204,7 +12472,7 @@
 </p:sld>
 </file>
 
-<file path=ppt/slides/slide8.xml><?xml version="1.0" encoding="utf-8"?>
+<file path=ppt/slides/slide9.xml><?xml version="1.0" encoding="utf-8"?>
 <p:sld xmlns:a="http://schemas.openxmlformats.org/drawingml/2006/main" xmlns:r="http://schemas.openxmlformats.org/officeDocument/2006/relationships" xmlns:p="http://schemas.openxmlformats.org/presentationml/2006/main">
   <p:cSld>
     <p:spTree>
@@ -12353,116 +12621,6 @@
     <p:extLst>
       <p:ext uri="{BB962C8B-B14F-4D97-AF65-F5344CB8AC3E}">
         <p14:creationId xmlns:p14="http://schemas.microsoft.com/office/powerpoint/2010/main" val="2683774385"/>
-      </p:ext>
-    </p:extLst>
-  </p:cSld>
-  <p:clrMapOvr>
-    <a:masterClrMapping/>
-  </p:clrMapOvr>
-</p:sld>
-</file>
-
-<file path=ppt/slides/slide9.xml><?xml version="1.0" encoding="utf-8"?>
-<p:sld xmlns:a="http://schemas.openxmlformats.org/drawingml/2006/main" xmlns:r="http://schemas.openxmlformats.org/officeDocument/2006/relationships" xmlns:p="http://schemas.openxmlformats.org/presentationml/2006/main">
-  <p:cSld>
-    <p:spTree>
-      <p:nvGrpSpPr>
-        <p:cNvPr id="1" name=""/>
-        <p:cNvGrpSpPr/>
-        <p:nvPr/>
-      </p:nvGrpSpPr>
-      <p:grpSpPr>
-        <a:xfrm>
-          <a:off x="0" y="0"/>
-          <a:ext cx="0" cy="0"/>
-          <a:chOff x="0" y="0"/>
-          <a:chExt cx="0" cy="0"/>
-        </a:xfrm>
-      </p:grpSpPr>
-      <p:sp>
-        <p:nvSpPr>
-          <p:cNvPr id="4" name="Rectangle 3"/>
-          <p:cNvSpPr/>
-          <p:nvPr/>
-        </p:nvSpPr>
-        <p:spPr>
-          <a:xfrm>
-            <a:off x="0" y="0"/>
-            <a:ext cx="18288000" cy="10287000"/>
-          </a:xfrm>
-          <a:prstGeom prst="rect">
-            <a:avLst/>
-          </a:prstGeom>
-          <a:solidFill>
-            <a:srgbClr val="CF3338"/>
-          </a:solidFill>
-          <a:ln>
-            <a:noFill/>
-          </a:ln>
-        </p:spPr>
-        <p:style>
-          <a:lnRef idx="2">
-            <a:schemeClr val="accent1">
-              <a:shade val="50000"/>
-            </a:schemeClr>
-          </a:lnRef>
-          <a:fillRef idx="1">
-            <a:schemeClr val="accent1"/>
-          </a:fillRef>
-          <a:effectRef idx="0">
-            <a:schemeClr val="accent1"/>
-          </a:effectRef>
-          <a:fontRef idx="minor">
-            <a:schemeClr val="lt1"/>
-          </a:fontRef>
-        </p:style>
-        <p:txBody>
-          <a:bodyPr rtlCol="0" anchor="ctr"/>
-          <a:lstStyle/>
-          <a:p>
-            <a:pPr algn="ctr"/>
-            <a:endParaRPr lang="en-US" sz="2700"/>
-          </a:p>
-        </p:txBody>
-      </p:sp>
-      <p:sp>
-        <p:nvSpPr>
-          <p:cNvPr id="5" name="TextBox 4"/>
-          <p:cNvSpPr txBox="1"/>
-          <p:nvPr/>
-        </p:nvSpPr>
-        <p:spPr>
-          <a:xfrm>
-            <a:off x="781292" y="590309"/>
-            <a:ext cx="15486926" cy="3139321"/>
-          </a:xfrm>
-          <a:prstGeom prst="rect">
-            <a:avLst/>
-          </a:prstGeom>
-          <a:noFill/>
-        </p:spPr>
-        <p:txBody>
-          <a:bodyPr wrap="square" rtlCol="0">
-            <a:spAutoFit/>
-          </a:bodyPr>
-          <a:lstStyle/>
-          <a:p>
-            <a:r>
-              <a:rPr lang="en-US" sz="9900" b="1" dirty="0">
-                <a:solidFill>
-                  <a:schemeClr val="bg1"/>
-                </a:solidFill>
-                <a:latin typeface="Normafixed Tryout" panose="00000409000000000000" pitchFamily="49" charset="0"/>
-              </a:rPr>
-              <a:t>2. AI-Powered Data Entry and Forecasting</a:t>
-            </a:r>
-          </a:p>
-        </p:txBody>
-      </p:sp>
-    </p:spTree>
-    <p:extLst>
-      <p:ext uri="{BB962C8B-B14F-4D97-AF65-F5344CB8AC3E}">
-        <p14:creationId xmlns:p14="http://schemas.microsoft.com/office/powerpoint/2010/main" val="3261205573"/>
       </p:ext>
     </p:extLst>
   </p:cSld>
